--- a/Fig/Discussion/schema_dream_recall.pptx
+++ b/Fig/Discussion/schema_dream_recall.pptx
@@ -6,10 +6,11 @@
   </p:sldMasterIdLst>
   <p:sldIdLst>
     <p:sldId id="261" r:id="rId2"/>
-    <p:sldId id="260" r:id="rId3"/>
-    <p:sldId id="256" r:id="rId4"/>
-    <p:sldId id="257" r:id="rId5"/>
-    <p:sldId id="258" r:id="rId6"/>
+    <p:sldId id="262" r:id="rId3"/>
+    <p:sldId id="260" r:id="rId4"/>
+    <p:sldId id="256" r:id="rId5"/>
+    <p:sldId id="257" r:id="rId6"/>
+    <p:sldId id="258" r:id="rId7"/>
   </p:sldIdLst>
   <p:sldSz cx="14400213" cy="6858000"/>
   <p:notesSz cx="6858000" cy="9144000"/>
@@ -116,7 +117,7 @@
             <a:srgbClr val="A4A3A4"/>
           </p15:clr>
         </p15:guide>
-        <p15:guide id="2" pos="4535">
+        <p15:guide id="2" pos="1905" userDrawn="1">
           <p15:clr>
             <a:srgbClr val="A4A3A4"/>
           </p15:clr>
@@ -258,7 +259,7 @@
           <a:p>
             <a:fld id="{39F55FEC-1300-4CA0-95F5-21250F10457E}" type="datetimeFigureOut">
               <a:rPr lang="en-US" smtClean="0"/>
-              <a:t>10/19/2017</a:t>
+              <a:t>10/23/2017</a:t>
             </a:fld>
             <a:endParaRPr lang="en-US"/>
           </a:p>
@@ -428,7 +429,7 @@
           <a:p>
             <a:fld id="{39F55FEC-1300-4CA0-95F5-21250F10457E}" type="datetimeFigureOut">
               <a:rPr lang="en-US" smtClean="0"/>
-              <a:t>10/19/2017</a:t>
+              <a:t>10/23/2017</a:t>
             </a:fld>
             <a:endParaRPr lang="en-US"/>
           </a:p>
@@ -608,7 +609,7 @@
           <a:p>
             <a:fld id="{39F55FEC-1300-4CA0-95F5-21250F10457E}" type="datetimeFigureOut">
               <a:rPr lang="en-US" smtClean="0"/>
-              <a:t>10/19/2017</a:t>
+              <a:t>10/23/2017</a:t>
             </a:fld>
             <a:endParaRPr lang="en-US"/>
           </a:p>
@@ -778,7 +779,7 @@
           <a:p>
             <a:fld id="{39F55FEC-1300-4CA0-95F5-21250F10457E}" type="datetimeFigureOut">
               <a:rPr lang="en-US" smtClean="0"/>
-              <a:t>10/19/2017</a:t>
+              <a:t>10/23/2017</a:t>
             </a:fld>
             <a:endParaRPr lang="en-US"/>
           </a:p>
@@ -1024,7 +1025,7 @@
           <a:p>
             <a:fld id="{39F55FEC-1300-4CA0-95F5-21250F10457E}" type="datetimeFigureOut">
               <a:rPr lang="en-US" smtClean="0"/>
-              <a:t>10/19/2017</a:t>
+              <a:t>10/23/2017</a:t>
             </a:fld>
             <a:endParaRPr lang="en-US"/>
           </a:p>
@@ -1256,7 +1257,7 @@
           <a:p>
             <a:fld id="{39F55FEC-1300-4CA0-95F5-21250F10457E}" type="datetimeFigureOut">
               <a:rPr lang="en-US" smtClean="0"/>
-              <a:t>10/19/2017</a:t>
+              <a:t>10/23/2017</a:t>
             </a:fld>
             <a:endParaRPr lang="en-US"/>
           </a:p>
@@ -1623,7 +1624,7 @@
           <a:p>
             <a:fld id="{39F55FEC-1300-4CA0-95F5-21250F10457E}" type="datetimeFigureOut">
               <a:rPr lang="en-US" smtClean="0"/>
-              <a:t>10/19/2017</a:t>
+              <a:t>10/23/2017</a:t>
             </a:fld>
             <a:endParaRPr lang="en-US"/>
           </a:p>
@@ -1741,7 +1742,7 @@
           <a:p>
             <a:fld id="{39F55FEC-1300-4CA0-95F5-21250F10457E}" type="datetimeFigureOut">
               <a:rPr lang="en-US" smtClean="0"/>
-              <a:t>10/19/2017</a:t>
+              <a:t>10/23/2017</a:t>
             </a:fld>
             <a:endParaRPr lang="en-US"/>
           </a:p>
@@ -1836,7 +1837,7 @@
           <a:p>
             <a:fld id="{39F55FEC-1300-4CA0-95F5-21250F10457E}" type="datetimeFigureOut">
               <a:rPr lang="en-US" smtClean="0"/>
-              <a:t>10/19/2017</a:t>
+              <a:t>10/23/2017</a:t>
             </a:fld>
             <a:endParaRPr lang="en-US"/>
           </a:p>
@@ -2113,7 +2114,7 @@
           <a:p>
             <a:fld id="{39F55FEC-1300-4CA0-95F5-21250F10457E}" type="datetimeFigureOut">
               <a:rPr lang="en-US" smtClean="0"/>
-              <a:t>10/19/2017</a:t>
+              <a:t>10/23/2017</a:t>
             </a:fld>
             <a:endParaRPr lang="en-US"/>
           </a:p>
@@ -2370,7 +2371,7 @@
           <a:p>
             <a:fld id="{39F55FEC-1300-4CA0-95F5-21250F10457E}" type="datetimeFigureOut">
               <a:rPr lang="en-US" smtClean="0"/>
-              <a:t>10/19/2017</a:t>
+              <a:t>10/23/2017</a:t>
             </a:fld>
             <a:endParaRPr lang="en-US"/>
           </a:p>
@@ -2583,7 +2584,7 @@
           <a:p>
             <a:fld id="{39F55FEC-1300-4CA0-95F5-21250F10457E}" type="datetimeFigureOut">
               <a:rPr lang="en-US" smtClean="0"/>
-              <a:t>10/19/2017</a:t>
+              <a:t>10/23/2017</a:t>
             </a:fld>
             <a:endParaRPr lang="en-US"/>
           </a:p>
@@ -2997,16 +2998,18 @@
         <p:spPr>
           <a:xfrm>
             <a:off x="4436668" y="2709936"/>
-            <a:ext cx="1502980" cy="872358"/>
+            <a:ext cx="1440000" cy="872358"/>
           </a:xfrm>
           <a:prstGeom prst="rect">
             <a:avLst/>
           </a:prstGeom>
-          <a:solidFill>
-            <a:srgbClr val="6EBCBF"/>
-          </a:solidFill>
-          <a:ln w="19050">
-            <a:noFill/>
+          <a:noFill/>
+          <a:ln w="12700">
+            <a:solidFill>
+              <a:schemeClr val="tx2">
+                <a:lumMod val="75000"/>
+              </a:schemeClr>
+            </a:solidFill>
           </a:ln>
         </p:spPr>
         <p:style>
@@ -3040,15 +3043,24 @@
               </a:lnSpc>
             </a:pPr>
             <a:r>
-              <a:rPr lang="en-US" sz="1150" smtClean="0">
+              <a:rPr lang="en-US" sz="1150" dirty="0" smtClean="0">
                 <a:solidFill>
                   <a:schemeClr val="tx1"/>
                 </a:solidFill>
                 <a:latin typeface="Helvetica Neue" panose="02000503000000020004" pitchFamily="50"/>
               </a:rPr>
-              <a:t>INTRA-SLEEP AWAKENINGS</a:t>
-            </a:r>
-            <a:endParaRPr lang="en-US" sz="1150" baseline="30000" dirty="0">
+              <a:t>INTRA-SLEEP </a:t>
+            </a:r>
+            <a:r>
+              <a:rPr lang="en-US" sz="1150" b="1" dirty="0" smtClean="0">
+                <a:solidFill>
+                  <a:schemeClr val="tx1"/>
+                </a:solidFill>
+                <a:latin typeface="Helvetica Neue" panose="02000503000000020004" pitchFamily="50"/>
+              </a:rPr>
+              <a:t>AWAKENINGS</a:t>
+            </a:r>
+            <a:endParaRPr lang="en-US" sz="1150" b="1" baseline="30000" dirty="0">
               <a:solidFill>
                 <a:schemeClr val="tx1"/>
               </a:solidFill>
@@ -3065,17 +3077,19 @@
         </p:nvSpPr>
         <p:spPr>
           <a:xfrm>
-            <a:off x="6616568" y="2709936"/>
+            <a:off x="6404699" y="2721087"/>
             <a:ext cx="1502980" cy="872358"/>
           </a:xfrm>
           <a:prstGeom prst="rect">
             <a:avLst/>
           </a:prstGeom>
-          <a:solidFill>
-            <a:srgbClr val="61567C"/>
-          </a:solidFill>
-          <a:ln w="19050">
-            <a:noFill/>
+          <a:noFill/>
+          <a:ln w="12700">
+            <a:solidFill>
+              <a:schemeClr val="tx2">
+                <a:lumMod val="75000"/>
+              </a:schemeClr>
+            </a:solidFill>
           </a:ln>
         </p:spPr>
         <p:style>
@@ -3109,17 +3123,26 @@
               </a:lnSpc>
             </a:pPr>
             <a:r>
-              <a:rPr lang="en-US" sz="1150" dirty="0" smtClean="0">
-                <a:solidFill>
-                  <a:schemeClr val="bg1"/>
+              <a:rPr lang="en-US" sz="1100" b="1" dirty="0" smtClean="0">
+                <a:solidFill>
+                  <a:schemeClr val="tx1"/>
                 </a:solidFill>
                 <a:latin typeface="Helvetica Neue" panose="02000503000000020004" pitchFamily="50"/>
               </a:rPr>
-              <a:t>ENCODING OF DREAM IN LONG TERM MEMORY</a:t>
-            </a:r>
-            <a:endParaRPr lang="en-US" sz="1150" baseline="30000" dirty="0">
+              <a:t>ENCODING</a:t>
+            </a:r>
+            <a:r>
+              <a:rPr lang="en-US" sz="1100" dirty="0" smtClean="0">
+                <a:solidFill>
+                  <a:schemeClr val="tx1"/>
+                </a:solidFill>
+                <a:latin typeface="Helvetica Neue" panose="02000503000000020004" pitchFamily="50"/>
+              </a:rPr>
+              <a:t> OF DREAM IN LONG TERM MEMORY</a:t>
+            </a:r>
+            <a:endParaRPr lang="en-US" sz="1100" baseline="30000" dirty="0">
               <a:solidFill>
-                <a:schemeClr val="bg1"/>
+                <a:schemeClr val="tx1"/>
               </a:solidFill>
               <a:latin typeface="Helvetica Neue" panose="02000503000000020004" pitchFamily="50"/>
             </a:endParaRPr>
@@ -3134,7 +3157,7 @@
         </p:nvSpPr>
         <p:spPr>
           <a:xfrm>
-            <a:off x="6616567" y="3897607"/>
+            <a:off x="6404698" y="3908758"/>
             <a:ext cx="1502979" cy="276999"/>
           </a:xfrm>
           <a:prstGeom prst="rect">
@@ -3150,12 +3173,12 @@
           <a:p>
             <a:pPr algn="ctr"/>
             <a:r>
-              <a:rPr lang="en-US" sz="1150" dirty="0" smtClean="0">
+              <a:rPr lang="en-US" sz="1200" dirty="0" smtClean="0">
                 <a:latin typeface="Helvetica Neue" panose="02000503000000020004" pitchFamily="50"/>
               </a:rPr>
               <a:t>Sleep inertia</a:t>
             </a:r>
-            <a:endParaRPr lang="en-US" sz="1150" baseline="30000" dirty="0">
+            <a:endParaRPr lang="en-US" sz="1200" baseline="30000" dirty="0">
               <a:latin typeface="Helvetica Neue" panose="02000503000000020004" pitchFamily="50"/>
             </a:endParaRPr>
           </a:p>
@@ -3169,7 +3192,7 @@
         </p:nvSpPr>
         <p:spPr>
           <a:xfrm>
-            <a:off x="6502392" y="4432813"/>
+            <a:off x="6290523" y="4443964"/>
             <a:ext cx="1735696" cy="276999"/>
           </a:xfrm>
           <a:prstGeom prst="rect">
@@ -3185,56 +3208,17 @@
           <a:p>
             <a:pPr algn="ctr"/>
             <a:r>
-              <a:rPr lang="en-US" sz="1150" dirty="0" smtClean="0">
+              <a:rPr lang="en-US" sz="1200" dirty="0" smtClean="0">
                 <a:latin typeface="Helvetica Neue" panose="02000503000000020004" pitchFamily="50"/>
               </a:rPr>
               <a:t>Physiological context</a:t>
             </a:r>
-            <a:endParaRPr lang="en-US" sz="1150" baseline="30000" dirty="0">
+            <a:endParaRPr lang="en-US" sz="1200" baseline="30000" dirty="0">
               <a:latin typeface="Helvetica Neue" panose="02000503000000020004" pitchFamily="50"/>
             </a:endParaRPr>
           </a:p>
         </p:txBody>
       </p:sp>
-      <p:cxnSp>
-        <p:nvCxnSpPr>
-          <p:cNvPr id="16" name="Connecteur droit avec flèche 15"/>
-          <p:cNvCxnSpPr/>
-          <p:nvPr/>
-        </p:nvCxnSpPr>
-        <p:spPr>
-          <a:xfrm>
-            <a:off x="8265064" y="3151599"/>
-            <a:ext cx="430922" cy="0"/>
-          </a:xfrm>
-          <a:prstGeom prst="straightConnector1">
-            <a:avLst/>
-          </a:prstGeom>
-          <a:ln w="28575">
-            <a:solidFill>
-              <a:schemeClr val="tx1">
-                <a:lumMod val="85000"/>
-                <a:lumOff val="15000"/>
-              </a:schemeClr>
-            </a:solidFill>
-            <a:tailEnd type="triangle"/>
-          </a:ln>
-        </p:spPr>
-        <p:style>
-          <a:lnRef idx="1">
-            <a:schemeClr val="dk1"/>
-          </a:lnRef>
-          <a:fillRef idx="0">
-            <a:schemeClr val="dk1"/>
-          </a:fillRef>
-          <a:effectRef idx="0">
-            <a:schemeClr val="dk1"/>
-          </a:effectRef>
-          <a:fontRef idx="minor">
-            <a:schemeClr val="tx1"/>
-          </a:fontRef>
-        </p:style>
-      </p:cxnSp>
       <p:cxnSp>
         <p:nvCxnSpPr>
           <p:cNvPr id="19" name="Connecteur droit avec flèche 18"/>
@@ -3243,7 +3227,7 @@
         </p:nvCxnSpPr>
         <p:spPr>
           <a:xfrm flipV="1">
-            <a:off x="7368056" y="4179010"/>
+            <a:off x="7156187" y="4190161"/>
             <a:ext cx="0" cy="216000"/>
           </a:xfrm>
           <a:prstGeom prst="straightConnector1">
@@ -3282,7 +3266,7 @@
         </p:nvCxnSpPr>
         <p:spPr>
           <a:xfrm flipV="1">
-            <a:off x="7368057" y="3655863"/>
+            <a:off x="7156188" y="3667014"/>
             <a:ext cx="0" cy="216000"/>
           </a:xfrm>
           <a:prstGeom prst="straightConnector1">
@@ -3322,16 +3306,18 @@
         <p:spPr>
           <a:xfrm>
             <a:off x="4436668" y="3979759"/>
-            <a:ext cx="1502980" cy="872358"/>
+            <a:ext cx="1440000" cy="872358"/>
           </a:xfrm>
           <a:prstGeom prst="rect">
             <a:avLst/>
           </a:prstGeom>
-          <a:solidFill>
-            <a:srgbClr val="4B84AF"/>
-          </a:solidFill>
-          <a:ln w="19050">
-            <a:noFill/>
+          <a:noFill/>
+          <a:ln w="12700">
+            <a:solidFill>
+              <a:schemeClr val="tx2">
+                <a:lumMod val="75000"/>
+              </a:schemeClr>
+            </a:solidFill>
           </a:ln>
         </p:spPr>
         <p:style>
@@ -3365,13 +3351,22 @@
               </a:lnSpc>
             </a:pPr>
             <a:r>
+              <a:rPr lang="en-US" sz="1150" b="1" dirty="0" smtClean="0">
+                <a:solidFill>
+                  <a:schemeClr val="tx1"/>
+                </a:solidFill>
+                <a:latin typeface="Helvetica Neue" panose="02000503000000020004" pitchFamily="50"/>
+              </a:rPr>
+              <a:t>BRAIN REACTIVITY </a:t>
+            </a:r>
+            <a:r>
               <a:rPr lang="en-US" sz="1150" dirty="0" smtClean="0">
                 <a:solidFill>
                   <a:schemeClr val="tx1"/>
                 </a:solidFill>
                 <a:latin typeface="Helvetica Neue" panose="02000503000000020004" pitchFamily="50"/>
               </a:rPr>
-              <a:t>BRAIN REACTIVITY TO STIMULI</a:t>
+              <a:t>TO STIMULI</a:t>
             </a:r>
             <a:endParaRPr lang="en-US" sz="1150" baseline="30000" dirty="0">
               <a:solidFill>
@@ -3391,16 +3386,18 @@
         <p:spPr>
           <a:xfrm>
             <a:off x="4436668" y="1440113"/>
-            <a:ext cx="1502980" cy="872358"/>
+            <a:ext cx="1440000" cy="872358"/>
           </a:xfrm>
           <a:prstGeom prst="rect">
             <a:avLst/>
           </a:prstGeom>
-          <a:solidFill>
-            <a:srgbClr val="99D398"/>
-          </a:solidFill>
-          <a:ln w="19050">
-            <a:noFill/>
+          <a:noFill/>
+          <a:ln w="12700">
+            <a:solidFill>
+              <a:schemeClr val="tx2">
+                <a:lumMod val="75000"/>
+              </a:schemeClr>
+            </a:solidFill>
           </a:ln>
         </p:spPr>
         <p:style>
@@ -3434,13 +3431,49 @@
               </a:lnSpc>
             </a:pPr>
             <a:r>
+              <a:rPr lang="en-US" sz="1150" b="1" dirty="0" smtClean="0">
+                <a:solidFill>
+                  <a:schemeClr val="tx1"/>
+                </a:solidFill>
+                <a:latin typeface="Helvetica Neue" panose="02000503000000020004" pitchFamily="50"/>
+              </a:rPr>
+              <a:t>SALIENCE </a:t>
+            </a:r>
+            <a:r>
+              <a:rPr lang="en-US" sz="1150" b="1" dirty="0">
+                <a:solidFill>
+                  <a:schemeClr val="tx1"/>
+                </a:solidFill>
+                <a:latin typeface="Helvetica Neue" panose="02000503000000020004" pitchFamily="50"/>
+              </a:rPr>
+              <a:t> </a:t>
+            </a:r>
+            <a:r>
+              <a:rPr lang="en-US" sz="1150" b="1" dirty="0" smtClean="0">
+                <a:solidFill>
+                  <a:schemeClr val="tx1"/>
+                </a:solidFill>
+                <a:latin typeface="Helvetica Neue" panose="02000503000000020004" pitchFamily="50"/>
+              </a:rPr>
+              <a:t>        </a:t>
+            </a:r>
+            <a:r>
               <a:rPr lang="en-US" sz="1150" dirty="0" smtClean="0">
                 <a:solidFill>
                   <a:schemeClr val="tx1"/>
                 </a:solidFill>
                 <a:latin typeface="Helvetica Neue" panose="02000503000000020004" pitchFamily="50"/>
               </a:rPr>
-              <a:t>SALIENCE OF DREAM CONTENT</a:t>
+              <a:t>OF </a:t>
+            </a:r>
+            <a:r>
+              <a:rPr lang="en-US" sz="1150" dirty="0" smtClean="0">
+                <a:solidFill>
+                  <a:schemeClr val="tx1"/>
+                </a:solidFill>
+                <a:latin typeface="Helvetica Neue" panose="02000503000000020004" pitchFamily="50"/>
+              </a:rPr>
+              <a:t>DREAM CONTENT</a:t>
             </a:r>
             <a:endParaRPr lang="en-US" sz="1150" baseline="30000" dirty="0">
               <a:solidFill>
@@ -3459,8 +3492,8 @@
         </p:nvCxnSpPr>
         <p:spPr>
           <a:xfrm>
-            <a:off x="6049314" y="3143025"/>
-            <a:ext cx="430922" cy="0"/>
+            <a:off x="5960106" y="3154176"/>
+            <a:ext cx="360000" cy="0"/>
           </a:xfrm>
           <a:prstGeom prst="straightConnector1">
             <a:avLst/>
@@ -3498,7 +3531,7 @@
         </p:nvCxnSpPr>
         <p:spPr>
           <a:xfrm>
-            <a:off x="7369098" y="2398490"/>
+            <a:off x="7157229" y="2409641"/>
             <a:ext cx="0" cy="216000"/>
           </a:xfrm>
           <a:prstGeom prst="straightConnector1">
@@ -3537,7 +3570,7 @@
         </p:nvSpPr>
         <p:spPr>
           <a:xfrm>
-            <a:off x="6616566" y="2107265"/>
+            <a:off x="6404697" y="2118416"/>
             <a:ext cx="1502979" cy="276999"/>
           </a:xfrm>
           <a:prstGeom prst="rect">
@@ -3553,12 +3586,12 @@
           <a:p>
             <a:pPr algn="ctr"/>
             <a:r>
-              <a:rPr lang="en-US" sz="1150" dirty="0" smtClean="0">
+              <a:rPr lang="en-US" sz="1200" dirty="0" smtClean="0">
                 <a:latin typeface="Helvetica Neue" panose="02000503000000020004" pitchFamily="50"/>
               </a:rPr>
               <a:t>Interference</a:t>
             </a:r>
-            <a:endParaRPr lang="en-US" sz="1150" dirty="0">
+            <a:endParaRPr lang="en-US" sz="1200" dirty="0">
               <a:latin typeface="Helvetica Neue" panose="02000503000000020004" pitchFamily="50"/>
             </a:endParaRPr>
           </a:p>
@@ -3611,7 +3644,7 @@
         </p:nvGrpSpPr>
         <p:grpSpPr>
           <a:xfrm>
-            <a:off x="8796468" y="2118836"/>
+            <a:off x="8246920" y="2129987"/>
             <a:ext cx="1311519" cy="1463458"/>
             <a:chOff x="10828802" y="1497165"/>
             <a:chExt cx="1311519" cy="1463458"/>
@@ -3730,7 +3763,7 @@
         </p:nvCxnSpPr>
         <p:spPr>
           <a:xfrm>
-            <a:off x="7369916" y="1848676"/>
+            <a:off x="7158047" y="1859827"/>
             <a:ext cx="0" cy="216000"/>
           </a:xfrm>
           <a:prstGeom prst="straightConnector1">
@@ -3769,8 +3802,8 @@
         </p:nvSpPr>
         <p:spPr>
           <a:xfrm>
-            <a:off x="6616566" y="1542588"/>
-            <a:ext cx="1502979" cy="269304"/>
+            <a:off x="6404697" y="1553739"/>
+            <a:ext cx="1502979" cy="276999"/>
           </a:xfrm>
           <a:prstGeom prst="rect">
             <a:avLst/>
@@ -3785,56 +3818,17 @@
           <a:p>
             <a:pPr algn="ctr"/>
             <a:r>
-              <a:rPr lang="en-US" sz="1150" dirty="0" smtClean="0">
+              <a:rPr lang="en-US" sz="1200" dirty="0" smtClean="0">
                 <a:latin typeface="Helvetica Neue" panose="02000503000000020004" pitchFamily="50"/>
               </a:rPr>
               <a:t>Interest in dreams</a:t>
             </a:r>
-            <a:endParaRPr lang="en-US" sz="1150" baseline="30000" dirty="0">
+            <a:endParaRPr lang="en-US" sz="1200" baseline="30000" dirty="0">
               <a:latin typeface="Helvetica Neue" panose="02000503000000020004" pitchFamily="50"/>
             </a:endParaRPr>
           </a:p>
         </p:txBody>
       </p:sp>
-      <p:cxnSp>
-        <p:nvCxnSpPr>
-          <p:cNvPr id="61" name="Connecteur droit avec flèche 60"/>
-          <p:cNvCxnSpPr/>
-          <p:nvPr/>
-        </p:nvCxnSpPr>
-        <p:spPr>
-          <a:xfrm>
-            <a:off x="6048236" y="2398490"/>
-            <a:ext cx="432000" cy="247800"/>
-          </a:xfrm>
-          <a:prstGeom prst="straightConnector1">
-            <a:avLst/>
-          </a:prstGeom>
-          <a:ln w="28575">
-            <a:solidFill>
-              <a:schemeClr val="tx1">
-                <a:lumMod val="85000"/>
-                <a:lumOff val="15000"/>
-              </a:schemeClr>
-            </a:solidFill>
-            <a:tailEnd type="triangle"/>
-          </a:ln>
-        </p:spPr>
-        <p:style>
-          <a:lnRef idx="1">
-            <a:schemeClr val="dk1"/>
-          </a:lnRef>
-          <a:fillRef idx="0">
-            <a:schemeClr val="dk1"/>
-          </a:fillRef>
-          <a:effectRef idx="0">
-            <a:schemeClr val="dk1"/>
-          </a:effectRef>
-          <a:fontRef idx="minor">
-            <a:schemeClr val="tx1"/>
-          </a:fontRef>
-        </p:style>
-      </p:cxnSp>
       <p:cxnSp>
         <p:nvCxnSpPr>
           <p:cNvPr id="64" name="Connecteur droit avec flèche 63"/>
@@ -3843,47 +3837,8 @@
         </p:nvCxnSpPr>
         <p:spPr>
           <a:xfrm>
-            <a:off x="3860448" y="3150294"/>
-            <a:ext cx="430922" cy="0"/>
-          </a:xfrm>
-          <a:prstGeom prst="straightConnector1">
-            <a:avLst/>
-          </a:prstGeom>
-          <a:ln w="28575">
-            <a:solidFill>
-              <a:schemeClr val="tx1">
-                <a:lumMod val="85000"/>
-                <a:lumOff val="15000"/>
-              </a:schemeClr>
-            </a:solidFill>
-            <a:tailEnd type="triangle"/>
-          </a:ln>
-        </p:spPr>
-        <p:style>
-          <a:lnRef idx="1">
-            <a:schemeClr val="dk1"/>
-          </a:lnRef>
-          <a:fillRef idx="0">
-            <a:schemeClr val="dk1"/>
-          </a:fillRef>
-          <a:effectRef idx="0">
-            <a:schemeClr val="dk1"/>
-          </a:effectRef>
-          <a:fontRef idx="minor">
-            <a:schemeClr val="tx1"/>
-          </a:fontRef>
-        </p:style>
-      </p:cxnSp>
-      <p:cxnSp>
-        <p:nvCxnSpPr>
-          <p:cNvPr id="66" name="Connecteur droit avec flèche 65"/>
-          <p:cNvCxnSpPr/>
-          <p:nvPr/>
-        </p:nvCxnSpPr>
-        <p:spPr>
-          <a:xfrm>
-            <a:off x="3859370" y="3655863"/>
-            <a:ext cx="432000" cy="247800"/>
+            <a:off x="3994260" y="3150294"/>
+            <a:ext cx="360000" cy="0"/>
           </a:xfrm>
           <a:prstGeom prst="straightConnector1">
             <a:avLst/>
@@ -3921,8 +3876,8 @@
         </p:nvCxnSpPr>
         <p:spPr>
           <a:xfrm flipV="1">
-            <a:off x="3859370" y="2366690"/>
-            <a:ext cx="432000" cy="247800"/>
+            <a:off x="3993182" y="2276264"/>
+            <a:ext cx="361078" cy="216000"/>
           </a:xfrm>
           <a:prstGeom prst="straightConnector1">
             <a:avLst/>
@@ -3954,190 +3909,326 @@
       </p:cxnSp>
       <p:grpSp>
         <p:nvGrpSpPr>
-          <p:cNvPr id="2" name="Groupe 1"/>
+          <p:cNvPr id="3" name="Groupe 2"/>
           <p:cNvGrpSpPr/>
           <p:nvPr/>
         </p:nvGrpSpPr>
         <p:grpSpPr>
           <a:xfrm>
-            <a:off x="2256770" y="2071934"/>
-            <a:ext cx="1502981" cy="2142181"/>
-            <a:chOff x="2256769" y="2709936"/>
-            <a:chExt cx="1502981" cy="2142181"/>
+            <a:off x="2600927" y="2070294"/>
+            <a:ext cx="1296000" cy="2160000"/>
+            <a:chOff x="2379431" y="2071934"/>
+            <a:chExt cx="1296000" cy="2142181"/>
           </a:xfrm>
         </p:grpSpPr>
-        <p:sp>
-          <p:nvSpPr>
-            <p:cNvPr id="63" name="Rectangle 62"/>
-            <p:cNvSpPr/>
+        <p:grpSp>
+          <p:nvGrpSpPr>
+            <p:cNvPr id="2" name="Groupe 1"/>
+            <p:cNvGrpSpPr/>
             <p:nvPr/>
-          </p:nvSpPr>
-          <p:spPr>
+          </p:nvGrpSpPr>
+          <p:grpSpPr>
             <a:xfrm>
-              <a:off x="2256770" y="2709936"/>
-              <a:ext cx="1502980" cy="872358"/>
+              <a:off x="2379431" y="2071934"/>
+              <a:ext cx="1296000" cy="2142181"/>
+              <a:chOff x="2256769" y="2709936"/>
+              <a:chExt cx="1502981" cy="2142181"/>
             </a:xfrm>
-            <a:prstGeom prst="rect">
-              <a:avLst/>
-            </a:prstGeom>
-            <a:solidFill>
-              <a:srgbClr val="E9F2B5"/>
-            </a:solidFill>
-            <a:ln w="19050">
+          </p:grpSpPr>
+          <p:sp>
+            <p:nvSpPr>
+              <p:cNvPr id="63" name="Rectangle 62"/>
+              <p:cNvSpPr/>
+              <p:nvPr/>
+            </p:nvSpPr>
+            <p:spPr>
+              <a:xfrm>
+                <a:off x="2256770" y="2709936"/>
+                <a:ext cx="1502980" cy="872358"/>
+              </a:xfrm>
+              <a:prstGeom prst="rect">
+                <a:avLst/>
+              </a:prstGeom>
               <a:noFill/>
-            </a:ln>
-          </p:spPr>
-          <p:style>
-            <a:lnRef idx="2">
-              <a:schemeClr val="accent1">
-                <a:shade val="50000"/>
-              </a:schemeClr>
-            </a:lnRef>
-            <a:fillRef idx="1">
-              <a:schemeClr val="accent1"/>
-            </a:fillRef>
-            <a:effectRef idx="0">
-              <a:schemeClr val="accent1"/>
-            </a:effectRef>
-            <a:fontRef idx="minor">
-              <a:schemeClr val="lt1"/>
-            </a:fontRef>
-          </p:style>
-          <p:txBody>
-            <a:bodyPr rot="0" spcFirstLastPara="0" vertOverflow="overflow" horzOverflow="overflow" vert="horz" wrap="square" lIns="91440" tIns="45720" rIns="91440" bIns="45720" numCol="1" spcCol="0" rtlCol="0" fromWordArt="0" anchor="ctr" anchorCtr="0" forceAA="0" compatLnSpc="1">
-              <a:prstTxWarp prst="textNoShape">
-                <a:avLst/>
-              </a:prstTxWarp>
-              <a:noAutofit/>
-            </a:bodyPr>
-            <a:lstStyle/>
-            <a:p>
-              <a:pPr algn="ctr">
-                <a:lnSpc>
-                  <a:spcPct val="150000"/>
-                </a:lnSpc>
-              </a:pPr>
-              <a:r>
-                <a:rPr lang="en-US" sz="1150" dirty="0" smtClean="0">
+              <a:ln w="12700">
+                <a:solidFill>
+                  <a:schemeClr val="tx2">
+                    <a:lumMod val="75000"/>
+                  </a:schemeClr>
+                </a:solidFill>
+              </a:ln>
+            </p:spPr>
+            <p:style>
+              <a:lnRef idx="2">
+                <a:schemeClr val="accent1">
+                  <a:shade val="50000"/>
+                </a:schemeClr>
+              </a:lnRef>
+              <a:fillRef idx="1">
+                <a:schemeClr val="accent1"/>
+              </a:fillRef>
+              <a:effectRef idx="0">
+                <a:schemeClr val="accent1"/>
+              </a:effectRef>
+              <a:fontRef idx="minor">
+                <a:schemeClr val="lt1"/>
+              </a:fontRef>
+            </p:style>
+            <p:txBody>
+              <a:bodyPr rot="0" spcFirstLastPara="0" vertOverflow="overflow" horzOverflow="overflow" vert="horz" wrap="square" lIns="91440" tIns="45720" rIns="91440" bIns="45720" numCol="1" spcCol="0" rtlCol="0" fromWordArt="0" anchor="ctr" anchorCtr="0" forceAA="0" compatLnSpc="1">
+                <a:prstTxWarp prst="textNoShape">
+                  <a:avLst/>
+                </a:prstTxWarp>
+                <a:noAutofit/>
+              </a:bodyPr>
+              <a:lstStyle/>
+              <a:p>
+                <a:pPr algn="ctr">
+                  <a:lnSpc>
+                    <a:spcPct val="150000"/>
+                  </a:lnSpc>
+                </a:pPr>
+                <a:r>
+                  <a:rPr lang="en-US" sz="1150" b="1" dirty="0" smtClean="0">
+                    <a:solidFill>
+                      <a:schemeClr val="tx1"/>
+                    </a:solidFill>
+                    <a:latin typeface="Helvetica Neue" panose="02000503000000020004" pitchFamily="50"/>
+                  </a:rPr>
+                  <a:t>PERSONALITY, LIFE-STYLE, CREATIVITY</a:t>
+                </a:r>
+                <a:endParaRPr lang="en-US" sz="1150" b="1" baseline="30000" dirty="0">
                   <a:solidFill>
                     <a:schemeClr val="tx1"/>
                   </a:solidFill>
                   <a:latin typeface="Helvetica Neue" panose="02000503000000020004" pitchFamily="50"/>
-                </a:rPr>
-                <a:t>PERSONALITY, LIFE-STYLE, CREATIVITY</a:t>
-              </a:r>
-              <a:endParaRPr lang="en-US" sz="1150" baseline="30000" dirty="0">
-                <a:solidFill>
-                  <a:schemeClr val="tx1"/>
-                </a:solidFill>
-                <a:latin typeface="Helvetica Neue" panose="02000503000000020004" pitchFamily="50"/>
-              </a:endParaRPr>
-            </a:p>
-          </p:txBody>
-        </p:sp>
-        <p:sp>
-          <p:nvSpPr>
-            <p:cNvPr id="25" name="Rectangle 24"/>
-            <p:cNvSpPr/>
-            <p:nvPr/>
-          </p:nvSpPr>
-          <p:spPr>
-            <a:xfrm>
-              <a:off x="2256769" y="3979759"/>
-              <a:ext cx="1502980" cy="872358"/>
-            </a:xfrm>
-            <a:prstGeom prst="rect">
-              <a:avLst/>
-            </a:prstGeom>
-            <a:solidFill>
-              <a:srgbClr val="C7E7C6"/>
-            </a:solidFill>
-            <a:ln w="19050">
+                </a:endParaRPr>
+              </a:p>
+            </p:txBody>
+          </p:sp>
+          <p:sp>
+            <p:nvSpPr>
+              <p:cNvPr id="25" name="Rectangle 24"/>
+              <p:cNvSpPr/>
+              <p:nvPr/>
+            </p:nvSpPr>
+            <p:spPr>
+              <a:xfrm>
+                <a:off x="2256769" y="3979759"/>
+                <a:ext cx="1502980" cy="872358"/>
+              </a:xfrm>
+              <a:prstGeom prst="rect">
+                <a:avLst/>
+              </a:prstGeom>
               <a:noFill/>
-            </a:ln>
-          </p:spPr>
-          <p:style>
-            <a:lnRef idx="2">
-              <a:schemeClr val="accent1">
-                <a:shade val="50000"/>
-              </a:schemeClr>
-            </a:lnRef>
-            <a:fillRef idx="1">
-              <a:schemeClr val="accent1"/>
-            </a:fillRef>
-            <a:effectRef idx="0">
-              <a:schemeClr val="accent1"/>
-            </a:effectRef>
-            <a:fontRef idx="minor">
-              <a:schemeClr val="lt1"/>
-            </a:fontRef>
-          </p:style>
-          <p:txBody>
-            <a:bodyPr rot="0" spcFirstLastPara="0" vertOverflow="overflow" horzOverflow="overflow" vert="horz" wrap="square" lIns="91440" tIns="45720" rIns="91440" bIns="45720" numCol="1" spcCol="0" rtlCol="0" fromWordArt="0" anchor="ctr" anchorCtr="0" forceAA="0" compatLnSpc="1">
-              <a:prstTxWarp prst="textNoShape">
-                <a:avLst/>
-              </a:prstTxWarp>
-              <a:noAutofit/>
-            </a:bodyPr>
-            <a:lstStyle/>
-            <a:p>
-              <a:pPr algn="ctr">
-                <a:lnSpc>
-                  <a:spcPct val="150000"/>
-                </a:lnSpc>
-              </a:pPr>
-              <a:r>
-                <a:rPr lang="en-US" sz="1150" dirty="0" smtClean="0">
+              <a:ln w="12700">
+                <a:solidFill>
+                  <a:schemeClr val="tx2">
+                    <a:lumMod val="75000"/>
+                  </a:schemeClr>
+                </a:solidFill>
+              </a:ln>
+            </p:spPr>
+            <p:style>
+              <a:lnRef idx="2">
+                <a:schemeClr val="accent1">
+                  <a:shade val="50000"/>
+                </a:schemeClr>
+              </a:lnRef>
+              <a:fillRef idx="1">
+                <a:schemeClr val="accent1"/>
+              </a:fillRef>
+              <a:effectRef idx="0">
+                <a:schemeClr val="accent1"/>
+              </a:effectRef>
+              <a:fontRef idx="minor">
+                <a:schemeClr val="lt1"/>
+              </a:fontRef>
+            </p:style>
+            <p:txBody>
+              <a:bodyPr rot="0" spcFirstLastPara="0" vertOverflow="overflow" horzOverflow="overflow" vert="horz" wrap="square" lIns="91440" tIns="45720" rIns="91440" bIns="45720" numCol="1" spcCol="0" rtlCol="0" fromWordArt="0" anchor="ctr" anchorCtr="0" forceAA="0" compatLnSpc="1">
+                <a:prstTxWarp prst="textNoShape">
+                  <a:avLst/>
+                </a:prstTxWarp>
+                <a:noAutofit/>
+              </a:bodyPr>
+              <a:lstStyle/>
+              <a:p>
+                <a:pPr algn="ctr">
+                  <a:lnSpc>
+                    <a:spcPct val="150000"/>
+                  </a:lnSpc>
+                </a:pPr>
+                <a:r>
+                  <a:rPr lang="en-US" sz="1150" b="1" dirty="0" smtClean="0">
+                    <a:solidFill>
+                      <a:schemeClr val="tx1"/>
+                    </a:solidFill>
+                    <a:latin typeface="Helvetica Neue" panose="02000503000000020004" pitchFamily="50"/>
+                  </a:rPr>
+                  <a:t>BRAIN FUNCTIONING</a:t>
+                </a:r>
+                <a:endParaRPr lang="en-US" sz="1150" b="1" baseline="30000" dirty="0">
                   <a:solidFill>
                     <a:schemeClr val="tx1"/>
                   </a:solidFill>
                   <a:latin typeface="Helvetica Neue" panose="02000503000000020004" pitchFamily="50"/>
-                </a:rPr>
-                <a:t>BRAIN FUNCTIONING</a:t>
-              </a:r>
-              <a:endParaRPr lang="en-US" sz="1150" baseline="30000" dirty="0">
-                <a:solidFill>
-                  <a:schemeClr val="tx1"/>
-                </a:solidFill>
-                <a:latin typeface="Helvetica Neue" panose="02000503000000020004" pitchFamily="50"/>
-              </a:endParaRPr>
-            </a:p>
-          </p:txBody>
-        </p:sp>
+                </a:endParaRPr>
+              </a:p>
+            </p:txBody>
+          </p:sp>
+        </p:grpSp>
+        <p:cxnSp>
+          <p:nvCxnSpPr>
+            <p:cNvPr id="29" name="Connecteur droit avec flèche 28"/>
+            <p:cNvCxnSpPr/>
+            <p:nvPr/>
+          </p:nvCxnSpPr>
+          <p:spPr>
+            <a:xfrm flipV="1">
+              <a:off x="3027430" y="2979638"/>
+              <a:ext cx="0" cy="326773"/>
+            </a:xfrm>
+            <a:prstGeom prst="straightConnector1">
+              <a:avLst/>
+            </a:prstGeom>
+            <a:ln w="28575">
+              <a:solidFill>
+                <a:schemeClr val="tx1">
+                  <a:lumMod val="85000"/>
+                  <a:lumOff val="15000"/>
+                </a:schemeClr>
+              </a:solidFill>
+              <a:headEnd type="triangle" w="med" len="med"/>
+              <a:tailEnd type="triangle" w="med" len="med"/>
+            </a:ln>
+          </p:spPr>
+          <p:style>
+            <a:lnRef idx="3">
+              <a:schemeClr val="dk1"/>
+            </a:lnRef>
+            <a:fillRef idx="0">
+              <a:schemeClr val="dk1"/>
+            </a:fillRef>
+            <a:effectRef idx="2">
+              <a:schemeClr val="dk1"/>
+            </a:effectRef>
+            <a:fontRef idx="minor">
+              <a:schemeClr val="tx1"/>
+            </a:fontRef>
+          </p:style>
+        </p:cxnSp>
       </p:grpSp>
       <p:cxnSp>
         <p:nvCxnSpPr>
-          <p:cNvPr id="29" name="Connecteur droit avec flèche 28"/>
+          <p:cNvPr id="16" name="Connecteur droit avec flèche 15"/>
           <p:cNvCxnSpPr/>
           <p:nvPr/>
         </p:nvCxnSpPr>
         <p:spPr>
-          <a:xfrm flipV="1">
-            <a:off x="2999365" y="3007288"/>
-            <a:ext cx="0" cy="288000"/>
+          <a:xfrm>
+            <a:off x="7982857" y="3151599"/>
+            <a:ext cx="324000" cy="0"/>
           </a:xfrm>
           <a:prstGeom prst="straightConnector1">
             <a:avLst/>
           </a:prstGeom>
-          <a:ln w="19050">
+          <a:ln w="28575">
             <a:solidFill>
               <a:schemeClr val="tx1">
                 <a:lumMod val="85000"/>
                 <a:lumOff val="15000"/>
               </a:schemeClr>
             </a:solidFill>
-            <a:headEnd type="triangle" w="med" len="med"/>
-            <a:tailEnd type="triangle" w="med" len="med"/>
+            <a:tailEnd type="triangle"/>
           </a:ln>
         </p:spPr>
         <p:style>
-          <a:lnRef idx="3">
+          <a:lnRef idx="1">
             <a:schemeClr val="dk1"/>
           </a:lnRef>
           <a:fillRef idx="0">
             <a:schemeClr val="dk1"/>
           </a:fillRef>
-          <a:effectRef idx="2">
+          <a:effectRef idx="0">
+            <a:schemeClr val="dk1"/>
+          </a:effectRef>
+          <a:fontRef idx="minor">
+            <a:schemeClr val="tx1"/>
+          </a:fontRef>
+        </p:style>
+      </p:cxnSp>
+      <p:cxnSp>
+        <p:nvCxnSpPr>
+          <p:cNvPr id="32" name="Connecteur droit avec flèche 31"/>
+          <p:cNvCxnSpPr/>
+          <p:nvPr/>
+        </p:nvCxnSpPr>
+        <p:spPr>
+          <a:xfrm>
+            <a:off x="3987020" y="3789607"/>
+            <a:ext cx="361078" cy="216000"/>
+          </a:xfrm>
+          <a:prstGeom prst="straightConnector1">
+            <a:avLst/>
+          </a:prstGeom>
+          <a:ln w="28575">
+            <a:solidFill>
+              <a:schemeClr val="tx1">
+                <a:lumMod val="85000"/>
+                <a:lumOff val="15000"/>
+              </a:schemeClr>
+            </a:solidFill>
+            <a:tailEnd type="triangle"/>
+          </a:ln>
+        </p:spPr>
+        <p:style>
+          <a:lnRef idx="1">
+            <a:schemeClr val="dk1"/>
+          </a:lnRef>
+          <a:fillRef idx="0">
+            <a:schemeClr val="dk1"/>
+          </a:fillRef>
+          <a:effectRef idx="0">
+            <a:schemeClr val="dk1"/>
+          </a:effectRef>
+          <a:fontRef idx="minor">
+            <a:schemeClr val="tx1"/>
+          </a:fontRef>
+        </p:style>
+      </p:cxnSp>
+      <p:cxnSp>
+        <p:nvCxnSpPr>
+          <p:cNvPr id="33" name="Connecteur droit avec flèche 32"/>
+          <p:cNvCxnSpPr/>
+          <p:nvPr/>
+        </p:nvCxnSpPr>
+        <p:spPr>
+          <a:xfrm>
+            <a:off x="5956085" y="2312471"/>
+            <a:ext cx="345492" cy="259181"/>
+          </a:xfrm>
+          <a:prstGeom prst="straightConnector1">
+            <a:avLst/>
+          </a:prstGeom>
+          <a:ln w="28575">
+            <a:solidFill>
+              <a:schemeClr val="tx1">
+                <a:lumMod val="85000"/>
+                <a:lumOff val="15000"/>
+              </a:schemeClr>
+            </a:solidFill>
+            <a:tailEnd type="triangle"/>
+          </a:ln>
+        </p:spPr>
+        <p:style>
+          <a:lnRef idx="1">
+            <a:schemeClr val="dk1"/>
+          </a:lnRef>
+          <a:fillRef idx="0">
+            <a:schemeClr val="dk1"/>
+          </a:fillRef>
+          <a:effectRef idx="0">
             <a:schemeClr val="dk1"/>
           </a:effectRef>
           <a:fontRef idx="minor">
@@ -4227,13 +4318,13 @@
               </a:lnSpc>
             </a:pPr>
             <a:r>
-              <a:rPr lang="en-US" sz="1150" dirty="0" smtClean="0">
+              <a:rPr lang="en-US" sz="1150" smtClean="0">
                 <a:solidFill>
                   <a:schemeClr val="tx1"/>
                 </a:solidFill>
                 <a:latin typeface="Helvetica Neue" panose="02000503000000020004" pitchFamily="50"/>
               </a:rPr>
-              <a:t>NOCTURNAL AWAKENINGS</a:t>
+              <a:t>INTRA-SLEEP AWAKENINGS</a:t>
             </a:r>
             <a:endParaRPr lang="en-US" sz="1150" baseline="30000" dirty="0">
               <a:solidFill>
@@ -4340,7 +4431,7 @@
               <a:rPr lang="en-US" sz="1150" dirty="0" smtClean="0">
                 <a:latin typeface="Helvetica Neue" panose="02000503000000020004" pitchFamily="50"/>
               </a:rPr>
-              <a:t>Interference</a:t>
+              <a:t>Sleep inertia</a:t>
             </a:r>
             <a:endParaRPr lang="en-US" sz="1150" baseline="30000" dirty="0">
               <a:latin typeface="Helvetica Neue" panose="02000503000000020004" pitchFamily="50"/>
@@ -4375,19 +4466,7 @@
               <a:rPr lang="en-US" sz="1150" dirty="0" smtClean="0">
                 <a:latin typeface="Helvetica Neue" panose="02000503000000020004" pitchFamily="50"/>
               </a:rPr>
-              <a:t>Interest </a:t>
-            </a:r>
-            <a:r>
-              <a:rPr lang="en-US" sz="1150" dirty="0">
-                <a:latin typeface="Helvetica Neue" panose="02000503000000020004" pitchFamily="50"/>
-              </a:rPr>
-              <a:t>in </a:t>
-            </a:r>
-            <a:r>
-              <a:rPr lang="en-US" sz="1150" dirty="0" smtClean="0">
-                <a:latin typeface="Helvetica Neue" panose="02000503000000020004" pitchFamily="50"/>
-              </a:rPr>
-              <a:t>dreams </a:t>
+              <a:t>Physiological context</a:t>
             </a:r>
             <a:endParaRPr lang="en-US" sz="1150" baseline="30000" dirty="0">
               <a:latin typeface="Helvetica Neue" panose="02000503000000020004" pitchFamily="50"/>
@@ -4570,7 +4649,7 @@
                 </a:solidFill>
                 <a:latin typeface="Helvetica Neue" panose="02000503000000020004" pitchFamily="50"/>
               </a:rPr>
-              <a:t>BRAIN FUNCTIONING</a:t>
+              <a:t>BRAIN REACTIVITY TO STIMULI</a:t>
             </a:r>
             <a:endParaRPr lang="en-US" sz="1150" baseline="30000" dirty="0">
               <a:solidFill>
@@ -4755,7 +4834,7 @@
               <a:rPr lang="en-US" sz="1150" dirty="0" smtClean="0">
                 <a:latin typeface="Helvetica Neue" panose="02000503000000020004" pitchFamily="50"/>
               </a:rPr>
-              <a:t>Sleep inertia</a:t>
+              <a:t>Interference</a:t>
             </a:r>
             <a:endParaRPr lang="en-US" sz="1150" dirty="0">
               <a:latin typeface="Helvetica Neue" panose="02000503000000020004" pitchFamily="50"/>
@@ -4772,12 +4851,12 @@
         <p:spPr>
           <a:xfrm flipV="1">
             <a:off x="5188158" y="3637864"/>
-            <a:ext cx="0" cy="252000"/>
+            <a:ext cx="0" cy="288000"/>
           </a:xfrm>
           <a:prstGeom prst="straightConnector1">
             <a:avLst/>
           </a:prstGeom>
-          <a:ln w="12700">
+          <a:ln w="19050">
             <a:solidFill>
               <a:schemeClr val="tx1">
                 <a:lumMod val="85000"/>
@@ -4968,6 +5047,1205 @@
         </p:nvSpPr>
         <p:spPr>
           <a:xfrm>
+            <a:off x="6616566" y="1542588"/>
+            <a:ext cx="1502979" cy="269304"/>
+          </a:xfrm>
+          <a:prstGeom prst="rect">
+            <a:avLst/>
+          </a:prstGeom>
+          <a:noFill/>
+        </p:spPr>
+        <p:txBody>
+          <a:bodyPr wrap="square" rtlCol="0">
+            <a:spAutoFit/>
+          </a:bodyPr>
+          <a:lstStyle/>
+          <a:p>
+            <a:pPr algn="ctr"/>
+            <a:r>
+              <a:rPr lang="en-US" sz="1150" dirty="0" smtClean="0">
+                <a:latin typeface="Helvetica Neue" panose="02000503000000020004" pitchFamily="50"/>
+              </a:rPr>
+              <a:t>Interest in dreams</a:t>
+            </a:r>
+            <a:endParaRPr lang="en-US" sz="1150" baseline="30000" dirty="0">
+              <a:latin typeface="Helvetica Neue" panose="02000503000000020004" pitchFamily="50"/>
+            </a:endParaRPr>
+          </a:p>
+        </p:txBody>
+      </p:sp>
+      <p:cxnSp>
+        <p:nvCxnSpPr>
+          <p:cNvPr id="61" name="Connecteur droit avec flèche 60"/>
+          <p:cNvCxnSpPr/>
+          <p:nvPr/>
+        </p:nvCxnSpPr>
+        <p:spPr>
+          <a:xfrm>
+            <a:off x="6048236" y="2398490"/>
+            <a:ext cx="432000" cy="247800"/>
+          </a:xfrm>
+          <a:prstGeom prst="straightConnector1">
+            <a:avLst/>
+          </a:prstGeom>
+          <a:ln w="28575">
+            <a:solidFill>
+              <a:schemeClr val="tx1">
+                <a:lumMod val="85000"/>
+                <a:lumOff val="15000"/>
+              </a:schemeClr>
+            </a:solidFill>
+            <a:tailEnd type="triangle"/>
+          </a:ln>
+        </p:spPr>
+        <p:style>
+          <a:lnRef idx="1">
+            <a:schemeClr val="dk1"/>
+          </a:lnRef>
+          <a:fillRef idx="0">
+            <a:schemeClr val="dk1"/>
+          </a:fillRef>
+          <a:effectRef idx="0">
+            <a:schemeClr val="dk1"/>
+          </a:effectRef>
+          <a:fontRef idx="minor">
+            <a:schemeClr val="tx1"/>
+          </a:fontRef>
+        </p:style>
+      </p:cxnSp>
+      <p:cxnSp>
+        <p:nvCxnSpPr>
+          <p:cNvPr id="64" name="Connecteur droit avec flèche 63"/>
+          <p:cNvCxnSpPr/>
+          <p:nvPr/>
+        </p:nvCxnSpPr>
+        <p:spPr>
+          <a:xfrm>
+            <a:off x="3860448" y="3150294"/>
+            <a:ext cx="430922" cy="0"/>
+          </a:xfrm>
+          <a:prstGeom prst="straightConnector1">
+            <a:avLst/>
+          </a:prstGeom>
+          <a:ln w="28575">
+            <a:solidFill>
+              <a:schemeClr val="tx1">
+                <a:lumMod val="85000"/>
+                <a:lumOff val="15000"/>
+              </a:schemeClr>
+            </a:solidFill>
+            <a:tailEnd type="triangle"/>
+          </a:ln>
+        </p:spPr>
+        <p:style>
+          <a:lnRef idx="1">
+            <a:schemeClr val="dk1"/>
+          </a:lnRef>
+          <a:fillRef idx="0">
+            <a:schemeClr val="dk1"/>
+          </a:fillRef>
+          <a:effectRef idx="0">
+            <a:schemeClr val="dk1"/>
+          </a:effectRef>
+          <a:fontRef idx="minor">
+            <a:schemeClr val="tx1"/>
+          </a:fontRef>
+        </p:style>
+      </p:cxnSp>
+      <p:cxnSp>
+        <p:nvCxnSpPr>
+          <p:cNvPr id="66" name="Connecteur droit avec flèche 65"/>
+          <p:cNvCxnSpPr/>
+          <p:nvPr/>
+        </p:nvCxnSpPr>
+        <p:spPr>
+          <a:xfrm>
+            <a:off x="3859370" y="3655863"/>
+            <a:ext cx="432000" cy="247800"/>
+          </a:xfrm>
+          <a:prstGeom prst="straightConnector1">
+            <a:avLst/>
+          </a:prstGeom>
+          <a:ln w="28575">
+            <a:solidFill>
+              <a:schemeClr val="tx1">
+                <a:lumMod val="85000"/>
+                <a:lumOff val="15000"/>
+              </a:schemeClr>
+            </a:solidFill>
+            <a:tailEnd type="triangle"/>
+          </a:ln>
+        </p:spPr>
+        <p:style>
+          <a:lnRef idx="1">
+            <a:schemeClr val="dk1"/>
+          </a:lnRef>
+          <a:fillRef idx="0">
+            <a:schemeClr val="dk1"/>
+          </a:fillRef>
+          <a:effectRef idx="0">
+            <a:schemeClr val="dk1"/>
+          </a:effectRef>
+          <a:fontRef idx="minor">
+            <a:schemeClr val="tx1"/>
+          </a:fontRef>
+        </p:style>
+      </p:cxnSp>
+      <p:cxnSp>
+        <p:nvCxnSpPr>
+          <p:cNvPr id="67" name="Connecteur droit avec flèche 66"/>
+          <p:cNvCxnSpPr/>
+          <p:nvPr/>
+        </p:nvCxnSpPr>
+        <p:spPr>
+          <a:xfrm flipV="1">
+            <a:off x="3859370" y="2366690"/>
+            <a:ext cx="432000" cy="247800"/>
+          </a:xfrm>
+          <a:prstGeom prst="straightConnector1">
+            <a:avLst/>
+          </a:prstGeom>
+          <a:ln w="28575">
+            <a:solidFill>
+              <a:schemeClr val="tx1">
+                <a:lumMod val="85000"/>
+                <a:lumOff val="15000"/>
+              </a:schemeClr>
+            </a:solidFill>
+            <a:tailEnd type="triangle"/>
+          </a:ln>
+        </p:spPr>
+        <p:style>
+          <a:lnRef idx="1">
+            <a:schemeClr val="dk1"/>
+          </a:lnRef>
+          <a:fillRef idx="0">
+            <a:schemeClr val="dk1"/>
+          </a:fillRef>
+          <a:effectRef idx="0">
+            <a:schemeClr val="dk1"/>
+          </a:effectRef>
+          <a:fontRef idx="minor">
+            <a:schemeClr val="tx1"/>
+          </a:fontRef>
+        </p:style>
+      </p:cxnSp>
+      <p:grpSp>
+        <p:nvGrpSpPr>
+          <p:cNvPr id="2" name="Groupe 1"/>
+          <p:cNvGrpSpPr/>
+          <p:nvPr/>
+        </p:nvGrpSpPr>
+        <p:grpSpPr>
+          <a:xfrm>
+            <a:off x="2256770" y="2071934"/>
+            <a:ext cx="1502981" cy="2142181"/>
+            <a:chOff x="2256769" y="2709936"/>
+            <a:chExt cx="1502981" cy="2142181"/>
+          </a:xfrm>
+        </p:grpSpPr>
+        <p:sp>
+          <p:nvSpPr>
+            <p:cNvPr id="63" name="Rectangle 62"/>
+            <p:cNvSpPr/>
+            <p:nvPr/>
+          </p:nvSpPr>
+          <p:spPr>
+            <a:xfrm>
+              <a:off x="2256770" y="2709936"/>
+              <a:ext cx="1502980" cy="872358"/>
+            </a:xfrm>
+            <a:prstGeom prst="rect">
+              <a:avLst/>
+            </a:prstGeom>
+            <a:solidFill>
+              <a:srgbClr val="E9F2B5"/>
+            </a:solidFill>
+            <a:ln w="19050">
+              <a:noFill/>
+            </a:ln>
+          </p:spPr>
+          <p:style>
+            <a:lnRef idx="2">
+              <a:schemeClr val="accent1">
+                <a:shade val="50000"/>
+              </a:schemeClr>
+            </a:lnRef>
+            <a:fillRef idx="1">
+              <a:schemeClr val="accent1"/>
+            </a:fillRef>
+            <a:effectRef idx="0">
+              <a:schemeClr val="accent1"/>
+            </a:effectRef>
+            <a:fontRef idx="minor">
+              <a:schemeClr val="lt1"/>
+            </a:fontRef>
+          </p:style>
+          <p:txBody>
+            <a:bodyPr rot="0" spcFirstLastPara="0" vertOverflow="overflow" horzOverflow="overflow" vert="horz" wrap="square" lIns="91440" tIns="45720" rIns="91440" bIns="45720" numCol="1" spcCol="0" rtlCol="0" fromWordArt="0" anchor="ctr" anchorCtr="0" forceAA="0" compatLnSpc="1">
+              <a:prstTxWarp prst="textNoShape">
+                <a:avLst/>
+              </a:prstTxWarp>
+              <a:noAutofit/>
+            </a:bodyPr>
+            <a:lstStyle/>
+            <a:p>
+              <a:pPr algn="ctr">
+                <a:lnSpc>
+                  <a:spcPct val="150000"/>
+                </a:lnSpc>
+              </a:pPr>
+              <a:r>
+                <a:rPr lang="en-US" sz="1150" dirty="0" smtClean="0">
+                  <a:solidFill>
+                    <a:schemeClr val="tx1"/>
+                  </a:solidFill>
+                  <a:latin typeface="Helvetica Neue" panose="02000503000000020004" pitchFamily="50"/>
+                </a:rPr>
+                <a:t>PERSONALITY, LIFE-STYLE, CREATIVITY</a:t>
+              </a:r>
+              <a:endParaRPr lang="en-US" sz="1150" baseline="30000" dirty="0">
+                <a:solidFill>
+                  <a:schemeClr val="tx1"/>
+                </a:solidFill>
+                <a:latin typeface="Helvetica Neue" panose="02000503000000020004" pitchFamily="50"/>
+              </a:endParaRPr>
+            </a:p>
+          </p:txBody>
+        </p:sp>
+        <p:sp>
+          <p:nvSpPr>
+            <p:cNvPr id="25" name="Rectangle 24"/>
+            <p:cNvSpPr/>
+            <p:nvPr/>
+          </p:nvSpPr>
+          <p:spPr>
+            <a:xfrm>
+              <a:off x="2256769" y="3979759"/>
+              <a:ext cx="1502980" cy="872358"/>
+            </a:xfrm>
+            <a:prstGeom prst="rect">
+              <a:avLst/>
+            </a:prstGeom>
+            <a:solidFill>
+              <a:srgbClr val="C7E7C6"/>
+            </a:solidFill>
+            <a:ln w="19050">
+              <a:noFill/>
+            </a:ln>
+          </p:spPr>
+          <p:style>
+            <a:lnRef idx="2">
+              <a:schemeClr val="accent1">
+                <a:shade val="50000"/>
+              </a:schemeClr>
+            </a:lnRef>
+            <a:fillRef idx="1">
+              <a:schemeClr val="accent1"/>
+            </a:fillRef>
+            <a:effectRef idx="0">
+              <a:schemeClr val="accent1"/>
+            </a:effectRef>
+            <a:fontRef idx="minor">
+              <a:schemeClr val="lt1"/>
+            </a:fontRef>
+          </p:style>
+          <p:txBody>
+            <a:bodyPr rot="0" spcFirstLastPara="0" vertOverflow="overflow" horzOverflow="overflow" vert="horz" wrap="square" lIns="91440" tIns="45720" rIns="91440" bIns="45720" numCol="1" spcCol="0" rtlCol="0" fromWordArt="0" anchor="ctr" anchorCtr="0" forceAA="0" compatLnSpc="1">
+              <a:prstTxWarp prst="textNoShape">
+                <a:avLst/>
+              </a:prstTxWarp>
+              <a:noAutofit/>
+            </a:bodyPr>
+            <a:lstStyle/>
+            <a:p>
+              <a:pPr algn="ctr">
+                <a:lnSpc>
+                  <a:spcPct val="150000"/>
+                </a:lnSpc>
+              </a:pPr>
+              <a:r>
+                <a:rPr lang="en-US" sz="1150" dirty="0" smtClean="0">
+                  <a:solidFill>
+                    <a:schemeClr val="tx1"/>
+                  </a:solidFill>
+                  <a:latin typeface="Helvetica Neue" panose="02000503000000020004" pitchFamily="50"/>
+                </a:rPr>
+                <a:t>BRAIN FUNCTIONING</a:t>
+              </a:r>
+              <a:endParaRPr lang="en-US" sz="1150" baseline="30000" dirty="0">
+                <a:solidFill>
+                  <a:schemeClr val="tx1"/>
+                </a:solidFill>
+                <a:latin typeface="Helvetica Neue" panose="02000503000000020004" pitchFamily="50"/>
+              </a:endParaRPr>
+            </a:p>
+          </p:txBody>
+        </p:sp>
+      </p:grpSp>
+      <p:cxnSp>
+        <p:nvCxnSpPr>
+          <p:cNvPr id="29" name="Connecteur droit avec flèche 28"/>
+          <p:cNvCxnSpPr/>
+          <p:nvPr/>
+        </p:nvCxnSpPr>
+        <p:spPr>
+          <a:xfrm flipV="1">
+            <a:off x="2999365" y="3007288"/>
+            <a:ext cx="0" cy="288000"/>
+          </a:xfrm>
+          <a:prstGeom prst="straightConnector1">
+            <a:avLst/>
+          </a:prstGeom>
+          <a:ln w="19050">
+            <a:solidFill>
+              <a:schemeClr val="tx1">
+                <a:lumMod val="85000"/>
+                <a:lumOff val="15000"/>
+              </a:schemeClr>
+            </a:solidFill>
+            <a:headEnd type="triangle" w="med" len="med"/>
+            <a:tailEnd type="triangle" w="med" len="med"/>
+          </a:ln>
+        </p:spPr>
+        <p:style>
+          <a:lnRef idx="3">
+            <a:schemeClr val="dk1"/>
+          </a:lnRef>
+          <a:fillRef idx="0">
+            <a:schemeClr val="dk1"/>
+          </a:fillRef>
+          <a:effectRef idx="2">
+            <a:schemeClr val="dk1"/>
+          </a:effectRef>
+          <a:fontRef idx="minor">
+            <a:schemeClr val="tx1"/>
+          </a:fontRef>
+        </p:style>
+      </p:cxnSp>
+    </p:spTree>
+    <p:extLst>
+      <p:ext uri="{BB962C8B-B14F-4D97-AF65-F5344CB8AC3E}">
+        <p14:creationId xmlns:p14="http://schemas.microsoft.com/office/powerpoint/2010/main" val="2935773351"/>
+      </p:ext>
+    </p:extLst>
+  </p:cSld>
+  <p:clrMapOvr>
+    <a:masterClrMapping/>
+  </p:clrMapOvr>
+</p:sld>
+</file>
+
+<file path=ppt/slides/slide3.xml><?xml version="1.0" encoding="utf-8"?>
+<p:sld xmlns:a="http://schemas.openxmlformats.org/drawingml/2006/main" xmlns:r="http://schemas.openxmlformats.org/officeDocument/2006/relationships" xmlns:p="http://schemas.openxmlformats.org/presentationml/2006/main">
+  <p:cSld>
+    <p:spTree>
+      <p:nvGrpSpPr>
+        <p:cNvPr id="1" name=""/>
+        <p:cNvGrpSpPr/>
+        <p:nvPr/>
+      </p:nvGrpSpPr>
+      <p:grpSpPr>
+        <a:xfrm>
+          <a:off x="0" y="0"/>
+          <a:ext cx="0" cy="0"/>
+          <a:chOff x="0" y="0"/>
+          <a:chExt cx="0" cy="0"/>
+        </a:xfrm>
+      </p:grpSpPr>
+      <p:sp>
+        <p:nvSpPr>
+          <p:cNvPr id="4" name="Rectangle 3"/>
+          <p:cNvSpPr/>
+          <p:nvPr/>
+        </p:nvSpPr>
+        <p:spPr>
+          <a:xfrm>
+            <a:off x="4436668" y="2709936"/>
+            <a:ext cx="1502980" cy="872358"/>
+          </a:xfrm>
+          <a:prstGeom prst="rect">
+            <a:avLst/>
+          </a:prstGeom>
+          <a:solidFill>
+            <a:srgbClr val="6EBCBF"/>
+          </a:solidFill>
+          <a:ln w="19050">
+            <a:noFill/>
+          </a:ln>
+        </p:spPr>
+        <p:style>
+          <a:lnRef idx="2">
+            <a:schemeClr val="accent1">
+              <a:shade val="50000"/>
+            </a:schemeClr>
+          </a:lnRef>
+          <a:fillRef idx="1">
+            <a:schemeClr val="accent1"/>
+          </a:fillRef>
+          <a:effectRef idx="0">
+            <a:schemeClr val="accent1"/>
+          </a:effectRef>
+          <a:fontRef idx="minor">
+            <a:schemeClr val="lt1"/>
+          </a:fontRef>
+        </p:style>
+        <p:txBody>
+          <a:bodyPr rot="0" spcFirstLastPara="0" vertOverflow="overflow" horzOverflow="overflow" vert="horz" wrap="square" lIns="91440" tIns="45720" rIns="91440" bIns="45720" numCol="1" spcCol="0" rtlCol="0" fromWordArt="0" anchor="ctr" anchorCtr="0" forceAA="0" compatLnSpc="1">
+            <a:prstTxWarp prst="textNoShape">
+              <a:avLst/>
+            </a:prstTxWarp>
+            <a:noAutofit/>
+          </a:bodyPr>
+          <a:lstStyle/>
+          <a:p>
+            <a:pPr algn="ctr">
+              <a:lnSpc>
+                <a:spcPct val="150000"/>
+              </a:lnSpc>
+            </a:pPr>
+            <a:r>
+              <a:rPr lang="en-US" sz="1150" dirty="0" smtClean="0">
+                <a:solidFill>
+                  <a:schemeClr val="tx1"/>
+                </a:solidFill>
+                <a:latin typeface="Helvetica Neue" panose="02000503000000020004" pitchFamily="50"/>
+              </a:rPr>
+              <a:t>NOCTURNAL AWAKENINGS</a:t>
+            </a:r>
+            <a:endParaRPr lang="en-US" sz="1150" baseline="30000" dirty="0">
+              <a:solidFill>
+                <a:schemeClr val="tx1"/>
+              </a:solidFill>
+              <a:latin typeface="Helvetica Neue" panose="02000503000000020004" pitchFamily="50"/>
+            </a:endParaRPr>
+          </a:p>
+        </p:txBody>
+      </p:sp>
+      <p:sp>
+        <p:nvSpPr>
+          <p:cNvPr id="7" name="Rectangle 6"/>
+          <p:cNvSpPr/>
+          <p:nvPr/>
+        </p:nvSpPr>
+        <p:spPr>
+          <a:xfrm>
+            <a:off x="6616568" y="2709936"/>
+            <a:ext cx="1502980" cy="872358"/>
+          </a:xfrm>
+          <a:prstGeom prst="rect">
+            <a:avLst/>
+          </a:prstGeom>
+          <a:solidFill>
+            <a:srgbClr val="61567C"/>
+          </a:solidFill>
+          <a:ln w="19050">
+            <a:noFill/>
+          </a:ln>
+        </p:spPr>
+        <p:style>
+          <a:lnRef idx="2">
+            <a:schemeClr val="accent1">
+              <a:shade val="50000"/>
+            </a:schemeClr>
+          </a:lnRef>
+          <a:fillRef idx="1">
+            <a:schemeClr val="accent1"/>
+          </a:fillRef>
+          <a:effectRef idx="0">
+            <a:schemeClr val="accent1"/>
+          </a:effectRef>
+          <a:fontRef idx="minor">
+            <a:schemeClr val="lt1"/>
+          </a:fontRef>
+        </p:style>
+        <p:txBody>
+          <a:bodyPr rot="0" spcFirstLastPara="0" vertOverflow="overflow" horzOverflow="overflow" vert="horz" wrap="square" lIns="91440" tIns="45720" rIns="91440" bIns="45720" numCol="1" spcCol="0" rtlCol="0" fromWordArt="0" anchor="ctr" anchorCtr="0" forceAA="0" compatLnSpc="1">
+            <a:prstTxWarp prst="textNoShape">
+              <a:avLst/>
+            </a:prstTxWarp>
+            <a:noAutofit/>
+          </a:bodyPr>
+          <a:lstStyle/>
+          <a:p>
+            <a:pPr algn="ctr">
+              <a:lnSpc>
+                <a:spcPct val="150000"/>
+              </a:lnSpc>
+            </a:pPr>
+            <a:r>
+              <a:rPr lang="en-US" sz="1150" dirty="0" smtClean="0">
+                <a:solidFill>
+                  <a:schemeClr val="bg1"/>
+                </a:solidFill>
+                <a:latin typeface="Helvetica Neue" panose="02000503000000020004" pitchFamily="50"/>
+              </a:rPr>
+              <a:t>ENCODING OF DREAM IN LONG TERM MEMORY</a:t>
+            </a:r>
+            <a:endParaRPr lang="en-US" sz="1150" baseline="30000" dirty="0">
+              <a:solidFill>
+                <a:schemeClr val="bg1"/>
+              </a:solidFill>
+              <a:latin typeface="Helvetica Neue" panose="02000503000000020004" pitchFamily="50"/>
+            </a:endParaRPr>
+          </a:p>
+        </p:txBody>
+      </p:sp>
+      <p:sp>
+        <p:nvSpPr>
+          <p:cNvPr id="8" name="ZoneTexte 7"/>
+          <p:cNvSpPr txBox="1"/>
+          <p:nvPr/>
+        </p:nvSpPr>
+        <p:spPr>
+          <a:xfrm>
+            <a:off x="6616567" y="3897607"/>
+            <a:ext cx="1502979" cy="276999"/>
+          </a:xfrm>
+          <a:prstGeom prst="rect">
+            <a:avLst/>
+          </a:prstGeom>
+          <a:noFill/>
+        </p:spPr>
+        <p:txBody>
+          <a:bodyPr wrap="square" rtlCol="0">
+            <a:spAutoFit/>
+          </a:bodyPr>
+          <a:lstStyle/>
+          <a:p>
+            <a:pPr algn="ctr"/>
+            <a:r>
+              <a:rPr lang="en-US" sz="1150" dirty="0" smtClean="0">
+                <a:latin typeface="Helvetica Neue" panose="02000503000000020004" pitchFamily="50"/>
+              </a:rPr>
+              <a:t>Interference</a:t>
+            </a:r>
+            <a:endParaRPr lang="en-US" sz="1150" baseline="30000" dirty="0">
+              <a:latin typeface="Helvetica Neue" panose="02000503000000020004" pitchFamily="50"/>
+            </a:endParaRPr>
+          </a:p>
+        </p:txBody>
+      </p:sp>
+      <p:sp>
+        <p:nvSpPr>
+          <p:cNvPr id="9" name="ZoneTexte 8"/>
+          <p:cNvSpPr txBox="1"/>
+          <p:nvPr/>
+        </p:nvSpPr>
+        <p:spPr>
+          <a:xfrm>
+            <a:off x="6502392" y="4432813"/>
+            <a:ext cx="1735696" cy="276999"/>
+          </a:xfrm>
+          <a:prstGeom prst="rect">
+            <a:avLst/>
+          </a:prstGeom>
+          <a:noFill/>
+        </p:spPr>
+        <p:txBody>
+          <a:bodyPr wrap="square" rtlCol="0">
+            <a:spAutoFit/>
+          </a:bodyPr>
+          <a:lstStyle/>
+          <a:p>
+            <a:pPr algn="ctr"/>
+            <a:r>
+              <a:rPr lang="en-US" sz="1150" dirty="0" smtClean="0">
+                <a:latin typeface="Helvetica Neue" panose="02000503000000020004" pitchFamily="50"/>
+              </a:rPr>
+              <a:t>Interest </a:t>
+            </a:r>
+            <a:r>
+              <a:rPr lang="en-US" sz="1150" dirty="0">
+                <a:latin typeface="Helvetica Neue" panose="02000503000000020004" pitchFamily="50"/>
+              </a:rPr>
+              <a:t>in </a:t>
+            </a:r>
+            <a:r>
+              <a:rPr lang="en-US" sz="1150" dirty="0" smtClean="0">
+                <a:latin typeface="Helvetica Neue" panose="02000503000000020004" pitchFamily="50"/>
+              </a:rPr>
+              <a:t>dreams </a:t>
+            </a:r>
+            <a:endParaRPr lang="en-US" sz="1150" baseline="30000" dirty="0">
+              <a:latin typeface="Helvetica Neue" panose="02000503000000020004" pitchFamily="50"/>
+            </a:endParaRPr>
+          </a:p>
+        </p:txBody>
+      </p:sp>
+      <p:cxnSp>
+        <p:nvCxnSpPr>
+          <p:cNvPr id="16" name="Connecteur droit avec flèche 15"/>
+          <p:cNvCxnSpPr/>
+          <p:nvPr/>
+        </p:nvCxnSpPr>
+        <p:spPr>
+          <a:xfrm>
+            <a:off x="8265064" y="3151599"/>
+            <a:ext cx="430922" cy="0"/>
+          </a:xfrm>
+          <a:prstGeom prst="straightConnector1">
+            <a:avLst/>
+          </a:prstGeom>
+          <a:ln w="28575">
+            <a:solidFill>
+              <a:schemeClr val="tx1">
+                <a:lumMod val="85000"/>
+                <a:lumOff val="15000"/>
+              </a:schemeClr>
+            </a:solidFill>
+            <a:tailEnd type="triangle"/>
+          </a:ln>
+        </p:spPr>
+        <p:style>
+          <a:lnRef idx="1">
+            <a:schemeClr val="dk1"/>
+          </a:lnRef>
+          <a:fillRef idx="0">
+            <a:schemeClr val="dk1"/>
+          </a:fillRef>
+          <a:effectRef idx="0">
+            <a:schemeClr val="dk1"/>
+          </a:effectRef>
+          <a:fontRef idx="minor">
+            <a:schemeClr val="tx1"/>
+          </a:fontRef>
+        </p:style>
+      </p:cxnSp>
+      <p:cxnSp>
+        <p:nvCxnSpPr>
+          <p:cNvPr id="19" name="Connecteur droit avec flèche 18"/>
+          <p:cNvCxnSpPr/>
+          <p:nvPr/>
+        </p:nvCxnSpPr>
+        <p:spPr>
+          <a:xfrm flipV="1">
+            <a:off x="7368056" y="4179010"/>
+            <a:ext cx="0" cy="216000"/>
+          </a:xfrm>
+          <a:prstGeom prst="straightConnector1">
+            <a:avLst/>
+          </a:prstGeom>
+          <a:ln w="12700">
+            <a:solidFill>
+              <a:schemeClr val="tx1">
+                <a:lumMod val="85000"/>
+                <a:lumOff val="15000"/>
+              </a:schemeClr>
+            </a:solidFill>
+            <a:tailEnd type="triangle"/>
+          </a:ln>
+        </p:spPr>
+        <p:style>
+          <a:lnRef idx="3">
+            <a:schemeClr val="dk1"/>
+          </a:lnRef>
+          <a:fillRef idx="0">
+            <a:schemeClr val="dk1"/>
+          </a:fillRef>
+          <a:effectRef idx="2">
+            <a:schemeClr val="dk1"/>
+          </a:effectRef>
+          <a:fontRef idx="minor">
+            <a:schemeClr val="tx1"/>
+          </a:fontRef>
+        </p:style>
+      </p:cxnSp>
+      <p:cxnSp>
+        <p:nvCxnSpPr>
+          <p:cNvPr id="20" name="Connecteur droit avec flèche 19"/>
+          <p:cNvCxnSpPr/>
+          <p:nvPr/>
+        </p:nvCxnSpPr>
+        <p:spPr>
+          <a:xfrm flipV="1">
+            <a:off x="7368057" y="3655863"/>
+            <a:ext cx="0" cy="216000"/>
+          </a:xfrm>
+          <a:prstGeom prst="straightConnector1">
+            <a:avLst/>
+          </a:prstGeom>
+          <a:ln w="12700">
+            <a:solidFill>
+              <a:schemeClr val="tx1">
+                <a:lumMod val="85000"/>
+                <a:lumOff val="15000"/>
+              </a:schemeClr>
+            </a:solidFill>
+            <a:tailEnd type="triangle"/>
+          </a:ln>
+        </p:spPr>
+        <p:style>
+          <a:lnRef idx="3">
+            <a:schemeClr val="dk1"/>
+          </a:lnRef>
+          <a:fillRef idx="0">
+            <a:schemeClr val="dk1"/>
+          </a:fillRef>
+          <a:effectRef idx="2">
+            <a:schemeClr val="dk1"/>
+          </a:effectRef>
+          <a:fontRef idx="minor">
+            <a:schemeClr val="tx1"/>
+          </a:fontRef>
+        </p:style>
+      </p:cxnSp>
+      <p:sp>
+        <p:nvSpPr>
+          <p:cNvPr id="6" name="Rectangle 5"/>
+          <p:cNvSpPr/>
+          <p:nvPr/>
+        </p:nvSpPr>
+        <p:spPr>
+          <a:xfrm>
+            <a:off x="4436668" y="3979759"/>
+            <a:ext cx="1502980" cy="872358"/>
+          </a:xfrm>
+          <a:prstGeom prst="rect">
+            <a:avLst/>
+          </a:prstGeom>
+          <a:solidFill>
+            <a:srgbClr val="4B84AF"/>
+          </a:solidFill>
+          <a:ln w="19050">
+            <a:noFill/>
+          </a:ln>
+        </p:spPr>
+        <p:style>
+          <a:lnRef idx="2">
+            <a:schemeClr val="accent1">
+              <a:shade val="50000"/>
+            </a:schemeClr>
+          </a:lnRef>
+          <a:fillRef idx="1">
+            <a:schemeClr val="accent1"/>
+          </a:fillRef>
+          <a:effectRef idx="0">
+            <a:schemeClr val="accent1"/>
+          </a:effectRef>
+          <a:fontRef idx="minor">
+            <a:schemeClr val="lt1"/>
+          </a:fontRef>
+        </p:style>
+        <p:txBody>
+          <a:bodyPr rot="0" spcFirstLastPara="0" vertOverflow="overflow" horzOverflow="overflow" vert="horz" wrap="square" lIns="91440" tIns="45720" rIns="91440" bIns="45720" numCol="1" spcCol="0" rtlCol="0" fromWordArt="0" anchor="ctr" anchorCtr="0" forceAA="0" compatLnSpc="1">
+            <a:prstTxWarp prst="textNoShape">
+              <a:avLst/>
+            </a:prstTxWarp>
+            <a:noAutofit/>
+          </a:bodyPr>
+          <a:lstStyle/>
+          <a:p>
+            <a:pPr algn="ctr">
+              <a:lnSpc>
+                <a:spcPct val="150000"/>
+              </a:lnSpc>
+            </a:pPr>
+            <a:r>
+              <a:rPr lang="en-US" sz="1150" dirty="0" smtClean="0">
+                <a:solidFill>
+                  <a:schemeClr val="tx1"/>
+                </a:solidFill>
+                <a:latin typeface="Helvetica Neue" panose="02000503000000020004" pitchFamily="50"/>
+              </a:rPr>
+              <a:t>BRAIN FUNCTIONING</a:t>
+            </a:r>
+            <a:endParaRPr lang="en-US" sz="1150" baseline="30000" dirty="0">
+              <a:solidFill>
+                <a:schemeClr val="tx1"/>
+              </a:solidFill>
+              <a:latin typeface="Helvetica Neue" panose="02000503000000020004" pitchFamily="50"/>
+            </a:endParaRPr>
+          </a:p>
+        </p:txBody>
+      </p:sp>
+      <p:sp>
+        <p:nvSpPr>
+          <p:cNvPr id="26" name="Rectangle 25"/>
+          <p:cNvSpPr/>
+          <p:nvPr/>
+        </p:nvSpPr>
+        <p:spPr>
+          <a:xfrm>
+            <a:off x="4436668" y="1440113"/>
+            <a:ext cx="1502980" cy="872358"/>
+          </a:xfrm>
+          <a:prstGeom prst="rect">
+            <a:avLst/>
+          </a:prstGeom>
+          <a:solidFill>
+            <a:srgbClr val="99D398"/>
+          </a:solidFill>
+          <a:ln w="19050">
+            <a:noFill/>
+          </a:ln>
+        </p:spPr>
+        <p:style>
+          <a:lnRef idx="2">
+            <a:schemeClr val="accent1">
+              <a:shade val="50000"/>
+            </a:schemeClr>
+          </a:lnRef>
+          <a:fillRef idx="1">
+            <a:schemeClr val="accent1"/>
+          </a:fillRef>
+          <a:effectRef idx="0">
+            <a:schemeClr val="accent1"/>
+          </a:effectRef>
+          <a:fontRef idx="minor">
+            <a:schemeClr val="lt1"/>
+          </a:fontRef>
+        </p:style>
+        <p:txBody>
+          <a:bodyPr rot="0" spcFirstLastPara="0" vertOverflow="overflow" horzOverflow="overflow" vert="horz" wrap="square" lIns="91440" tIns="45720" rIns="91440" bIns="45720" numCol="1" spcCol="0" rtlCol="0" fromWordArt="0" anchor="ctr" anchorCtr="0" forceAA="0" compatLnSpc="1">
+            <a:prstTxWarp prst="textNoShape">
+              <a:avLst/>
+            </a:prstTxWarp>
+            <a:noAutofit/>
+          </a:bodyPr>
+          <a:lstStyle/>
+          <a:p>
+            <a:pPr algn="ctr">
+              <a:lnSpc>
+                <a:spcPct val="150000"/>
+              </a:lnSpc>
+            </a:pPr>
+            <a:r>
+              <a:rPr lang="en-US" sz="1150" dirty="0" smtClean="0">
+                <a:solidFill>
+                  <a:schemeClr val="tx1"/>
+                </a:solidFill>
+                <a:latin typeface="Helvetica Neue" panose="02000503000000020004" pitchFamily="50"/>
+              </a:rPr>
+              <a:t>SALIENCE OF DREAM CONTENT</a:t>
+            </a:r>
+            <a:endParaRPr lang="en-US" sz="1150" baseline="30000" dirty="0">
+              <a:solidFill>
+                <a:schemeClr val="tx1"/>
+              </a:solidFill>
+              <a:latin typeface="Helvetica Neue" panose="02000503000000020004" pitchFamily="50"/>
+            </a:endParaRPr>
+          </a:p>
+        </p:txBody>
+      </p:sp>
+      <p:cxnSp>
+        <p:nvCxnSpPr>
+          <p:cNvPr id="27" name="Connecteur droit avec flèche 26"/>
+          <p:cNvCxnSpPr/>
+          <p:nvPr/>
+        </p:nvCxnSpPr>
+        <p:spPr>
+          <a:xfrm>
+            <a:off x="6049314" y="3143025"/>
+            <a:ext cx="430922" cy="0"/>
+          </a:xfrm>
+          <a:prstGeom prst="straightConnector1">
+            <a:avLst/>
+          </a:prstGeom>
+          <a:ln w="28575">
+            <a:solidFill>
+              <a:schemeClr val="tx1">
+                <a:lumMod val="85000"/>
+                <a:lumOff val="15000"/>
+              </a:schemeClr>
+            </a:solidFill>
+            <a:tailEnd type="triangle"/>
+          </a:ln>
+        </p:spPr>
+        <p:style>
+          <a:lnRef idx="1">
+            <a:schemeClr val="dk1"/>
+          </a:lnRef>
+          <a:fillRef idx="0">
+            <a:schemeClr val="dk1"/>
+          </a:fillRef>
+          <a:effectRef idx="0">
+            <a:schemeClr val="dk1"/>
+          </a:effectRef>
+          <a:fontRef idx="minor">
+            <a:schemeClr val="tx1"/>
+          </a:fontRef>
+        </p:style>
+      </p:cxnSp>
+      <p:cxnSp>
+        <p:nvCxnSpPr>
+          <p:cNvPr id="42" name="Connecteur droit avec flèche 41"/>
+          <p:cNvCxnSpPr/>
+          <p:nvPr/>
+        </p:nvCxnSpPr>
+        <p:spPr>
+          <a:xfrm>
+            <a:off x="7369098" y="2398490"/>
+            <a:ext cx="0" cy="216000"/>
+          </a:xfrm>
+          <a:prstGeom prst="straightConnector1">
+            <a:avLst/>
+          </a:prstGeom>
+          <a:ln w="12700">
+            <a:solidFill>
+              <a:schemeClr val="tx1">
+                <a:lumMod val="85000"/>
+                <a:lumOff val="15000"/>
+              </a:schemeClr>
+            </a:solidFill>
+            <a:tailEnd type="triangle"/>
+          </a:ln>
+        </p:spPr>
+        <p:style>
+          <a:lnRef idx="3">
+            <a:schemeClr val="dk1"/>
+          </a:lnRef>
+          <a:fillRef idx="0">
+            <a:schemeClr val="dk1"/>
+          </a:fillRef>
+          <a:effectRef idx="2">
+            <a:schemeClr val="dk1"/>
+          </a:effectRef>
+          <a:fontRef idx="minor">
+            <a:schemeClr val="tx1"/>
+          </a:fontRef>
+        </p:style>
+      </p:cxnSp>
+      <p:sp>
+        <p:nvSpPr>
+          <p:cNvPr id="43" name="ZoneTexte 42"/>
+          <p:cNvSpPr txBox="1"/>
+          <p:nvPr/>
+        </p:nvSpPr>
+        <p:spPr>
+          <a:xfrm>
+            <a:off x="6616566" y="2107265"/>
+            <a:ext cx="1502979" cy="276999"/>
+          </a:xfrm>
+          <a:prstGeom prst="rect">
+            <a:avLst/>
+          </a:prstGeom>
+          <a:noFill/>
+        </p:spPr>
+        <p:txBody>
+          <a:bodyPr wrap="square" rtlCol="0">
+            <a:spAutoFit/>
+          </a:bodyPr>
+          <a:lstStyle/>
+          <a:p>
+            <a:pPr algn="ctr"/>
+            <a:r>
+              <a:rPr lang="en-US" sz="1150" dirty="0" smtClean="0">
+                <a:latin typeface="Helvetica Neue" panose="02000503000000020004" pitchFamily="50"/>
+              </a:rPr>
+              <a:t>Sleep inertia</a:t>
+            </a:r>
+            <a:endParaRPr lang="en-US" sz="1150" dirty="0">
+              <a:latin typeface="Helvetica Neue" panose="02000503000000020004" pitchFamily="50"/>
+            </a:endParaRPr>
+          </a:p>
+        </p:txBody>
+      </p:sp>
+      <p:cxnSp>
+        <p:nvCxnSpPr>
+          <p:cNvPr id="49" name="Connecteur droit avec flèche 48"/>
+          <p:cNvCxnSpPr/>
+          <p:nvPr/>
+        </p:nvCxnSpPr>
+        <p:spPr>
+          <a:xfrm flipV="1">
+            <a:off x="5188158" y="3637864"/>
+            <a:ext cx="0" cy="252000"/>
+          </a:xfrm>
+          <a:prstGeom prst="straightConnector1">
+            <a:avLst/>
+          </a:prstGeom>
+          <a:ln w="12700">
+            <a:solidFill>
+              <a:schemeClr val="tx1">
+                <a:lumMod val="85000"/>
+                <a:lumOff val="15000"/>
+              </a:schemeClr>
+            </a:solidFill>
+            <a:tailEnd type="triangle"/>
+          </a:ln>
+        </p:spPr>
+        <p:style>
+          <a:lnRef idx="3">
+            <a:schemeClr val="dk1"/>
+          </a:lnRef>
+          <a:fillRef idx="0">
+            <a:schemeClr val="dk1"/>
+          </a:fillRef>
+          <a:effectRef idx="2">
+            <a:schemeClr val="dk1"/>
+          </a:effectRef>
+          <a:fontRef idx="minor">
+            <a:schemeClr val="tx1"/>
+          </a:fontRef>
+        </p:style>
+      </p:cxnSp>
+      <p:grpSp>
+        <p:nvGrpSpPr>
+          <p:cNvPr id="55" name="Groupe 54"/>
+          <p:cNvGrpSpPr/>
+          <p:nvPr/>
+        </p:nvGrpSpPr>
+        <p:grpSpPr>
+          <a:xfrm>
+            <a:off x="8796468" y="2118836"/>
+            <a:ext cx="1311519" cy="1463458"/>
+            <a:chOff x="10828802" y="1497165"/>
+            <a:chExt cx="1311519" cy="1463458"/>
+          </a:xfrm>
+        </p:grpSpPr>
+        <p:pic>
+          <p:nvPicPr>
+            <p:cNvPr id="56" name="Image 55"/>
+            <p:cNvPicPr>
+              <a:picLocks noChangeAspect="1"/>
+            </p:cNvPicPr>
+            <p:nvPr/>
+          </p:nvPicPr>
+          <p:blipFill>
+            <a:blip r:embed="rId2" cstate="print">
+              <a:extLst>
+                <a:ext uri="{BEBA8EAE-BF5A-486C-A8C5-ECC9F3942E4B}">
+                  <a14:imgProps xmlns:a14="http://schemas.microsoft.com/office/drawing/2010/main">
+                    <a14:imgLayer r:embed="rId3">
+                      <a14:imgEffect>
+                        <a14:saturation sat="0"/>
+                      </a14:imgEffect>
+                    </a14:imgLayer>
+                  </a14:imgProps>
+                </a:ext>
+                <a:ext uri="{28A0092B-C50C-407E-A947-70E740481C1C}">
+                  <a14:useLocalDpi xmlns:a14="http://schemas.microsoft.com/office/drawing/2010/main" val="0"/>
+                </a:ext>
+              </a:extLst>
+            </a:blip>
+            <a:stretch>
+              <a:fillRect/>
+            </a:stretch>
+          </p:blipFill>
+          <p:spPr>
+            <a:xfrm>
+              <a:off x="11060321" y="1497165"/>
+              <a:ext cx="1080000" cy="1080000"/>
+            </a:xfrm>
+            <a:prstGeom prst="rect">
+              <a:avLst/>
+            </a:prstGeom>
+          </p:spPr>
+        </p:pic>
+        <p:sp>
+          <p:nvSpPr>
+            <p:cNvPr id="57" name="Rectangle 56"/>
+            <p:cNvSpPr/>
+            <p:nvPr/>
+          </p:nvSpPr>
+          <p:spPr>
+            <a:xfrm>
+              <a:off x="10828802" y="2528623"/>
+              <a:ext cx="1224000" cy="432000"/>
+            </a:xfrm>
+            <a:prstGeom prst="rect">
+              <a:avLst/>
+            </a:prstGeom>
+            <a:solidFill>
+              <a:schemeClr val="bg1"/>
+            </a:solidFill>
+            <a:ln w="19050">
+              <a:noFill/>
+            </a:ln>
+          </p:spPr>
+          <p:style>
+            <a:lnRef idx="2">
+              <a:schemeClr val="accent1">
+                <a:shade val="50000"/>
+              </a:schemeClr>
+            </a:lnRef>
+            <a:fillRef idx="1">
+              <a:schemeClr val="accent1"/>
+            </a:fillRef>
+            <a:effectRef idx="0">
+              <a:schemeClr val="accent1"/>
+            </a:effectRef>
+            <a:fontRef idx="minor">
+              <a:schemeClr val="lt1"/>
+            </a:fontRef>
+          </p:style>
+          <p:txBody>
+            <a:bodyPr rot="0" spcFirstLastPara="0" vertOverflow="overflow" horzOverflow="overflow" vert="horz" wrap="square" lIns="91440" tIns="45720" rIns="91440" bIns="45720" numCol="1" spcCol="0" rtlCol="0" fromWordArt="0" anchor="t" anchorCtr="0" forceAA="0" compatLnSpc="1">
+              <a:prstTxWarp prst="textNoShape">
+                <a:avLst/>
+              </a:prstTxWarp>
+              <a:noAutofit/>
+            </a:bodyPr>
+            <a:lstStyle/>
+            <a:p>
+              <a:pPr algn="ctr"/>
+              <a:r>
+                <a:rPr lang="en-US" sz="1200" b="1" dirty="0" smtClean="0">
+                  <a:solidFill>
+                    <a:schemeClr val="tx1"/>
+                  </a:solidFill>
+                  <a:latin typeface="Helvetica Neue" panose="02000503000000020004" pitchFamily="50"/>
+                </a:rPr>
+                <a:t>DREAM RECALL</a:t>
+              </a:r>
+              <a:endParaRPr lang="en-US" sz="1200" b="1" dirty="0">
+                <a:solidFill>
+                  <a:schemeClr val="tx1"/>
+                </a:solidFill>
+                <a:latin typeface="Helvetica Neue" panose="02000503000000020004" pitchFamily="50"/>
+              </a:endParaRPr>
+            </a:p>
+          </p:txBody>
+        </p:sp>
+      </p:grpSp>
+      <p:cxnSp>
+        <p:nvCxnSpPr>
+          <p:cNvPr id="59" name="Connecteur droit avec flèche 58"/>
+          <p:cNvCxnSpPr/>
+          <p:nvPr/>
+        </p:nvCxnSpPr>
+        <p:spPr>
+          <a:xfrm>
+            <a:off x="7369916" y="1848676"/>
+            <a:ext cx="0" cy="216000"/>
+          </a:xfrm>
+          <a:prstGeom prst="straightConnector1">
+            <a:avLst/>
+          </a:prstGeom>
+          <a:ln w="12700">
+            <a:solidFill>
+              <a:schemeClr val="tx1">
+                <a:lumMod val="85000"/>
+                <a:lumOff val="15000"/>
+              </a:schemeClr>
+            </a:solidFill>
+            <a:tailEnd type="triangle"/>
+          </a:ln>
+        </p:spPr>
+        <p:style>
+          <a:lnRef idx="3">
+            <a:schemeClr val="dk1"/>
+          </a:lnRef>
+          <a:fillRef idx="0">
+            <a:schemeClr val="dk1"/>
+          </a:fillRef>
+          <a:effectRef idx="2">
+            <a:schemeClr val="dk1"/>
+          </a:effectRef>
+          <a:fontRef idx="minor">
+            <a:schemeClr val="tx1"/>
+          </a:fontRef>
+        </p:style>
+      </p:cxnSp>
+      <p:sp>
+        <p:nvSpPr>
+          <p:cNvPr id="60" name="ZoneTexte 59"/>
+          <p:cNvSpPr txBox="1"/>
+          <p:nvPr/>
+        </p:nvSpPr>
+        <p:spPr>
+          <a:xfrm>
             <a:off x="6616566" y="1367608"/>
             <a:ext cx="1502979" cy="461665"/>
           </a:xfrm>
@@ -5233,7 +6511,7 @@
 </p:sld>
 </file>
 
-<file path=ppt/slides/slide3.xml><?xml version="1.0" encoding="utf-8"?>
+<file path=ppt/slides/slide4.xml><?xml version="1.0" encoding="utf-8"?>
 <p:sld xmlns:a="http://schemas.openxmlformats.org/drawingml/2006/main" xmlns:r="http://schemas.openxmlformats.org/officeDocument/2006/relationships" xmlns:p="http://schemas.openxmlformats.org/presentationml/2006/main">
   <p:cSld>
     <p:spTree>
@@ -7153,7 +8431,7 @@
 </p:sld>
 </file>
 
-<file path=ppt/slides/slide4.xml><?xml version="1.0" encoding="utf-8"?>
+<file path=ppt/slides/slide5.xml><?xml version="1.0" encoding="utf-8"?>
 <p:sld xmlns:a="http://schemas.openxmlformats.org/drawingml/2006/main" xmlns:r="http://schemas.openxmlformats.org/officeDocument/2006/relationships" xmlns:p="http://schemas.openxmlformats.org/presentationml/2006/main">
   <p:cSld>
     <p:spTree>
@@ -8067,7 +9345,7 @@
 </p:sld>
 </file>
 
-<file path=ppt/slides/slide5.xml><?xml version="1.0" encoding="utf-8"?>
+<file path=ppt/slides/slide6.xml><?xml version="1.0" encoding="utf-8"?>
 <p:sld xmlns:a="http://schemas.openxmlformats.org/drawingml/2006/main" xmlns:r="http://schemas.openxmlformats.org/officeDocument/2006/relationships" xmlns:p="http://schemas.openxmlformats.org/presentationml/2006/main">
   <p:cSld>
     <p:spTree>

--- a/Fig/Discussion/schema_dream_recall.pptx
+++ b/Fig/Discussion/schema_dream_recall.pptx
@@ -6,11 +6,10 @@
   </p:sldMasterIdLst>
   <p:sldIdLst>
     <p:sldId id="261" r:id="rId2"/>
-    <p:sldId id="262" r:id="rId3"/>
-    <p:sldId id="260" r:id="rId4"/>
+    <p:sldId id="263" r:id="rId3"/>
+    <p:sldId id="262" r:id="rId4"/>
     <p:sldId id="256" r:id="rId5"/>
-    <p:sldId id="257" r:id="rId6"/>
-    <p:sldId id="258" r:id="rId7"/>
+    <p:sldId id="258" r:id="rId6"/>
   </p:sldIdLst>
   <p:sldSz cx="14400213" cy="6858000"/>
   <p:notesSz cx="6858000" cy="9144000"/>
@@ -117,7 +116,22 @@
             <a:srgbClr val="A4A3A4"/>
           </p15:clr>
         </p15:guide>
-        <p15:guide id="2" pos="1905" userDrawn="1">
+        <p15:guide id="2" pos="2517" userDrawn="1">
+          <p15:clr>
+            <a:srgbClr val="A4A3A4"/>
+          </p15:clr>
+        </p15:guide>
+        <p15:guide id="3" orient="horz" pos="2387" userDrawn="1">
+          <p15:clr>
+            <a:srgbClr val="A4A3A4"/>
+          </p15:clr>
+        </p15:guide>
+        <p15:guide id="4" pos="6713" userDrawn="1">
+          <p15:clr>
+            <a:srgbClr val="A4A3A4"/>
+          </p15:clr>
+        </p15:guide>
+        <p15:guide id="5" pos="2744" userDrawn="1">
           <p15:clr>
             <a:srgbClr val="A4A3A4"/>
           </p15:clr>
@@ -259,7 +273,7 @@
           <a:p>
             <a:fld id="{39F55FEC-1300-4CA0-95F5-21250F10457E}" type="datetimeFigureOut">
               <a:rPr lang="en-US" smtClean="0"/>
-              <a:t>10/23/2017</a:t>
+              <a:t>10/24/2017</a:t>
             </a:fld>
             <a:endParaRPr lang="en-US"/>
           </a:p>
@@ -429,7 +443,7 @@
           <a:p>
             <a:fld id="{39F55FEC-1300-4CA0-95F5-21250F10457E}" type="datetimeFigureOut">
               <a:rPr lang="en-US" smtClean="0"/>
-              <a:t>10/23/2017</a:t>
+              <a:t>10/24/2017</a:t>
             </a:fld>
             <a:endParaRPr lang="en-US"/>
           </a:p>
@@ -609,7 +623,7 @@
           <a:p>
             <a:fld id="{39F55FEC-1300-4CA0-95F5-21250F10457E}" type="datetimeFigureOut">
               <a:rPr lang="en-US" smtClean="0"/>
-              <a:t>10/23/2017</a:t>
+              <a:t>10/24/2017</a:t>
             </a:fld>
             <a:endParaRPr lang="en-US"/>
           </a:p>
@@ -779,7 +793,7 @@
           <a:p>
             <a:fld id="{39F55FEC-1300-4CA0-95F5-21250F10457E}" type="datetimeFigureOut">
               <a:rPr lang="en-US" smtClean="0"/>
-              <a:t>10/23/2017</a:t>
+              <a:t>10/24/2017</a:t>
             </a:fld>
             <a:endParaRPr lang="en-US"/>
           </a:p>
@@ -1025,7 +1039,7 @@
           <a:p>
             <a:fld id="{39F55FEC-1300-4CA0-95F5-21250F10457E}" type="datetimeFigureOut">
               <a:rPr lang="en-US" smtClean="0"/>
-              <a:t>10/23/2017</a:t>
+              <a:t>10/24/2017</a:t>
             </a:fld>
             <a:endParaRPr lang="en-US"/>
           </a:p>
@@ -1257,7 +1271,7 @@
           <a:p>
             <a:fld id="{39F55FEC-1300-4CA0-95F5-21250F10457E}" type="datetimeFigureOut">
               <a:rPr lang="en-US" smtClean="0"/>
-              <a:t>10/23/2017</a:t>
+              <a:t>10/24/2017</a:t>
             </a:fld>
             <a:endParaRPr lang="en-US"/>
           </a:p>
@@ -1624,7 +1638,7 @@
           <a:p>
             <a:fld id="{39F55FEC-1300-4CA0-95F5-21250F10457E}" type="datetimeFigureOut">
               <a:rPr lang="en-US" smtClean="0"/>
-              <a:t>10/23/2017</a:t>
+              <a:t>10/24/2017</a:t>
             </a:fld>
             <a:endParaRPr lang="en-US"/>
           </a:p>
@@ -1742,7 +1756,7 @@
           <a:p>
             <a:fld id="{39F55FEC-1300-4CA0-95F5-21250F10457E}" type="datetimeFigureOut">
               <a:rPr lang="en-US" smtClean="0"/>
-              <a:t>10/23/2017</a:t>
+              <a:t>10/24/2017</a:t>
             </a:fld>
             <a:endParaRPr lang="en-US"/>
           </a:p>
@@ -1837,7 +1851,7 @@
           <a:p>
             <a:fld id="{39F55FEC-1300-4CA0-95F5-21250F10457E}" type="datetimeFigureOut">
               <a:rPr lang="en-US" smtClean="0"/>
-              <a:t>10/23/2017</a:t>
+              <a:t>10/24/2017</a:t>
             </a:fld>
             <a:endParaRPr lang="en-US"/>
           </a:p>
@@ -2114,7 +2128,7 @@
           <a:p>
             <a:fld id="{39F55FEC-1300-4CA0-95F5-21250F10457E}" type="datetimeFigureOut">
               <a:rPr lang="en-US" smtClean="0"/>
-              <a:t>10/23/2017</a:t>
+              <a:t>10/24/2017</a:t>
             </a:fld>
             <a:endParaRPr lang="en-US"/>
           </a:p>
@@ -2371,7 +2385,7 @@
           <a:p>
             <a:fld id="{39F55FEC-1300-4CA0-95F5-21250F10457E}" type="datetimeFigureOut">
               <a:rPr lang="en-US" smtClean="0"/>
-              <a:t>10/23/2017</a:t>
+              <a:t>10/24/2017</a:t>
             </a:fld>
             <a:endParaRPr lang="en-US"/>
           </a:p>
@@ -2584,7 +2598,7 @@
           <a:p>
             <a:fld id="{39F55FEC-1300-4CA0-95F5-21250F10457E}" type="datetimeFigureOut">
               <a:rPr lang="en-US" smtClean="0"/>
-              <a:t>10/23/2017</a:t>
+              <a:t>10/24/2017</a:t>
             </a:fld>
             <a:endParaRPr lang="en-US"/>
           </a:p>
@@ -2997,7 +3011,7 @@
         </p:nvSpPr>
         <p:spPr>
           <a:xfrm>
-            <a:off x="4436668" y="2709936"/>
+            <a:off x="4436668" y="3353029"/>
             <a:ext cx="1440000" cy="872358"/>
           </a:xfrm>
           <a:prstGeom prst="rect">
@@ -3157,8 +3171,8 @@
         </p:nvSpPr>
         <p:spPr>
           <a:xfrm>
-            <a:off x="6404698" y="3908758"/>
-            <a:ext cx="1502979" cy="276999"/>
+            <a:off x="6266152" y="3908758"/>
+            <a:ext cx="763202" cy="461665"/>
           </a:xfrm>
           <a:prstGeom prst="rect">
             <a:avLst/>
@@ -3176,7 +3190,19 @@
               <a:rPr lang="en-US" sz="1200" dirty="0" smtClean="0">
                 <a:latin typeface="Helvetica Neue" panose="02000503000000020004" pitchFamily="50"/>
               </a:rPr>
-              <a:t>Sleep inertia</a:t>
+              <a:t>Sleep </a:t>
+            </a:r>
+            <a:endParaRPr lang="en-US" sz="1200" dirty="0" smtClean="0">
+              <a:latin typeface="Helvetica Neue" panose="02000503000000020004" pitchFamily="50"/>
+            </a:endParaRPr>
+          </a:p>
+          <a:p>
+            <a:pPr algn="ctr"/>
+            <a:r>
+              <a:rPr lang="en-US" sz="1200" dirty="0" smtClean="0">
+                <a:latin typeface="Helvetica Neue" panose="02000503000000020004" pitchFamily="50"/>
+              </a:rPr>
+              <a:t>inertia</a:t>
             </a:r>
             <a:endParaRPr lang="en-US" sz="1200" baseline="30000" dirty="0">
               <a:latin typeface="Helvetica Neue" panose="02000503000000020004" pitchFamily="50"/>
@@ -3192,7 +3218,7 @@
         </p:nvSpPr>
         <p:spPr>
           <a:xfrm>
-            <a:off x="6290523" y="4443964"/>
+            <a:off x="6290523" y="4666701"/>
             <a:ext cx="1735696" cy="276999"/>
           </a:xfrm>
           <a:prstGeom prst="rect">
@@ -3227,7 +3253,7 @@
         </p:nvCxnSpPr>
         <p:spPr>
           <a:xfrm flipV="1">
-            <a:off x="7156187" y="4190161"/>
+            <a:off x="6640797" y="4412898"/>
             <a:ext cx="0" cy="216000"/>
           </a:xfrm>
           <a:prstGeom prst="straightConnector1">
@@ -3266,7 +3292,7 @@
         </p:nvCxnSpPr>
         <p:spPr>
           <a:xfrm flipV="1">
-            <a:off x="7156188" y="3667014"/>
+            <a:off x="6647408" y="3667014"/>
             <a:ext cx="0" cy="216000"/>
           </a:xfrm>
           <a:prstGeom prst="straightConnector1">
@@ -3299,13 +3325,13 @@
       </p:cxnSp>
       <p:sp>
         <p:nvSpPr>
-          <p:cNvPr id="6" name="Rectangle 5"/>
+          <p:cNvPr id="26" name="Rectangle 25"/>
           <p:cNvSpPr/>
           <p:nvPr/>
         </p:nvSpPr>
         <p:spPr>
           <a:xfrm>
-            <a:off x="4436668" y="3979759"/>
+            <a:off x="4436668" y="2083206"/>
             <a:ext cx="1440000" cy="872358"/>
           </a:xfrm>
           <a:prstGeom prst="rect">
@@ -3357,7 +3383,25 @@
                 </a:solidFill>
                 <a:latin typeface="Helvetica Neue" panose="02000503000000020004" pitchFamily="50"/>
               </a:rPr>
-              <a:t>BRAIN REACTIVITY </a:t>
+              <a:t>SALIENCE </a:t>
+            </a:r>
+            <a:r>
+              <a:rPr lang="en-US" sz="1150" b="1" dirty="0">
+                <a:solidFill>
+                  <a:schemeClr val="tx1"/>
+                </a:solidFill>
+                <a:latin typeface="Helvetica Neue" panose="02000503000000020004" pitchFamily="50"/>
+              </a:rPr>
+              <a:t> </a:t>
+            </a:r>
+            <a:r>
+              <a:rPr lang="en-US" sz="1150" b="1" dirty="0" smtClean="0">
+                <a:solidFill>
+                  <a:schemeClr val="tx1"/>
+                </a:solidFill>
+                <a:latin typeface="Helvetica Neue" panose="02000503000000020004" pitchFamily="50"/>
+              </a:rPr>
+              <a:t>        </a:t>
             </a:r>
             <a:r>
               <a:rPr lang="en-US" sz="1150" dirty="0" smtClean="0">
@@ -3366,7 +3410,7 @@
                 </a:solidFill>
                 <a:latin typeface="Helvetica Neue" panose="02000503000000020004" pitchFamily="50"/>
               </a:rPr>
-              <a:t>TO STIMULI</a:t>
+              <a:t>OF DREAM CONTENT</a:t>
             </a:r>
             <a:endParaRPr lang="en-US" sz="1150" baseline="30000" dirty="0">
               <a:solidFill>
@@ -3377,152 +3421,6 @@
           </a:p>
         </p:txBody>
       </p:sp>
-      <p:sp>
-        <p:nvSpPr>
-          <p:cNvPr id="26" name="Rectangle 25"/>
-          <p:cNvSpPr/>
-          <p:nvPr/>
-        </p:nvSpPr>
-        <p:spPr>
-          <a:xfrm>
-            <a:off x="4436668" y="1440113"/>
-            <a:ext cx="1440000" cy="872358"/>
-          </a:xfrm>
-          <a:prstGeom prst="rect">
-            <a:avLst/>
-          </a:prstGeom>
-          <a:noFill/>
-          <a:ln w="12700">
-            <a:solidFill>
-              <a:schemeClr val="tx2">
-                <a:lumMod val="75000"/>
-              </a:schemeClr>
-            </a:solidFill>
-          </a:ln>
-        </p:spPr>
-        <p:style>
-          <a:lnRef idx="2">
-            <a:schemeClr val="accent1">
-              <a:shade val="50000"/>
-            </a:schemeClr>
-          </a:lnRef>
-          <a:fillRef idx="1">
-            <a:schemeClr val="accent1"/>
-          </a:fillRef>
-          <a:effectRef idx="0">
-            <a:schemeClr val="accent1"/>
-          </a:effectRef>
-          <a:fontRef idx="minor">
-            <a:schemeClr val="lt1"/>
-          </a:fontRef>
-        </p:style>
-        <p:txBody>
-          <a:bodyPr rot="0" spcFirstLastPara="0" vertOverflow="overflow" horzOverflow="overflow" vert="horz" wrap="square" lIns="91440" tIns="45720" rIns="91440" bIns="45720" numCol="1" spcCol="0" rtlCol="0" fromWordArt="0" anchor="ctr" anchorCtr="0" forceAA="0" compatLnSpc="1">
-            <a:prstTxWarp prst="textNoShape">
-              <a:avLst/>
-            </a:prstTxWarp>
-            <a:noAutofit/>
-          </a:bodyPr>
-          <a:lstStyle/>
-          <a:p>
-            <a:pPr algn="ctr">
-              <a:lnSpc>
-                <a:spcPct val="150000"/>
-              </a:lnSpc>
-            </a:pPr>
-            <a:r>
-              <a:rPr lang="en-US" sz="1150" b="1" dirty="0" smtClean="0">
-                <a:solidFill>
-                  <a:schemeClr val="tx1"/>
-                </a:solidFill>
-                <a:latin typeface="Helvetica Neue" panose="02000503000000020004" pitchFamily="50"/>
-              </a:rPr>
-              <a:t>SALIENCE </a:t>
-            </a:r>
-            <a:r>
-              <a:rPr lang="en-US" sz="1150" b="1" dirty="0">
-                <a:solidFill>
-                  <a:schemeClr val="tx1"/>
-                </a:solidFill>
-                <a:latin typeface="Helvetica Neue" panose="02000503000000020004" pitchFamily="50"/>
-              </a:rPr>
-              <a:t> </a:t>
-            </a:r>
-            <a:r>
-              <a:rPr lang="en-US" sz="1150" b="1" dirty="0" smtClean="0">
-                <a:solidFill>
-                  <a:schemeClr val="tx1"/>
-                </a:solidFill>
-                <a:latin typeface="Helvetica Neue" panose="02000503000000020004" pitchFamily="50"/>
-              </a:rPr>
-              <a:t>        </a:t>
-            </a:r>
-            <a:r>
-              <a:rPr lang="en-US" sz="1150" dirty="0" smtClean="0">
-                <a:solidFill>
-                  <a:schemeClr val="tx1"/>
-                </a:solidFill>
-                <a:latin typeface="Helvetica Neue" panose="02000503000000020004" pitchFamily="50"/>
-              </a:rPr>
-              <a:t>OF </a:t>
-            </a:r>
-            <a:r>
-              <a:rPr lang="en-US" sz="1150" dirty="0" smtClean="0">
-                <a:solidFill>
-                  <a:schemeClr val="tx1"/>
-                </a:solidFill>
-                <a:latin typeface="Helvetica Neue" panose="02000503000000020004" pitchFamily="50"/>
-              </a:rPr>
-              <a:t>DREAM CONTENT</a:t>
-            </a:r>
-            <a:endParaRPr lang="en-US" sz="1150" baseline="30000" dirty="0">
-              <a:solidFill>
-                <a:schemeClr val="tx1"/>
-              </a:solidFill>
-              <a:latin typeface="Helvetica Neue" panose="02000503000000020004" pitchFamily="50"/>
-            </a:endParaRPr>
-          </a:p>
-        </p:txBody>
-      </p:sp>
-      <p:cxnSp>
-        <p:nvCxnSpPr>
-          <p:cNvPr id="27" name="Connecteur droit avec flèche 26"/>
-          <p:cNvCxnSpPr/>
-          <p:nvPr/>
-        </p:nvCxnSpPr>
-        <p:spPr>
-          <a:xfrm>
-            <a:off x="5960106" y="3154176"/>
-            <a:ext cx="360000" cy="0"/>
-          </a:xfrm>
-          <a:prstGeom prst="straightConnector1">
-            <a:avLst/>
-          </a:prstGeom>
-          <a:ln w="28575">
-            <a:solidFill>
-              <a:schemeClr val="tx1">
-                <a:lumMod val="85000"/>
-                <a:lumOff val="15000"/>
-              </a:schemeClr>
-            </a:solidFill>
-            <a:tailEnd type="triangle"/>
-          </a:ln>
-        </p:spPr>
-        <p:style>
-          <a:lnRef idx="1">
-            <a:schemeClr val="dk1"/>
-          </a:lnRef>
-          <a:fillRef idx="0">
-            <a:schemeClr val="dk1"/>
-          </a:fillRef>
-          <a:effectRef idx="0">
-            <a:schemeClr val="dk1"/>
-          </a:effectRef>
-          <a:fontRef idx="minor">
-            <a:schemeClr val="tx1"/>
-          </a:fontRef>
-        </p:style>
-      </p:cxnSp>
       <p:cxnSp>
         <p:nvCxnSpPr>
           <p:cNvPr id="42" name="Connecteur droit avec flèche 41"/>
@@ -3597,45 +3495,6 @@
           </a:p>
         </p:txBody>
       </p:sp>
-      <p:cxnSp>
-        <p:nvCxnSpPr>
-          <p:cNvPr id="49" name="Connecteur droit avec flèche 48"/>
-          <p:cNvCxnSpPr/>
-          <p:nvPr/>
-        </p:nvCxnSpPr>
-        <p:spPr>
-          <a:xfrm flipV="1">
-            <a:off x="5188158" y="3637864"/>
-            <a:ext cx="0" cy="288000"/>
-          </a:xfrm>
-          <a:prstGeom prst="straightConnector1">
-            <a:avLst/>
-          </a:prstGeom>
-          <a:ln w="19050">
-            <a:solidFill>
-              <a:schemeClr val="tx1">
-                <a:lumMod val="85000"/>
-                <a:lumOff val="15000"/>
-              </a:schemeClr>
-            </a:solidFill>
-            <a:tailEnd type="triangle"/>
-          </a:ln>
-        </p:spPr>
-        <p:style>
-          <a:lnRef idx="3">
-            <a:schemeClr val="dk1"/>
-          </a:lnRef>
-          <a:fillRef idx="0">
-            <a:schemeClr val="dk1"/>
-          </a:fillRef>
-          <a:effectRef idx="2">
-            <a:schemeClr val="dk1"/>
-          </a:effectRef>
-          <a:fontRef idx="minor">
-            <a:schemeClr val="tx1"/>
-          </a:fontRef>
-        </p:style>
-      </p:cxnSp>
       <p:grpSp>
         <p:nvGrpSpPr>
           <p:cNvPr id="55" name="Groupe 54"/>
@@ -3837,47 +3696,8 @@
         </p:nvCxnSpPr>
         <p:spPr>
           <a:xfrm>
-            <a:off x="3994260" y="3150294"/>
+            <a:off x="3994260" y="2511861"/>
             <a:ext cx="360000" cy="0"/>
-          </a:xfrm>
-          <a:prstGeom prst="straightConnector1">
-            <a:avLst/>
-          </a:prstGeom>
-          <a:ln w="28575">
-            <a:solidFill>
-              <a:schemeClr val="tx1">
-                <a:lumMod val="85000"/>
-                <a:lumOff val="15000"/>
-              </a:schemeClr>
-            </a:solidFill>
-            <a:tailEnd type="triangle"/>
-          </a:ln>
-        </p:spPr>
-        <p:style>
-          <a:lnRef idx="1">
-            <a:schemeClr val="dk1"/>
-          </a:lnRef>
-          <a:fillRef idx="0">
-            <a:schemeClr val="dk1"/>
-          </a:fillRef>
-          <a:effectRef idx="0">
-            <a:schemeClr val="dk1"/>
-          </a:effectRef>
-          <a:fontRef idx="minor">
-            <a:schemeClr val="tx1"/>
-          </a:fontRef>
-        </p:style>
-      </p:cxnSp>
-      <p:cxnSp>
-        <p:nvCxnSpPr>
-          <p:cNvPr id="67" name="Connecteur droit avec flèche 66"/>
-          <p:cNvCxnSpPr/>
-          <p:nvPr/>
-        </p:nvCxnSpPr>
-        <p:spPr>
-          <a:xfrm flipV="1">
-            <a:off x="3993182" y="2276264"/>
-            <a:ext cx="361078" cy="216000"/>
           </a:xfrm>
           <a:prstGeom prst="straightConnector1">
             <a:avLst/>
@@ -3995,7 +3815,25 @@
                     </a:solidFill>
                     <a:latin typeface="Helvetica Neue" panose="02000503000000020004" pitchFamily="50"/>
                   </a:rPr>
-                  <a:t>PERSONALITY, LIFE-STYLE, CREATIVITY</a:t>
+                  <a:t>PERSONALITY, </a:t>
+                </a:r>
+                <a:r>
+                  <a:rPr lang="en-US" sz="1150" dirty="0" smtClean="0">
+                    <a:solidFill>
+                      <a:schemeClr val="tx1"/>
+                    </a:solidFill>
+                    <a:latin typeface="Helvetica Neue" panose="02000503000000020004" pitchFamily="50"/>
+                  </a:rPr>
+                  <a:t>LIFE-STYLE, </a:t>
+                </a:r>
+                <a:r>
+                  <a:rPr lang="en-US" sz="1150" b="1" dirty="0" smtClean="0">
+                    <a:solidFill>
+                      <a:schemeClr val="tx1"/>
+                    </a:solidFill>
+                    <a:latin typeface="Helvetica Neue" panose="02000503000000020004" pitchFamily="50"/>
+                  </a:rPr>
+                  <a:t>CREATIVITY</a:t>
                 </a:r>
                 <a:endParaRPr lang="en-US" sz="1150" b="1" baseline="30000" dirty="0">
                   <a:solidFill>
@@ -4066,9 +3904,18 @@
                     </a:solidFill>
                     <a:latin typeface="Helvetica Neue" panose="02000503000000020004" pitchFamily="50"/>
                   </a:rPr>
-                  <a:t>BRAIN FUNCTIONING</a:t>
+                  <a:t>DEFAULT NETWORK </a:t>
                 </a:r>
-                <a:endParaRPr lang="en-US" sz="1150" b="1" baseline="30000" dirty="0">
+                <a:r>
+                  <a:rPr lang="en-US" sz="1150" dirty="0" smtClean="0">
+                    <a:solidFill>
+                      <a:schemeClr val="tx1"/>
+                    </a:solidFill>
+                    <a:latin typeface="Helvetica Neue" panose="02000503000000020004" pitchFamily="50"/>
+                  </a:rPr>
+                  <a:t>FUNCTIONING</a:t>
+                </a:r>
+                <a:endParaRPr lang="en-US" sz="1150" baseline="30000" dirty="0">
                   <a:solidFill>
                     <a:schemeClr val="tx1"/>
                   </a:solidFill>
@@ -4160,14 +4007,14 @@
       </p:cxnSp>
       <p:cxnSp>
         <p:nvCxnSpPr>
-          <p:cNvPr id="32" name="Connecteur droit avec flèche 31"/>
+          <p:cNvPr id="33" name="Connecteur droit avec flèche 32"/>
           <p:cNvCxnSpPr/>
           <p:nvPr/>
         </p:nvCxnSpPr>
         <p:spPr>
           <a:xfrm>
-            <a:off x="3987020" y="3789607"/>
-            <a:ext cx="361078" cy="216000"/>
+            <a:off x="5961483" y="2517641"/>
+            <a:ext cx="370622" cy="191569"/>
           </a:xfrm>
           <a:prstGeom prst="straightConnector1">
             <a:avLst/>
@@ -4197,16 +4044,252 @@
           </a:fontRef>
         </p:style>
       </p:cxnSp>
+      <p:sp>
+        <p:nvSpPr>
+          <p:cNvPr id="31" name="ZoneTexte 30"/>
+          <p:cNvSpPr txBox="1"/>
+          <p:nvPr/>
+        </p:nvSpPr>
+        <p:spPr>
+          <a:xfrm>
+            <a:off x="7342961" y="3908758"/>
+            <a:ext cx="763202" cy="461665"/>
+          </a:xfrm>
+          <a:prstGeom prst="rect">
+            <a:avLst/>
+          </a:prstGeom>
+          <a:noFill/>
+        </p:spPr>
+        <p:txBody>
+          <a:bodyPr wrap="square" rtlCol="0">
+            <a:spAutoFit/>
+          </a:bodyPr>
+          <a:lstStyle/>
+          <a:p>
+            <a:pPr algn="ctr"/>
+            <a:r>
+              <a:rPr lang="en-US" sz="1200" dirty="0" smtClean="0">
+                <a:latin typeface="Helvetica Neue" panose="02000503000000020004" pitchFamily="50"/>
+              </a:rPr>
+              <a:t>Stage shift</a:t>
+            </a:r>
+            <a:endParaRPr lang="en-US" sz="1200" baseline="30000" dirty="0">
+              <a:latin typeface="Helvetica Neue" panose="02000503000000020004" pitchFamily="50"/>
+            </a:endParaRPr>
+          </a:p>
+        </p:txBody>
+      </p:sp>
       <p:cxnSp>
         <p:nvCxnSpPr>
-          <p:cNvPr id="33" name="Connecteur droit avec flèche 32"/>
+          <p:cNvPr id="34" name="Connecteur droit avec flèche 33"/>
           <p:cNvCxnSpPr/>
           <p:nvPr/>
         </p:nvCxnSpPr>
         <p:spPr>
-          <a:xfrm>
-            <a:off x="5956085" y="2312471"/>
-            <a:ext cx="345492" cy="259181"/>
+          <a:xfrm flipV="1">
+            <a:off x="7724217" y="3667014"/>
+            <a:ext cx="0" cy="216000"/>
+          </a:xfrm>
+          <a:prstGeom prst="straightConnector1">
+            <a:avLst/>
+          </a:prstGeom>
+          <a:ln w="12700">
+            <a:solidFill>
+              <a:schemeClr val="tx1">
+                <a:lumMod val="85000"/>
+                <a:lumOff val="15000"/>
+              </a:schemeClr>
+            </a:solidFill>
+            <a:tailEnd type="triangle"/>
+          </a:ln>
+        </p:spPr>
+        <p:style>
+          <a:lnRef idx="3">
+            <a:schemeClr val="dk1"/>
+          </a:lnRef>
+          <a:fillRef idx="0">
+            <a:schemeClr val="dk1"/>
+          </a:fillRef>
+          <a:effectRef idx="2">
+            <a:schemeClr val="dk1"/>
+          </a:effectRef>
+          <a:fontRef idx="minor">
+            <a:schemeClr val="tx1"/>
+          </a:fontRef>
+        </p:style>
+      </p:cxnSp>
+      <p:cxnSp>
+        <p:nvCxnSpPr>
+          <p:cNvPr id="35" name="Connecteur droit avec flèche 34"/>
+          <p:cNvCxnSpPr/>
+          <p:nvPr/>
+        </p:nvCxnSpPr>
+        <p:spPr>
+          <a:xfrm rot="16200000" flipV="1">
+            <a:off x="7204503" y="3922984"/>
+            <a:ext cx="0" cy="432000"/>
+          </a:xfrm>
+          <a:prstGeom prst="straightConnector1">
+            <a:avLst/>
+          </a:prstGeom>
+          <a:ln w="12700">
+            <a:solidFill>
+              <a:schemeClr val="tx1">
+                <a:lumMod val="85000"/>
+                <a:lumOff val="15000"/>
+              </a:schemeClr>
+            </a:solidFill>
+            <a:headEnd type="triangle" w="med" len="med"/>
+            <a:tailEnd type="triangle" w="med" len="med"/>
+          </a:ln>
+        </p:spPr>
+        <p:style>
+          <a:lnRef idx="3">
+            <a:schemeClr val="dk1"/>
+          </a:lnRef>
+          <a:fillRef idx="0">
+            <a:schemeClr val="dk1"/>
+          </a:fillRef>
+          <a:effectRef idx="2">
+            <a:schemeClr val="dk1"/>
+          </a:effectRef>
+          <a:fontRef idx="minor">
+            <a:schemeClr val="tx1"/>
+          </a:fontRef>
+        </p:style>
+      </p:cxnSp>
+      <p:cxnSp>
+        <p:nvCxnSpPr>
+          <p:cNvPr id="36" name="Connecteur droit avec flèche 35"/>
+          <p:cNvCxnSpPr/>
+          <p:nvPr/>
+        </p:nvCxnSpPr>
+        <p:spPr>
+          <a:xfrm flipV="1">
+            <a:off x="7724217" y="4412898"/>
+            <a:ext cx="0" cy="216000"/>
+          </a:xfrm>
+          <a:prstGeom prst="straightConnector1">
+            <a:avLst/>
+          </a:prstGeom>
+          <a:ln w="12700">
+            <a:solidFill>
+              <a:schemeClr val="tx1">
+                <a:lumMod val="85000"/>
+                <a:lumOff val="15000"/>
+              </a:schemeClr>
+            </a:solidFill>
+            <a:tailEnd type="triangle"/>
+          </a:ln>
+        </p:spPr>
+        <p:style>
+          <a:lnRef idx="3">
+            <a:schemeClr val="dk1"/>
+          </a:lnRef>
+          <a:fillRef idx="0">
+            <a:schemeClr val="dk1"/>
+          </a:fillRef>
+          <a:effectRef idx="2">
+            <a:schemeClr val="dk1"/>
+          </a:effectRef>
+          <a:fontRef idx="minor">
+            <a:schemeClr val="tx1"/>
+          </a:fontRef>
+        </p:style>
+      </p:cxnSp>
+      <p:sp>
+        <p:nvSpPr>
+          <p:cNvPr id="37" name="Rectangle 36"/>
+          <p:cNvSpPr/>
+          <p:nvPr/>
+        </p:nvSpPr>
+        <p:spPr>
+          <a:xfrm>
+            <a:off x="1249503" y="2721638"/>
+            <a:ext cx="866945" cy="879614"/>
+          </a:xfrm>
+          <a:prstGeom prst="rect">
+            <a:avLst/>
+          </a:prstGeom>
+          <a:noFill/>
+          <a:ln w="12700">
+            <a:noFill/>
+          </a:ln>
+        </p:spPr>
+        <p:style>
+          <a:lnRef idx="2">
+            <a:schemeClr val="accent1">
+              <a:shade val="50000"/>
+            </a:schemeClr>
+          </a:lnRef>
+          <a:fillRef idx="1">
+            <a:schemeClr val="accent1"/>
+          </a:fillRef>
+          <a:effectRef idx="0">
+            <a:schemeClr val="accent1"/>
+          </a:effectRef>
+          <a:fontRef idx="minor">
+            <a:schemeClr val="lt1"/>
+          </a:fontRef>
+        </p:style>
+        <p:txBody>
+          <a:bodyPr rot="0" spcFirstLastPara="0" vertOverflow="overflow" horzOverflow="overflow" vert="horz" wrap="square" lIns="91440" tIns="45720" rIns="91440" bIns="45720" numCol="1" spcCol="0" rtlCol="0" fromWordArt="0" anchor="ctr" anchorCtr="0" forceAA="0" compatLnSpc="1">
+            <a:prstTxWarp prst="textNoShape">
+              <a:avLst/>
+            </a:prstTxWarp>
+            <a:noAutofit/>
+          </a:bodyPr>
+          <a:lstStyle/>
+          <a:p>
+            <a:pPr algn="ctr">
+              <a:lnSpc>
+                <a:spcPct val="150000"/>
+              </a:lnSpc>
+            </a:pPr>
+            <a:r>
+              <a:rPr lang="en-US" sz="1150" b="1" dirty="0" smtClean="0">
+                <a:solidFill>
+                  <a:schemeClr val="tx1"/>
+                </a:solidFill>
+                <a:latin typeface="Helvetica Neue" panose="02000503000000020004" pitchFamily="50"/>
+              </a:rPr>
+              <a:t>AGE, </a:t>
+            </a:r>
+          </a:p>
+          <a:p>
+            <a:pPr algn="ctr">
+              <a:lnSpc>
+                <a:spcPct val="150000"/>
+              </a:lnSpc>
+            </a:pPr>
+            <a:r>
+              <a:rPr lang="en-US" sz="1150" b="1" dirty="0" smtClean="0">
+                <a:solidFill>
+                  <a:schemeClr val="tx1"/>
+                </a:solidFill>
+                <a:latin typeface="Helvetica Neue" panose="02000503000000020004" pitchFamily="50"/>
+              </a:rPr>
+              <a:t>SEX</a:t>
+            </a:r>
+            <a:endParaRPr lang="en-US" sz="1150" b="1" baseline="30000" dirty="0">
+              <a:solidFill>
+                <a:schemeClr val="tx1"/>
+              </a:solidFill>
+              <a:latin typeface="Helvetica Neue" panose="02000503000000020004" pitchFamily="50"/>
+            </a:endParaRPr>
+          </a:p>
+        </p:txBody>
+      </p:sp>
+      <p:cxnSp>
+        <p:nvCxnSpPr>
+          <p:cNvPr id="38" name="Connecteur droit avec flèche 37"/>
+          <p:cNvCxnSpPr/>
+          <p:nvPr/>
+        </p:nvCxnSpPr>
+        <p:spPr>
+          <a:xfrm flipV="1">
+            <a:off x="2115548" y="2709210"/>
+            <a:ext cx="361078" cy="216000"/>
           </a:xfrm>
           <a:prstGeom prst="straightConnector1">
             <a:avLst/>
@@ -4216,6 +4299,201 @@
               <a:schemeClr val="tx1">
                 <a:lumMod val="85000"/>
                 <a:lumOff val="15000"/>
+              </a:schemeClr>
+            </a:solidFill>
+            <a:tailEnd type="triangle"/>
+          </a:ln>
+        </p:spPr>
+        <p:style>
+          <a:lnRef idx="1">
+            <a:schemeClr val="dk1"/>
+          </a:lnRef>
+          <a:fillRef idx="0">
+            <a:schemeClr val="dk1"/>
+          </a:fillRef>
+          <a:effectRef idx="0">
+            <a:schemeClr val="dk1"/>
+          </a:effectRef>
+          <a:fontRef idx="minor">
+            <a:schemeClr val="tx1"/>
+          </a:fontRef>
+        </p:style>
+      </p:cxnSp>
+      <p:cxnSp>
+        <p:nvCxnSpPr>
+          <p:cNvPr id="39" name="Connecteur droit avec flèche 38"/>
+          <p:cNvCxnSpPr/>
+          <p:nvPr/>
+        </p:nvCxnSpPr>
+        <p:spPr>
+          <a:xfrm>
+            <a:off x="2113372" y="3421864"/>
+            <a:ext cx="361078" cy="216000"/>
+          </a:xfrm>
+          <a:prstGeom prst="straightConnector1">
+            <a:avLst/>
+          </a:prstGeom>
+          <a:ln w="28575">
+            <a:solidFill>
+              <a:schemeClr val="tx1">
+                <a:lumMod val="85000"/>
+                <a:lumOff val="15000"/>
+              </a:schemeClr>
+            </a:solidFill>
+            <a:tailEnd type="triangle"/>
+          </a:ln>
+        </p:spPr>
+        <p:style>
+          <a:lnRef idx="1">
+            <a:schemeClr val="dk1"/>
+          </a:lnRef>
+          <a:fillRef idx="0">
+            <a:schemeClr val="dk1"/>
+          </a:fillRef>
+          <a:effectRef idx="0">
+            <a:schemeClr val="dk1"/>
+          </a:effectRef>
+          <a:fontRef idx="minor">
+            <a:schemeClr val="tx1"/>
+          </a:fontRef>
+        </p:style>
+      </p:cxnSp>
+      <p:cxnSp>
+        <p:nvCxnSpPr>
+          <p:cNvPr id="40" name="Connecteur droit avec flèche 39"/>
+          <p:cNvCxnSpPr/>
+          <p:nvPr/>
+        </p:nvCxnSpPr>
+        <p:spPr>
+          <a:xfrm>
+            <a:off x="3994260" y="3788683"/>
+            <a:ext cx="360000" cy="0"/>
+          </a:xfrm>
+          <a:prstGeom prst="straightConnector1">
+            <a:avLst/>
+          </a:prstGeom>
+          <a:ln w="28575">
+            <a:solidFill>
+              <a:schemeClr val="tx1">
+                <a:lumMod val="85000"/>
+                <a:lumOff val="15000"/>
+              </a:schemeClr>
+            </a:solidFill>
+            <a:tailEnd type="triangle"/>
+          </a:ln>
+        </p:spPr>
+        <p:style>
+          <a:lnRef idx="1">
+            <a:schemeClr val="dk1"/>
+          </a:lnRef>
+          <a:fillRef idx="0">
+            <a:schemeClr val="dk1"/>
+          </a:fillRef>
+          <a:effectRef idx="0">
+            <a:schemeClr val="dk1"/>
+          </a:effectRef>
+          <a:fontRef idx="minor">
+            <a:schemeClr val="tx1"/>
+          </a:fontRef>
+        </p:style>
+      </p:cxnSp>
+      <p:cxnSp>
+        <p:nvCxnSpPr>
+          <p:cNvPr id="41" name="Connecteur droit avec flèche 40"/>
+          <p:cNvCxnSpPr/>
+          <p:nvPr/>
+        </p:nvCxnSpPr>
+        <p:spPr>
+          <a:xfrm flipV="1">
+            <a:off x="5961483" y="3593445"/>
+            <a:ext cx="370622" cy="191569"/>
+          </a:xfrm>
+          <a:prstGeom prst="straightConnector1">
+            <a:avLst/>
+          </a:prstGeom>
+          <a:ln w="28575">
+            <a:solidFill>
+              <a:schemeClr val="tx1">
+                <a:lumMod val="85000"/>
+                <a:lumOff val="15000"/>
+              </a:schemeClr>
+            </a:solidFill>
+            <a:tailEnd type="triangle"/>
+          </a:ln>
+        </p:spPr>
+        <p:style>
+          <a:lnRef idx="1">
+            <a:schemeClr val="dk1"/>
+          </a:lnRef>
+          <a:fillRef idx="0">
+            <a:schemeClr val="dk1"/>
+          </a:fillRef>
+          <a:effectRef idx="0">
+            <a:schemeClr val="dk1"/>
+          </a:effectRef>
+          <a:fontRef idx="minor">
+            <a:schemeClr val="tx1"/>
+          </a:fontRef>
+        </p:style>
+      </p:cxnSp>
+      <p:cxnSp>
+        <p:nvCxnSpPr>
+          <p:cNvPr id="50" name="Connecteur droit avec flèche 49"/>
+          <p:cNvCxnSpPr/>
+          <p:nvPr/>
+        </p:nvCxnSpPr>
+        <p:spPr>
+          <a:xfrm flipV="1">
+            <a:off x="3999876" y="3018077"/>
+            <a:ext cx="356224" cy="304852"/>
+          </a:xfrm>
+          <a:prstGeom prst="straightConnector1">
+            <a:avLst/>
+          </a:prstGeom>
+          <a:ln w="9525">
+            <a:solidFill>
+              <a:schemeClr val="tx1">
+                <a:lumMod val="75000"/>
+                <a:lumOff val="25000"/>
+              </a:schemeClr>
+            </a:solidFill>
+            <a:tailEnd type="triangle"/>
+          </a:ln>
+        </p:spPr>
+        <p:style>
+          <a:lnRef idx="1">
+            <a:schemeClr val="dk1"/>
+          </a:lnRef>
+          <a:fillRef idx="0">
+            <a:schemeClr val="dk1"/>
+          </a:fillRef>
+          <a:effectRef idx="0">
+            <a:schemeClr val="dk1"/>
+          </a:effectRef>
+          <a:fontRef idx="minor">
+            <a:schemeClr val="tx1"/>
+          </a:fontRef>
+        </p:style>
+      </p:cxnSp>
+      <p:cxnSp>
+        <p:nvCxnSpPr>
+          <p:cNvPr id="52" name="Connecteur droit avec flèche 51"/>
+          <p:cNvCxnSpPr/>
+          <p:nvPr/>
+        </p:nvCxnSpPr>
+        <p:spPr>
+          <a:xfrm>
+            <a:off x="3986935" y="3016774"/>
+            <a:ext cx="356224" cy="304852"/>
+          </a:xfrm>
+          <a:prstGeom prst="straightConnector1">
+            <a:avLst/>
+          </a:prstGeom>
+          <a:ln w="9525">
+            <a:solidFill>
+              <a:schemeClr val="tx1">
+                <a:lumMod val="75000"/>
+                <a:lumOff val="25000"/>
               </a:schemeClr>
             </a:solidFill>
             <a:tailEnd type="triangle"/>
@@ -4275,16 +4553,18 @@
         <p:spPr>
           <a:xfrm>
             <a:off x="4436668" y="2709936"/>
-            <a:ext cx="1502980" cy="872358"/>
+            <a:ext cx="1440000" cy="872358"/>
           </a:xfrm>
           <a:prstGeom prst="rect">
             <a:avLst/>
           </a:prstGeom>
-          <a:solidFill>
-            <a:srgbClr val="6EBCBF"/>
-          </a:solidFill>
-          <a:ln w="19050">
-            <a:noFill/>
+          <a:noFill/>
+          <a:ln w="12700">
+            <a:solidFill>
+              <a:schemeClr val="tx2">
+                <a:lumMod val="75000"/>
+              </a:schemeClr>
+            </a:solidFill>
           </a:ln>
         </p:spPr>
         <p:style>
@@ -4318,15 +4598,24 @@
               </a:lnSpc>
             </a:pPr>
             <a:r>
-              <a:rPr lang="en-US" sz="1150" smtClean="0">
+              <a:rPr lang="en-US" sz="1150" dirty="0" smtClean="0">
                 <a:solidFill>
                   <a:schemeClr val="tx1"/>
                 </a:solidFill>
                 <a:latin typeface="Helvetica Neue" panose="02000503000000020004" pitchFamily="50"/>
               </a:rPr>
-              <a:t>INTRA-SLEEP AWAKENINGS</a:t>
-            </a:r>
-            <a:endParaRPr lang="en-US" sz="1150" baseline="30000" dirty="0">
+              <a:t>INTRA-SLEEP </a:t>
+            </a:r>
+            <a:r>
+              <a:rPr lang="en-US" sz="1150" b="1" dirty="0" smtClean="0">
+                <a:solidFill>
+                  <a:schemeClr val="tx1"/>
+                </a:solidFill>
+                <a:latin typeface="Helvetica Neue" panose="02000503000000020004" pitchFamily="50"/>
+              </a:rPr>
+              <a:t>AWAKENINGS</a:t>
+            </a:r>
+            <a:endParaRPr lang="en-US" sz="1150" b="1" baseline="30000" dirty="0">
               <a:solidFill>
                 <a:schemeClr val="tx1"/>
               </a:solidFill>
@@ -4343,17 +4632,19 @@
         </p:nvSpPr>
         <p:spPr>
           <a:xfrm>
-            <a:off x="6616568" y="2709936"/>
+            <a:off x="6404699" y="2721087"/>
             <a:ext cx="1502980" cy="872358"/>
           </a:xfrm>
           <a:prstGeom prst="rect">
             <a:avLst/>
           </a:prstGeom>
-          <a:solidFill>
-            <a:srgbClr val="61567C"/>
-          </a:solidFill>
-          <a:ln w="19050">
-            <a:noFill/>
+          <a:noFill/>
+          <a:ln w="12700">
+            <a:solidFill>
+              <a:schemeClr val="tx2">
+                <a:lumMod val="75000"/>
+              </a:schemeClr>
+            </a:solidFill>
           </a:ln>
         </p:spPr>
         <p:style>
@@ -4387,17 +4678,26 @@
               </a:lnSpc>
             </a:pPr>
             <a:r>
-              <a:rPr lang="en-US" sz="1150" dirty="0" smtClean="0">
-                <a:solidFill>
-                  <a:schemeClr val="bg1"/>
+              <a:rPr lang="en-US" sz="1100" b="1" dirty="0" smtClean="0">
+                <a:solidFill>
+                  <a:schemeClr val="tx1"/>
                 </a:solidFill>
                 <a:latin typeface="Helvetica Neue" panose="02000503000000020004" pitchFamily="50"/>
               </a:rPr>
-              <a:t>ENCODING OF DREAM IN LONG TERM MEMORY</a:t>
-            </a:r>
-            <a:endParaRPr lang="en-US" sz="1150" baseline="30000" dirty="0">
+              <a:t>ENCODING</a:t>
+            </a:r>
+            <a:r>
+              <a:rPr lang="en-US" sz="1100" dirty="0" smtClean="0">
+                <a:solidFill>
+                  <a:schemeClr val="tx1"/>
+                </a:solidFill>
+                <a:latin typeface="Helvetica Neue" panose="02000503000000020004" pitchFamily="50"/>
+              </a:rPr>
+              <a:t> OF DREAM IN LONG TERM MEMORY</a:t>
+            </a:r>
+            <a:endParaRPr lang="en-US" sz="1100" baseline="30000" dirty="0">
               <a:solidFill>
-                <a:schemeClr val="bg1"/>
+                <a:schemeClr val="tx1"/>
               </a:solidFill>
               <a:latin typeface="Helvetica Neue" panose="02000503000000020004" pitchFamily="50"/>
             </a:endParaRPr>
@@ -4412,7 +4712,7 @@
         </p:nvSpPr>
         <p:spPr>
           <a:xfrm>
-            <a:off x="6616567" y="3897607"/>
+            <a:off x="6404698" y="3908758"/>
             <a:ext cx="1502979" cy="276999"/>
           </a:xfrm>
           <a:prstGeom prst="rect">
@@ -4428,12 +4728,12 @@
           <a:p>
             <a:pPr algn="ctr"/>
             <a:r>
-              <a:rPr lang="en-US" sz="1150" dirty="0" smtClean="0">
+              <a:rPr lang="en-US" sz="1200" dirty="0" smtClean="0">
                 <a:latin typeface="Helvetica Neue" panose="02000503000000020004" pitchFamily="50"/>
               </a:rPr>
               <a:t>Sleep inertia</a:t>
             </a:r>
-            <a:endParaRPr lang="en-US" sz="1150" baseline="30000" dirty="0">
+            <a:endParaRPr lang="en-US" sz="1200" baseline="30000" dirty="0">
               <a:latin typeface="Helvetica Neue" panose="02000503000000020004" pitchFamily="50"/>
             </a:endParaRPr>
           </a:p>
@@ -4447,7 +4747,7 @@
         </p:nvSpPr>
         <p:spPr>
           <a:xfrm>
-            <a:off x="6502392" y="4432813"/>
+            <a:off x="6290523" y="4443964"/>
             <a:ext cx="1735696" cy="276999"/>
           </a:xfrm>
           <a:prstGeom prst="rect">
@@ -4463,56 +4763,17 @@
           <a:p>
             <a:pPr algn="ctr"/>
             <a:r>
-              <a:rPr lang="en-US" sz="1150" dirty="0" smtClean="0">
+              <a:rPr lang="en-US" sz="1200" dirty="0" smtClean="0">
                 <a:latin typeface="Helvetica Neue" panose="02000503000000020004" pitchFamily="50"/>
               </a:rPr>
               <a:t>Physiological context</a:t>
             </a:r>
-            <a:endParaRPr lang="en-US" sz="1150" baseline="30000" dirty="0">
+            <a:endParaRPr lang="en-US" sz="1200" baseline="30000" dirty="0">
               <a:latin typeface="Helvetica Neue" panose="02000503000000020004" pitchFamily="50"/>
             </a:endParaRPr>
           </a:p>
         </p:txBody>
       </p:sp>
-      <p:cxnSp>
-        <p:nvCxnSpPr>
-          <p:cNvPr id="16" name="Connecteur droit avec flèche 15"/>
-          <p:cNvCxnSpPr/>
-          <p:nvPr/>
-        </p:nvCxnSpPr>
-        <p:spPr>
-          <a:xfrm>
-            <a:off x="8265064" y="3151599"/>
-            <a:ext cx="430922" cy="0"/>
-          </a:xfrm>
-          <a:prstGeom prst="straightConnector1">
-            <a:avLst/>
-          </a:prstGeom>
-          <a:ln w="28575">
-            <a:solidFill>
-              <a:schemeClr val="tx1">
-                <a:lumMod val="85000"/>
-                <a:lumOff val="15000"/>
-              </a:schemeClr>
-            </a:solidFill>
-            <a:tailEnd type="triangle"/>
-          </a:ln>
-        </p:spPr>
-        <p:style>
-          <a:lnRef idx="1">
-            <a:schemeClr val="dk1"/>
-          </a:lnRef>
-          <a:fillRef idx="0">
-            <a:schemeClr val="dk1"/>
-          </a:fillRef>
-          <a:effectRef idx="0">
-            <a:schemeClr val="dk1"/>
-          </a:effectRef>
-          <a:fontRef idx="minor">
-            <a:schemeClr val="tx1"/>
-          </a:fontRef>
-        </p:style>
-      </p:cxnSp>
       <p:cxnSp>
         <p:nvCxnSpPr>
           <p:cNvPr id="19" name="Connecteur droit avec flèche 18"/>
@@ -4521,7 +4782,7 @@
         </p:nvCxnSpPr>
         <p:spPr>
           <a:xfrm flipV="1">
-            <a:off x="7368056" y="4179010"/>
+            <a:off x="7156187" y="4190161"/>
             <a:ext cx="0" cy="216000"/>
           </a:xfrm>
           <a:prstGeom prst="straightConnector1">
@@ -4560,7 +4821,7 @@
         </p:nvCxnSpPr>
         <p:spPr>
           <a:xfrm flipV="1">
-            <a:off x="7368057" y="3655863"/>
+            <a:off x="7156188" y="3667014"/>
             <a:ext cx="0" cy="216000"/>
           </a:xfrm>
           <a:prstGeom prst="straightConnector1">
@@ -4600,16 +4861,18 @@
         <p:spPr>
           <a:xfrm>
             <a:off x="4436668" y="3979759"/>
-            <a:ext cx="1502980" cy="872358"/>
+            <a:ext cx="1440000" cy="872358"/>
           </a:xfrm>
           <a:prstGeom prst="rect">
             <a:avLst/>
           </a:prstGeom>
-          <a:solidFill>
-            <a:srgbClr val="4B84AF"/>
-          </a:solidFill>
-          <a:ln w="19050">
-            <a:noFill/>
+          <a:noFill/>
+          <a:ln w="12700">
+            <a:solidFill>
+              <a:schemeClr val="tx2">
+                <a:lumMod val="75000"/>
+              </a:schemeClr>
+            </a:solidFill>
           </a:ln>
         </p:spPr>
         <p:style>
@@ -4643,13 +4906,22 @@
               </a:lnSpc>
             </a:pPr>
             <a:r>
+              <a:rPr lang="en-US" sz="1150" b="1" dirty="0" smtClean="0">
+                <a:solidFill>
+                  <a:schemeClr val="tx1"/>
+                </a:solidFill>
+                <a:latin typeface="Helvetica Neue" panose="02000503000000020004" pitchFamily="50"/>
+              </a:rPr>
+              <a:t>BRAIN REACTIVITY </a:t>
+            </a:r>
+            <a:r>
               <a:rPr lang="en-US" sz="1150" dirty="0" smtClean="0">
                 <a:solidFill>
                   <a:schemeClr val="tx1"/>
                 </a:solidFill>
                 <a:latin typeface="Helvetica Neue" panose="02000503000000020004" pitchFamily="50"/>
               </a:rPr>
-              <a:t>BRAIN REACTIVITY TO STIMULI</a:t>
+              <a:t>TO STIMULI</a:t>
             </a:r>
             <a:endParaRPr lang="en-US" sz="1150" baseline="30000" dirty="0">
               <a:solidFill>
@@ -4669,16 +4941,18 @@
         <p:spPr>
           <a:xfrm>
             <a:off x="4436668" y="1440113"/>
-            <a:ext cx="1502980" cy="872358"/>
+            <a:ext cx="1440000" cy="872358"/>
           </a:xfrm>
           <a:prstGeom prst="rect">
             <a:avLst/>
           </a:prstGeom>
-          <a:solidFill>
-            <a:srgbClr val="99D398"/>
-          </a:solidFill>
-          <a:ln w="19050">
-            <a:noFill/>
+          <a:noFill/>
+          <a:ln w="12700">
+            <a:solidFill>
+              <a:schemeClr val="tx2">
+                <a:lumMod val="75000"/>
+              </a:schemeClr>
+            </a:solidFill>
           </a:ln>
         </p:spPr>
         <p:style>
@@ -4712,13 +4986,40 @@
               </a:lnSpc>
             </a:pPr>
             <a:r>
+              <a:rPr lang="en-US" sz="1150" b="1" dirty="0" smtClean="0">
+                <a:solidFill>
+                  <a:schemeClr val="tx1"/>
+                </a:solidFill>
+                <a:latin typeface="Helvetica Neue" panose="02000503000000020004" pitchFamily="50"/>
+              </a:rPr>
+              <a:t>SALIENCE </a:t>
+            </a:r>
+            <a:r>
+              <a:rPr lang="en-US" sz="1150" b="1" dirty="0">
+                <a:solidFill>
+                  <a:schemeClr val="tx1"/>
+                </a:solidFill>
+                <a:latin typeface="Helvetica Neue" panose="02000503000000020004" pitchFamily="50"/>
+              </a:rPr>
+              <a:t> </a:t>
+            </a:r>
+            <a:r>
+              <a:rPr lang="en-US" sz="1150" b="1" dirty="0" smtClean="0">
+                <a:solidFill>
+                  <a:schemeClr val="tx1"/>
+                </a:solidFill>
+                <a:latin typeface="Helvetica Neue" panose="02000503000000020004" pitchFamily="50"/>
+              </a:rPr>
+              <a:t>        </a:t>
+            </a:r>
+            <a:r>
               <a:rPr lang="en-US" sz="1150" dirty="0" smtClean="0">
                 <a:solidFill>
                   <a:schemeClr val="tx1"/>
                 </a:solidFill>
                 <a:latin typeface="Helvetica Neue" panose="02000503000000020004" pitchFamily="50"/>
               </a:rPr>
-              <a:t>SALIENCE OF DREAM CONTENT</a:t>
+              <a:t>OF DREAM CONTENT</a:t>
             </a:r>
             <a:endParaRPr lang="en-US" sz="1150" baseline="30000" dirty="0">
               <a:solidFill>
@@ -4737,8 +5038,8 @@
         </p:nvCxnSpPr>
         <p:spPr>
           <a:xfrm>
-            <a:off x="6049314" y="3143025"/>
-            <a:ext cx="430922" cy="0"/>
+            <a:off x="5960106" y="3154176"/>
+            <a:ext cx="360000" cy="0"/>
           </a:xfrm>
           <a:prstGeom prst="straightConnector1">
             <a:avLst/>
@@ -4776,7 +5077,7 @@
         </p:nvCxnSpPr>
         <p:spPr>
           <a:xfrm>
-            <a:off x="7369098" y="2398490"/>
+            <a:off x="7157229" y="2409641"/>
             <a:ext cx="0" cy="216000"/>
           </a:xfrm>
           <a:prstGeom prst="straightConnector1">
@@ -4815,7 +5116,7 @@
         </p:nvSpPr>
         <p:spPr>
           <a:xfrm>
-            <a:off x="6616566" y="2107265"/>
+            <a:off x="6404697" y="2118416"/>
             <a:ext cx="1502979" cy="276999"/>
           </a:xfrm>
           <a:prstGeom prst="rect">
@@ -4831,12 +5132,12 @@
           <a:p>
             <a:pPr algn="ctr"/>
             <a:r>
-              <a:rPr lang="en-US" sz="1150" dirty="0" smtClean="0">
+              <a:rPr lang="en-US" sz="1200" dirty="0" smtClean="0">
                 <a:latin typeface="Helvetica Neue" panose="02000503000000020004" pitchFamily="50"/>
               </a:rPr>
               <a:t>Interference</a:t>
             </a:r>
-            <a:endParaRPr lang="en-US" sz="1150" dirty="0">
+            <a:endParaRPr lang="en-US" sz="1200" dirty="0">
               <a:latin typeface="Helvetica Neue" panose="02000503000000020004" pitchFamily="50"/>
             </a:endParaRPr>
           </a:p>
@@ -4889,7 +5190,7 @@
         </p:nvGrpSpPr>
         <p:grpSpPr>
           <a:xfrm>
-            <a:off x="8796468" y="2118836"/>
+            <a:off x="8246920" y="2129987"/>
             <a:ext cx="1311519" cy="1463458"/>
             <a:chOff x="10828802" y="1497165"/>
             <a:chExt cx="1311519" cy="1463458"/>
@@ -5008,7 +5309,7 @@
         </p:nvCxnSpPr>
         <p:spPr>
           <a:xfrm>
-            <a:off x="7369916" y="1848676"/>
+            <a:off x="7158047" y="1859827"/>
             <a:ext cx="0" cy="216000"/>
           </a:xfrm>
           <a:prstGeom prst="straightConnector1">
@@ -5047,8 +5348,8 @@
         </p:nvSpPr>
         <p:spPr>
           <a:xfrm>
-            <a:off x="6616566" y="1542588"/>
-            <a:ext cx="1502979" cy="269304"/>
+            <a:off x="6404697" y="1553739"/>
+            <a:ext cx="1502979" cy="276999"/>
           </a:xfrm>
           <a:prstGeom prst="rect">
             <a:avLst/>
@@ -5063,56 +5364,17 @@
           <a:p>
             <a:pPr algn="ctr"/>
             <a:r>
-              <a:rPr lang="en-US" sz="1150" dirty="0" smtClean="0">
+              <a:rPr lang="en-US" sz="1200" dirty="0" smtClean="0">
                 <a:latin typeface="Helvetica Neue" panose="02000503000000020004" pitchFamily="50"/>
               </a:rPr>
               <a:t>Interest in dreams</a:t>
             </a:r>
-            <a:endParaRPr lang="en-US" sz="1150" baseline="30000" dirty="0">
+            <a:endParaRPr lang="en-US" sz="1200" baseline="30000" dirty="0">
               <a:latin typeface="Helvetica Neue" panose="02000503000000020004" pitchFamily="50"/>
             </a:endParaRPr>
           </a:p>
         </p:txBody>
       </p:sp>
-      <p:cxnSp>
-        <p:nvCxnSpPr>
-          <p:cNvPr id="61" name="Connecteur droit avec flèche 60"/>
-          <p:cNvCxnSpPr/>
-          <p:nvPr/>
-        </p:nvCxnSpPr>
-        <p:spPr>
-          <a:xfrm>
-            <a:off x="6048236" y="2398490"/>
-            <a:ext cx="432000" cy="247800"/>
-          </a:xfrm>
-          <a:prstGeom prst="straightConnector1">
-            <a:avLst/>
-          </a:prstGeom>
-          <a:ln w="28575">
-            <a:solidFill>
-              <a:schemeClr val="tx1">
-                <a:lumMod val="85000"/>
-                <a:lumOff val="15000"/>
-              </a:schemeClr>
-            </a:solidFill>
-            <a:tailEnd type="triangle"/>
-          </a:ln>
-        </p:spPr>
-        <p:style>
-          <a:lnRef idx="1">
-            <a:schemeClr val="dk1"/>
-          </a:lnRef>
-          <a:fillRef idx="0">
-            <a:schemeClr val="dk1"/>
-          </a:fillRef>
-          <a:effectRef idx="0">
-            <a:schemeClr val="dk1"/>
-          </a:effectRef>
-          <a:fontRef idx="minor">
-            <a:schemeClr val="tx1"/>
-          </a:fontRef>
-        </p:style>
-      </p:cxnSp>
       <p:cxnSp>
         <p:nvCxnSpPr>
           <p:cNvPr id="64" name="Connecteur droit avec flèche 63"/>
@@ -5121,47 +5383,8 @@
         </p:nvCxnSpPr>
         <p:spPr>
           <a:xfrm>
-            <a:off x="3860448" y="3150294"/>
-            <a:ext cx="430922" cy="0"/>
-          </a:xfrm>
-          <a:prstGeom prst="straightConnector1">
-            <a:avLst/>
-          </a:prstGeom>
-          <a:ln w="28575">
-            <a:solidFill>
-              <a:schemeClr val="tx1">
-                <a:lumMod val="85000"/>
-                <a:lumOff val="15000"/>
-              </a:schemeClr>
-            </a:solidFill>
-            <a:tailEnd type="triangle"/>
-          </a:ln>
-        </p:spPr>
-        <p:style>
-          <a:lnRef idx="1">
-            <a:schemeClr val="dk1"/>
-          </a:lnRef>
-          <a:fillRef idx="0">
-            <a:schemeClr val="dk1"/>
-          </a:fillRef>
-          <a:effectRef idx="0">
-            <a:schemeClr val="dk1"/>
-          </a:effectRef>
-          <a:fontRef idx="minor">
-            <a:schemeClr val="tx1"/>
-          </a:fontRef>
-        </p:style>
-      </p:cxnSp>
-      <p:cxnSp>
-        <p:nvCxnSpPr>
-          <p:cNvPr id="66" name="Connecteur droit avec flèche 65"/>
-          <p:cNvCxnSpPr/>
-          <p:nvPr/>
-        </p:nvCxnSpPr>
-        <p:spPr>
-          <a:xfrm>
-            <a:off x="3859370" y="3655863"/>
-            <a:ext cx="432000" cy="247800"/>
+            <a:off x="3994260" y="3150294"/>
+            <a:ext cx="360000" cy="0"/>
           </a:xfrm>
           <a:prstGeom prst="straightConnector1">
             <a:avLst/>
@@ -5199,8 +5422,8 @@
         </p:nvCxnSpPr>
         <p:spPr>
           <a:xfrm flipV="1">
-            <a:off x="3859370" y="2366690"/>
-            <a:ext cx="432000" cy="247800"/>
+            <a:off x="3993182" y="2276264"/>
+            <a:ext cx="361078" cy="216000"/>
           </a:xfrm>
           <a:prstGeom prst="straightConnector1">
             <a:avLst/>
@@ -5232,190 +5455,326 @@
       </p:cxnSp>
       <p:grpSp>
         <p:nvGrpSpPr>
-          <p:cNvPr id="2" name="Groupe 1"/>
+          <p:cNvPr id="3" name="Groupe 2"/>
           <p:cNvGrpSpPr/>
           <p:nvPr/>
         </p:nvGrpSpPr>
         <p:grpSpPr>
           <a:xfrm>
-            <a:off x="2256770" y="2071934"/>
-            <a:ext cx="1502981" cy="2142181"/>
-            <a:chOff x="2256769" y="2709936"/>
-            <a:chExt cx="1502981" cy="2142181"/>
+            <a:off x="2600927" y="2070294"/>
+            <a:ext cx="1296000" cy="2160000"/>
+            <a:chOff x="2379431" y="2071934"/>
+            <a:chExt cx="1296000" cy="2142181"/>
           </a:xfrm>
         </p:grpSpPr>
-        <p:sp>
-          <p:nvSpPr>
-            <p:cNvPr id="63" name="Rectangle 62"/>
-            <p:cNvSpPr/>
+        <p:grpSp>
+          <p:nvGrpSpPr>
+            <p:cNvPr id="2" name="Groupe 1"/>
+            <p:cNvGrpSpPr/>
             <p:nvPr/>
-          </p:nvSpPr>
-          <p:spPr>
+          </p:nvGrpSpPr>
+          <p:grpSpPr>
             <a:xfrm>
-              <a:off x="2256770" y="2709936"/>
-              <a:ext cx="1502980" cy="872358"/>
+              <a:off x="2379431" y="2071934"/>
+              <a:ext cx="1296000" cy="2142181"/>
+              <a:chOff x="2256769" y="2709936"/>
+              <a:chExt cx="1502981" cy="2142181"/>
             </a:xfrm>
-            <a:prstGeom prst="rect">
-              <a:avLst/>
-            </a:prstGeom>
-            <a:solidFill>
-              <a:srgbClr val="E9F2B5"/>
-            </a:solidFill>
-            <a:ln w="19050">
+          </p:grpSpPr>
+          <p:sp>
+            <p:nvSpPr>
+              <p:cNvPr id="63" name="Rectangle 62"/>
+              <p:cNvSpPr/>
+              <p:nvPr/>
+            </p:nvSpPr>
+            <p:spPr>
+              <a:xfrm>
+                <a:off x="2256770" y="2709936"/>
+                <a:ext cx="1502980" cy="872358"/>
+              </a:xfrm>
+              <a:prstGeom prst="rect">
+                <a:avLst/>
+              </a:prstGeom>
               <a:noFill/>
-            </a:ln>
-          </p:spPr>
-          <p:style>
-            <a:lnRef idx="2">
-              <a:schemeClr val="accent1">
-                <a:shade val="50000"/>
-              </a:schemeClr>
-            </a:lnRef>
-            <a:fillRef idx="1">
-              <a:schemeClr val="accent1"/>
-            </a:fillRef>
-            <a:effectRef idx="0">
-              <a:schemeClr val="accent1"/>
-            </a:effectRef>
-            <a:fontRef idx="minor">
-              <a:schemeClr val="lt1"/>
-            </a:fontRef>
-          </p:style>
-          <p:txBody>
-            <a:bodyPr rot="0" spcFirstLastPara="0" vertOverflow="overflow" horzOverflow="overflow" vert="horz" wrap="square" lIns="91440" tIns="45720" rIns="91440" bIns="45720" numCol="1" spcCol="0" rtlCol="0" fromWordArt="0" anchor="ctr" anchorCtr="0" forceAA="0" compatLnSpc="1">
-              <a:prstTxWarp prst="textNoShape">
-                <a:avLst/>
-              </a:prstTxWarp>
-              <a:noAutofit/>
-            </a:bodyPr>
-            <a:lstStyle/>
-            <a:p>
-              <a:pPr algn="ctr">
-                <a:lnSpc>
-                  <a:spcPct val="150000"/>
-                </a:lnSpc>
-              </a:pPr>
-              <a:r>
-                <a:rPr lang="en-US" sz="1150" dirty="0" smtClean="0">
+              <a:ln w="12700">
+                <a:solidFill>
+                  <a:schemeClr val="tx2">
+                    <a:lumMod val="75000"/>
+                  </a:schemeClr>
+                </a:solidFill>
+              </a:ln>
+            </p:spPr>
+            <p:style>
+              <a:lnRef idx="2">
+                <a:schemeClr val="accent1">
+                  <a:shade val="50000"/>
+                </a:schemeClr>
+              </a:lnRef>
+              <a:fillRef idx="1">
+                <a:schemeClr val="accent1"/>
+              </a:fillRef>
+              <a:effectRef idx="0">
+                <a:schemeClr val="accent1"/>
+              </a:effectRef>
+              <a:fontRef idx="minor">
+                <a:schemeClr val="lt1"/>
+              </a:fontRef>
+            </p:style>
+            <p:txBody>
+              <a:bodyPr rot="0" spcFirstLastPara="0" vertOverflow="overflow" horzOverflow="overflow" vert="horz" wrap="square" lIns="91440" tIns="45720" rIns="91440" bIns="45720" numCol="1" spcCol="0" rtlCol="0" fromWordArt="0" anchor="ctr" anchorCtr="0" forceAA="0" compatLnSpc="1">
+                <a:prstTxWarp prst="textNoShape">
+                  <a:avLst/>
+                </a:prstTxWarp>
+                <a:noAutofit/>
+              </a:bodyPr>
+              <a:lstStyle/>
+              <a:p>
+                <a:pPr algn="ctr">
+                  <a:lnSpc>
+                    <a:spcPct val="150000"/>
+                  </a:lnSpc>
+                </a:pPr>
+                <a:r>
+                  <a:rPr lang="en-US" sz="1150" b="1" dirty="0" smtClean="0">
+                    <a:solidFill>
+                      <a:schemeClr val="tx1"/>
+                    </a:solidFill>
+                    <a:latin typeface="Helvetica Neue" panose="02000503000000020004" pitchFamily="50"/>
+                  </a:rPr>
+                  <a:t>PERSONALITY, LIFE-STYLE, CREATIVITY</a:t>
+                </a:r>
+                <a:endParaRPr lang="en-US" sz="1150" b="1" baseline="30000" dirty="0">
                   <a:solidFill>
                     <a:schemeClr val="tx1"/>
                   </a:solidFill>
                   <a:latin typeface="Helvetica Neue" panose="02000503000000020004" pitchFamily="50"/>
-                </a:rPr>
-                <a:t>PERSONALITY, LIFE-STYLE, CREATIVITY</a:t>
-              </a:r>
-              <a:endParaRPr lang="en-US" sz="1150" baseline="30000" dirty="0">
-                <a:solidFill>
-                  <a:schemeClr val="tx1"/>
-                </a:solidFill>
-                <a:latin typeface="Helvetica Neue" panose="02000503000000020004" pitchFamily="50"/>
-              </a:endParaRPr>
-            </a:p>
-          </p:txBody>
-        </p:sp>
-        <p:sp>
-          <p:nvSpPr>
-            <p:cNvPr id="25" name="Rectangle 24"/>
-            <p:cNvSpPr/>
-            <p:nvPr/>
-          </p:nvSpPr>
-          <p:spPr>
-            <a:xfrm>
-              <a:off x="2256769" y="3979759"/>
-              <a:ext cx="1502980" cy="872358"/>
-            </a:xfrm>
-            <a:prstGeom prst="rect">
-              <a:avLst/>
-            </a:prstGeom>
-            <a:solidFill>
-              <a:srgbClr val="C7E7C6"/>
-            </a:solidFill>
-            <a:ln w="19050">
+                </a:endParaRPr>
+              </a:p>
+            </p:txBody>
+          </p:sp>
+          <p:sp>
+            <p:nvSpPr>
+              <p:cNvPr id="25" name="Rectangle 24"/>
+              <p:cNvSpPr/>
+              <p:nvPr/>
+            </p:nvSpPr>
+            <p:spPr>
+              <a:xfrm>
+                <a:off x="2256769" y="3979759"/>
+                <a:ext cx="1502980" cy="872358"/>
+              </a:xfrm>
+              <a:prstGeom prst="rect">
+                <a:avLst/>
+              </a:prstGeom>
               <a:noFill/>
-            </a:ln>
-          </p:spPr>
-          <p:style>
-            <a:lnRef idx="2">
-              <a:schemeClr val="accent1">
-                <a:shade val="50000"/>
-              </a:schemeClr>
-            </a:lnRef>
-            <a:fillRef idx="1">
-              <a:schemeClr val="accent1"/>
-            </a:fillRef>
-            <a:effectRef idx="0">
-              <a:schemeClr val="accent1"/>
-            </a:effectRef>
-            <a:fontRef idx="minor">
-              <a:schemeClr val="lt1"/>
-            </a:fontRef>
-          </p:style>
-          <p:txBody>
-            <a:bodyPr rot="0" spcFirstLastPara="0" vertOverflow="overflow" horzOverflow="overflow" vert="horz" wrap="square" lIns="91440" tIns="45720" rIns="91440" bIns="45720" numCol="1" spcCol="0" rtlCol="0" fromWordArt="0" anchor="ctr" anchorCtr="0" forceAA="0" compatLnSpc="1">
-              <a:prstTxWarp prst="textNoShape">
-                <a:avLst/>
-              </a:prstTxWarp>
-              <a:noAutofit/>
-            </a:bodyPr>
-            <a:lstStyle/>
-            <a:p>
-              <a:pPr algn="ctr">
-                <a:lnSpc>
-                  <a:spcPct val="150000"/>
-                </a:lnSpc>
-              </a:pPr>
-              <a:r>
-                <a:rPr lang="en-US" sz="1150" dirty="0" smtClean="0">
+              <a:ln w="12700">
+                <a:solidFill>
+                  <a:schemeClr val="tx2">
+                    <a:lumMod val="75000"/>
+                  </a:schemeClr>
+                </a:solidFill>
+              </a:ln>
+            </p:spPr>
+            <p:style>
+              <a:lnRef idx="2">
+                <a:schemeClr val="accent1">
+                  <a:shade val="50000"/>
+                </a:schemeClr>
+              </a:lnRef>
+              <a:fillRef idx="1">
+                <a:schemeClr val="accent1"/>
+              </a:fillRef>
+              <a:effectRef idx="0">
+                <a:schemeClr val="accent1"/>
+              </a:effectRef>
+              <a:fontRef idx="minor">
+                <a:schemeClr val="lt1"/>
+              </a:fontRef>
+            </p:style>
+            <p:txBody>
+              <a:bodyPr rot="0" spcFirstLastPara="0" vertOverflow="overflow" horzOverflow="overflow" vert="horz" wrap="square" lIns="91440" tIns="45720" rIns="91440" bIns="45720" numCol="1" spcCol="0" rtlCol="0" fromWordArt="0" anchor="ctr" anchorCtr="0" forceAA="0" compatLnSpc="1">
+                <a:prstTxWarp prst="textNoShape">
+                  <a:avLst/>
+                </a:prstTxWarp>
+                <a:noAutofit/>
+              </a:bodyPr>
+              <a:lstStyle/>
+              <a:p>
+                <a:pPr algn="ctr">
+                  <a:lnSpc>
+                    <a:spcPct val="150000"/>
+                  </a:lnSpc>
+                </a:pPr>
+                <a:r>
+                  <a:rPr lang="en-US" sz="1150" b="1" dirty="0" smtClean="0">
+                    <a:solidFill>
+                      <a:schemeClr val="tx1"/>
+                    </a:solidFill>
+                    <a:latin typeface="Helvetica Neue" panose="02000503000000020004" pitchFamily="50"/>
+                  </a:rPr>
+                  <a:t>BRAIN FUNCTIONING</a:t>
+                </a:r>
+                <a:endParaRPr lang="en-US" sz="1150" b="1" baseline="30000" dirty="0">
                   <a:solidFill>
                     <a:schemeClr val="tx1"/>
                   </a:solidFill>
                   <a:latin typeface="Helvetica Neue" panose="02000503000000020004" pitchFamily="50"/>
-                </a:rPr>
-                <a:t>BRAIN FUNCTIONING</a:t>
-              </a:r>
-              <a:endParaRPr lang="en-US" sz="1150" baseline="30000" dirty="0">
-                <a:solidFill>
-                  <a:schemeClr val="tx1"/>
-                </a:solidFill>
-                <a:latin typeface="Helvetica Neue" panose="02000503000000020004" pitchFamily="50"/>
-              </a:endParaRPr>
-            </a:p>
-          </p:txBody>
-        </p:sp>
+                </a:endParaRPr>
+              </a:p>
+            </p:txBody>
+          </p:sp>
+        </p:grpSp>
+        <p:cxnSp>
+          <p:nvCxnSpPr>
+            <p:cNvPr id="29" name="Connecteur droit avec flèche 28"/>
+            <p:cNvCxnSpPr/>
+            <p:nvPr/>
+          </p:nvCxnSpPr>
+          <p:spPr>
+            <a:xfrm flipV="1">
+              <a:off x="3027430" y="2979638"/>
+              <a:ext cx="0" cy="326773"/>
+            </a:xfrm>
+            <a:prstGeom prst="straightConnector1">
+              <a:avLst/>
+            </a:prstGeom>
+            <a:ln w="28575">
+              <a:solidFill>
+                <a:schemeClr val="tx1">
+                  <a:lumMod val="85000"/>
+                  <a:lumOff val="15000"/>
+                </a:schemeClr>
+              </a:solidFill>
+              <a:headEnd type="triangle" w="med" len="med"/>
+              <a:tailEnd type="triangle" w="med" len="med"/>
+            </a:ln>
+          </p:spPr>
+          <p:style>
+            <a:lnRef idx="3">
+              <a:schemeClr val="dk1"/>
+            </a:lnRef>
+            <a:fillRef idx="0">
+              <a:schemeClr val="dk1"/>
+            </a:fillRef>
+            <a:effectRef idx="2">
+              <a:schemeClr val="dk1"/>
+            </a:effectRef>
+            <a:fontRef idx="minor">
+              <a:schemeClr val="tx1"/>
+            </a:fontRef>
+          </p:style>
+        </p:cxnSp>
       </p:grpSp>
       <p:cxnSp>
         <p:nvCxnSpPr>
-          <p:cNvPr id="29" name="Connecteur droit avec flèche 28"/>
+          <p:cNvPr id="16" name="Connecteur droit avec flèche 15"/>
           <p:cNvCxnSpPr/>
           <p:nvPr/>
         </p:nvCxnSpPr>
         <p:spPr>
-          <a:xfrm flipV="1">
-            <a:off x="2999365" y="3007288"/>
-            <a:ext cx="0" cy="288000"/>
+          <a:xfrm>
+            <a:off x="7982857" y="3151599"/>
+            <a:ext cx="324000" cy="0"/>
           </a:xfrm>
           <a:prstGeom prst="straightConnector1">
             <a:avLst/>
           </a:prstGeom>
-          <a:ln w="19050">
+          <a:ln w="28575">
             <a:solidFill>
               <a:schemeClr val="tx1">
                 <a:lumMod val="85000"/>
                 <a:lumOff val="15000"/>
               </a:schemeClr>
             </a:solidFill>
-            <a:headEnd type="triangle" w="med" len="med"/>
-            <a:tailEnd type="triangle" w="med" len="med"/>
+            <a:tailEnd type="triangle"/>
           </a:ln>
         </p:spPr>
         <p:style>
-          <a:lnRef idx="3">
+          <a:lnRef idx="1">
             <a:schemeClr val="dk1"/>
           </a:lnRef>
           <a:fillRef idx="0">
             <a:schemeClr val="dk1"/>
           </a:fillRef>
-          <a:effectRef idx="2">
+          <a:effectRef idx="0">
+            <a:schemeClr val="dk1"/>
+          </a:effectRef>
+          <a:fontRef idx="minor">
+            <a:schemeClr val="tx1"/>
+          </a:fontRef>
+        </p:style>
+      </p:cxnSp>
+      <p:cxnSp>
+        <p:nvCxnSpPr>
+          <p:cNvPr id="32" name="Connecteur droit avec flèche 31"/>
+          <p:cNvCxnSpPr/>
+          <p:nvPr/>
+        </p:nvCxnSpPr>
+        <p:spPr>
+          <a:xfrm>
+            <a:off x="3987020" y="3789607"/>
+            <a:ext cx="361078" cy="216000"/>
+          </a:xfrm>
+          <a:prstGeom prst="straightConnector1">
+            <a:avLst/>
+          </a:prstGeom>
+          <a:ln w="28575">
+            <a:solidFill>
+              <a:schemeClr val="tx1">
+                <a:lumMod val="85000"/>
+                <a:lumOff val="15000"/>
+              </a:schemeClr>
+            </a:solidFill>
+            <a:tailEnd type="triangle"/>
+          </a:ln>
+        </p:spPr>
+        <p:style>
+          <a:lnRef idx="1">
+            <a:schemeClr val="dk1"/>
+          </a:lnRef>
+          <a:fillRef idx="0">
+            <a:schemeClr val="dk1"/>
+          </a:fillRef>
+          <a:effectRef idx="0">
+            <a:schemeClr val="dk1"/>
+          </a:effectRef>
+          <a:fontRef idx="minor">
+            <a:schemeClr val="tx1"/>
+          </a:fontRef>
+        </p:style>
+      </p:cxnSp>
+      <p:cxnSp>
+        <p:nvCxnSpPr>
+          <p:cNvPr id="33" name="Connecteur droit avec flèche 32"/>
+          <p:cNvCxnSpPr/>
+          <p:nvPr/>
+        </p:nvCxnSpPr>
+        <p:spPr>
+          <a:xfrm>
+            <a:off x="5956085" y="2312471"/>
+            <a:ext cx="345492" cy="259181"/>
+          </a:xfrm>
+          <a:prstGeom prst="straightConnector1">
+            <a:avLst/>
+          </a:prstGeom>
+          <a:ln w="28575">
+            <a:solidFill>
+              <a:schemeClr val="tx1">
+                <a:lumMod val="85000"/>
+                <a:lumOff val="15000"/>
+              </a:schemeClr>
+            </a:solidFill>
+            <a:tailEnd type="triangle"/>
+          </a:ln>
+        </p:spPr>
+        <p:style>
+          <a:lnRef idx="1">
+            <a:schemeClr val="dk1"/>
+          </a:lnRef>
+          <a:fillRef idx="0">
+            <a:schemeClr val="dk1"/>
+          </a:fillRef>
+          <a:effectRef idx="0">
             <a:schemeClr val="dk1"/>
           </a:effectRef>
           <a:fontRef idx="minor">
@@ -5426,7 +5785,7 @@
     </p:spTree>
     <p:extLst>
       <p:ext uri="{BB962C8B-B14F-4D97-AF65-F5344CB8AC3E}">
-        <p14:creationId xmlns:p14="http://schemas.microsoft.com/office/powerpoint/2010/main" val="2935773351"/>
+        <p14:creationId xmlns:p14="http://schemas.microsoft.com/office/powerpoint/2010/main" val="2895864941"/>
       </p:ext>
     </p:extLst>
   </p:cSld>
@@ -5505,13 +5864,13 @@
               </a:lnSpc>
             </a:pPr>
             <a:r>
-              <a:rPr lang="en-US" sz="1150" dirty="0" smtClean="0">
+              <a:rPr lang="en-US" sz="1150" smtClean="0">
                 <a:solidFill>
                   <a:schemeClr val="tx1"/>
                 </a:solidFill>
                 <a:latin typeface="Helvetica Neue" panose="02000503000000020004" pitchFamily="50"/>
               </a:rPr>
-              <a:t>NOCTURNAL AWAKENINGS</a:t>
+              <a:t>INTRA-SLEEP AWAKENINGS</a:t>
             </a:r>
             <a:endParaRPr lang="en-US" sz="1150" baseline="30000" dirty="0">
               <a:solidFill>
@@ -5618,7 +5977,7 @@
               <a:rPr lang="en-US" sz="1150" dirty="0" smtClean="0">
                 <a:latin typeface="Helvetica Neue" panose="02000503000000020004" pitchFamily="50"/>
               </a:rPr>
-              <a:t>Interference</a:t>
+              <a:t>Sleep inertia</a:t>
             </a:r>
             <a:endParaRPr lang="en-US" sz="1150" baseline="30000" dirty="0">
               <a:latin typeface="Helvetica Neue" panose="02000503000000020004" pitchFamily="50"/>
@@ -5653,19 +6012,7 @@
               <a:rPr lang="en-US" sz="1150" dirty="0" smtClean="0">
                 <a:latin typeface="Helvetica Neue" panose="02000503000000020004" pitchFamily="50"/>
               </a:rPr>
-              <a:t>Interest </a:t>
-            </a:r>
-            <a:r>
-              <a:rPr lang="en-US" sz="1150" dirty="0">
-                <a:latin typeface="Helvetica Neue" panose="02000503000000020004" pitchFamily="50"/>
-              </a:rPr>
-              <a:t>in </a:t>
-            </a:r>
-            <a:r>
-              <a:rPr lang="en-US" sz="1150" dirty="0" smtClean="0">
-                <a:latin typeface="Helvetica Neue" panose="02000503000000020004" pitchFamily="50"/>
-              </a:rPr>
-              <a:t>dreams </a:t>
+              <a:t>Physiological context</a:t>
             </a:r>
             <a:endParaRPr lang="en-US" sz="1150" baseline="30000" dirty="0">
               <a:latin typeface="Helvetica Neue" panose="02000503000000020004" pitchFamily="50"/>
@@ -5848,7 +6195,7 @@
                 </a:solidFill>
                 <a:latin typeface="Helvetica Neue" panose="02000503000000020004" pitchFamily="50"/>
               </a:rPr>
-              <a:t>BRAIN FUNCTIONING</a:t>
+              <a:t>BRAIN REACTIVITY TO STIMULI</a:t>
             </a:r>
             <a:endParaRPr lang="en-US" sz="1150" baseline="30000" dirty="0">
               <a:solidFill>
@@ -6033,7 +6380,7 @@
               <a:rPr lang="en-US" sz="1150" dirty="0" smtClean="0">
                 <a:latin typeface="Helvetica Neue" panose="02000503000000020004" pitchFamily="50"/>
               </a:rPr>
-              <a:t>Sleep inertia</a:t>
+              <a:t>Interference</a:t>
             </a:r>
             <a:endParaRPr lang="en-US" sz="1150" dirty="0">
               <a:latin typeface="Helvetica Neue" panose="02000503000000020004" pitchFamily="50"/>
@@ -6050,12 +6397,12 @@
         <p:spPr>
           <a:xfrm flipV="1">
             <a:off x="5188158" y="3637864"/>
-            <a:ext cx="0" cy="252000"/>
+            <a:ext cx="0" cy="288000"/>
           </a:xfrm>
           <a:prstGeom prst="straightConnector1">
             <a:avLst/>
           </a:prstGeom>
-          <a:ln w="12700">
+          <a:ln w="19050">
             <a:solidFill>
               <a:schemeClr val="tx1">
                 <a:lumMod val="85000"/>
@@ -6246,8 +6593,8 @@
         </p:nvSpPr>
         <p:spPr>
           <a:xfrm>
-            <a:off x="6616566" y="1367608"/>
-            <a:ext cx="1502979" cy="461665"/>
+            <a:off x="6616566" y="1542588"/>
+            <a:ext cx="1502979" cy="269304"/>
           </a:xfrm>
           <a:prstGeom prst="rect">
             <a:avLst/>
@@ -6265,7 +6612,7 @@
               <a:rPr lang="en-US" sz="1150" dirty="0" smtClean="0">
                 <a:latin typeface="Helvetica Neue" panose="02000503000000020004" pitchFamily="50"/>
               </a:rPr>
-              <a:t>Physiological context</a:t>
+              <a:t>Interest in dreams</a:t>
             </a:r>
             <a:endParaRPr lang="en-US" sz="1150" baseline="30000" dirty="0">
               <a:latin typeface="Helvetica Neue" panose="02000503000000020004" pitchFamily="50"/>
@@ -6312,75 +6659,6 @@
           </a:fontRef>
         </p:style>
       </p:cxnSp>
-      <p:sp>
-        <p:nvSpPr>
-          <p:cNvPr id="63" name="Rectangle 62"/>
-          <p:cNvSpPr/>
-          <p:nvPr/>
-        </p:nvSpPr>
-        <p:spPr>
-          <a:xfrm>
-            <a:off x="2256770" y="2709936"/>
-            <a:ext cx="1502980" cy="872358"/>
-          </a:xfrm>
-          <a:prstGeom prst="rect">
-            <a:avLst/>
-          </a:prstGeom>
-          <a:solidFill>
-            <a:srgbClr val="E9F2B5"/>
-          </a:solidFill>
-          <a:ln w="19050">
-            <a:noFill/>
-          </a:ln>
-        </p:spPr>
-        <p:style>
-          <a:lnRef idx="2">
-            <a:schemeClr val="accent1">
-              <a:shade val="50000"/>
-            </a:schemeClr>
-          </a:lnRef>
-          <a:fillRef idx="1">
-            <a:schemeClr val="accent1"/>
-          </a:fillRef>
-          <a:effectRef idx="0">
-            <a:schemeClr val="accent1"/>
-          </a:effectRef>
-          <a:fontRef idx="minor">
-            <a:schemeClr val="lt1"/>
-          </a:fontRef>
-        </p:style>
-        <p:txBody>
-          <a:bodyPr rot="0" spcFirstLastPara="0" vertOverflow="overflow" horzOverflow="overflow" vert="horz" wrap="square" lIns="91440" tIns="45720" rIns="91440" bIns="45720" numCol="1" spcCol="0" rtlCol="0" fromWordArt="0" anchor="ctr" anchorCtr="0" forceAA="0" compatLnSpc="1">
-            <a:prstTxWarp prst="textNoShape">
-              <a:avLst/>
-            </a:prstTxWarp>
-            <a:noAutofit/>
-          </a:bodyPr>
-          <a:lstStyle/>
-          <a:p>
-            <a:pPr algn="ctr">
-              <a:lnSpc>
-                <a:spcPct val="150000"/>
-              </a:lnSpc>
-            </a:pPr>
-            <a:r>
-              <a:rPr lang="en-US" sz="1150" dirty="0" smtClean="0">
-                <a:solidFill>
-                  <a:schemeClr val="tx1"/>
-                </a:solidFill>
-                <a:latin typeface="Helvetica Neue" panose="02000503000000020004" pitchFamily="50"/>
-              </a:rPr>
-              <a:t>PERSONALITY, LIFE-STYLE, CREATIVITY</a:t>
-            </a:r>
-            <a:endParaRPr lang="en-US" sz="1150" baseline="30000" dirty="0">
-              <a:solidFill>
-                <a:schemeClr val="tx1"/>
-              </a:solidFill>
-              <a:latin typeface="Helvetica Neue" panose="02000503000000020004" pitchFamily="50"/>
-            </a:endParaRPr>
-          </a:p>
-        </p:txBody>
-      </p:sp>
       <p:cxnSp>
         <p:nvCxnSpPr>
           <p:cNvPr id="64" name="Connecteur droit avec flèche 63"/>
@@ -6498,10 +6776,203 @@
           </a:fontRef>
         </p:style>
       </p:cxnSp>
+      <p:grpSp>
+        <p:nvGrpSpPr>
+          <p:cNvPr id="2" name="Groupe 1"/>
+          <p:cNvGrpSpPr/>
+          <p:nvPr/>
+        </p:nvGrpSpPr>
+        <p:grpSpPr>
+          <a:xfrm>
+            <a:off x="2256770" y="2071934"/>
+            <a:ext cx="1502981" cy="2142181"/>
+            <a:chOff x="2256769" y="2709936"/>
+            <a:chExt cx="1502981" cy="2142181"/>
+          </a:xfrm>
+        </p:grpSpPr>
+        <p:sp>
+          <p:nvSpPr>
+            <p:cNvPr id="63" name="Rectangle 62"/>
+            <p:cNvSpPr/>
+            <p:nvPr/>
+          </p:nvSpPr>
+          <p:spPr>
+            <a:xfrm>
+              <a:off x="2256770" y="2709936"/>
+              <a:ext cx="1502980" cy="872358"/>
+            </a:xfrm>
+            <a:prstGeom prst="rect">
+              <a:avLst/>
+            </a:prstGeom>
+            <a:solidFill>
+              <a:srgbClr val="E9F2B5"/>
+            </a:solidFill>
+            <a:ln w="19050">
+              <a:noFill/>
+            </a:ln>
+          </p:spPr>
+          <p:style>
+            <a:lnRef idx="2">
+              <a:schemeClr val="accent1">
+                <a:shade val="50000"/>
+              </a:schemeClr>
+            </a:lnRef>
+            <a:fillRef idx="1">
+              <a:schemeClr val="accent1"/>
+            </a:fillRef>
+            <a:effectRef idx="0">
+              <a:schemeClr val="accent1"/>
+            </a:effectRef>
+            <a:fontRef idx="minor">
+              <a:schemeClr val="lt1"/>
+            </a:fontRef>
+          </p:style>
+          <p:txBody>
+            <a:bodyPr rot="0" spcFirstLastPara="0" vertOverflow="overflow" horzOverflow="overflow" vert="horz" wrap="square" lIns="91440" tIns="45720" rIns="91440" bIns="45720" numCol="1" spcCol="0" rtlCol="0" fromWordArt="0" anchor="ctr" anchorCtr="0" forceAA="0" compatLnSpc="1">
+              <a:prstTxWarp prst="textNoShape">
+                <a:avLst/>
+              </a:prstTxWarp>
+              <a:noAutofit/>
+            </a:bodyPr>
+            <a:lstStyle/>
+            <a:p>
+              <a:pPr algn="ctr">
+                <a:lnSpc>
+                  <a:spcPct val="150000"/>
+                </a:lnSpc>
+              </a:pPr>
+              <a:r>
+                <a:rPr lang="en-US" sz="1150" dirty="0" smtClean="0">
+                  <a:solidFill>
+                    <a:schemeClr val="tx1"/>
+                  </a:solidFill>
+                  <a:latin typeface="Helvetica Neue" panose="02000503000000020004" pitchFamily="50"/>
+                </a:rPr>
+                <a:t>PERSONALITY, LIFE-STYLE, CREATIVITY</a:t>
+              </a:r>
+              <a:endParaRPr lang="en-US" sz="1150" baseline="30000" dirty="0">
+                <a:solidFill>
+                  <a:schemeClr val="tx1"/>
+                </a:solidFill>
+                <a:latin typeface="Helvetica Neue" panose="02000503000000020004" pitchFamily="50"/>
+              </a:endParaRPr>
+            </a:p>
+          </p:txBody>
+        </p:sp>
+        <p:sp>
+          <p:nvSpPr>
+            <p:cNvPr id="25" name="Rectangle 24"/>
+            <p:cNvSpPr/>
+            <p:nvPr/>
+          </p:nvSpPr>
+          <p:spPr>
+            <a:xfrm>
+              <a:off x="2256769" y="3979759"/>
+              <a:ext cx="1502980" cy="872358"/>
+            </a:xfrm>
+            <a:prstGeom prst="rect">
+              <a:avLst/>
+            </a:prstGeom>
+            <a:solidFill>
+              <a:srgbClr val="C7E7C6"/>
+            </a:solidFill>
+            <a:ln w="19050">
+              <a:noFill/>
+            </a:ln>
+          </p:spPr>
+          <p:style>
+            <a:lnRef idx="2">
+              <a:schemeClr val="accent1">
+                <a:shade val="50000"/>
+              </a:schemeClr>
+            </a:lnRef>
+            <a:fillRef idx="1">
+              <a:schemeClr val="accent1"/>
+            </a:fillRef>
+            <a:effectRef idx="0">
+              <a:schemeClr val="accent1"/>
+            </a:effectRef>
+            <a:fontRef idx="minor">
+              <a:schemeClr val="lt1"/>
+            </a:fontRef>
+          </p:style>
+          <p:txBody>
+            <a:bodyPr rot="0" spcFirstLastPara="0" vertOverflow="overflow" horzOverflow="overflow" vert="horz" wrap="square" lIns="91440" tIns="45720" rIns="91440" bIns="45720" numCol="1" spcCol="0" rtlCol="0" fromWordArt="0" anchor="ctr" anchorCtr="0" forceAA="0" compatLnSpc="1">
+              <a:prstTxWarp prst="textNoShape">
+                <a:avLst/>
+              </a:prstTxWarp>
+              <a:noAutofit/>
+            </a:bodyPr>
+            <a:lstStyle/>
+            <a:p>
+              <a:pPr algn="ctr">
+                <a:lnSpc>
+                  <a:spcPct val="150000"/>
+                </a:lnSpc>
+              </a:pPr>
+              <a:r>
+                <a:rPr lang="en-US" sz="1150" dirty="0" smtClean="0">
+                  <a:solidFill>
+                    <a:schemeClr val="tx1"/>
+                  </a:solidFill>
+                  <a:latin typeface="Helvetica Neue" panose="02000503000000020004" pitchFamily="50"/>
+                </a:rPr>
+                <a:t>BRAIN FUNCTIONING</a:t>
+              </a:r>
+              <a:endParaRPr lang="en-US" sz="1150" baseline="30000" dirty="0">
+                <a:solidFill>
+                  <a:schemeClr val="tx1"/>
+                </a:solidFill>
+                <a:latin typeface="Helvetica Neue" panose="02000503000000020004" pitchFamily="50"/>
+              </a:endParaRPr>
+            </a:p>
+          </p:txBody>
+        </p:sp>
+      </p:grpSp>
+      <p:cxnSp>
+        <p:nvCxnSpPr>
+          <p:cNvPr id="29" name="Connecteur droit avec flèche 28"/>
+          <p:cNvCxnSpPr/>
+          <p:nvPr/>
+        </p:nvCxnSpPr>
+        <p:spPr>
+          <a:xfrm flipV="1">
+            <a:off x="2999365" y="3007288"/>
+            <a:ext cx="0" cy="288000"/>
+          </a:xfrm>
+          <a:prstGeom prst="straightConnector1">
+            <a:avLst/>
+          </a:prstGeom>
+          <a:ln w="19050">
+            <a:solidFill>
+              <a:schemeClr val="tx1">
+                <a:lumMod val="85000"/>
+                <a:lumOff val="15000"/>
+              </a:schemeClr>
+            </a:solidFill>
+            <a:headEnd type="triangle" w="med" len="med"/>
+            <a:tailEnd type="triangle" w="med" len="med"/>
+          </a:ln>
+        </p:spPr>
+        <p:style>
+          <a:lnRef idx="3">
+            <a:schemeClr val="dk1"/>
+          </a:lnRef>
+          <a:fillRef idx="0">
+            <a:schemeClr val="dk1"/>
+          </a:fillRef>
+          <a:effectRef idx="2">
+            <a:schemeClr val="dk1"/>
+          </a:effectRef>
+          <a:fontRef idx="minor">
+            <a:schemeClr val="tx1"/>
+          </a:fontRef>
+        </p:style>
+      </p:cxnSp>
     </p:spTree>
     <p:extLst>
       <p:ext uri="{BB962C8B-B14F-4D97-AF65-F5344CB8AC3E}">
-        <p14:creationId xmlns:p14="http://schemas.microsoft.com/office/powerpoint/2010/main" val="859260222"/>
+        <p14:creationId xmlns:p14="http://schemas.microsoft.com/office/powerpoint/2010/main" val="2935773351"/>
       </p:ext>
     </p:extLst>
   </p:cSld>
@@ -8432,920 +8903,6 @@
 </file>
 
 <file path=ppt/slides/slide5.xml><?xml version="1.0" encoding="utf-8"?>
-<p:sld xmlns:a="http://schemas.openxmlformats.org/drawingml/2006/main" xmlns:r="http://schemas.openxmlformats.org/officeDocument/2006/relationships" xmlns:p="http://schemas.openxmlformats.org/presentationml/2006/main">
-  <p:cSld>
-    <p:spTree>
-      <p:nvGrpSpPr>
-        <p:cNvPr id="1" name=""/>
-        <p:cNvGrpSpPr/>
-        <p:nvPr/>
-      </p:nvGrpSpPr>
-      <p:grpSpPr>
-        <a:xfrm>
-          <a:off x="0" y="0"/>
-          <a:ext cx="0" cy="0"/>
-          <a:chOff x="0" y="0"/>
-          <a:chExt cx="0" cy="0"/>
-        </a:xfrm>
-      </p:grpSpPr>
-      <p:sp>
-        <p:nvSpPr>
-          <p:cNvPr id="26" name="Rectangle 25"/>
-          <p:cNvSpPr/>
-          <p:nvPr/>
-        </p:nvSpPr>
-        <p:spPr>
-          <a:xfrm>
-            <a:off x="3255653" y="2881539"/>
-            <a:ext cx="2787347" cy="872358"/>
-          </a:xfrm>
-          <a:prstGeom prst="rect">
-            <a:avLst/>
-          </a:prstGeom>
-          <a:solidFill>
-            <a:srgbClr val="61567C"/>
-          </a:solidFill>
-          <a:ln w="19050">
-            <a:noFill/>
-          </a:ln>
-        </p:spPr>
-        <p:style>
-          <a:lnRef idx="2">
-            <a:schemeClr val="accent1">
-              <a:shade val="50000"/>
-            </a:schemeClr>
-          </a:lnRef>
-          <a:fillRef idx="1">
-            <a:schemeClr val="accent1"/>
-          </a:fillRef>
-          <a:effectRef idx="0">
-            <a:schemeClr val="accent1"/>
-          </a:effectRef>
-          <a:fontRef idx="minor">
-            <a:schemeClr val="lt1"/>
-          </a:fontRef>
-        </p:style>
-        <p:txBody>
-          <a:bodyPr rot="0" spcFirstLastPara="0" vertOverflow="overflow" horzOverflow="overflow" vert="horz" wrap="square" lIns="91440" tIns="45720" rIns="91440" bIns="45720" numCol="1" spcCol="0" rtlCol="0" fromWordArt="0" anchor="t" anchorCtr="0" forceAA="0" compatLnSpc="1">
-            <a:prstTxWarp prst="textNoShape">
-              <a:avLst/>
-            </a:prstTxWarp>
-            <a:noAutofit/>
-          </a:bodyPr>
-          <a:lstStyle/>
-          <a:p>
-            <a:pPr algn="ctr">
-              <a:spcAft>
-                <a:spcPts val="600"/>
-              </a:spcAft>
-            </a:pPr>
-            <a:r>
-              <a:rPr lang="en-US" sz="1200" b="1" dirty="0" smtClean="0">
-                <a:solidFill>
-                  <a:schemeClr val="bg1"/>
-                </a:solidFill>
-                <a:latin typeface="Helvetica Neue" panose="02000503000000020004" pitchFamily="50"/>
-              </a:rPr>
-              <a:t>DREAM CONTENT</a:t>
-            </a:r>
-          </a:p>
-          <a:p>
-            <a:pPr marL="171450" indent="-171450" algn="just">
-              <a:buFont typeface="Lato" panose="020F0502020204030203" pitchFamily="34" charset="0"/>
-              <a:buChar char="–"/>
-            </a:pPr>
-            <a:r>
-              <a:rPr lang="en-US" sz="1200" dirty="0" smtClean="0">
-                <a:solidFill>
-                  <a:schemeClr val="bg1"/>
-                </a:solidFill>
-                <a:latin typeface="Helvetica Neue" panose="02000503000000020004" pitchFamily="50"/>
-                <a:sym typeface="Wingdings" panose="05000000000000000000" pitchFamily="2" charset="2"/>
-              </a:rPr>
-              <a:t>Salience</a:t>
-            </a:r>
-          </a:p>
-          <a:p>
-            <a:pPr marL="171450" indent="-171450" algn="just">
-              <a:buFont typeface="Lato" panose="020F0502020204030203" pitchFamily="34" charset="0"/>
-              <a:buChar char="–"/>
-            </a:pPr>
-            <a:r>
-              <a:rPr lang="en-US" sz="1200" dirty="0" smtClean="0">
-                <a:solidFill>
-                  <a:schemeClr val="bg1"/>
-                </a:solidFill>
-                <a:latin typeface="Helvetica Neue" panose="02000503000000020004" pitchFamily="50"/>
-                <a:sym typeface="Wingdings" panose="05000000000000000000" pitchFamily="2" charset="2"/>
-              </a:rPr>
-              <a:t>Creativity</a:t>
-            </a:r>
-          </a:p>
-        </p:txBody>
-      </p:sp>
-      <p:grpSp>
-        <p:nvGrpSpPr>
-          <p:cNvPr id="51" name="Groupe 50"/>
-          <p:cNvGrpSpPr/>
-          <p:nvPr/>
-        </p:nvGrpSpPr>
-        <p:grpSpPr>
-          <a:xfrm>
-            <a:off x="12052801" y="698611"/>
-            <a:ext cx="1311519" cy="1463458"/>
-            <a:chOff x="10828802" y="1497165"/>
-            <a:chExt cx="1311519" cy="1463458"/>
-          </a:xfrm>
-        </p:grpSpPr>
-        <p:pic>
-          <p:nvPicPr>
-            <p:cNvPr id="52" name="Image 51"/>
-            <p:cNvPicPr>
-              <a:picLocks noChangeAspect="1"/>
-            </p:cNvPicPr>
-            <p:nvPr/>
-          </p:nvPicPr>
-          <p:blipFill>
-            <a:blip r:embed="rId2" cstate="print">
-              <a:extLst>
-                <a:ext uri="{28A0092B-C50C-407E-A947-70E740481C1C}">
-                  <a14:useLocalDpi xmlns:a14="http://schemas.microsoft.com/office/drawing/2010/main" val="0"/>
-                </a:ext>
-              </a:extLst>
-            </a:blip>
-            <a:stretch>
-              <a:fillRect/>
-            </a:stretch>
-          </p:blipFill>
-          <p:spPr>
-            <a:xfrm>
-              <a:off x="11060321" y="1497165"/>
-              <a:ext cx="1080000" cy="1080000"/>
-            </a:xfrm>
-            <a:prstGeom prst="rect">
-              <a:avLst/>
-            </a:prstGeom>
-          </p:spPr>
-        </p:pic>
-        <p:sp>
-          <p:nvSpPr>
-            <p:cNvPr id="53" name="Rectangle 52"/>
-            <p:cNvSpPr/>
-            <p:nvPr/>
-          </p:nvSpPr>
-          <p:spPr>
-            <a:xfrm>
-              <a:off x="10828802" y="2528623"/>
-              <a:ext cx="1224000" cy="432000"/>
-            </a:xfrm>
-            <a:prstGeom prst="rect">
-              <a:avLst/>
-            </a:prstGeom>
-            <a:solidFill>
-              <a:schemeClr val="bg1"/>
-            </a:solidFill>
-            <a:ln w="19050">
-              <a:noFill/>
-            </a:ln>
-          </p:spPr>
-          <p:style>
-            <a:lnRef idx="2">
-              <a:schemeClr val="accent1">
-                <a:shade val="50000"/>
-              </a:schemeClr>
-            </a:lnRef>
-            <a:fillRef idx="1">
-              <a:schemeClr val="accent1"/>
-            </a:fillRef>
-            <a:effectRef idx="0">
-              <a:schemeClr val="accent1"/>
-            </a:effectRef>
-            <a:fontRef idx="minor">
-              <a:schemeClr val="lt1"/>
-            </a:fontRef>
-          </p:style>
-          <p:txBody>
-            <a:bodyPr rot="0" spcFirstLastPara="0" vertOverflow="overflow" horzOverflow="overflow" vert="horz" wrap="square" lIns="91440" tIns="45720" rIns="91440" bIns="45720" numCol="1" spcCol="0" rtlCol="0" fromWordArt="0" anchor="t" anchorCtr="0" forceAA="0" compatLnSpc="1">
-              <a:prstTxWarp prst="textNoShape">
-                <a:avLst/>
-              </a:prstTxWarp>
-              <a:noAutofit/>
-            </a:bodyPr>
-            <a:lstStyle/>
-            <a:p>
-              <a:pPr algn="ctr"/>
-              <a:r>
-                <a:rPr lang="en-US" sz="1200" b="1" dirty="0" smtClean="0">
-                  <a:solidFill>
-                    <a:srgbClr val="C82829"/>
-                  </a:solidFill>
-                  <a:latin typeface="Helvetica Neue" panose="02000503000000020004" pitchFamily="50"/>
-                </a:rPr>
-                <a:t>HIGH DREAM</a:t>
-              </a:r>
-            </a:p>
-            <a:p>
-              <a:pPr algn="ctr"/>
-              <a:r>
-                <a:rPr lang="en-US" sz="1200" b="1" dirty="0" smtClean="0">
-                  <a:solidFill>
-                    <a:srgbClr val="C82829"/>
-                  </a:solidFill>
-                  <a:latin typeface="Helvetica Neue" panose="02000503000000020004" pitchFamily="50"/>
-                </a:rPr>
-                <a:t>RECALLERS</a:t>
-              </a:r>
-              <a:endParaRPr lang="en-US" sz="1200" b="1" dirty="0">
-                <a:solidFill>
-                  <a:srgbClr val="C82829"/>
-                </a:solidFill>
-                <a:latin typeface="Helvetica Neue" panose="02000503000000020004" pitchFamily="50"/>
-              </a:endParaRPr>
-            </a:p>
-          </p:txBody>
-        </p:sp>
-      </p:grpSp>
-      <p:sp>
-        <p:nvSpPr>
-          <p:cNvPr id="10" name="ZoneTexte 9"/>
-          <p:cNvSpPr txBox="1"/>
-          <p:nvPr/>
-        </p:nvSpPr>
-        <p:spPr>
-          <a:xfrm>
-            <a:off x="3256101" y="1430340"/>
-            <a:ext cx="2772000" cy="369332"/>
-          </a:xfrm>
-          <a:prstGeom prst="rect">
-            <a:avLst/>
-          </a:prstGeom>
-          <a:noFill/>
-        </p:spPr>
-        <p:txBody>
-          <a:bodyPr wrap="square" rtlCol="0">
-            <a:spAutoFit/>
-          </a:bodyPr>
-          <a:lstStyle/>
-          <a:p>
-            <a:r>
-              <a:rPr lang="en-US" dirty="0" smtClean="0">
-                <a:latin typeface="Helvetica Neue" panose="02000503000000020004" pitchFamily="50"/>
-              </a:rPr>
-              <a:t>	SLEEP</a:t>
-            </a:r>
-            <a:endParaRPr lang="en-US" dirty="0">
-              <a:latin typeface="Helvetica Neue" panose="02000503000000020004" pitchFamily="50"/>
-            </a:endParaRPr>
-          </a:p>
-        </p:txBody>
-      </p:sp>
-      <p:sp>
-        <p:nvSpPr>
-          <p:cNvPr id="38" name="ZoneTexte 37"/>
-          <p:cNvSpPr txBox="1"/>
-          <p:nvPr/>
-        </p:nvSpPr>
-        <p:spPr>
-          <a:xfrm>
-            <a:off x="6632033" y="1431836"/>
-            <a:ext cx="2772000" cy="369332"/>
-          </a:xfrm>
-          <a:prstGeom prst="rect">
-            <a:avLst/>
-          </a:prstGeom>
-          <a:noFill/>
-        </p:spPr>
-        <p:txBody>
-          <a:bodyPr wrap="square" rtlCol="0">
-            <a:spAutoFit/>
-          </a:bodyPr>
-          <a:lstStyle/>
-          <a:p>
-            <a:r>
-              <a:rPr lang="en-US" dirty="0" smtClean="0">
-                <a:latin typeface="Helvetica Neue" panose="02000503000000020004" pitchFamily="50"/>
-              </a:rPr>
-              <a:t>	WAKEFULNESS</a:t>
-            </a:r>
-            <a:endParaRPr lang="en-US" dirty="0">
-              <a:latin typeface="Helvetica Neue" panose="02000503000000020004" pitchFamily="50"/>
-            </a:endParaRPr>
-          </a:p>
-        </p:txBody>
-      </p:sp>
-      <p:pic>
-        <p:nvPicPr>
-          <p:cNvPr id="14" name="Image 13"/>
-          <p:cNvPicPr>
-            <a:picLocks noChangeAspect="1"/>
-          </p:cNvPicPr>
-          <p:nvPr/>
-        </p:nvPicPr>
-        <p:blipFill rotWithShape="1">
-          <a:blip r:embed="rId3" cstate="print">
-            <a:extLst>
-              <a:ext uri="{28A0092B-C50C-407E-A947-70E740481C1C}">
-                <a14:useLocalDpi xmlns:a14="http://schemas.microsoft.com/office/drawing/2010/main" val="0"/>
-              </a:ext>
-            </a:extLst>
-          </a:blip>
-          <a:srcRect b="9428"/>
-          <a:stretch/>
-        </p:blipFill>
-        <p:spPr>
-          <a:xfrm>
-            <a:off x="6632577" y="1229240"/>
-            <a:ext cx="720000" cy="652111"/>
-          </a:xfrm>
-          <a:prstGeom prst="rect">
-            <a:avLst/>
-          </a:prstGeom>
-        </p:spPr>
-      </p:pic>
-      <p:sp>
-        <p:nvSpPr>
-          <p:cNvPr id="48" name="Rectangle 47"/>
-          <p:cNvSpPr/>
-          <p:nvPr/>
-        </p:nvSpPr>
-        <p:spPr>
-          <a:xfrm>
-            <a:off x="3255653" y="4318076"/>
-            <a:ext cx="2787347" cy="872358"/>
-          </a:xfrm>
-          <a:prstGeom prst="rect">
-            <a:avLst/>
-          </a:prstGeom>
-          <a:solidFill>
-            <a:srgbClr val="4B84AF"/>
-          </a:solidFill>
-          <a:ln w="19050">
-            <a:noFill/>
-          </a:ln>
-        </p:spPr>
-        <p:style>
-          <a:lnRef idx="2">
-            <a:schemeClr val="accent1">
-              <a:shade val="50000"/>
-            </a:schemeClr>
-          </a:lnRef>
-          <a:fillRef idx="1">
-            <a:schemeClr val="accent1"/>
-          </a:fillRef>
-          <a:effectRef idx="0">
-            <a:schemeClr val="accent1"/>
-          </a:effectRef>
-          <a:fontRef idx="minor">
-            <a:schemeClr val="lt1"/>
-          </a:fontRef>
-        </p:style>
-        <p:txBody>
-          <a:bodyPr rot="0" spcFirstLastPara="0" vertOverflow="overflow" horzOverflow="overflow" vert="horz" wrap="square" lIns="91440" tIns="45720" rIns="91440" bIns="45720" numCol="1" spcCol="0" rtlCol="0" fromWordArt="0" anchor="t" anchorCtr="0" forceAA="0" compatLnSpc="1">
-            <a:prstTxWarp prst="textNoShape">
-              <a:avLst/>
-            </a:prstTxWarp>
-            <a:noAutofit/>
-          </a:bodyPr>
-          <a:lstStyle/>
-          <a:p>
-            <a:pPr algn="ctr">
-              <a:spcAft>
-                <a:spcPts val="600"/>
-              </a:spcAft>
-            </a:pPr>
-            <a:r>
-              <a:rPr lang="en-US" sz="1200" b="1" dirty="0" smtClean="0">
-                <a:solidFill>
-                  <a:schemeClr val="bg1"/>
-                </a:solidFill>
-                <a:latin typeface="Helvetica Neue" panose="02000503000000020004" pitchFamily="50"/>
-              </a:rPr>
-              <a:t>PHYSIOLOGICAL STATE</a:t>
-            </a:r>
-          </a:p>
-          <a:p>
-            <a:pPr marL="171450" indent="-171450" algn="just">
-              <a:buFont typeface="Lato" panose="020F0502020204030203" pitchFamily="34" charset="0"/>
-              <a:buChar char="–"/>
-            </a:pPr>
-            <a:r>
-              <a:rPr lang="en-US" sz="1200" dirty="0" smtClean="0">
-                <a:solidFill>
-                  <a:schemeClr val="bg1"/>
-                </a:solidFill>
-                <a:latin typeface="Helvetica Neue" panose="02000503000000020004" pitchFamily="50"/>
-                <a:sym typeface="Wingdings" panose="05000000000000000000" pitchFamily="2" charset="2"/>
-              </a:rPr>
-              <a:t>Sleep stages</a:t>
-            </a:r>
-          </a:p>
-          <a:p>
-            <a:pPr marL="171450" indent="-171450" algn="just">
-              <a:buFont typeface="Lato" panose="020F0502020204030203" pitchFamily="34" charset="0"/>
-              <a:buChar char="–"/>
-            </a:pPr>
-            <a:r>
-              <a:rPr lang="en-US" sz="1200" dirty="0" smtClean="0">
-                <a:solidFill>
-                  <a:schemeClr val="bg1"/>
-                </a:solidFill>
-                <a:latin typeface="Helvetica Neue" panose="02000503000000020004" pitchFamily="50"/>
-                <a:sym typeface="Wingdings" panose="05000000000000000000" pitchFamily="2" charset="2"/>
-              </a:rPr>
-              <a:t>Brain reactivity</a:t>
-            </a:r>
-          </a:p>
-          <a:p>
-            <a:pPr marL="171450" indent="-171450" algn="just">
-              <a:buFont typeface="Lato" panose="020F0502020204030203" pitchFamily="34" charset="0"/>
-              <a:buChar char="–"/>
-            </a:pPr>
-            <a:r>
-              <a:rPr lang="en-US" sz="1200" dirty="0" smtClean="0">
-                <a:solidFill>
-                  <a:schemeClr val="bg1"/>
-                </a:solidFill>
-                <a:latin typeface="Helvetica Neue" panose="02000503000000020004" pitchFamily="50"/>
-                <a:sym typeface="Wingdings" panose="05000000000000000000" pitchFamily="2" charset="2"/>
-              </a:rPr>
-              <a:t>DMN functional connectivity</a:t>
-            </a:r>
-          </a:p>
-        </p:txBody>
-      </p:sp>
-      <p:cxnSp>
-        <p:nvCxnSpPr>
-          <p:cNvPr id="23" name="Connecteur droit avec flèche 22"/>
-          <p:cNvCxnSpPr/>
-          <p:nvPr/>
-        </p:nvCxnSpPr>
-        <p:spPr>
-          <a:xfrm>
-            <a:off x="4641653" y="3857553"/>
-            <a:ext cx="0" cy="360000"/>
-          </a:xfrm>
-          <a:prstGeom prst="straightConnector1">
-            <a:avLst/>
-          </a:prstGeom>
-          <a:ln w="28575">
-            <a:headEnd type="triangle"/>
-            <a:tailEnd type="triangle"/>
-          </a:ln>
-        </p:spPr>
-        <p:style>
-          <a:lnRef idx="1">
-            <a:schemeClr val="dk1"/>
-          </a:lnRef>
-          <a:fillRef idx="0">
-            <a:schemeClr val="dk1"/>
-          </a:fillRef>
-          <a:effectRef idx="0">
-            <a:schemeClr val="dk1"/>
-          </a:effectRef>
-          <a:fontRef idx="minor">
-            <a:schemeClr val="tx1"/>
-          </a:fontRef>
-        </p:style>
-      </p:cxnSp>
-      <p:cxnSp>
-        <p:nvCxnSpPr>
-          <p:cNvPr id="49" name="Connecteur droit avec flèche 48"/>
-          <p:cNvCxnSpPr/>
-          <p:nvPr/>
-        </p:nvCxnSpPr>
-        <p:spPr>
-          <a:xfrm rot="16200000">
-            <a:off x="6315652" y="4574255"/>
-            <a:ext cx="0" cy="360000"/>
-          </a:xfrm>
-          <a:prstGeom prst="straightConnector1">
-            <a:avLst/>
-          </a:prstGeom>
-          <a:ln w="57150">
-            <a:headEnd type="none" w="med" len="med"/>
-            <a:tailEnd type="triangle" w="med" len="med"/>
-          </a:ln>
-        </p:spPr>
-        <p:style>
-          <a:lnRef idx="1">
-            <a:schemeClr val="dk1"/>
-          </a:lnRef>
-          <a:fillRef idx="0">
-            <a:schemeClr val="dk1"/>
-          </a:fillRef>
-          <a:effectRef idx="0">
-            <a:schemeClr val="dk1"/>
-          </a:effectRef>
-          <a:fontRef idx="minor">
-            <a:schemeClr val="tx1"/>
-          </a:fontRef>
-        </p:style>
-      </p:cxnSp>
-      <p:sp>
-        <p:nvSpPr>
-          <p:cNvPr id="50" name="Rectangle 49"/>
-          <p:cNvSpPr/>
-          <p:nvPr/>
-        </p:nvSpPr>
-        <p:spPr>
-          <a:xfrm>
-            <a:off x="6631585" y="4318076"/>
-            <a:ext cx="2787347" cy="872358"/>
-          </a:xfrm>
-          <a:prstGeom prst="rect">
-            <a:avLst/>
-          </a:prstGeom>
-          <a:solidFill>
-            <a:srgbClr val="99D398"/>
-          </a:solidFill>
-          <a:ln w="19050">
-            <a:noFill/>
-          </a:ln>
-        </p:spPr>
-        <p:style>
-          <a:lnRef idx="2">
-            <a:schemeClr val="accent1">
-              <a:shade val="50000"/>
-            </a:schemeClr>
-          </a:lnRef>
-          <a:fillRef idx="1">
-            <a:schemeClr val="accent1"/>
-          </a:fillRef>
-          <a:effectRef idx="0">
-            <a:schemeClr val="accent1"/>
-          </a:effectRef>
-          <a:fontRef idx="minor">
-            <a:schemeClr val="lt1"/>
-          </a:fontRef>
-        </p:style>
-        <p:txBody>
-          <a:bodyPr rot="0" spcFirstLastPara="0" vertOverflow="overflow" horzOverflow="overflow" vert="horz" wrap="square" lIns="91440" tIns="45720" rIns="91440" bIns="45720" numCol="1" spcCol="0" rtlCol="0" fromWordArt="0" anchor="t" anchorCtr="0" forceAA="0" compatLnSpc="1">
-            <a:prstTxWarp prst="textNoShape">
-              <a:avLst/>
-            </a:prstTxWarp>
-            <a:noAutofit/>
-          </a:bodyPr>
-          <a:lstStyle/>
-          <a:p>
-            <a:pPr algn="ctr">
-              <a:spcAft>
-                <a:spcPts val="600"/>
-              </a:spcAft>
-            </a:pPr>
-            <a:r>
-              <a:rPr lang="en-US" sz="1200" b="1" dirty="0" smtClean="0">
-                <a:solidFill>
-                  <a:schemeClr val="tx1"/>
-                </a:solidFill>
-                <a:latin typeface="Helvetica Neue" panose="02000503000000020004" pitchFamily="50"/>
-              </a:rPr>
-              <a:t>SLEEP INERTIA</a:t>
-            </a:r>
-          </a:p>
-          <a:p>
-            <a:pPr marL="228600" indent="-228600" algn="just">
-              <a:buFont typeface="Lato" panose="020F0502020204030203" pitchFamily="34" charset="0"/>
-              <a:buChar char="–"/>
-            </a:pPr>
-            <a:r>
-              <a:rPr lang="en-US" sz="1200" dirty="0" smtClean="0">
-                <a:solidFill>
-                  <a:schemeClr val="tx1"/>
-                </a:solidFill>
-                <a:latin typeface="Helvetica Neue" panose="02000503000000020004" pitchFamily="50"/>
-                <a:sym typeface="Wingdings" panose="05000000000000000000" pitchFamily="2" charset="2"/>
-              </a:rPr>
-              <a:t> Brain functioning upon awakening</a:t>
-            </a:r>
-            <a:endParaRPr lang="en-US" sz="1200" dirty="0" smtClean="0">
-              <a:solidFill>
-                <a:schemeClr val="tx1"/>
-              </a:solidFill>
-              <a:latin typeface="Helvetica Neue" panose="02000503000000020004" pitchFamily="50"/>
-            </a:endParaRPr>
-          </a:p>
-        </p:txBody>
-      </p:sp>
-      <p:sp>
-        <p:nvSpPr>
-          <p:cNvPr id="28" name="ZoneTexte 27"/>
-          <p:cNvSpPr txBox="1"/>
-          <p:nvPr/>
-        </p:nvSpPr>
-        <p:spPr>
-          <a:xfrm>
-            <a:off x="3256100" y="2032302"/>
-            <a:ext cx="2772001" cy="523220"/>
-          </a:xfrm>
-          <a:prstGeom prst="rect">
-            <a:avLst/>
-          </a:prstGeom>
-          <a:noFill/>
-        </p:spPr>
-        <p:txBody>
-          <a:bodyPr wrap="square" rtlCol="0">
-            <a:spAutoFit/>
-          </a:bodyPr>
-          <a:lstStyle/>
-          <a:p>
-            <a:pPr algn="ctr"/>
-            <a:r>
-              <a:rPr lang="en-US" sz="1400" b="1" dirty="0" smtClean="0">
-                <a:latin typeface="Helvetica Neue" panose="02000503000000020004" pitchFamily="50"/>
-              </a:rPr>
-              <a:t>Dream content is in short term memory</a:t>
-            </a:r>
-            <a:endParaRPr lang="en-US" sz="1400" b="1" dirty="0">
-              <a:latin typeface="Helvetica Neue" panose="02000503000000020004" pitchFamily="50"/>
-            </a:endParaRPr>
-          </a:p>
-        </p:txBody>
-      </p:sp>
-      <p:sp>
-        <p:nvSpPr>
-          <p:cNvPr id="55" name="ZoneTexte 54"/>
-          <p:cNvSpPr txBox="1"/>
-          <p:nvPr/>
-        </p:nvSpPr>
-        <p:spPr>
-          <a:xfrm>
-            <a:off x="6632032" y="2032302"/>
-            <a:ext cx="2772001" cy="523220"/>
-          </a:xfrm>
-          <a:prstGeom prst="rect">
-            <a:avLst/>
-          </a:prstGeom>
-          <a:noFill/>
-        </p:spPr>
-        <p:txBody>
-          <a:bodyPr wrap="square" rtlCol="0">
-            <a:spAutoFit/>
-          </a:bodyPr>
-          <a:lstStyle/>
-          <a:p>
-            <a:pPr algn="ctr"/>
-            <a:r>
-              <a:rPr lang="en-US" sz="1400" b="1" dirty="0" smtClean="0">
-                <a:latin typeface="Helvetica Neue" panose="02000503000000020004" pitchFamily="50"/>
-              </a:rPr>
-              <a:t>Dream content is encoded in long-term memory</a:t>
-            </a:r>
-            <a:endParaRPr lang="en-US" sz="1400" b="1" dirty="0">
-              <a:latin typeface="Helvetica Neue" panose="02000503000000020004" pitchFamily="50"/>
-            </a:endParaRPr>
-          </a:p>
-        </p:txBody>
-      </p:sp>
-      <p:pic>
-        <p:nvPicPr>
-          <p:cNvPr id="29" name="Image 28"/>
-          <p:cNvPicPr>
-            <a:picLocks noChangeAspect="1"/>
-          </p:cNvPicPr>
-          <p:nvPr/>
-        </p:nvPicPr>
-        <p:blipFill>
-          <a:blip r:embed="rId4" cstate="print">
-            <a:extLst>
-              <a:ext uri="{28A0092B-C50C-407E-A947-70E740481C1C}">
-                <a14:useLocalDpi xmlns:a14="http://schemas.microsoft.com/office/drawing/2010/main" val="0"/>
-              </a:ext>
-            </a:extLst>
-          </a:blip>
-          <a:stretch>
-            <a:fillRect/>
-          </a:stretch>
-        </p:blipFill>
-        <p:spPr>
-          <a:xfrm>
-            <a:off x="3255653" y="1197710"/>
-            <a:ext cx="720000" cy="720000"/>
-          </a:xfrm>
-          <a:prstGeom prst="rect">
-            <a:avLst/>
-          </a:prstGeom>
-        </p:spPr>
-      </p:pic>
-      <p:cxnSp>
-        <p:nvCxnSpPr>
-          <p:cNvPr id="31" name="Connecteur droit 30"/>
-          <p:cNvCxnSpPr/>
-          <p:nvPr/>
-        </p:nvCxnSpPr>
-        <p:spPr>
-          <a:xfrm>
-            <a:off x="3255653" y="1867560"/>
-            <a:ext cx="6148380" cy="0"/>
-          </a:xfrm>
-          <a:prstGeom prst="line">
-            <a:avLst/>
-          </a:prstGeom>
-          <a:ln w="28575">
-            <a:solidFill>
-              <a:schemeClr val="tx2">
-                <a:lumMod val="50000"/>
-              </a:schemeClr>
-            </a:solidFill>
-          </a:ln>
-        </p:spPr>
-        <p:style>
-          <a:lnRef idx="1">
-            <a:schemeClr val="dk1"/>
-          </a:lnRef>
-          <a:fillRef idx="0">
-            <a:schemeClr val="dk1"/>
-          </a:fillRef>
-          <a:effectRef idx="0">
-            <a:schemeClr val="dk1"/>
-          </a:effectRef>
-          <a:fontRef idx="minor">
-            <a:schemeClr val="tx1"/>
-          </a:fontRef>
-        </p:style>
-      </p:cxnSp>
-      <p:cxnSp>
-        <p:nvCxnSpPr>
-          <p:cNvPr id="58" name="Connecteur droit avec flèche 57"/>
-          <p:cNvCxnSpPr/>
-          <p:nvPr/>
-        </p:nvCxnSpPr>
-        <p:spPr>
-          <a:xfrm rot="16200000">
-            <a:off x="6315652" y="3144697"/>
-            <a:ext cx="0" cy="360000"/>
-          </a:xfrm>
-          <a:prstGeom prst="straightConnector1">
-            <a:avLst/>
-          </a:prstGeom>
-          <a:ln w="57150">
-            <a:headEnd type="none" w="med" len="med"/>
-            <a:tailEnd type="triangle" w="med" len="med"/>
-          </a:ln>
-        </p:spPr>
-        <p:style>
-          <a:lnRef idx="1">
-            <a:schemeClr val="dk1"/>
-          </a:lnRef>
-          <a:fillRef idx="0">
-            <a:schemeClr val="dk1"/>
-          </a:fillRef>
-          <a:effectRef idx="0">
-            <a:schemeClr val="dk1"/>
-          </a:effectRef>
-          <a:fontRef idx="minor">
-            <a:schemeClr val="tx1"/>
-          </a:fontRef>
-        </p:style>
-      </p:cxnSp>
-      <p:sp>
-        <p:nvSpPr>
-          <p:cNvPr id="59" name="Rectangle 58"/>
-          <p:cNvSpPr/>
-          <p:nvPr/>
-        </p:nvSpPr>
-        <p:spPr>
-          <a:xfrm>
-            <a:off x="6631584" y="2884871"/>
-            <a:ext cx="2787347" cy="872358"/>
-          </a:xfrm>
-          <a:prstGeom prst="rect">
-            <a:avLst/>
-          </a:prstGeom>
-          <a:solidFill>
-            <a:srgbClr val="E9F2B5"/>
-          </a:solidFill>
-          <a:ln w="19050">
-            <a:noFill/>
-          </a:ln>
-        </p:spPr>
-        <p:style>
-          <a:lnRef idx="2">
-            <a:schemeClr val="accent1">
-              <a:shade val="50000"/>
-            </a:schemeClr>
-          </a:lnRef>
-          <a:fillRef idx="1">
-            <a:schemeClr val="accent1"/>
-          </a:fillRef>
-          <a:effectRef idx="0">
-            <a:schemeClr val="accent1"/>
-          </a:effectRef>
-          <a:fontRef idx="minor">
-            <a:schemeClr val="lt1"/>
-          </a:fontRef>
-        </p:style>
-        <p:txBody>
-          <a:bodyPr rot="0" spcFirstLastPara="0" vertOverflow="overflow" horzOverflow="overflow" vert="horz" wrap="square" lIns="91440" tIns="45720" rIns="91440" bIns="45720" numCol="1" spcCol="0" rtlCol="0" fromWordArt="0" anchor="t" anchorCtr="0" forceAA="0" compatLnSpc="1">
-            <a:prstTxWarp prst="textNoShape">
-              <a:avLst/>
-            </a:prstTxWarp>
-            <a:noAutofit/>
-          </a:bodyPr>
-          <a:lstStyle/>
-          <a:p>
-            <a:pPr algn="ctr">
-              <a:spcAft>
-                <a:spcPts val="600"/>
-              </a:spcAft>
-            </a:pPr>
-            <a:r>
-              <a:rPr lang="en-US" sz="1200" b="1" dirty="0" smtClean="0">
-                <a:solidFill>
-                  <a:schemeClr val="tx1"/>
-                </a:solidFill>
-                <a:latin typeface="Helvetica Neue" panose="02000503000000020004" pitchFamily="50"/>
-              </a:rPr>
-              <a:t>PERSONALITY</a:t>
-            </a:r>
-          </a:p>
-          <a:p>
-            <a:pPr marL="171450" indent="-171450" algn="just">
-              <a:buFont typeface="Lato" panose="020F0502020204030203" pitchFamily="34" charset="0"/>
-              <a:buChar char="–"/>
-            </a:pPr>
-            <a:r>
-              <a:rPr lang="en-US" sz="1200" dirty="0" smtClean="0">
-                <a:solidFill>
-                  <a:schemeClr val="tx1"/>
-                </a:solidFill>
-                <a:latin typeface="Helvetica Neue" panose="02000503000000020004" pitchFamily="50"/>
-                <a:sym typeface="Wingdings" panose="05000000000000000000" pitchFamily="2" charset="2"/>
-              </a:rPr>
-              <a:t>Attitude towards dreams</a:t>
-            </a:r>
-          </a:p>
-          <a:p>
-            <a:pPr marL="171450" indent="-171450" algn="just">
-              <a:buFont typeface="Lato" panose="020F0502020204030203" pitchFamily="34" charset="0"/>
-              <a:buChar char="–"/>
-            </a:pPr>
-            <a:r>
-              <a:rPr lang="en-US" sz="1200" dirty="0" smtClean="0">
-                <a:solidFill>
-                  <a:schemeClr val="tx1"/>
-                </a:solidFill>
-                <a:latin typeface="Helvetica Neue" panose="02000503000000020004" pitchFamily="50"/>
-                <a:sym typeface="Wingdings" panose="05000000000000000000" pitchFamily="2" charset="2"/>
-              </a:rPr>
-              <a:t>Less interference</a:t>
-            </a:r>
-            <a:endParaRPr lang="en-US" sz="1200" dirty="0" smtClean="0">
-              <a:solidFill>
-                <a:schemeClr val="tx1"/>
-              </a:solidFill>
-              <a:latin typeface="Helvetica Neue" panose="02000503000000020004" pitchFamily="50"/>
-            </a:endParaRPr>
-          </a:p>
-        </p:txBody>
-      </p:sp>
-      <p:cxnSp>
-        <p:nvCxnSpPr>
-          <p:cNvPr id="60" name="Connecteur droit avec flèche 59"/>
-          <p:cNvCxnSpPr/>
-          <p:nvPr/>
-        </p:nvCxnSpPr>
-        <p:spPr>
-          <a:xfrm>
-            <a:off x="8025257" y="3857553"/>
-            <a:ext cx="0" cy="360000"/>
-          </a:xfrm>
-          <a:prstGeom prst="straightConnector1">
-            <a:avLst/>
-          </a:prstGeom>
-          <a:ln w="28575">
-            <a:headEnd type="triangle"/>
-            <a:tailEnd type="triangle"/>
-          </a:ln>
-        </p:spPr>
-        <p:style>
-          <a:lnRef idx="1">
-            <a:schemeClr val="dk1"/>
-          </a:lnRef>
-          <a:fillRef idx="0">
-            <a:schemeClr val="dk1"/>
-          </a:fillRef>
-          <a:effectRef idx="0">
-            <a:schemeClr val="dk1"/>
-          </a:effectRef>
-          <a:fontRef idx="minor">
-            <a:schemeClr val="tx1"/>
-          </a:fontRef>
-        </p:style>
-      </p:cxnSp>
-    </p:spTree>
-    <p:extLst>
-      <p:ext uri="{BB962C8B-B14F-4D97-AF65-F5344CB8AC3E}">
-        <p14:creationId xmlns:p14="http://schemas.microsoft.com/office/powerpoint/2010/main" val="2291372226"/>
-      </p:ext>
-    </p:extLst>
-  </p:cSld>
-  <p:clrMapOvr>
-    <a:masterClrMapping/>
-  </p:clrMapOvr>
-</p:sld>
-</file>
-
-<file path=ppt/slides/slide6.xml><?xml version="1.0" encoding="utf-8"?>
 <p:sld xmlns:a="http://schemas.openxmlformats.org/drawingml/2006/main" xmlns:r="http://schemas.openxmlformats.org/officeDocument/2006/relationships" xmlns:p="http://schemas.openxmlformats.org/presentationml/2006/main">
   <p:cSld>
     <p:spTree>

--- a/Fig/Discussion/schema_dream_recall.pptx
+++ b/Fig/Discussion/schema_dream_recall.pptx
@@ -6,10 +6,11 @@
   </p:sldMasterIdLst>
   <p:sldIdLst>
     <p:sldId id="261" r:id="rId2"/>
-    <p:sldId id="263" r:id="rId3"/>
-    <p:sldId id="262" r:id="rId4"/>
-    <p:sldId id="256" r:id="rId5"/>
-    <p:sldId id="258" r:id="rId6"/>
+    <p:sldId id="264" r:id="rId3"/>
+    <p:sldId id="263" r:id="rId4"/>
+    <p:sldId id="262" r:id="rId5"/>
+    <p:sldId id="256" r:id="rId6"/>
+    <p:sldId id="258" r:id="rId7"/>
   </p:sldIdLst>
   <p:sldSz cx="14400213" cy="6858000"/>
   <p:notesSz cx="6858000" cy="9144000"/>
@@ -116,12 +117,12 @@
             <a:srgbClr val="A4A3A4"/>
           </p15:clr>
         </p15:guide>
-        <p15:guide id="2" pos="2517" userDrawn="1">
+        <p15:guide id="2" pos="2540" userDrawn="1">
           <p15:clr>
             <a:srgbClr val="A4A3A4"/>
           </p15:clr>
         </p15:guide>
-        <p15:guide id="3" orient="horz" pos="2387" userDrawn="1">
+        <p15:guide id="3" orient="horz" pos="3203" userDrawn="1">
           <p15:clr>
             <a:srgbClr val="A4A3A4"/>
           </p15:clr>
@@ -3017,12 +3018,12 @@
           <a:prstGeom prst="rect">
             <a:avLst/>
           </a:prstGeom>
-          <a:noFill/>
+          <a:solidFill>
+            <a:srgbClr val="222A29"/>
+          </a:solidFill>
           <a:ln w="12700">
             <a:solidFill>
-              <a:schemeClr val="tx2">
-                <a:lumMod val="75000"/>
-              </a:schemeClr>
+              <a:schemeClr val="tx1"/>
             </a:solidFill>
           </a:ln>
         </p:spPr>
@@ -3059,24 +3060,15 @@
             <a:r>
               <a:rPr lang="en-US" sz="1150" dirty="0" smtClean="0">
                 <a:solidFill>
-                  <a:schemeClr val="tx1"/>
+                  <a:schemeClr val="bg1"/>
                 </a:solidFill>
                 <a:latin typeface="Helvetica Neue" panose="02000503000000020004" pitchFamily="50"/>
               </a:rPr>
-              <a:t>INTRA-SLEEP </a:t>
-            </a:r>
-            <a:r>
-              <a:rPr lang="en-US" sz="1150" b="1" dirty="0" smtClean="0">
-                <a:solidFill>
-                  <a:schemeClr val="tx1"/>
-                </a:solidFill>
-                <a:latin typeface="Helvetica Neue" panose="02000503000000020004" pitchFamily="50"/>
-              </a:rPr>
-              <a:t>AWAKENINGS</a:t>
-            </a:r>
-            <a:endParaRPr lang="en-US" sz="1150" b="1" baseline="30000" dirty="0">
+              <a:t>INTRA-SLEEP AWAKENINGS</a:t>
+            </a:r>
+            <a:endParaRPr lang="en-US" sz="1150" baseline="30000" dirty="0">
               <a:solidFill>
-                <a:schemeClr val="tx1"/>
+                <a:schemeClr val="bg1"/>
               </a:solidFill>
               <a:latin typeface="Helvetica Neue" panose="02000503000000020004" pitchFamily="50"/>
             </a:endParaRPr>
@@ -3097,11 +3089,13 @@
           <a:prstGeom prst="rect">
             <a:avLst/>
           </a:prstGeom>
-          <a:noFill/>
-          <a:ln w="12700">
+          <a:solidFill>
+            <a:srgbClr val="E8ECEB"/>
+          </a:solidFill>
+          <a:ln w="19050">
             <a:solidFill>
-              <a:schemeClr val="tx2">
-                <a:lumMod val="75000"/>
+              <a:schemeClr val="bg2">
+                <a:lumMod val="25000"/>
               </a:schemeClr>
             </a:solidFill>
           </a:ln>
@@ -3137,24 +3131,33 @@
               </a:lnSpc>
             </a:pPr>
             <a:r>
-              <a:rPr lang="en-US" sz="1100" b="1" dirty="0" smtClean="0">
+              <a:rPr lang="en-US" sz="1150" dirty="0" smtClean="0">
                 <a:solidFill>
                   <a:schemeClr val="tx1"/>
                 </a:solidFill>
                 <a:latin typeface="Helvetica Neue" panose="02000503000000020004" pitchFamily="50"/>
               </a:rPr>
-              <a:t>ENCODING</a:t>
-            </a:r>
-            <a:r>
-              <a:rPr lang="en-US" sz="1100" dirty="0" smtClean="0">
+              <a:t>ENCODING OF DREAM </a:t>
+            </a:r>
+            <a:r>
+              <a:rPr lang="en-US" sz="1150" dirty="0" smtClean="0">
                 <a:solidFill>
                   <a:schemeClr val="tx1"/>
                 </a:solidFill>
                 <a:latin typeface="Helvetica Neue" panose="02000503000000020004" pitchFamily="50"/>
               </a:rPr>
-              <a:t> OF DREAM IN LONG TERM MEMORY</a:t>
-            </a:r>
-            <a:endParaRPr lang="en-US" sz="1100" baseline="30000" dirty="0">
+              <a:t>CONTENT INTO </a:t>
+            </a:r>
+            <a:r>
+              <a:rPr lang="en-US" sz="1150" dirty="0" smtClean="0">
+                <a:solidFill>
+                  <a:schemeClr val="tx1"/>
+                </a:solidFill>
+                <a:latin typeface="Helvetica Neue" panose="02000503000000020004" pitchFamily="50"/>
+              </a:rPr>
+              <a:t>MEMORY</a:t>
+            </a:r>
+            <a:endParaRPr lang="en-US" sz="1150" baseline="30000" dirty="0">
               <a:solidFill>
                 <a:schemeClr val="tx1"/>
               </a:solidFill>
@@ -3172,7 +3175,7 @@
         <p:spPr>
           <a:xfrm>
             <a:off x="6266152" y="3908758"/>
-            <a:ext cx="763202" cy="461665"/>
+            <a:ext cx="763202" cy="477054"/>
           </a:xfrm>
           <a:prstGeom prst="rect">
             <a:avLst/>
@@ -3187,27 +3190,24 @@
           <a:p>
             <a:pPr algn="ctr"/>
             <a:r>
-              <a:rPr lang="en-US" sz="1200" dirty="0" smtClean="0">
+              <a:rPr lang="en-US" sz="1250" dirty="0" smtClean="0">
                 <a:latin typeface="Helvetica Neue" panose="02000503000000020004" pitchFamily="50"/>
               </a:rPr>
               <a:t>Sleep </a:t>
             </a:r>
-            <a:endParaRPr lang="en-US" sz="1200" dirty="0" smtClean="0">
+          </a:p>
+          <a:p>
+            <a:pPr algn="ctr"/>
+            <a:r>
+              <a:rPr lang="en-US" sz="1250" dirty="0" smtClean="0">
+                <a:latin typeface="Helvetica Neue" panose="02000503000000020004" pitchFamily="50"/>
+              </a:rPr>
+              <a:t>inertia</a:t>
+            </a:r>
+            <a:endParaRPr lang="en-US" sz="1250" baseline="30000" dirty="0">
               <a:latin typeface="Helvetica Neue" panose="02000503000000020004" pitchFamily="50"/>
             </a:endParaRPr>
           </a:p>
-          <a:p>
-            <a:pPr algn="ctr"/>
-            <a:r>
-              <a:rPr lang="en-US" sz="1200" dirty="0" smtClean="0">
-                <a:latin typeface="Helvetica Neue" panose="02000503000000020004" pitchFamily="50"/>
-              </a:rPr>
-              <a:t>inertia</a:t>
-            </a:r>
-            <a:endParaRPr lang="en-US" sz="1200" baseline="30000" dirty="0">
-              <a:latin typeface="Helvetica Neue" panose="02000503000000020004" pitchFamily="50"/>
-            </a:endParaRPr>
-          </a:p>
         </p:txBody>
       </p:sp>
       <p:sp>
@@ -3219,7 +3219,7 @@
         <p:spPr>
           <a:xfrm>
             <a:off x="6290523" y="4666701"/>
-            <a:ext cx="1735696" cy="276999"/>
+            <a:ext cx="1735696" cy="284693"/>
           </a:xfrm>
           <a:prstGeom prst="rect">
             <a:avLst/>
@@ -3234,12 +3234,12 @@
           <a:p>
             <a:pPr algn="ctr"/>
             <a:r>
-              <a:rPr lang="en-US" sz="1200" dirty="0" smtClean="0">
+              <a:rPr lang="en-US" sz="1250" dirty="0" smtClean="0">
                 <a:latin typeface="Helvetica Neue" panose="02000503000000020004" pitchFamily="50"/>
               </a:rPr>
               <a:t>Physiological context</a:t>
             </a:r>
-            <a:endParaRPr lang="en-US" sz="1200" baseline="30000" dirty="0">
+            <a:endParaRPr lang="en-US" sz="1250" baseline="30000" dirty="0">
               <a:latin typeface="Helvetica Neue" panose="02000503000000020004" pitchFamily="50"/>
             </a:endParaRPr>
           </a:p>
@@ -3337,12 +3337,12 @@
           <a:prstGeom prst="rect">
             <a:avLst/>
           </a:prstGeom>
-          <a:noFill/>
+          <a:solidFill>
+            <a:srgbClr val="222A29"/>
+          </a:solidFill>
           <a:ln w="12700">
             <a:solidFill>
-              <a:schemeClr val="tx2">
-                <a:lumMod val="75000"/>
-              </a:schemeClr>
+              <a:schemeClr val="tx1"/>
             </a:solidFill>
           </a:ln>
         </p:spPr>
@@ -3377,44 +3377,35 @@
               </a:lnSpc>
             </a:pPr>
             <a:r>
-              <a:rPr lang="en-US" sz="1150" b="1" dirty="0" smtClean="0">
+              <a:rPr lang="en-US" sz="1150" dirty="0" smtClean="0">
                 <a:solidFill>
-                  <a:schemeClr val="tx1"/>
+                  <a:schemeClr val="bg1"/>
                 </a:solidFill>
                 <a:latin typeface="Helvetica Neue" panose="02000503000000020004" pitchFamily="50"/>
               </a:rPr>
               <a:t>SALIENCE </a:t>
             </a:r>
             <a:r>
-              <a:rPr lang="en-US" sz="1150" b="1" dirty="0">
+              <a:rPr lang="en-US" sz="1150" dirty="0">
                 <a:solidFill>
-                  <a:schemeClr val="tx1"/>
+                  <a:schemeClr val="bg1"/>
                 </a:solidFill>
                 <a:latin typeface="Helvetica Neue" panose="02000503000000020004" pitchFamily="50"/>
               </a:rPr>
               <a:t> </a:t>
             </a:r>
             <a:r>
-              <a:rPr lang="en-US" sz="1150" b="1" dirty="0" smtClean="0">
+              <a:rPr lang="en-US" sz="1150" dirty="0" smtClean="0">
                 <a:solidFill>
-                  <a:schemeClr val="tx1"/>
+                  <a:schemeClr val="bg1"/>
                 </a:solidFill>
                 <a:latin typeface="Helvetica Neue" panose="02000503000000020004" pitchFamily="50"/>
               </a:rPr>
-              <a:t>        </a:t>
-            </a:r>
-            <a:r>
-              <a:rPr lang="en-US" sz="1150" dirty="0" smtClean="0">
-                <a:solidFill>
-                  <a:schemeClr val="tx1"/>
-                </a:solidFill>
-                <a:latin typeface="Helvetica Neue" panose="02000503000000020004" pitchFamily="50"/>
-              </a:rPr>
-              <a:t>OF DREAM CONTENT</a:t>
+              <a:t>        OF DREAM CONTENT</a:t>
             </a:r>
             <a:endParaRPr lang="en-US" sz="1150" baseline="30000" dirty="0">
               <a:solidFill>
-                <a:schemeClr val="tx1"/>
+                <a:schemeClr val="bg1"/>
               </a:solidFill>
               <a:latin typeface="Helvetica Neue" panose="02000503000000020004" pitchFamily="50"/>
             </a:endParaRPr>
@@ -3469,7 +3460,7 @@
         <p:spPr>
           <a:xfrm>
             <a:off x="6404697" y="2118416"/>
-            <a:ext cx="1502979" cy="276999"/>
+            <a:ext cx="1502979" cy="284693"/>
           </a:xfrm>
           <a:prstGeom prst="rect">
             <a:avLst/>
@@ -3484,12 +3475,12 @@
           <a:p>
             <a:pPr algn="ctr"/>
             <a:r>
-              <a:rPr lang="en-US" sz="1200" dirty="0" smtClean="0">
+              <a:rPr lang="en-US" sz="1250" dirty="0" smtClean="0">
                 <a:latin typeface="Helvetica Neue" panose="02000503000000020004" pitchFamily="50"/>
               </a:rPr>
               <a:t>Interference</a:t>
             </a:r>
-            <a:endParaRPr lang="en-US" sz="1200" dirty="0">
+            <a:endParaRPr lang="en-US" sz="1250" dirty="0">
               <a:latin typeface="Helvetica Neue" panose="02000503000000020004" pitchFamily="50"/>
             </a:endParaRPr>
           </a:p>
@@ -3662,6 +3653,1779 @@
         <p:spPr>
           <a:xfrm>
             <a:off x="6404697" y="1553739"/>
+            <a:ext cx="1502979" cy="284693"/>
+          </a:xfrm>
+          <a:prstGeom prst="rect">
+            <a:avLst/>
+          </a:prstGeom>
+          <a:noFill/>
+        </p:spPr>
+        <p:txBody>
+          <a:bodyPr wrap="square" rtlCol="0">
+            <a:spAutoFit/>
+          </a:bodyPr>
+          <a:lstStyle/>
+          <a:p>
+            <a:pPr algn="ctr"/>
+            <a:r>
+              <a:rPr lang="en-US" sz="1250" dirty="0" smtClean="0">
+                <a:latin typeface="Helvetica Neue" panose="02000503000000020004" pitchFamily="50"/>
+              </a:rPr>
+              <a:t>Interest in dreams</a:t>
+            </a:r>
+            <a:endParaRPr lang="en-US" sz="1250" baseline="30000" dirty="0">
+              <a:latin typeface="Helvetica Neue" panose="02000503000000020004" pitchFamily="50"/>
+            </a:endParaRPr>
+          </a:p>
+        </p:txBody>
+      </p:sp>
+      <p:cxnSp>
+        <p:nvCxnSpPr>
+          <p:cNvPr id="64" name="Connecteur droit avec flèche 63"/>
+          <p:cNvCxnSpPr/>
+          <p:nvPr/>
+        </p:nvCxnSpPr>
+        <p:spPr>
+          <a:xfrm>
+            <a:off x="3994260" y="2511861"/>
+            <a:ext cx="360000" cy="0"/>
+          </a:xfrm>
+          <a:prstGeom prst="straightConnector1">
+            <a:avLst/>
+          </a:prstGeom>
+          <a:ln w="28575">
+            <a:solidFill>
+              <a:schemeClr val="tx1">
+                <a:lumMod val="85000"/>
+                <a:lumOff val="15000"/>
+              </a:schemeClr>
+            </a:solidFill>
+            <a:tailEnd type="triangle"/>
+          </a:ln>
+        </p:spPr>
+        <p:style>
+          <a:lnRef idx="1">
+            <a:schemeClr val="dk1"/>
+          </a:lnRef>
+          <a:fillRef idx="0">
+            <a:schemeClr val="dk1"/>
+          </a:fillRef>
+          <a:effectRef idx="0">
+            <a:schemeClr val="dk1"/>
+          </a:effectRef>
+          <a:fontRef idx="minor">
+            <a:schemeClr val="tx1"/>
+          </a:fontRef>
+        </p:style>
+      </p:cxnSp>
+      <p:grpSp>
+        <p:nvGrpSpPr>
+          <p:cNvPr id="3" name="Groupe 2"/>
+          <p:cNvGrpSpPr/>
+          <p:nvPr/>
+        </p:nvGrpSpPr>
+        <p:grpSpPr>
+          <a:xfrm>
+            <a:off x="2600927" y="2070294"/>
+            <a:ext cx="1296000" cy="2160000"/>
+            <a:chOff x="2379431" y="2071934"/>
+            <a:chExt cx="1296000" cy="2142181"/>
+          </a:xfrm>
+          <a:noFill/>
+        </p:grpSpPr>
+        <p:grpSp>
+          <p:nvGrpSpPr>
+            <p:cNvPr id="2" name="Groupe 1"/>
+            <p:cNvGrpSpPr/>
+            <p:nvPr/>
+          </p:nvGrpSpPr>
+          <p:grpSpPr>
+            <a:xfrm>
+              <a:off x="2379431" y="2071934"/>
+              <a:ext cx="1296000" cy="2142181"/>
+              <a:chOff x="2256769" y="2709936"/>
+              <a:chExt cx="1502981" cy="2142181"/>
+            </a:xfrm>
+            <a:grpFill/>
+          </p:grpSpPr>
+          <p:sp>
+            <p:nvSpPr>
+              <p:cNvPr id="63" name="Rectangle 62"/>
+              <p:cNvSpPr/>
+              <p:nvPr/>
+            </p:nvSpPr>
+            <p:spPr>
+              <a:xfrm>
+                <a:off x="2256770" y="2709936"/>
+                <a:ext cx="1502980" cy="872358"/>
+              </a:xfrm>
+              <a:prstGeom prst="rect">
+                <a:avLst/>
+              </a:prstGeom>
+              <a:grpFill/>
+              <a:ln w="12700">
+                <a:solidFill>
+                  <a:srgbClr val="D3DBD9"/>
+                </a:solidFill>
+              </a:ln>
+            </p:spPr>
+            <p:style>
+              <a:lnRef idx="2">
+                <a:schemeClr val="accent1">
+                  <a:shade val="50000"/>
+                </a:schemeClr>
+              </a:lnRef>
+              <a:fillRef idx="1">
+                <a:schemeClr val="accent1"/>
+              </a:fillRef>
+              <a:effectRef idx="0">
+                <a:schemeClr val="accent1"/>
+              </a:effectRef>
+              <a:fontRef idx="minor">
+                <a:schemeClr val="lt1"/>
+              </a:fontRef>
+            </p:style>
+            <p:txBody>
+              <a:bodyPr rot="0" spcFirstLastPara="0" vertOverflow="overflow" horzOverflow="overflow" vert="horz" wrap="square" lIns="91440" tIns="45720" rIns="91440" bIns="45720" numCol="1" spcCol="0" rtlCol="0" fromWordArt="0" anchor="ctr" anchorCtr="0" forceAA="0" compatLnSpc="1">
+                <a:prstTxWarp prst="textNoShape">
+                  <a:avLst/>
+                </a:prstTxWarp>
+                <a:noAutofit/>
+              </a:bodyPr>
+              <a:lstStyle/>
+              <a:p>
+                <a:pPr algn="ctr">
+                  <a:lnSpc>
+                    <a:spcPct val="150000"/>
+                  </a:lnSpc>
+                </a:pPr>
+                <a:r>
+                  <a:rPr lang="en-US" sz="1150" dirty="0" smtClean="0">
+                    <a:solidFill>
+                      <a:schemeClr val="tx1"/>
+                    </a:solidFill>
+                    <a:latin typeface="Helvetica Neue" panose="02000503000000020004" pitchFamily="50"/>
+                  </a:rPr>
+                  <a:t>PERSONALITY, LIFE-STYLE, CREATIVITY</a:t>
+                </a:r>
+                <a:endParaRPr lang="en-US" sz="1150" baseline="30000" dirty="0">
+                  <a:solidFill>
+                    <a:schemeClr val="tx1"/>
+                  </a:solidFill>
+                  <a:latin typeface="Helvetica Neue" panose="02000503000000020004" pitchFamily="50"/>
+                </a:endParaRPr>
+              </a:p>
+            </p:txBody>
+          </p:sp>
+          <p:sp>
+            <p:nvSpPr>
+              <p:cNvPr id="25" name="Rectangle 24"/>
+              <p:cNvSpPr/>
+              <p:nvPr/>
+            </p:nvSpPr>
+            <p:spPr>
+              <a:xfrm>
+                <a:off x="2256769" y="3979759"/>
+                <a:ext cx="1502980" cy="872358"/>
+              </a:xfrm>
+              <a:prstGeom prst="rect">
+                <a:avLst/>
+              </a:prstGeom>
+              <a:grpFill/>
+              <a:ln w="12700">
+                <a:solidFill>
+                  <a:srgbClr val="D3DBD9"/>
+                </a:solidFill>
+              </a:ln>
+            </p:spPr>
+            <p:style>
+              <a:lnRef idx="2">
+                <a:schemeClr val="accent1">
+                  <a:shade val="50000"/>
+                </a:schemeClr>
+              </a:lnRef>
+              <a:fillRef idx="1">
+                <a:schemeClr val="accent1"/>
+              </a:fillRef>
+              <a:effectRef idx="0">
+                <a:schemeClr val="accent1"/>
+              </a:effectRef>
+              <a:fontRef idx="minor">
+                <a:schemeClr val="lt1"/>
+              </a:fontRef>
+            </p:style>
+            <p:txBody>
+              <a:bodyPr rot="0" spcFirstLastPara="0" vertOverflow="overflow" horzOverflow="overflow" vert="horz" wrap="square" lIns="91440" tIns="45720" rIns="91440" bIns="45720" numCol="1" spcCol="0" rtlCol="0" fromWordArt="0" anchor="ctr" anchorCtr="0" forceAA="0" compatLnSpc="1">
+                <a:prstTxWarp prst="textNoShape">
+                  <a:avLst/>
+                </a:prstTxWarp>
+                <a:noAutofit/>
+              </a:bodyPr>
+              <a:lstStyle/>
+              <a:p>
+                <a:pPr algn="ctr">
+                  <a:lnSpc>
+                    <a:spcPct val="150000"/>
+                  </a:lnSpc>
+                </a:pPr>
+                <a:r>
+                  <a:rPr lang="en-US" sz="1150" dirty="0" smtClean="0">
+                    <a:solidFill>
+                      <a:schemeClr val="tx1"/>
+                    </a:solidFill>
+                    <a:latin typeface="Helvetica Neue" panose="02000503000000020004" pitchFamily="50"/>
+                  </a:rPr>
+                  <a:t>DEFAULT NETWORK FUNCTIONING</a:t>
+                </a:r>
+                <a:endParaRPr lang="en-US" sz="1150" baseline="30000" dirty="0">
+                  <a:solidFill>
+                    <a:schemeClr val="tx1"/>
+                  </a:solidFill>
+                  <a:latin typeface="Helvetica Neue" panose="02000503000000020004" pitchFamily="50"/>
+                </a:endParaRPr>
+              </a:p>
+            </p:txBody>
+          </p:sp>
+        </p:grpSp>
+        <p:cxnSp>
+          <p:nvCxnSpPr>
+            <p:cNvPr id="29" name="Connecteur droit avec flèche 28"/>
+            <p:cNvCxnSpPr/>
+            <p:nvPr/>
+          </p:nvCxnSpPr>
+          <p:spPr>
+            <a:xfrm flipV="1">
+              <a:off x="3027430" y="2979638"/>
+              <a:ext cx="0" cy="326773"/>
+            </a:xfrm>
+            <a:prstGeom prst="straightConnector1">
+              <a:avLst/>
+            </a:prstGeom>
+            <a:grpFill/>
+            <a:ln w="28575">
+              <a:solidFill>
+                <a:schemeClr val="bg2">
+                  <a:lumMod val="25000"/>
+                </a:schemeClr>
+              </a:solidFill>
+              <a:headEnd type="triangle" w="med" len="med"/>
+              <a:tailEnd type="triangle" w="med" len="med"/>
+            </a:ln>
+          </p:spPr>
+          <p:style>
+            <a:lnRef idx="3">
+              <a:schemeClr val="dk1"/>
+            </a:lnRef>
+            <a:fillRef idx="0">
+              <a:schemeClr val="dk1"/>
+            </a:fillRef>
+            <a:effectRef idx="2">
+              <a:schemeClr val="dk1"/>
+            </a:effectRef>
+            <a:fontRef idx="minor">
+              <a:schemeClr val="tx1"/>
+            </a:fontRef>
+          </p:style>
+        </p:cxnSp>
+      </p:grpSp>
+      <p:cxnSp>
+        <p:nvCxnSpPr>
+          <p:cNvPr id="16" name="Connecteur droit avec flèche 15"/>
+          <p:cNvCxnSpPr/>
+          <p:nvPr/>
+        </p:nvCxnSpPr>
+        <p:spPr>
+          <a:xfrm>
+            <a:off x="7982857" y="3151599"/>
+            <a:ext cx="324000" cy="0"/>
+          </a:xfrm>
+          <a:prstGeom prst="straightConnector1">
+            <a:avLst/>
+          </a:prstGeom>
+          <a:ln w="28575">
+            <a:solidFill>
+              <a:schemeClr val="tx1">
+                <a:lumMod val="85000"/>
+                <a:lumOff val="15000"/>
+              </a:schemeClr>
+            </a:solidFill>
+            <a:tailEnd type="triangle"/>
+          </a:ln>
+        </p:spPr>
+        <p:style>
+          <a:lnRef idx="1">
+            <a:schemeClr val="dk1"/>
+          </a:lnRef>
+          <a:fillRef idx="0">
+            <a:schemeClr val="dk1"/>
+          </a:fillRef>
+          <a:effectRef idx="0">
+            <a:schemeClr val="dk1"/>
+          </a:effectRef>
+          <a:fontRef idx="minor">
+            <a:schemeClr val="tx1"/>
+          </a:fontRef>
+        </p:style>
+      </p:cxnSp>
+      <p:cxnSp>
+        <p:nvCxnSpPr>
+          <p:cNvPr id="33" name="Connecteur droit avec flèche 32"/>
+          <p:cNvCxnSpPr/>
+          <p:nvPr/>
+        </p:nvCxnSpPr>
+        <p:spPr>
+          <a:xfrm>
+            <a:off x="5961483" y="2517641"/>
+            <a:ext cx="370622" cy="191569"/>
+          </a:xfrm>
+          <a:prstGeom prst="straightConnector1">
+            <a:avLst/>
+          </a:prstGeom>
+          <a:ln w="28575">
+            <a:solidFill>
+              <a:schemeClr val="tx1">
+                <a:lumMod val="85000"/>
+                <a:lumOff val="15000"/>
+              </a:schemeClr>
+            </a:solidFill>
+            <a:tailEnd type="triangle"/>
+          </a:ln>
+        </p:spPr>
+        <p:style>
+          <a:lnRef idx="1">
+            <a:schemeClr val="dk1"/>
+          </a:lnRef>
+          <a:fillRef idx="0">
+            <a:schemeClr val="dk1"/>
+          </a:fillRef>
+          <a:effectRef idx="0">
+            <a:schemeClr val="dk1"/>
+          </a:effectRef>
+          <a:fontRef idx="minor">
+            <a:schemeClr val="tx1"/>
+          </a:fontRef>
+        </p:style>
+      </p:cxnSp>
+      <p:sp>
+        <p:nvSpPr>
+          <p:cNvPr id="31" name="ZoneTexte 30"/>
+          <p:cNvSpPr txBox="1"/>
+          <p:nvPr/>
+        </p:nvSpPr>
+        <p:spPr>
+          <a:xfrm>
+            <a:off x="7342961" y="3908758"/>
+            <a:ext cx="763202" cy="477054"/>
+          </a:xfrm>
+          <a:prstGeom prst="rect">
+            <a:avLst/>
+          </a:prstGeom>
+          <a:noFill/>
+        </p:spPr>
+        <p:txBody>
+          <a:bodyPr wrap="square" rtlCol="0">
+            <a:spAutoFit/>
+          </a:bodyPr>
+          <a:lstStyle/>
+          <a:p>
+            <a:pPr algn="ctr"/>
+            <a:r>
+              <a:rPr lang="en-US" sz="1250" dirty="0" smtClean="0">
+                <a:latin typeface="Helvetica Neue" panose="02000503000000020004" pitchFamily="50"/>
+              </a:rPr>
+              <a:t>Stage shift</a:t>
+            </a:r>
+            <a:endParaRPr lang="en-US" sz="1250" baseline="30000" dirty="0">
+              <a:latin typeface="Helvetica Neue" panose="02000503000000020004" pitchFamily="50"/>
+            </a:endParaRPr>
+          </a:p>
+        </p:txBody>
+      </p:sp>
+      <p:cxnSp>
+        <p:nvCxnSpPr>
+          <p:cNvPr id="34" name="Connecteur droit avec flèche 33"/>
+          <p:cNvCxnSpPr/>
+          <p:nvPr/>
+        </p:nvCxnSpPr>
+        <p:spPr>
+          <a:xfrm flipV="1">
+            <a:off x="7724217" y="3667014"/>
+            <a:ext cx="0" cy="216000"/>
+          </a:xfrm>
+          <a:prstGeom prst="straightConnector1">
+            <a:avLst/>
+          </a:prstGeom>
+          <a:ln w="12700">
+            <a:solidFill>
+              <a:schemeClr val="tx1">
+                <a:lumMod val="85000"/>
+                <a:lumOff val="15000"/>
+              </a:schemeClr>
+            </a:solidFill>
+            <a:tailEnd type="triangle"/>
+          </a:ln>
+        </p:spPr>
+        <p:style>
+          <a:lnRef idx="3">
+            <a:schemeClr val="dk1"/>
+          </a:lnRef>
+          <a:fillRef idx="0">
+            <a:schemeClr val="dk1"/>
+          </a:fillRef>
+          <a:effectRef idx="2">
+            <a:schemeClr val="dk1"/>
+          </a:effectRef>
+          <a:fontRef idx="minor">
+            <a:schemeClr val="tx1"/>
+          </a:fontRef>
+        </p:style>
+      </p:cxnSp>
+      <p:cxnSp>
+        <p:nvCxnSpPr>
+          <p:cNvPr id="35" name="Connecteur droit avec flèche 34"/>
+          <p:cNvCxnSpPr/>
+          <p:nvPr/>
+        </p:nvCxnSpPr>
+        <p:spPr>
+          <a:xfrm rot="16200000" flipV="1">
+            <a:off x="7204503" y="3922984"/>
+            <a:ext cx="0" cy="432000"/>
+          </a:xfrm>
+          <a:prstGeom prst="straightConnector1">
+            <a:avLst/>
+          </a:prstGeom>
+          <a:ln w="12700">
+            <a:solidFill>
+              <a:schemeClr val="tx1">
+                <a:lumMod val="85000"/>
+                <a:lumOff val="15000"/>
+              </a:schemeClr>
+            </a:solidFill>
+            <a:headEnd type="triangle" w="med" len="med"/>
+            <a:tailEnd type="triangle" w="med" len="med"/>
+          </a:ln>
+        </p:spPr>
+        <p:style>
+          <a:lnRef idx="3">
+            <a:schemeClr val="dk1"/>
+          </a:lnRef>
+          <a:fillRef idx="0">
+            <a:schemeClr val="dk1"/>
+          </a:fillRef>
+          <a:effectRef idx="2">
+            <a:schemeClr val="dk1"/>
+          </a:effectRef>
+          <a:fontRef idx="minor">
+            <a:schemeClr val="tx1"/>
+          </a:fontRef>
+        </p:style>
+      </p:cxnSp>
+      <p:cxnSp>
+        <p:nvCxnSpPr>
+          <p:cNvPr id="36" name="Connecteur droit avec flèche 35"/>
+          <p:cNvCxnSpPr/>
+          <p:nvPr/>
+        </p:nvCxnSpPr>
+        <p:spPr>
+          <a:xfrm flipV="1">
+            <a:off x="7724217" y="4412898"/>
+            <a:ext cx="0" cy="216000"/>
+          </a:xfrm>
+          <a:prstGeom prst="straightConnector1">
+            <a:avLst/>
+          </a:prstGeom>
+          <a:ln w="12700">
+            <a:solidFill>
+              <a:schemeClr val="tx1">
+                <a:lumMod val="85000"/>
+                <a:lumOff val="15000"/>
+              </a:schemeClr>
+            </a:solidFill>
+            <a:tailEnd type="triangle"/>
+          </a:ln>
+        </p:spPr>
+        <p:style>
+          <a:lnRef idx="3">
+            <a:schemeClr val="dk1"/>
+          </a:lnRef>
+          <a:fillRef idx="0">
+            <a:schemeClr val="dk1"/>
+          </a:fillRef>
+          <a:effectRef idx="2">
+            <a:schemeClr val="dk1"/>
+          </a:effectRef>
+          <a:fontRef idx="minor">
+            <a:schemeClr val="tx1"/>
+          </a:fontRef>
+        </p:style>
+      </p:cxnSp>
+      <p:sp>
+        <p:nvSpPr>
+          <p:cNvPr id="37" name="Rectangle 36"/>
+          <p:cNvSpPr/>
+          <p:nvPr/>
+        </p:nvSpPr>
+        <p:spPr>
+          <a:xfrm>
+            <a:off x="1321421" y="2721638"/>
+            <a:ext cx="866945" cy="879614"/>
+          </a:xfrm>
+          <a:prstGeom prst="rect">
+            <a:avLst/>
+          </a:prstGeom>
+          <a:noFill/>
+          <a:ln w="12700">
+            <a:noFill/>
+          </a:ln>
+        </p:spPr>
+        <p:style>
+          <a:lnRef idx="2">
+            <a:schemeClr val="accent1">
+              <a:shade val="50000"/>
+            </a:schemeClr>
+          </a:lnRef>
+          <a:fillRef idx="1">
+            <a:schemeClr val="accent1"/>
+          </a:fillRef>
+          <a:effectRef idx="0">
+            <a:schemeClr val="accent1"/>
+          </a:effectRef>
+          <a:fontRef idx="minor">
+            <a:schemeClr val="lt1"/>
+          </a:fontRef>
+        </p:style>
+        <p:txBody>
+          <a:bodyPr rot="0" spcFirstLastPara="0" vertOverflow="overflow" horzOverflow="overflow" vert="horz" wrap="square" lIns="91440" tIns="45720" rIns="91440" bIns="45720" numCol="1" spcCol="0" rtlCol="0" fromWordArt="0" anchor="ctr" anchorCtr="0" forceAA="0" compatLnSpc="1">
+            <a:prstTxWarp prst="textNoShape">
+              <a:avLst/>
+            </a:prstTxWarp>
+            <a:noAutofit/>
+          </a:bodyPr>
+          <a:lstStyle/>
+          <a:p>
+            <a:pPr algn="ctr">
+              <a:lnSpc>
+                <a:spcPct val="150000"/>
+              </a:lnSpc>
+            </a:pPr>
+            <a:r>
+              <a:rPr lang="en-US" sz="1200" dirty="0" smtClean="0">
+                <a:solidFill>
+                  <a:schemeClr val="tx1"/>
+                </a:solidFill>
+                <a:latin typeface="Helvetica Neue" panose="02000503000000020004" pitchFamily="50"/>
+              </a:rPr>
+              <a:t>AGE, </a:t>
+            </a:r>
+          </a:p>
+          <a:p>
+            <a:pPr algn="ctr">
+              <a:lnSpc>
+                <a:spcPct val="150000"/>
+              </a:lnSpc>
+            </a:pPr>
+            <a:r>
+              <a:rPr lang="en-US" sz="1200" dirty="0" smtClean="0">
+                <a:solidFill>
+                  <a:schemeClr val="tx1"/>
+                </a:solidFill>
+                <a:latin typeface="Helvetica Neue" panose="02000503000000020004" pitchFamily="50"/>
+              </a:rPr>
+              <a:t>SEX</a:t>
+            </a:r>
+            <a:endParaRPr lang="en-US" sz="1200" baseline="30000" dirty="0">
+              <a:solidFill>
+                <a:schemeClr val="tx1"/>
+              </a:solidFill>
+              <a:latin typeface="Helvetica Neue" panose="02000503000000020004" pitchFamily="50"/>
+            </a:endParaRPr>
+          </a:p>
+        </p:txBody>
+      </p:sp>
+      <p:cxnSp>
+        <p:nvCxnSpPr>
+          <p:cNvPr id="38" name="Connecteur droit avec flèche 37"/>
+          <p:cNvCxnSpPr/>
+          <p:nvPr/>
+        </p:nvCxnSpPr>
+        <p:spPr>
+          <a:xfrm flipV="1">
+            <a:off x="2115548" y="2709210"/>
+            <a:ext cx="361078" cy="216000"/>
+          </a:xfrm>
+          <a:prstGeom prst="straightConnector1">
+            <a:avLst/>
+          </a:prstGeom>
+          <a:ln w="28575">
+            <a:solidFill>
+              <a:schemeClr val="tx1">
+                <a:lumMod val="85000"/>
+                <a:lumOff val="15000"/>
+              </a:schemeClr>
+            </a:solidFill>
+            <a:tailEnd type="triangle"/>
+          </a:ln>
+        </p:spPr>
+        <p:style>
+          <a:lnRef idx="1">
+            <a:schemeClr val="dk1"/>
+          </a:lnRef>
+          <a:fillRef idx="0">
+            <a:schemeClr val="dk1"/>
+          </a:fillRef>
+          <a:effectRef idx="0">
+            <a:schemeClr val="dk1"/>
+          </a:effectRef>
+          <a:fontRef idx="minor">
+            <a:schemeClr val="tx1"/>
+          </a:fontRef>
+        </p:style>
+      </p:cxnSp>
+      <p:cxnSp>
+        <p:nvCxnSpPr>
+          <p:cNvPr id="39" name="Connecteur droit avec flèche 38"/>
+          <p:cNvCxnSpPr/>
+          <p:nvPr/>
+        </p:nvCxnSpPr>
+        <p:spPr>
+          <a:xfrm>
+            <a:off x="2113372" y="3421864"/>
+            <a:ext cx="361078" cy="216000"/>
+          </a:xfrm>
+          <a:prstGeom prst="straightConnector1">
+            <a:avLst/>
+          </a:prstGeom>
+          <a:ln w="28575">
+            <a:solidFill>
+              <a:schemeClr val="tx1">
+                <a:lumMod val="85000"/>
+                <a:lumOff val="15000"/>
+              </a:schemeClr>
+            </a:solidFill>
+            <a:tailEnd type="triangle"/>
+          </a:ln>
+        </p:spPr>
+        <p:style>
+          <a:lnRef idx="1">
+            <a:schemeClr val="dk1"/>
+          </a:lnRef>
+          <a:fillRef idx="0">
+            <a:schemeClr val="dk1"/>
+          </a:fillRef>
+          <a:effectRef idx="0">
+            <a:schemeClr val="dk1"/>
+          </a:effectRef>
+          <a:fontRef idx="minor">
+            <a:schemeClr val="tx1"/>
+          </a:fontRef>
+        </p:style>
+      </p:cxnSp>
+      <p:cxnSp>
+        <p:nvCxnSpPr>
+          <p:cNvPr id="40" name="Connecteur droit avec flèche 39"/>
+          <p:cNvCxnSpPr/>
+          <p:nvPr/>
+        </p:nvCxnSpPr>
+        <p:spPr>
+          <a:xfrm>
+            <a:off x="3994260" y="3788683"/>
+            <a:ext cx="360000" cy="0"/>
+          </a:xfrm>
+          <a:prstGeom prst="straightConnector1">
+            <a:avLst/>
+          </a:prstGeom>
+          <a:ln w="28575">
+            <a:solidFill>
+              <a:schemeClr val="tx1">
+                <a:lumMod val="85000"/>
+                <a:lumOff val="15000"/>
+              </a:schemeClr>
+            </a:solidFill>
+            <a:tailEnd type="triangle"/>
+          </a:ln>
+        </p:spPr>
+        <p:style>
+          <a:lnRef idx="1">
+            <a:schemeClr val="dk1"/>
+          </a:lnRef>
+          <a:fillRef idx="0">
+            <a:schemeClr val="dk1"/>
+          </a:fillRef>
+          <a:effectRef idx="0">
+            <a:schemeClr val="dk1"/>
+          </a:effectRef>
+          <a:fontRef idx="minor">
+            <a:schemeClr val="tx1"/>
+          </a:fontRef>
+        </p:style>
+      </p:cxnSp>
+      <p:cxnSp>
+        <p:nvCxnSpPr>
+          <p:cNvPr id="41" name="Connecteur droit avec flèche 40"/>
+          <p:cNvCxnSpPr/>
+          <p:nvPr/>
+        </p:nvCxnSpPr>
+        <p:spPr>
+          <a:xfrm flipV="1">
+            <a:off x="5961483" y="3593445"/>
+            <a:ext cx="370622" cy="191569"/>
+          </a:xfrm>
+          <a:prstGeom prst="straightConnector1">
+            <a:avLst/>
+          </a:prstGeom>
+          <a:ln w="28575">
+            <a:solidFill>
+              <a:schemeClr val="tx1">
+                <a:lumMod val="85000"/>
+                <a:lumOff val="15000"/>
+              </a:schemeClr>
+            </a:solidFill>
+            <a:tailEnd type="triangle"/>
+          </a:ln>
+        </p:spPr>
+        <p:style>
+          <a:lnRef idx="1">
+            <a:schemeClr val="dk1"/>
+          </a:lnRef>
+          <a:fillRef idx="0">
+            <a:schemeClr val="dk1"/>
+          </a:fillRef>
+          <a:effectRef idx="0">
+            <a:schemeClr val="dk1"/>
+          </a:effectRef>
+          <a:fontRef idx="minor">
+            <a:schemeClr val="tx1"/>
+          </a:fontRef>
+        </p:style>
+      </p:cxnSp>
+      <p:cxnSp>
+        <p:nvCxnSpPr>
+          <p:cNvPr id="50" name="Connecteur droit avec flèche 49"/>
+          <p:cNvCxnSpPr/>
+          <p:nvPr/>
+        </p:nvCxnSpPr>
+        <p:spPr>
+          <a:xfrm flipV="1">
+            <a:off x="3999876" y="3018077"/>
+            <a:ext cx="356224" cy="304852"/>
+          </a:xfrm>
+          <a:prstGeom prst="straightConnector1">
+            <a:avLst/>
+          </a:prstGeom>
+          <a:ln w="12700">
+            <a:solidFill>
+              <a:schemeClr val="tx1">
+                <a:lumMod val="75000"/>
+                <a:lumOff val="25000"/>
+              </a:schemeClr>
+            </a:solidFill>
+            <a:tailEnd type="triangle"/>
+          </a:ln>
+        </p:spPr>
+        <p:style>
+          <a:lnRef idx="1">
+            <a:schemeClr val="dk1"/>
+          </a:lnRef>
+          <a:fillRef idx="0">
+            <a:schemeClr val="dk1"/>
+          </a:fillRef>
+          <a:effectRef idx="0">
+            <a:schemeClr val="dk1"/>
+          </a:effectRef>
+          <a:fontRef idx="minor">
+            <a:schemeClr val="tx1"/>
+          </a:fontRef>
+        </p:style>
+      </p:cxnSp>
+      <p:cxnSp>
+        <p:nvCxnSpPr>
+          <p:cNvPr id="52" name="Connecteur droit avec flèche 51"/>
+          <p:cNvCxnSpPr/>
+          <p:nvPr/>
+        </p:nvCxnSpPr>
+        <p:spPr>
+          <a:xfrm>
+            <a:off x="3986935" y="3016774"/>
+            <a:ext cx="356224" cy="304852"/>
+          </a:xfrm>
+          <a:prstGeom prst="straightConnector1">
+            <a:avLst/>
+          </a:prstGeom>
+          <a:ln w="12700">
+            <a:solidFill>
+              <a:schemeClr val="tx1">
+                <a:lumMod val="75000"/>
+                <a:lumOff val="25000"/>
+              </a:schemeClr>
+            </a:solidFill>
+            <a:tailEnd type="triangle"/>
+          </a:ln>
+        </p:spPr>
+        <p:style>
+          <a:lnRef idx="1">
+            <a:schemeClr val="dk1"/>
+          </a:lnRef>
+          <a:fillRef idx="0">
+            <a:schemeClr val="dk1"/>
+          </a:fillRef>
+          <a:effectRef idx="0">
+            <a:schemeClr val="dk1"/>
+          </a:effectRef>
+          <a:fontRef idx="minor">
+            <a:schemeClr val="tx1"/>
+          </a:fontRef>
+        </p:style>
+      </p:cxnSp>
+      <p:grpSp>
+        <p:nvGrpSpPr>
+          <p:cNvPr id="18" name="Groupe 17"/>
+          <p:cNvGrpSpPr/>
+          <p:nvPr/>
+        </p:nvGrpSpPr>
+        <p:grpSpPr>
+          <a:xfrm>
+            <a:off x="1589054" y="4724763"/>
+            <a:ext cx="2307872" cy="360000"/>
+            <a:chOff x="2286000" y="4735281"/>
+            <a:chExt cx="2307872" cy="360000"/>
+          </a:xfrm>
+        </p:grpSpPr>
+        <p:sp>
+          <p:nvSpPr>
+            <p:cNvPr id="46" name="Rectangle 45"/>
+            <p:cNvSpPr/>
+            <p:nvPr/>
+          </p:nvSpPr>
+          <p:spPr>
+            <a:xfrm>
+              <a:off x="2388023" y="4807710"/>
+              <a:ext cx="216000" cy="216000"/>
+            </a:xfrm>
+            <a:prstGeom prst="rect">
+              <a:avLst/>
+            </a:prstGeom>
+            <a:solidFill>
+              <a:srgbClr val="222A29"/>
+            </a:solidFill>
+            <a:ln w="12700">
+              <a:solidFill>
+                <a:schemeClr val="tx1">
+                  <a:lumMod val="95000"/>
+                  <a:lumOff val="5000"/>
+                </a:schemeClr>
+              </a:solidFill>
+            </a:ln>
+          </p:spPr>
+          <p:style>
+            <a:lnRef idx="2">
+              <a:schemeClr val="accent1">
+                <a:shade val="50000"/>
+              </a:schemeClr>
+            </a:lnRef>
+            <a:fillRef idx="1">
+              <a:schemeClr val="accent1"/>
+            </a:fillRef>
+            <a:effectRef idx="0">
+              <a:schemeClr val="accent1"/>
+            </a:effectRef>
+            <a:fontRef idx="minor">
+              <a:schemeClr val="lt1"/>
+            </a:fontRef>
+          </p:style>
+          <p:txBody>
+            <a:bodyPr rot="0" spcFirstLastPara="0" vertOverflow="overflow" horzOverflow="overflow" vert="horz" wrap="square" lIns="91440" tIns="45720" rIns="91440" bIns="45720" numCol="1" spcCol="0" rtlCol="0" fromWordArt="0" anchor="ctr" anchorCtr="0" forceAA="0" compatLnSpc="1">
+              <a:prstTxWarp prst="textNoShape">
+                <a:avLst/>
+              </a:prstTxWarp>
+              <a:noAutofit/>
+            </a:bodyPr>
+            <a:lstStyle/>
+            <a:p>
+              <a:pPr algn="ctr">
+                <a:lnSpc>
+                  <a:spcPct val="150000"/>
+                </a:lnSpc>
+              </a:pPr>
+              <a:endParaRPr lang="en-US" sz="1000" dirty="0">
+                <a:solidFill>
+                  <a:schemeClr val="tx1"/>
+                </a:solidFill>
+                <a:latin typeface="Helvetica Neue" panose="02000503000000020004" pitchFamily="50"/>
+              </a:endParaRPr>
+            </a:p>
+          </p:txBody>
+        </p:sp>
+        <p:sp>
+          <p:nvSpPr>
+            <p:cNvPr id="47" name="ZoneTexte 46"/>
+            <p:cNvSpPr txBox="1"/>
+            <p:nvPr/>
+          </p:nvSpPr>
+          <p:spPr>
+            <a:xfrm>
+              <a:off x="2617899" y="4777210"/>
+              <a:ext cx="596638" cy="261610"/>
+            </a:xfrm>
+            <a:prstGeom prst="rect">
+              <a:avLst/>
+            </a:prstGeom>
+            <a:noFill/>
+          </p:spPr>
+          <p:txBody>
+            <a:bodyPr wrap="none" rtlCol="0">
+              <a:spAutoFit/>
+            </a:bodyPr>
+            <a:lstStyle/>
+            <a:p>
+              <a:r>
+                <a:rPr lang="en-US" sz="1100" dirty="0" smtClean="0">
+                  <a:latin typeface="Roboto Medium" panose="02000000000000000000" pitchFamily="2" charset="0"/>
+                  <a:ea typeface="Roboto Medium" panose="02000000000000000000" pitchFamily="2" charset="0"/>
+                </a:rPr>
+                <a:t>SLEEP</a:t>
+              </a:r>
+              <a:endParaRPr lang="en-US" sz="1100" dirty="0">
+                <a:latin typeface="Roboto Medium" panose="02000000000000000000" pitchFamily="2" charset="0"/>
+                <a:ea typeface="Roboto Medium" panose="02000000000000000000" pitchFamily="2" charset="0"/>
+              </a:endParaRPr>
+            </a:p>
+          </p:txBody>
+        </p:sp>
+        <p:sp>
+          <p:nvSpPr>
+            <p:cNvPr id="48" name="Rectangle 47"/>
+            <p:cNvSpPr/>
+            <p:nvPr/>
+          </p:nvSpPr>
+          <p:spPr>
+            <a:xfrm>
+              <a:off x="3289663" y="4807710"/>
+              <a:ext cx="216000" cy="216000"/>
+            </a:xfrm>
+            <a:prstGeom prst="rect">
+              <a:avLst/>
+            </a:prstGeom>
+            <a:solidFill>
+              <a:srgbClr val="E8ECEB"/>
+            </a:solidFill>
+            <a:ln w="19050">
+              <a:solidFill>
+                <a:schemeClr val="tx1">
+                  <a:lumMod val="85000"/>
+                  <a:lumOff val="15000"/>
+                </a:schemeClr>
+              </a:solidFill>
+            </a:ln>
+          </p:spPr>
+          <p:style>
+            <a:lnRef idx="2">
+              <a:schemeClr val="accent1">
+                <a:shade val="50000"/>
+              </a:schemeClr>
+            </a:lnRef>
+            <a:fillRef idx="1">
+              <a:schemeClr val="accent1"/>
+            </a:fillRef>
+            <a:effectRef idx="0">
+              <a:schemeClr val="accent1"/>
+            </a:effectRef>
+            <a:fontRef idx="minor">
+              <a:schemeClr val="lt1"/>
+            </a:fontRef>
+          </p:style>
+          <p:txBody>
+            <a:bodyPr rot="0" spcFirstLastPara="0" vertOverflow="overflow" horzOverflow="overflow" vert="horz" wrap="square" lIns="91440" tIns="45720" rIns="91440" bIns="45720" numCol="1" spcCol="0" rtlCol="0" fromWordArt="0" anchor="ctr" anchorCtr="0" forceAA="0" compatLnSpc="1">
+              <a:prstTxWarp prst="textNoShape">
+                <a:avLst/>
+              </a:prstTxWarp>
+              <a:noAutofit/>
+            </a:bodyPr>
+            <a:lstStyle/>
+            <a:p>
+              <a:pPr algn="ctr">
+                <a:lnSpc>
+                  <a:spcPct val="150000"/>
+                </a:lnSpc>
+              </a:pPr>
+              <a:endParaRPr lang="en-US" sz="1000" dirty="0">
+                <a:solidFill>
+                  <a:schemeClr val="tx1"/>
+                </a:solidFill>
+                <a:latin typeface="Helvetica Neue" panose="02000503000000020004" pitchFamily="50"/>
+              </a:endParaRPr>
+            </a:p>
+          </p:txBody>
+        </p:sp>
+        <p:sp>
+          <p:nvSpPr>
+            <p:cNvPr id="49" name="ZoneTexte 48"/>
+            <p:cNvSpPr txBox="1"/>
+            <p:nvPr/>
+          </p:nvSpPr>
+          <p:spPr>
+            <a:xfrm>
+              <a:off x="3519539" y="4777210"/>
+              <a:ext cx="1000595" cy="261610"/>
+            </a:xfrm>
+            <a:prstGeom prst="rect">
+              <a:avLst/>
+            </a:prstGeom>
+            <a:noFill/>
+          </p:spPr>
+          <p:txBody>
+            <a:bodyPr wrap="none" rtlCol="0">
+              <a:spAutoFit/>
+            </a:bodyPr>
+            <a:lstStyle/>
+            <a:p>
+              <a:r>
+                <a:rPr lang="en-US" sz="1100" dirty="0" smtClean="0">
+                  <a:latin typeface="Roboto Medium" panose="02000000000000000000" pitchFamily="2" charset="0"/>
+                  <a:ea typeface="Roboto Medium" panose="02000000000000000000" pitchFamily="2" charset="0"/>
+                </a:rPr>
+                <a:t>AWAKENING</a:t>
+              </a:r>
+              <a:endParaRPr lang="en-US" sz="1100" dirty="0">
+                <a:latin typeface="Roboto Medium" panose="02000000000000000000" pitchFamily="2" charset="0"/>
+                <a:ea typeface="Roboto Medium" panose="02000000000000000000" pitchFamily="2" charset="0"/>
+              </a:endParaRPr>
+            </a:p>
+          </p:txBody>
+        </p:sp>
+        <p:sp>
+          <p:nvSpPr>
+            <p:cNvPr id="17" name="Rectangle 16"/>
+            <p:cNvSpPr/>
+            <p:nvPr/>
+          </p:nvSpPr>
+          <p:spPr>
+            <a:xfrm>
+              <a:off x="2286000" y="4735281"/>
+              <a:ext cx="2307872" cy="360000"/>
+            </a:xfrm>
+            <a:prstGeom prst="rect">
+              <a:avLst/>
+            </a:prstGeom>
+            <a:noFill/>
+            <a:ln w="12700">
+              <a:solidFill>
+                <a:srgbClr val="343F3E"/>
+              </a:solidFill>
+              <a:prstDash val="sysDot"/>
+            </a:ln>
+          </p:spPr>
+          <p:style>
+            <a:lnRef idx="2">
+              <a:schemeClr val="accent1">
+                <a:shade val="50000"/>
+              </a:schemeClr>
+            </a:lnRef>
+            <a:fillRef idx="1">
+              <a:schemeClr val="accent1"/>
+            </a:fillRef>
+            <a:effectRef idx="0">
+              <a:schemeClr val="accent1"/>
+            </a:effectRef>
+            <a:fontRef idx="minor">
+              <a:schemeClr val="lt1"/>
+            </a:fontRef>
+          </p:style>
+          <p:txBody>
+            <a:bodyPr rtlCol="0" anchor="ctr"/>
+            <a:lstStyle/>
+            <a:p>
+              <a:pPr algn="ctr"/>
+              <a:endParaRPr lang="en-US"/>
+            </a:p>
+          </p:txBody>
+        </p:sp>
+      </p:grpSp>
+    </p:spTree>
+    <p:extLst>
+      <p:ext uri="{BB962C8B-B14F-4D97-AF65-F5344CB8AC3E}">
+        <p14:creationId xmlns:p14="http://schemas.microsoft.com/office/powerpoint/2010/main" val="232368218"/>
+      </p:ext>
+    </p:extLst>
+  </p:cSld>
+  <p:clrMapOvr>
+    <a:masterClrMapping/>
+  </p:clrMapOvr>
+</p:sld>
+</file>
+
+<file path=ppt/slides/slide2.xml><?xml version="1.0" encoding="utf-8"?>
+<p:sld xmlns:a="http://schemas.openxmlformats.org/drawingml/2006/main" xmlns:r="http://schemas.openxmlformats.org/officeDocument/2006/relationships" xmlns:p="http://schemas.openxmlformats.org/presentationml/2006/main">
+  <p:cSld>
+    <p:spTree>
+      <p:nvGrpSpPr>
+        <p:cNvPr id="1" name=""/>
+        <p:cNvGrpSpPr/>
+        <p:nvPr/>
+      </p:nvGrpSpPr>
+      <p:grpSpPr>
+        <a:xfrm>
+          <a:off x="0" y="0"/>
+          <a:ext cx="0" cy="0"/>
+          <a:chOff x="0" y="0"/>
+          <a:chExt cx="0" cy="0"/>
+        </a:xfrm>
+      </p:grpSpPr>
+      <p:sp>
+        <p:nvSpPr>
+          <p:cNvPr id="4" name="Rectangle 3"/>
+          <p:cNvSpPr/>
+          <p:nvPr/>
+        </p:nvSpPr>
+        <p:spPr>
+          <a:xfrm>
+            <a:off x="4436668" y="3353029"/>
+            <a:ext cx="1440000" cy="872358"/>
+          </a:xfrm>
+          <a:prstGeom prst="rect">
+            <a:avLst/>
+          </a:prstGeom>
+          <a:noFill/>
+          <a:ln w="12700">
+            <a:solidFill>
+              <a:schemeClr val="tx2">
+                <a:lumMod val="75000"/>
+              </a:schemeClr>
+            </a:solidFill>
+          </a:ln>
+        </p:spPr>
+        <p:style>
+          <a:lnRef idx="2">
+            <a:schemeClr val="accent1">
+              <a:shade val="50000"/>
+            </a:schemeClr>
+          </a:lnRef>
+          <a:fillRef idx="1">
+            <a:schemeClr val="accent1"/>
+          </a:fillRef>
+          <a:effectRef idx="0">
+            <a:schemeClr val="accent1"/>
+          </a:effectRef>
+          <a:fontRef idx="minor">
+            <a:schemeClr val="lt1"/>
+          </a:fontRef>
+        </p:style>
+        <p:txBody>
+          <a:bodyPr rot="0" spcFirstLastPara="0" vertOverflow="overflow" horzOverflow="overflow" vert="horz" wrap="square" lIns="91440" tIns="45720" rIns="91440" bIns="45720" numCol="1" spcCol="0" rtlCol="0" fromWordArt="0" anchor="ctr" anchorCtr="0" forceAA="0" compatLnSpc="1">
+            <a:prstTxWarp prst="textNoShape">
+              <a:avLst/>
+            </a:prstTxWarp>
+            <a:noAutofit/>
+          </a:bodyPr>
+          <a:lstStyle/>
+          <a:p>
+            <a:pPr algn="ctr">
+              <a:lnSpc>
+                <a:spcPct val="150000"/>
+              </a:lnSpc>
+            </a:pPr>
+            <a:r>
+              <a:rPr lang="en-US" sz="1150" dirty="0" smtClean="0">
+                <a:solidFill>
+                  <a:schemeClr val="tx1"/>
+                </a:solidFill>
+                <a:latin typeface="Helvetica Neue" panose="02000503000000020004" pitchFamily="50"/>
+              </a:rPr>
+              <a:t>INTRA-SLEEP </a:t>
+            </a:r>
+            <a:r>
+              <a:rPr lang="en-US" sz="1150" b="1" dirty="0" smtClean="0">
+                <a:solidFill>
+                  <a:schemeClr val="tx1"/>
+                </a:solidFill>
+                <a:latin typeface="Helvetica Neue" panose="02000503000000020004" pitchFamily="50"/>
+              </a:rPr>
+              <a:t>AWAKENINGS</a:t>
+            </a:r>
+            <a:endParaRPr lang="en-US" sz="1150" b="1" baseline="30000" dirty="0">
+              <a:solidFill>
+                <a:schemeClr val="tx1"/>
+              </a:solidFill>
+              <a:latin typeface="Helvetica Neue" panose="02000503000000020004" pitchFamily="50"/>
+            </a:endParaRPr>
+          </a:p>
+        </p:txBody>
+      </p:sp>
+      <p:sp>
+        <p:nvSpPr>
+          <p:cNvPr id="7" name="Rectangle 6"/>
+          <p:cNvSpPr/>
+          <p:nvPr/>
+        </p:nvSpPr>
+        <p:spPr>
+          <a:xfrm>
+            <a:off x="6404699" y="2721087"/>
+            <a:ext cx="1502980" cy="872358"/>
+          </a:xfrm>
+          <a:prstGeom prst="rect">
+            <a:avLst/>
+          </a:prstGeom>
+          <a:noFill/>
+          <a:ln w="12700">
+            <a:solidFill>
+              <a:schemeClr val="tx2">
+                <a:lumMod val="75000"/>
+              </a:schemeClr>
+            </a:solidFill>
+          </a:ln>
+        </p:spPr>
+        <p:style>
+          <a:lnRef idx="2">
+            <a:schemeClr val="accent1">
+              <a:shade val="50000"/>
+            </a:schemeClr>
+          </a:lnRef>
+          <a:fillRef idx="1">
+            <a:schemeClr val="accent1"/>
+          </a:fillRef>
+          <a:effectRef idx="0">
+            <a:schemeClr val="accent1"/>
+          </a:effectRef>
+          <a:fontRef idx="minor">
+            <a:schemeClr val="lt1"/>
+          </a:fontRef>
+        </p:style>
+        <p:txBody>
+          <a:bodyPr rot="0" spcFirstLastPara="0" vertOverflow="overflow" horzOverflow="overflow" vert="horz" wrap="square" lIns="91440" tIns="45720" rIns="91440" bIns="45720" numCol="1" spcCol="0" rtlCol="0" fromWordArt="0" anchor="ctr" anchorCtr="0" forceAA="0" compatLnSpc="1">
+            <a:prstTxWarp prst="textNoShape">
+              <a:avLst/>
+            </a:prstTxWarp>
+            <a:noAutofit/>
+          </a:bodyPr>
+          <a:lstStyle/>
+          <a:p>
+            <a:pPr algn="ctr">
+              <a:lnSpc>
+                <a:spcPct val="150000"/>
+              </a:lnSpc>
+            </a:pPr>
+            <a:r>
+              <a:rPr lang="en-US" sz="1100" b="1" dirty="0" smtClean="0">
+                <a:solidFill>
+                  <a:schemeClr val="tx1"/>
+                </a:solidFill>
+                <a:latin typeface="Helvetica Neue" panose="02000503000000020004" pitchFamily="50"/>
+              </a:rPr>
+              <a:t>ENCODING</a:t>
+            </a:r>
+            <a:r>
+              <a:rPr lang="en-US" sz="1100" dirty="0" smtClean="0">
+                <a:solidFill>
+                  <a:schemeClr val="tx1"/>
+                </a:solidFill>
+                <a:latin typeface="Helvetica Neue" panose="02000503000000020004" pitchFamily="50"/>
+              </a:rPr>
+              <a:t> OF DREAM IN LONG TERM MEMORY</a:t>
+            </a:r>
+            <a:endParaRPr lang="en-US" sz="1100" baseline="30000" dirty="0">
+              <a:solidFill>
+                <a:schemeClr val="tx1"/>
+              </a:solidFill>
+              <a:latin typeface="Helvetica Neue" panose="02000503000000020004" pitchFamily="50"/>
+            </a:endParaRPr>
+          </a:p>
+        </p:txBody>
+      </p:sp>
+      <p:sp>
+        <p:nvSpPr>
+          <p:cNvPr id="8" name="ZoneTexte 7"/>
+          <p:cNvSpPr txBox="1"/>
+          <p:nvPr/>
+        </p:nvSpPr>
+        <p:spPr>
+          <a:xfrm>
+            <a:off x="6266152" y="3908758"/>
+            <a:ext cx="763202" cy="461665"/>
+          </a:xfrm>
+          <a:prstGeom prst="rect">
+            <a:avLst/>
+          </a:prstGeom>
+          <a:noFill/>
+        </p:spPr>
+        <p:txBody>
+          <a:bodyPr wrap="square" rtlCol="0">
+            <a:spAutoFit/>
+          </a:bodyPr>
+          <a:lstStyle/>
+          <a:p>
+            <a:pPr algn="ctr"/>
+            <a:r>
+              <a:rPr lang="en-US" sz="1200" dirty="0" smtClean="0">
+                <a:latin typeface="Helvetica Neue" panose="02000503000000020004" pitchFamily="50"/>
+              </a:rPr>
+              <a:t>Sleep </a:t>
+            </a:r>
+          </a:p>
+          <a:p>
+            <a:pPr algn="ctr"/>
+            <a:r>
+              <a:rPr lang="en-US" sz="1200" dirty="0" smtClean="0">
+                <a:latin typeface="Helvetica Neue" panose="02000503000000020004" pitchFamily="50"/>
+              </a:rPr>
+              <a:t>inertia</a:t>
+            </a:r>
+            <a:endParaRPr lang="en-US" sz="1200" baseline="30000" dirty="0">
+              <a:latin typeface="Helvetica Neue" panose="02000503000000020004" pitchFamily="50"/>
+            </a:endParaRPr>
+          </a:p>
+        </p:txBody>
+      </p:sp>
+      <p:sp>
+        <p:nvSpPr>
+          <p:cNvPr id="9" name="ZoneTexte 8"/>
+          <p:cNvSpPr txBox="1"/>
+          <p:nvPr/>
+        </p:nvSpPr>
+        <p:spPr>
+          <a:xfrm>
+            <a:off x="6290523" y="4666701"/>
+            <a:ext cx="1735696" cy="276999"/>
+          </a:xfrm>
+          <a:prstGeom prst="rect">
+            <a:avLst/>
+          </a:prstGeom>
+          <a:noFill/>
+        </p:spPr>
+        <p:txBody>
+          <a:bodyPr wrap="square" rtlCol="0">
+            <a:spAutoFit/>
+          </a:bodyPr>
+          <a:lstStyle/>
+          <a:p>
+            <a:pPr algn="ctr"/>
+            <a:r>
+              <a:rPr lang="en-US" sz="1200" dirty="0" smtClean="0">
+                <a:latin typeface="Helvetica Neue" panose="02000503000000020004" pitchFamily="50"/>
+              </a:rPr>
+              <a:t>Physiological context</a:t>
+            </a:r>
+            <a:endParaRPr lang="en-US" sz="1200" baseline="30000" dirty="0">
+              <a:latin typeface="Helvetica Neue" panose="02000503000000020004" pitchFamily="50"/>
+            </a:endParaRPr>
+          </a:p>
+        </p:txBody>
+      </p:sp>
+      <p:cxnSp>
+        <p:nvCxnSpPr>
+          <p:cNvPr id="19" name="Connecteur droit avec flèche 18"/>
+          <p:cNvCxnSpPr/>
+          <p:nvPr/>
+        </p:nvCxnSpPr>
+        <p:spPr>
+          <a:xfrm flipV="1">
+            <a:off x="6640797" y="4412898"/>
+            <a:ext cx="0" cy="216000"/>
+          </a:xfrm>
+          <a:prstGeom prst="straightConnector1">
+            <a:avLst/>
+          </a:prstGeom>
+          <a:ln w="12700">
+            <a:solidFill>
+              <a:schemeClr val="tx1">
+                <a:lumMod val="85000"/>
+                <a:lumOff val="15000"/>
+              </a:schemeClr>
+            </a:solidFill>
+            <a:tailEnd type="triangle"/>
+          </a:ln>
+        </p:spPr>
+        <p:style>
+          <a:lnRef idx="3">
+            <a:schemeClr val="dk1"/>
+          </a:lnRef>
+          <a:fillRef idx="0">
+            <a:schemeClr val="dk1"/>
+          </a:fillRef>
+          <a:effectRef idx="2">
+            <a:schemeClr val="dk1"/>
+          </a:effectRef>
+          <a:fontRef idx="minor">
+            <a:schemeClr val="tx1"/>
+          </a:fontRef>
+        </p:style>
+      </p:cxnSp>
+      <p:cxnSp>
+        <p:nvCxnSpPr>
+          <p:cNvPr id="20" name="Connecteur droit avec flèche 19"/>
+          <p:cNvCxnSpPr/>
+          <p:nvPr/>
+        </p:nvCxnSpPr>
+        <p:spPr>
+          <a:xfrm flipV="1">
+            <a:off x="6647408" y="3667014"/>
+            <a:ext cx="0" cy="216000"/>
+          </a:xfrm>
+          <a:prstGeom prst="straightConnector1">
+            <a:avLst/>
+          </a:prstGeom>
+          <a:ln w="12700">
+            <a:solidFill>
+              <a:schemeClr val="tx1">
+                <a:lumMod val="85000"/>
+                <a:lumOff val="15000"/>
+              </a:schemeClr>
+            </a:solidFill>
+            <a:tailEnd type="triangle"/>
+          </a:ln>
+        </p:spPr>
+        <p:style>
+          <a:lnRef idx="3">
+            <a:schemeClr val="dk1"/>
+          </a:lnRef>
+          <a:fillRef idx="0">
+            <a:schemeClr val="dk1"/>
+          </a:fillRef>
+          <a:effectRef idx="2">
+            <a:schemeClr val="dk1"/>
+          </a:effectRef>
+          <a:fontRef idx="minor">
+            <a:schemeClr val="tx1"/>
+          </a:fontRef>
+        </p:style>
+      </p:cxnSp>
+      <p:sp>
+        <p:nvSpPr>
+          <p:cNvPr id="26" name="Rectangle 25"/>
+          <p:cNvSpPr/>
+          <p:nvPr/>
+        </p:nvSpPr>
+        <p:spPr>
+          <a:xfrm>
+            <a:off x="4436668" y="2083206"/>
+            <a:ext cx="1440000" cy="872358"/>
+          </a:xfrm>
+          <a:prstGeom prst="rect">
+            <a:avLst/>
+          </a:prstGeom>
+          <a:noFill/>
+          <a:ln w="12700">
+            <a:solidFill>
+              <a:schemeClr val="tx2">
+                <a:lumMod val="75000"/>
+              </a:schemeClr>
+            </a:solidFill>
+          </a:ln>
+        </p:spPr>
+        <p:style>
+          <a:lnRef idx="2">
+            <a:schemeClr val="accent1">
+              <a:shade val="50000"/>
+            </a:schemeClr>
+          </a:lnRef>
+          <a:fillRef idx="1">
+            <a:schemeClr val="accent1"/>
+          </a:fillRef>
+          <a:effectRef idx="0">
+            <a:schemeClr val="accent1"/>
+          </a:effectRef>
+          <a:fontRef idx="minor">
+            <a:schemeClr val="lt1"/>
+          </a:fontRef>
+        </p:style>
+        <p:txBody>
+          <a:bodyPr rot="0" spcFirstLastPara="0" vertOverflow="overflow" horzOverflow="overflow" vert="horz" wrap="square" lIns="91440" tIns="45720" rIns="91440" bIns="45720" numCol="1" spcCol="0" rtlCol="0" fromWordArt="0" anchor="ctr" anchorCtr="0" forceAA="0" compatLnSpc="1">
+            <a:prstTxWarp prst="textNoShape">
+              <a:avLst/>
+            </a:prstTxWarp>
+            <a:noAutofit/>
+          </a:bodyPr>
+          <a:lstStyle/>
+          <a:p>
+            <a:pPr algn="ctr">
+              <a:lnSpc>
+                <a:spcPct val="150000"/>
+              </a:lnSpc>
+            </a:pPr>
+            <a:r>
+              <a:rPr lang="en-US" sz="1150" b="1" dirty="0" smtClean="0">
+                <a:solidFill>
+                  <a:schemeClr val="tx1"/>
+                </a:solidFill>
+                <a:latin typeface="Helvetica Neue" panose="02000503000000020004" pitchFamily="50"/>
+              </a:rPr>
+              <a:t>SALIENCE </a:t>
+            </a:r>
+            <a:r>
+              <a:rPr lang="en-US" sz="1150" b="1" dirty="0">
+                <a:solidFill>
+                  <a:schemeClr val="tx1"/>
+                </a:solidFill>
+                <a:latin typeface="Helvetica Neue" panose="02000503000000020004" pitchFamily="50"/>
+              </a:rPr>
+              <a:t> </a:t>
+            </a:r>
+            <a:r>
+              <a:rPr lang="en-US" sz="1150" b="1" dirty="0" smtClean="0">
+                <a:solidFill>
+                  <a:schemeClr val="tx1"/>
+                </a:solidFill>
+                <a:latin typeface="Helvetica Neue" panose="02000503000000020004" pitchFamily="50"/>
+              </a:rPr>
+              <a:t>        </a:t>
+            </a:r>
+            <a:r>
+              <a:rPr lang="en-US" sz="1150" dirty="0" smtClean="0">
+                <a:solidFill>
+                  <a:schemeClr val="tx1"/>
+                </a:solidFill>
+                <a:latin typeface="Helvetica Neue" panose="02000503000000020004" pitchFamily="50"/>
+              </a:rPr>
+              <a:t>OF DREAM CONTENT</a:t>
+            </a:r>
+            <a:endParaRPr lang="en-US" sz="1150" baseline="30000" dirty="0">
+              <a:solidFill>
+                <a:schemeClr val="tx1"/>
+              </a:solidFill>
+              <a:latin typeface="Helvetica Neue" panose="02000503000000020004" pitchFamily="50"/>
+            </a:endParaRPr>
+          </a:p>
+        </p:txBody>
+      </p:sp>
+      <p:cxnSp>
+        <p:nvCxnSpPr>
+          <p:cNvPr id="42" name="Connecteur droit avec flèche 41"/>
+          <p:cNvCxnSpPr/>
+          <p:nvPr/>
+        </p:nvCxnSpPr>
+        <p:spPr>
+          <a:xfrm>
+            <a:off x="7157229" y="2409641"/>
+            <a:ext cx="0" cy="216000"/>
+          </a:xfrm>
+          <a:prstGeom prst="straightConnector1">
+            <a:avLst/>
+          </a:prstGeom>
+          <a:ln w="12700">
+            <a:solidFill>
+              <a:schemeClr val="tx1">
+                <a:lumMod val="85000"/>
+                <a:lumOff val="15000"/>
+              </a:schemeClr>
+            </a:solidFill>
+            <a:tailEnd type="triangle"/>
+          </a:ln>
+        </p:spPr>
+        <p:style>
+          <a:lnRef idx="3">
+            <a:schemeClr val="dk1"/>
+          </a:lnRef>
+          <a:fillRef idx="0">
+            <a:schemeClr val="dk1"/>
+          </a:fillRef>
+          <a:effectRef idx="2">
+            <a:schemeClr val="dk1"/>
+          </a:effectRef>
+          <a:fontRef idx="minor">
+            <a:schemeClr val="tx1"/>
+          </a:fontRef>
+        </p:style>
+      </p:cxnSp>
+      <p:sp>
+        <p:nvSpPr>
+          <p:cNvPr id="43" name="ZoneTexte 42"/>
+          <p:cNvSpPr txBox="1"/>
+          <p:nvPr/>
+        </p:nvSpPr>
+        <p:spPr>
+          <a:xfrm>
+            <a:off x="6404697" y="2118416"/>
+            <a:ext cx="1502979" cy="276999"/>
+          </a:xfrm>
+          <a:prstGeom prst="rect">
+            <a:avLst/>
+          </a:prstGeom>
+          <a:noFill/>
+        </p:spPr>
+        <p:txBody>
+          <a:bodyPr wrap="square" rtlCol="0">
+            <a:spAutoFit/>
+          </a:bodyPr>
+          <a:lstStyle/>
+          <a:p>
+            <a:pPr algn="ctr"/>
+            <a:r>
+              <a:rPr lang="en-US" sz="1200" dirty="0" smtClean="0">
+                <a:latin typeface="Helvetica Neue" panose="02000503000000020004" pitchFamily="50"/>
+              </a:rPr>
+              <a:t>Interference</a:t>
+            </a:r>
+            <a:endParaRPr lang="en-US" sz="1200" dirty="0">
+              <a:latin typeface="Helvetica Neue" panose="02000503000000020004" pitchFamily="50"/>
+            </a:endParaRPr>
+          </a:p>
+        </p:txBody>
+      </p:sp>
+      <p:grpSp>
+        <p:nvGrpSpPr>
+          <p:cNvPr id="55" name="Groupe 54"/>
+          <p:cNvGrpSpPr/>
+          <p:nvPr/>
+        </p:nvGrpSpPr>
+        <p:grpSpPr>
+          <a:xfrm>
+            <a:off x="8246920" y="2129987"/>
+            <a:ext cx="1311519" cy="1463458"/>
+            <a:chOff x="10828802" y="1497165"/>
+            <a:chExt cx="1311519" cy="1463458"/>
+          </a:xfrm>
+        </p:grpSpPr>
+        <p:pic>
+          <p:nvPicPr>
+            <p:cNvPr id="56" name="Image 55"/>
+            <p:cNvPicPr>
+              <a:picLocks noChangeAspect="1"/>
+            </p:cNvPicPr>
+            <p:nvPr/>
+          </p:nvPicPr>
+          <p:blipFill>
+            <a:blip r:embed="rId2" cstate="print">
+              <a:extLst>
+                <a:ext uri="{BEBA8EAE-BF5A-486C-A8C5-ECC9F3942E4B}">
+                  <a14:imgProps xmlns:a14="http://schemas.microsoft.com/office/drawing/2010/main">
+                    <a14:imgLayer r:embed="rId3">
+                      <a14:imgEffect>
+                        <a14:saturation sat="0"/>
+                      </a14:imgEffect>
+                    </a14:imgLayer>
+                  </a14:imgProps>
+                </a:ext>
+                <a:ext uri="{28A0092B-C50C-407E-A947-70E740481C1C}">
+                  <a14:useLocalDpi xmlns:a14="http://schemas.microsoft.com/office/drawing/2010/main" val="0"/>
+                </a:ext>
+              </a:extLst>
+            </a:blip>
+            <a:stretch>
+              <a:fillRect/>
+            </a:stretch>
+          </p:blipFill>
+          <p:spPr>
+            <a:xfrm>
+              <a:off x="11060321" y="1497165"/>
+              <a:ext cx="1080000" cy="1080000"/>
+            </a:xfrm>
+            <a:prstGeom prst="rect">
+              <a:avLst/>
+            </a:prstGeom>
+          </p:spPr>
+        </p:pic>
+        <p:sp>
+          <p:nvSpPr>
+            <p:cNvPr id="57" name="Rectangle 56"/>
+            <p:cNvSpPr/>
+            <p:nvPr/>
+          </p:nvSpPr>
+          <p:spPr>
+            <a:xfrm>
+              <a:off x="10828802" y="2528623"/>
+              <a:ext cx="1224000" cy="432000"/>
+            </a:xfrm>
+            <a:prstGeom prst="rect">
+              <a:avLst/>
+            </a:prstGeom>
+            <a:solidFill>
+              <a:schemeClr val="bg1"/>
+            </a:solidFill>
+            <a:ln w="19050">
+              <a:noFill/>
+            </a:ln>
+          </p:spPr>
+          <p:style>
+            <a:lnRef idx="2">
+              <a:schemeClr val="accent1">
+                <a:shade val="50000"/>
+              </a:schemeClr>
+            </a:lnRef>
+            <a:fillRef idx="1">
+              <a:schemeClr val="accent1"/>
+            </a:fillRef>
+            <a:effectRef idx="0">
+              <a:schemeClr val="accent1"/>
+            </a:effectRef>
+            <a:fontRef idx="minor">
+              <a:schemeClr val="lt1"/>
+            </a:fontRef>
+          </p:style>
+          <p:txBody>
+            <a:bodyPr rot="0" spcFirstLastPara="0" vertOverflow="overflow" horzOverflow="overflow" vert="horz" wrap="square" lIns="91440" tIns="45720" rIns="91440" bIns="45720" numCol="1" spcCol="0" rtlCol="0" fromWordArt="0" anchor="t" anchorCtr="0" forceAA="0" compatLnSpc="1">
+              <a:prstTxWarp prst="textNoShape">
+                <a:avLst/>
+              </a:prstTxWarp>
+              <a:noAutofit/>
+            </a:bodyPr>
+            <a:lstStyle/>
+            <a:p>
+              <a:pPr algn="ctr"/>
+              <a:r>
+                <a:rPr lang="en-US" sz="1200" b="1" dirty="0" smtClean="0">
+                  <a:solidFill>
+                    <a:schemeClr val="tx1"/>
+                  </a:solidFill>
+                  <a:latin typeface="Helvetica Neue" panose="02000503000000020004" pitchFamily="50"/>
+                </a:rPr>
+                <a:t>DREAM RECALL</a:t>
+              </a:r>
+              <a:endParaRPr lang="en-US" sz="1200" b="1" dirty="0">
+                <a:solidFill>
+                  <a:schemeClr val="tx1"/>
+                </a:solidFill>
+                <a:latin typeface="Helvetica Neue" panose="02000503000000020004" pitchFamily="50"/>
+              </a:endParaRPr>
+            </a:p>
+          </p:txBody>
+        </p:sp>
+      </p:grpSp>
+      <p:cxnSp>
+        <p:nvCxnSpPr>
+          <p:cNvPr id="59" name="Connecteur droit avec flèche 58"/>
+          <p:cNvCxnSpPr/>
+          <p:nvPr/>
+        </p:nvCxnSpPr>
+        <p:spPr>
+          <a:xfrm>
+            <a:off x="7158047" y="1859827"/>
+            <a:ext cx="0" cy="216000"/>
+          </a:xfrm>
+          <a:prstGeom prst="straightConnector1">
+            <a:avLst/>
+          </a:prstGeom>
+          <a:ln w="12700">
+            <a:solidFill>
+              <a:schemeClr val="tx1">
+                <a:lumMod val="85000"/>
+                <a:lumOff val="15000"/>
+              </a:schemeClr>
+            </a:solidFill>
+            <a:tailEnd type="triangle"/>
+          </a:ln>
+        </p:spPr>
+        <p:style>
+          <a:lnRef idx="3">
+            <a:schemeClr val="dk1"/>
+          </a:lnRef>
+          <a:fillRef idx="0">
+            <a:schemeClr val="dk1"/>
+          </a:fillRef>
+          <a:effectRef idx="2">
+            <a:schemeClr val="dk1"/>
+          </a:effectRef>
+          <a:fontRef idx="minor">
+            <a:schemeClr val="tx1"/>
+          </a:fontRef>
+        </p:style>
+      </p:cxnSp>
+      <p:sp>
+        <p:nvSpPr>
+          <p:cNvPr id="60" name="ZoneTexte 59"/>
+          <p:cNvSpPr txBox="1"/>
+          <p:nvPr/>
+        </p:nvSpPr>
+        <p:spPr>
+          <a:xfrm>
+            <a:off x="6404697" y="1553739"/>
             <a:ext cx="1502979" cy="276999"/>
           </a:xfrm>
           <a:prstGeom prst="rect">
@@ -3815,25 +5579,7 @@
                     </a:solidFill>
                     <a:latin typeface="Helvetica Neue" panose="02000503000000020004" pitchFamily="50"/>
                   </a:rPr>
-                  <a:t>PERSONALITY, </a:t>
-                </a:r>
-                <a:r>
-                  <a:rPr lang="en-US" sz="1150" dirty="0" smtClean="0">
-                    <a:solidFill>
-                      <a:schemeClr val="tx1"/>
-                    </a:solidFill>
-                    <a:latin typeface="Helvetica Neue" panose="02000503000000020004" pitchFamily="50"/>
-                  </a:rPr>
-                  <a:t>LIFE-STYLE, </a:t>
-                </a:r>
-                <a:r>
-                  <a:rPr lang="en-US" sz="1150" b="1" dirty="0" smtClean="0">
-                    <a:solidFill>
-                      <a:schemeClr val="tx1"/>
-                    </a:solidFill>
-                    <a:latin typeface="Helvetica Neue" panose="02000503000000020004" pitchFamily="50"/>
-                  </a:rPr>
-                  <a:t>CREATIVITY</a:t>
+                  <a:t>PERSONALITY, LIFE-STYLE, CREATIVITY</a:t>
                 </a:r>
                 <a:endParaRPr lang="en-US" sz="1150" b="1" baseline="30000" dirty="0">
                   <a:solidFill>
@@ -4205,7 +5951,7 @@
         </p:nvSpPr>
         <p:spPr>
           <a:xfrm>
-            <a:off x="1249503" y="2721638"/>
+            <a:off x="1321421" y="2721638"/>
             <a:ext cx="866945" cy="879614"/>
           </a:xfrm>
           <a:prstGeom prst="rect">
@@ -4517,7 +6263,7 @@
     </p:spTree>
     <p:extLst>
       <p:ext uri="{BB962C8B-B14F-4D97-AF65-F5344CB8AC3E}">
-        <p14:creationId xmlns:p14="http://schemas.microsoft.com/office/powerpoint/2010/main" val="232368218"/>
+        <p14:creationId xmlns:p14="http://schemas.microsoft.com/office/powerpoint/2010/main" val="1360584295"/>
       </p:ext>
     </p:extLst>
   </p:cSld>
@@ -4527,7 +6273,7 @@
 </p:sld>
 </file>
 
-<file path=ppt/slides/slide2.xml><?xml version="1.0" encoding="utf-8"?>
+<file path=ppt/slides/slide3.xml><?xml version="1.0" encoding="utf-8"?>
 <p:sld xmlns:a="http://schemas.openxmlformats.org/drawingml/2006/main" xmlns:r="http://schemas.openxmlformats.org/officeDocument/2006/relationships" xmlns:p="http://schemas.openxmlformats.org/presentationml/2006/main">
   <p:cSld>
     <p:spTree>
@@ -5795,7 +7541,7 @@
 </p:sld>
 </file>
 
-<file path=ppt/slides/slide3.xml><?xml version="1.0" encoding="utf-8"?>
+<file path=ppt/slides/slide4.xml><?xml version="1.0" encoding="utf-8"?>
 <p:sld xmlns:a="http://schemas.openxmlformats.org/drawingml/2006/main" xmlns:r="http://schemas.openxmlformats.org/officeDocument/2006/relationships" xmlns:p="http://schemas.openxmlformats.org/presentationml/2006/main">
   <p:cSld>
     <p:spTree>
@@ -6982,7 +8728,7 @@
 </p:sld>
 </file>
 
-<file path=ppt/slides/slide4.xml><?xml version="1.0" encoding="utf-8"?>
+<file path=ppt/slides/slide5.xml><?xml version="1.0" encoding="utf-8"?>
 <p:sld xmlns:a="http://schemas.openxmlformats.org/drawingml/2006/main" xmlns:r="http://schemas.openxmlformats.org/officeDocument/2006/relationships" xmlns:p="http://schemas.openxmlformats.org/presentationml/2006/main">
   <p:cSld>
     <p:spTree>
@@ -8902,7 +10648,7 @@
 </p:sld>
 </file>
 
-<file path=ppt/slides/slide5.xml><?xml version="1.0" encoding="utf-8"?>
+<file path=ppt/slides/slide6.xml><?xml version="1.0" encoding="utf-8"?>
 <p:sld xmlns:a="http://schemas.openxmlformats.org/drawingml/2006/main" xmlns:r="http://schemas.openxmlformats.org/officeDocument/2006/relationships" xmlns:p="http://schemas.openxmlformats.org/presentationml/2006/main">
   <p:cSld>
     <p:spTree>

--- a/Fig/Discussion/schema_dream_recall.pptx
+++ b/Fig/Discussion/schema_dream_recall.pptx
@@ -5,12 +5,10 @@
     <p:sldMasterId id="2147483672" r:id="rId1"/>
   </p:sldMasterIdLst>
   <p:sldIdLst>
-    <p:sldId id="261" r:id="rId2"/>
-    <p:sldId id="264" r:id="rId3"/>
-    <p:sldId id="263" r:id="rId4"/>
-    <p:sldId id="262" r:id="rId5"/>
-    <p:sldId id="256" r:id="rId6"/>
-    <p:sldId id="258" r:id="rId7"/>
+    <p:sldId id="263" r:id="rId2"/>
+    <p:sldId id="261" r:id="rId3"/>
+    <p:sldId id="262" r:id="rId4"/>
+    <p:sldId id="256" r:id="rId5"/>
   </p:sldIdLst>
   <p:sldSz cx="14400213" cy="6858000"/>
   <p:notesSz cx="6858000" cy="9144000"/>
@@ -111,33 +109,7 @@
   </p:defaultTextStyle>
   <p:extLst>
     <p:ext uri="{EFAFB233-063F-42B5-8137-9DF3F51BA10A}">
-      <p15:sldGuideLst xmlns:p15="http://schemas.microsoft.com/office/powerpoint/2012/main">
-        <p15:guide id="1" orient="horz" pos="1979" userDrawn="1">
-          <p15:clr>
-            <a:srgbClr val="A4A3A4"/>
-          </p15:clr>
-        </p15:guide>
-        <p15:guide id="2" pos="2540" userDrawn="1">
-          <p15:clr>
-            <a:srgbClr val="A4A3A4"/>
-          </p15:clr>
-        </p15:guide>
-        <p15:guide id="3" orient="horz" pos="3203" userDrawn="1">
-          <p15:clr>
-            <a:srgbClr val="A4A3A4"/>
-          </p15:clr>
-        </p15:guide>
-        <p15:guide id="4" pos="6713" userDrawn="1">
-          <p15:clr>
-            <a:srgbClr val="A4A3A4"/>
-          </p15:clr>
-        </p15:guide>
-        <p15:guide id="5" pos="2744" userDrawn="1">
-          <p15:clr>
-            <a:srgbClr val="A4A3A4"/>
-          </p15:clr>
-        </p15:guide>
-      </p15:sldGuideLst>
+      <p15:sldGuideLst xmlns:p15="http://schemas.microsoft.com/office/powerpoint/2012/main"/>
     </p:ext>
   </p:extLst>
 </p:presentation>
@@ -172,8 +144,8 @@
         </p:nvSpPr>
         <p:spPr>
           <a:xfrm>
-            <a:off x="1800027" y="1122363"/>
-            <a:ext cx="10800160" cy="2387600"/>
+            <a:off x="1800028" y="1122363"/>
+            <a:ext cx="10800159" cy="2387600"/>
           </a:xfrm>
         </p:spPr>
         <p:txBody>
@@ -204,8 +176,8 @@
         </p:nvSpPr>
         <p:spPr>
           <a:xfrm>
-            <a:off x="1800027" y="3602038"/>
-            <a:ext cx="10800160" cy="1655762"/>
+            <a:off x="1800028" y="3602038"/>
+            <a:ext cx="10800159" cy="1655762"/>
           </a:xfrm>
         </p:spPr>
         <p:txBody>
@@ -215,35 +187,35 @@
               <a:buNone/>
               <a:defRPr sz="2400"/>
             </a:lvl1pPr>
-            <a:lvl2pPr marL="457200" indent="0" algn="ctr">
+            <a:lvl2pPr marL="457223" indent="0" algn="ctr">
               <a:buNone/>
               <a:defRPr sz="2000"/>
             </a:lvl2pPr>
-            <a:lvl3pPr marL="914400" indent="0" algn="ctr">
+            <a:lvl3pPr marL="914446" indent="0" algn="ctr">
               <a:buNone/>
               <a:defRPr sz="1800"/>
             </a:lvl3pPr>
-            <a:lvl4pPr marL="1371600" indent="0" algn="ctr">
+            <a:lvl4pPr marL="1371669" indent="0" algn="ctr">
               <a:buNone/>
               <a:defRPr sz="1600"/>
             </a:lvl4pPr>
-            <a:lvl5pPr marL="1828800" indent="0" algn="ctr">
+            <a:lvl5pPr marL="1828891" indent="0" algn="ctr">
               <a:buNone/>
               <a:defRPr sz="1600"/>
             </a:lvl5pPr>
-            <a:lvl6pPr marL="2286000" indent="0" algn="ctr">
+            <a:lvl6pPr marL="2286114" indent="0" algn="ctr">
               <a:buNone/>
               <a:defRPr sz="1600"/>
             </a:lvl6pPr>
-            <a:lvl7pPr marL="2743200" indent="0" algn="ctr">
+            <a:lvl7pPr marL="2743337" indent="0" algn="ctr">
               <a:buNone/>
               <a:defRPr sz="1600"/>
             </a:lvl7pPr>
-            <a:lvl8pPr marL="3200400" indent="0" algn="ctr">
+            <a:lvl8pPr marL="3200560" indent="0" algn="ctr">
               <a:buNone/>
               <a:defRPr sz="1600"/>
             </a:lvl8pPr>
-            <a:lvl9pPr marL="3657600" indent="0" algn="ctr">
+            <a:lvl9pPr marL="3657783" indent="0" algn="ctr">
               <a:buNone/>
               <a:defRPr sz="1600"/>
             </a:lvl9pPr>
@@ -274,7 +246,7 @@
           <a:p>
             <a:fld id="{39F55FEC-1300-4CA0-95F5-21250F10457E}" type="datetimeFigureOut">
               <a:rPr lang="en-US" smtClean="0"/>
-              <a:t>10/24/2017</a:t>
+              <a:t>10/28/2017</a:t>
             </a:fld>
             <a:endParaRPr lang="en-US"/>
           </a:p>
@@ -444,7 +416,7 @@
           <a:p>
             <a:fld id="{39F55FEC-1300-4CA0-95F5-21250F10457E}" type="datetimeFigureOut">
               <a:rPr lang="en-US" smtClean="0"/>
-              <a:t>10/24/2017</a:t>
+              <a:t>10/28/2017</a:t>
             </a:fld>
             <a:endParaRPr lang="en-US"/>
           </a:p>
@@ -534,7 +506,7 @@
         </p:nvSpPr>
         <p:spPr>
           <a:xfrm>
-            <a:off x="10305152" y="365125"/>
+            <a:off x="10305153" y="365125"/>
             <a:ext cx="3105046" cy="5811838"/>
           </a:xfrm>
         </p:spPr>
@@ -563,7 +535,7 @@
         <p:spPr>
           <a:xfrm>
             <a:off x="990015" y="365125"/>
-            <a:ext cx="9135135" cy="5811838"/>
+            <a:ext cx="9135136" cy="5811838"/>
           </a:xfrm>
         </p:spPr>
         <p:txBody>
@@ -624,7 +596,7 @@
           <a:p>
             <a:fld id="{39F55FEC-1300-4CA0-95F5-21250F10457E}" type="datetimeFigureOut">
               <a:rPr lang="en-US" smtClean="0"/>
-              <a:t>10/24/2017</a:t>
+              <a:t>10/28/2017</a:t>
             </a:fld>
             <a:endParaRPr lang="en-US"/>
           </a:p>
@@ -794,7 +766,7 @@
           <a:p>
             <a:fld id="{39F55FEC-1300-4CA0-95F5-21250F10457E}" type="datetimeFigureOut">
               <a:rPr lang="en-US" smtClean="0"/>
-              <a:t>10/24/2017</a:t>
+              <a:t>10/28/2017</a:t>
             </a:fld>
             <a:endParaRPr lang="en-US"/>
           </a:p>
@@ -884,7 +856,7 @@
         </p:nvSpPr>
         <p:spPr>
           <a:xfrm>
-            <a:off x="982514" y="1709739"/>
+            <a:off x="982514" y="1709741"/>
             <a:ext cx="12420184" cy="2852737"/>
           </a:xfrm>
         </p:spPr>
@@ -916,7 +888,7 @@
         </p:nvSpPr>
         <p:spPr>
           <a:xfrm>
-            <a:off x="982514" y="4589464"/>
+            <a:off x="982514" y="4589466"/>
             <a:ext cx="12420184" cy="1500187"/>
           </a:xfrm>
         </p:spPr>
@@ -933,7 +905,7 @@
                 </a:solidFill>
               </a:defRPr>
             </a:lvl1pPr>
-            <a:lvl2pPr marL="457200" indent="0">
+            <a:lvl2pPr marL="457223" indent="0">
               <a:buNone/>
               <a:defRPr sz="2000">
                 <a:solidFill>
@@ -943,7 +915,7 @@
                 </a:solidFill>
               </a:defRPr>
             </a:lvl2pPr>
-            <a:lvl3pPr marL="914400" indent="0">
+            <a:lvl3pPr marL="914446" indent="0">
               <a:buNone/>
               <a:defRPr sz="1800">
                 <a:solidFill>
@@ -953,7 +925,7 @@
                 </a:solidFill>
               </a:defRPr>
             </a:lvl3pPr>
-            <a:lvl4pPr marL="1371600" indent="0">
+            <a:lvl4pPr marL="1371669" indent="0">
               <a:buNone/>
               <a:defRPr sz="1600">
                 <a:solidFill>
@@ -963,7 +935,7 @@
                 </a:solidFill>
               </a:defRPr>
             </a:lvl4pPr>
-            <a:lvl5pPr marL="1828800" indent="0">
+            <a:lvl5pPr marL="1828891" indent="0">
               <a:buNone/>
               <a:defRPr sz="1600">
                 <a:solidFill>
@@ -973,7 +945,7 @@
                 </a:solidFill>
               </a:defRPr>
             </a:lvl5pPr>
-            <a:lvl6pPr marL="2286000" indent="0">
+            <a:lvl6pPr marL="2286114" indent="0">
               <a:buNone/>
               <a:defRPr sz="1600">
                 <a:solidFill>
@@ -983,7 +955,7 @@
                 </a:solidFill>
               </a:defRPr>
             </a:lvl6pPr>
-            <a:lvl7pPr marL="2743200" indent="0">
+            <a:lvl7pPr marL="2743337" indent="0">
               <a:buNone/>
               <a:defRPr sz="1600">
                 <a:solidFill>
@@ -993,7 +965,7 @@
                 </a:solidFill>
               </a:defRPr>
             </a:lvl7pPr>
-            <a:lvl8pPr marL="3200400" indent="0">
+            <a:lvl8pPr marL="3200560" indent="0">
               <a:buNone/>
               <a:defRPr sz="1600">
                 <a:solidFill>
@@ -1003,7 +975,7 @@
                 </a:solidFill>
               </a:defRPr>
             </a:lvl8pPr>
-            <a:lvl9pPr marL="3657600" indent="0">
+            <a:lvl9pPr marL="3657783" indent="0">
               <a:buNone/>
               <a:defRPr sz="1600">
                 <a:solidFill>
@@ -1040,7 +1012,7 @@
           <a:p>
             <a:fld id="{39F55FEC-1300-4CA0-95F5-21250F10457E}" type="datetimeFigureOut">
               <a:rPr lang="en-US" smtClean="0"/>
-              <a:t>10/24/2017</a:t>
+              <a:t>10/28/2017</a:t>
             </a:fld>
             <a:endParaRPr lang="en-US"/>
           </a:p>
@@ -1272,7 +1244,7 @@
           <a:p>
             <a:fld id="{39F55FEC-1300-4CA0-95F5-21250F10457E}" type="datetimeFigureOut">
               <a:rPr lang="en-US" smtClean="0"/>
-              <a:t>10/24/2017</a:t>
+              <a:t>10/28/2017</a:t>
             </a:fld>
             <a:endParaRPr lang="en-US"/>
           </a:p>
@@ -1362,7 +1334,7 @@
         </p:nvSpPr>
         <p:spPr>
           <a:xfrm>
-            <a:off x="991890" y="365126"/>
+            <a:off x="991890" y="365128"/>
             <a:ext cx="12420184" cy="1325563"/>
           </a:xfrm>
         </p:spPr>
@@ -1401,35 +1373,35 @@
               <a:buNone/>
               <a:defRPr sz="2400" b="1"/>
             </a:lvl1pPr>
-            <a:lvl2pPr marL="457200" indent="0">
+            <a:lvl2pPr marL="457223" indent="0">
               <a:buNone/>
               <a:defRPr sz="2000" b="1"/>
             </a:lvl2pPr>
-            <a:lvl3pPr marL="914400" indent="0">
+            <a:lvl3pPr marL="914446" indent="0">
               <a:buNone/>
               <a:defRPr sz="1800" b="1"/>
             </a:lvl3pPr>
-            <a:lvl4pPr marL="1371600" indent="0">
+            <a:lvl4pPr marL="1371669" indent="0">
               <a:buNone/>
               <a:defRPr sz="1600" b="1"/>
             </a:lvl4pPr>
-            <a:lvl5pPr marL="1828800" indent="0">
+            <a:lvl5pPr marL="1828891" indent="0">
               <a:buNone/>
               <a:defRPr sz="1600" b="1"/>
             </a:lvl5pPr>
-            <a:lvl6pPr marL="2286000" indent="0">
+            <a:lvl6pPr marL="2286114" indent="0">
               <a:buNone/>
               <a:defRPr sz="1600" b="1"/>
             </a:lvl6pPr>
-            <a:lvl7pPr marL="2743200" indent="0">
+            <a:lvl7pPr marL="2743337" indent="0">
               <a:buNone/>
               <a:defRPr sz="1600" b="1"/>
             </a:lvl7pPr>
-            <a:lvl8pPr marL="3200400" indent="0">
+            <a:lvl8pPr marL="3200560" indent="0">
               <a:buNone/>
               <a:defRPr sz="1600" b="1"/>
             </a:lvl8pPr>
-            <a:lvl9pPr marL="3657600" indent="0">
+            <a:lvl9pPr marL="3657783" indent="0">
               <a:buNone/>
               <a:defRPr sz="1600" b="1"/>
             </a:lvl9pPr>
@@ -1523,35 +1495,35 @@
               <a:buNone/>
               <a:defRPr sz="2400" b="1"/>
             </a:lvl1pPr>
-            <a:lvl2pPr marL="457200" indent="0">
+            <a:lvl2pPr marL="457223" indent="0">
               <a:buNone/>
               <a:defRPr sz="2000" b="1"/>
             </a:lvl2pPr>
-            <a:lvl3pPr marL="914400" indent="0">
+            <a:lvl3pPr marL="914446" indent="0">
               <a:buNone/>
               <a:defRPr sz="1800" b="1"/>
             </a:lvl3pPr>
-            <a:lvl4pPr marL="1371600" indent="0">
+            <a:lvl4pPr marL="1371669" indent="0">
               <a:buNone/>
               <a:defRPr sz="1600" b="1"/>
             </a:lvl4pPr>
-            <a:lvl5pPr marL="1828800" indent="0">
+            <a:lvl5pPr marL="1828891" indent="0">
               <a:buNone/>
               <a:defRPr sz="1600" b="1"/>
             </a:lvl5pPr>
-            <a:lvl6pPr marL="2286000" indent="0">
+            <a:lvl6pPr marL="2286114" indent="0">
               <a:buNone/>
               <a:defRPr sz="1600" b="1"/>
             </a:lvl6pPr>
-            <a:lvl7pPr marL="2743200" indent="0">
+            <a:lvl7pPr marL="2743337" indent="0">
               <a:buNone/>
               <a:defRPr sz="1600" b="1"/>
             </a:lvl7pPr>
-            <a:lvl8pPr marL="3200400" indent="0">
+            <a:lvl8pPr marL="3200560" indent="0">
               <a:buNone/>
               <a:defRPr sz="1600" b="1"/>
             </a:lvl8pPr>
-            <a:lvl9pPr marL="3657600" indent="0">
+            <a:lvl9pPr marL="3657783" indent="0">
               <a:buNone/>
               <a:defRPr sz="1600" b="1"/>
             </a:lvl9pPr>
@@ -1639,7 +1611,7 @@
           <a:p>
             <a:fld id="{39F55FEC-1300-4CA0-95F5-21250F10457E}" type="datetimeFigureOut">
               <a:rPr lang="en-US" smtClean="0"/>
-              <a:t>10/24/2017</a:t>
+              <a:t>10/28/2017</a:t>
             </a:fld>
             <a:endParaRPr lang="en-US"/>
           </a:p>
@@ -1757,7 +1729,7 @@
           <a:p>
             <a:fld id="{39F55FEC-1300-4CA0-95F5-21250F10457E}" type="datetimeFigureOut">
               <a:rPr lang="en-US" smtClean="0"/>
-              <a:t>10/24/2017</a:t>
+              <a:t>10/28/2017</a:t>
             </a:fld>
             <a:endParaRPr lang="en-US"/>
           </a:p>
@@ -1852,7 +1824,7 @@
           <a:p>
             <a:fld id="{39F55FEC-1300-4CA0-95F5-21250F10457E}" type="datetimeFigureOut">
               <a:rPr lang="en-US" smtClean="0"/>
-              <a:t>10/24/2017</a:t>
+              <a:t>10/28/2017</a:t>
             </a:fld>
             <a:endParaRPr lang="en-US"/>
           </a:p>
@@ -1974,7 +1946,7 @@
         </p:nvSpPr>
         <p:spPr>
           <a:xfrm>
-            <a:off x="6121966" y="987426"/>
+            <a:off x="6121966" y="987428"/>
             <a:ext cx="7290108" cy="4873625"/>
           </a:xfrm>
         </p:spPr>
@@ -2070,35 +2042,35 @@
               <a:buNone/>
               <a:defRPr sz="1600"/>
             </a:lvl1pPr>
-            <a:lvl2pPr marL="457200" indent="0">
+            <a:lvl2pPr marL="457223" indent="0">
               <a:buNone/>
               <a:defRPr sz="1400"/>
             </a:lvl2pPr>
-            <a:lvl3pPr marL="914400" indent="0">
+            <a:lvl3pPr marL="914446" indent="0">
               <a:buNone/>
               <a:defRPr sz="1200"/>
             </a:lvl3pPr>
-            <a:lvl4pPr marL="1371600" indent="0">
+            <a:lvl4pPr marL="1371669" indent="0">
               <a:buNone/>
               <a:defRPr sz="1000"/>
             </a:lvl4pPr>
-            <a:lvl5pPr marL="1828800" indent="0">
+            <a:lvl5pPr marL="1828891" indent="0">
               <a:buNone/>
               <a:defRPr sz="1000"/>
             </a:lvl5pPr>
-            <a:lvl6pPr marL="2286000" indent="0">
+            <a:lvl6pPr marL="2286114" indent="0">
               <a:buNone/>
               <a:defRPr sz="1000"/>
             </a:lvl6pPr>
-            <a:lvl7pPr marL="2743200" indent="0">
+            <a:lvl7pPr marL="2743337" indent="0">
               <a:buNone/>
               <a:defRPr sz="1000"/>
             </a:lvl7pPr>
-            <a:lvl8pPr marL="3200400" indent="0">
+            <a:lvl8pPr marL="3200560" indent="0">
               <a:buNone/>
               <a:defRPr sz="1000"/>
             </a:lvl8pPr>
-            <a:lvl9pPr marL="3657600" indent="0">
+            <a:lvl9pPr marL="3657783" indent="0">
               <a:buNone/>
               <a:defRPr sz="1000"/>
             </a:lvl9pPr>
@@ -2129,7 +2101,7 @@
           <a:p>
             <a:fld id="{39F55FEC-1300-4CA0-95F5-21250F10457E}" type="datetimeFigureOut">
               <a:rPr lang="en-US" smtClean="0"/>
-              <a:t>10/24/2017</a:t>
+              <a:t>10/28/2017</a:t>
             </a:fld>
             <a:endParaRPr lang="en-US"/>
           </a:p>
@@ -2251,7 +2223,7 @@
         </p:nvSpPr>
         <p:spPr>
           <a:xfrm>
-            <a:off x="6121966" y="987426"/>
+            <a:off x="6121966" y="987428"/>
             <a:ext cx="7290108" cy="4873625"/>
           </a:xfrm>
         </p:spPr>
@@ -2262,35 +2234,35 @@
               <a:buNone/>
               <a:defRPr sz="3200"/>
             </a:lvl1pPr>
-            <a:lvl2pPr marL="457200" indent="0">
+            <a:lvl2pPr marL="457223" indent="0">
               <a:buNone/>
               <a:defRPr sz="2800"/>
             </a:lvl2pPr>
-            <a:lvl3pPr marL="914400" indent="0">
+            <a:lvl3pPr marL="914446" indent="0">
               <a:buNone/>
               <a:defRPr sz="2400"/>
             </a:lvl3pPr>
-            <a:lvl4pPr marL="1371600" indent="0">
+            <a:lvl4pPr marL="1371669" indent="0">
               <a:buNone/>
               <a:defRPr sz="2000"/>
             </a:lvl4pPr>
-            <a:lvl5pPr marL="1828800" indent="0">
+            <a:lvl5pPr marL="1828891" indent="0">
               <a:buNone/>
               <a:defRPr sz="2000"/>
             </a:lvl5pPr>
-            <a:lvl6pPr marL="2286000" indent="0">
+            <a:lvl6pPr marL="2286114" indent="0">
               <a:buNone/>
               <a:defRPr sz="2000"/>
             </a:lvl6pPr>
-            <a:lvl7pPr marL="2743200" indent="0">
+            <a:lvl7pPr marL="2743337" indent="0">
               <a:buNone/>
               <a:defRPr sz="2000"/>
             </a:lvl7pPr>
-            <a:lvl8pPr marL="3200400" indent="0">
+            <a:lvl8pPr marL="3200560" indent="0">
               <a:buNone/>
               <a:defRPr sz="2000"/>
             </a:lvl8pPr>
-            <a:lvl9pPr marL="3657600" indent="0">
+            <a:lvl9pPr marL="3657783" indent="0">
               <a:buNone/>
               <a:defRPr sz="2000"/>
             </a:lvl9pPr>
@@ -2327,35 +2299,35 @@
               <a:buNone/>
               <a:defRPr sz="1600"/>
             </a:lvl1pPr>
-            <a:lvl2pPr marL="457200" indent="0">
+            <a:lvl2pPr marL="457223" indent="0">
               <a:buNone/>
               <a:defRPr sz="1400"/>
             </a:lvl2pPr>
-            <a:lvl3pPr marL="914400" indent="0">
+            <a:lvl3pPr marL="914446" indent="0">
               <a:buNone/>
               <a:defRPr sz="1200"/>
             </a:lvl3pPr>
-            <a:lvl4pPr marL="1371600" indent="0">
+            <a:lvl4pPr marL="1371669" indent="0">
               <a:buNone/>
               <a:defRPr sz="1000"/>
             </a:lvl4pPr>
-            <a:lvl5pPr marL="1828800" indent="0">
+            <a:lvl5pPr marL="1828891" indent="0">
               <a:buNone/>
               <a:defRPr sz="1000"/>
             </a:lvl5pPr>
-            <a:lvl6pPr marL="2286000" indent="0">
+            <a:lvl6pPr marL="2286114" indent="0">
               <a:buNone/>
               <a:defRPr sz="1000"/>
             </a:lvl6pPr>
-            <a:lvl7pPr marL="2743200" indent="0">
+            <a:lvl7pPr marL="2743337" indent="0">
               <a:buNone/>
               <a:defRPr sz="1000"/>
             </a:lvl7pPr>
-            <a:lvl8pPr marL="3200400" indent="0">
+            <a:lvl8pPr marL="3200560" indent="0">
               <a:buNone/>
               <a:defRPr sz="1000"/>
             </a:lvl8pPr>
-            <a:lvl9pPr marL="3657600" indent="0">
+            <a:lvl9pPr marL="3657783" indent="0">
               <a:buNone/>
               <a:defRPr sz="1000"/>
             </a:lvl9pPr>
@@ -2386,7 +2358,7 @@
           <a:p>
             <a:fld id="{39F55FEC-1300-4CA0-95F5-21250F10457E}" type="datetimeFigureOut">
               <a:rPr lang="en-US" smtClean="0"/>
-              <a:t>10/24/2017</a:t>
+              <a:t>10/28/2017</a:t>
             </a:fld>
             <a:endParaRPr lang="en-US"/>
           </a:p>
@@ -2481,7 +2453,7 @@
         </p:nvSpPr>
         <p:spPr>
           <a:xfrm>
-            <a:off x="990015" y="365126"/>
+            <a:off x="990015" y="365128"/>
             <a:ext cx="12420184" cy="1325563"/>
           </a:xfrm>
           <a:prstGeom prst="rect">
@@ -2576,7 +2548,7 @@
         </p:nvSpPr>
         <p:spPr>
           <a:xfrm>
-            <a:off x="990015" y="6356351"/>
+            <a:off x="990016" y="6356353"/>
             <a:ext cx="3240048" cy="365125"/>
           </a:xfrm>
           <a:prstGeom prst="rect">
@@ -2599,7 +2571,7 @@
           <a:p>
             <a:fld id="{39F55FEC-1300-4CA0-95F5-21250F10457E}" type="datetimeFigureOut">
               <a:rPr lang="en-US" smtClean="0"/>
-              <a:t>10/24/2017</a:t>
+              <a:t>10/28/2017</a:t>
             </a:fld>
             <a:endParaRPr lang="en-US"/>
           </a:p>
@@ -2617,7 +2589,7 @@
         </p:nvSpPr>
         <p:spPr>
           <a:xfrm>
-            <a:off x="4770071" y="6356351"/>
+            <a:off x="4770071" y="6356353"/>
             <a:ext cx="4860072" cy="365125"/>
           </a:xfrm>
           <a:prstGeom prst="rect">
@@ -2654,7 +2626,7 @@
         </p:nvSpPr>
         <p:spPr>
           <a:xfrm>
-            <a:off x="10170150" y="6356351"/>
+            <a:off x="10170150" y="6356353"/>
             <a:ext cx="3240048" cy="365125"/>
           </a:xfrm>
           <a:prstGeom prst="rect">
@@ -2706,7 +2678,7 @@
   </p:sldLayoutIdLst>
   <p:txStyles>
     <p:titleStyle>
-      <a:lvl1pPr algn="l" defTabSz="914400" rtl="0" eaLnBrk="1" latinLnBrk="0" hangingPunct="1">
+      <a:lvl1pPr algn="l" defTabSz="914446" rtl="0" eaLnBrk="1" latinLnBrk="0" hangingPunct="1">
         <a:lnSpc>
           <a:spcPct val="90000"/>
         </a:lnSpc>
@@ -2725,7 +2697,7 @@
       </a:lvl1pPr>
     </p:titleStyle>
     <p:bodyStyle>
-      <a:lvl1pPr marL="228600" indent="-228600" algn="l" defTabSz="914400" rtl="0" eaLnBrk="1" latinLnBrk="0" hangingPunct="1">
+      <a:lvl1pPr marL="228611" indent="-228611" algn="l" defTabSz="914446" rtl="0" eaLnBrk="1" latinLnBrk="0" hangingPunct="1">
         <a:lnSpc>
           <a:spcPct val="90000"/>
         </a:lnSpc>
@@ -2743,7 +2715,7 @@
           <a:cs typeface="+mn-cs"/>
         </a:defRPr>
       </a:lvl1pPr>
-      <a:lvl2pPr marL="685800" indent="-228600" algn="l" defTabSz="914400" rtl="0" eaLnBrk="1" latinLnBrk="0" hangingPunct="1">
+      <a:lvl2pPr marL="685834" indent="-228611" algn="l" defTabSz="914446" rtl="0" eaLnBrk="1" latinLnBrk="0" hangingPunct="1">
         <a:lnSpc>
           <a:spcPct val="90000"/>
         </a:lnSpc>
@@ -2761,7 +2733,7 @@
           <a:cs typeface="+mn-cs"/>
         </a:defRPr>
       </a:lvl2pPr>
-      <a:lvl3pPr marL="1143000" indent="-228600" algn="l" defTabSz="914400" rtl="0" eaLnBrk="1" latinLnBrk="0" hangingPunct="1">
+      <a:lvl3pPr marL="1143057" indent="-228611" algn="l" defTabSz="914446" rtl="0" eaLnBrk="1" latinLnBrk="0" hangingPunct="1">
         <a:lnSpc>
           <a:spcPct val="90000"/>
         </a:lnSpc>
@@ -2779,7 +2751,7 @@
           <a:cs typeface="+mn-cs"/>
         </a:defRPr>
       </a:lvl3pPr>
-      <a:lvl4pPr marL="1600200" indent="-228600" algn="l" defTabSz="914400" rtl="0" eaLnBrk="1" latinLnBrk="0" hangingPunct="1">
+      <a:lvl4pPr marL="1600280" indent="-228611" algn="l" defTabSz="914446" rtl="0" eaLnBrk="1" latinLnBrk="0" hangingPunct="1">
         <a:lnSpc>
           <a:spcPct val="90000"/>
         </a:lnSpc>
@@ -2797,7 +2769,7 @@
           <a:cs typeface="+mn-cs"/>
         </a:defRPr>
       </a:lvl4pPr>
-      <a:lvl5pPr marL="2057400" indent="-228600" algn="l" defTabSz="914400" rtl="0" eaLnBrk="1" latinLnBrk="0" hangingPunct="1">
+      <a:lvl5pPr marL="2057503" indent="-228611" algn="l" defTabSz="914446" rtl="0" eaLnBrk="1" latinLnBrk="0" hangingPunct="1">
         <a:lnSpc>
           <a:spcPct val="90000"/>
         </a:lnSpc>
@@ -2815,7 +2787,7 @@
           <a:cs typeface="+mn-cs"/>
         </a:defRPr>
       </a:lvl5pPr>
-      <a:lvl6pPr marL="2514600" indent="-228600" algn="l" defTabSz="914400" rtl="0" eaLnBrk="1" latinLnBrk="0" hangingPunct="1">
+      <a:lvl6pPr marL="2514726" indent="-228611" algn="l" defTabSz="914446" rtl="0" eaLnBrk="1" latinLnBrk="0" hangingPunct="1">
         <a:lnSpc>
           <a:spcPct val="90000"/>
         </a:lnSpc>
@@ -2833,7 +2805,7 @@
           <a:cs typeface="+mn-cs"/>
         </a:defRPr>
       </a:lvl6pPr>
-      <a:lvl7pPr marL="2971800" indent="-228600" algn="l" defTabSz="914400" rtl="0" eaLnBrk="1" latinLnBrk="0" hangingPunct="1">
+      <a:lvl7pPr marL="2971949" indent="-228611" algn="l" defTabSz="914446" rtl="0" eaLnBrk="1" latinLnBrk="0" hangingPunct="1">
         <a:lnSpc>
           <a:spcPct val="90000"/>
         </a:lnSpc>
@@ -2851,7 +2823,7 @@
           <a:cs typeface="+mn-cs"/>
         </a:defRPr>
       </a:lvl7pPr>
-      <a:lvl8pPr marL="3429000" indent="-228600" algn="l" defTabSz="914400" rtl="0" eaLnBrk="1" latinLnBrk="0" hangingPunct="1">
+      <a:lvl8pPr marL="3429171" indent="-228611" algn="l" defTabSz="914446" rtl="0" eaLnBrk="1" latinLnBrk="0" hangingPunct="1">
         <a:lnSpc>
           <a:spcPct val="90000"/>
         </a:lnSpc>
@@ -2869,7 +2841,7 @@
           <a:cs typeface="+mn-cs"/>
         </a:defRPr>
       </a:lvl8pPr>
-      <a:lvl9pPr marL="3886200" indent="-228600" algn="l" defTabSz="914400" rtl="0" eaLnBrk="1" latinLnBrk="0" hangingPunct="1">
+      <a:lvl9pPr marL="3886394" indent="-228611" algn="l" defTabSz="914446" rtl="0" eaLnBrk="1" latinLnBrk="0" hangingPunct="1">
         <a:lnSpc>
           <a:spcPct val="90000"/>
         </a:lnSpc>
@@ -2892,7 +2864,7 @@
       <a:defPPr>
         <a:defRPr lang="en-US"/>
       </a:defPPr>
-      <a:lvl1pPr marL="0" algn="l" defTabSz="914400" rtl="0" eaLnBrk="1" latinLnBrk="0" hangingPunct="1">
+      <a:lvl1pPr marL="0" algn="l" defTabSz="914446" rtl="0" eaLnBrk="1" latinLnBrk="0" hangingPunct="1">
         <a:defRPr sz="1800" kern="1200">
           <a:solidFill>
             <a:schemeClr val="tx1"/>
@@ -2902,7 +2874,7 @@
           <a:cs typeface="+mn-cs"/>
         </a:defRPr>
       </a:lvl1pPr>
-      <a:lvl2pPr marL="457200" algn="l" defTabSz="914400" rtl="0" eaLnBrk="1" latinLnBrk="0" hangingPunct="1">
+      <a:lvl2pPr marL="457223" algn="l" defTabSz="914446" rtl="0" eaLnBrk="1" latinLnBrk="0" hangingPunct="1">
         <a:defRPr sz="1800" kern="1200">
           <a:solidFill>
             <a:schemeClr val="tx1"/>
@@ -2912,7 +2884,7 @@
           <a:cs typeface="+mn-cs"/>
         </a:defRPr>
       </a:lvl2pPr>
-      <a:lvl3pPr marL="914400" algn="l" defTabSz="914400" rtl="0" eaLnBrk="1" latinLnBrk="0" hangingPunct="1">
+      <a:lvl3pPr marL="914446" algn="l" defTabSz="914446" rtl="0" eaLnBrk="1" latinLnBrk="0" hangingPunct="1">
         <a:defRPr sz="1800" kern="1200">
           <a:solidFill>
             <a:schemeClr val="tx1"/>
@@ -2922,7 +2894,7 @@
           <a:cs typeface="+mn-cs"/>
         </a:defRPr>
       </a:lvl3pPr>
-      <a:lvl4pPr marL="1371600" algn="l" defTabSz="914400" rtl="0" eaLnBrk="1" latinLnBrk="0" hangingPunct="1">
+      <a:lvl4pPr marL="1371669" algn="l" defTabSz="914446" rtl="0" eaLnBrk="1" latinLnBrk="0" hangingPunct="1">
         <a:defRPr sz="1800" kern="1200">
           <a:solidFill>
             <a:schemeClr val="tx1"/>
@@ -2932,7 +2904,7 @@
           <a:cs typeface="+mn-cs"/>
         </a:defRPr>
       </a:lvl4pPr>
-      <a:lvl5pPr marL="1828800" algn="l" defTabSz="914400" rtl="0" eaLnBrk="1" latinLnBrk="0" hangingPunct="1">
+      <a:lvl5pPr marL="1828891" algn="l" defTabSz="914446" rtl="0" eaLnBrk="1" latinLnBrk="0" hangingPunct="1">
         <a:defRPr sz="1800" kern="1200">
           <a:solidFill>
             <a:schemeClr val="tx1"/>
@@ -2942,7 +2914,7 @@
           <a:cs typeface="+mn-cs"/>
         </a:defRPr>
       </a:lvl5pPr>
-      <a:lvl6pPr marL="2286000" algn="l" defTabSz="914400" rtl="0" eaLnBrk="1" latinLnBrk="0" hangingPunct="1">
+      <a:lvl6pPr marL="2286114" algn="l" defTabSz="914446" rtl="0" eaLnBrk="1" latinLnBrk="0" hangingPunct="1">
         <a:defRPr sz="1800" kern="1200">
           <a:solidFill>
             <a:schemeClr val="tx1"/>
@@ -2952,7 +2924,7 @@
           <a:cs typeface="+mn-cs"/>
         </a:defRPr>
       </a:lvl6pPr>
-      <a:lvl7pPr marL="2743200" algn="l" defTabSz="914400" rtl="0" eaLnBrk="1" latinLnBrk="0" hangingPunct="1">
+      <a:lvl7pPr marL="2743337" algn="l" defTabSz="914446" rtl="0" eaLnBrk="1" latinLnBrk="0" hangingPunct="1">
         <a:defRPr sz="1800" kern="1200">
           <a:solidFill>
             <a:schemeClr val="tx1"/>
@@ -2962,7 +2934,7 @@
           <a:cs typeface="+mn-cs"/>
         </a:defRPr>
       </a:lvl7pPr>
-      <a:lvl8pPr marL="3200400" algn="l" defTabSz="914400" rtl="0" eaLnBrk="1" latinLnBrk="0" hangingPunct="1">
+      <a:lvl8pPr marL="3200560" algn="l" defTabSz="914446" rtl="0" eaLnBrk="1" latinLnBrk="0" hangingPunct="1">
         <a:defRPr sz="1800" kern="1200">
           <a:solidFill>
             <a:schemeClr val="tx1"/>
@@ -2972,7 +2944,7 @@
           <a:cs typeface="+mn-cs"/>
         </a:defRPr>
       </a:lvl8pPr>
-      <a:lvl9pPr marL="3657600" algn="l" defTabSz="914400" rtl="0" eaLnBrk="1" latinLnBrk="0" hangingPunct="1">
+      <a:lvl9pPr marL="3657783" algn="l" defTabSz="914446" rtl="0" eaLnBrk="1" latinLnBrk="0" hangingPunct="1">
         <a:defRPr sz="1800" kern="1200">
           <a:solidFill>
             <a:schemeClr val="tx1"/>
@@ -3012,20 +2984,28 @@
         </p:nvSpPr>
         <p:spPr>
           <a:xfrm>
-            <a:off x="4436668" y="3353029"/>
-            <a:ext cx="1440000" cy="872358"/>
+            <a:off x="2488399" y="2241281"/>
+            <a:ext cx="1368000" cy="1584000"/>
           </a:xfrm>
           <a:prstGeom prst="rect">
             <a:avLst/>
           </a:prstGeom>
           <a:solidFill>
-            <a:srgbClr val="222A29"/>
+            <a:schemeClr val="tx2">
+              <a:lumMod val="50000"/>
+            </a:schemeClr>
           </a:solidFill>
-          <a:ln w="12700">
-            <a:solidFill>
-              <a:schemeClr val="tx1"/>
-            </a:solidFill>
+          <a:ln>
+            <a:noFill/>
           </a:ln>
+          <a:effectLst>
+            <a:outerShdw blurRad="25400" dist="38100" dir="2700000" algn="tl" rotWithShape="0">
+              <a:schemeClr val="bg2">
+                <a:lumMod val="90000"/>
+                <a:alpha val="40000"/>
+              </a:schemeClr>
+            </a:outerShdw>
+          </a:effectLst>
         </p:spPr>
         <p:style>
           <a:lnRef idx="2">
@@ -3044,61 +3024,60 @@
           </a:fontRef>
         </p:style>
         <p:txBody>
-          <a:bodyPr rot="0" spcFirstLastPara="0" vertOverflow="overflow" horzOverflow="overflow" vert="horz" wrap="square" lIns="91440" tIns="45720" rIns="91440" bIns="45720" numCol="1" spcCol="0" rtlCol="0" fromWordArt="0" anchor="ctr" anchorCtr="0" forceAA="0" compatLnSpc="1">
-            <a:prstTxWarp prst="textNoShape">
-              <a:avLst/>
-            </a:prstTxWarp>
-            <a:noAutofit/>
-          </a:bodyPr>
+          <a:bodyPr rtlCol="0" anchor="ctr"/>
           <a:lstStyle/>
           <a:p>
-            <a:pPr algn="ctr">
-              <a:lnSpc>
-                <a:spcPct val="150000"/>
-              </a:lnSpc>
-            </a:pPr>
-            <a:r>
-              <a:rPr lang="en-US" sz="1150" dirty="0" smtClean="0">
-                <a:solidFill>
-                  <a:schemeClr val="bg1"/>
-                </a:solidFill>
-                <a:latin typeface="Helvetica Neue" panose="02000503000000020004" pitchFamily="50"/>
-              </a:rPr>
-              <a:t>INTRA-SLEEP AWAKENINGS</a:t>
-            </a:r>
-            <a:endParaRPr lang="en-US" sz="1150" baseline="30000" dirty="0">
-              <a:solidFill>
-                <a:schemeClr val="bg1"/>
-              </a:solidFill>
-              <a:latin typeface="Helvetica Neue" panose="02000503000000020004" pitchFamily="50"/>
-            </a:endParaRPr>
-          </a:p>
-        </p:txBody>
-      </p:sp>
-      <p:sp>
-        <p:nvSpPr>
-          <p:cNvPr id="7" name="Rectangle 6"/>
+            <a:pPr algn="ctr"/>
+            <a:r>
+              <a:rPr lang="en-US" sz="1600" dirty="0">
+                <a:latin typeface="Open Sans Light" panose="020B0306030504020204" pitchFamily="34" charset="0"/>
+                <a:ea typeface="Open Sans Light" panose="020B0306030504020204" pitchFamily="34" charset="0"/>
+                <a:cs typeface="Open Sans Light" panose="020B0306030504020204" pitchFamily="34" charset="0"/>
+              </a:rPr>
+              <a:t>Dream</a:t>
+            </a:r>
+          </a:p>
+          <a:p>
+            <a:pPr algn="ctr"/>
+            <a:r>
+              <a:rPr lang="en-US" sz="1600" dirty="0">
+                <a:latin typeface="Open Sans Semibold" panose="020B0706030804020204" pitchFamily="34" charset="0"/>
+                <a:ea typeface="Open Sans Semibold" panose="020B0706030804020204" pitchFamily="34" charset="0"/>
+                <a:cs typeface="Open Sans Semibold" panose="020B0706030804020204" pitchFamily="34" charset="0"/>
+              </a:rPr>
+              <a:t>Experience</a:t>
+            </a:r>
+          </a:p>
+        </p:txBody>
+      </p:sp>
+      <p:sp>
+        <p:nvSpPr>
+          <p:cNvPr id="5" name="Rectangle 4"/>
           <p:cNvSpPr/>
           <p:nvPr/>
         </p:nvSpPr>
         <p:spPr>
           <a:xfrm>
-            <a:off x="6404699" y="2721087"/>
-            <a:ext cx="1502980" cy="872358"/>
+            <a:off x="4949768" y="2436599"/>
+            <a:ext cx="1368000" cy="1224000"/>
           </a:xfrm>
           <a:prstGeom prst="rect">
             <a:avLst/>
           </a:prstGeom>
           <a:solidFill>
-            <a:srgbClr val="E8ECEB"/>
+            <a:srgbClr val="9CABC0"/>
           </a:solidFill>
-          <a:ln w="19050">
-            <a:solidFill>
+          <a:ln>
+            <a:noFill/>
+          </a:ln>
+          <a:effectLst>
+            <a:outerShdw blurRad="25400" dist="38100" dir="2700000" algn="tl" rotWithShape="0">
               <a:schemeClr val="bg2">
-                <a:lumMod val="25000"/>
+                <a:lumMod val="90000"/>
+                <a:alpha val="40000"/>
               </a:schemeClr>
-            </a:solidFill>
-          </a:ln>
+            </a:outerShdw>
+          </a:effectLst>
         </p:spPr>
         <p:style>
           <a:lnRef idx="2">
@@ -3117,51 +3096,39 @@
           </a:fontRef>
         </p:style>
         <p:txBody>
-          <a:bodyPr rot="0" spcFirstLastPara="0" vertOverflow="overflow" horzOverflow="overflow" vert="horz" wrap="square" lIns="91440" tIns="45720" rIns="91440" bIns="45720" numCol="1" spcCol="0" rtlCol="0" fromWordArt="0" anchor="ctr" anchorCtr="0" forceAA="0" compatLnSpc="1">
-            <a:prstTxWarp prst="textNoShape">
-              <a:avLst/>
-            </a:prstTxWarp>
-            <a:noAutofit/>
-          </a:bodyPr>
+          <a:bodyPr rtlCol="0" anchor="ctr"/>
           <a:lstStyle/>
           <a:p>
-            <a:pPr algn="ctr">
-              <a:lnSpc>
-                <a:spcPct val="150000"/>
-              </a:lnSpc>
-            </a:pPr>
-            <a:r>
-              <a:rPr lang="en-US" sz="1150" dirty="0" smtClean="0">
+            <a:pPr algn="ctr"/>
+            <a:r>
+              <a:rPr lang="en-US" sz="1600" dirty="0">
                 <a:solidFill>
                   <a:schemeClr val="tx1"/>
                 </a:solidFill>
-                <a:latin typeface="Helvetica Neue" panose="02000503000000020004" pitchFamily="50"/>
-              </a:rPr>
-              <a:t>ENCODING OF DREAM </a:t>
-            </a:r>
-            <a:r>
-              <a:rPr lang="en-US" sz="1150" dirty="0" smtClean="0">
+                <a:latin typeface="Open Sans Light" panose="020B0306030504020204" pitchFamily="34" charset="0"/>
+                <a:ea typeface="Open Sans Light" panose="020B0306030504020204" pitchFamily="34" charset="0"/>
+                <a:cs typeface="Open Sans Light" panose="020B0306030504020204" pitchFamily="34" charset="0"/>
+              </a:rPr>
+              <a:t>Dream </a:t>
+            </a:r>
+            <a:r>
+              <a:rPr lang="en-US" sz="1600" dirty="0">
                 <a:solidFill>
                   <a:schemeClr val="tx1"/>
                 </a:solidFill>
-                <a:latin typeface="Helvetica Neue" panose="02000503000000020004" pitchFamily="50"/>
-              </a:rPr>
-              <a:t>CONTENT INTO </a:t>
-            </a:r>
-            <a:r>
-              <a:rPr lang="en-US" sz="1150" dirty="0" smtClean="0">
-                <a:solidFill>
-                  <a:schemeClr val="tx1"/>
-                </a:solidFill>
-                <a:latin typeface="Helvetica Neue" panose="02000503000000020004" pitchFamily="50"/>
-              </a:rPr>
-              <a:t>MEMORY</a:t>
-            </a:r>
-            <a:endParaRPr lang="en-US" sz="1150" baseline="30000" dirty="0">
+                <a:latin typeface="Open Sans Semibold" panose="020B0706030804020204" pitchFamily="34" charset="0"/>
+                <a:ea typeface="Open Sans Semibold" panose="020B0706030804020204" pitchFamily="34" charset="0"/>
+                <a:cs typeface="Open Sans Semibold" panose="020B0706030804020204" pitchFamily="34" charset="0"/>
+              </a:rPr>
+              <a:t>Recall</a:t>
+            </a:r>
+            <a:endParaRPr lang="en-US" sz="1600" dirty="0">
               <a:solidFill>
                 <a:schemeClr val="tx1"/>
               </a:solidFill>
-              <a:latin typeface="Helvetica Neue" panose="02000503000000020004" pitchFamily="50"/>
+              <a:latin typeface="Open Sans Semibold" panose="020B0706030804020204" pitchFamily="34" charset="0"/>
+              <a:ea typeface="Open Sans Semibold" panose="020B0706030804020204" pitchFamily="34" charset="0"/>
+              <a:cs typeface="Open Sans Semibold" panose="020B0706030804020204" pitchFamily="34" charset="0"/>
             </a:endParaRPr>
           </a:p>
         </p:txBody>
@@ -3174,8 +3141,8 @@
         </p:nvSpPr>
         <p:spPr>
           <a:xfrm>
-            <a:off x="6266152" y="3908758"/>
-            <a:ext cx="763202" cy="477054"/>
+            <a:off x="3373901" y="3609839"/>
+            <a:ext cx="482498" cy="215444"/>
           </a:xfrm>
           <a:prstGeom prst="rect">
             <a:avLst/>
@@ -3188,24 +3155,25 @@
           </a:bodyPr>
           <a:lstStyle/>
           <a:p>
-            <a:pPr algn="ctr"/>
-            <a:r>
-              <a:rPr lang="en-US" sz="1250" dirty="0" smtClean="0">
-                <a:latin typeface="Helvetica Neue" panose="02000503000000020004" pitchFamily="50"/>
-              </a:rPr>
-              <a:t>Sleep </a:t>
-            </a:r>
-          </a:p>
-          <a:p>
-            <a:pPr algn="ctr"/>
-            <a:r>
-              <a:rPr lang="en-US" sz="1250" dirty="0" smtClean="0">
-                <a:latin typeface="Helvetica Neue" panose="02000503000000020004" pitchFamily="50"/>
-              </a:rPr>
-              <a:t>inertia</a:t>
-            </a:r>
-            <a:endParaRPr lang="en-US" sz="1250" baseline="30000" dirty="0">
-              <a:latin typeface="Helvetica Neue" panose="02000503000000020004" pitchFamily="50"/>
+            <a:pPr algn="r"/>
+            <a:r>
+              <a:rPr lang="en-US" sz="800" dirty="0">
+                <a:solidFill>
+                  <a:srgbClr val="E8EBF0"/>
+                </a:solidFill>
+                <a:latin typeface="Open Sans" panose="020B0606030504020204" pitchFamily="34" charset="0"/>
+                <a:ea typeface="Open Sans" panose="020B0606030504020204" pitchFamily="34" charset="0"/>
+                <a:cs typeface="Open Sans" panose="020B0606030504020204" pitchFamily="34" charset="0"/>
+              </a:rPr>
+              <a:t>Sleep</a:t>
+            </a:r>
+            <a:endParaRPr lang="en-US" sz="800" dirty="0">
+              <a:solidFill>
+                <a:srgbClr val="E8EBF0"/>
+              </a:solidFill>
+              <a:latin typeface="Open Sans" panose="020B0606030504020204" pitchFamily="34" charset="0"/>
+              <a:ea typeface="Open Sans" panose="020B0606030504020204" pitchFamily="34" charset="0"/>
+              <a:cs typeface="Open Sans" panose="020B0606030504020204" pitchFamily="34" charset="0"/>
             </a:endParaRPr>
           </a:p>
         </p:txBody>
@@ -3218,8 +3186,8 @@
         </p:nvSpPr>
         <p:spPr>
           <a:xfrm>
-            <a:off x="6290523" y="4666701"/>
-            <a:ext cx="1735696" cy="284693"/>
+            <a:off x="4009574" y="2436599"/>
+            <a:ext cx="782587" cy="369332"/>
           </a:xfrm>
           <a:prstGeom prst="rect">
             <a:avLst/>
@@ -3227,123 +3195,63 @@
           <a:noFill/>
         </p:spPr>
         <p:txBody>
-          <a:bodyPr wrap="square" rtlCol="0">
+          <a:bodyPr wrap="none" rtlCol="0">
             <a:spAutoFit/>
           </a:bodyPr>
           <a:lstStyle/>
           <a:p>
             <a:pPr algn="ctr"/>
             <a:r>
-              <a:rPr lang="en-US" sz="1250" dirty="0" smtClean="0">
-                <a:latin typeface="Helvetica Neue" panose="02000503000000020004" pitchFamily="50"/>
-              </a:rPr>
-              <a:t>Physiological context</a:t>
-            </a:r>
-            <a:endParaRPr lang="en-US" sz="1250" baseline="30000" dirty="0">
-              <a:latin typeface="Helvetica Neue" panose="02000503000000020004" pitchFamily="50"/>
+              <a:rPr lang="en-US" sz="900" dirty="0">
+                <a:latin typeface="Open Sans" panose="020B0606030504020204" pitchFamily="34" charset="0"/>
+                <a:ea typeface="Open Sans" panose="020B0606030504020204" pitchFamily="34" charset="0"/>
+                <a:cs typeface="Open Sans" panose="020B0606030504020204" pitchFamily="34" charset="0"/>
+              </a:rPr>
+              <a:t>MEMORY </a:t>
+            </a:r>
+          </a:p>
+          <a:p>
+            <a:pPr algn="ctr"/>
+            <a:r>
+              <a:rPr lang="en-US" sz="900" dirty="0">
+                <a:latin typeface="Open Sans" panose="020B0606030504020204" pitchFamily="34" charset="0"/>
+                <a:ea typeface="Open Sans" panose="020B0606030504020204" pitchFamily="34" charset="0"/>
+                <a:cs typeface="Open Sans" panose="020B0606030504020204" pitchFamily="34" charset="0"/>
+              </a:rPr>
+              <a:t>ENCODING</a:t>
+            </a:r>
+            <a:endParaRPr lang="en-US" sz="900" dirty="0">
+              <a:latin typeface="Open Sans" panose="020B0606030504020204" pitchFamily="34" charset="0"/>
+              <a:ea typeface="Open Sans" panose="020B0606030504020204" pitchFamily="34" charset="0"/>
+              <a:cs typeface="Open Sans" panose="020B0606030504020204" pitchFamily="34" charset="0"/>
             </a:endParaRPr>
           </a:p>
         </p:txBody>
       </p:sp>
-      <p:cxnSp>
-        <p:nvCxnSpPr>
-          <p:cNvPr id="19" name="Connecteur droit avec flèche 18"/>
-          <p:cNvCxnSpPr/>
-          <p:nvPr/>
-        </p:nvCxnSpPr>
-        <p:spPr>
-          <a:xfrm flipV="1">
-            <a:off x="6640797" y="4412898"/>
-            <a:ext cx="0" cy="216000"/>
-          </a:xfrm>
-          <a:prstGeom prst="straightConnector1">
-            <a:avLst/>
-          </a:prstGeom>
-          <a:ln w="12700">
-            <a:solidFill>
-              <a:schemeClr val="tx1">
-                <a:lumMod val="85000"/>
-                <a:lumOff val="15000"/>
-              </a:schemeClr>
-            </a:solidFill>
-            <a:tailEnd type="triangle"/>
-          </a:ln>
-        </p:spPr>
-        <p:style>
-          <a:lnRef idx="3">
-            <a:schemeClr val="dk1"/>
-          </a:lnRef>
-          <a:fillRef idx="0">
-            <a:schemeClr val="dk1"/>
-          </a:fillRef>
-          <a:effectRef idx="2">
-            <a:schemeClr val="dk1"/>
-          </a:effectRef>
-          <a:fontRef idx="minor">
-            <a:schemeClr val="tx1"/>
-          </a:fontRef>
-        </p:style>
-      </p:cxnSp>
-      <p:cxnSp>
-        <p:nvCxnSpPr>
-          <p:cNvPr id="20" name="Connecteur droit avec flèche 19"/>
-          <p:cNvCxnSpPr/>
-          <p:nvPr/>
-        </p:nvCxnSpPr>
-        <p:spPr>
-          <a:xfrm flipV="1">
-            <a:off x="6647408" y="3667014"/>
-            <a:ext cx="0" cy="216000"/>
-          </a:xfrm>
-          <a:prstGeom prst="straightConnector1">
-            <a:avLst/>
-          </a:prstGeom>
-          <a:ln w="12700">
-            <a:solidFill>
-              <a:schemeClr val="tx1">
-                <a:lumMod val="85000"/>
-                <a:lumOff val="15000"/>
-              </a:schemeClr>
-            </a:solidFill>
-            <a:tailEnd type="triangle"/>
-          </a:ln>
-        </p:spPr>
-        <p:style>
-          <a:lnRef idx="3">
-            <a:schemeClr val="dk1"/>
-          </a:lnRef>
-          <a:fillRef idx="0">
-            <a:schemeClr val="dk1"/>
-          </a:fillRef>
-          <a:effectRef idx="2">
-            <a:schemeClr val="dk1"/>
-          </a:effectRef>
-          <a:fontRef idx="minor">
-            <a:schemeClr val="tx1"/>
-          </a:fontRef>
-        </p:style>
-      </p:cxnSp>
-      <p:sp>
-        <p:nvSpPr>
-          <p:cNvPr id="26" name="Rectangle 25"/>
+      <p:sp>
+        <p:nvSpPr>
+          <p:cNvPr id="10" name="Flèche droite 9"/>
           <p:cNvSpPr/>
           <p:nvPr/>
         </p:nvSpPr>
         <p:spPr>
           <a:xfrm>
-            <a:off x="4436668" y="2083206"/>
-            <a:ext cx="1440000" cy="872358"/>
-          </a:xfrm>
-          <a:prstGeom prst="rect">
-            <a:avLst/>
+            <a:off x="4034421" y="2927667"/>
+            <a:ext cx="732894" cy="216000"/>
+          </a:xfrm>
+          <a:prstGeom prst="rightArrow">
+            <a:avLst>
+              <a:gd name="adj1" fmla="val 50000"/>
+              <a:gd name="adj2" fmla="val 66282"/>
+            </a:avLst>
           </a:prstGeom>
           <a:solidFill>
-            <a:srgbClr val="222A29"/>
+            <a:schemeClr val="bg2">
+              <a:lumMod val="10000"/>
+            </a:schemeClr>
           </a:solidFill>
-          <a:ln w="12700">
-            <a:solidFill>
-              <a:schemeClr val="tx1"/>
-            </a:solidFill>
+          <a:ln>
+            <a:noFill/>
           </a:ln>
         </p:spPr>
         <p:style>
@@ -3363,7 +3271,130 @@
           </a:fontRef>
         </p:style>
         <p:txBody>
-          <a:bodyPr rot="0" spcFirstLastPara="0" vertOverflow="overflow" horzOverflow="overflow" vert="horz" wrap="square" lIns="91440" tIns="45720" rIns="91440" bIns="45720" numCol="1" spcCol="0" rtlCol="0" fromWordArt="0" anchor="ctr" anchorCtr="0" forceAA="0" compatLnSpc="1">
+          <a:bodyPr rtlCol="0" anchor="ctr"/>
+          <a:lstStyle/>
+          <a:p>
+            <a:pPr algn="ctr"/>
+            <a:endParaRPr lang="en-US"/>
+          </a:p>
+        </p:txBody>
+      </p:sp>
+      <p:sp>
+        <p:nvSpPr>
+          <p:cNvPr id="14" name="ZoneTexte 13"/>
+          <p:cNvSpPr txBox="1"/>
+          <p:nvPr/>
+        </p:nvSpPr>
+        <p:spPr>
+          <a:xfrm>
+            <a:off x="5633768" y="3445157"/>
+            <a:ext cx="684000" cy="215444"/>
+          </a:xfrm>
+          <a:prstGeom prst="rect">
+            <a:avLst/>
+          </a:prstGeom>
+          <a:noFill/>
+        </p:spPr>
+        <p:txBody>
+          <a:bodyPr wrap="square" rtlCol="0">
+            <a:spAutoFit/>
+          </a:bodyPr>
+          <a:lstStyle/>
+          <a:p>
+            <a:pPr algn="r"/>
+            <a:r>
+              <a:rPr lang="en-US" sz="800" dirty="0">
+                <a:solidFill>
+                  <a:srgbClr val="E8EBF0"/>
+                </a:solidFill>
+                <a:latin typeface="Open Sans" panose="020B0606030504020204" pitchFamily="34" charset="0"/>
+                <a:ea typeface="Open Sans" panose="020B0606030504020204" pitchFamily="34" charset="0"/>
+                <a:cs typeface="Open Sans" panose="020B0606030504020204" pitchFamily="34" charset="0"/>
+              </a:rPr>
+              <a:t>Wake</a:t>
+            </a:r>
+            <a:endParaRPr lang="en-US" sz="800" dirty="0">
+              <a:solidFill>
+                <a:srgbClr val="E8EBF0"/>
+              </a:solidFill>
+              <a:latin typeface="Open Sans" panose="020B0606030504020204" pitchFamily="34" charset="0"/>
+              <a:ea typeface="Open Sans" panose="020B0606030504020204" pitchFamily="34" charset="0"/>
+              <a:cs typeface="Open Sans" panose="020B0606030504020204" pitchFamily="34" charset="0"/>
+            </a:endParaRPr>
+          </a:p>
+        </p:txBody>
+      </p:sp>
+    </p:spTree>
+    <p:extLst>
+      <p:ext uri="{BB962C8B-B14F-4D97-AF65-F5344CB8AC3E}">
+        <p14:creationId xmlns:p14="http://schemas.microsoft.com/office/powerpoint/2010/main" val="1785080441"/>
+      </p:ext>
+    </p:extLst>
+  </p:cSld>
+  <p:clrMapOvr>
+    <a:masterClrMapping/>
+  </p:clrMapOvr>
+</p:sld>
+</file>
+
+<file path=ppt/slides/slide2.xml><?xml version="1.0" encoding="utf-8"?>
+<p:sld xmlns:a="http://schemas.openxmlformats.org/drawingml/2006/main" xmlns:r="http://schemas.openxmlformats.org/officeDocument/2006/relationships" xmlns:p="http://schemas.openxmlformats.org/presentationml/2006/main">
+  <p:cSld>
+    <p:spTree>
+      <p:nvGrpSpPr>
+        <p:cNvPr id="1" name=""/>
+        <p:cNvGrpSpPr/>
+        <p:nvPr/>
+      </p:nvGrpSpPr>
+      <p:grpSpPr>
+        <a:xfrm>
+          <a:off x="0" y="0"/>
+          <a:ext cx="0" cy="0"/>
+          <a:chOff x="0" y="0"/>
+          <a:chExt cx="0" cy="0"/>
+        </a:xfrm>
+      </p:grpSpPr>
+      <p:sp>
+        <p:nvSpPr>
+          <p:cNvPr id="4" name="Rectangle 3"/>
+          <p:cNvSpPr/>
+          <p:nvPr/>
+        </p:nvSpPr>
+        <p:spPr>
+          <a:xfrm>
+            <a:off x="4436668" y="3353029"/>
+            <a:ext cx="1440000" cy="872357"/>
+          </a:xfrm>
+          <a:prstGeom prst="rect">
+            <a:avLst/>
+          </a:prstGeom>
+          <a:solidFill>
+            <a:srgbClr val="222A29"/>
+          </a:solidFill>
+          <a:ln w="12700">
+            <a:solidFill>
+              <a:schemeClr val="tx1"/>
+            </a:solidFill>
+          </a:ln>
+        </p:spPr>
+        <p:style>
+          <a:lnRef idx="2">
+            <a:schemeClr val="accent1">
+              <a:shade val="50000"/>
+            </a:schemeClr>
+          </a:lnRef>
+          <a:fillRef idx="1">
+            <a:schemeClr val="accent1"/>
+          </a:fillRef>
+          <a:effectRef idx="0">
+            <a:schemeClr val="accent1"/>
+          </a:effectRef>
+          <a:fontRef idx="minor">
+            <a:schemeClr val="lt1"/>
+          </a:fontRef>
+        </p:style>
+        <p:txBody>
+          <a:bodyPr rot="0" spcFirstLastPara="0" vertOverflow="overflow" horzOverflow="overflow" vert="horz" wrap="square" lIns="91439" tIns="45720" rIns="91439" bIns="45720" numCol="1" spcCol="0" rtlCol="0" fromWordArt="0" anchor="ctr" anchorCtr="0" forceAA="0" compatLnSpc="1">
             <a:prstTxWarp prst="textNoShape">
               <a:avLst/>
             </a:prstTxWarp>
@@ -3377,33 +3408,15 @@
               </a:lnSpc>
             </a:pPr>
             <a:r>
-              <a:rPr lang="en-US" sz="1150" dirty="0" smtClean="0">
+              <a:rPr lang="en-US" sz="1151" dirty="0">
                 <a:solidFill>
                   <a:schemeClr val="bg1"/>
                 </a:solidFill>
                 <a:latin typeface="Helvetica Neue" panose="02000503000000020004" pitchFamily="50"/>
               </a:rPr>
-              <a:t>SALIENCE </a:t>
-            </a:r>
-            <a:r>
-              <a:rPr lang="en-US" sz="1150" dirty="0">
-                <a:solidFill>
-                  <a:schemeClr val="bg1"/>
-                </a:solidFill>
-                <a:latin typeface="Helvetica Neue" panose="02000503000000020004" pitchFamily="50"/>
-              </a:rPr>
-              <a:t> </a:t>
-            </a:r>
-            <a:r>
-              <a:rPr lang="en-US" sz="1150" dirty="0" smtClean="0">
-                <a:solidFill>
-                  <a:schemeClr val="bg1"/>
-                </a:solidFill>
-                <a:latin typeface="Helvetica Neue" panose="02000503000000020004" pitchFamily="50"/>
-              </a:rPr>
-              <a:t>        OF DREAM CONTENT</a:t>
-            </a:r>
-            <a:endParaRPr lang="en-US" sz="1150" baseline="30000" dirty="0">
+              <a:t>INTRA-SLEEP AWAKENINGS</a:t>
+            </a:r>
+            <a:endParaRPr lang="en-US" sz="1151" baseline="30000" dirty="0">
               <a:solidFill>
                 <a:schemeClr val="bg1"/>
               </a:solidFill>
@@ -3412,15 +3425,167 @@
           </a:p>
         </p:txBody>
       </p:sp>
+      <p:sp>
+        <p:nvSpPr>
+          <p:cNvPr id="7" name="Rectangle 6"/>
+          <p:cNvSpPr/>
+          <p:nvPr/>
+        </p:nvSpPr>
+        <p:spPr>
+          <a:xfrm>
+            <a:off x="6404698" y="2721088"/>
+            <a:ext cx="1502981" cy="872357"/>
+          </a:xfrm>
+          <a:prstGeom prst="rect">
+            <a:avLst/>
+          </a:prstGeom>
+          <a:solidFill>
+            <a:srgbClr val="E8ECEB"/>
+          </a:solidFill>
+          <a:ln w="19050">
+            <a:solidFill>
+              <a:schemeClr val="bg2">
+                <a:lumMod val="25000"/>
+              </a:schemeClr>
+            </a:solidFill>
+          </a:ln>
+        </p:spPr>
+        <p:style>
+          <a:lnRef idx="2">
+            <a:schemeClr val="accent1">
+              <a:shade val="50000"/>
+            </a:schemeClr>
+          </a:lnRef>
+          <a:fillRef idx="1">
+            <a:schemeClr val="accent1"/>
+          </a:fillRef>
+          <a:effectRef idx="0">
+            <a:schemeClr val="accent1"/>
+          </a:effectRef>
+          <a:fontRef idx="minor">
+            <a:schemeClr val="lt1"/>
+          </a:fontRef>
+        </p:style>
+        <p:txBody>
+          <a:bodyPr rot="0" spcFirstLastPara="0" vertOverflow="overflow" horzOverflow="overflow" vert="horz" wrap="square" lIns="91439" tIns="45720" rIns="91439" bIns="45720" numCol="1" spcCol="0" rtlCol="0" fromWordArt="0" anchor="ctr" anchorCtr="0" forceAA="0" compatLnSpc="1">
+            <a:prstTxWarp prst="textNoShape">
+              <a:avLst/>
+            </a:prstTxWarp>
+            <a:noAutofit/>
+          </a:bodyPr>
+          <a:lstStyle/>
+          <a:p>
+            <a:pPr algn="ctr">
+              <a:lnSpc>
+                <a:spcPct val="150000"/>
+              </a:lnSpc>
+            </a:pPr>
+            <a:r>
+              <a:rPr lang="en-US" sz="1151" dirty="0">
+                <a:solidFill>
+                  <a:schemeClr val="tx1"/>
+                </a:solidFill>
+                <a:latin typeface="Helvetica Neue" panose="02000503000000020004" pitchFamily="50"/>
+              </a:rPr>
+              <a:t>ENCODING OF DREAM CONTENT INTO MEMORY</a:t>
+            </a:r>
+            <a:endParaRPr lang="en-US" sz="1151" baseline="30000" dirty="0">
+              <a:solidFill>
+                <a:schemeClr val="tx1"/>
+              </a:solidFill>
+              <a:latin typeface="Helvetica Neue" panose="02000503000000020004" pitchFamily="50"/>
+            </a:endParaRPr>
+          </a:p>
+        </p:txBody>
+      </p:sp>
+      <p:sp>
+        <p:nvSpPr>
+          <p:cNvPr id="8" name="ZoneTexte 7"/>
+          <p:cNvSpPr txBox="1"/>
+          <p:nvPr/>
+        </p:nvSpPr>
+        <p:spPr>
+          <a:xfrm>
+            <a:off x="6266152" y="3908758"/>
+            <a:ext cx="763201" cy="477310"/>
+          </a:xfrm>
+          <a:prstGeom prst="rect">
+            <a:avLst/>
+          </a:prstGeom>
+          <a:noFill/>
+        </p:spPr>
+        <p:txBody>
+          <a:bodyPr wrap="square" rtlCol="0">
+            <a:spAutoFit/>
+          </a:bodyPr>
+          <a:lstStyle/>
+          <a:p>
+            <a:pPr algn="ctr"/>
+            <a:r>
+              <a:rPr lang="en-US" sz="1251" dirty="0">
+                <a:latin typeface="Helvetica Neue" panose="02000503000000020004" pitchFamily="50"/>
+              </a:rPr>
+              <a:t>Sleep </a:t>
+            </a:r>
+          </a:p>
+          <a:p>
+            <a:pPr algn="ctr"/>
+            <a:r>
+              <a:rPr lang="en-US" sz="1251" dirty="0">
+                <a:latin typeface="Helvetica Neue" panose="02000503000000020004" pitchFamily="50"/>
+              </a:rPr>
+              <a:t>inertia</a:t>
+            </a:r>
+            <a:endParaRPr lang="en-US" sz="1251" baseline="30000" dirty="0">
+              <a:latin typeface="Helvetica Neue" panose="02000503000000020004" pitchFamily="50"/>
+            </a:endParaRPr>
+          </a:p>
+        </p:txBody>
+      </p:sp>
+      <p:sp>
+        <p:nvSpPr>
+          <p:cNvPr id="9" name="ZoneTexte 8"/>
+          <p:cNvSpPr txBox="1"/>
+          <p:nvPr/>
+        </p:nvSpPr>
+        <p:spPr>
+          <a:xfrm>
+            <a:off x="6290523" y="4666701"/>
+            <a:ext cx="1735696" cy="284822"/>
+          </a:xfrm>
+          <a:prstGeom prst="rect">
+            <a:avLst/>
+          </a:prstGeom>
+          <a:noFill/>
+        </p:spPr>
+        <p:txBody>
+          <a:bodyPr wrap="square" rtlCol="0">
+            <a:spAutoFit/>
+          </a:bodyPr>
+          <a:lstStyle/>
+          <a:p>
+            <a:pPr algn="ctr"/>
+            <a:r>
+              <a:rPr lang="en-US" sz="1251" dirty="0">
+                <a:latin typeface="Helvetica Neue" panose="02000503000000020004" pitchFamily="50"/>
+              </a:rPr>
+              <a:t>Physiological context</a:t>
+            </a:r>
+            <a:endParaRPr lang="en-US" sz="1251" baseline="30000" dirty="0">
+              <a:latin typeface="Helvetica Neue" panose="02000503000000020004" pitchFamily="50"/>
+            </a:endParaRPr>
+          </a:p>
+        </p:txBody>
+      </p:sp>
       <p:cxnSp>
         <p:nvCxnSpPr>
-          <p:cNvPr id="42" name="Connecteur droit avec flèche 41"/>
+          <p:cNvPr id="19" name="Connecteur droit avec flèche 18"/>
           <p:cNvCxnSpPr/>
           <p:nvPr/>
         </p:nvCxnSpPr>
         <p:spPr>
-          <a:xfrm>
-            <a:off x="7157229" y="2409641"/>
+          <a:xfrm flipV="1">
+            <a:off x="6640797" y="4412897"/>
             <a:ext cx="0" cy="216000"/>
           </a:xfrm>
           <a:prstGeom prst="straightConnector1">
@@ -3451,6 +3616,173 @@
           </a:fontRef>
         </p:style>
       </p:cxnSp>
+      <p:cxnSp>
+        <p:nvCxnSpPr>
+          <p:cNvPr id="20" name="Connecteur droit avec flèche 19"/>
+          <p:cNvCxnSpPr/>
+          <p:nvPr/>
+        </p:nvCxnSpPr>
+        <p:spPr>
+          <a:xfrm flipV="1">
+            <a:off x="6647408" y="3667014"/>
+            <a:ext cx="0" cy="216000"/>
+          </a:xfrm>
+          <a:prstGeom prst="straightConnector1">
+            <a:avLst/>
+          </a:prstGeom>
+          <a:ln w="12700">
+            <a:solidFill>
+              <a:schemeClr val="tx1">
+                <a:lumMod val="85000"/>
+                <a:lumOff val="15000"/>
+              </a:schemeClr>
+            </a:solidFill>
+            <a:tailEnd type="triangle"/>
+          </a:ln>
+        </p:spPr>
+        <p:style>
+          <a:lnRef idx="3">
+            <a:schemeClr val="dk1"/>
+          </a:lnRef>
+          <a:fillRef idx="0">
+            <a:schemeClr val="dk1"/>
+          </a:fillRef>
+          <a:effectRef idx="2">
+            <a:schemeClr val="dk1"/>
+          </a:effectRef>
+          <a:fontRef idx="minor">
+            <a:schemeClr val="tx1"/>
+          </a:fontRef>
+        </p:style>
+      </p:cxnSp>
+      <p:sp>
+        <p:nvSpPr>
+          <p:cNvPr id="26" name="Rectangle 25"/>
+          <p:cNvSpPr/>
+          <p:nvPr/>
+        </p:nvSpPr>
+        <p:spPr>
+          <a:xfrm>
+            <a:off x="4436668" y="2083207"/>
+            <a:ext cx="1440000" cy="872357"/>
+          </a:xfrm>
+          <a:prstGeom prst="rect">
+            <a:avLst/>
+          </a:prstGeom>
+          <a:solidFill>
+            <a:srgbClr val="222A29"/>
+          </a:solidFill>
+          <a:ln w="12700">
+            <a:solidFill>
+              <a:schemeClr val="tx1"/>
+            </a:solidFill>
+          </a:ln>
+        </p:spPr>
+        <p:style>
+          <a:lnRef idx="2">
+            <a:schemeClr val="accent1">
+              <a:shade val="50000"/>
+            </a:schemeClr>
+          </a:lnRef>
+          <a:fillRef idx="1">
+            <a:schemeClr val="accent1"/>
+          </a:fillRef>
+          <a:effectRef idx="0">
+            <a:schemeClr val="accent1"/>
+          </a:effectRef>
+          <a:fontRef idx="minor">
+            <a:schemeClr val="lt1"/>
+          </a:fontRef>
+        </p:style>
+        <p:txBody>
+          <a:bodyPr rot="0" spcFirstLastPara="0" vertOverflow="overflow" horzOverflow="overflow" vert="horz" wrap="square" lIns="91439" tIns="45720" rIns="91439" bIns="45720" numCol="1" spcCol="0" rtlCol="0" fromWordArt="0" anchor="ctr" anchorCtr="0" forceAA="0" compatLnSpc="1">
+            <a:prstTxWarp prst="textNoShape">
+              <a:avLst/>
+            </a:prstTxWarp>
+            <a:noAutofit/>
+          </a:bodyPr>
+          <a:lstStyle/>
+          <a:p>
+            <a:pPr algn="ctr">
+              <a:lnSpc>
+                <a:spcPct val="150000"/>
+              </a:lnSpc>
+            </a:pPr>
+            <a:r>
+              <a:rPr lang="en-US" sz="1151" dirty="0">
+                <a:solidFill>
+                  <a:schemeClr val="bg1"/>
+                </a:solidFill>
+                <a:latin typeface="Helvetica Neue" panose="02000503000000020004" pitchFamily="50"/>
+              </a:rPr>
+              <a:t>SALIENCE </a:t>
+            </a:r>
+            <a:r>
+              <a:rPr lang="en-US" sz="1151" dirty="0">
+                <a:solidFill>
+                  <a:schemeClr val="bg1"/>
+                </a:solidFill>
+                <a:latin typeface="Helvetica Neue" panose="02000503000000020004" pitchFamily="50"/>
+              </a:rPr>
+              <a:t> </a:t>
+            </a:r>
+            <a:r>
+              <a:rPr lang="en-US" sz="1151" dirty="0">
+                <a:solidFill>
+                  <a:schemeClr val="bg1"/>
+                </a:solidFill>
+                <a:latin typeface="Helvetica Neue" panose="02000503000000020004" pitchFamily="50"/>
+              </a:rPr>
+              <a:t>        OF DREAM CONTENT</a:t>
+            </a:r>
+            <a:endParaRPr lang="en-US" sz="1151" baseline="30000" dirty="0">
+              <a:solidFill>
+                <a:schemeClr val="bg1"/>
+              </a:solidFill>
+              <a:latin typeface="Helvetica Neue" panose="02000503000000020004" pitchFamily="50"/>
+            </a:endParaRPr>
+          </a:p>
+        </p:txBody>
+      </p:sp>
+      <p:cxnSp>
+        <p:nvCxnSpPr>
+          <p:cNvPr id="42" name="Connecteur droit avec flèche 41"/>
+          <p:cNvCxnSpPr/>
+          <p:nvPr/>
+        </p:nvCxnSpPr>
+        <p:spPr>
+          <a:xfrm>
+            <a:off x="7157228" y="2409641"/>
+            <a:ext cx="0" cy="216000"/>
+          </a:xfrm>
+          <a:prstGeom prst="straightConnector1">
+            <a:avLst/>
+          </a:prstGeom>
+          <a:ln w="12700">
+            <a:solidFill>
+              <a:schemeClr val="tx1">
+                <a:lumMod val="85000"/>
+                <a:lumOff val="15000"/>
+              </a:schemeClr>
+            </a:solidFill>
+            <a:tailEnd type="triangle"/>
+          </a:ln>
+        </p:spPr>
+        <p:style>
+          <a:lnRef idx="3">
+            <a:schemeClr val="dk1"/>
+          </a:lnRef>
+          <a:fillRef idx="0">
+            <a:schemeClr val="dk1"/>
+          </a:fillRef>
+          <a:effectRef idx="2">
+            <a:schemeClr val="dk1"/>
+          </a:effectRef>
+          <a:fontRef idx="minor">
+            <a:schemeClr val="tx1"/>
+          </a:fontRef>
+        </p:style>
+      </p:cxnSp>
       <p:sp>
         <p:nvSpPr>
           <p:cNvPr id="43" name="ZoneTexte 42"/>
@@ -3459,8 +3791,8 @@
         </p:nvSpPr>
         <p:spPr>
           <a:xfrm>
-            <a:off x="6404697" y="2118416"/>
-            <a:ext cx="1502979" cy="284693"/>
+            <a:off x="6404698" y="2118416"/>
+            <a:ext cx="1502979" cy="284822"/>
           </a:xfrm>
           <a:prstGeom prst="rect">
             <a:avLst/>
@@ -3475,12 +3807,12 @@
           <a:p>
             <a:pPr algn="ctr"/>
             <a:r>
-              <a:rPr lang="en-US" sz="1250" dirty="0" smtClean="0">
+              <a:rPr lang="en-US" sz="1251" dirty="0">
                 <a:latin typeface="Helvetica Neue" panose="02000503000000020004" pitchFamily="50"/>
               </a:rPr>
               <a:t>Interference</a:t>
             </a:r>
-            <a:endParaRPr lang="en-US" sz="1250" dirty="0">
+            <a:endParaRPr lang="en-US" sz="1251" dirty="0">
               <a:latin typeface="Helvetica Neue" panose="02000503000000020004" pitchFamily="50"/>
             </a:endParaRPr>
           </a:p>
@@ -3494,7 +3826,7 @@
         </p:nvGrpSpPr>
         <p:grpSpPr>
           <a:xfrm>
-            <a:off x="8246920" y="2129987"/>
+            <a:off x="8246921" y="2129987"/>
             <a:ext cx="1311519" cy="1463458"/>
             <a:chOff x="10828802" y="1497165"/>
             <a:chExt cx="1311519" cy="1463458"/>
@@ -3577,7 +3909,7 @@
             </a:fontRef>
           </p:style>
           <p:txBody>
-            <a:bodyPr rot="0" spcFirstLastPara="0" vertOverflow="overflow" horzOverflow="overflow" vert="horz" wrap="square" lIns="91440" tIns="45720" rIns="91440" bIns="45720" numCol="1" spcCol="0" rtlCol="0" fromWordArt="0" anchor="t" anchorCtr="0" forceAA="0" compatLnSpc="1">
+            <a:bodyPr rot="0" spcFirstLastPara="0" vertOverflow="overflow" horzOverflow="overflow" vert="horz" wrap="square" lIns="91439" tIns="45720" rIns="91439" bIns="45720" numCol="1" spcCol="0" rtlCol="0" fromWordArt="0" anchor="t" anchorCtr="0" forceAA="0" compatLnSpc="1">
               <a:prstTxWarp prst="textNoShape">
                 <a:avLst/>
               </a:prstTxWarp>
@@ -3587,7 +3919,7 @@
             <a:p>
               <a:pPr algn="ctr"/>
               <a:r>
-                <a:rPr lang="en-US" sz="1200" b="1" dirty="0" smtClean="0">
+                <a:rPr lang="en-US" sz="1200" b="1" dirty="0">
                   <a:solidFill>
                     <a:schemeClr val="tx1"/>
                   </a:solidFill>
@@ -3613,7 +3945,7 @@
         </p:nvCxnSpPr>
         <p:spPr>
           <a:xfrm>
-            <a:off x="7158047" y="1859827"/>
+            <a:off x="7158047" y="1859828"/>
             <a:ext cx="0" cy="216000"/>
           </a:xfrm>
           <a:prstGeom prst="straightConnector1">
@@ -3652,8 +3984,8 @@
         </p:nvSpPr>
         <p:spPr>
           <a:xfrm>
-            <a:off x="6404697" y="1553739"/>
-            <a:ext cx="1502979" cy="284693"/>
+            <a:off x="6404698" y="1553739"/>
+            <a:ext cx="1502979" cy="284822"/>
           </a:xfrm>
           <a:prstGeom prst="rect">
             <a:avLst/>
@@ -3668,12 +4000,12 @@
           <a:p>
             <a:pPr algn="ctr"/>
             <a:r>
-              <a:rPr lang="en-US" sz="1250" dirty="0" smtClean="0">
+              <a:rPr lang="en-US" sz="1251" dirty="0">
                 <a:latin typeface="Helvetica Neue" panose="02000503000000020004" pitchFamily="50"/>
               </a:rPr>
               <a:t>Interest in dreams</a:t>
             </a:r>
-            <a:endParaRPr lang="en-US" sz="1250" baseline="30000" dirty="0">
+            <a:endParaRPr lang="en-US" sz="1251" baseline="30000" dirty="0">
               <a:latin typeface="Helvetica Neue" panose="02000503000000020004" pitchFamily="50"/>
             </a:endParaRPr>
           </a:p>
@@ -3727,7 +4059,7 @@
         <p:grpSpPr>
           <a:xfrm>
             <a:off x="2600927" y="2070294"/>
-            <a:ext cx="1296000" cy="2160000"/>
+            <a:ext cx="1296000" cy="2159999"/>
             <a:chOff x="2379431" y="2071934"/>
             <a:chExt cx="1296000" cy="2142181"/>
           </a:xfrm>
@@ -3786,7 +4118,7 @@
               </a:fontRef>
             </p:style>
             <p:txBody>
-              <a:bodyPr rot="0" spcFirstLastPara="0" vertOverflow="overflow" horzOverflow="overflow" vert="horz" wrap="square" lIns="91440" tIns="45720" rIns="91440" bIns="45720" numCol="1" spcCol="0" rtlCol="0" fromWordArt="0" anchor="ctr" anchorCtr="0" forceAA="0" compatLnSpc="1">
+              <a:bodyPr rot="0" spcFirstLastPara="0" vertOverflow="overflow" horzOverflow="overflow" vert="horz" wrap="square" lIns="91439" tIns="45720" rIns="91439" bIns="45720" numCol="1" spcCol="0" rtlCol="0" fromWordArt="0" anchor="ctr" anchorCtr="0" forceAA="0" compatLnSpc="1">
                 <a:prstTxWarp prst="textNoShape">
                   <a:avLst/>
                 </a:prstTxWarp>
@@ -3800,7 +4132,7 @@
                   </a:lnSpc>
                 </a:pPr>
                 <a:r>
-                  <a:rPr lang="en-US" sz="1150" dirty="0" smtClean="0">
+                  <a:rPr lang="en-US" sz="1151" dirty="0">
                     <a:solidFill>
                       <a:schemeClr val="tx1"/>
                     </a:solidFill>
@@ -3808,7 +4140,7 @@
                   </a:rPr>
                   <a:t>PERSONALITY, LIFE-STYLE, CREATIVITY</a:t>
                 </a:r>
-                <a:endParaRPr lang="en-US" sz="1150" baseline="30000" dirty="0">
+                <a:endParaRPr lang="en-US" sz="1151" baseline="30000" dirty="0">
                   <a:solidFill>
                     <a:schemeClr val="tx1"/>
                   </a:solidFill>
@@ -3855,7 +4187,7 @@
               </a:fontRef>
             </p:style>
             <p:txBody>
-              <a:bodyPr rot="0" spcFirstLastPara="0" vertOverflow="overflow" horzOverflow="overflow" vert="horz" wrap="square" lIns="91440" tIns="45720" rIns="91440" bIns="45720" numCol="1" spcCol="0" rtlCol="0" fromWordArt="0" anchor="ctr" anchorCtr="0" forceAA="0" compatLnSpc="1">
+              <a:bodyPr rot="0" spcFirstLastPara="0" vertOverflow="overflow" horzOverflow="overflow" vert="horz" wrap="square" lIns="91439" tIns="45720" rIns="91439" bIns="45720" numCol="1" spcCol="0" rtlCol="0" fromWordArt="0" anchor="ctr" anchorCtr="0" forceAA="0" compatLnSpc="1">
                 <a:prstTxWarp prst="textNoShape">
                   <a:avLst/>
                 </a:prstTxWarp>
@@ -3869,7 +4201,7 @@
                   </a:lnSpc>
                 </a:pPr>
                 <a:r>
-                  <a:rPr lang="en-US" sz="1150" dirty="0" smtClean="0">
+                  <a:rPr lang="en-US" sz="1151" dirty="0">
                     <a:solidFill>
                       <a:schemeClr val="tx1"/>
                     </a:solidFill>
@@ -3877,7 +4209,7 @@
                   </a:rPr>
                   <a:t>DEFAULT NETWORK FUNCTIONING</a:t>
                 </a:r>
-                <a:endParaRPr lang="en-US" sz="1150" baseline="30000" dirty="0">
+                <a:endParaRPr lang="en-US" sz="1151" baseline="30000" dirty="0">
                   <a:solidFill>
                     <a:schemeClr val="tx1"/>
                   </a:solidFill>
@@ -3936,7 +4268,7 @@
         </p:nvCxnSpPr>
         <p:spPr>
           <a:xfrm>
-            <a:off x="7982857" y="3151599"/>
+            <a:off x="7982858" y="3151599"/>
             <a:ext cx="324000" cy="0"/>
           </a:xfrm>
           <a:prstGeom prst="straightConnector1">
@@ -3975,8 +4307,8 @@
         </p:nvCxnSpPr>
         <p:spPr>
           <a:xfrm>
-            <a:off x="5961483" y="2517641"/>
-            <a:ext cx="370622" cy="191569"/>
+            <a:off x="5961483" y="2517642"/>
+            <a:ext cx="370622" cy="191568"/>
           </a:xfrm>
           <a:prstGeom prst="straightConnector1">
             <a:avLst/>
@@ -4014,8 +4346,8 @@
         </p:nvSpPr>
         <p:spPr>
           <a:xfrm>
-            <a:off x="7342961" y="3908758"/>
-            <a:ext cx="763202" cy="477054"/>
+            <a:off x="7342962" y="3908760"/>
+            <a:ext cx="763201" cy="477310"/>
           </a:xfrm>
           <a:prstGeom prst="rect">
             <a:avLst/>
@@ -4030,12 +4362,12 @@
           <a:p>
             <a:pPr algn="ctr"/>
             <a:r>
-              <a:rPr lang="en-US" sz="1250" dirty="0" smtClean="0">
+              <a:rPr lang="en-US" sz="1251" dirty="0">
                 <a:latin typeface="Helvetica Neue" panose="02000503000000020004" pitchFamily="50"/>
               </a:rPr>
               <a:t>Stage shift</a:t>
             </a:r>
-            <a:endParaRPr lang="en-US" sz="1250" baseline="30000" dirty="0">
+            <a:endParaRPr lang="en-US" sz="1251" baseline="30000" dirty="0">
               <a:latin typeface="Helvetica Neue" panose="02000503000000020004" pitchFamily="50"/>
             </a:endParaRPr>
           </a:p>
@@ -4088,7 +4420,7 @@
         </p:nvCxnSpPr>
         <p:spPr>
           <a:xfrm rot="16200000" flipV="1">
-            <a:off x="7204503" y="3922984"/>
+            <a:off x="7204503" y="3922983"/>
             <a:ext cx="0" cy="432000"/>
           </a:xfrm>
           <a:prstGeom prst="straightConnector1">
@@ -4128,7 +4460,7 @@
         </p:nvCxnSpPr>
         <p:spPr>
           <a:xfrm flipV="1">
-            <a:off x="7724217" y="4412898"/>
+            <a:off x="7724217" y="4412897"/>
             <a:ext cx="0" cy="216000"/>
           </a:xfrm>
           <a:prstGeom prst="straightConnector1">
@@ -4167,7 +4499,7 @@
         </p:nvSpPr>
         <p:spPr>
           <a:xfrm>
-            <a:off x="1321421" y="2721638"/>
+            <a:off x="1321423" y="2721638"/>
             <a:ext cx="866945" cy="879614"/>
           </a:xfrm>
           <a:prstGeom prst="rect">
@@ -4195,7 +4527,7 @@
           </a:fontRef>
         </p:style>
         <p:txBody>
-          <a:bodyPr rot="0" spcFirstLastPara="0" vertOverflow="overflow" horzOverflow="overflow" vert="horz" wrap="square" lIns="91440" tIns="45720" rIns="91440" bIns="45720" numCol="1" spcCol="0" rtlCol="0" fromWordArt="0" anchor="ctr" anchorCtr="0" forceAA="0" compatLnSpc="1">
+          <a:bodyPr rot="0" spcFirstLastPara="0" vertOverflow="overflow" horzOverflow="overflow" vert="horz" wrap="square" lIns="91439" tIns="45720" rIns="91439" bIns="45720" numCol="1" spcCol="0" rtlCol="0" fromWordArt="0" anchor="ctr" anchorCtr="0" forceAA="0" compatLnSpc="1">
             <a:prstTxWarp prst="textNoShape">
               <a:avLst/>
             </a:prstTxWarp>
@@ -4209,7 +4541,7 @@
               </a:lnSpc>
             </a:pPr>
             <a:r>
-              <a:rPr lang="en-US" sz="1200" dirty="0" smtClean="0">
+              <a:rPr lang="en-US" sz="1200" dirty="0">
                 <a:solidFill>
                   <a:schemeClr val="tx1"/>
                 </a:solidFill>
@@ -4225,7 +4557,7 @@
               </a:lnSpc>
             </a:pPr>
             <a:r>
-              <a:rPr lang="en-US" sz="1200" dirty="0" smtClean="0">
+              <a:rPr lang="en-US" sz="1200" dirty="0">
                 <a:solidFill>
                   <a:schemeClr val="tx1"/>
                 </a:solidFill>
@@ -4251,7 +4583,7 @@
         <p:spPr>
           <a:xfrm flipV="1">
             <a:off x="2115548" y="2709210"/>
-            <a:ext cx="361078" cy="216000"/>
+            <a:ext cx="361079" cy="216000"/>
           </a:xfrm>
           <a:prstGeom prst="straightConnector1">
             <a:avLst/>
@@ -4290,7 +4622,7 @@
         <p:spPr>
           <a:xfrm>
             <a:off x="2113372" y="3421864"/>
-            <a:ext cx="361078" cy="216000"/>
+            <a:ext cx="361079" cy="216000"/>
           </a:xfrm>
           <a:prstGeom prst="straightConnector1">
             <a:avLst/>
@@ -4367,8 +4699,8 @@
         </p:nvCxnSpPr>
         <p:spPr>
           <a:xfrm flipV="1">
-            <a:off x="5961483" y="3593445"/>
-            <a:ext cx="370622" cy="191569"/>
+            <a:off x="5961483" y="3593447"/>
+            <a:ext cx="370622" cy="191568"/>
           </a:xfrm>
           <a:prstGeom prst="straightConnector1">
             <a:avLst/>
@@ -4407,7 +4739,7 @@
         <p:spPr>
           <a:xfrm flipV="1">
             <a:off x="3999876" y="3018077"/>
-            <a:ext cx="356224" cy="304852"/>
+            <a:ext cx="356224" cy="304853"/>
           </a:xfrm>
           <a:prstGeom prst="straightConnector1">
             <a:avLst/>
@@ -4445,8 +4777,8 @@
         </p:nvCxnSpPr>
         <p:spPr>
           <a:xfrm>
-            <a:off x="3986935" y="3016774"/>
-            <a:ext cx="356224" cy="304852"/>
+            <a:off x="3986934" y="3016775"/>
+            <a:ext cx="356224" cy="304853"/>
           </a:xfrm>
           <a:prstGeom prst="straightConnector1">
             <a:avLst/>
@@ -4484,8 +4816,8 @@
         </p:nvGrpSpPr>
         <p:grpSpPr>
           <a:xfrm>
-            <a:off x="1589054" y="4724763"/>
-            <a:ext cx="2307872" cy="360000"/>
+            <a:off x="1589055" y="4724761"/>
+            <a:ext cx="2307871" cy="360000"/>
             <a:chOff x="2286000" y="4735281"/>
             <a:chExt cx="2307872" cy="360000"/>
           </a:xfrm>
@@ -4533,7 +4865,7 @@
             </a:fontRef>
           </p:style>
           <p:txBody>
-            <a:bodyPr rot="0" spcFirstLastPara="0" vertOverflow="overflow" horzOverflow="overflow" vert="horz" wrap="square" lIns="91440" tIns="45720" rIns="91440" bIns="45720" numCol="1" spcCol="0" rtlCol="0" fromWordArt="0" anchor="ctr" anchorCtr="0" forceAA="0" compatLnSpc="1">
+            <a:bodyPr rot="0" spcFirstLastPara="0" vertOverflow="overflow" horzOverflow="overflow" vert="horz" wrap="square" lIns="91439" tIns="45720" rIns="91439" bIns="45720" numCol="1" spcCol="0" rtlCol="0" fromWordArt="0" anchor="ctr" anchorCtr="0" forceAA="0" compatLnSpc="1">
               <a:prstTxWarp prst="textNoShape">
                 <a:avLst/>
               </a:prstTxWarp>
@@ -4563,7 +4895,7 @@
           </p:nvSpPr>
           <p:spPr>
             <a:xfrm>
-              <a:off x="2617899" y="4777210"/>
+              <a:off x="2617899" y="4777211"/>
               <a:ext cx="596638" cy="261610"/>
             </a:xfrm>
             <a:prstGeom prst="rect">
@@ -4578,7 +4910,7 @@
             <a:lstStyle/>
             <a:p>
               <a:r>
-                <a:rPr lang="en-US" sz="1100" dirty="0" smtClean="0">
+                <a:rPr lang="en-US" sz="1100" dirty="0">
                   <a:latin typeface="Roboto Medium" panose="02000000000000000000" pitchFamily="2" charset="0"/>
                   <a:ea typeface="Roboto Medium" panose="02000000000000000000" pitchFamily="2" charset="0"/>
                 </a:rPr>
@@ -4634,7 +4966,7 @@
             </a:fontRef>
           </p:style>
           <p:txBody>
-            <a:bodyPr rot="0" spcFirstLastPara="0" vertOverflow="overflow" horzOverflow="overflow" vert="horz" wrap="square" lIns="91440" tIns="45720" rIns="91440" bIns="45720" numCol="1" spcCol="0" rtlCol="0" fromWordArt="0" anchor="ctr" anchorCtr="0" forceAA="0" compatLnSpc="1">
+            <a:bodyPr rot="0" spcFirstLastPara="0" vertOverflow="overflow" horzOverflow="overflow" vert="horz" wrap="square" lIns="91439" tIns="45720" rIns="91439" bIns="45720" numCol="1" spcCol="0" rtlCol="0" fromWordArt="0" anchor="ctr" anchorCtr="0" forceAA="0" compatLnSpc="1">
               <a:prstTxWarp prst="textNoShape">
                 <a:avLst/>
               </a:prstTxWarp>
@@ -4664,7 +4996,7 @@
           </p:nvSpPr>
           <p:spPr>
             <a:xfrm>
-              <a:off x="3519539" y="4777210"/>
+              <a:off x="3519539" y="4777211"/>
               <a:ext cx="1000595" cy="261610"/>
             </a:xfrm>
             <a:prstGeom prst="rect">
@@ -4679,7 +5011,7 @@
             <a:lstStyle/>
             <a:p>
               <a:r>
-                <a:rPr lang="en-US" sz="1100" dirty="0" smtClean="0">
+                <a:rPr lang="en-US" sz="1100" dirty="0">
                   <a:latin typeface="Roboto Medium" panose="02000000000000000000" pitchFamily="2" charset="0"/>
                   <a:ea typeface="Roboto Medium" panose="02000000000000000000" pitchFamily="2" charset="0"/>
                 </a:rPr>
@@ -4753,7 +5085,7 @@
 </p:sld>
 </file>
 
-<file path=ppt/slides/slide2.xml><?xml version="1.0" encoding="utf-8"?>
+<file path=ppt/slides/slide3.xml><?xml version="1.0" encoding="utf-8"?>
 <p:sld xmlns:a="http://schemas.openxmlformats.org/drawingml/2006/main" xmlns:r="http://schemas.openxmlformats.org/officeDocument/2006/relationships" xmlns:p="http://schemas.openxmlformats.org/presentationml/2006/main">
   <p:cSld>
     <p:spTree>
@@ -4778,19 +5110,17 @@
         </p:nvSpPr>
         <p:spPr>
           <a:xfrm>
-            <a:off x="4436668" y="3353029"/>
-            <a:ext cx="1440000" cy="872358"/>
+            <a:off x="4436667" y="2709936"/>
+            <a:ext cx="1502981" cy="872357"/>
           </a:xfrm>
           <a:prstGeom prst="rect">
             <a:avLst/>
           </a:prstGeom>
-          <a:noFill/>
-          <a:ln w="12700">
-            <a:solidFill>
-              <a:schemeClr val="tx2">
-                <a:lumMod val="75000"/>
-              </a:schemeClr>
-            </a:solidFill>
+          <a:solidFill>
+            <a:srgbClr val="6EBCBF"/>
+          </a:solidFill>
+          <a:ln w="19050">
+            <a:noFill/>
           </a:ln>
         </p:spPr>
         <p:style>
@@ -4810,7 +5140,7 @@
           </a:fontRef>
         </p:style>
         <p:txBody>
-          <a:bodyPr rot="0" spcFirstLastPara="0" vertOverflow="overflow" horzOverflow="overflow" vert="horz" wrap="square" lIns="91440" tIns="45720" rIns="91440" bIns="45720" numCol="1" spcCol="0" rtlCol="0" fromWordArt="0" anchor="ctr" anchorCtr="0" forceAA="0" compatLnSpc="1">
+          <a:bodyPr rot="0" spcFirstLastPara="0" vertOverflow="overflow" horzOverflow="overflow" vert="horz" wrap="square" lIns="91439" tIns="45720" rIns="91439" bIns="45720" numCol="1" spcCol="0" rtlCol="0" fromWordArt="0" anchor="ctr" anchorCtr="0" forceAA="0" compatLnSpc="1">
             <a:prstTxWarp prst="textNoShape">
               <a:avLst/>
             </a:prstTxWarp>
@@ -4824,24 +5154,15 @@
               </a:lnSpc>
             </a:pPr>
             <a:r>
-              <a:rPr lang="en-US" sz="1150" dirty="0" smtClean="0">
+              <a:rPr lang="en-US" sz="1151">
                 <a:solidFill>
                   <a:schemeClr val="tx1"/>
                 </a:solidFill>
                 <a:latin typeface="Helvetica Neue" panose="02000503000000020004" pitchFamily="50"/>
               </a:rPr>
-              <a:t>INTRA-SLEEP </a:t>
-            </a:r>
-            <a:r>
-              <a:rPr lang="en-US" sz="1150" b="1" dirty="0" smtClean="0">
-                <a:solidFill>
-                  <a:schemeClr val="tx1"/>
-                </a:solidFill>
-                <a:latin typeface="Helvetica Neue" panose="02000503000000020004" pitchFamily="50"/>
-              </a:rPr>
-              <a:t>AWAKENINGS</a:t>
-            </a:r>
-            <a:endParaRPr lang="en-US" sz="1150" b="1" baseline="30000" dirty="0">
+              <a:t>INTRA-SLEEP AWAKENINGS</a:t>
+            </a:r>
+            <a:endParaRPr lang="en-US" sz="1151" baseline="30000" dirty="0">
               <a:solidFill>
                 <a:schemeClr val="tx1"/>
               </a:solidFill>
@@ -4858,19 +5179,17 @@
         </p:nvSpPr>
         <p:spPr>
           <a:xfrm>
-            <a:off x="6404699" y="2721087"/>
-            <a:ext cx="1502980" cy="872358"/>
+            <a:off x="6616567" y="2709936"/>
+            <a:ext cx="1502981" cy="872357"/>
           </a:xfrm>
           <a:prstGeom prst="rect">
             <a:avLst/>
           </a:prstGeom>
-          <a:noFill/>
-          <a:ln w="12700">
-            <a:solidFill>
-              <a:schemeClr val="tx2">
-                <a:lumMod val="75000"/>
-              </a:schemeClr>
-            </a:solidFill>
+          <a:solidFill>
+            <a:srgbClr val="61567C"/>
+          </a:solidFill>
+          <a:ln w="19050">
+            <a:noFill/>
           </a:ln>
         </p:spPr>
         <p:style>
@@ -4890,7 +5209,7 @@
           </a:fontRef>
         </p:style>
         <p:txBody>
-          <a:bodyPr rot="0" spcFirstLastPara="0" vertOverflow="overflow" horzOverflow="overflow" vert="horz" wrap="square" lIns="91440" tIns="45720" rIns="91440" bIns="45720" numCol="1" spcCol="0" rtlCol="0" fromWordArt="0" anchor="ctr" anchorCtr="0" forceAA="0" compatLnSpc="1">
+          <a:bodyPr rot="0" spcFirstLastPara="0" vertOverflow="overflow" horzOverflow="overflow" vert="horz" wrap="square" lIns="91439" tIns="45720" rIns="91439" bIns="45720" numCol="1" spcCol="0" rtlCol="0" fromWordArt="0" anchor="ctr" anchorCtr="0" forceAA="0" compatLnSpc="1">
             <a:prstTxWarp prst="textNoShape">
               <a:avLst/>
             </a:prstTxWarp>
@@ -4904,26 +5223,17 @@
               </a:lnSpc>
             </a:pPr>
             <a:r>
-              <a:rPr lang="en-US" sz="1100" b="1" dirty="0" smtClean="0">
+              <a:rPr lang="en-US" sz="1151" dirty="0">
                 <a:solidFill>
-                  <a:schemeClr val="tx1"/>
+                  <a:schemeClr val="bg1"/>
                 </a:solidFill>
                 <a:latin typeface="Helvetica Neue" panose="02000503000000020004" pitchFamily="50"/>
               </a:rPr>
-              <a:t>ENCODING</a:t>
-            </a:r>
-            <a:r>
-              <a:rPr lang="en-US" sz="1100" dirty="0" smtClean="0">
-                <a:solidFill>
-                  <a:schemeClr val="tx1"/>
-                </a:solidFill>
-                <a:latin typeface="Helvetica Neue" panose="02000503000000020004" pitchFamily="50"/>
-              </a:rPr>
-              <a:t> OF DREAM IN LONG TERM MEMORY</a:t>
-            </a:r>
-            <a:endParaRPr lang="en-US" sz="1100" baseline="30000" dirty="0">
+              <a:t>ENCODING OF DREAM IN LONG TERM MEMORY</a:t>
+            </a:r>
+            <a:endParaRPr lang="en-US" sz="1151" baseline="30000" dirty="0">
               <a:solidFill>
-                <a:schemeClr val="tx1"/>
+                <a:schemeClr val="bg1"/>
               </a:solidFill>
               <a:latin typeface="Helvetica Neue" panose="02000503000000020004" pitchFamily="50"/>
             </a:endParaRPr>
@@ -4938,8 +5248,8 @@
         </p:nvSpPr>
         <p:spPr>
           <a:xfrm>
-            <a:off x="6266152" y="3908758"/>
-            <a:ext cx="763202" cy="461665"/>
+            <a:off x="6616568" y="3897607"/>
+            <a:ext cx="1502979" cy="269433"/>
           </a:xfrm>
           <a:prstGeom prst="rect">
             <a:avLst/>
@@ -4954,21 +5264,12 @@
           <a:p>
             <a:pPr algn="ctr"/>
             <a:r>
-              <a:rPr lang="en-US" sz="1200" dirty="0" smtClean="0">
+              <a:rPr lang="en-US" sz="1151" dirty="0">
                 <a:latin typeface="Helvetica Neue" panose="02000503000000020004" pitchFamily="50"/>
               </a:rPr>
-              <a:t>Sleep </a:t>
-            </a:r>
-          </a:p>
-          <a:p>
-            <a:pPr algn="ctr"/>
-            <a:r>
-              <a:rPr lang="en-US" sz="1200" dirty="0" smtClean="0">
-                <a:latin typeface="Helvetica Neue" panose="02000503000000020004" pitchFamily="50"/>
-              </a:rPr>
-              <a:t>inertia</a:t>
-            </a:r>
-            <a:endParaRPr lang="en-US" sz="1200" baseline="30000" dirty="0">
+              <a:t>Sleep inertia</a:t>
+            </a:r>
+            <a:endParaRPr lang="en-US" sz="1151" baseline="30000" dirty="0">
               <a:latin typeface="Helvetica Neue" panose="02000503000000020004" pitchFamily="50"/>
             </a:endParaRPr>
           </a:p>
@@ -4982,8 +5283,8 @@
         </p:nvSpPr>
         <p:spPr>
           <a:xfrm>
-            <a:off x="6290523" y="4666701"/>
-            <a:ext cx="1735696" cy="276999"/>
+            <a:off x="6502392" y="4432813"/>
+            <a:ext cx="1735696" cy="269433"/>
           </a:xfrm>
           <a:prstGeom prst="rect">
             <a:avLst/>
@@ -4998,17 +5299,56 @@
           <a:p>
             <a:pPr algn="ctr"/>
             <a:r>
-              <a:rPr lang="en-US" sz="1200" dirty="0" smtClean="0">
+              <a:rPr lang="en-US" sz="1151" dirty="0">
                 <a:latin typeface="Helvetica Neue" panose="02000503000000020004" pitchFamily="50"/>
               </a:rPr>
               <a:t>Physiological context</a:t>
             </a:r>
-            <a:endParaRPr lang="en-US" sz="1200" baseline="30000" dirty="0">
+            <a:endParaRPr lang="en-US" sz="1151" baseline="30000" dirty="0">
               <a:latin typeface="Helvetica Neue" panose="02000503000000020004" pitchFamily="50"/>
             </a:endParaRPr>
           </a:p>
         </p:txBody>
       </p:sp>
+      <p:cxnSp>
+        <p:nvCxnSpPr>
+          <p:cNvPr id="16" name="Connecteur droit avec flèche 15"/>
+          <p:cNvCxnSpPr/>
+          <p:nvPr/>
+        </p:nvCxnSpPr>
+        <p:spPr>
+          <a:xfrm>
+            <a:off x="8265064" y="3151599"/>
+            <a:ext cx="430923" cy="0"/>
+          </a:xfrm>
+          <a:prstGeom prst="straightConnector1">
+            <a:avLst/>
+          </a:prstGeom>
+          <a:ln w="28575">
+            <a:solidFill>
+              <a:schemeClr val="tx1">
+                <a:lumMod val="85000"/>
+                <a:lumOff val="15000"/>
+              </a:schemeClr>
+            </a:solidFill>
+            <a:tailEnd type="triangle"/>
+          </a:ln>
+        </p:spPr>
+        <p:style>
+          <a:lnRef idx="1">
+            <a:schemeClr val="dk1"/>
+          </a:lnRef>
+          <a:fillRef idx="0">
+            <a:schemeClr val="dk1"/>
+          </a:fillRef>
+          <a:effectRef idx="0">
+            <a:schemeClr val="dk1"/>
+          </a:effectRef>
+          <a:fontRef idx="minor">
+            <a:schemeClr val="tx1"/>
+          </a:fontRef>
+        </p:style>
+      </p:cxnSp>
       <p:cxnSp>
         <p:nvCxnSpPr>
           <p:cNvPr id="19" name="Connecteur droit avec flèche 18"/>
@@ -5017,7 +5357,7 @@
         </p:nvCxnSpPr>
         <p:spPr>
           <a:xfrm flipV="1">
-            <a:off x="6640797" y="4412898"/>
+            <a:off x="7368056" y="4179010"/>
             <a:ext cx="0" cy="216000"/>
           </a:xfrm>
           <a:prstGeom prst="straightConnector1">
@@ -5056,7 +5396,7 @@
         </p:nvCxnSpPr>
         <p:spPr>
           <a:xfrm flipV="1">
-            <a:off x="6647408" y="3667014"/>
+            <a:off x="7368058" y="3655863"/>
             <a:ext cx="0" cy="216000"/>
           </a:xfrm>
           <a:prstGeom prst="straightConnector1">
@@ -5089,25 +5429,23 @@
       </p:cxnSp>
       <p:sp>
         <p:nvSpPr>
-          <p:cNvPr id="26" name="Rectangle 25"/>
+          <p:cNvPr id="6" name="Rectangle 5"/>
           <p:cNvSpPr/>
           <p:nvPr/>
         </p:nvSpPr>
         <p:spPr>
           <a:xfrm>
-            <a:off x="4436668" y="2083206"/>
-            <a:ext cx="1440000" cy="872358"/>
+            <a:off x="4436667" y="3979759"/>
+            <a:ext cx="1502981" cy="872357"/>
           </a:xfrm>
           <a:prstGeom prst="rect">
             <a:avLst/>
           </a:prstGeom>
-          <a:noFill/>
-          <a:ln w="12700">
-            <a:solidFill>
-              <a:schemeClr val="tx2">
-                <a:lumMod val="75000"/>
-              </a:schemeClr>
-            </a:solidFill>
+          <a:solidFill>
+            <a:srgbClr val="4B84AF"/>
+          </a:solidFill>
+          <a:ln w="19050">
+            <a:noFill/>
           </a:ln>
         </p:spPr>
         <p:style>
@@ -5127,7 +5465,7 @@
           </a:fontRef>
         </p:style>
         <p:txBody>
-          <a:bodyPr rot="0" spcFirstLastPara="0" vertOverflow="overflow" horzOverflow="overflow" vert="horz" wrap="square" lIns="91440" tIns="45720" rIns="91440" bIns="45720" numCol="1" spcCol="0" rtlCol="0" fromWordArt="0" anchor="ctr" anchorCtr="0" forceAA="0" compatLnSpc="1">
+          <a:bodyPr rot="0" spcFirstLastPara="0" vertOverflow="overflow" horzOverflow="overflow" vert="horz" wrap="square" lIns="91439" tIns="45720" rIns="91439" bIns="45720" numCol="1" spcCol="0" rtlCol="0" fromWordArt="0" anchor="ctr" anchorCtr="0" forceAA="0" compatLnSpc="1">
             <a:prstTxWarp prst="textNoShape">
               <a:avLst/>
             </a:prstTxWarp>
@@ -5141,42 +5479,15 @@
               </a:lnSpc>
             </a:pPr>
             <a:r>
-              <a:rPr lang="en-US" sz="1150" b="1" dirty="0" smtClean="0">
+              <a:rPr lang="en-US" sz="1151" dirty="0">
                 <a:solidFill>
                   <a:schemeClr val="tx1"/>
                 </a:solidFill>
                 <a:latin typeface="Helvetica Neue" panose="02000503000000020004" pitchFamily="50"/>
               </a:rPr>
-              <a:t>SALIENCE </a:t>
-            </a:r>
-            <a:r>
-              <a:rPr lang="en-US" sz="1150" b="1" dirty="0">
-                <a:solidFill>
-                  <a:schemeClr val="tx1"/>
-                </a:solidFill>
-                <a:latin typeface="Helvetica Neue" panose="02000503000000020004" pitchFamily="50"/>
-              </a:rPr>
-              <a:t> </a:t>
-            </a:r>
-            <a:r>
-              <a:rPr lang="en-US" sz="1150" b="1" dirty="0" smtClean="0">
-                <a:solidFill>
-                  <a:schemeClr val="tx1"/>
-                </a:solidFill>
-                <a:latin typeface="Helvetica Neue" panose="02000503000000020004" pitchFamily="50"/>
-              </a:rPr>
-              <a:t>        </a:t>
-            </a:r>
-            <a:r>
-              <a:rPr lang="en-US" sz="1150" dirty="0" smtClean="0">
-                <a:solidFill>
-                  <a:schemeClr val="tx1"/>
-                </a:solidFill>
-                <a:latin typeface="Helvetica Neue" panose="02000503000000020004" pitchFamily="50"/>
-              </a:rPr>
-              <a:t>OF DREAM CONTENT</a:t>
-            </a:r>
-            <a:endParaRPr lang="en-US" sz="1150" baseline="30000" dirty="0">
+              <a:t>BRAIN REACTIVITY TO STIMULI</a:t>
+            </a:r>
+            <a:endParaRPr lang="en-US" sz="1151" baseline="30000" dirty="0">
               <a:solidFill>
                 <a:schemeClr val="tx1"/>
               </a:solidFill>
@@ -5185,6 +5496,114 @@
           </a:p>
         </p:txBody>
       </p:sp>
+      <p:sp>
+        <p:nvSpPr>
+          <p:cNvPr id="26" name="Rectangle 25"/>
+          <p:cNvSpPr/>
+          <p:nvPr/>
+        </p:nvSpPr>
+        <p:spPr>
+          <a:xfrm>
+            <a:off x="4436667" y="1440114"/>
+            <a:ext cx="1502981" cy="872357"/>
+          </a:xfrm>
+          <a:prstGeom prst="rect">
+            <a:avLst/>
+          </a:prstGeom>
+          <a:solidFill>
+            <a:srgbClr val="99D398"/>
+          </a:solidFill>
+          <a:ln w="19050">
+            <a:noFill/>
+          </a:ln>
+        </p:spPr>
+        <p:style>
+          <a:lnRef idx="2">
+            <a:schemeClr val="accent1">
+              <a:shade val="50000"/>
+            </a:schemeClr>
+          </a:lnRef>
+          <a:fillRef idx="1">
+            <a:schemeClr val="accent1"/>
+          </a:fillRef>
+          <a:effectRef idx="0">
+            <a:schemeClr val="accent1"/>
+          </a:effectRef>
+          <a:fontRef idx="minor">
+            <a:schemeClr val="lt1"/>
+          </a:fontRef>
+        </p:style>
+        <p:txBody>
+          <a:bodyPr rot="0" spcFirstLastPara="0" vertOverflow="overflow" horzOverflow="overflow" vert="horz" wrap="square" lIns="91439" tIns="45720" rIns="91439" bIns="45720" numCol="1" spcCol="0" rtlCol="0" fromWordArt="0" anchor="ctr" anchorCtr="0" forceAA="0" compatLnSpc="1">
+            <a:prstTxWarp prst="textNoShape">
+              <a:avLst/>
+            </a:prstTxWarp>
+            <a:noAutofit/>
+          </a:bodyPr>
+          <a:lstStyle/>
+          <a:p>
+            <a:pPr algn="ctr">
+              <a:lnSpc>
+                <a:spcPct val="150000"/>
+              </a:lnSpc>
+            </a:pPr>
+            <a:r>
+              <a:rPr lang="en-US" sz="1151" dirty="0">
+                <a:solidFill>
+                  <a:schemeClr val="tx1"/>
+                </a:solidFill>
+                <a:latin typeface="Helvetica Neue" panose="02000503000000020004" pitchFamily="50"/>
+              </a:rPr>
+              <a:t>SALIENCE OF DREAM CONTENT</a:t>
+            </a:r>
+            <a:endParaRPr lang="en-US" sz="1151" baseline="30000" dirty="0">
+              <a:solidFill>
+                <a:schemeClr val="tx1"/>
+              </a:solidFill>
+              <a:latin typeface="Helvetica Neue" panose="02000503000000020004" pitchFamily="50"/>
+            </a:endParaRPr>
+          </a:p>
+        </p:txBody>
+      </p:sp>
+      <p:cxnSp>
+        <p:nvCxnSpPr>
+          <p:cNvPr id="27" name="Connecteur droit avec flèche 26"/>
+          <p:cNvCxnSpPr/>
+          <p:nvPr/>
+        </p:nvCxnSpPr>
+        <p:spPr>
+          <a:xfrm>
+            <a:off x="6049314" y="3143025"/>
+            <a:ext cx="430923" cy="0"/>
+          </a:xfrm>
+          <a:prstGeom prst="straightConnector1">
+            <a:avLst/>
+          </a:prstGeom>
+          <a:ln w="28575">
+            <a:solidFill>
+              <a:schemeClr val="tx1">
+                <a:lumMod val="85000"/>
+                <a:lumOff val="15000"/>
+              </a:schemeClr>
+            </a:solidFill>
+            <a:tailEnd type="triangle"/>
+          </a:ln>
+        </p:spPr>
+        <p:style>
+          <a:lnRef idx="1">
+            <a:schemeClr val="dk1"/>
+          </a:lnRef>
+          <a:fillRef idx="0">
+            <a:schemeClr val="dk1"/>
+          </a:fillRef>
+          <a:effectRef idx="0">
+            <a:schemeClr val="dk1"/>
+          </a:effectRef>
+          <a:fontRef idx="minor">
+            <a:schemeClr val="tx1"/>
+          </a:fontRef>
+        </p:style>
+      </p:cxnSp>
       <p:cxnSp>
         <p:nvCxnSpPr>
           <p:cNvPr id="42" name="Connecteur droit avec flèche 41"/>
@@ -5193,7 +5612,7 @@
         </p:nvCxnSpPr>
         <p:spPr>
           <a:xfrm>
-            <a:off x="7157229" y="2409641"/>
+            <a:off x="7369098" y="2398490"/>
             <a:ext cx="0" cy="216000"/>
           </a:xfrm>
           <a:prstGeom prst="straightConnector1">
@@ -5232,8 +5651,8 @@
         </p:nvSpPr>
         <p:spPr>
           <a:xfrm>
-            <a:off x="6404697" y="2118416"/>
-            <a:ext cx="1502979" cy="276999"/>
+            <a:off x="6616567" y="2107266"/>
+            <a:ext cx="1502979" cy="269433"/>
           </a:xfrm>
           <a:prstGeom prst="rect">
             <a:avLst/>
@@ -5248,17 +5667,56 @@
           <a:p>
             <a:pPr algn="ctr"/>
             <a:r>
-              <a:rPr lang="en-US" sz="1200" dirty="0" smtClean="0">
+              <a:rPr lang="en-US" sz="1151" dirty="0">
                 <a:latin typeface="Helvetica Neue" panose="02000503000000020004" pitchFamily="50"/>
               </a:rPr>
               <a:t>Interference</a:t>
             </a:r>
-            <a:endParaRPr lang="en-US" sz="1200" dirty="0">
+            <a:endParaRPr lang="en-US" sz="1151" dirty="0">
               <a:latin typeface="Helvetica Neue" panose="02000503000000020004" pitchFamily="50"/>
             </a:endParaRPr>
           </a:p>
         </p:txBody>
       </p:sp>
+      <p:cxnSp>
+        <p:nvCxnSpPr>
+          <p:cNvPr id="49" name="Connecteur droit avec flèche 48"/>
+          <p:cNvCxnSpPr/>
+          <p:nvPr/>
+        </p:nvCxnSpPr>
+        <p:spPr>
+          <a:xfrm flipV="1">
+            <a:off x="5188157" y="3637864"/>
+            <a:ext cx="0" cy="288000"/>
+          </a:xfrm>
+          <a:prstGeom prst="straightConnector1">
+            <a:avLst/>
+          </a:prstGeom>
+          <a:ln w="19050">
+            <a:solidFill>
+              <a:schemeClr val="tx1">
+                <a:lumMod val="85000"/>
+                <a:lumOff val="15000"/>
+              </a:schemeClr>
+            </a:solidFill>
+            <a:tailEnd type="triangle"/>
+          </a:ln>
+        </p:spPr>
+        <p:style>
+          <a:lnRef idx="3">
+            <a:schemeClr val="dk1"/>
+          </a:lnRef>
+          <a:fillRef idx="0">
+            <a:schemeClr val="dk1"/>
+          </a:fillRef>
+          <a:effectRef idx="2">
+            <a:schemeClr val="dk1"/>
+          </a:effectRef>
+          <a:fontRef idx="minor">
+            <a:schemeClr val="tx1"/>
+          </a:fontRef>
+        </p:style>
+      </p:cxnSp>
       <p:grpSp>
         <p:nvGrpSpPr>
           <p:cNvPr id="55" name="Groupe 54"/>
@@ -5267,7 +5725,7 @@
         </p:nvGrpSpPr>
         <p:grpSpPr>
           <a:xfrm>
-            <a:off x="8246920" y="2129987"/>
+            <a:off x="8796469" y="2118836"/>
             <a:ext cx="1311519" cy="1463458"/>
             <a:chOff x="10828802" y="1497165"/>
             <a:chExt cx="1311519" cy="1463458"/>
@@ -5350,7 +5808,7 @@
             </a:fontRef>
           </p:style>
           <p:txBody>
-            <a:bodyPr rot="0" spcFirstLastPara="0" vertOverflow="overflow" horzOverflow="overflow" vert="horz" wrap="square" lIns="91440" tIns="45720" rIns="91440" bIns="45720" numCol="1" spcCol="0" rtlCol="0" fromWordArt="0" anchor="t" anchorCtr="0" forceAA="0" compatLnSpc="1">
+            <a:bodyPr rot="0" spcFirstLastPara="0" vertOverflow="overflow" horzOverflow="overflow" vert="horz" wrap="square" lIns="91439" tIns="45720" rIns="91439" bIns="45720" numCol="1" spcCol="0" rtlCol="0" fromWordArt="0" anchor="t" anchorCtr="0" forceAA="0" compatLnSpc="1">
               <a:prstTxWarp prst="textNoShape">
                 <a:avLst/>
               </a:prstTxWarp>
@@ -5360,7 +5818,7 @@
             <a:p>
               <a:pPr algn="ctr"/>
               <a:r>
-                <a:rPr lang="en-US" sz="1200" b="1" dirty="0" smtClean="0">
+                <a:rPr lang="en-US" sz="1200" b="1" dirty="0">
                   <a:solidFill>
                     <a:schemeClr val="tx1"/>
                   </a:solidFill>
@@ -5386,7 +5844,7 @@
         </p:nvCxnSpPr>
         <p:spPr>
           <a:xfrm>
-            <a:off x="7158047" y="1859827"/>
+            <a:off x="7369916" y="1848677"/>
             <a:ext cx="0" cy="216000"/>
           </a:xfrm>
           <a:prstGeom prst="straightConnector1">
@@ -5425,8 +5883,8 @@
         </p:nvSpPr>
         <p:spPr>
           <a:xfrm>
-            <a:off x="6404697" y="1553739"/>
-            <a:ext cx="1502979" cy="276999"/>
+            <a:off x="6616567" y="1542588"/>
+            <a:ext cx="1502979" cy="269433"/>
           </a:xfrm>
           <a:prstGeom prst="rect">
             <a:avLst/>
@@ -5441,12 +5899,12 @@
           <a:p>
             <a:pPr algn="ctr"/>
             <a:r>
-              <a:rPr lang="en-US" sz="1200" dirty="0" smtClean="0">
+              <a:rPr lang="en-US" sz="1151" dirty="0">
                 <a:latin typeface="Helvetica Neue" panose="02000503000000020004" pitchFamily="50"/>
               </a:rPr>
               <a:t>Interest in dreams</a:t>
             </a:r>
-            <a:endParaRPr lang="en-US" sz="1200" baseline="30000" dirty="0">
+            <a:endParaRPr lang="en-US" sz="1151" baseline="30000" dirty="0">
               <a:latin typeface="Helvetica Neue" panose="02000503000000020004" pitchFamily="50"/>
             </a:endParaRPr>
           </a:p>
@@ -5454,14 +5912,14 @@
       </p:sp>
       <p:cxnSp>
         <p:nvCxnSpPr>
-          <p:cNvPr id="64" name="Connecteur droit avec flèche 63"/>
+          <p:cNvPr id="61" name="Connecteur droit avec flèche 60"/>
           <p:cNvCxnSpPr/>
           <p:nvPr/>
         </p:nvCxnSpPr>
         <p:spPr>
           <a:xfrm>
-            <a:off x="3994260" y="2511861"/>
-            <a:ext cx="360000" cy="0"/>
+            <a:off x="6048236" y="2398491"/>
+            <a:ext cx="432000" cy="247800"/>
           </a:xfrm>
           <a:prstGeom prst="straightConnector1">
             <a:avLst/>
@@ -5491,237 +5949,16 @@
           </a:fontRef>
         </p:style>
       </p:cxnSp>
-      <p:grpSp>
-        <p:nvGrpSpPr>
-          <p:cNvPr id="3" name="Groupe 2"/>
-          <p:cNvGrpSpPr/>
-          <p:nvPr/>
-        </p:nvGrpSpPr>
-        <p:grpSpPr>
-          <a:xfrm>
-            <a:off x="2600927" y="2070294"/>
-            <a:ext cx="1296000" cy="2160000"/>
-            <a:chOff x="2379431" y="2071934"/>
-            <a:chExt cx="1296000" cy="2142181"/>
-          </a:xfrm>
-        </p:grpSpPr>
-        <p:grpSp>
-          <p:nvGrpSpPr>
-            <p:cNvPr id="2" name="Groupe 1"/>
-            <p:cNvGrpSpPr/>
-            <p:nvPr/>
-          </p:nvGrpSpPr>
-          <p:grpSpPr>
-            <a:xfrm>
-              <a:off x="2379431" y="2071934"/>
-              <a:ext cx="1296000" cy="2142181"/>
-              <a:chOff x="2256769" y="2709936"/>
-              <a:chExt cx="1502981" cy="2142181"/>
-            </a:xfrm>
-          </p:grpSpPr>
-          <p:sp>
-            <p:nvSpPr>
-              <p:cNvPr id="63" name="Rectangle 62"/>
-              <p:cNvSpPr/>
-              <p:nvPr/>
-            </p:nvSpPr>
-            <p:spPr>
-              <a:xfrm>
-                <a:off x="2256770" y="2709936"/>
-                <a:ext cx="1502980" cy="872358"/>
-              </a:xfrm>
-              <a:prstGeom prst="rect">
-                <a:avLst/>
-              </a:prstGeom>
-              <a:noFill/>
-              <a:ln w="12700">
-                <a:solidFill>
-                  <a:schemeClr val="tx2">
-                    <a:lumMod val="75000"/>
-                  </a:schemeClr>
-                </a:solidFill>
-              </a:ln>
-            </p:spPr>
-            <p:style>
-              <a:lnRef idx="2">
-                <a:schemeClr val="accent1">
-                  <a:shade val="50000"/>
-                </a:schemeClr>
-              </a:lnRef>
-              <a:fillRef idx="1">
-                <a:schemeClr val="accent1"/>
-              </a:fillRef>
-              <a:effectRef idx="0">
-                <a:schemeClr val="accent1"/>
-              </a:effectRef>
-              <a:fontRef idx="minor">
-                <a:schemeClr val="lt1"/>
-              </a:fontRef>
-            </p:style>
-            <p:txBody>
-              <a:bodyPr rot="0" spcFirstLastPara="0" vertOverflow="overflow" horzOverflow="overflow" vert="horz" wrap="square" lIns="91440" tIns="45720" rIns="91440" bIns="45720" numCol="1" spcCol="0" rtlCol="0" fromWordArt="0" anchor="ctr" anchorCtr="0" forceAA="0" compatLnSpc="1">
-                <a:prstTxWarp prst="textNoShape">
-                  <a:avLst/>
-                </a:prstTxWarp>
-                <a:noAutofit/>
-              </a:bodyPr>
-              <a:lstStyle/>
-              <a:p>
-                <a:pPr algn="ctr">
-                  <a:lnSpc>
-                    <a:spcPct val="150000"/>
-                  </a:lnSpc>
-                </a:pPr>
-                <a:r>
-                  <a:rPr lang="en-US" sz="1150" b="1" dirty="0" smtClean="0">
-                    <a:solidFill>
-                      <a:schemeClr val="tx1"/>
-                    </a:solidFill>
-                    <a:latin typeface="Helvetica Neue" panose="02000503000000020004" pitchFamily="50"/>
-                  </a:rPr>
-                  <a:t>PERSONALITY, LIFE-STYLE, CREATIVITY</a:t>
-                </a:r>
-                <a:endParaRPr lang="en-US" sz="1150" b="1" baseline="30000" dirty="0">
-                  <a:solidFill>
-                    <a:schemeClr val="tx1"/>
-                  </a:solidFill>
-                  <a:latin typeface="Helvetica Neue" panose="02000503000000020004" pitchFamily="50"/>
-                </a:endParaRPr>
-              </a:p>
-            </p:txBody>
-          </p:sp>
-          <p:sp>
-            <p:nvSpPr>
-              <p:cNvPr id="25" name="Rectangle 24"/>
-              <p:cNvSpPr/>
-              <p:nvPr/>
-            </p:nvSpPr>
-            <p:spPr>
-              <a:xfrm>
-                <a:off x="2256769" y="3979759"/>
-                <a:ext cx="1502980" cy="872358"/>
-              </a:xfrm>
-              <a:prstGeom prst="rect">
-                <a:avLst/>
-              </a:prstGeom>
-              <a:noFill/>
-              <a:ln w="12700">
-                <a:solidFill>
-                  <a:schemeClr val="tx2">
-                    <a:lumMod val="75000"/>
-                  </a:schemeClr>
-                </a:solidFill>
-              </a:ln>
-            </p:spPr>
-            <p:style>
-              <a:lnRef idx="2">
-                <a:schemeClr val="accent1">
-                  <a:shade val="50000"/>
-                </a:schemeClr>
-              </a:lnRef>
-              <a:fillRef idx="1">
-                <a:schemeClr val="accent1"/>
-              </a:fillRef>
-              <a:effectRef idx="0">
-                <a:schemeClr val="accent1"/>
-              </a:effectRef>
-              <a:fontRef idx="minor">
-                <a:schemeClr val="lt1"/>
-              </a:fontRef>
-            </p:style>
-            <p:txBody>
-              <a:bodyPr rot="0" spcFirstLastPara="0" vertOverflow="overflow" horzOverflow="overflow" vert="horz" wrap="square" lIns="91440" tIns="45720" rIns="91440" bIns="45720" numCol="1" spcCol="0" rtlCol="0" fromWordArt="0" anchor="ctr" anchorCtr="0" forceAA="0" compatLnSpc="1">
-                <a:prstTxWarp prst="textNoShape">
-                  <a:avLst/>
-                </a:prstTxWarp>
-                <a:noAutofit/>
-              </a:bodyPr>
-              <a:lstStyle/>
-              <a:p>
-                <a:pPr algn="ctr">
-                  <a:lnSpc>
-                    <a:spcPct val="150000"/>
-                  </a:lnSpc>
-                </a:pPr>
-                <a:r>
-                  <a:rPr lang="en-US" sz="1150" b="1" dirty="0" smtClean="0">
-                    <a:solidFill>
-                      <a:schemeClr val="tx1"/>
-                    </a:solidFill>
-                    <a:latin typeface="Helvetica Neue" panose="02000503000000020004" pitchFamily="50"/>
-                  </a:rPr>
-                  <a:t>DEFAULT NETWORK </a:t>
-                </a:r>
-                <a:r>
-                  <a:rPr lang="en-US" sz="1150" dirty="0" smtClean="0">
-                    <a:solidFill>
-                      <a:schemeClr val="tx1"/>
-                    </a:solidFill>
-                    <a:latin typeface="Helvetica Neue" panose="02000503000000020004" pitchFamily="50"/>
-                  </a:rPr>
-                  <a:t>FUNCTIONING</a:t>
-                </a:r>
-                <a:endParaRPr lang="en-US" sz="1150" baseline="30000" dirty="0">
-                  <a:solidFill>
-                    <a:schemeClr val="tx1"/>
-                  </a:solidFill>
-                  <a:latin typeface="Helvetica Neue" panose="02000503000000020004" pitchFamily="50"/>
-                </a:endParaRPr>
-              </a:p>
-            </p:txBody>
-          </p:sp>
-        </p:grpSp>
-        <p:cxnSp>
-          <p:nvCxnSpPr>
-            <p:cNvPr id="29" name="Connecteur droit avec flèche 28"/>
-            <p:cNvCxnSpPr/>
-            <p:nvPr/>
-          </p:nvCxnSpPr>
-          <p:spPr>
-            <a:xfrm flipV="1">
-              <a:off x="3027430" y="2979638"/>
-              <a:ext cx="0" cy="326773"/>
-            </a:xfrm>
-            <a:prstGeom prst="straightConnector1">
-              <a:avLst/>
-            </a:prstGeom>
-            <a:ln w="28575">
-              <a:solidFill>
-                <a:schemeClr val="tx1">
-                  <a:lumMod val="85000"/>
-                  <a:lumOff val="15000"/>
-                </a:schemeClr>
-              </a:solidFill>
-              <a:headEnd type="triangle" w="med" len="med"/>
-              <a:tailEnd type="triangle" w="med" len="med"/>
-            </a:ln>
-          </p:spPr>
-          <p:style>
-            <a:lnRef idx="3">
-              <a:schemeClr val="dk1"/>
-            </a:lnRef>
-            <a:fillRef idx="0">
-              <a:schemeClr val="dk1"/>
-            </a:fillRef>
-            <a:effectRef idx="2">
-              <a:schemeClr val="dk1"/>
-            </a:effectRef>
-            <a:fontRef idx="minor">
-              <a:schemeClr val="tx1"/>
-            </a:fontRef>
-          </p:style>
-        </p:cxnSp>
-      </p:grpSp>
       <p:cxnSp>
         <p:nvCxnSpPr>
-          <p:cNvPr id="16" name="Connecteur droit avec flèche 15"/>
+          <p:cNvPr id="64" name="Connecteur droit avec flèche 63"/>
           <p:cNvCxnSpPr/>
           <p:nvPr/>
         </p:nvCxnSpPr>
         <p:spPr>
           <a:xfrm>
-            <a:off x="7982857" y="3151599"/>
-            <a:ext cx="324000" cy="0"/>
+            <a:off x="3860447" y="3150294"/>
+            <a:ext cx="430923" cy="0"/>
           </a:xfrm>
           <a:prstGeom prst="straightConnector1">
             <a:avLst/>
@@ -5753,14 +5990,14 @@
       </p:cxnSp>
       <p:cxnSp>
         <p:nvCxnSpPr>
-          <p:cNvPr id="33" name="Connecteur droit avec flèche 32"/>
+          <p:cNvPr id="66" name="Connecteur droit avec flèche 65"/>
           <p:cNvCxnSpPr/>
           <p:nvPr/>
         </p:nvCxnSpPr>
         <p:spPr>
           <a:xfrm>
-            <a:off x="5961483" y="2517641"/>
-            <a:ext cx="370622" cy="191569"/>
+            <a:off x="3859370" y="3655864"/>
+            <a:ext cx="432000" cy="247800"/>
           </a:xfrm>
           <a:prstGeom prst="straightConnector1">
             <a:avLst/>
@@ -5790,1376 +6027,6 @@
           </a:fontRef>
         </p:style>
       </p:cxnSp>
-      <p:sp>
-        <p:nvSpPr>
-          <p:cNvPr id="31" name="ZoneTexte 30"/>
-          <p:cNvSpPr txBox="1"/>
-          <p:nvPr/>
-        </p:nvSpPr>
-        <p:spPr>
-          <a:xfrm>
-            <a:off x="7342961" y="3908758"/>
-            <a:ext cx="763202" cy="461665"/>
-          </a:xfrm>
-          <a:prstGeom prst="rect">
-            <a:avLst/>
-          </a:prstGeom>
-          <a:noFill/>
-        </p:spPr>
-        <p:txBody>
-          <a:bodyPr wrap="square" rtlCol="0">
-            <a:spAutoFit/>
-          </a:bodyPr>
-          <a:lstStyle/>
-          <a:p>
-            <a:pPr algn="ctr"/>
-            <a:r>
-              <a:rPr lang="en-US" sz="1200" dirty="0" smtClean="0">
-                <a:latin typeface="Helvetica Neue" panose="02000503000000020004" pitchFamily="50"/>
-              </a:rPr>
-              <a:t>Stage shift</a:t>
-            </a:r>
-            <a:endParaRPr lang="en-US" sz="1200" baseline="30000" dirty="0">
-              <a:latin typeface="Helvetica Neue" panose="02000503000000020004" pitchFamily="50"/>
-            </a:endParaRPr>
-          </a:p>
-        </p:txBody>
-      </p:sp>
-      <p:cxnSp>
-        <p:nvCxnSpPr>
-          <p:cNvPr id="34" name="Connecteur droit avec flèche 33"/>
-          <p:cNvCxnSpPr/>
-          <p:nvPr/>
-        </p:nvCxnSpPr>
-        <p:spPr>
-          <a:xfrm flipV="1">
-            <a:off x="7724217" y="3667014"/>
-            <a:ext cx="0" cy="216000"/>
-          </a:xfrm>
-          <a:prstGeom prst="straightConnector1">
-            <a:avLst/>
-          </a:prstGeom>
-          <a:ln w="12700">
-            <a:solidFill>
-              <a:schemeClr val="tx1">
-                <a:lumMod val="85000"/>
-                <a:lumOff val="15000"/>
-              </a:schemeClr>
-            </a:solidFill>
-            <a:tailEnd type="triangle"/>
-          </a:ln>
-        </p:spPr>
-        <p:style>
-          <a:lnRef idx="3">
-            <a:schemeClr val="dk1"/>
-          </a:lnRef>
-          <a:fillRef idx="0">
-            <a:schemeClr val="dk1"/>
-          </a:fillRef>
-          <a:effectRef idx="2">
-            <a:schemeClr val="dk1"/>
-          </a:effectRef>
-          <a:fontRef idx="minor">
-            <a:schemeClr val="tx1"/>
-          </a:fontRef>
-        </p:style>
-      </p:cxnSp>
-      <p:cxnSp>
-        <p:nvCxnSpPr>
-          <p:cNvPr id="35" name="Connecteur droit avec flèche 34"/>
-          <p:cNvCxnSpPr/>
-          <p:nvPr/>
-        </p:nvCxnSpPr>
-        <p:spPr>
-          <a:xfrm rot="16200000" flipV="1">
-            <a:off x="7204503" y="3922984"/>
-            <a:ext cx="0" cy="432000"/>
-          </a:xfrm>
-          <a:prstGeom prst="straightConnector1">
-            <a:avLst/>
-          </a:prstGeom>
-          <a:ln w="12700">
-            <a:solidFill>
-              <a:schemeClr val="tx1">
-                <a:lumMod val="85000"/>
-                <a:lumOff val="15000"/>
-              </a:schemeClr>
-            </a:solidFill>
-            <a:headEnd type="triangle" w="med" len="med"/>
-            <a:tailEnd type="triangle" w="med" len="med"/>
-          </a:ln>
-        </p:spPr>
-        <p:style>
-          <a:lnRef idx="3">
-            <a:schemeClr val="dk1"/>
-          </a:lnRef>
-          <a:fillRef idx="0">
-            <a:schemeClr val="dk1"/>
-          </a:fillRef>
-          <a:effectRef idx="2">
-            <a:schemeClr val="dk1"/>
-          </a:effectRef>
-          <a:fontRef idx="minor">
-            <a:schemeClr val="tx1"/>
-          </a:fontRef>
-        </p:style>
-      </p:cxnSp>
-      <p:cxnSp>
-        <p:nvCxnSpPr>
-          <p:cNvPr id="36" name="Connecteur droit avec flèche 35"/>
-          <p:cNvCxnSpPr/>
-          <p:nvPr/>
-        </p:nvCxnSpPr>
-        <p:spPr>
-          <a:xfrm flipV="1">
-            <a:off x="7724217" y="4412898"/>
-            <a:ext cx="0" cy="216000"/>
-          </a:xfrm>
-          <a:prstGeom prst="straightConnector1">
-            <a:avLst/>
-          </a:prstGeom>
-          <a:ln w="12700">
-            <a:solidFill>
-              <a:schemeClr val="tx1">
-                <a:lumMod val="85000"/>
-                <a:lumOff val="15000"/>
-              </a:schemeClr>
-            </a:solidFill>
-            <a:tailEnd type="triangle"/>
-          </a:ln>
-        </p:spPr>
-        <p:style>
-          <a:lnRef idx="3">
-            <a:schemeClr val="dk1"/>
-          </a:lnRef>
-          <a:fillRef idx="0">
-            <a:schemeClr val="dk1"/>
-          </a:fillRef>
-          <a:effectRef idx="2">
-            <a:schemeClr val="dk1"/>
-          </a:effectRef>
-          <a:fontRef idx="minor">
-            <a:schemeClr val="tx1"/>
-          </a:fontRef>
-        </p:style>
-      </p:cxnSp>
-      <p:sp>
-        <p:nvSpPr>
-          <p:cNvPr id="37" name="Rectangle 36"/>
-          <p:cNvSpPr/>
-          <p:nvPr/>
-        </p:nvSpPr>
-        <p:spPr>
-          <a:xfrm>
-            <a:off x="1321421" y="2721638"/>
-            <a:ext cx="866945" cy="879614"/>
-          </a:xfrm>
-          <a:prstGeom prst="rect">
-            <a:avLst/>
-          </a:prstGeom>
-          <a:noFill/>
-          <a:ln w="12700">
-            <a:noFill/>
-          </a:ln>
-        </p:spPr>
-        <p:style>
-          <a:lnRef idx="2">
-            <a:schemeClr val="accent1">
-              <a:shade val="50000"/>
-            </a:schemeClr>
-          </a:lnRef>
-          <a:fillRef idx="1">
-            <a:schemeClr val="accent1"/>
-          </a:fillRef>
-          <a:effectRef idx="0">
-            <a:schemeClr val="accent1"/>
-          </a:effectRef>
-          <a:fontRef idx="minor">
-            <a:schemeClr val="lt1"/>
-          </a:fontRef>
-        </p:style>
-        <p:txBody>
-          <a:bodyPr rot="0" spcFirstLastPara="0" vertOverflow="overflow" horzOverflow="overflow" vert="horz" wrap="square" lIns="91440" tIns="45720" rIns="91440" bIns="45720" numCol="1" spcCol="0" rtlCol="0" fromWordArt="0" anchor="ctr" anchorCtr="0" forceAA="0" compatLnSpc="1">
-            <a:prstTxWarp prst="textNoShape">
-              <a:avLst/>
-            </a:prstTxWarp>
-            <a:noAutofit/>
-          </a:bodyPr>
-          <a:lstStyle/>
-          <a:p>
-            <a:pPr algn="ctr">
-              <a:lnSpc>
-                <a:spcPct val="150000"/>
-              </a:lnSpc>
-            </a:pPr>
-            <a:r>
-              <a:rPr lang="en-US" sz="1150" b="1" dirty="0" smtClean="0">
-                <a:solidFill>
-                  <a:schemeClr val="tx1"/>
-                </a:solidFill>
-                <a:latin typeface="Helvetica Neue" panose="02000503000000020004" pitchFamily="50"/>
-              </a:rPr>
-              <a:t>AGE, </a:t>
-            </a:r>
-          </a:p>
-          <a:p>
-            <a:pPr algn="ctr">
-              <a:lnSpc>
-                <a:spcPct val="150000"/>
-              </a:lnSpc>
-            </a:pPr>
-            <a:r>
-              <a:rPr lang="en-US" sz="1150" b="1" dirty="0" smtClean="0">
-                <a:solidFill>
-                  <a:schemeClr val="tx1"/>
-                </a:solidFill>
-                <a:latin typeface="Helvetica Neue" panose="02000503000000020004" pitchFamily="50"/>
-              </a:rPr>
-              <a:t>SEX</a:t>
-            </a:r>
-            <a:endParaRPr lang="en-US" sz="1150" b="1" baseline="30000" dirty="0">
-              <a:solidFill>
-                <a:schemeClr val="tx1"/>
-              </a:solidFill>
-              <a:latin typeface="Helvetica Neue" panose="02000503000000020004" pitchFamily="50"/>
-            </a:endParaRPr>
-          </a:p>
-        </p:txBody>
-      </p:sp>
-      <p:cxnSp>
-        <p:nvCxnSpPr>
-          <p:cNvPr id="38" name="Connecteur droit avec flèche 37"/>
-          <p:cNvCxnSpPr/>
-          <p:nvPr/>
-        </p:nvCxnSpPr>
-        <p:spPr>
-          <a:xfrm flipV="1">
-            <a:off x="2115548" y="2709210"/>
-            <a:ext cx="361078" cy="216000"/>
-          </a:xfrm>
-          <a:prstGeom prst="straightConnector1">
-            <a:avLst/>
-          </a:prstGeom>
-          <a:ln w="28575">
-            <a:solidFill>
-              <a:schemeClr val="tx1">
-                <a:lumMod val="85000"/>
-                <a:lumOff val="15000"/>
-              </a:schemeClr>
-            </a:solidFill>
-            <a:tailEnd type="triangle"/>
-          </a:ln>
-        </p:spPr>
-        <p:style>
-          <a:lnRef idx="1">
-            <a:schemeClr val="dk1"/>
-          </a:lnRef>
-          <a:fillRef idx="0">
-            <a:schemeClr val="dk1"/>
-          </a:fillRef>
-          <a:effectRef idx="0">
-            <a:schemeClr val="dk1"/>
-          </a:effectRef>
-          <a:fontRef idx="minor">
-            <a:schemeClr val="tx1"/>
-          </a:fontRef>
-        </p:style>
-      </p:cxnSp>
-      <p:cxnSp>
-        <p:nvCxnSpPr>
-          <p:cNvPr id="39" name="Connecteur droit avec flèche 38"/>
-          <p:cNvCxnSpPr/>
-          <p:nvPr/>
-        </p:nvCxnSpPr>
-        <p:spPr>
-          <a:xfrm>
-            <a:off x="2113372" y="3421864"/>
-            <a:ext cx="361078" cy="216000"/>
-          </a:xfrm>
-          <a:prstGeom prst="straightConnector1">
-            <a:avLst/>
-          </a:prstGeom>
-          <a:ln w="28575">
-            <a:solidFill>
-              <a:schemeClr val="tx1">
-                <a:lumMod val="85000"/>
-                <a:lumOff val="15000"/>
-              </a:schemeClr>
-            </a:solidFill>
-            <a:tailEnd type="triangle"/>
-          </a:ln>
-        </p:spPr>
-        <p:style>
-          <a:lnRef idx="1">
-            <a:schemeClr val="dk1"/>
-          </a:lnRef>
-          <a:fillRef idx="0">
-            <a:schemeClr val="dk1"/>
-          </a:fillRef>
-          <a:effectRef idx="0">
-            <a:schemeClr val="dk1"/>
-          </a:effectRef>
-          <a:fontRef idx="minor">
-            <a:schemeClr val="tx1"/>
-          </a:fontRef>
-        </p:style>
-      </p:cxnSp>
-      <p:cxnSp>
-        <p:nvCxnSpPr>
-          <p:cNvPr id="40" name="Connecteur droit avec flèche 39"/>
-          <p:cNvCxnSpPr/>
-          <p:nvPr/>
-        </p:nvCxnSpPr>
-        <p:spPr>
-          <a:xfrm>
-            <a:off x="3994260" y="3788683"/>
-            <a:ext cx="360000" cy="0"/>
-          </a:xfrm>
-          <a:prstGeom prst="straightConnector1">
-            <a:avLst/>
-          </a:prstGeom>
-          <a:ln w="28575">
-            <a:solidFill>
-              <a:schemeClr val="tx1">
-                <a:lumMod val="85000"/>
-                <a:lumOff val="15000"/>
-              </a:schemeClr>
-            </a:solidFill>
-            <a:tailEnd type="triangle"/>
-          </a:ln>
-        </p:spPr>
-        <p:style>
-          <a:lnRef idx="1">
-            <a:schemeClr val="dk1"/>
-          </a:lnRef>
-          <a:fillRef idx="0">
-            <a:schemeClr val="dk1"/>
-          </a:fillRef>
-          <a:effectRef idx="0">
-            <a:schemeClr val="dk1"/>
-          </a:effectRef>
-          <a:fontRef idx="minor">
-            <a:schemeClr val="tx1"/>
-          </a:fontRef>
-        </p:style>
-      </p:cxnSp>
-      <p:cxnSp>
-        <p:nvCxnSpPr>
-          <p:cNvPr id="41" name="Connecteur droit avec flèche 40"/>
-          <p:cNvCxnSpPr/>
-          <p:nvPr/>
-        </p:nvCxnSpPr>
-        <p:spPr>
-          <a:xfrm flipV="1">
-            <a:off x="5961483" y="3593445"/>
-            <a:ext cx="370622" cy="191569"/>
-          </a:xfrm>
-          <a:prstGeom prst="straightConnector1">
-            <a:avLst/>
-          </a:prstGeom>
-          <a:ln w="28575">
-            <a:solidFill>
-              <a:schemeClr val="tx1">
-                <a:lumMod val="85000"/>
-                <a:lumOff val="15000"/>
-              </a:schemeClr>
-            </a:solidFill>
-            <a:tailEnd type="triangle"/>
-          </a:ln>
-        </p:spPr>
-        <p:style>
-          <a:lnRef idx="1">
-            <a:schemeClr val="dk1"/>
-          </a:lnRef>
-          <a:fillRef idx="0">
-            <a:schemeClr val="dk1"/>
-          </a:fillRef>
-          <a:effectRef idx="0">
-            <a:schemeClr val="dk1"/>
-          </a:effectRef>
-          <a:fontRef idx="minor">
-            <a:schemeClr val="tx1"/>
-          </a:fontRef>
-        </p:style>
-      </p:cxnSp>
-      <p:cxnSp>
-        <p:nvCxnSpPr>
-          <p:cNvPr id="50" name="Connecteur droit avec flèche 49"/>
-          <p:cNvCxnSpPr/>
-          <p:nvPr/>
-        </p:nvCxnSpPr>
-        <p:spPr>
-          <a:xfrm flipV="1">
-            <a:off x="3999876" y="3018077"/>
-            <a:ext cx="356224" cy="304852"/>
-          </a:xfrm>
-          <a:prstGeom prst="straightConnector1">
-            <a:avLst/>
-          </a:prstGeom>
-          <a:ln w="9525">
-            <a:solidFill>
-              <a:schemeClr val="tx1">
-                <a:lumMod val="75000"/>
-                <a:lumOff val="25000"/>
-              </a:schemeClr>
-            </a:solidFill>
-            <a:tailEnd type="triangle"/>
-          </a:ln>
-        </p:spPr>
-        <p:style>
-          <a:lnRef idx="1">
-            <a:schemeClr val="dk1"/>
-          </a:lnRef>
-          <a:fillRef idx="0">
-            <a:schemeClr val="dk1"/>
-          </a:fillRef>
-          <a:effectRef idx="0">
-            <a:schemeClr val="dk1"/>
-          </a:effectRef>
-          <a:fontRef idx="minor">
-            <a:schemeClr val="tx1"/>
-          </a:fontRef>
-        </p:style>
-      </p:cxnSp>
-      <p:cxnSp>
-        <p:nvCxnSpPr>
-          <p:cNvPr id="52" name="Connecteur droit avec flèche 51"/>
-          <p:cNvCxnSpPr/>
-          <p:nvPr/>
-        </p:nvCxnSpPr>
-        <p:spPr>
-          <a:xfrm>
-            <a:off x="3986935" y="3016774"/>
-            <a:ext cx="356224" cy="304852"/>
-          </a:xfrm>
-          <a:prstGeom prst="straightConnector1">
-            <a:avLst/>
-          </a:prstGeom>
-          <a:ln w="9525">
-            <a:solidFill>
-              <a:schemeClr val="tx1">
-                <a:lumMod val="75000"/>
-                <a:lumOff val="25000"/>
-              </a:schemeClr>
-            </a:solidFill>
-            <a:tailEnd type="triangle"/>
-          </a:ln>
-        </p:spPr>
-        <p:style>
-          <a:lnRef idx="1">
-            <a:schemeClr val="dk1"/>
-          </a:lnRef>
-          <a:fillRef idx="0">
-            <a:schemeClr val="dk1"/>
-          </a:fillRef>
-          <a:effectRef idx="0">
-            <a:schemeClr val="dk1"/>
-          </a:effectRef>
-          <a:fontRef idx="minor">
-            <a:schemeClr val="tx1"/>
-          </a:fontRef>
-        </p:style>
-      </p:cxnSp>
-    </p:spTree>
-    <p:extLst>
-      <p:ext uri="{BB962C8B-B14F-4D97-AF65-F5344CB8AC3E}">
-        <p14:creationId xmlns:p14="http://schemas.microsoft.com/office/powerpoint/2010/main" val="1360584295"/>
-      </p:ext>
-    </p:extLst>
-  </p:cSld>
-  <p:clrMapOvr>
-    <a:masterClrMapping/>
-  </p:clrMapOvr>
-</p:sld>
-</file>
-
-<file path=ppt/slides/slide3.xml><?xml version="1.0" encoding="utf-8"?>
-<p:sld xmlns:a="http://schemas.openxmlformats.org/drawingml/2006/main" xmlns:r="http://schemas.openxmlformats.org/officeDocument/2006/relationships" xmlns:p="http://schemas.openxmlformats.org/presentationml/2006/main">
-  <p:cSld>
-    <p:spTree>
-      <p:nvGrpSpPr>
-        <p:cNvPr id="1" name=""/>
-        <p:cNvGrpSpPr/>
-        <p:nvPr/>
-      </p:nvGrpSpPr>
-      <p:grpSpPr>
-        <a:xfrm>
-          <a:off x="0" y="0"/>
-          <a:ext cx="0" cy="0"/>
-          <a:chOff x="0" y="0"/>
-          <a:chExt cx="0" cy="0"/>
-        </a:xfrm>
-      </p:grpSpPr>
-      <p:sp>
-        <p:nvSpPr>
-          <p:cNvPr id="4" name="Rectangle 3"/>
-          <p:cNvSpPr/>
-          <p:nvPr/>
-        </p:nvSpPr>
-        <p:spPr>
-          <a:xfrm>
-            <a:off x="4436668" y="2709936"/>
-            <a:ext cx="1440000" cy="872358"/>
-          </a:xfrm>
-          <a:prstGeom prst="rect">
-            <a:avLst/>
-          </a:prstGeom>
-          <a:noFill/>
-          <a:ln w="12700">
-            <a:solidFill>
-              <a:schemeClr val="tx2">
-                <a:lumMod val="75000"/>
-              </a:schemeClr>
-            </a:solidFill>
-          </a:ln>
-        </p:spPr>
-        <p:style>
-          <a:lnRef idx="2">
-            <a:schemeClr val="accent1">
-              <a:shade val="50000"/>
-            </a:schemeClr>
-          </a:lnRef>
-          <a:fillRef idx="1">
-            <a:schemeClr val="accent1"/>
-          </a:fillRef>
-          <a:effectRef idx="0">
-            <a:schemeClr val="accent1"/>
-          </a:effectRef>
-          <a:fontRef idx="minor">
-            <a:schemeClr val="lt1"/>
-          </a:fontRef>
-        </p:style>
-        <p:txBody>
-          <a:bodyPr rot="0" spcFirstLastPara="0" vertOverflow="overflow" horzOverflow="overflow" vert="horz" wrap="square" lIns="91440" tIns="45720" rIns="91440" bIns="45720" numCol="1" spcCol="0" rtlCol="0" fromWordArt="0" anchor="ctr" anchorCtr="0" forceAA="0" compatLnSpc="1">
-            <a:prstTxWarp prst="textNoShape">
-              <a:avLst/>
-            </a:prstTxWarp>
-            <a:noAutofit/>
-          </a:bodyPr>
-          <a:lstStyle/>
-          <a:p>
-            <a:pPr algn="ctr">
-              <a:lnSpc>
-                <a:spcPct val="150000"/>
-              </a:lnSpc>
-            </a:pPr>
-            <a:r>
-              <a:rPr lang="en-US" sz="1150" dirty="0" smtClean="0">
-                <a:solidFill>
-                  <a:schemeClr val="tx1"/>
-                </a:solidFill>
-                <a:latin typeface="Helvetica Neue" panose="02000503000000020004" pitchFamily="50"/>
-              </a:rPr>
-              <a:t>INTRA-SLEEP </a:t>
-            </a:r>
-            <a:r>
-              <a:rPr lang="en-US" sz="1150" b="1" dirty="0" smtClean="0">
-                <a:solidFill>
-                  <a:schemeClr val="tx1"/>
-                </a:solidFill>
-                <a:latin typeface="Helvetica Neue" panose="02000503000000020004" pitchFamily="50"/>
-              </a:rPr>
-              <a:t>AWAKENINGS</a:t>
-            </a:r>
-            <a:endParaRPr lang="en-US" sz="1150" b="1" baseline="30000" dirty="0">
-              <a:solidFill>
-                <a:schemeClr val="tx1"/>
-              </a:solidFill>
-              <a:latin typeface="Helvetica Neue" panose="02000503000000020004" pitchFamily="50"/>
-            </a:endParaRPr>
-          </a:p>
-        </p:txBody>
-      </p:sp>
-      <p:sp>
-        <p:nvSpPr>
-          <p:cNvPr id="7" name="Rectangle 6"/>
-          <p:cNvSpPr/>
-          <p:nvPr/>
-        </p:nvSpPr>
-        <p:spPr>
-          <a:xfrm>
-            <a:off x="6404699" y="2721087"/>
-            <a:ext cx="1502980" cy="872358"/>
-          </a:xfrm>
-          <a:prstGeom prst="rect">
-            <a:avLst/>
-          </a:prstGeom>
-          <a:noFill/>
-          <a:ln w="12700">
-            <a:solidFill>
-              <a:schemeClr val="tx2">
-                <a:lumMod val="75000"/>
-              </a:schemeClr>
-            </a:solidFill>
-          </a:ln>
-        </p:spPr>
-        <p:style>
-          <a:lnRef idx="2">
-            <a:schemeClr val="accent1">
-              <a:shade val="50000"/>
-            </a:schemeClr>
-          </a:lnRef>
-          <a:fillRef idx="1">
-            <a:schemeClr val="accent1"/>
-          </a:fillRef>
-          <a:effectRef idx="0">
-            <a:schemeClr val="accent1"/>
-          </a:effectRef>
-          <a:fontRef idx="minor">
-            <a:schemeClr val="lt1"/>
-          </a:fontRef>
-        </p:style>
-        <p:txBody>
-          <a:bodyPr rot="0" spcFirstLastPara="0" vertOverflow="overflow" horzOverflow="overflow" vert="horz" wrap="square" lIns="91440" tIns="45720" rIns="91440" bIns="45720" numCol="1" spcCol="0" rtlCol="0" fromWordArt="0" anchor="ctr" anchorCtr="0" forceAA="0" compatLnSpc="1">
-            <a:prstTxWarp prst="textNoShape">
-              <a:avLst/>
-            </a:prstTxWarp>
-            <a:noAutofit/>
-          </a:bodyPr>
-          <a:lstStyle/>
-          <a:p>
-            <a:pPr algn="ctr">
-              <a:lnSpc>
-                <a:spcPct val="150000"/>
-              </a:lnSpc>
-            </a:pPr>
-            <a:r>
-              <a:rPr lang="en-US" sz="1100" b="1" dirty="0" smtClean="0">
-                <a:solidFill>
-                  <a:schemeClr val="tx1"/>
-                </a:solidFill>
-                <a:latin typeface="Helvetica Neue" panose="02000503000000020004" pitchFamily="50"/>
-              </a:rPr>
-              <a:t>ENCODING</a:t>
-            </a:r>
-            <a:r>
-              <a:rPr lang="en-US" sz="1100" dirty="0" smtClean="0">
-                <a:solidFill>
-                  <a:schemeClr val="tx1"/>
-                </a:solidFill>
-                <a:latin typeface="Helvetica Neue" panose="02000503000000020004" pitchFamily="50"/>
-              </a:rPr>
-              <a:t> OF DREAM IN LONG TERM MEMORY</a:t>
-            </a:r>
-            <a:endParaRPr lang="en-US" sz="1100" baseline="30000" dirty="0">
-              <a:solidFill>
-                <a:schemeClr val="tx1"/>
-              </a:solidFill>
-              <a:latin typeface="Helvetica Neue" panose="02000503000000020004" pitchFamily="50"/>
-            </a:endParaRPr>
-          </a:p>
-        </p:txBody>
-      </p:sp>
-      <p:sp>
-        <p:nvSpPr>
-          <p:cNvPr id="8" name="ZoneTexte 7"/>
-          <p:cNvSpPr txBox="1"/>
-          <p:nvPr/>
-        </p:nvSpPr>
-        <p:spPr>
-          <a:xfrm>
-            <a:off x="6404698" y="3908758"/>
-            <a:ext cx="1502979" cy="276999"/>
-          </a:xfrm>
-          <a:prstGeom prst="rect">
-            <a:avLst/>
-          </a:prstGeom>
-          <a:noFill/>
-        </p:spPr>
-        <p:txBody>
-          <a:bodyPr wrap="square" rtlCol="0">
-            <a:spAutoFit/>
-          </a:bodyPr>
-          <a:lstStyle/>
-          <a:p>
-            <a:pPr algn="ctr"/>
-            <a:r>
-              <a:rPr lang="en-US" sz="1200" dirty="0" smtClean="0">
-                <a:latin typeface="Helvetica Neue" panose="02000503000000020004" pitchFamily="50"/>
-              </a:rPr>
-              <a:t>Sleep inertia</a:t>
-            </a:r>
-            <a:endParaRPr lang="en-US" sz="1200" baseline="30000" dirty="0">
-              <a:latin typeface="Helvetica Neue" panose="02000503000000020004" pitchFamily="50"/>
-            </a:endParaRPr>
-          </a:p>
-        </p:txBody>
-      </p:sp>
-      <p:sp>
-        <p:nvSpPr>
-          <p:cNvPr id="9" name="ZoneTexte 8"/>
-          <p:cNvSpPr txBox="1"/>
-          <p:nvPr/>
-        </p:nvSpPr>
-        <p:spPr>
-          <a:xfrm>
-            <a:off x="6290523" y="4443964"/>
-            <a:ext cx="1735696" cy="276999"/>
-          </a:xfrm>
-          <a:prstGeom prst="rect">
-            <a:avLst/>
-          </a:prstGeom>
-          <a:noFill/>
-        </p:spPr>
-        <p:txBody>
-          <a:bodyPr wrap="square" rtlCol="0">
-            <a:spAutoFit/>
-          </a:bodyPr>
-          <a:lstStyle/>
-          <a:p>
-            <a:pPr algn="ctr"/>
-            <a:r>
-              <a:rPr lang="en-US" sz="1200" dirty="0" smtClean="0">
-                <a:latin typeface="Helvetica Neue" panose="02000503000000020004" pitchFamily="50"/>
-              </a:rPr>
-              <a:t>Physiological context</a:t>
-            </a:r>
-            <a:endParaRPr lang="en-US" sz="1200" baseline="30000" dirty="0">
-              <a:latin typeface="Helvetica Neue" panose="02000503000000020004" pitchFamily="50"/>
-            </a:endParaRPr>
-          </a:p>
-        </p:txBody>
-      </p:sp>
-      <p:cxnSp>
-        <p:nvCxnSpPr>
-          <p:cNvPr id="19" name="Connecteur droit avec flèche 18"/>
-          <p:cNvCxnSpPr/>
-          <p:nvPr/>
-        </p:nvCxnSpPr>
-        <p:spPr>
-          <a:xfrm flipV="1">
-            <a:off x="7156187" y="4190161"/>
-            <a:ext cx="0" cy="216000"/>
-          </a:xfrm>
-          <a:prstGeom prst="straightConnector1">
-            <a:avLst/>
-          </a:prstGeom>
-          <a:ln w="12700">
-            <a:solidFill>
-              <a:schemeClr val="tx1">
-                <a:lumMod val="85000"/>
-                <a:lumOff val="15000"/>
-              </a:schemeClr>
-            </a:solidFill>
-            <a:tailEnd type="triangle"/>
-          </a:ln>
-        </p:spPr>
-        <p:style>
-          <a:lnRef idx="3">
-            <a:schemeClr val="dk1"/>
-          </a:lnRef>
-          <a:fillRef idx="0">
-            <a:schemeClr val="dk1"/>
-          </a:fillRef>
-          <a:effectRef idx="2">
-            <a:schemeClr val="dk1"/>
-          </a:effectRef>
-          <a:fontRef idx="minor">
-            <a:schemeClr val="tx1"/>
-          </a:fontRef>
-        </p:style>
-      </p:cxnSp>
-      <p:cxnSp>
-        <p:nvCxnSpPr>
-          <p:cNvPr id="20" name="Connecteur droit avec flèche 19"/>
-          <p:cNvCxnSpPr/>
-          <p:nvPr/>
-        </p:nvCxnSpPr>
-        <p:spPr>
-          <a:xfrm flipV="1">
-            <a:off x="7156188" y="3667014"/>
-            <a:ext cx="0" cy="216000"/>
-          </a:xfrm>
-          <a:prstGeom prst="straightConnector1">
-            <a:avLst/>
-          </a:prstGeom>
-          <a:ln w="12700">
-            <a:solidFill>
-              <a:schemeClr val="tx1">
-                <a:lumMod val="85000"/>
-                <a:lumOff val="15000"/>
-              </a:schemeClr>
-            </a:solidFill>
-            <a:tailEnd type="triangle"/>
-          </a:ln>
-        </p:spPr>
-        <p:style>
-          <a:lnRef idx="3">
-            <a:schemeClr val="dk1"/>
-          </a:lnRef>
-          <a:fillRef idx="0">
-            <a:schemeClr val="dk1"/>
-          </a:fillRef>
-          <a:effectRef idx="2">
-            <a:schemeClr val="dk1"/>
-          </a:effectRef>
-          <a:fontRef idx="minor">
-            <a:schemeClr val="tx1"/>
-          </a:fontRef>
-        </p:style>
-      </p:cxnSp>
-      <p:sp>
-        <p:nvSpPr>
-          <p:cNvPr id="6" name="Rectangle 5"/>
-          <p:cNvSpPr/>
-          <p:nvPr/>
-        </p:nvSpPr>
-        <p:spPr>
-          <a:xfrm>
-            <a:off x="4436668" y="3979759"/>
-            <a:ext cx="1440000" cy="872358"/>
-          </a:xfrm>
-          <a:prstGeom prst="rect">
-            <a:avLst/>
-          </a:prstGeom>
-          <a:noFill/>
-          <a:ln w="12700">
-            <a:solidFill>
-              <a:schemeClr val="tx2">
-                <a:lumMod val="75000"/>
-              </a:schemeClr>
-            </a:solidFill>
-          </a:ln>
-        </p:spPr>
-        <p:style>
-          <a:lnRef idx="2">
-            <a:schemeClr val="accent1">
-              <a:shade val="50000"/>
-            </a:schemeClr>
-          </a:lnRef>
-          <a:fillRef idx="1">
-            <a:schemeClr val="accent1"/>
-          </a:fillRef>
-          <a:effectRef idx="0">
-            <a:schemeClr val="accent1"/>
-          </a:effectRef>
-          <a:fontRef idx="minor">
-            <a:schemeClr val="lt1"/>
-          </a:fontRef>
-        </p:style>
-        <p:txBody>
-          <a:bodyPr rot="0" spcFirstLastPara="0" vertOverflow="overflow" horzOverflow="overflow" vert="horz" wrap="square" lIns="91440" tIns="45720" rIns="91440" bIns="45720" numCol="1" spcCol="0" rtlCol="0" fromWordArt="0" anchor="ctr" anchorCtr="0" forceAA="0" compatLnSpc="1">
-            <a:prstTxWarp prst="textNoShape">
-              <a:avLst/>
-            </a:prstTxWarp>
-            <a:noAutofit/>
-          </a:bodyPr>
-          <a:lstStyle/>
-          <a:p>
-            <a:pPr algn="ctr">
-              <a:lnSpc>
-                <a:spcPct val="150000"/>
-              </a:lnSpc>
-            </a:pPr>
-            <a:r>
-              <a:rPr lang="en-US" sz="1150" b="1" dirty="0" smtClean="0">
-                <a:solidFill>
-                  <a:schemeClr val="tx1"/>
-                </a:solidFill>
-                <a:latin typeface="Helvetica Neue" panose="02000503000000020004" pitchFamily="50"/>
-              </a:rPr>
-              <a:t>BRAIN REACTIVITY </a:t>
-            </a:r>
-            <a:r>
-              <a:rPr lang="en-US" sz="1150" dirty="0" smtClean="0">
-                <a:solidFill>
-                  <a:schemeClr val="tx1"/>
-                </a:solidFill>
-                <a:latin typeface="Helvetica Neue" panose="02000503000000020004" pitchFamily="50"/>
-              </a:rPr>
-              <a:t>TO STIMULI</a:t>
-            </a:r>
-            <a:endParaRPr lang="en-US" sz="1150" baseline="30000" dirty="0">
-              <a:solidFill>
-                <a:schemeClr val="tx1"/>
-              </a:solidFill>
-              <a:latin typeface="Helvetica Neue" panose="02000503000000020004" pitchFamily="50"/>
-            </a:endParaRPr>
-          </a:p>
-        </p:txBody>
-      </p:sp>
-      <p:sp>
-        <p:nvSpPr>
-          <p:cNvPr id="26" name="Rectangle 25"/>
-          <p:cNvSpPr/>
-          <p:nvPr/>
-        </p:nvSpPr>
-        <p:spPr>
-          <a:xfrm>
-            <a:off x="4436668" y="1440113"/>
-            <a:ext cx="1440000" cy="872358"/>
-          </a:xfrm>
-          <a:prstGeom prst="rect">
-            <a:avLst/>
-          </a:prstGeom>
-          <a:noFill/>
-          <a:ln w="12700">
-            <a:solidFill>
-              <a:schemeClr val="tx2">
-                <a:lumMod val="75000"/>
-              </a:schemeClr>
-            </a:solidFill>
-          </a:ln>
-        </p:spPr>
-        <p:style>
-          <a:lnRef idx="2">
-            <a:schemeClr val="accent1">
-              <a:shade val="50000"/>
-            </a:schemeClr>
-          </a:lnRef>
-          <a:fillRef idx="1">
-            <a:schemeClr val="accent1"/>
-          </a:fillRef>
-          <a:effectRef idx="0">
-            <a:schemeClr val="accent1"/>
-          </a:effectRef>
-          <a:fontRef idx="minor">
-            <a:schemeClr val="lt1"/>
-          </a:fontRef>
-        </p:style>
-        <p:txBody>
-          <a:bodyPr rot="0" spcFirstLastPara="0" vertOverflow="overflow" horzOverflow="overflow" vert="horz" wrap="square" lIns="91440" tIns="45720" rIns="91440" bIns="45720" numCol="1" spcCol="0" rtlCol="0" fromWordArt="0" anchor="ctr" anchorCtr="0" forceAA="0" compatLnSpc="1">
-            <a:prstTxWarp prst="textNoShape">
-              <a:avLst/>
-            </a:prstTxWarp>
-            <a:noAutofit/>
-          </a:bodyPr>
-          <a:lstStyle/>
-          <a:p>
-            <a:pPr algn="ctr">
-              <a:lnSpc>
-                <a:spcPct val="150000"/>
-              </a:lnSpc>
-            </a:pPr>
-            <a:r>
-              <a:rPr lang="en-US" sz="1150" b="1" dirty="0" smtClean="0">
-                <a:solidFill>
-                  <a:schemeClr val="tx1"/>
-                </a:solidFill>
-                <a:latin typeface="Helvetica Neue" panose="02000503000000020004" pitchFamily="50"/>
-              </a:rPr>
-              <a:t>SALIENCE </a:t>
-            </a:r>
-            <a:r>
-              <a:rPr lang="en-US" sz="1150" b="1" dirty="0">
-                <a:solidFill>
-                  <a:schemeClr val="tx1"/>
-                </a:solidFill>
-                <a:latin typeface="Helvetica Neue" panose="02000503000000020004" pitchFamily="50"/>
-              </a:rPr>
-              <a:t> </a:t>
-            </a:r>
-            <a:r>
-              <a:rPr lang="en-US" sz="1150" b="1" dirty="0" smtClean="0">
-                <a:solidFill>
-                  <a:schemeClr val="tx1"/>
-                </a:solidFill>
-                <a:latin typeface="Helvetica Neue" panose="02000503000000020004" pitchFamily="50"/>
-              </a:rPr>
-              <a:t>        </a:t>
-            </a:r>
-            <a:r>
-              <a:rPr lang="en-US" sz="1150" dirty="0" smtClean="0">
-                <a:solidFill>
-                  <a:schemeClr val="tx1"/>
-                </a:solidFill>
-                <a:latin typeface="Helvetica Neue" panose="02000503000000020004" pitchFamily="50"/>
-              </a:rPr>
-              <a:t>OF DREAM CONTENT</a:t>
-            </a:r>
-            <a:endParaRPr lang="en-US" sz="1150" baseline="30000" dirty="0">
-              <a:solidFill>
-                <a:schemeClr val="tx1"/>
-              </a:solidFill>
-              <a:latin typeface="Helvetica Neue" panose="02000503000000020004" pitchFamily="50"/>
-            </a:endParaRPr>
-          </a:p>
-        </p:txBody>
-      </p:sp>
-      <p:cxnSp>
-        <p:nvCxnSpPr>
-          <p:cNvPr id="27" name="Connecteur droit avec flèche 26"/>
-          <p:cNvCxnSpPr/>
-          <p:nvPr/>
-        </p:nvCxnSpPr>
-        <p:spPr>
-          <a:xfrm>
-            <a:off x="5960106" y="3154176"/>
-            <a:ext cx="360000" cy="0"/>
-          </a:xfrm>
-          <a:prstGeom prst="straightConnector1">
-            <a:avLst/>
-          </a:prstGeom>
-          <a:ln w="28575">
-            <a:solidFill>
-              <a:schemeClr val="tx1">
-                <a:lumMod val="85000"/>
-                <a:lumOff val="15000"/>
-              </a:schemeClr>
-            </a:solidFill>
-            <a:tailEnd type="triangle"/>
-          </a:ln>
-        </p:spPr>
-        <p:style>
-          <a:lnRef idx="1">
-            <a:schemeClr val="dk1"/>
-          </a:lnRef>
-          <a:fillRef idx="0">
-            <a:schemeClr val="dk1"/>
-          </a:fillRef>
-          <a:effectRef idx="0">
-            <a:schemeClr val="dk1"/>
-          </a:effectRef>
-          <a:fontRef idx="minor">
-            <a:schemeClr val="tx1"/>
-          </a:fontRef>
-        </p:style>
-      </p:cxnSp>
-      <p:cxnSp>
-        <p:nvCxnSpPr>
-          <p:cNvPr id="42" name="Connecteur droit avec flèche 41"/>
-          <p:cNvCxnSpPr/>
-          <p:nvPr/>
-        </p:nvCxnSpPr>
-        <p:spPr>
-          <a:xfrm>
-            <a:off x="7157229" y="2409641"/>
-            <a:ext cx="0" cy="216000"/>
-          </a:xfrm>
-          <a:prstGeom prst="straightConnector1">
-            <a:avLst/>
-          </a:prstGeom>
-          <a:ln w="12700">
-            <a:solidFill>
-              <a:schemeClr val="tx1">
-                <a:lumMod val="85000"/>
-                <a:lumOff val="15000"/>
-              </a:schemeClr>
-            </a:solidFill>
-            <a:tailEnd type="triangle"/>
-          </a:ln>
-        </p:spPr>
-        <p:style>
-          <a:lnRef idx="3">
-            <a:schemeClr val="dk1"/>
-          </a:lnRef>
-          <a:fillRef idx="0">
-            <a:schemeClr val="dk1"/>
-          </a:fillRef>
-          <a:effectRef idx="2">
-            <a:schemeClr val="dk1"/>
-          </a:effectRef>
-          <a:fontRef idx="minor">
-            <a:schemeClr val="tx1"/>
-          </a:fontRef>
-        </p:style>
-      </p:cxnSp>
-      <p:sp>
-        <p:nvSpPr>
-          <p:cNvPr id="43" name="ZoneTexte 42"/>
-          <p:cNvSpPr txBox="1"/>
-          <p:nvPr/>
-        </p:nvSpPr>
-        <p:spPr>
-          <a:xfrm>
-            <a:off x="6404697" y="2118416"/>
-            <a:ext cx="1502979" cy="276999"/>
-          </a:xfrm>
-          <a:prstGeom prst="rect">
-            <a:avLst/>
-          </a:prstGeom>
-          <a:noFill/>
-        </p:spPr>
-        <p:txBody>
-          <a:bodyPr wrap="square" rtlCol="0">
-            <a:spAutoFit/>
-          </a:bodyPr>
-          <a:lstStyle/>
-          <a:p>
-            <a:pPr algn="ctr"/>
-            <a:r>
-              <a:rPr lang="en-US" sz="1200" dirty="0" smtClean="0">
-                <a:latin typeface="Helvetica Neue" panose="02000503000000020004" pitchFamily="50"/>
-              </a:rPr>
-              <a:t>Interference</a:t>
-            </a:r>
-            <a:endParaRPr lang="en-US" sz="1200" dirty="0">
-              <a:latin typeface="Helvetica Neue" panose="02000503000000020004" pitchFamily="50"/>
-            </a:endParaRPr>
-          </a:p>
-        </p:txBody>
-      </p:sp>
-      <p:cxnSp>
-        <p:nvCxnSpPr>
-          <p:cNvPr id="49" name="Connecteur droit avec flèche 48"/>
-          <p:cNvCxnSpPr/>
-          <p:nvPr/>
-        </p:nvCxnSpPr>
-        <p:spPr>
-          <a:xfrm flipV="1">
-            <a:off x="5188158" y="3637864"/>
-            <a:ext cx="0" cy="288000"/>
-          </a:xfrm>
-          <a:prstGeom prst="straightConnector1">
-            <a:avLst/>
-          </a:prstGeom>
-          <a:ln w="19050">
-            <a:solidFill>
-              <a:schemeClr val="tx1">
-                <a:lumMod val="85000"/>
-                <a:lumOff val="15000"/>
-              </a:schemeClr>
-            </a:solidFill>
-            <a:tailEnd type="triangle"/>
-          </a:ln>
-        </p:spPr>
-        <p:style>
-          <a:lnRef idx="3">
-            <a:schemeClr val="dk1"/>
-          </a:lnRef>
-          <a:fillRef idx="0">
-            <a:schemeClr val="dk1"/>
-          </a:fillRef>
-          <a:effectRef idx="2">
-            <a:schemeClr val="dk1"/>
-          </a:effectRef>
-          <a:fontRef idx="minor">
-            <a:schemeClr val="tx1"/>
-          </a:fontRef>
-        </p:style>
-      </p:cxnSp>
-      <p:grpSp>
-        <p:nvGrpSpPr>
-          <p:cNvPr id="55" name="Groupe 54"/>
-          <p:cNvGrpSpPr/>
-          <p:nvPr/>
-        </p:nvGrpSpPr>
-        <p:grpSpPr>
-          <a:xfrm>
-            <a:off x="8246920" y="2129987"/>
-            <a:ext cx="1311519" cy="1463458"/>
-            <a:chOff x="10828802" y="1497165"/>
-            <a:chExt cx="1311519" cy="1463458"/>
-          </a:xfrm>
-        </p:grpSpPr>
-        <p:pic>
-          <p:nvPicPr>
-            <p:cNvPr id="56" name="Image 55"/>
-            <p:cNvPicPr>
-              <a:picLocks noChangeAspect="1"/>
-            </p:cNvPicPr>
-            <p:nvPr/>
-          </p:nvPicPr>
-          <p:blipFill>
-            <a:blip r:embed="rId2" cstate="print">
-              <a:extLst>
-                <a:ext uri="{BEBA8EAE-BF5A-486C-A8C5-ECC9F3942E4B}">
-                  <a14:imgProps xmlns:a14="http://schemas.microsoft.com/office/drawing/2010/main">
-                    <a14:imgLayer r:embed="rId3">
-                      <a14:imgEffect>
-                        <a14:saturation sat="0"/>
-                      </a14:imgEffect>
-                    </a14:imgLayer>
-                  </a14:imgProps>
-                </a:ext>
-                <a:ext uri="{28A0092B-C50C-407E-A947-70E740481C1C}">
-                  <a14:useLocalDpi xmlns:a14="http://schemas.microsoft.com/office/drawing/2010/main" val="0"/>
-                </a:ext>
-              </a:extLst>
-            </a:blip>
-            <a:stretch>
-              <a:fillRect/>
-            </a:stretch>
-          </p:blipFill>
-          <p:spPr>
-            <a:xfrm>
-              <a:off x="11060321" y="1497165"/>
-              <a:ext cx="1080000" cy="1080000"/>
-            </a:xfrm>
-            <a:prstGeom prst="rect">
-              <a:avLst/>
-            </a:prstGeom>
-          </p:spPr>
-        </p:pic>
-        <p:sp>
-          <p:nvSpPr>
-            <p:cNvPr id="57" name="Rectangle 56"/>
-            <p:cNvSpPr/>
-            <p:nvPr/>
-          </p:nvSpPr>
-          <p:spPr>
-            <a:xfrm>
-              <a:off x="10828802" y="2528623"/>
-              <a:ext cx="1224000" cy="432000"/>
-            </a:xfrm>
-            <a:prstGeom prst="rect">
-              <a:avLst/>
-            </a:prstGeom>
-            <a:solidFill>
-              <a:schemeClr val="bg1"/>
-            </a:solidFill>
-            <a:ln w="19050">
-              <a:noFill/>
-            </a:ln>
-          </p:spPr>
-          <p:style>
-            <a:lnRef idx="2">
-              <a:schemeClr val="accent1">
-                <a:shade val="50000"/>
-              </a:schemeClr>
-            </a:lnRef>
-            <a:fillRef idx="1">
-              <a:schemeClr val="accent1"/>
-            </a:fillRef>
-            <a:effectRef idx="0">
-              <a:schemeClr val="accent1"/>
-            </a:effectRef>
-            <a:fontRef idx="minor">
-              <a:schemeClr val="lt1"/>
-            </a:fontRef>
-          </p:style>
-          <p:txBody>
-            <a:bodyPr rot="0" spcFirstLastPara="0" vertOverflow="overflow" horzOverflow="overflow" vert="horz" wrap="square" lIns="91440" tIns="45720" rIns="91440" bIns="45720" numCol="1" spcCol="0" rtlCol="0" fromWordArt="0" anchor="t" anchorCtr="0" forceAA="0" compatLnSpc="1">
-              <a:prstTxWarp prst="textNoShape">
-                <a:avLst/>
-              </a:prstTxWarp>
-              <a:noAutofit/>
-            </a:bodyPr>
-            <a:lstStyle/>
-            <a:p>
-              <a:pPr algn="ctr"/>
-              <a:r>
-                <a:rPr lang="en-US" sz="1200" b="1" dirty="0" smtClean="0">
-                  <a:solidFill>
-                    <a:schemeClr val="tx1"/>
-                  </a:solidFill>
-                  <a:latin typeface="Helvetica Neue" panose="02000503000000020004" pitchFamily="50"/>
-                </a:rPr>
-                <a:t>DREAM RECALL</a:t>
-              </a:r>
-              <a:endParaRPr lang="en-US" sz="1200" b="1" dirty="0">
-                <a:solidFill>
-                  <a:schemeClr val="tx1"/>
-                </a:solidFill>
-                <a:latin typeface="Helvetica Neue" panose="02000503000000020004" pitchFamily="50"/>
-              </a:endParaRPr>
-            </a:p>
-          </p:txBody>
-        </p:sp>
-      </p:grpSp>
-      <p:cxnSp>
-        <p:nvCxnSpPr>
-          <p:cNvPr id="59" name="Connecteur droit avec flèche 58"/>
-          <p:cNvCxnSpPr/>
-          <p:nvPr/>
-        </p:nvCxnSpPr>
-        <p:spPr>
-          <a:xfrm>
-            <a:off x="7158047" y="1859827"/>
-            <a:ext cx="0" cy="216000"/>
-          </a:xfrm>
-          <a:prstGeom prst="straightConnector1">
-            <a:avLst/>
-          </a:prstGeom>
-          <a:ln w="12700">
-            <a:solidFill>
-              <a:schemeClr val="tx1">
-                <a:lumMod val="85000"/>
-                <a:lumOff val="15000"/>
-              </a:schemeClr>
-            </a:solidFill>
-            <a:tailEnd type="triangle"/>
-          </a:ln>
-        </p:spPr>
-        <p:style>
-          <a:lnRef idx="3">
-            <a:schemeClr val="dk1"/>
-          </a:lnRef>
-          <a:fillRef idx="0">
-            <a:schemeClr val="dk1"/>
-          </a:fillRef>
-          <a:effectRef idx="2">
-            <a:schemeClr val="dk1"/>
-          </a:effectRef>
-          <a:fontRef idx="minor">
-            <a:schemeClr val="tx1"/>
-          </a:fontRef>
-        </p:style>
-      </p:cxnSp>
-      <p:sp>
-        <p:nvSpPr>
-          <p:cNvPr id="60" name="ZoneTexte 59"/>
-          <p:cNvSpPr txBox="1"/>
-          <p:nvPr/>
-        </p:nvSpPr>
-        <p:spPr>
-          <a:xfrm>
-            <a:off x="6404697" y="1553739"/>
-            <a:ext cx="1502979" cy="276999"/>
-          </a:xfrm>
-          <a:prstGeom prst="rect">
-            <a:avLst/>
-          </a:prstGeom>
-          <a:noFill/>
-        </p:spPr>
-        <p:txBody>
-          <a:bodyPr wrap="square" rtlCol="0">
-            <a:spAutoFit/>
-          </a:bodyPr>
-          <a:lstStyle/>
-          <a:p>
-            <a:pPr algn="ctr"/>
-            <a:r>
-              <a:rPr lang="en-US" sz="1200" dirty="0" smtClean="0">
-                <a:latin typeface="Helvetica Neue" panose="02000503000000020004" pitchFamily="50"/>
-              </a:rPr>
-              <a:t>Interest in dreams</a:t>
-            </a:r>
-            <a:endParaRPr lang="en-US" sz="1200" baseline="30000" dirty="0">
-              <a:latin typeface="Helvetica Neue" panose="02000503000000020004" pitchFamily="50"/>
-            </a:endParaRPr>
-          </a:p>
-        </p:txBody>
-      </p:sp>
-      <p:cxnSp>
-        <p:nvCxnSpPr>
-          <p:cNvPr id="64" name="Connecteur droit avec flèche 63"/>
-          <p:cNvCxnSpPr/>
-          <p:nvPr/>
-        </p:nvCxnSpPr>
-        <p:spPr>
-          <a:xfrm>
-            <a:off x="3994260" y="3150294"/>
-            <a:ext cx="360000" cy="0"/>
-          </a:xfrm>
-          <a:prstGeom prst="straightConnector1">
-            <a:avLst/>
-          </a:prstGeom>
-          <a:ln w="28575">
-            <a:solidFill>
-              <a:schemeClr val="tx1">
-                <a:lumMod val="85000"/>
-                <a:lumOff val="15000"/>
-              </a:schemeClr>
-            </a:solidFill>
-            <a:tailEnd type="triangle"/>
-          </a:ln>
-        </p:spPr>
-        <p:style>
-          <a:lnRef idx="1">
-            <a:schemeClr val="dk1"/>
-          </a:lnRef>
-          <a:fillRef idx="0">
-            <a:schemeClr val="dk1"/>
-          </a:fillRef>
-          <a:effectRef idx="0">
-            <a:schemeClr val="dk1"/>
-          </a:effectRef>
-          <a:fontRef idx="minor">
-            <a:schemeClr val="tx1"/>
-          </a:fontRef>
-        </p:style>
-      </p:cxnSp>
       <p:cxnSp>
         <p:nvCxnSpPr>
           <p:cNvPr id="67" name="Connecteur droit avec flèche 66"/>
@@ -7168,1330 +6035,7 @@
         </p:nvCxnSpPr>
         <p:spPr>
           <a:xfrm flipV="1">
-            <a:off x="3993182" y="2276264"/>
-            <a:ext cx="361078" cy="216000"/>
-          </a:xfrm>
-          <a:prstGeom prst="straightConnector1">
-            <a:avLst/>
-          </a:prstGeom>
-          <a:ln w="28575">
-            <a:solidFill>
-              <a:schemeClr val="tx1">
-                <a:lumMod val="85000"/>
-                <a:lumOff val="15000"/>
-              </a:schemeClr>
-            </a:solidFill>
-            <a:tailEnd type="triangle"/>
-          </a:ln>
-        </p:spPr>
-        <p:style>
-          <a:lnRef idx="1">
-            <a:schemeClr val="dk1"/>
-          </a:lnRef>
-          <a:fillRef idx="0">
-            <a:schemeClr val="dk1"/>
-          </a:fillRef>
-          <a:effectRef idx="0">
-            <a:schemeClr val="dk1"/>
-          </a:effectRef>
-          <a:fontRef idx="minor">
-            <a:schemeClr val="tx1"/>
-          </a:fontRef>
-        </p:style>
-      </p:cxnSp>
-      <p:grpSp>
-        <p:nvGrpSpPr>
-          <p:cNvPr id="3" name="Groupe 2"/>
-          <p:cNvGrpSpPr/>
-          <p:nvPr/>
-        </p:nvGrpSpPr>
-        <p:grpSpPr>
-          <a:xfrm>
-            <a:off x="2600927" y="2070294"/>
-            <a:ext cx="1296000" cy="2160000"/>
-            <a:chOff x="2379431" y="2071934"/>
-            <a:chExt cx="1296000" cy="2142181"/>
-          </a:xfrm>
-        </p:grpSpPr>
-        <p:grpSp>
-          <p:nvGrpSpPr>
-            <p:cNvPr id="2" name="Groupe 1"/>
-            <p:cNvGrpSpPr/>
-            <p:nvPr/>
-          </p:nvGrpSpPr>
-          <p:grpSpPr>
-            <a:xfrm>
-              <a:off x="2379431" y="2071934"/>
-              <a:ext cx="1296000" cy="2142181"/>
-              <a:chOff x="2256769" y="2709936"/>
-              <a:chExt cx="1502981" cy="2142181"/>
-            </a:xfrm>
-          </p:grpSpPr>
-          <p:sp>
-            <p:nvSpPr>
-              <p:cNvPr id="63" name="Rectangle 62"/>
-              <p:cNvSpPr/>
-              <p:nvPr/>
-            </p:nvSpPr>
-            <p:spPr>
-              <a:xfrm>
-                <a:off x="2256770" y="2709936"/>
-                <a:ext cx="1502980" cy="872358"/>
-              </a:xfrm>
-              <a:prstGeom prst="rect">
-                <a:avLst/>
-              </a:prstGeom>
-              <a:noFill/>
-              <a:ln w="12700">
-                <a:solidFill>
-                  <a:schemeClr val="tx2">
-                    <a:lumMod val="75000"/>
-                  </a:schemeClr>
-                </a:solidFill>
-              </a:ln>
-            </p:spPr>
-            <p:style>
-              <a:lnRef idx="2">
-                <a:schemeClr val="accent1">
-                  <a:shade val="50000"/>
-                </a:schemeClr>
-              </a:lnRef>
-              <a:fillRef idx="1">
-                <a:schemeClr val="accent1"/>
-              </a:fillRef>
-              <a:effectRef idx="0">
-                <a:schemeClr val="accent1"/>
-              </a:effectRef>
-              <a:fontRef idx="minor">
-                <a:schemeClr val="lt1"/>
-              </a:fontRef>
-            </p:style>
-            <p:txBody>
-              <a:bodyPr rot="0" spcFirstLastPara="0" vertOverflow="overflow" horzOverflow="overflow" vert="horz" wrap="square" lIns="91440" tIns="45720" rIns="91440" bIns="45720" numCol="1" spcCol="0" rtlCol="0" fromWordArt="0" anchor="ctr" anchorCtr="0" forceAA="0" compatLnSpc="1">
-                <a:prstTxWarp prst="textNoShape">
-                  <a:avLst/>
-                </a:prstTxWarp>
-                <a:noAutofit/>
-              </a:bodyPr>
-              <a:lstStyle/>
-              <a:p>
-                <a:pPr algn="ctr">
-                  <a:lnSpc>
-                    <a:spcPct val="150000"/>
-                  </a:lnSpc>
-                </a:pPr>
-                <a:r>
-                  <a:rPr lang="en-US" sz="1150" b="1" dirty="0" smtClean="0">
-                    <a:solidFill>
-                      <a:schemeClr val="tx1"/>
-                    </a:solidFill>
-                    <a:latin typeface="Helvetica Neue" panose="02000503000000020004" pitchFamily="50"/>
-                  </a:rPr>
-                  <a:t>PERSONALITY, LIFE-STYLE, CREATIVITY</a:t>
-                </a:r>
-                <a:endParaRPr lang="en-US" sz="1150" b="1" baseline="30000" dirty="0">
-                  <a:solidFill>
-                    <a:schemeClr val="tx1"/>
-                  </a:solidFill>
-                  <a:latin typeface="Helvetica Neue" panose="02000503000000020004" pitchFamily="50"/>
-                </a:endParaRPr>
-              </a:p>
-            </p:txBody>
-          </p:sp>
-          <p:sp>
-            <p:nvSpPr>
-              <p:cNvPr id="25" name="Rectangle 24"/>
-              <p:cNvSpPr/>
-              <p:nvPr/>
-            </p:nvSpPr>
-            <p:spPr>
-              <a:xfrm>
-                <a:off x="2256769" y="3979759"/>
-                <a:ext cx="1502980" cy="872358"/>
-              </a:xfrm>
-              <a:prstGeom prst="rect">
-                <a:avLst/>
-              </a:prstGeom>
-              <a:noFill/>
-              <a:ln w="12700">
-                <a:solidFill>
-                  <a:schemeClr val="tx2">
-                    <a:lumMod val="75000"/>
-                  </a:schemeClr>
-                </a:solidFill>
-              </a:ln>
-            </p:spPr>
-            <p:style>
-              <a:lnRef idx="2">
-                <a:schemeClr val="accent1">
-                  <a:shade val="50000"/>
-                </a:schemeClr>
-              </a:lnRef>
-              <a:fillRef idx="1">
-                <a:schemeClr val="accent1"/>
-              </a:fillRef>
-              <a:effectRef idx="0">
-                <a:schemeClr val="accent1"/>
-              </a:effectRef>
-              <a:fontRef idx="minor">
-                <a:schemeClr val="lt1"/>
-              </a:fontRef>
-            </p:style>
-            <p:txBody>
-              <a:bodyPr rot="0" spcFirstLastPara="0" vertOverflow="overflow" horzOverflow="overflow" vert="horz" wrap="square" lIns="91440" tIns="45720" rIns="91440" bIns="45720" numCol="1" spcCol="0" rtlCol="0" fromWordArt="0" anchor="ctr" anchorCtr="0" forceAA="0" compatLnSpc="1">
-                <a:prstTxWarp prst="textNoShape">
-                  <a:avLst/>
-                </a:prstTxWarp>
-                <a:noAutofit/>
-              </a:bodyPr>
-              <a:lstStyle/>
-              <a:p>
-                <a:pPr algn="ctr">
-                  <a:lnSpc>
-                    <a:spcPct val="150000"/>
-                  </a:lnSpc>
-                </a:pPr>
-                <a:r>
-                  <a:rPr lang="en-US" sz="1150" b="1" dirty="0" smtClean="0">
-                    <a:solidFill>
-                      <a:schemeClr val="tx1"/>
-                    </a:solidFill>
-                    <a:latin typeface="Helvetica Neue" panose="02000503000000020004" pitchFamily="50"/>
-                  </a:rPr>
-                  <a:t>BRAIN FUNCTIONING</a:t>
-                </a:r>
-                <a:endParaRPr lang="en-US" sz="1150" b="1" baseline="30000" dirty="0">
-                  <a:solidFill>
-                    <a:schemeClr val="tx1"/>
-                  </a:solidFill>
-                  <a:latin typeface="Helvetica Neue" panose="02000503000000020004" pitchFamily="50"/>
-                </a:endParaRPr>
-              </a:p>
-            </p:txBody>
-          </p:sp>
-        </p:grpSp>
-        <p:cxnSp>
-          <p:nvCxnSpPr>
-            <p:cNvPr id="29" name="Connecteur droit avec flèche 28"/>
-            <p:cNvCxnSpPr/>
-            <p:nvPr/>
-          </p:nvCxnSpPr>
-          <p:spPr>
-            <a:xfrm flipV="1">
-              <a:off x="3027430" y="2979638"/>
-              <a:ext cx="0" cy="326773"/>
-            </a:xfrm>
-            <a:prstGeom prst="straightConnector1">
-              <a:avLst/>
-            </a:prstGeom>
-            <a:ln w="28575">
-              <a:solidFill>
-                <a:schemeClr val="tx1">
-                  <a:lumMod val="85000"/>
-                  <a:lumOff val="15000"/>
-                </a:schemeClr>
-              </a:solidFill>
-              <a:headEnd type="triangle" w="med" len="med"/>
-              <a:tailEnd type="triangle" w="med" len="med"/>
-            </a:ln>
-          </p:spPr>
-          <p:style>
-            <a:lnRef idx="3">
-              <a:schemeClr val="dk1"/>
-            </a:lnRef>
-            <a:fillRef idx="0">
-              <a:schemeClr val="dk1"/>
-            </a:fillRef>
-            <a:effectRef idx="2">
-              <a:schemeClr val="dk1"/>
-            </a:effectRef>
-            <a:fontRef idx="minor">
-              <a:schemeClr val="tx1"/>
-            </a:fontRef>
-          </p:style>
-        </p:cxnSp>
-      </p:grpSp>
-      <p:cxnSp>
-        <p:nvCxnSpPr>
-          <p:cNvPr id="16" name="Connecteur droit avec flèche 15"/>
-          <p:cNvCxnSpPr/>
-          <p:nvPr/>
-        </p:nvCxnSpPr>
-        <p:spPr>
-          <a:xfrm>
-            <a:off x="7982857" y="3151599"/>
-            <a:ext cx="324000" cy="0"/>
-          </a:xfrm>
-          <a:prstGeom prst="straightConnector1">
-            <a:avLst/>
-          </a:prstGeom>
-          <a:ln w="28575">
-            <a:solidFill>
-              <a:schemeClr val="tx1">
-                <a:lumMod val="85000"/>
-                <a:lumOff val="15000"/>
-              </a:schemeClr>
-            </a:solidFill>
-            <a:tailEnd type="triangle"/>
-          </a:ln>
-        </p:spPr>
-        <p:style>
-          <a:lnRef idx="1">
-            <a:schemeClr val="dk1"/>
-          </a:lnRef>
-          <a:fillRef idx="0">
-            <a:schemeClr val="dk1"/>
-          </a:fillRef>
-          <a:effectRef idx="0">
-            <a:schemeClr val="dk1"/>
-          </a:effectRef>
-          <a:fontRef idx="minor">
-            <a:schemeClr val="tx1"/>
-          </a:fontRef>
-        </p:style>
-      </p:cxnSp>
-      <p:cxnSp>
-        <p:nvCxnSpPr>
-          <p:cNvPr id="32" name="Connecteur droit avec flèche 31"/>
-          <p:cNvCxnSpPr/>
-          <p:nvPr/>
-        </p:nvCxnSpPr>
-        <p:spPr>
-          <a:xfrm>
-            <a:off x="3987020" y="3789607"/>
-            <a:ext cx="361078" cy="216000"/>
-          </a:xfrm>
-          <a:prstGeom prst="straightConnector1">
-            <a:avLst/>
-          </a:prstGeom>
-          <a:ln w="28575">
-            <a:solidFill>
-              <a:schemeClr val="tx1">
-                <a:lumMod val="85000"/>
-                <a:lumOff val="15000"/>
-              </a:schemeClr>
-            </a:solidFill>
-            <a:tailEnd type="triangle"/>
-          </a:ln>
-        </p:spPr>
-        <p:style>
-          <a:lnRef idx="1">
-            <a:schemeClr val="dk1"/>
-          </a:lnRef>
-          <a:fillRef idx="0">
-            <a:schemeClr val="dk1"/>
-          </a:fillRef>
-          <a:effectRef idx="0">
-            <a:schemeClr val="dk1"/>
-          </a:effectRef>
-          <a:fontRef idx="minor">
-            <a:schemeClr val="tx1"/>
-          </a:fontRef>
-        </p:style>
-      </p:cxnSp>
-      <p:cxnSp>
-        <p:nvCxnSpPr>
-          <p:cNvPr id="33" name="Connecteur droit avec flèche 32"/>
-          <p:cNvCxnSpPr/>
-          <p:nvPr/>
-        </p:nvCxnSpPr>
-        <p:spPr>
-          <a:xfrm>
-            <a:off x="5956085" y="2312471"/>
-            <a:ext cx="345492" cy="259181"/>
-          </a:xfrm>
-          <a:prstGeom prst="straightConnector1">
-            <a:avLst/>
-          </a:prstGeom>
-          <a:ln w="28575">
-            <a:solidFill>
-              <a:schemeClr val="tx1">
-                <a:lumMod val="85000"/>
-                <a:lumOff val="15000"/>
-              </a:schemeClr>
-            </a:solidFill>
-            <a:tailEnd type="triangle"/>
-          </a:ln>
-        </p:spPr>
-        <p:style>
-          <a:lnRef idx="1">
-            <a:schemeClr val="dk1"/>
-          </a:lnRef>
-          <a:fillRef idx="0">
-            <a:schemeClr val="dk1"/>
-          </a:fillRef>
-          <a:effectRef idx="0">
-            <a:schemeClr val="dk1"/>
-          </a:effectRef>
-          <a:fontRef idx="minor">
-            <a:schemeClr val="tx1"/>
-          </a:fontRef>
-        </p:style>
-      </p:cxnSp>
-    </p:spTree>
-    <p:extLst>
-      <p:ext uri="{BB962C8B-B14F-4D97-AF65-F5344CB8AC3E}">
-        <p14:creationId xmlns:p14="http://schemas.microsoft.com/office/powerpoint/2010/main" val="2895864941"/>
-      </p:ext>
-    </p:extLst>
-  </p:cSld>
-  <p:clrMapOvr>
-    <a:masterClrMapping/>
-  </p:clrMapOvr>
-</p:sld>
-</file>
-
-<file path=ppt/slides/slide4.xml><?xml version="1.0" encoding="utf-8"?>
-<p:sld xmlns:a="http://schemas.openxmlformats.org/drawingml/2006/main" xmlns:r="http://schemas.openxmlformats.org/officeDocument/2006/relationships" xmlns:p="http://schemas.openxmlformats.org/presentationml/2006/main">
-  <p:cSld>
-    <p:spTree>
-      <p:nvGrpSpPr>
-        <p:cNvPr id="1" name=""/>
-        <p:cNvGrpSpPr/>
-        <p:nvPr/>
-      </p:nvGrpSpPr>
-      <p:grpSpPr>
-        <a:xfrm>
-          <a:off x="0" y="0"/>
-          <a:ext cx="0" cy="0"/>
-          <a:chOff x="0" y="0"/>
-          <a:chExt cx="0" cy="0"/>
-        </a:xfrm>
-      </p:grpSpPr>
-      <p:sp>
-        <p:nvSpPr>
-          <p:cNvPr id="4" name="Rectangle 3"/>
-          <p:cNvSpPr/>
-          <p:nvPr/>
-        </p:nvSpPr>
-        <p:spPr>
-          <a:xfrm>
-            <a:off x="4436668" y="2709936"/>
-            <a:ext cx="1502980" cy="872358"/>
-          </a:xfrm>
-          <a:prstGeom prst="rect">
-            <a:avLst/>
-          </a:prstGeom>
-          <a:solidFill>
-            <a:srgbClr val="6EBCBF"/>
-          </a:solidFill>
-          <a:ln w="19050">
-            <a:noFill/>
-          </a:ln>
-        </p:spPr>
-        <p:style>
-          <a:lnRef idx="2">
-            <a:schemeClr val="accent1">
-              <a:shade val="50000"/>
-            </a:schemeClr>
-          </a:lnRef>
-          <a:fillRef idx="1">
-            <a:schemeClr val="accent1"/>
-          </a:fillRef>
-          <a:effectRef idx="0">
-            <a:schemeClr val="accent1"/>
-          </a:effectRef>
-          <a:fontRef idx="minor">
-            <a:schemeClr val="lt1"/>
-          </a:fontRef>
-        </p:style>
-        <p:txBody>
-          <a:bodyPr rot="0" spcFirstLastPara="0" vertOverflow="overflow" horzOverflow="overflow" vert="horz" wrap="square" lIns="91440" tIns="45720" rIns="91440" bIns="45720" numCol="1" spcCol="0" rtlCol="0" fromWordArt="0" anchor="ctr" anchorCtr="0" forceAA="0" compatLnSpc="1">
-            <a:prstTxWarp prst="textNoShape">
-              <a:avLst/>
-            </a:prstTxWarp>
-            <a:noAutofit/>
-          </a:bodyPr>
-          <a:lstStyle/>
-          <a:p>
-            <a:pPr algn="ctr">
-              <a:lnSpc>
-                <a:spcPct val="150000"/>
-              </a:lnSpc>
-            </a:pPr>
-            <a:r>
-              <a:rPr lang="en-US" sz="1150" smtClean="0">
-                <a:solidFill>
-                  <a:schemeClr val="tx1"/>
-                </a:solidFill>
-                <a:latin typeface="Helvetica Neue" panose="02000503000000020004" pitchFamily="50"/>
-              </a:rPr>
-              <a:t>INTRA-SLEEP AWAKENINGS</a:t>
-            </a:r>
-            <a:endParaRPr lang="en-US" sz="1150" baseline="30000" dirty="0">
-              <a:solidFill>
-                <a:schemeClr val="tx1"/>
-              </a:solidFill>
-              <a:latin typeface="Helvetica Neue" panose="02000503000000020004" pitchFamily="50"/>
-            </a:endParaRPr>
-          </a:p>
-        </p:txBody>
-      </p:sp>
-      <p:sp>
-        <p:nvSpPr>
-          <p:cNvPr id="7" name="Rectangle 6"/>
-          <p:cNvSpPr/>
-          <p:nvPr/>
-        </p:nvSpPr>
-        <p:spPr>
-          <a:xfrm>
-            <a:off x="6616568" y="2709936"/>
-            <a:ext cx="1502980" cy="872358"/>
-          </a:xfrm>
-          <a:prstGeom prst="rect">
-            <a:avLst/>
-          </a:prstGeom>
-          <a:solidFill>
-            <a:srgbClr val="61567C"/>
-          </a:solidFill>
-          <a:ln w="19050">
-            <a:noFill/>
-          </a:ln>
-        </p:spPr>
-        <p:style>
-          <a:lnRef idx="2">
-            <a:schemeClr val="accent1">
-              <a:shade val="50000"/>
-            </a:schemeClr>
-          </a:lnRef>
-          <a:fillRef idx="1">
-            <a:schemeClr val="accent1"/>
-          </a:fillRef>
-          <a:effectRef idx="0">
-            <a:schemeClr val="accent1"/>
-          </a:effectRef>
-          <a:fontRef idx="minor">
-            <a:schemeClr val="lt1"/>
-          </a:fontRef>
-        </p:style>
-        <p:txBody>
-          <a:bodyPr rot="0" spcFirstLastPara="0" vertOverflow="overflow" horzOverflow="overflow" vert="horz" wrap="square" lIns="91440" tIns="45720" rIns="91440" bIns="45720" numCol="1" spcCol="0" rtlCol="0" fromWordArt="0" anchor="ctr" anchorCtr="0" forceAA="0" compatLnSpc="1">
-            <a:prstTxWarp prst="textNoShape">
-              <a:avLst/>
-            </a:prstTxWarp>
-            <a:noAutofit/>
-          </a:bodyPr>
-          <a:lstStyle/>
-          <a:p>
-            <a:pPr algn="ctr">
-              <a:lnSpc>
-                <a:spcPct val="150000"/>
-              </a:lnSpc>
-            </a:pPr>
-            <a:r>
-              <a:rPr lang="en-US" sz="1150" dirty="0" smtClean="0">
-                <a:solidFill>
-                  <a:schemeClr val="bg1"/>
-                </a:solidFill>
-                <a:latin typeface="Helvetica Neue" panose="02000503000000020004" pitchFamily="50"/>
-              </a:rPr>
-              <a:t>ENCODING OF DREAM IN LONG TERM MEMORY</a:t>
-            </a:r>
-            <a:endParaRPr lang="en-US" sz="1150" baseline="30000" dirty="0">
-              <a:solidFill>
-                <a:schemeClr val="bg1"/>
-              </a:solidFill>
-              <a:latin typeface="Helvetica Neue" panose="02000503000000020004" pitchFamily="50"/>
-            </a:endParaRPr>
-          </a:p>
-        </p:txBody>
-      </p:sp>
-      <p:sp>
-        <p:nvSpPr>
-          <p:cNvPr id="8" name="ZoneTexte 7"/>
-          <p:cNvSpPr txBox="1"/>
-          <p:nvPr/>
-        </p:nvSpPr>
-        <p:spPr>
-          <a:xfrm>
-            <a:off x="6616567" y="3897607"/>
-            <a:ext cx="1502979" cy="276999"/>
-          </a:xfrm>
-          <a:prstGeom prst="rect">
-            <a:avLst/>
-          </a:prstGeom>
-          <a:noFill/>
-        </p:spPr>
-        <p:txBody>
-          <a:bodyPr wrap="square" rtlCol="0">
-            <a:spAutoFit/>
-          </a:bodyPr>
-          <a:lstStyle/>
-          <a:p>
-            <a:pPr algn="ctr"/>
-            <a:r>
-              <a:rPr lang="en-US" sz="1150" dirty="0" smtClean="0">
-                <a:latin typeface="Helvetica Neue" panose="02000503000000020004" pitchFamily="50"/>
-              </a:rPr>
-              <a:t>Sleep inertia</a:t>
-            </a:r>
-            <a:endParaRPr lang="en-US" sz="1150" baseline="30000" dirty="0">
-              <a:latin typeface="Helvetica Neue" panose="02000503000000020004" pitchFamily="50"/>
-            </a:endParaRPr>
-          </a:p>
-        </p:txBody>
-      </p:sp>
-      <p:sp>
-        <p:nvSpPr>
-          <p:cNvPr id="9" name="ZoneTexte 8"/>
-          <p:cNvSpPr txBox="1"/>
-          <p:nvPr/>
-        </p:nvSpPr>
-        <p:spPr>
-          <a:xfrm>
-            <a:off x="6502392" y="4432813"/>
-            <a:ext cx="1735696" cy="276999"/>
-          </a:xfrm>
-          <a:prstGeom prst="rect">
-            <a:avLst/>
-          </a:prstGeom>
-          <a:noFill/>
-        </p:spPr>
-        <p:txBody>
-          <a:bodyPr wrap="square" rtlCol="0">
-            <a:spAutoFit/>
-          </a:bodyPr>
-          <a:lstStyle/>
-          <a:p>
-            <a:pPr algn="ctr"/>
-            <a:r>
-              <a:rPr lang="en-US" sz="1150" dirty="0" smtClean="0">
-                <a:latin typeface="Helvetica Neue" panose="02000503000000020004" pitchFamily="50"/>
-              </a:rPr>
-              <a:t>Physiological context</a:t>
-            </a:r>
-            <a:endParaRPr lang="en-US" sz="1150" baseline="30000" dirty="0">
-              <a:latin typeface="Helvetica Neue" panose="02000503000000020004" pitchFamily="50"/>
-            </a:endParaRPr>
-          </a:p>
-        </p:txBody>
-      </p:sp>
-      <p:cxnSp>
-        <p:nvCxnSpPr>
-          <p:cNvPr id="16" name="Connecteur droit avec flèche 15"/>
-          <p:cNvCxnSpPr/>
-          <p:nvPr/>
-        </p:nvCxnSpPr>
-        <p:spPr>
-          <a:xfrm>
-            <a:off x="8265064" y="3151599"/>
-            <a:ext cx="430922" cy="0"/>
-          </a:xfrm>
-          <a:prstGeom prst="straightConnector1">
-            <a:avLst/>
-          </a:prstGeom>
-          <a:ln w="28575">
-            <a:solidFill>
-              <a:schemeClr val="tx1">
-                <a:lumMod val="85000"/>
-                <a:lumOff val="15000"/>
-              </a:schemeClr>
-            </a:solidFill>
-            <a:tailEnd type="triangle"/>
-          </a:ln>
-        </p:spPr>
-        <p:style>
-          <a:lnRef idx="1">
-            <a:schemeClr val="dk1"/>
-          </a:lnRef>
-          <a:fillRef idx="0">
-            <a:schemeClr val="dk1"/>
-          </a:fillRef>
-          <a:effectRef idx="0">
-            <a:schemeClr val="dk1"/>
-          </a:effectRef>
-          <a:fontRef idx="minor">
-            <a:schemeClr val="tx1"/>
-          </a:fontRef>
-        </p:style>
-      </p:cxnSp>
-      <p:cxnSp>
-        <p:nvCxnSpPr>
-          <p:cNvPr id="19" name="Connecteur droit avec flèche 18"/>
-          <p:cNvCxnSpPr/>
-          <p:nvPr/>
-        </p:nvCxnSpPr>
-        <p:spPr>
-          <a:xfrm flipV="1">
-            <a:off x="7368056" y="4179010"/>
-            <a:ext cx="0" cy="216000"/>
-          </a:xfrm>
-          <a:prstGeom prst="straightConnector1">
-            <a:avLst/>
-          </a:prstGeom>
-          <a:ln w="12700">
-            <a:solidFill>
-              <a:schemeClr val="tx1">
-                <a:lumMod val="85000"/>
-                <a:lumOff val="15000"/>
-              </a:schemeClr>
-            </a:solidFill>
-            <a:tailEnd type="triangle"/>
-          </a:ln>
-        </p:spPr>
-        <p:style>
-          <a:lnRef idx="3">
-            <a:schemeClr val="dk1"/>
-          </a:lnRef>
-          <a:fillRef idx="0">
-            <a:schemeClr val="dk1"/>
-          </a:fillRef>
-          <a:effectRef idx="2">
-            <a:schemeClr val="dk1"/>
-          </a:effectRef>
-          <a:fontRef idx="minor">
-            <a:schemeClr val="tx1"/>
-          </a:fontRef>
-        </p:style>
-      </p:cxnSp>
-      <p:cxnSp>
-        <p:nvCxnSpPr>
-          <p:cNvPr id="20" name="Connecteur droit avec flèche 19"/>
-          <p:cNvCxnSpPr/>
-          <p:nvPr/>
-        </p:nvCxnSpPr>
-        <p:spPr>
-          <a:xfrm flipV="1">
-            <a:off x="7368057" y="3655863"/>
-            <a:ext cx="0" cy="216000"/>
-          </a:xfrm>
-          <a:prstGeom prst="straightConnector1">
-            <a:avLst/>
-          </a:prstGeom>
-          <a:ln w="12700">
-            <a:solidFill>
-              <a:schemeClr val="tx1">
-                <a:lumMod val="85000"/>
-                <a:lumOff val="15000"/>
-              </a:schemeClr>
-            </a:solidFill>
-            <a:tailEnd type="triangle"/>
-          </a:ln>
-        </p:spPr>
-        <p:style>
-          <a:lnRef idx="3">
-            <a:schemeClr val="dk1"/>
-          </a:lnRef>
-          <a:fillRef idx="0">
-            <a:schemeClr val="dk1"/>
-          </a:fillRef>
-          <a:effectRef idx="2">
-            <a:schemeClr val="dk1"/>
-          </a:effectRef>
-          <a:fontRef idx="minor">
-            <a:schemeClr val="tx1"/>
-          </a:fontRef>
-        </p:style>
-      </p:cxnSp>
-      <p:sp>
-        <p:nvSpPr>
-          <p:cNvPr id="6" name="Rectangle 5"/>
-          <p:cNvSpPr/>
-          <p:nvPr/>
-        </p:nvSpPr>
-        <p:spPr>
-          <a:xfrm>
-            <a:off x="4436668" y="3979759"/>
-            <a:ext cx="1502980" cy="872358"/>
-          </a:xfrm>
-          <a:prstGeom prst="rect">
-            <a:avLst/>
-          </a:prstGeom>
-          <a:solidFill>
-            <a:srgbClr val="4B84AF"/>
-          </a:solidFill>
-          <a:ln w="19050">
-            <a:noFill/>
-          </a:ln>
-        </p:spPr>
-        <p:style>
-          <a:lnRef idx="2">
-            <a:schemeClr val="accent1">
-              <a:shade val="50000"/>
-            </a:schemeClr>
-          </a:lnRef>
-          <a:fillRef idx="1">
-            <a:schemeClr val="accent1"/>
-          </a:fillRef>
-          <a:effectRef idx="0">
-            <a:schemeClr val="accent1"/>
-          </a:effectRef>
-          <a:fontRef idx="minor">
-            <a:schemeClr val="lt1"/>
-          </a:fontRef>
-        </p:style>
-        <p:txBody>
-          <a:bodyPr rot="0" spcFirstLastPara="0" vertOverflow="overflow" horzOverflow="overflow" vert="horz" wrap="square" lIns="91440" tIns="45720" rIns="91440" bIns="45720" numCol="1" spcCol="0" rtlCol="0" fromWordArt="0" anchor="ctr" anchorCtr="0" forceAA="0" compatLnSpc="1">
-            <a:prstTxWarp prst="textNoShape">
-              <a:avLst/>
-            </a:prstTxWarp>
-            <a:noAutofit/>
-          </a:bodyPr>
-          <a:lstStyle/>
-          <a:p>
-            <a:pPr algn="ctr">
-              <a:lnSpc>
-                <a:spcPct val="150000"/>
-              </a:lnSpc>
-            </a:pPr>
-            <a:r>
-              <a:rPr lang="en-US" sz="1150" dirty="0" smtClean="0">
-                <a:solidFill>
-                  <a:schemeClr val="tx1"/>
-                </a:solidFill>
-                <a:latin typeface="Helvetica Neue" panose="02000503000000020004" pitchFamily="50"/>
-              </a:rPr>
-              <a:t>BRAIN REACTIVITY TO STIMULI</a:t>
-            </a:r>
-            <a:endParaRPr lang="en-US" sz="1150" baseline="30000" dirty="0">
-              <a:solidFill>
-                <a:schemeClr val="tx1"/>
-              </a:solidFill>
-              <a:latin typeface="Helvetica Neue" panose="02000503000000020004" pitchFamily="50"/>
-            </a:endParaRPr>
-          </a:p>
-        </p:txBody>
-      </p:sp>
-      <p:sp>
-        <p:nvSpPr>
-          <p:cNvPr id="26" name="Rectangle 25"/>
-          <p:cNvSpPr/>
-          <p:nvPr/>
-        </p:nvSpPr>
-        <p:spPr>
-          <a:xfrm>
-            <a:off x="4436668" y="1440113"/>
-            <a:ext cx="1502980" cy="872358"/>
-          </a:xfrm>
-          <a:prstGeom prst="rect">
-            <a:avLst/>
-          </a:prstGeom>
-          <a:solidFill>
-            <a:srgbClr val="99D398"/>
-          </a:solidFill>
-          <a:ln w="19050">
-            <a:noFill/>
-          </a:ln>
-        </p:spPr>
-        <p:style>
-          <a:lnRef idx="2">
-            <a:schemeClr val="accent1">
-              <a:shade val="50000"/>
-            </a:schemeClr>
-          </a:lnRef>
-          <a:fillRef idx="1">
-            <a:schemeClr val="accent1"/>
-          </a:fillRef>
-          <a:effectRef idx="0">
-            <a:schemeClr val="accent1"/>
-          </a:effectRef>
-          <a:fontRef idx="minor">
-            <a:schemeClr val="lt1"/>
-          </a:fontRef>
-        </p:style>
-        <p:txBody>
-          <a:bodyPr rot="0" spcFirstLastPara="0" vertOverflow="overflow" horzOverflow="overflow" vert="horz" wrap="square" lIns="91440" tIns="45720" rIns="91440" bIns="45720" numCol="1" spcCol="0" rtlCol="0" fromWordArt="0" anchor="ctr" anchorCtr="0" forceAA="0" compatLnSpc="1">
-            <a:prstTxWarp prst="textNoShape">
-              <a:avLst/>
-            </a:prstTxWarp>
-            <a:noAutofit/>
-          </a:bodyPr>
-          <a:lstStyle/>
-          <a:p>
-            <a:pPr algn="ctr">
-              <a:lnSpc>
-                <a:spcPct val="150000"/>
-              </a:lnSpc>
-            </a:pPr>
-            <a:r>
-              <a:rPr lang="en-US" sz="1150" dirty="0" smtClean="0">
-                <a:solidFill>
-                  <a:schemeClr val="tx1"/>
-                </a:solidFill>
-                <a:latin typeface="Helvetica Neue" panose="02000503000000020004" pitchFamily="50"/>
-              </a:rPr>
-              <a:t>SALIENCE OF DREAM CONTENT</a:t>
-            </a:r>
-            <a:endParaRPr lang="en-US" sz="1150" baseline="30000" dirty="0">
-              <a:solidFill>
-                <a:schemeClr val="tx1"/>
-              </a:solidFill>
-              <a:latin typeface="Helvetica Neue" panose="02000503000000020004" pitchFamily="50"/>
-            </a:endParaRPr>
-          </a:p>
-        </p:txBody>
-      </p:sp>
-      <p:cxnSp>
-        <p:nvCxnSpPr>
-          <p:cNvPr id="27" name="Connecteur droit avec flèche 26"/>
-          <p:cNvCxnSpPr/>
-          <p:nvPr/>
-        </p:nvCxnSpPr>
-        <p:spPr>
-          <a:xfrm>
-            <a:off x="6049314" y="3143025"/>
-            <a:ext cx="430922" cy="0"/>
-          </a:xfrm>
-          <a:prstGeom prst="straightConnector1">
-            <a:avLst/>
-          </a:prstGeom>
-          <a:ln w="28575">
-            <a:solidFill>
-              <a:schemeClr val="tx1">
-                <a:lumMod val="85000"/>
-                <a:lumOff val="15000"/>
-              </a:schemeClr>
-            </a:solidFill>
-            <a:tailEnd type="triangle"/>
-          </a:ln>
-        </p:spPr>
-        <p:style>
-          <a:lnRef idx="1">
-            <a:schemeClr val="dk1"/>
-          </a:lnRef>
-          <a:fillRef idx="0">
-            <a:schemeClr val="dk1"/>
-          </a:fillRef>
-          <a:effectRef idx="0">
-            <a:schemeClr val="dk1"/>
-          </a:effectRef>
-          <a:fontRef idx="minor">
-            <a:schemeClr val="tx1"/>
-          </a:fontRef>
-        </p:style>
-      </p:cxnSp>
-      <p:cxnSp>
-        <p:nvCxnSpPr>
-          <p:cNvPr id="42" name="Connecteur droit avec flèche 41"/>
-          <p:cNvCxnSpPr/>
-          <p:nvPr/>
-        </p:nvCxnSpPr>
-        <p:spPr>
-          <a:xfrm>
-            <a:off x="7369098" y="2398490"/>
-            <a:ext cx="0" cy="216000"/>
-          </a:xfrm>
-          <a:prstGeom prst="straightConnector1">
-            <a:avLst/>
-          </a:prstGeom>
-          <a:ln w="12700">
-            <a:solidFill>
-              <a:schemeClr val="tx1">
-                <a:lumMod val="85000"/>
-                <a:lumOff val="15000"/>
-              </a:schemeClr>
-            </a:solidFill>
-            <a:tailEnd type="triangle"/>
-          </a:ln>
-        </p:spPr>
-        <p:style>
-          <a:lnRef idx="3">
-            <a:schemeClr val="dk1"/>
-          </a:lnRef>
-          <a:fillRef idx="0">
-            <a:schemeClr val="dk1"/>
-          </a:fillRef>
-          <a:effectRef idx="2">
-            <a:schemeClr val="dk1"/>
-          </a:effectRef>
-          <a:fontRef idx="minor">
-            <a:schemeClr val="tx1"/>
-          </a:fontRef>
-        </p:style>
-      </p:cxnSp>
-      <p:sp>
-        <p:nvSpPr>
-          <p:cNvPr id="43" name="ZoneTexte 42"/>
-          <p:cNvSpPr txBox="1"/>
-          <p:nvPr/>
-        </p:nvSpPr>
-        <p:spPr>
-          <a:xfrm>
-            <a:off x="6616566" y="2107265"/>
-            <a:ext cx="1502979" cy="276999"/>
-          </a:xfrm>
-          <a:prstGeom prst="rect">
-            <a:avLst/>
-          </a:prstGeom>
-          <a:noFill/>
-        </p:spPr>
-        <p:txBody>
-          <a:bodyPr wrap="square" rtlCol="0">
-            <a:spAutoFit/>
-          </a:bodyPr>
-          <a:lstStyle/>
-          <a:p>
-            <a:pPr algn="ctr"/>
-            <a:r>
-              <a:rPr lang="en-US" sz="1150" dirty="0" smtClean="0">
-                <a:latin typeface="Helvetica Neue" panose="02000503000000020004" pitchFamily="50"/>
-              </a:rPr>
-              <a:t>Interference</a:t>
-            </a:r>
-            <a:endParaRPr lang="en-US" sz="1150" dirty="0">
-              <a:latin typeface="Helvetica Neue" panose="02000503000000020004" pitchFamily="50"/>
-            </a:endParaRPr>
-          </a:p>
-        </p:txBody>
-      </p:sp>
-      <p:cxnSp>
-        <p:nvCxnSpPr>
-          <p:cNvPr id="49" name="Connecteur droit avec flèche 48"/>
-          <p:cNvCxnSpPr/>
-          <p:nvPr/>
-        </p:nvCxnSpPr>
-        <p:spPr>
-          <a:xfrm flipV="1">
-            <a:off x="5188158" y="3637864"/>
-            <a:ext cx="0" cy="288000"/>
-          </a:xfrm>
-          <a:prstGeom prst="straightConnector1">
-            <a:avLst/>
-          </a:prstGeom>
-          <a:ln w="19050">
-            <a:solidFill>
-              <a:schemeClr val="tx1">
-                <a:lumMod val="85000"/>
-                <a:lumOff val="15000"/>
-              </a:schemeClr>
-            </a:solidFill>
-            <a:tailEnd type="triangle"/>
-          </a:ln>
-        </p:spPr>
-        <p:style>
-          <a:lnRef idx="3">
-            <a:schemeClr val="dk1"/>
-          </a:lnRef>
-          <a:fillRef idx="0">
-            <a:schemeClr val="dk1"/>
-          </a:fillRef>
-          <a:effectRef idx="2">
-            <a:schemeClr val="dk1"/>
-          </a:effectRef>
-          <a:fontRef idx="minor">
-            <a:schemeClr val="tx1"/>
-          </a:fontRef>
-        </p:style>
-      </p:cxnSp>
-      <p:grpSp>
-        <p:nvGrpSpPr>
-          <p:cNvPr id="55" name="Groupe 54"/>
-          <p:cNvGrpSpPr/>
-          <p:nvPr/>
-        </p:nvGrpSpPr>
-        <p:grpSpPr>
-          <a:xfrm>
-            <a:off x="8796468" y="2118836"/>
-            <a:ext cx="1311519" cy="1463458"/>
-            <a:chOff x="10828802" y="1497165"/>
-            <a:chExt cx="1311519" cy="1463458"/>
-          </a:xfrm>
-        </p:grpSpPr>
-        <p:pic>
-          <p:nvPicPr>
-            <p:cNvPr id="56" name="Image 55"/>
-            <p:cNvPicPr>
-              <a:picLocks noChangeAspect="1"/>
-            </p:cNvPicPr>
-            <p:nvPr/>
-          </p:nvPicPr>
-          <p:blipFill>
-            <a:blip r:embed="rId2" cstate="print">
-              <a:extLst>
-                <a:ext uri="{BEBA8EAE-BF5A-486C-A8C5-ECC9F3942E4B}">
-                  <a14:imgProps xmlns:a14="http://schemas.microsoft.com/office/drawing/2010/main">
-                    <a14:imgLayer r:embed="rId3">
-                      <a14:imgEffect>
-                        <a14:saturation sat="0"/>
-                      </a14:imgEffect>
-                    </a14:imgLayer>
-                  </a14:imgProps>
-                </a:ext>
-                <a:ext uri="{28A0092B-C50C-407E-A947-70E740481C1C}">
-                  <a14:useLocalDpi xmlns:a14="http://schemas.microsoft.com/office/drawing/2010/main" val="0"/>
-                </a:ext>
-              </a:extLst>
-            </a:blip>
-            <a:stretch>
-              <a:fillRect/>
-            </a:stretch>
-          </p:blipFill>
-          <p:spPr>
-            <a:xfrm>
-              <a:off x="11060321" y="1497165"/>
-              <a:ext cx="1080000" cy="1080000"/>
-            </a:xfrm>
-            <a:prstGeom prst="rect">
-              <a:avLst/>
-            </a:prstGeom>
-          </p:spPr>
-        </p:pic>
-        <p:sp>
-          <p:nvSpPr>
-            <p:cNvPr id="57" name="Rectangle 56"/>
-            <p:cNvSpPr/>
-            <p:nvPr/>
-          </p:nvSpPr>
-          <p:spPr>
-            <a:xfrm>
-              <a:off x="10828802" y="2528623"/>
-              <a:ext cx="1224000" cy="432000"/>
-            </a:xfrm>
-            <a:prstGeom prst="rect">
-              <a:avLst/>
-            </a:prstGeom>
-            <a:solidFill>
-              <a:schemeClr val="bg1"/>
-            </a:solidFill>
-            <a:ln w="19050">
-              <a:noFill/>
-            </a:ln>
-          </p:spPr>
-          <p:style>
-            <a:lnRef idx="2">
-              <a:schemeClr val="accent1">
-                <a:shade val="50000"/>
-              </a:schemeClr>
-            </a:lnRef>
-            <a:fillRef idx="1">
-              <a:schemeClr val="accent1"/>
-            </a:fillRef>
-            <a:effectRef idx="0">
-              <a:schemeClr val="accent1"/>
-            </a:effectRef>
-            <a:fontRef idx="minor">
-              <a:schemeClr val="lt1"/>
-            </a:fontRef>
-          </p:style>
-          <p:txBody>
-            <a:bodyPr rot="0" spcFirstLastPara="0" vertOverflow="overflow" horzOverflow="overflow" vert="horz" wrap="square" lIns="91440" tIns="45720" rIns="91440" bIns="45720" numCol="1" spcCol="0" rtlCol="0" fromWordArt="0" anchor="t" anchorCtr="0" forceAA="0" compatLnSpc="1">
-              <a:prstTxWarp prst="textNoShape">
-                <a:avLst/>
-              </a:prstTxWarp>
-              <a:noAutofit/>
-            </a:bodyPr>
-            <a:lstStyle/>
-            <a:p>
-              <a:pPr algn="ctr"/>
-              <a:r>
-                <a:rPr lang="en-US" sz="1200" b="1" dirty="0" smtClean="0">
-                  <a:solidFill>
-                    <a:schemeClr val="tx1"/>
-                  </a:solidFill>
-                  <a:latin typeface="Helvetica Neue" panose="02000503000000020004" pitchFamily="50"/>
-                </a:rPr>
-                <a:t>DREAM RECALL</a:t>
-              </a:r>
-              <a:endParaRPr lang="en-US" sz="1200" b="1" dirty="0">
-                <a:solidFill>
-                  <a:schemeClr val="tx1"/>
-                </a:solidFill>
-                <a:latin typeface="Helvetica Neue" panose="02000503000000020004" pitchFamily="50"/>
-              </a:endParaRPr>
-            </a:p>
-          </p:txBody>
-        </p:sp>
-      </p:grpSp>
-      <p:cxnSp>
-        <p:nvCxnSpPr>
-          <p:cNvPr id="59" name="Connecteur droit avec flèche 58"/>
-          <p:cNvCxnSpPr/>
-          <p:nvPr/>
-        </p:nvCxnSpPr>
-        <p:spPr>
-          <a:xfrm>
-            <a:off x="7369916" y="1848676"/>
-            <a:ext cx="0" cy="216000"/>
-          </a:xfrm>
-          <a:prstGeom prst="straightConnector1">
-            <a:avLst/>
-          </a:prstGeom>
-          <a:ln w="12700">
-            <a:solidFill>
-              <a:schemeClr val="tx1">
-                <a:lumMod val="85000"/>
-                <a:lumOff val="15000"/>
-              </a:schemeClr>
-            </a:solidFill>
-            <a:tailEnd type="triangle"/>
-          </a:ln>
-        </p:spPr>
-        <p:style>
-          <a:lnRef idx="3">
-            <a:schemeClr val="dk1"/>
-          </a:lnRef>
-          <a:fillRef idx="0">
-            <a:schemeClr val="dk1"/>
-          </a:fillRef>
-          <a:effectRef idx="2">
-            <a:schemeClr val="dk1"/>
-          </a:effectRef>
-          <a:fontRef idx="minor">
-            <a:schemeClr val="tx1"/>
-          </a:fontRef>
-        </p:style>
-      </p:cxnSp>
-      <p:sp>
-        <p:nvSpPr>
-          <p:cNvPr id="60" name="ZoneTexte 59"/>
-          <p:cNvSpPr txBox="1"/>
-          <p:nvPr/>
-        </p:nvSpPr>
-        <p:spPr>
-          <a:xfrm>
-            <a:off x="6616566" y="1542588"/>
-            <a:ext cx="1502979" cy="269304"/>
-          </a:xfrm>
-          <a:prstGeom prst="rect">
-            <a:avLst/>
-          </a:prstGeom>
-          <a:noFill/>
-        </p:spPr>
-        <p:txBody>
-          <a:bodyPr wrap="square" rtlCol="0">
-            <a:spAutoFit/>
-          </a:bodyPr>
-          <a:lstStyle/>
-          <a:p>
-            <a:pPr algn="ctr"/>
-            <a:r>
-              <a:rPr lang="en-US" sz="1150" dirty="0" smtClean="0">
-                <a:latin typeface="Helvetica Neue" panose="02000503000000020004" pitchFamily="50"/>
-              </a:rPr>
-              <a:t>Interest in dreams</a:t>
-            </a:r>
-            <a:endParaRPr lang="en-US" sz="1150" baseline="30000" dirty="0">
-              <a:latin typeface="Helvetica Neue" panose="02000503000000020004" pitchFamily="50"/>
-            </a:endParaRPr>
-          </a:p>
-        </p:txBody>
-      </p:sp>
-      <p:cxnSp>
-        <p:nvCxnSpPr>
-          <p:cNvPr id="61" name="Connecteur droit avec flèche 60"/>
-          <p:cNvCxnSpPr/>
-          <p:nvPr/>
-        </p:nvCxnSpPr>
-        <p:spPr>
-          <a:xfrm>
-            <a:off x="6048236" y="2398490"/>
-            <a:ext cx="432000" cy="247800"/>
-          </a:xfrm>
-          <a:prstGeom prst="straightConnector1">
-            <a:avLst/>
-          </a:prstGeom>
-          <a:ln w="28575">
-            <a:solidFill>
-              <a:schemeClr val="tx1">
-                <a:lumMod val="85000"/>
-                <a:lumOff val="15000"/>
-              </a:schemeClr>
-            </a:solidFill>
-            <a:tailEnd type="triangle"/>
-          </a:ln>
-        </p:spPr>
-        <p:style>
-          <a:lnRef idx="1">
-            <a:schemeClr val="dk1"/>
-          </a:lnRef>
-          <a:fillRef idx="0">
-            <a:schemeClr val="dk1"/>
-          </a:fillRef>
-          <a:effectRef idx="0">
-            <a:schemeClr val="dk1"/>
-          </a:effectRef>
-          <a:fontRef idx="minor">
-            <a:schemeClr val="tx1"/>
-          </a:fontRef>
-        </p:style>
-      </p:cxnSp>
-      <p:cxnSp>
-        <p:nvCxnSpPr>
-          <p:cNvPr id="64" name="Connecteur droit avec flèche 63"/>
-          <p:cNvCxnSpPr/>
-          <p:nvPr/>
-        </p:nvCxnSpPr>
-        <p:spPr>
-          <a:xfrm>
-            <a:off x="3860448" y="3150294"/>
-            <a:ext cx="430922" cy="0"/>
-          </a:xfrm>
-          <a:prstGeom prst="straightConnector1">
-            <a:avLst/>
-          </a:prstGeom>
-          <a:ln w="28575">
-            <a:solidFill>
-              <a:schemeClr val="tx1">
-                <a:lumMod val="85000"/>
-                <a:lumOff val="15000"/>
-              </a:schemeClr>
-            </a:solidFill>
-            <a:tailEnd type="triangle"/>
-          </a:ln>
-        </p:spPr>
-        <p:style>
-          <a:lnRef idx="1">
-            <a:schemeClr val="dk1"/>
-          </a:lnRef>
-          <a:fillRef idx="0">
-            <a:schemeClr val="dk1"/>
-          </a:fillRef>
-          <a:effectRef idx="0">
-            <a:schemeClr val="dk1"/>
-          </a:effectRef>
-          <a:fontRef idx="minor">
-            <a:schemeClr val="tx1"/>
-          </a:fontRef>
-        </p:style>
-      </p:cxnSp>
-      <p:cxnSp>
-        <p:nvCxnSpPr>
-          <p:cNvPr id="66" name="Connecteur droit avec flèche 65"/>
-          <p:cNvCxnSpPr/>
-          <p:nvPr/>
-        </p:nvCxnSpPr>
-        <p:spPr>
-          <a:xfrm>
-            <a:off x="3859370" y="3655863"/>
-            <a:ext cx="432000" cy="247800"/>
-          </a:xfrm>
-          <a:prstGeom prst="straightConnector1">
-            <a:avLst/>
-          </a:prstGeom>
-          <a:ln w="28575">
-            <a:solidFill>
-              <a:schemeClr val="tx1">
-                <a:lumMod val="85000"/>
-                <a:lumOff val="15000"/>
-              </a:schemeClr>
-            </a:solidFill>
-            <a:tailEnd type="triangle"/>
-          </a:ln>
-        </p:spPr>
-        <p:style>
-          <a:lnRef idx="1">
-            <a:schemeClr val="dk1"/>
-          </a:lnRef>
-          <a:fillRef idx="0">
-            <a:schemeClr val="dk1"/>
-          </a:fillRef>
-          <a:effectRef idx="0">
-            <a:schemeClr val="dk1"/>
-          </a:effectRef>
-          <a:fontRef idx="minor">
-            <a:schemeClr val="tx1"/>
-          </a:fontRef>
-        </p:style>
-      </p:cxnSp>
-      <p:cxnSp>
-        <p:nvCxnSpPr>
-          <p:cNvPr id="67" name="Connecteur droit avec flèche 66"/>
-          <p:cNvCxnSpPr/>
-          <p:nvPr/>
-        </p:nvCxnSpPr>
-        <p:spPr>
-          <a:xfrm flipV="1">
-            <a:off x="3859370" y="2366690"/>
+            <a:off x="3859370" y="2366691"/>
             <a:ext cx="432000" cy="247800"/>
           </a:xfrm>
           <a:prstGeom prst="straightConnector1">
@@ -8530,7 +6074,7 @@
         </p:nvGrpSpPr>
         <p:grpSpPr>
           <a:xfrm>
-            <a:off x="2256770" y="2071934"/>
+            <a:off x="2256771" y="2071935"/>
             <a:ext cx="1502981" cy="2142181"/>
             <a:chOff x="2256769" y="2709936"/>
             <a:chExt cx="1502981" cy="2142181"/>
@@ -8574,7 +6118,7 @@
             </a:fontRef>
           </p:style>
           <p:txBody>
-            <a:bodyPr rot="0" spcFirstLastPara="0" vertOverflow="overflow" horzOverflow="overflow" vert="horz" wrap="square" lIns="91440" tIns="45720" rIns="91440" bIns="45720" numCol="1" spcCol="0" rtlCol="0" fromWordArt="0" anchor="ctr" anchorCtr="0" forceAA="0" compatLnSpc="1">
+            <a:bodyPr rot="0" spcFirstLastPara="0" vertOverflow="overflow" horzOverflow="overflow" vert="horz" wrap="square" lIns="91439" tIns="45720" rIns="91439" bIns="45720" numCol="1" spcCol="0" rtlCol="0" fromWordArt="0" anchor="ctr" anchorCtr="0" forceAA="0" compatLnSpc="1">
               <a:prstTxWarp prst="textNoShape">
                 <a:avLst/>
               </a:prstTxWarp>
@@ -8588,7 +6132,7 @@
                 </a:lnSpc>
               </a:pPr>
               <a:r>
-                <a:rPr lang="en-US" sz="1150" dirty="0" smtClean="0">
+                <a:rPr lang="en-US" sz="1151" dirty="0">
                   <a:solidFill>
                     <a:schemeClr val="tx1"/>
                   </a:solidFill>
@@ -8596,7 +6140,7 @@
                 </a:rPr>
                 <a:t>PERSONALITY, LIFE-STYLE, CREATIVITY</a:t>
               </a:r>
-              <a:endParaRPr lang="en-US" sz="1150" baseline="30000" dirty="0">
+              <a:endParaRPr lang="en-US" sz="1151" baseline="30000" dirty="0">
                 <a:solidFill>
                   <a:schemeClr val="tx1"/>
                 </a:solidFill>
@@ -8643,7 +6187,7 @@
             </a:fontRef>
           </p:style>
           <p:txBody>
-            <a:bodyPr rot="0" spcFirstLastPara="0" vertOverflow="overflow" horzOverflow="overflow" vert="horz" wrap="square" lIns="91440" tIns="45720" rIns="91440" bIns="45720" numCol="1" spcCol="0" rtlCol="0" fromWordArt="0" anchor="ctr" anchorCtr="0" forceAA="0" compatLnSpc="1">
+            <a:bodyPr rot="0" spcFirstLastPara="0" vertOverflow="overflow" horzOverflow="overflow" vert="horz" wrap="square" lIns="91439" tIns="45720" rIns="91439" bIns="45720" numCol="1" spcCol="0" rtlCol="0" fromWordArt="0" anchor="ctr" anchorCtr="0" forceAA="0" compatLnSpc="1">
               <a:prstTxWarp prst="textNoShape">
                 <a:avLst/>
               </a:prstTxWarp>
@@ -8657,7 +6201,7 @@
                 </a:lnSpc>
               </a:pPr>
               <a:r>
-                <a:rPr lang="en-US" sz="1150" dirty="0" smtClean="0">
+                <a:rPr lang="en-US" sz="1151" dirty="0">
                   <a:solidFill>
                     <a:schemeClr val="tx1"/>
                   </a:solidFill>
@@ -8665,7 +6209,7 @@
                 </a:rPr>
                 <a:t>BRAIN FUNCTIONING</a:t>
               </a:r>
-              <a:endParaRPr lang="en-US" sz="1150" baseline="30000" dirty="0">
+              <a:endParaRPr lang="en-US" sz="1151" baseline="30000" dirty="0">
                 <a:solidFill>
                   <a:schemeClr val="tx1"/>
                 </a:solidFill>
@@ -8728,7 +6272,7 @@
 </p:sld>
 </file>
 
-<file path=ppt/slides/slide5.xml><?xml version="1.0" encoding="utf-8"?>
+<file path=ppt/slides/slide4.xml><?xml version="1.0" encoding="utf-8"?>
 <p:sld xmlns:a="http://schemas.openxmlformats.org/drawingml/2006/main" xmlns:r="http://schemas.openxmlformats.org/officeDocument/2006/relationships" xmlns:p="http://schemas.openxmlformats.org/presentationml/2006/main">
   <p:cSld>
     <p:spTree>
@@ -8753,8 +6297,8 @@
         </p:nvSpPr>
         <p:spPr>
           <a:xfrm>
-            <a:off x="2567675" y="2900854"/>
-            <a:ext cx="1502980" cy="872358"/>
+            <a:off x="2567674" y="2900854"/>
+            <a:ext cx="1502981" cy="872357"/>
           </a:xfrm>
           <a:prstGeom prst="rect">
             <a:avLst/>
@@ -8788,7 +6332,7 @@
           </a:fontRef>
         </p:style>
         <p:txBody>
-          <a:bodyPr rot="0" spcFirstLastPara="0" vertOverflow="overflow" horzOverflow="overflow" vert="horz" wrap="square" lIns="91440" tIns="45720" rIns="91440" bIns="45720" numCol="1" spcCol="0" rtlCol="0" fromWordArt="0" anchor="ctr" anchorCtr="0" forceAA="0" compatLnSpc="1">
+          <a:bodyPr rot="0" spcFirstLastPara="0" vertOverflow="overflow" horzOverflow="overflow" vert="horz" wrap="square" lIns="91439" tIns="45720" rIns="91439" bIns="45720" numCol="1" spcCol="0" rtlCol="0" fromWordArt="0" anchor="ctr" anchorCtr="0" forceAA="0" compatLnSpc="1">
             <a:prstTxWarp prst="textNoShape">
               <a:avLst/>
             </a:prstTxWarp>
@@ -8798,7 +6342,7 @@
           <a:p>
             <a:pPr algn="ctr"/>
             <a:r>
-              <a:rPr lang="en-US" sz="1150" dirty="0">
+              <a:rPr lang="en-US" sz="1151" dirty="0">
                 <a:solidFill>
                   <a:schemeClr val="tx1"/>
                 </a:solidFill>
@@ -8807,7 +6351,7 @@
               <a:t>Larger brain </a:t>
             </a:r>
             <a:r>
-              <a:rPr lang="en-US" sz="1150" dirty="0" smtClean="0">
+              <a:rPr lang="en-US" sz="1151" dirty="0">
                 <a:solidFill>
                   <a:schemeClr val="tx1"/>
                 </a:solidFill>
@@ -8816,7 +6360,7 @@
               <a:t>responses to external stimuli</a:t>
             </a:r>
             <a:r>
-              <a:rPr lang="en-US" sz="1150" baseline="30000" dirty="0" smtClean="0">
+              <a:rPr lang="en-US" sz="1151" baseline="30000" dirty="0">
                 <a:solidFill>
                   <a:schemeClr val="tx1"/>
                 </a:solidFill>
@@ -8824,7 +6368,7 @@
               </a:rPr>
               <a:t>1</a:t>
             </a:r>
-            <a:endParaRPr lang="en-US" sz="1150" baseline="30000" dirty="0">
+            <a:endParaRPr lang="en-US" sz="1151" baseline="30000" dirty="0">
               <a:solidFill>
                 <a:schemeClr val="tx1"/>
               </a:solidFill>
@@ -8842,7 +6386,7 @@
         <p:spPr>
           <a:xfrm>
             <a:off x="4632957" y="2900855"/>
-            <a:ext cx="1502980" cy="872358"/>
+            <a:ext cx="1502981" cy="872357"/>
           </a:xfrm>
           <a:prstGeom prst="rect">
             <a:avLst/>
@@ -8876,7 +6420,7 @@
           </a:fontRef>
         </p:style>
         <p:txBody>
-          <a:bodyPr rot="0" spcFirstLastPara="0" vertOverflow="overflow" horzOverflow="overflow" vert="horz" wrap="square" lIns="91440" tIns="45720" rIns="91440" bIns="45720" numCol="1" spcCol="0" rtlCol="0" fromWordArt="0" anchor="ctr" anchorCtr="0" forceAA="0" compatLnSpc="1">
+          <a:bodyPr rot="0" spcFirstLastPara="0" vertOverflow="overflow" horzOverflow="overflow" vert="horz" wrap="square" lIns="91439" tIns="45720" rIns="91439" bIns="45720" numCol="1" spcCol="0" rtlCol="0" fromWordArt="0" anchor="ctr" anchorCtr="0" forceAA="0" compatLnSpc="1">
             <a:prstTxWarp prst="textNoShape">
               <a:avLst/>
             </a:prstTxWarp>
@@ -8886,7 +6430,7 @@
           <a:p>
             <a:pPr algn="ctr"/>
             <a:r>
-              <a:rPr lang="en-US" sz="1150" dirty="0">
+              <a:rPr lang="en-US" sz="1151" dirty="0">
                 <a:solidFill>
                   <a:schemeClr val="bg1"/>
                 </a:solidFill>
@@ -8895,7 +6439,7 @@
               <a:t>Longer awakenings </a:t>
             </a:r>
             <a:r>
-              <a:rPr lang="en-US" sz="1150" dirty="0" smtClean="0">
+              <a:rPr lang="en-US" sz="1151" dirty="0">
                 <a:solidFill>
                   <a:schemeClr val="bg1"/>
                 </a:solidFill>
@@ -8904,7 +6448,7 @@
               <a:t>during sleep</a:t>
             </a:r>
             <a:r>
-              <a:rPr lang="en-US" sz="1150" baseline="30000" dirty="0" smtClean="0">
+              <a:rPr lang="en-US" sz="1151" baseline="30000" dirty="0">
                 <a:solidFill>
                   <a:schemeClr val="bg1"/>
                 </a:solidFill>
@@ -8912,7 +6456,7 @@
               </a:rPr>
               <a:t>1,2</a:t>
             </a:r>
-            <a:endParaRPr lang="en-US" sz="1150" baseline="30000" dirty="0">
+            <a:endParaRPr lang="en-US" sz="1151" baseline="30000" dirty="0">
               <a:solidFill>
                 <a:schemeClr val="bg1"/>
               </a:solidFill>
@@ -8929,8 +6473,8 @@
         </p:nvSpPr>
         <p:spPr>
           <a:xfrm>
-            <a:off x="6698239" y="2900855"/>
-            <a:ext cx="1502980" cy="872358"/>
+            <a:off x="6698238" y="2900855"/>
+            <a:ext cx="1502981" cy="872357"/>
           </a:xfrm>
           <a:prstGeom prst="rect">
             <a:avLst/>
@@ -8964,7 +6508,7 @@
           </a:fontRef>
         </p:style>
         <p:txBody>
-          <a:bodyPr rot="0" spcFirstLastPara="0" vertOverflow="overflow" horzOverflow="overflow" vert="horz" wrap="square" lIns="91440" tIns="45720" rIns="91440" bIns="45720" numCol="1" spcCol="0" rtlCol="0" fromWordArt="0" anchor="ctr" anchorCtr="0" forceAA="0" compatLnSpc="1">
+          <a:bodyPr rot="0" spcFirstLastPara="0" vertOverflow="overflow" horzOverflow="overflow" vert="horz" wrap="square" lIns="91439" tIns="45720" rIns="91439" bIns="45720" numCol="1" spcCol="0" rtlCol="0" fromWordArt="0" anchor="ctr" anchorCtr="0" forceAA="0" compatLnSpc="1">
             <a:prstTxWarp prst="textNoShape">
               <a:avLst/>
             </a:prstTxWarp>
@@ -8974,7 +6518,7 @@
           <a:p>
             <a:pPr algn="ctr"/>
             <a:r>
-              <a:rPr lang="en-US" sz="1150" dirty="0" smtClean="0">
+              <a:rPr lang="en-US" sz="1151" dirty="0">
                 <a:solidFill>
                   <a:schemeClr val="bg1"/>
                 </a:solidFill>
@@ -8983,7 +6527,7 @@
               <a:t>Better encoding of dreams in memory</a:t>
             </a:r>
             <a:r>
-              <a:rPr lang="en-US" sz="1150" baseline="30000" dirty="0" smtClean="0">
+              <a:rPr lang="en-US" sz="1151" baseline="30000" dirty="0">
                 <a:solidFill>
                   <a:schemeClr val="bg1"/>
                 </a:solidFill>
@@ -8991,7 +6535,7 @@
               </a:rPr>
               <a:t>6</a:t>
             </a:r>
-            <a:endParaRPr lang="en-US" sz="1150" baseline="30000" dirty="0">
+            <a:endParaRPr lang="en-US" sz="1151" baseline="30000" dirty="0">
               <a:solidFill>
                 <a:schemeClr val="bg1"/>
               </a:solidFill>
@@ -9008,7 +6552,7 @@
         </p:nvSpPr>
         <p:spPr>
           <a:xfrm>
-            <a:off x="6698241" y="4088525"/>
+            <a:off x="6698242" y="4088525"/>
             <a:ext cx="1502979" cy="276999"/>
           </a:xfrm>
           <a:prstGeom prst="rect">
@@ -9030,7 +6574,7 @@
               <a:t>Less </a:t>
             </a:r>
             <a:r>
-              <a:rPr lang="en-US" sz="1200" dirty="0" smtClean="0">
+              <a:rPr lang="en-US" sz="1200" dirty="0">
                 <a:latin typeface="Helvetica" pitchFamily="2" charset="0"/>
               </a:rPr>
               <a:t>interference</a:t>
@@ -9052,7 +6596,7 @@
         </p:nvSpPr>
         <p:spPr>
           <a:xfrm>
-            <a:off x="6698241" y="4680835"/>
+            <a:off x="6698242" y="4680836"/>
             <a:ext cx="1502979" cy="461665"/>
           </a:xfrm>
           <a:prstGeom prst="rect">
@@ -9074,7 +6618,7 @@
               <a:t>Higher interest in </a:t>
             </a:r>
             <a:r>
-              <a:rPr lang="en-US" sz="1200" dirty="0" smtClean="0">
+              <a:rPr lang="en-US" sz="1200" dirty="0">
                 <a:latin typeface="Helvetica" pitchFamily="2" charset="0"/>
               </a:rPr>
               <a:t>dreams</a:t>
@@ -9096,8 +6640,8 @@
         </p:nvCxnSpPr>
         <p:spPr>
           <a:xfrm>
-            <a:off x="4154735" y="3337032"/>
-            <a:ext cx="430922" cy="0"/>
+            <a:off x="4154734" y="3337033"/>
+            <a:ext cx="430923" cy="0"/>
           </a:xfrm>
           <a:prstGeom prst="straightConnector1">
             <a:avLst/>
@@ -9135,8 +6679,8 @@
         </p:nvCxnSpPr>
         <p:spPr>
           <a:xfrm>
-            <a:off x="6193744" y="3337033"/>
-            <a:ext cx="430922" cy="0"/>
+            <a:off x="6193743" y="3337033"/>
+            <a:ext cx="430923" cy="0"/>
           </a:xfrm>
           <a:prstGeom prst="straightConnector1">
             <a:avLst/>
@@ -9174,8 +6718,8 @@
         </p:nvCxnSpPr>
         <p:spPr>
           <a:xfrm>
-            <a:off x="10397879" y="3323895"/>
-            <a:ext cx="430922" cy="0"/>
+            <a:off x="10397878" y="3323895"/>
+            <a:ext cx="430923" cy="0"/>
           </a:xfrm>
           <a:prstGeom prst="straightConnector1">
             <a:avLst/>
@@ -9213,7 +6757,7 @@
         </p:nvCxnSpPr>
         <p:spPr>
           <a:xfrm flipV="1">
-            <a:off x="7449729" y="4418072"/>
+            <a:off x="7449729" y="4418073"/>
             <a:ext cx="0" cy="252000"/>
           </a:xfrm>
           <a:prstGeom prst="straightConnector1">
@@ -9252,7 +6796,7 @@
         </p:nvCxnSpPr>
         <p:spPr>
           <a:xfrm flipV="1">
-            <a:off x="7449728" y="3846782"/>
+            <a:off x="7449729" y="3846783"/>
             <a:ext cx="0" cy="252000"/>
           </a:xfrm>
           <a:prstGeom prst="straightConnector1">
@@ -9292,7 +6836,7 @@
         <p:spPr>
           <a:xfrm>
             <a:off x="781005" y="4320211"/>
-            <a:ext cx="4883747" cy="1581972"/>
+            <a:ext cx="4883747" cy="2357655"/>
           </a:xfrm>
           <a:prstGeom prst="rect">
             <a:avLst/>
@@ -9313,7 +6857,7 @@
               </a:lnSpc>
             </a:pPr>
             <a:r>
-              <a:rPr lang="en-US" sz="1100" b="1" dirty="0" smtClean="0">
+              <a:rPr lang="en-US" sz="1100" b="1" dirty="0">
                 <a:solidFill>
                   <a:schemeClr val="bg1"/>
                 </a:solidFill>
@@ -9329,21 +6873,21 @@
               </a:lnSpc>
             </a:pPr>
             <a:r>
-              <a:rPr lang="en-US" sz="1100" i="1" dirty="0" smtClean="0">
-                <a:solidFill>
-                  <a:schemeClr val="bg1"/>
-                </a:solidFill>
-                <a:latin typeface="Helvetica" pitchFamily="2" charset="0"/>
-              </a:rPr>
-              <a:t>1</a:t>
-            </a:r>
-            <a:r>
               <a:rPr lang="en-US" sz="1100" i="1" dirty="0">
                 <a:solidFill>
                   <a:schemeClr val="bg1"/>
                 </a:solidFill>
                 <a:latin typeface="Helvetica" pitchFamily="2" charset="0"/>
               </a:rPr>
+              <a:t>1</a:t>
+            </a:r>
+            <a:r>
+              <a:rPr lang="en-US" sz="1100" i="1" dirty="0">
+                <a:solidFill>
+                  <a:schemeClr val="bg1"/>
+                </a:solidFill>
+                <a:latin typeface="Helvetica" pitchFamily="2" charset="0"/>
+              </a:rPr>
               <a:t>: Eichenlaub et al. 2014a</a:t>
             </a:r>
           </a:p>
@@ -9363,94 +6907,22 @@
               <a:t>2: </a:t>
             </a:r>
             <a:r>
-              <a:rPr lang="en-US" sz="1100" b="1" i="1" dirty="0" smtClean="0">
-                <a:solidFill>
-                  <a:schemeClr val="bg1"/>
-                </a:solidFill>
-                <a:latin typeface="Helvetica" pitchFamily="2" charset="0"/>
-              </a:rPr>
-              <a:t>Study I </a:t>
-            </a:r>
-            <a:r>
-              <a:rPr lang="en-US" sz="1100" i="1" dirty="0" smtClean="0">
-                <a:solidFill>
-                  <a:schemeClr val="bg1"/>
-                </a:solidFill>
-                <a:latin typeface="Helvetica" pitchFamily="2" charset="0"/>
-              </a:rPr>
-              <a:t>(Vallat et al. 2017)</a:t>
-            </a:r>
-            <a:endParaRPr lang="en-US" sz="1100" b="1" i="1" dirty="0" smtClean="0">
-              <a:solidFill>
-                <a:schemeClr val="bg1"/>
-              </a:solidFill>
-              <a:latin typeface="Helvetica" pitchFamily="2" charset="0"/>
-            </a:endParaRPr>
-          </a:p>
-          <a:p>
-            <a:pPr>
-              <a:lnSpc>
-                <a:spcPct val="110000"/>
-              </a:lnSpc>
-            </a:pPr>
-            <a:r>
-              <a:rPr lang="en-US" sz="1100" i="1" dirty="0" smtClean="0">
-                <a:solidFill>
-                  <a:schemeClr val="bg1"/>
-                </a:solidFill>
-                <a:latin typeface="Helvetica" pitchFamily="2" charset="0"/>
-              </a:rPr>
-              <a:t>3: Nielsen 2000</a:t>
-            </a:r>
-          </a:p>
-          <a:p>
-            <a:pPr>
-              <a:lnSpc>
-                <a:spcPct val="110000"/>
-              </a:lnSpc>
-            </a:pPr>
-            <a:r>
-              <a:rPr lang="en-US" sz="1100" i="1" dirty="0" smtClean="0">
-                <a:solidFill>
-                  <a:schemeClr val="bg1"/>
-                </a:solidFill>
-                <a:latin typeface="Helvetica" pitchFamily="2" charset="0"/>
-              </a:rPr>
-              <a:t>4: Conduit et al. 2004</a:t>
-            </a:r>
-          </a:p>
-          <a:p>
-            <a:pPr>
-              <a:lnSpc>
-                <a:spcPct val="110000"/>
-              </a:lnSpc>
-            </a:pPr>
-            <a:r>
               <a:rPr lang="en-US" sz="1100" b="1" i="1" dirty="0">
                 <a:solidFill>
                   <a:schemeClr val="bg1"/>
                 </a:solidFill>
                 <a:latin typeface="Helvetica" pitchFamily="2" charset="0"/>
               </a:rPr>
-              <a:t>5</a:t>
-            </a:r>
-            <a:r>
-              <a:rPr lang="en-US" sz="1100" b="1" i="1" dirty="0" smtClean="0">
+              <a:t>Study I </a:t>
+            </a:r>
+            <a:r>
+              <a:rPr lang="en-US" sz="1100" i="1" dirty="0">
                 <a:solidFill>
                   <a:schemeClr val="bg1"/>
                 </a:solidFill>
                 <a:latin typeface="Helvetica" pitchFamily="2" charset="0"/>
               </a:rPr>
-              <a:t>: Study II.2 </a:t>
-            </a:r>
-            <a:r>
-              <a:rPr lang="en-US" sz="1100" i="1" dirty="0" smtClean="0">
-                <a:solidFill>
-                  <a:schemeClr val="bg1"/>
-                </a:solidFill>
-                <a:latin typeface="Helvetica" pitchFamily="2" charset="0"/>
-              </a:rPr>
-              <a:t>(in prep)</a:t>
+              <a:t>(Vallat et al. 2017)</a:t>
             </a:r>
             <a:endParaRPr lang="en-US" sz="1100" b="1" i="1" dirty="0">
               <a:solidFill>
@@ -9472,17 +6944,15 @@
                 </a:solidFill>
                 <a:latin typeface="Helvetica" pitchFamily="2" charset="0"/>
               </a:rPr>
-              <a:t>6</a:t>
-            </a:r>
-            <a:r>
-              <a:rPr lang="en-US" sz="1100" i="1" dirty="0" smtClean="0">
-                <a:solidFill>
-                  <a:schemeClr val="bg1"/>
-                </a:solidFill>
-                <a:latin typeface="Helvetica" pitchFamily="2" charset="0"/>
-              </a:rPr>
-              <a:t>: </a:t>
-            </a:r>
+              <a:t>3: Nielsen 2000</a:t>
+            </a:r>
+          </a:p>
+          <a:p>
+            <a:pPr>
+              <a:lnSpc>
+                <a:spcPct val="110000"/>
+              </a:lnSpc>
+            </a:pPr>
             <a:r>
               <a:rPr lang="en-US" sz="1100" i="1" dirty="0">
                 <a:solidFill>
@@ -9490,16 +6960,7 @@
                 </a:solidFill>
                 <a:latin typeface="Helvetica" pitchFamily="2" charset="0"/>
               </a:rPr>
-              <a:t>Koulack et Goodenough </a:t>
-            </a:r>
-            <a:r>
-              <a:rPr lang="en-US" sz="1100" i="1" dirty="0" smtClean="0">
-                <a:solidFill>
-                  <a:schemeClr val="bg1"/>
-                </a:solidFill>
-                <a:latin typeface="Helvetica" pitchFamily="2" charset="0"/>
-              </a:rPr>
-              <a:t>1976</a:t>
+              <a:t>4: Conduit et al. 2004</a:t>
             </a:r>
           </a:p>
           <a:p>
@@ -9509,13 +6970,22 @@
               </a:lnSpc>
             </a:pPr>
             <a:r>
-              <a:rPr lang="en-US" sz="1100" i="1" dirty="0" smtClean="0">
+              <a:rPr lang="en-US" sz="1100" b="1" i="1" dirty="0">
                 <a:solidFill>
                   <a:schemeClr val="bg1"/>
                 </a:solidFill>
                 <a:latin typeface="Helvetica" pitchFamily="2" charset="0"/>
               </a:rPr>
-              <a:t>7: </a:t>
+              <a:t>5</a:t>
+            </a:r>
+            <a:r>
+              <a:rPr lang="en-US" sz="1100" b="1" i="1" dirty="0">
+                <a:solidFill>
+                  <a:schemeClr val="bg1"/>
+                </a:solidFill>
+                <a:latin typeface="Helvetica" pitchFamily="2" charset="0"/>
+              </a:rPr>
+              <a:t>: Study II.2 </a:t>
             </a:r>
             <a:r>
               <a:rPr lang="en-US" sz="1100" i="1" dirty="0">
@@ -9524,8 +6994,14 @@
                 </a:solidFill>
                 <a:latin typeface="Helvetica" pitchFamily="2" charset="0"/>
               </a:rPr>
-              <a:t>Cohen et Wolfe 1973</a:t>
-            </a:r>
+              <a:t>(in prep)</a:t>
+            </a:r>
+            <a:endParaRPr lang="en-US" sz="1100" b="1" i="1" dirty="0">
+              <a:solidFill>
+                <a:schemeClr val="bg1"/>
+              </a:solidFill>
+              <a:latin typeface="Helvetica" pitchFamily="2" charset="0"/>
+            </a:endParaRPr>
           </a:p>
           <a:p>
             <a:pPr>
@@ -9533,12 +7009,42 @@
                 <a:spcPct val="110000"/>
               </a:lnSpc>
             </a:pPr>
-            <a:endParaRPr lang="en-US" sz="1100" i="1" dirty="0" smtClean="0">
-              <a:solidFill>
-                <a:schemeClr val="bg1"/>
-              </a:solidFill>
-              <a:latin typeface="Helvetica" pitchFamily="2" charset="0"/>
-            </a:endParaRPr>
+            <a:r>
+              <a:rPr lang="en-US" sz="1100" i="1" dirty="0">
+                <a:solidFill>
+                  <a:schemeClr val="bg1"/>
+                </a:solidFill>
+                <a:latin typeface="Helvetica" pitchFamily="2" charset="0"/>
+              </a:rPr>
+              <a:t>6</a:t>
+            </a:r>
+            <a:r>
+              <a:rPr lang="en-US" sz="1100" i="1" dirty="0">
+                <a:solidFill>
+                  <a:schemeClr val="bg1"/>
+                </a:solidFill>
+                <a:latin typeface="Helvetica" pitchFamily="2" charset="0"/>
+              </a:rPr>
+              <a:t>: </a:t>
+            </a:r>
+            <a:r>
+              <a:rPr lang="en-US" sz="1100" i="1" dirty="0">
+                <a:solidFill>
+                  <a:schemeClr val="bg1"/>
+                </a:solidFill>
+                <a:latin typeface="Helvetica" pitchFamily="2" charset="0"/>
+              </a:rPr>
+              <a:t>Koulack et Goodenough </a:t>
+            </a:r>
+            <a:r>
+              <a:rPr lang="en-US" sz="1100" i="1" dirty="0">
+                <a:solidFill>
+                  <a:schemeClr val="bg1"/>
+                </a:solidFill>
+                <a:latin typeface="Helvetica" pitchFamily="2" charset="0"/>
+              </a:rPr>
+              <a:t>1976</a:t>
+            </a:r>
           </a:p>
           <a:p>
             <a:pPr>
@@ -9547,22 +7053,22 @@
               </a:lnSpc>
             </a:pPr>
             <a:r>
-              <a:rPr lang="en-US" sz="1100" i="1" dirty="0" smtClean="0">
-                <a:solidFill>
-                  <a:schemeClr val="bg1"/>
-                </a:solidFill>
-                <a:latin typeface="Helvetica" pitchFamily="2" charset="0"/>
-              </a:rPr>
-              <a:t>8: </a:t>
-            </a:r>
-            <a:r>
               <a:rPr lang="en-US" sz="1100" i="1" dirty="0">
                 <a:solidFill>
                   <a:schemeClr val="bg1"/>
                 </a:solidFill>
                 <a:latin typeface="Helvetica" pitchFamily="2" charset="0"/>
               </a:rPr>
-              <a:t>Schredl et al. 2003</a:t>
+              <a:t>7: </a:t>
+            </a:r>
+            <a:r>
+              <a:rPr lang="en-US" sz="1100" i="1" dirty="0">
+                <a:solidFill>
+                  <a:schemeClr val="bg1"/>
+                </a:solidFill>
+                <a:latin typeface="Helvetica" pitchFamily="2" charset="0"/>
+              </a:rPr>
+              <a:t>Cohen et Wolfe 1973</a:t>
             </a:r>
           </a:p>
           <a:p>
@@ -9571,74 +7077,6 @@
                 <a:spcPct val="110000"/>
               </a:lnSpc>
             </a:pPr>
-            <a:r>
-              <a:rPr lang="en-US" sz="1100" i="1" dirty="0">
-                <a:solidFill>
-                  <a:schemeClr val="bg1"/>
-                </a:solidFill>
-                <a:latin typeface="Helvetica" pitchFamily="2" charset="0"/>
-              </a:rPr>
-              <a:t>9</a:t>
-            </a:r>
-            <a:r>
-              <a:rPr lang="en-US" sz="1100" i="1" dirty="0" smtClean="0">
-                <a:solidFill>
-                  <a:schemeClr val="bg1"/>
-                </a:solidFill>
-                <a:latin typeface="Helvetica" pitchFamily="2" charset="0"/>
-              </a:rPr>
-              <a:t>: </a:t>
-            </a:r>
-            <a:r>
-              <a:rPr lang="en-US" sz="1100" i="1" dirty="0">
-                <a:solidFill>
-                  <a:schemeClr val="bg1"/>
-                </a:solidFill>
-                <a:latin typeface="Helvetica" pitchFamily="2" charset="0"/>
-              </a:rPr>
-              <a:t>Schonbar </a:t>
-            </a:r>
-            <a:r>
-              <a:rPr lang="en-US" sz="1100" i="1" dirty="0" smtClean="0">
-                <a:solidFill>
-                  <a:schemeClr val="bg1"/>
-                </a:solidFill>
-                <a:latin typeface="Helvetica" pitchFamily="2" charset="0"/>
-              </a:rPr>
-              <a:t>1965</a:t>
-            </a:r>
-          </a:p>
-          <a:p>
-            <a:pPr>
-              <a:lnSpc>
-                <a:spcPct val="110000"/>
-              </a:lnSpc>
-            </a:pPr>
-            <a:r>
-              <a:rPr lang="en-US" sz="1100" i="1" dirty="0" smtClean="0">
-                <a:solidFill>
-                  <a:schemeClr val="bg1"/>
-                </a:solidFill>
-                <a:latin typeface="Helvetica" pitchFamily="2" charset="0"/>
-              </a:rPr>
-              <a:t>10: Cohen et MacNeilage 1974</a:t>
-            </a:r>
-          </a:p>
-          <a:p>
-            <a:pPr>
-              <a:lnSpc>
-                <a:spcPct val="110000"/>
-              </a:lnSpc>
-            </a:pPr>
-            <a:r>
-              <a:rPr lang="en-US" sz="1100" i="1" dirty="0" smtClean="0">
-                <a:solidFill>
-                  <a:schemeClr val="bg1"/>
-                </a:solidFill>
-                <a:latin typeface="Helvetica" pitchFamily="2" charset="0"/>
-              </a:rPr>
-              <a:t>11: Schredl 1995</a:t>
-            </a:r>
             <a:endParaRPr lang="en-US" sz="1100" i="1" dirty="0">
               <a:solidFill>
                 <a:schemeClr val="bg1"/>
@@ -9653,40 +7091,22 @@
               </a:lnSpc>
             </a:pPr>
             <a:r>
-              <a:rPr lang="en-US" sz="1100" b="1" i="1" dirty="0" smtClean="0">
+              <a:rPr lang="en-US" sz="1100" i="1" dirty="0">
                 <a:solidFill>
                   <a:schemeClr val="bg1"/>
                 </a:solidFill>
                 <a:latin typeface="Helvetica" pitchFamily="2" charset="0"/>
               </a:rPr>
-              <a:t>12: </a:t>
-            </a:r>
-            <a:r>
-              <a:rPr lang="en-US" sz="1100" b="1" i="1" dirty="0">
+              <a:t>8: </a:t>
+            </a:r>
+            <a:r>
+              <a:rPr lang="en-US" sz="1100" i="1" dirty="0">
                 <a:solidFill>
                   <a:schemeClr val="bg1"/>
                 </a:solidFill>
                 <a:latin typeface="Helvetica" pitchFamily="2" charset="0"/>
               </a:rPr>
-              <a:t>Study </a:t>
-            </a:r>
-            <a:r>
-              <a:rPr lang="en-US" sz="1100" b="1" i="1" dirty="0" smtClean="0">
-                <a:solidFill>
-                  <a:schemeClr val="bg1"/>
-                </a:solidFill>
-                <a:latin typeface="Helvetica" pitchFamily="2" charset="0"/>
-              </a:rPr>
-              <a:t>II.3 </a:t>
-            </a:r>
-            <a:r>
-              <a:rPr lang="en-US" sz="1100" i="1" dirty="0" smtClean="0">
-                <a:solidFill>
-                  <a:schemeClr val="bg1"/>
-                </a:solidFill>
-                <a:latin typeface="Helvetica" pitchFamily="2" charset="0"/>
-              </a:rPr>
-              <a:t>(in prep)</a:t>
+              <a:t>Schredl et al. 2003</a:t>
             </a:r>
           </a:p>
           <a:p>
@@ -9696,13 +7116,72 @@
               </a:lnSpc>
             </a:pPr>
             <a:r>
-              <a:rPr lang="en-US" sz="1100" i="1" dirty="0" smtClean="0">
+              <a:rPr lang="en-US" sz="1100" i="1" dirty="0">
                 <a:solidFill>
                   <a:schemeClr val="bg1"/>
                 </a:solidFill>
                 <a:latin typeface="Helvetica" pitchFamily="2" charset="0"/>
               </a:rPr>
-              <a:t>13: Eichenlaub et al. 2014b</a:t>
+              <a:t>9</a:t>
+            </a:r>
+            <a:r>
+              <a:rPr lang="en-US" sz="1100" i="1" dirty="0">
+                <a:solidFill>
+                  <a:schemeClr val="bg1"/>
+                </a:solidFill>
+                <a:latin typeface="Helvetica" pitchFamily="2" charset="0"/>
+              </a:rPr>
+              <a:t>: </a:t>
+            </a:r>
+            <a:r>
+              <a:rPr lang="en-US" sz="1100" i="1" dirty="0">
+                <a:solidFill>
+                  <a:schemeClr val="bg1"/>
+                </a:solidFill>
+                <a:latin typeface="Helvetica" pitchFamily="2" charset="0"/>
+              </a:rPr>
+              <a:t>Schonbar </a:t>
+            </a:r>
+            <a:r>
+              <a:rPr lang="en-US" sz="1100" i="1" dirty="0">
+                <a:solidFill>
+                  <a:schemeClr val="bg1"/>
+                </a:solidFill>
+                <a:latin typeface="Helvetica" pitchFamily="2" charset="0"/>
+              </a:rPr>
+              <a:t>1965</a:t>
+            </a:r>
+          </a:p>
+          <a:p>
+            <a:pPr>
+              <a:lnSpc>
+                <a:spcPct val="110000"/>
+              </a:lnSpc>
+            </a:pPr>
+            <a:r>
+              <a:rPr lang="en-US" sz="1100" i="1" dirty="0">
+                <a:solidFill>
+                  <a:schemeClr val="bg1"/>
+                </a:solidFill>
+                <a:latin typeface="Helvetica" pitchFamily="2" charset="0"/>
+              </a:rPr>
+              <a:t>10: Cohen et MacNeilage 1974</a:t>
+            </a:r>
+          </a:p>
+          <a:p>
+            <a:pPr>
+              <a:lnSpc>
+                <a:spcPct val="110000"/>
+              </a:lnSpc>
+            </a:pPr>
+            <a:r>
+              <a:rPr lang="en-US" sz="1100" i="1" dirty="0">
+                <a:solidFill>
+                  <a:schemeClr val="bg1"/>
+                </a:solidFill>
+                <a:latin typeface="Helvetica" pitchFamily="2" charset="0"/>
+              </a:rPr>
+              <a:t>11: Schredl 1995</a:t>
             </a:r>
             <a:endParaRPr lang="en-US" sz="1100" i="1" dirty="0">
               <a:solidFill>
@@ -9711,6 +7190,71 @@
               <a:latin typeface="Helvetica" pitchFamily="2" charset="0"/>
             </a:endParaRPr>
           </a:p>
+          <a:p>
+            <a:pPr>
+              <a:lnSpc>
+                <a:spcPct val="110000"/>
+              </a:lnSpc>
+            </a:pPr>
+            <a:r>
+              <a:rPr lang="en-US" sz="1100" b="1" i="1" dirty="0">
+                <a:solidFill>
+                  <a:schemeClr val="bg1"/>
+                </a:solidFill>
+                <a:latin typeface="Helvetica" pitchFamily="2" charset="0"/>
+              </a:rPr>
+              <a:t>12: </a:t>
+            </a:r>
+            <a:r>
+              <a:rPr lang="en-US" sz="1100" b="1" i="1" dirty="0">
+                <a:solidFill>
+                  <a:schemeClr val="bg1"/>
+                </a:solidFill>
+                <a:latin typeface="Helvetica" pitchFamily="2" charset="0"/>
+              </a:rPr>
+              <a:t>Study </a:t>
+            </a:r>
+            <a:r>
+              <a:rPr lang="en-US" sz="1100" b="1" i="1" dirty="0">
+                <a:solidFill>
+                  <a:schemeClr val="bg1"/>
+                </a:solidFill>
+                <a:latin typeface="Helvetica" pitchFamily="2" charset="0"/>
+              </a:rPr>
+              <a:t>II.3 </a:t>
+            </a:r>
+            <a:r>
+              <a:rPr lang="en-US" sz="1100" i="1" dirty="0">
+                <a:solidFill>
+                  <a:schemeClr val="bg1"/>
+                </a:solidFill>
+                <a:latin typeface="Helvetica" pitchFamily="2" charset="0"/>
+              </a:rPr>
+              <a:t>(in prep)</a:t>
+            </a:r>
+          </a:p>
+          <a:p>
+            <a:pPr>
+              <a:lnSpc>
+                <a:spcPct val="110000"/>
+              </a:lnSpc>
+            </a:pPr>
+            <a:r>
+              <a:rPr lang="en-US" sz="1100" i="1" dirty="0">
+                <a:solidFill>
+                  <a:schemeClr val="bg1"/>
+                </a:solidFill>
+                <a:latin typeface="Helvetica" pitchFamily="2" charset="0"/>
+              </a:rPr>
+              <a:t>13: Eichenlaub et al. 2014b</a:t>
+            </a:r>
+            <a:endParaRPr lang="en-US" sz="1100" i="1" dirty="0">
+              <a:solidFill>
+                <a:schemeClr val="bg1"/>
+              </a:solidFill>
+              <a:latin typeface="Helvetica" pitchFamily="2" charset="0"/>
+            </a:endParaRPr>
+          </a:p>
         </p:txBody>
       </p:sp>
       <p:cxnSp>
@@ -9721,7 +7265,7 @@
         </p:nvCxnSpPr>
         <p:spPr>
           <a:xfrm flipV="1">
-            <a:off x="7449728" y="5142498"/>
+            <a:off x="7449729" y="5142498"/>
             <a:ext cx="0" cy="252000"/>
           </a:xfrm>
           <a:prstGeom prst="straightConnector1">
@@ -9760,7 +7304,7 @@
         </p:nvSpPr>
         <p:spPr>
           <a:xfrm>
-            <a:off x="6698241" y="5436791"/>
+            <a:off x="6698242" y="5436792"/>
             <a:ext cx="1502979" cy="461665"/>
           </a:xfrm>
           <a:prstGeom prst="rect">
@@ -9782,7 +7326,7 @@
               <a:t>“Inner-acceptant” </a:t>
             </a:r>
             <a:r>
-              <a:rPr lang="en-US" sz="1200" dirty="0" smtClean="0">
+              <a:rPr lang="en-US" sz="1200" dirty="0">
                 <a:latin typeface="Helvetica" pitchFamily="2" charset="0"/>
               </a:rPr>
               <a:t>life-style</a:t>
@@ -9805,7 +7349,7 @@
         <p:spPr>
           <a:xfrm>
             <a:off x="8763521" y="2900854"/>
-            <a:ext cx="1502980" cy="872358"/>
+            <a:ext cx="1502981" cy="872357"/>
           </a:xfrm>
           <a:prstGeom prst="rect">
             <a:avLst/>
@@ -9839,7 +7383,7 @@
           </a:fontRef>
         </p:style>
         <p:txBody>
-          <a:bodyPr rot="0" spcFirstLastPara="0" vertOverflow="overflow" horzOverflow="overflow" vert="horz" wrap="square" lIns="91440" tIns="45720" rIns="91440" bIns="45720" numCol="1" spcCol="0" rtlCol="0" fromWordArt="0" anchor="ctr" anchorCtr="0" forceAA="0" compatLnSpc="1">
+          <a:bodyPr rot="0" spcFirstLastPara="0" vertOverflow="overflow" horzOverflow="overflow" vert="horz" wrap="square" lIns="91439" tIns="45720" rIns="91439" bIns="45720" numCol="1" spcCol="0" rtlCol="0" fromWordArt="0" anchor="ctr" anchorCtr="0" forceAA="0" compatLnSpc="1">
             <a:prstTxWarp prst="textNoShape">
               <a:avLst/>
             </a:prstTxWarp>
@@ -9849,7 +7393,7 @@
           <a:p>
             <a:pPr algn="ctr"/>
             <a:r>
-              <a:rPr lang="en-US" sz="1150" dirty="0" smtClean="0">
+              <a:rPr lang="en-US" sz="1151" dirty="0">
                 <a:solidFill>
                   <a:schemeClr val="bg1"/>
                 </a:solidFill>
@@ -9858,7 +7402,7 @@
               <a:t>Salient dream content / clues</a:t>
             </a:r>
             <a:r>
-              <a:rPr lang="en-US" sz="1150" baseline="30000" dirty="0" smtClean="0">
+              <a:rPr lang="en-US" sz="1151" baseline="30000" dirty="0">
                 <a:solidFill>
                   <a:schemeClr val="bg1"/>
                 </a:solidFill>
@@ -9866,7 +7410,7 @@
               </a:rPr>
               <a:t>6,10</a:t>
             </a:r>
-            <a:endParaRPr lang="en-US" sz="1150" baseline="30000" dirty="0">
+            <a:endParaRPr lang="en-US" sz="1151" baseline="30000" dirty="0">
               <a:solidFill>
                 <a:schemeClr val="bg1"/>
               </a:solidFill>
@@ -9883,8 +7427,8 @@
         </p:nvCxnSpPr>
         <p:spPr>
           <a:xfrm>
-            <a:off x="8280049" y="3337033"/>
-            <a:ext cx="430922" cy="0"/>
+            <a:off x="8280048" y="3337033"/>
+            <a:ext cx="430923" cy="0"/>
           </a:xfrm>
           <a:prstGeom prst="straightConnector1">
             <a:avLst/>
@@ -9922,7 +7466,7 @@
         </p:nvSpPr>
         <p:spPr>
           <a:xfrm>
-            <a:off x="8697830" y="4088525"/>
+            <a:off x="8697831" y="4088525"/>
             <a:ext cx="1634357" cy="276999"/>
           </a:xfrm>
           <a:prstGeom prst="rect">
@@ -9938,19 +7482,19 @@
           <a:p>
             <a:pPr algn="ctr"/>
             <a:r>
-              <a:rPr lang="en-US" sz="1200" dirty="0" smtClean="0">
+              <a:rPr lang="en-US" sz="1200" dirty="0">
                 <a:latin typeface="Helvetica" pitchFamily="2" charset="0"/>
               </a:rPr>
               <a:t>Higher creativity</a:t>
             </a:r>
             <a:r>
-              <a:rPr lang="en-US" sz="1200" baseline="30000" dirty="0" smtClean="0">
+              <a:rPr lang="en-US" sz="1200" baseline="30000" dirty="0">
                 <a:latin typeface="Helvetica" pitchFamily="2" charset="0"/>
               </a:rPr>
               <a:t>11,12</a:t>
             </a:r>
             <a:r>
-              <a:rPr lang="en-US" sz="1200" dirty="0" smtClean="0">
+              <a:rPr lang="en-US" sz="1200" dirty="0">
                 <a:latin typeface="Helvetica" pitchFamily="2" charset="0"/>
               </a:rPr>
               <a:t> </a:t>
@@ -9969,7 +7513,7 @@
         </p:nvCxnSpPr>
         <p:spPr>
           <a:xfrm flipV="1">
-            <a:off x="9515009" y="3846782"/>
+            <a:off x="9515008" y="3846783"/>
             <a:ext cx="0" cy="252000"/>
           </a:xfrm>
           <a:prstGeom prst="straightConnector1">
@@ -10008,7 +7552,7 @@
         </p:nvSpPr>
         <p:spPr>
           <a:xfrm>
-            <a:off x="8763522" y="4715844"/>
+            <a:off x="8763523" y="4715845"/>
             <a:ext cx="1502979" cy="1015663"/>
           </a:xfrm>
           <a:prstGeom prst="rect">
@@ -10024,31 +7568,31 @@
           <a:p>
             <a:pPr algn="ctr"/>
             <a:r>
-              <a:rPr lang="en-US" sz="1200" dirty="0" smtClean="0">
+              <a:rPr lang="en-US" sz="1200" dirty="0">
                 <a:latin typeface="Helvetica" pitchFamily="2" charset="0"/>
               </a:rPr>
               <a:t>Higher rCBF</a:t>
             </a:r>
             <a:r>
-              <a:rPr lang="en-US" sz="1200" baseline="30000" dirty="0" smtClean="0">
+              <a:rPr lang="en-US" sz="1200" baseline="30000" dirty="0">
                 <a:latin typeface="Helvetica" pitchFamily="2" charset="0"/>
               </a:rPr>
               <a:t>13</a:t>
             </a:r>
             <a:r>
-              <a:rPr lang="en-US" sz="1200" dirty="0" smtClean="0">
+              <a:rPr lang="en-US" sz="1200" dirty="0">
                 <a:latin typeface="Helvetica" pitchFamily="2" charset="0"/>
               </a:rPr>
               <a:t> and functional connectivity</a:t>
             </a:r>
             <a:r>
-              <a:rPr lang="en-US" sz="1200" baseline="30000" dirty="0" smtClean="0">
+              <a:rPr lang="en-US" sz="1200" baseline="30000" dirty="0">
                 <a:latin typeface="Helvetica" pitchFamily="2" charset="0"/>
               </a:rPr>
               <a:t>12 </a:t>
             </a:r>
             <a:r>
-              <a:rPr lang="en-US" sz="1200" dirty="0" smtClean="0">
+              <a:rPr lang="en-US" sz="1200" dirty="0">
                 <a:latin typeface="Helvetica" pitchFamily="2" charset="0"/>
               </a:rPr>
               <a:t>in the default network during resting-state</a:t>
@@ -10067,7 +7611,7 @@
         </p:nvCxnSpPr>
         <p:spPr>
           <a:xfrm flipV="1">
-            <a:off x="9515009" y="4400072"/>
+            <a:off x="9515008" y="4400072"/>
             <a:ext cx="0" cy="288000"/>
           </a:xfrm>
           <a:prstGeom prst="straightConnector1">
@@ -10107,7 +7651,7 @@
         </p:nvCxnSpPr>
         <p:spPr>
           <a:xfrm flipV="1">
-            <a:off x="8201219" y="5562915"/>
+            <a:off x="8201219" y="5562914"/>
             <a:ext cx="504000" cy="0"/>
           </a:xfrm>
           <a:prstGeom prst="straightConnector1">
@@ -10147,7 +7691,7 @@
         </p:nvCxnSpPr>
         <p:spPr>
           <a:xfrm>
-            <a:off x="7450769" y="2559265"/>
+            <a:off x="7450769" y="2559266"/>
             <a:ext cx="0" cy="252000"/>
           </a:xfrm>
           <a:prstGeom prst="straightConnector1">
@@ -10186,7 +7730,7 @@
         </p:nvSpPr>
         <p:spPr>
           <a:xfrm>
-            <a:off x="6708750" y="1859397"/>
+            <a:off x="6708751" y="1859398"/>
             <a:ext cx="1502979" cy="646331"/>
           </a:xfrm>
           <a:prstGeom prst="rect">
@@ -10202,19 +7746,19 @@
           <a:p>
             <a:pPr algn="ctr"/>
             <a:r>
-              <a:rPr lang="en-US" sz="1200" dirty="0" smtClean="0">
+              <a:rPr lang="en-US" sz="1200" dirty="0">
                 <a:latin typeface="Helvetica" pitchFamily="2" charset="0"/>
               </a:rPr>
               <a:t>Higher brain connectivity at awakening</a:t>
             </a:r>
             <a:r>
-              <a:rPr lang="en-US" sz="1200" baseline="30000" dirty="0" smtClean="0">
+              <a:rPr lang="en-US" sz="1200" baseline="30000" dirty="0">
                 <a:latin typeface="Helvetica" pitchFamily="2" charset="0"/>
               </a:rPr>
               <a:t>5</a:t>
             </a:r>
             <a:r>
-              <a:rPr lang="en-US" sz="1200" dirty="0" smtClean="0">
+              <a:rPr lang="en-US" sz="1200" dirty="0">
                 <a:latin typeface="Helvetica" pitchFamily="2" charset="0"/>
               </a:rPr>
               <a:t> </a:t>
@@ -10233,7 +7777,7 @@
         </p:nvCxnSpPr>
         <p:spPr>
           <a:xfrm>
-            <a:off x="7450769" y="1607397"/>
+            <a:off x="7450769" y="1607398"/>
             <a:ext cx="0" cy="252000"/>
           </a:xfrm>
           <a:prstGeom prst="straightConnector1">
@@ -10272,7 +7816,7 @@
         </p:nvSpPr>
         <p:spPr>
           <a:xfrm>
-            <a:off x="6699279" y="1108696"/>
+            <a:off x="6699280" y="1108697"/>
             <a:ext cx="1502979" cy="461665"/>
           </a:xfrm>
           <a:prstGeom prst="rect">
@@ -10288,13 +7832,13 @@
           <a:p>
             <a:pPr algn="ctr"/>
             <a:r>
-              <a:rPr lang="en-US" sz="1200" dirty="0" smtClean="0">
+              <a:rPr lang="en-US" sz="1200" dirty="0">
                 <a:latin typeface="Helvetica" pitchFamily="2" charset="0"/>
               </a:rPr>
               <a:t>Better memory performances</a:t>
             </a:r>
             <a:r>
-              <a:rPr lang="en-US" sz="1200" baseline="30000" dirty="0" smtClean="0">
+              <a:rPr lang="en-US" sz="1200" baseline="30000" dirty="0">
                 <a:latin typeface="Helvetica" pitchFamily="2" charset="0"/>
               </a:rPr>
               <a:t>4</a:t>
@@ -10313,7 +7857,7 @@
         </p:nvCxnSpPr>
         <p:spPr>
           <a:xfrm>
-            <a:off x="7450769" y="856696"/>
+            <a:off x="7450769" y="856697"/>
             <a:ext cx="0" cy="252000"/>
           </a:xfrm>
           <a:prstGeom prst="straightConnector1">
@@ -10352,7 +7896,7 @@
         </p:nvSpPr>
         <p:spPr>
           <a:xfrm>
-            <a:off x="6700235" y="368479"/>
+            <a:off x="6700236" y="368479"/>
             <a:ext cx="1502979" cy="461665"/>
           </a:xfrm>
           <a:prstGeom prst="rect">
@@ -10368,13 +7912,13 @@
           <a:p>
             <a:pPr algn="ctr"/>
             <a:r>
-              <a:rPr lang="en-US" sz="1200" dirty="0" smtClean="0">
+              <a:rPr lang="en-US" sz="1200" dirty="0">
                 <a:latin typeface="Helvetica" pitchFamily="2" charset="0"/>
               </a:rPr>
               <a:t>REM sleep awakening</a:t>
             </a:r>
             <a:r>
-              <a:rPr lang="en-US" sz="1200" baseline="30000" dirty="0" smtClean="0">
+              <a:rPr lang="en-US" sz="1200" baseline="30000" dirty="0">
                 <a:latin typeface="Helvetica" pitchFamily="2" charset="0"/>
               </a:rPr>
               <a:t>3</a:t>
@@ -10393,7 +7937,7 @@
         </p:nvSpPr>
         <p:spPr>
           <a:xfrm>
-            <a:off x="10828801" y="3031032"/>
+            <a:off x="10828801" y="3031033"/>
             <a:ext cx="1224000" cy="612000"/>
           </a:xfrm>
           <a:prstGeom prst="rect">
@@ -10423,7 +7967,7 @@
           </a:fontRef>
         </p:style>
         <p:txBody>
-          <a:bodyPr rot="0" spcFirstLastPara="0" vertOverflow="overflow" horzOverflow="overflow" vert="horz" wrap="square" lIns="91440" tIns="45720" rIns="91440" bIns="45720" numCol="1" spcCol="0" rtlCol="0" fromWordArt="0" anchor="t" anchorCtr="0" forceAA="0" compatLnSpc="1">
+          <a:bodyPr rot="0" spcFirstLastPara="0" vertOverflow="overflow" horzOverflow="overflow" vert="horz" wrap="square" lIns="91439" tIns="45720" rIns="91439" bIns="45720" numCol="1" spcCol="0" rtlCol="0" fromWordArt="0" anchor="t" anchorCtr="0" forceAA="0" compatLnSpc="1">
             <a:prstTxWarp prst="textNoShape">
               <a:avLst/>
             </a:prstTxWarp>
@@ -10433,7 +7977,7 @@
           <a:p>
             <a:pPr algn="ctr"/>
             <a:r>
-              <a:rPr lang="en-US" sz="1200" b="1" dirty="0" smtClean="0">
+              <a:rPr lang="en-US" sz="1200" b="1" dirty="0">
                 <a:solidFill>
                   <a:schemeClr val="tx1"/>
                 </a:solidFill>
@@ -10445,7 +7989,7 @@
           <a:p>
             <a:pPr algn="ctr"/>
             <a:r>
-              <a:rPr lang="en-US" sz="1200" b="1" dirty="0" smtClean="0">
+              <a:rPr lang="en-US" sz="1200" b="1" dirty="0">
                 <a:solidFill>
                   <a:schemeClr val="tx1"/>
                 </a:solidFill>
@@ -10482,7 +8026,7 @@
         </p:nvGrpSpPr>
         <p:grpSpPr>
           <a:xfrm>
-            <a:off x="666789" y="2383324"/>
+            <a:off x="666791" y="2383325"/>
             <a:ext cx="1311519" cy="1463458"/>
             <a:chOff x="10828802" y="1497165"/>
             <a:chExt cx="1311519" cy="1463458"/>
@@ -10556,7 +8100,7 @@
             </a:fontRef>
           </p:style>
           <p:txBody>
-            <a:bodyPr rot="0" spcFirstLastPara="0" vertOverflow="overflow" horzOverflow="overflow" vert="horz" wrap="square" lIns="91440" tIns="45720" rIns="91440" bIns="45720" numCol="1" spcCol="0" rtlCol="0" fromWordArt="0" anchor="t" anchorCtr="0" forceAA="0" compatLnSpc="1">
+            <a:bodyPr rot="0" spcFirstLastPara="0" vertOverflow="overflow" horzOverflow="overflow" vert="horz" wrap="square" lIns="91439" tIns="45720" rIns="91439" bIns="45720" numCol="1" spcCol="0" rtlCol="0" fromWordArt="0" anchor="t" anchorCtr="0" forceAA="0" compatLnSpc="1">
               <a:prstTxWarp prst="textNoShape">
                 <a:avLst/>
               </a:prstTxWarp>
@@ -10566,7 +8110,7 @@
             <a:p>
               <a:pPr algn="ctr"/>
               <a:r>
-                <a:rPr lang="en-US" sz="1200" b="1" dirty="0" smtClean="0">
+                <a:rPr lang="en-US" sz="1200" b="1" dirty="0">
                   <a:solidFill>
                     <a:srgbClr val="C82829"/>
                   </a:solidFill>
@@ -10578,7 +8122,7 @@
             <a:p>
               <a:pPr algn="ctr"/>
               <a:r>
-                <a:rPr lang="en-US" sz="1200" b="1" dirty="0" smtClean="0">
+                <a:rPr lang="en-US" sz="1200" b="1" dirty="0">
                   <a:solidFill>
                     <a:srgbClr val="C82829"/>
                   </a:solidFill>
@@ -10604,7 +8148,7 @@
         </p:nvCxnSpPr>
         <p:spPr>
           <a:xfrm>
-            <a:off x="1890789" y="3337032"/>
+            <a:off x="1890789" y="3337033"/>
             <a:ext cx="504000" cy="0"/>
           </a:xfrm>
           <a:prstGeom prst="straightConnector1">
@@ -10639,620 +8183,6 @@
     <p:extLst>
       <p:ext uri="{BB962C8B-B14F-4D97-AF65-F5344CB8AC3E}">
         <p14:creationId xmlns:p14="http://schemas.microsoft.com/office/powerpoint/2010/main" val="2982172657"/>
-      </p:ext>
-    </p:extLst>
-  </p:cSld>
-  <p:clrMapOvr>
-    <a:masterClrMapping/>
-  </p:clrMapOvr>
-</p:sld>
-</file>
-
-<file path=ppt/slides/slide6.xml><?xml version="1.0" encoding="utf-8"?>
-<p:sld xmlns:a="http://schemas.openxmlformats.org/drawingml/2006/main" xmlns:r="http://schemas.openxmlformats.org/officeDocument/2006/relationships" xmlns:p="http://schemas.openxmlformats.org/presentationml/2006/main">
-  <p:cSld>
-    <p:spTree>
-      <p:nvGrpSpPr>
-        <p:cNvPr id="1" name=""/>
-        <p:cNvGrpSpPr/>
-        <p:nvPr/>
-      </p:nvGrpSpPr>
-      <p:grpSpPr>
-        <a:xfrm>
-          <a:off x="0" y="0"/>
-          <a:ext cx="0" cy="0"/>
-          <a:chOff x="0" y="0"/>
-          <a:chExt cx="0" cy="0"/>
-        </a:xfrm>
-      </p:grpSpPr>
-      <p:sp>
-        <p:nvSpPr>
-          <p:cNvPr id="9" name="Rectangle 8"/>
-          <p:cNvSpPr/>
-          <p:nvPr/>
-        </p:nvSpPr>
-        <p:spPr>
-          <a:xfrm>
-            <a:off x="1155560" y="2349500"/>
-            <a:ext cx="2150347" cy="1165608"/>
-          </a:xfrm>
-          <a:prstGeom prst="rect">
-            <a:avLst/>
-          </a:prstGeom>
-          <a:solidFill>
-            <a:srgbClr val="E9F2B5"/>
-          </a:solidFill>
-          <a:ln w="19050">
-            <a:solidFill>
-              <a:schemeClr val="tx1"/>
-            </a:solidFill>
-          </a:ln>
-        </p:spPr>
-        <p:style>
-          <a:lnRef idx="2">
-            <a:schemeClr val="accent1">
-              <a:shade val="50000"/>
-            </a:schemeClr>
-          </a:lnRef>
-          <a:fillRef idx="1">
-            <a:schemeClr val="accent1"/>
-          </a:fillRef>
-          <a:effectRef idx="0">
-            <a:schemeClr val="accent1"/>
-          </a:effectRef>
-          <a:fontRef idx="minor">
-            <a:schemeClr val="lt1"/>
-          </a:fontRef>
-        </p:style>
-        <p:txBody>
-          <a:bodyPr rtlCol="0" anchor="t"/>
-          <a:lstStyle/>
-          <a:p>
-            <a:pPr>
-              <a:spcAft>
-                <a:spcPts val="600"/>
-              </a:spcAft>
-            </a:pPr>
-            <a:r>
-              <a:rPr lang="en-US" sz="1400" b="1" dirty="0" smtClean="0">
-                <a:solidFill>
-                  <a:schemeClr val="tx1"/>
-                </a:solidFill>
-                <a:latin typeface="Helvetica Neue" panose="02000503000000020004" pitchFamily="50"/>
-              </a:rPr>
-              <a:t>DAY</a:t>
-            </a:r>
-          </a:p>
-          <a:p>
-            <a:pPr marL="285750" indent="-285750">
-              <a:buFontTx/>
-              <a:buChar char="-"/>
-            </a:pPr>
-            <a:r>
-              <a:rPr lang="en-US" sz="1400" dirty="0" smtClean="0">
-                <a:solidFill>
-                  <a:schemeClr val="tx1"/>
-                </a:solidFill>
-                <a:latin typeface="Helvetica Neue" panose="02000503000000020004" pitchFamily="50"/>
-              </a:rPr>
-              <a:t>Personality traits</a:t>
-            </a:r>
-          </a:p>
-          <a:p>
-            <a:pPr marL="285750" indent="-285750">
-              <a:buFontTx/>
-              <a:buChar char="-"/>
-            </a:pPr>
-            <a:r>
-              <a:rPr lang="en-US" sz="1400" dirty="0" smtClean="0">
-                <a:solidFill>
-                  <a:schemeClr val="tx1"/>
-                </a:solidFill>
-                <a:latin typeface="Helvetica Neue" panose="02000503000000020004" pitchFamily="50"/>
-              </a:rPr>
-              <a:t>Creativity</a:t>
-            </a:r>
-          </a:p>
-          <a:p>
-            <a:pPr marL="285750" indent="-285750">
-              <a:buFontTx/>
-              <a:buChar char="-"/>
-            </a:pPr>
-            <a:r>
-              <a:rPr lang="en-US" sz="1400" dirty="0" smtClean="0">
-                <a:solidFill>
-                  <a:schemeClr val="tx1"/>
-                </a:solidFill>
-                <a:latin typeface="Helvetica Neue" panose="02000503000000020004" pitchFamily="50"/>
-              </a:rPr>
-              <a:t>DMN functioning</a:t>
-            </a:r>
-            <a:endParaRPr lang="en-US" sz="1400" dirty="0">
-              <a:solidFill>
-                <a:schemeClr val="tx1"/>
-              </a:solidFill>
-              <a:latin typeface="Helvetica Neue" panose="02000503000000020004" pitchFamily="50"/>
-            </a:endParaRPr>
-          </a:p>
-        </p:txBody>
-      </p:sp>
-      <p:sp>
-        <p:nvSpPr>
-          <p:cNvPr id="39" name="Rectangle 38"/>
-          <p:cNvSpPr/>
-          <p:nvPr/>
-        </p:nvSpPr>
-        <p:spPr>
-          <a:xfrm>
-            <a:off x="6952620" y="2349500"/>
-            <a:ext cx="2150347" cy="1165608"/>
-          </a:xfrm>
-          <a:prstGeom prst="rect">
-            <a:avLst/>
-          </a:prstGeom>
-          <a:solidFill>
-            <a:srgbClr val="6EBCBF"/>
-          </a:solidFill>
-          <a:ln w="19050">
-            <a:solidFill>
-              <a:schemeClr val="tx1"/>
-            </a:solidFill>
-          </a:ln>
-        </p:spPr>
-        <p:style>
-          <a:lnRef idx="2">
-            <a:schemeClr val="accent1">
-              <a:shade val="50000"/>
-            </a:schemeClr>
-          </a:lnRef>
-          <a:fillRef idx="1">
-            <a:schemeClr val="accent1"/>
-          </a:fillRef>
-          <a:effectRef idx="0">
-            <a:schemeClr val="accent1"/>
-          </a:effectRef>
-          <a:fontRef idx="minor">
-            <a:schemeClr val="lt1"/>
-          </a:fontRef>
-        </p:style>
-        <p:txBody>
-          <a:bodyPr rtlCol="0" anchor="t"/>
-          <a:lstStyle/>
-          <a:p>
-            <a:pPr>
-              <a:spcAft>
-                <a:spcPts val="600"/>
-              </a:spcAft>
-            </a:pPr>
-            <a:r>
-              <a:rPr lang="en-US" sz="1400" b="1" dirty="0" smtClean="0">
-                <a:solidFill>
-                  <a:schemeClr val="tx1"/>
-                </a:solidFill>
-                <a:latin typeface="Helvetica Neue" panose="02000503000000020004" pitchFamily="50"/>
-              </a:rPr>
-              <a:t>AWAKENING</a:t>
-            </a:r>
-          </a:p>
-          <a:p>
-            <a:pPr marL="285750" indent="-285750">
-              <a:buFontTx/>
-              <a:buChar char="-"/>
-            </a:pPr>
-            <a:r>
-              <a:rPr lang="en-US" sz="1400" dirty="0" smtClean="0">
-                <a:solidFill>
-                  <a:schemeClr val="tx1"/>
-                </a:solidFill>
-                <a:latin typeface="Helvetica Neue" panose="02000503000000020004" pitchFamily="50"/>
-              </a:rPr>
-              <a:t>Sleep inertia</a:t>
-            </a:r>
-          </a:p>
-          <a:p>
-            <a:pPr marL="285750" indent="-285750">
-              <a:buFontTx/>
-              <a:buChar char="-"/>
-            </a:pPr>
-            <a:r>
-              <a:rPr lang="en-US" sz="1400" dirty="0" smtClean="0">
-                <a:solidFill>
-                  <a:schemeClr val="tx1"/>
-                </a:solidFill>
-                <a:latin typeface="Helvetica Neue" panose="02000503000000020004" pitchFamily="50"/>
-              </a:rPr>
-              <a:t>Interference</a:t>
-            </a:r>
-          </a:p>
-          <a:p>
-            <a:pPr marL="285750" indent="-285750">
-              <a:buFontTx/>
-              <a:buChar char="-"/>
-            </a:pPr>
-            <a:r>
-              <a:rPr lang="en-US" sz="1400" dirty="0" smtClean="0">
-                <a:solidFill>
-                  <a:schemeClr val="tx1"/>
-                </a:solidFill>
-                <a:latin typeface="Helvetica Neue" panose="02000503000000020004" pitchFamily="50"/>
-              </a:rPr>
-              <a:t>Brain functioning</a:t>
-            </a:r>
-            <a:endParaRPr lang="en-US" sz="1400" dirty="0">
-              <a:solidFill>
-                <a:schemeClr val="tx1"/>
-              </a:solidFill>
-              <a:latin typeface="Helvetica Neue" panose="02000503000000020004" pitchFamily="50"/>
-            </a:endParaRPr>
-          </a:p>
-        </p:txBody>
-      </p:sp>
-      <p:sp>
-        <p:nvSpPr>
-          <p:cNvPr id="41" name="Rectangle 40"/>
-          <p:cNvSpPr/>
-          <p:nvPr/>
-        </p:nvSpPr>
-        <p:spPr>
-          <a:xfrm>
-            <a:off x="4144943" y="2349500"/>
-            <a:ext cx="1968641" cy="1165608"/>
-          </a:xfrm>
-          <a:prstGeom prst="rect">
-            <a:avLst/>
-          </a:prstGeom>
-          <a:solidFill>
-            <a:srgbClr val="4B84AF"/>
-          </a:solidFill>
-          <a:ln w="19050">
-            <a:solidFill>
-              <a:schemeClr val="tx1"/>
-            </a:solidFill>
-          </a:ln>
-        </p:spPr>
-        <p:style>
-          <a:lnRef idx="2">
-            <a:schemeClr val="accent1">
-              <a:shade val="50000"/>
-            </a:schemeClr>
-          </a:lnRef>
-          <a:fillRef idx="1">
-            <a:schemeClr val="accent1"/>
-          </a:fillRef>
-          <a:effectRef idx="0">
-            <a:schemeClr val="accent1"/>
-          </a:effectRef>
-          <a:fontRef idx="minor">
-            <a:schemeClr val="lt1"/>
-          </a:fontRef>
-        </p:style>
-        <p:txBody>
-          <a:bodyPr rtlCol="0" anchor="t"/>
-          <a:lstStyle/>
-          <a:p>
-            <a:pPr>
-              <a:spcAft>
-                <a:spcPts val="600"/>
-              </a:spcAft>
-            </a:pPr>
-            <a:r>
-              <a:rPr lang="en-US" sz="1400" b="1" dirty="0" smtClean="0">
-                <a:solidFill>
-                  <a:schemeClr val="tx1"/>
-                </a:solidFill>
-                <a:latin typeface="Helvetica Neue" panose="02000503000000020004" pitchFamily="50"/>
-              </a:rPr>
-              <a:t>DREAM</a:t>
-            </a:r>
-          </a:p>
-          <a:p>
-            <a:pPr marL="285750" indent="-285750">
-              <a:buFontTx/>
-              <a:buChar char="-"/>
-            </a:pPr>
-            <a:r>
-              <a:rPr lang="en-US" sz="1400" dirty="0" smtClean="0">
-                <a:solidFill>
-                  <a:schemeClr val="tx1"/>
-                </a:solidFill>
-                <a:latin typeface="Helvetica Neue" panose="02000503000000020004" pitchFamily="50"/>
-              </a:rPr>
-              <a:t>Physiological state</a:t>
-            </a:r>
-          </a:p>
-          <a:p>
-            <a:pPr marL="285750" indent="-285750">
-              <a:buFontTx/>
-              <a:buChar char="-"/>
-            </a:pPr>
-            <a:r>
-              <a:rPr lang="en-US" sz="1400" dirty="0" smtClean="0">
-                <a:solidFill>
-                  <a:schemeClr val="tx1"/>
-                </a:solidFill>
-                <a:latin typeface="Helvetica Neue" panose="02000503000000020004" pitchFamily="50"/>
-              </a:rPr>
-              <a:t>Sleep stages</a:t>
-            </a:r>
-          </a:p>
-          <a:p>
-            <a:pPr marL="285750" indent="-285750">
-              <a:buFontTx/>
-              <a:buChar char="-"/>
-            </a:pPr>
-            <a:r>
-              <a:rPr lang="en-US" sz="1400" dirty="0" smtClean="0">
-                <a:solidFill>
-                  <a:schemeClr val="tx1"/>
-                </a:solidFill>
-                <a:latin typeface="Helvetica Neue" panose="02000503000000020004" pitchFamily="50"/>
-              </a:rPr>
-              <a:t>Salience</a:t>
-            </a:r>
-          </a:p>
-        </p:txBody>
-      </p:sp>
-      <p:grpSp>
-        <p:nvGrpSpPr>
-          <p:cNvPr id="42" name="Groupe 41"/>
-          <p:cNvGrpSpPr/>
-          <p:nvPr/>
-        </p:nvGrpSpPr>
-        <p:grpSpPr>
-          <a:xfrm>
-            <a:off x="9942003" y="2051650"/>
-            <a:ext cx="1311519" cy="1463458"/>
-            <a:chOff x="10828802" y="1497165"/>
-            <a:chExt cx="1311519" cy="1463458"/>
-          </a:xfrm>
-        </p:grpSpPr>
-        <p:pic>
-          <p:nvPicPr>
-            <p:cNvPr id="43" name="Image 42"/>
-            <p:cNvPicPr>
-              <a:picLocks noChangeAspect="1"/>
-            </p:cNvPicPr>
-            <p:nvPr/>
-          </p:nvPicPr>
-          <p:blipFill>
-            <a:blip r:embed="rId2" cstate="print">
-              <a:extLst>
-                <a:ext uri="{BEBA8EAE-BF5A-486C-A8C5-ECC9F3942E4B}">
-                  <a14:imgProps xmlns:a14="http://schemas.microsoft.com/office/drawing/2010/main">
-                    <a14:imgLayer r:embed="rId3">
-                      <a14:imgEffect>
-                        <a14:saturation sat="0"/>
-                      </a14:imgEffect>
-                    </a14:imgLayer>
-                  </a14:imgProps>
-                </a:ext>
-                <a:ext uri="{28A0092B-C50C-407E-A947-70E740481C1C}">
-                  <a14:useLocalDpi xmlns:a14="http://schemas.microsoft.com/office/drawing/2010/main" val="0"/>
-                </a:ext>
-              </a:extLst>
-            </a:blip>
-            <a:stretch>
-              <a:fillRect/>
-            </a:stretch>
-          </p:blipFill>
-          <p:spPr>
-            <a:xfrm>
-              <a:off x="11060321" y="1497165"/>
-              <a:ext cx="1080000" cy="1080000"/>
-            </a:xfrm>
-            <a:prstGeom prst="rect">
-              <a:avLst/>
-            </a:prstGeom>
-          </p:spPr>
-        </p:pic>
-        <p:sp>
-          <p:nvSpPr>
-            <p:cNvPr id="44" name="Rectangle 43"/>
-            <p:cNvSpPr/>
-            <p:nvPr/>
-          </p:nvSpPr>
-          <p:spPr>
-            <a:xfrm>
-              <a:off x="10828802" y="2528623"/>
-              <a:ext cx="1224000" cy="432000"/>
-            </a:xfrm>
-            <a:prstGeom prst="rect">
-              <a:avLst/>
-            </a:prstGeom>
-            <a:solidFill>
-              <a:schemeClr val="bg1"/>
-            </a:solidFill>
-            <a:ln w="19050">
-              <a:noFill/>
-            </a:ln>
-          </p:spPr>
-          <p:style>
-            <a:lnRef idx="2">
-              <a:schemeClr val="accent1">
-                <a:shade val="50000"/>
-              </a:schemeClr>
-            </a:lnRef>
-            <a:fillRef idx="1">
-              <a:schemeClr val="accent1"/>
-            </a:fillRef>
-            <a:effectRef idx="0">
-              <a:schemeClr val="accent1"/>
-            </a:effectRef>
-            <a:fontRef idx="minor">
-              <a:schemeClr val="lt1"/>
-            </a:fontRef>
-          </p:style>
-          <p:txBody>
-            <a:bodyPr rot="0" spcFirstLastPara="0" vertOverflow="overflow" horzOverflow="overflow" vert="horz" wrap="square" lIns="91440" tIns="45720" rIns="91440" bIns="45720" numCol="1" spcCol="0" rtlCol="0" fromWordArt="0" anchor="t" anchorCtr="0" forceAA="0" compatLnSpc="1">
-              <a:prstTxWarp prst="textNoShape">
-                <a:avLst/>
-              </a:prstTxWarp>
-              <a:noAutofit/>
-            </a:bodyPr>
-            <a:lstStyle/>
-            <a:p>
-              <a:pPr algn="ctr"/>
-              <a:r>
-                <a:rPr lang="en-US" sz="1400" b="1" dirty="0" smtClean="0">
-                  <a:solidFill>
-                    <a:srgbClr val="C82829"/>
-                  </a:solidFill>
-                  <a:latin typeface="Helvetica Neue" panose="02000503000000020004" pitchFamily="50"/>
-                </a:rPr>
-                <a:t>DREAM RECALL</a:t>
-              </a:r>
-              <a:endParaRPr lang="en-US" sz="1400" b="1" dirty="0">
-                <a:solidFill>
-                  <a:srgbClr val="C82829"/>
-                </a:solidFill>
-                <a:latin typeface="Helvetica Neue" panose="02000503000000020004" pitchFamily="50"/>
-              </a:endParaRPr>
-            </a:p>
-          </p:txBody>
-        </p:sp>
-      </p:grpSp>
-      <p:sp>
-        <p:nvSpPr>
-          <p:cNvPr id="12" name="Flèche droite 11"/>
-          <p:cNvSpPr/>
-          <p:nvPr/>
-        </p:nvSpPr>
-        <p:spPr>
-          <a:xfrm>
-            <a:off x="3423974" y="2767374"/>
-            <a:ext cx="602901" cy="329860"/>
-          </a:xfrm>
-          <a:prstGeom prst="rightArrow">
-            <a:avLst/>
-          </a:prstGeom>
-          <a:solidFill>
-            <a:srgbClr val="61567C"/>
-          </a:solidFill>
-          <a:ln w="19050">
-            <a:solidFill>
-              <a:schemeClr val="tx1"/>
-            </a:solidFill>
-          </a:ln>
-        </p:spPr>
-        <p:style>
-          <a:lnRef idx="2">
-            <a:schemeClr val="dk1"/>
-          </a:lnRef>
-          <a:fillRef idx="1">
-            <a:schemeClr val="lt1"/>
-          </a:fillRef>
-          <a:effectRef idx="0">
-            <a:schemeClr val="dk1"/>
-          </a:effectRef>
-          <a:fontRef idx="minor">
-            <a:schemeClr val="dk1"/>
-          </a:fontRef>
-        </p:style>
-        <p:txBody>
-          <a:bodyPr rtlCol="0" anchor="ctr"/>
-          <a:lstStyle/>
-          <a:p>
-            <a:pPr algn="ctr"/>
-            <a:endParaRPr lang="en-US"/>
-          </a:p>
-        </p:txBody>
-      </p:sp>
-      <p:sp>
-        <p:nvSpPr>
-          <p:cNvPr id="45" name="Flèche droite 44"/>
-          <p:cNvSpPr/>
-          <p:nvPr/>
-        </p:nvSpPr>
-        <p:spPr>
-          <a:xfrm>
-            <a:off x="6231651" y="2767374"/>
-            <a:ext cx="602901" cy="329860"/>
-          </a:xfrm>
-          <a:prstGeom prst="rightArrow">
-            <a:avLst/>
-          </a:prstGeom>
-          <a:solidFill>
-            <a:srgbClr val="61567C"/>
-          </a:solidFill>
-          <a:ln w="19050">
-            <a:solidFill>
-              <a:schemeClr val="tx1"/>
-            </a:solidFill>
-          </a:ln>
-        </p:spPr>
-        <p:style>
-          <a:lnRef idx="2">
-            <a:schemeClr val="dk1"/>
-          </a:lnRef>
-          <a:fillRef idx="1">
-            <a:schemeClr val="lt1"/>
-          </a:fillRef>
-          <a:effectRef idx="0">
-            <a:schemeClr val="dk1"/>
-          </a:effectRef>
-          <a:fontRef idx="minor">
-            <a:schemeClr val="dk1"/>
-          </a:fontRef>
-        </p:style>
-        <p:txBody>
-          <a:bodyPr rtlCol="0" anchor="ctr"/>
-          <a:lstStyle/>
-          <a:p>
-            <a:pPr algn="ctr"/>
-            <a:endParaRPr lang="en-US"/>
-          </a:p>
-        </p:txBody>
-      </p:sp>
-      <p:sp>
-        <p:nvSpPr>
-          <p:cNvPr id="46" name="Flèche droite 45"/>
-          <p:cNvSpPr/>
-          <p:nvPr/>
-        </p:nvSpPr>
-        <p:spPr>
-          <a:xfrm>
-            <a:off x="9251583" y="2767374"/>
-            <a:ext cx="602901" cy="329860"/>
-          </a:xfrm>
-          <a:prstGeom prst="rightArrow">
-            <a:avLst/>
-          </a:prstGeom>
-          <a:solidFill>
-            <a:srgbClr val="61567C"/>
-          </a:solidFill>
-          <a:ln w="19050">
-            <a:solidFill>
-              <a:schemeClr val="tx1"/>
-            </a:solidFill>
-          </a:ln>
-        </p:spPr>
-        <p:style>
-          <a:lnRef idx="2">
-            <a:schemeClr val="dk1"/>
-          </a:lnRef>
-          <a:fillRef idx="1">
-            <a:schemeClr val="lt1"/>
-          </a:fillRef>
-          <a:effectRef idx="0">
-            <a:schemeClr val="dk1"/>
-          </a:effectRef>
-          <a:fontRef idx="minor">
-            <a:schemeClr val="dk1"/>
-          </a:fontRef>
-        </p:style>
-        <p:txBody>
-          <a:bodyPr rtlCol="0" anchor="ctr"/>
-          <a:lstStyle/>
-          <a:p>
-            <a:pPr algn="ctr"/>
-            <a:endParaRPr lang="en-US"/>
-          </a:p>
-        </p:txBody>
-      </p:sp>
-    </p:spTree>
-    <p:extLst>
-      <p:ext uri="{BB962C8B-B14F-4D97-AF65-F5344CB8AC3E}">
-        <p14:creationId xmlns:p14="http://schemas.microsoft.com/office/powerpoint/2010/main" val="2984160839"/>
       </p:ext>
     </p:extLst>
   </p:cSld>

--- a/Fig/Discussion/schema_dream_recall.pptx
+++ b/Fig/Discussion/schema_dream_recall.pptx
@@ -5,10 +5,12 @@
     <p:sldMasterId id="2147483672" r:id="rId1"/>
   </p:sldMasterIdLst>
   <p:sldIdLst>
-    <p:sldId id="263" r:id="rId2"/>
-    <p:sldId id="261" r:id="rId3"/>
-    <p:sldId id="262" r:id="rId4"/>
-    <p:sldId id="256" r:id="rId5"/>
+    <p:sldId id="265" r:id="rId2"/>
+    <p:sldId id="264" r:id="rId3"/>
+    <p:sldId id="263" r:id="rId4"/>
+    <p:sldId id="261" r:id="rId5"/>
+    <p:sldId id="262" r:id="rId6"/>
+    <p:sldId id="256" r:id="rId7"/>
   </p:sldIdLst>
   <p:sldSz cx="14400213" cy="6858000"/>
   <p:notesSz cx="6858000" cy="9144000"/>
@@ -109,7 +111,38 @@
   </p:defaultTextStyle>
   <p:extLst>
     <p:ext uri="{EFAFB233-063F-42B5-8137-9DF3F51BA10A}">
-      <p15:sldGuideLst xmlns:p15="http://schemas.microsoft.com/office/powerpoint/2012/main"/>
+      <p15:sldGuideLst xmlns:p15="http://schemas.microsoft.com/office/powerpoint/2012/main">
+        <p15:guide id="1" orient="horz" pos="368" userDrawn="1">
+          <p15:clr>
+            <a:srgbClr val="A4A3A4"/>
+          </p15:clr>
+        </p15:guide>
+        <p15:guide id="2" pos="1020" userDrawn="1">
+          <p15:clr>
+            <a:srgbClr val="A4A3A4"/>
+          </p15:clr>
+        </p15:guide>
+        <p15:guide id="3" orient="horz" pos="777" userDrawn="1">
+          <p15:clr>
+            <a:srgbClr val="A4A3A4"/>
+          </p15:clr>
+        </p15:guide>
+        <p15:guide id="4" orient="horz" pos="1911" userDrawn="1">
+          <p15:clr>
+            <a:srgbClr val="A4A3A4"/>
+          </p15:clr>
+        </p15:guide>
+        <p15:guide id="5" pos="7439" userDrawn="1">
+          <p15:clr>
+            <a:srgbClr val="A4A3A4"/>
+          </p15:clr>
+        </p15:guide>
+        <p15:guide id="6" pos="2880" userDrawn="1">
+          <p15:clr>
+            <a:srgbClr val="A4A3A4"/>
+          </p15:clr>
+        </p15:guide>
+      </p15:sldGuideLst>
     </p:ext>
   </p:extLst>
 </p:presentation>
@@ -3058,14 +3091,16 @@
         </p:nvSpPr>
         <p:spPr>
           <a:xfrm>
-            <a:off x="4949768" y="2436599"/>
-            <a:ext cx="1368000" cy="1224000"/>
+            <a:off x="4545152" y="2345636"/>
+            <a:ext cx="1368000" cy="1404000"/>
           </a:xfrm>
           <a:prstGeom prst="rect">
             <a:avLst/>
           </a:prstGeom>
           <a:solidFill>
-            <a:srgbClr val="9CABC0"/>
+            <a:schemeClr val="bg1">
+              <a:lumMod val="95000"/>
+            </a:schemeClr>
           </a:solidFill>
           <a:ln>
             <a:noFill/>
@@ -3101,7 +3136,21 @@
           <a:p>
             <a:pPr algn="ctr"/>
             <a:r>
-              <a:rPr lang="en-US" sz="1600" dirty="0">
+              <a:rPr lang="en-US" sz="1600" dirty="0" smtClean="0">
+                <a:solidFill>
+                  <a:schemeClr val="tx1"/>
+                </a:solidFill>
+                <a:latin typeface="Open Sans Semibold" panose="020B0706030804020204" pitchFamily="34" charset="0"/>
+                <a:ea typeface="Open Sans Semibold" panose="020B0706030804020204" pitchFamily="34" charset="0"/>
+                <a:cs typeface="Open Sans Semibold" panose="020B0706030804020204" pitchFamily="34" charset="0"/>
+              </a:rPr>
+              <a:t>Short-term</a:t>
+            </a:r>
+          </a:p>
+          <a:p>
+            <a:pPr algn="ctr"/>
+            <a:r>
+              <a:rPr lang="en-US" sz="1600" dirty="0" smtClean="0">
                 <a:solidFill>
                   <a:schemeClr val="tx1"/>
                 </a:solidFill>
@@ -3109,26 +3158,15 @@
                 <a:ea typeface="Open Sans Light" panose="020B0306030504020204" pitchFamily="34" charset="0"/>
                 <a:cs typeface="Open Sans Light" panose="020B0306030504020204" pitchFamily="34" charset="0"/>
               </a:rPr>
-              <a:t>Dream </a:t>
-            </a:r>
-            <a:r>
-              <a:rPr lang="en-US" sz="1600" dirty="0">
-                <a:solidFill>
-                  <a:schemeClr val="tx1"/>
-                </a:solidFill>
-                <a:latin typeface="Open Sans Semibold" panose="020B0706030804020204" pitchFamily="34" charset="0"/>
-                <a:ea typeface="Open Sans Semibold" panose="020B0706030804020204" pitchFamily="34" charset="0"/>
-                <a:cs typeface="Open Sans Semibold" panose="020B0706030804020204" pitchFamily="34" charset="0"/>
-              </a:rPr>
-              <a:t>Recall</a:t>
+              <a:t>Memory</a:t>
             </a:r>
             <a:endParaRPr lang="en-US" sz="1600" dirty="0">
               <a:solidFill>
                 <a:schemeClr val="tx1"/>
               </a:solidFill>
-              <a:latin typeface="Open Sans Semibold" panose="020B0706030804020204" pitchFamily="34" charset="0"/>
-              <a:ea typeface="Open Sans Semibold" panose="020B0706030804020204" pitchFamily="34" charset="0"/>
-              <a:cs typeface="Open Sans Semibold" panose="020B0706030804020204" pitchFamily="34" charset="0"/>
+              <a:latin typeface="Open Sans Light" panose="020B0306030504020204" pitchFamily="34" charset="0"/>
+              <a:ea typeface="Open Sans Light" panose="020B0306030504020204" pitchFamily="34" charset="0"/>
+              <a:cs typeface="Open Sans Light" panose="020B0306030504020204" pitchFamily="34" charset="0"/>
             </a:endParaRPr>
           </a:p>
         </p:txBody>
@@ -3159,7 +3197,7 @@
             <a:r>
               <a:rPr lang="en-US" sz="800" dirty="0">
                 <a:solidFill>
-                  <a:srgbClr val="E8EBF0"/>
+                  <a:srgbClr val="EDEFF3"/>
                 </a:solidFill>
                 <a:latin typeface="Open Sans" panose="020B0606030504020204" pitchFamily="34" charset="0"/>
                 <a:ea typeface="Open Sans" panose="020B0606030504020204" pitchFamily="34" charset="0"/>
@@ -3167,64 +3205,6 @@
               </a:rPr>
               <a:t>Sleep</a:t>
             </a:r>
-            <a:endParaRPr lang="en-US" sz="800" dirty="0">
-              <a:solidFill>
-                <a:srgbClr val="E8EBF0"/>
-              </a:solidFill>
-              <a:latin typeface="Open Sans" panose="020B0606030504020204" pitchFamily="34" charset="0"/>
-              <a:ea typeface="Open Sans" panose="020B0606030504020204" pitchFamily="34" charset="0"/>
-              <a:cs typeface="Open Sans" panose="020B0606030504020204" pitchFamily="34" charset="0"/>
-            </a:endParaRPr>
-          </a:p>
-        </p:txBody>
-      </p:sp>
-      <p:sp>
-        <p:nvSpPr>
-          <p:cNvPr id="9" name="ZoneTexte 8"/>
-          <p:cNvSpPr txBox="1"/>
-          <p:nvPr/>
-        </p:nvSpPr>
-        <p:spPr>
-          <a:xfrm>
-            <a:off x="4009574" y="2436599"/>
-            <a:ext cx="782587" cy="369332"/>
-          </a:xfrm>
-          <a:prstGeom prst="rect">
-            <a:avLst/>
-          </a:prstGeom>
-          <a:noFill/>
-        </p:spPr>
-        <p:txBody>
-          <a:bodyPr wrap="none" rtlCol="0">
-            <a:spAutoFit/>
-          </a:bodyPr>
-          <a:lstStyle/>
-          <a:p>
-            <a:pPr algn="ctr"/>
-            <a:r>
-              <a:rPr lang="en-US" sz="900" dirty="0">
-                <a:latin typeface="Open Sans" panose="020B0606030504020204" pitchFamily="34" charset="0"/>
-                <a:ea typeface="Open Sans" panose="020B0606030504020204" pitchFamily="34" charset="0"/>
-                <a:cs typeface="Open Sans" panose="020B0606030504020204" pitchFamily="34" charset="0"/>
-              </a:rPr>
-              <a:t>MEMORY </a:t>
-            </a:r>
-          </a:p>
-          <a:p>
-            <a:pPr algn="ctr"/>
-            <a:r>
-              <a:rPr lang="en-US" sz="900" dirty="0">
-                <a:latin typeface="Open Sans" panose="020B0606030504020204" pitchFamily="34" charset="0"/>
-                <a:ea typeface="Open Sans" panose="020B0606030504020204" pitchFamily="34" charset="0"/>
-                <a:cs typeface="Open Sans" panose="020B0606030504020204" pitchFamily="34" charset="0"/>
-              </a:rPr>
-              <a:t>ENCODING</a:t>
-            </a:r>
-            <a:endParaRPr lang="en-US" sz="900" dirty="0">
-              <a:latin typeface="Open Sans" panose="020B0606030504020204" pitchFamily="34" charset="0"/>
-              <a:ea typeface="Open Sans" panose="020B0606030504020204" pitchFamily="34" charset="0"/>
-              <a:cs typeface="Open Sans" panose="020B0606030504020204" pitchFamily="34" charset="0"/>
-            </a:endParaRPr>
           </a:p>
         </p:txBody>
       </p:sp>
@@ -3236,8 +3216,8 @@
         </p:nvSpPr>
         <p:spPr>
           <a:xfrm>
-            <a:off x="4034421" y="2927667"/>
-            <a:ext cx="732894" cy="216000"/>
+            <a:off x="4032406" y="2927192"/>
+            <a:ext cx="360000" cy="216000"/>
           </a:xfrm>
           <a:prstGeom prst="rightArrow">
             <a:avLst>
@@ -3275,20 +3255,108 @@
           <a:lstStyle/>
           <a:p>
             <a:pPr algn="ctr"/>
+            <a:endParaRPr lang="en-US" dirty="0"/>
+          </a:p>
+        </p:txBody>
+      </p:sp>
+      <p:sp>
+        <p:nvSpPr>
+          <p:cNvPr id="15" name="Flèche droite 14"/>
+          <p:cNvSpPr/>
+          <p:nvPr/>
+        </p:nvSpPr>
+        <p:spPr>
+          <a:xfrm>
+            <a:off x="6086667" y="2925713"/>
+            <a:ext cx="360000" cy="216000"/>
+          </a:xfrm>
+          <a:prstGeom prst="rightArrow">
+            <a:avLst>
+              <a:gd name="adj1" fmla="val 50000"/>
+              <a:gd name="adj2" fmla="val 66282"/>
+            </a:avLst>
+          </a:prstGeom>
+          <a:solidFill>
+            <a:schemeClr val="bg2">
+              <a:lumMod val="10000"/>
+            </a:schemeClr>
+          </a:solidFill>
+          <a:ln>
+            <a:noFill/>
+          </a:ln>
+        </p:spPr>
+        <p:style>
+          <a:lnRef idx="2">
+            <a:schemeClr val="accent1">
+              <a:shade val="50000"/>
+            </a:schemeClr>
+          </a:lnRef>
+          <a:fillRef idx="1">
+            <a:schemeClr val="accent1"/>
+          </a:fillRef>
+          <a:effectRef idx="0">
+            <a:schemeClr val="accent1"/>
+          </a:effectRef>
+          <a:fontRef idx="minor">
+            <a:schemeClr val="lt1"/>
+          </a:fontRef>
+        </p:style>
+        <p:txBody>
+          <a:bodyPr rtlCol="0" anchor="ctr"/>
+          <a:lstStyle/>
+          <a:p>
+            <a:pPr algn="ctr"/>
             <a:endParaRPr lang="en-US"/>
           </a:p>
         </p:txBody>
       </p:sp>
-      <p:sp>
-        <p:nvSpPr>
-          <p:cNvPr id="14" name="ZoneTexte 13"/>
+      <p:cxnSp>
+        <p:nvCxnSpPr>
+          <p:cNvPr id="26" name="Connecteur droit avec flèche 25"/>
+          <p:cNvCxnSpPr/>
+          <p:nvPr/>
+        </p:nvCxnSpPr>
+        <p:spPr>
+          <a:xfrm flipV="1">
+            <a:off x="6267910" y="3402162"/>
+            <a:ext cx="0" cy="432000"/>
+          </a:xfrm>
+          <a:prstGeom prst="straightConnector1">
+            <a:avLst/>
+          </a:prstGeom>
+          <a:ln w="12700">
+            <a:solidFill>
+              <a:schemeClr val="tx1"/>
+            </a:solidFill>
+            <a:prstDash val="solid"/>
+            <a:tailEnd type="triangle"/>
+          </a:ln>
+        </p:spPr>
+        <p:style>
+          <a:lnRef idx="1">
+            <a:schemeClr val="dk1"/>
+          </a:lnRef>
+          <a:fillRef idx="0">
+            <a:schemeClr val="dk1"/>
+          </a:fillRef>
+          <a:effectRef idx="0">
+            <a:schemeClr val="dk1"/>
+          </a:effectRef>
+          <a:fontRef idx="minor">
+            <a:schemeClr val="tx1"/>
+          </a:fontRef>
+        </p:style>
+      </p:cxnSp>
+      <p:sp>
+        <p:nvSpPr>
+          <p:cNvPr id="27" name="ZoneTexte 26"/>
           <p:cNvSpPr txBox="1"/>
           <p:nvPr/>
         </p:nvSpPr>
         <p:spPr>
           <a:xfrm>
-            <a:off x="5633768" y="3445157"/>
-            <a:ext cx="684000" cy="215444"/>
+            <a:off x="5665363" y="3901376"/>
+            <a:ext cx="1229616" cy="415498"/>
           </a:xfrm>
           <a:prstGeom prst="rect">
             <a:avLst/>
@@ -3301,11 +3369,131 @@
           </a:bodyPr>
           <a:lstStyle/>
           <a:p>
+            <a:pPr algn="ctr"/>
+            <a:r>
+              <a:rPr lang="en-US" sz="1050" dirty="0" smtClean="0">
+                <a:solidFill>
+                  <a:srgbClr val="00B050"/>
+                </a:solidFill>
+                <a:latin typeface="Open Sans Semibold" panose="020B0706030804020204" pitchFamily="34" charset="0"/>
+                <a:ea typeface="Open Sans Semibold" panose="020B0706030804020204" pitchFamily="34" charset="0"/>
+                <a:cs typeface="Open Sans Semibold" panose="020B0706030804020204" pitchFamily="34" charset="0"/>
+              </a:rPr>
+              <a:t>Duration of awakenings</a:t>
+            </a:r>
+            <a:endParaRPr lang="en-US" sz="1050" dirty="0">
+              <a:solidFill>
+                <a:srgbClr val="00B050"/>
+              </a:solidFill>
+              <a:latin typeface="Open Sans Semibold" panose="020B0706030804020204" pitchFamily="34" charset="0"/>
+              <a:ea typeface="Open Sans Semibold" panose="020B0706030804020204" pitchFamily="34" charset="0"/>
+              <a:cs typeface="Open Sans Semibold" panose="020B0706030804020204" pitchFamily="34" charset="0"/>
+            </a:endParaRPr>
+          </a:p>
+        </p:txBody>
+      </p:sp>
+      <p:sp>
+        <p:nvSpPr>
+          <p:cNvPr id="30" name="Rectangle 29"/>
+          <p:cNvSpPr/>
+          <p:nvPr/>
+        </p:nvSpPr>
+        <p:spPr>
+          <a:xfrm>
+            <a:off x="8622016" y="2504888"/>
+            <a:ext cx="1368000" cy="1044000"/>
+          </a:xfrm>
+          <a:prstGeom prst="rect">
+            <a:avLst/>
+          </a:prstGeom>
+          <a:solidFill>
+            <a:srgbClr val="9CABC0"/>
+          </a:solidFill>
+          <a:ln>
+            <a:noFill/>
+          </a:ln>
+          <a:effectLst>
+            <a:outerShdw blurRad="25400" dist="38100" dir="2700000" algn="tl" rotWithShape="0">
+              <a:schemeClr val="bg2">
+                <a:lumMod val="90000"/>
+                <a:alpha val="40000"/>
+              </a:schemeClr>
+            </a:outerShdw>
+          </a:effectLst>
+        </p:spPr>
+        <p:style>
+          <a:lnRef idx="2">
+            <a:schemeClr val="accent1">
+              <a:shade val="50000"/>
+            </a:schemeClr>
+          </a:lnRef>
+          <a:fillRef idx="1">
+            <a:schemeClr val="accent1"/>
+          </a:fillRef>
+          <a:effectRef idx="0">
+            <a:schemeClr val="accent1"/>
+          </a:effectRef>
+          <a:fontRef idx="minor">
+            <a:schemeClr val="lt1"/>
+          </a:fontRef>
+        </p:style>
+        <p:txBody>
+          <a:bodyPr rtlCol="0" anchor="ctr"/>
+          <a:lstStyle/>
+          <a:p>
+            <a:pPr algn="ctr"/>
+            <a:r>
+              <a:rPr lang="en-US" sz="1600" dirty="0">
+                <a:solidFill>
+                  <a:schemeClr val="tx1"/>
+                </a:solidFill>
+                <a:latin typeface="Open Sans Light" panose="020B0306030504020204" pitchFamily="34" charset="0"/>
+                <a:ea typeface="Open Sans Light" panose="020B0306030504020204" pitchFamily="34" charset="0"/>
+                <a:cs typeface="Open Sans Light" panose="020B0306030504020204" pitchFamily="34" charset="0"/>
+              </a:rPr>
+              <a:t>Dream </a:t>
+            </a:r>
+            <a:r>
+              <a:rPr lang="en-US" sz="1600" dirty="0">
+                <a:solidFill>
+                  <a:schemeClr val="tx1"/>
+                </a:solidFill>
+                <a:latin typeface="Open Sans Semibold" panose="020B0706030804020204" pitchFamily="34" charset="0"/>
+                <a:ea typeface="Open Sans Semibold" panose="020B0706030804020204" pitchFamily="34" charset="0"/>
+                <a:cs typeface="Open Sans Semibold" panose="020B0706030804020204" pitchFamily="34" charset="0"/>
+              </a:rPr>
+              <a:t>Recall</a:t>
+            </a:r>
+          </a:p>
+        </p:txBody>
+      </p:sp>
+      <p:sp>
+        <p:nvSpPr>
+          <p:cNvPr id="32" name="ZoneTexte 31"/>
+          <p:cNvSpPr txBox="1"/>
+          <p:nvPr/>
+        </p:nvSpPr>
+        <p:spPr>
+          <a:xfrm>
+            <a:off x="9306016" y="3333444"/>
+            <a:ext cx="684000" cy="215444"/>
+          </a:xfrm>
+          <a:prstGeom prst="rect">
+            <a:avLst/>
+          </a:prstGeom>
+          <a:noFill/>
+        </p:spPr>
+        <p:txBody>
+          <a:bodyPr wrap="square" rtlCol="0">
+            <a:spAutoFit/>
+          </a:bodyPr>
+          <a:lstStyle/>
+          <a:p>
             <a:pPr algn="r"/>
             <a:r>
               <a:rPr lang="en-US" sz="800" dirty="0">
                 <a:solidFill>
-                  <a:srgbClr val="E8EBF0"/>
+                  <a:srgbClr val="222A35"/>
                 </a:solidFill>
                 <a:latin typeface="Open Sans" panose="020B0606030504020204" pitchFamily="34" charset="0"/>
                 <a:ea typeface="Open Sans" panose="020B0606030504020204" pitchFamily="34" charset="0"/>
@@ -3313,9 +3501,238 @@
               </a:rPr>
               <a:t>Wake</a:t>
             </a:r>
+          </a:p>
+        </p:txBody>
+      </p:sp>
+      <p:cxnSp>
+        <p:nvCxnSpPr>
+          <p:cNvPr id="38" name="Connecteur droit avec flèche 37"/>
+          <p:cNvCxnSpPr/>
+          <p:nvPr/>
+        </p:nvCxnSpPr>
+        <p:spPr>
+          <a:xfrm>
+            <a:off x="6257350" y="2241550"/>
+            <a:ext cx="0" cy="432000"/>
+          </a:xfrm>
+          <a:prstGeom prst="straightConnector1">
+            <a:avLst/>
+          </a:prstGeom>
+          <a:ln w="12700">
+            <a:solidFill>
+              <a:schemeClr val="tx1"/>
+            </a:solidFill>
+            <a:prstDash val="solid"/>
+            <a:tailEnd type="triangle"/>
+          </a:ln>
+        </p:spPr>
+        <p:style>
+          <a:lnRef idx="1">
+            <a:schemeClr val="dk1"/>
+          </a:lnRef>
+          <a:fillRef idx="0">
+            <a:schemeClr val="dk1"/>
+          </a:fillRef>
+          <a:effectRef idx="0">
+            <a:schemeClr val="dk1"/>
+          </a:effectRef>
+          <a:fontRef idx="minor">
+            <a:schemeClr val="tx1"/>
+          </a:fontRef>
+        </p:style>
+      </p:cxnSp>
+      <p:sp>
+        <p:nvSpPr>
+          <p:cNvPr id="39" name="ZoneTexte 38"/>
+          <p:cNvSpPr txBox="1"/>
+          <p:nvPr/>
+        </p:nvSpPr>
+        <p:spPr>
+          <a:xfrm>
+            <a:off x="5630567" y="1819540"/>
+            <a:ext cx="1258823" cy="415498"/>
+          </a:xfrm>
+          <a:prstGeom prst="rect">
+            <a:avLst/>
+          </a:prstGeom>
+          <a:noFill/>
+        </p:spPr>
+        <p:txBody>
+          <a:bodyPr wrap="square" rtlCol="0">
+            <a:spAutoFit/>
+          </a:bodyPr>
+          <a:lstStyle/>
+          <a:p>
+            <a:pPr algn="ctr"/>
+            <a:r>
+              <a:rPr lang="en-US" sz="1050" dirty="0" smtClean="0">
+                <a:solidFill>
+                  <a:srgbClr val="FF0000"/>
+                </a:solidFill>
+                <a:latin typeface="Open Sans Semibold" panose="020B0706030804020204" pitchFamily="34" charset="0"/>
+                <a:ea typeface="Open Sans Semibold" panose="020B0706030804020204" pitchFamily="34" charset="0"/>
+                <a:cs typeface="Open Sans Semibold" panose="020B0706030804020204" pitchFamily="34" charset="0"/>
+              </a:rPr>
+              <a:t>Encoding</a:t>
+            </a:r>
+          </a:p>
+          <a:p>
+            <a:pPr algn="ctr"/>
+            <a:r>
+              <a:rPr lang="en-US" sz="1050" dirty="0" smtClean="0">
+                <a:solidFill>
+                  <a:srgbClr val="FF0000"/>
+                </a:solidFill>
+                <a:latin typeface="Open Sans Semibold" panose="020B0706030804020204" pitchFamily="34" charset="0"/>
+                <a:ea typeface="Open Sans Semibold" panose="020B0706030804020204" pitchFamily="34" charset="0"/>
+                <a:cs typeface="Open Sans Semibold" panose="020B0706030804020204" pitchFamily="34" charset="0"/>
+              </a:rPr>
+              <a:t>interferences</a:t>
+            </a:r>
+            <a:endParaRPr lang="en-US" sz="1050" dirty="0">
+              <a:solidFill>
+                <a:srgbClr val="FF0000"/>
+              </a:solidFill>
+              <a:latin typeface="Open Sans Semibold" panose="020B0706030804020204" pitchFamily="34" charset="0"/>
+              <a:ea typeface="Open Sans Semibold" panose="020B0706030804020204" pitchFamily="34" charset="0"/>
+              <a:cs typeface="Open Sans Semibold" panose="020B0706030804020204" pitchFamily="34" charset="0"/>
+            </a:endParaRPr>
+          </a:p>
+        </p:txBody>
+      </p:sp>
+      <p:cxnSp>
+        <p:nvCxnSpPr>
+          <p:cNvPr id="40" name="Connecteur droit avec flèche 39"/>
+          <p:cNvCxnSpPr/>
+          <p:nvPr/>
+        </p:nvCxnSpPr>
+        <p:spPr>
+          <a:xfrm flipV="1">
+            <a:off x="6267910" y="4365989"/>
+            <a:ext cx="0" cy="288000"/>
+          </a:xfrm>
+          <a:prstGeom prst="straightConnector1">
+            <a:avLst/>
+          </a:prstGeom>
+          <a:ln w="12700">
+            <a:solidFill>
+              <a:schemeClr val="tx1"/>
+            </a:solidFill>
+            <a:prstDash val="solid"/>
+            <a:tailEnd type="triangle"/>
+          </a:ln>
+        </p:spPr>
+        <p:style>
+          <a:lnRef idx="1">
+            <a:schemeClr val="dk1"/>
+          </a:lnRef>
+          <a:fillRef idx="0">
+            <a:schemeClr val="dk1"/>
+          </a:fillRef>
+          <a:effectRef idx="0">
+            <a:schemeClr val="dk1"/>
+          </a:effectRef>
+          <a:fontRef idx="minor">
+            <a:schemeClr val="tx1"/>
+          </a:fontRef>
+        </p:style>
+      </p:cxnSp>
+      <p:sp>
+        <p:nvSpPr>
+          <p:cNvPr id="41" name="ZoneTexte 40"/>
+          <p:cNvSpPr txBox="1"/>
+          <p:nvPr/>
+        </p:nvSpPr>
+        <p:spPr>
+          <a:xfrm>
+            <a:off x="5722162" y="4703104"/>
+            <a:ext cx="1086286" cy="415498"/>
+          </a:xfrm>
+          <a:prstGeom prst="rect">
+            <a:avLst/>
+          </a:prstGeom>
+          <a:noFill/>
+        </p:spPr>
+        <p:txBody>
+          <a:bodyPr wrap="square" rtlCol="0">
+            <a:spAutoFit/>
+          </a:bodyPr>
+          <a:lstStyle/>
+          <a:p>
+            <a:pPr algn="ctr"/>
+            <a:r>
+              <a:rPr lang="en-US" sz="1050" dirty="0" smtClean="0">
+                <a:solidFill>
+                  <a:srgbClr val="00B050"/>
+                </a:solidFill>
+                <a:latin typeface="Open Sans Semibold" panose="020B0706030804020204" pitchFamily="34" charset="0"/>
+                <a:ea typeface="Open Sans Semibold" panose="020B0706030804020204" pitchFamily="34" charset="0"/>
+                <a:cs typeface="Open Sans Semibold" panose="020B0706030804020204" pitchFamily="34" charset="0"/>
+              </a:rPr>
+              <a:t>Brain </a:t>
+            </a:r>
+          </a:p>
+          <a:p>
+            <a:pPr algn="ctr"/>
+            <a:r>
+              <a:rPr lang="en-US" sz="1050" dirty="0" smtClean="0">
+                <a:solidFill>
+                  <a:srgbClr val="00B050"/>
+                </a:solidFill>
+                <a:latin typeface="Open Sans Semibold" panose="020B0706030804020204" pitchFamily="34" charset="0"/>
+                <a:ea typeface="Open Sans Semibold" panose="020B0706030804020204" pitchFamily="34" charset="0"/>
+                <a:cs typeface="Open Sans Semibold" panose="020B0706030804020204" pitchFamily="34" charset="0"/>
+              </a:rPr>
+              <a:t>reactivity</a:t>
+            </a:r>
+            <a:endParaRPr lang="en-US" sz="1050" dirty="0">
+              <a:solidFill>
+                <a:srgbClr val="00B050"/>
+              </a:solidFill>
+              <a:latin typeface="Open Sans Semibold" panose="020B0706030804020204" pitchFamily="34" charset="0"/>
+              <a:ea typeface="Open Sans Semibold" panose="020B0706030804020204" pitchFamily="34" charset="0"/>
+              <a:cs typeface="Open Sans Semibold" panose="020B0706030804020204" pitchFamily="34" charset="0"/>
+            </a:endParaRPr>
+          </a:p>
+        </p:txBody>
+      </p:sp>
+      <p:sp>
+        <p:nvSpPr>
+          <p:cNvPr id="48" name="ZoneTexte 47"/>
+          <p:cNvSpPr txBox="1"/>
+          <p:nvPr/>
+        </p:nvSpPr>
+        <p:spPr>
+          <a:xfrm>
+            <a:off x="4534755" y="3550015"/>
+            <a:ext cx="1388793" cy="215444"/>
+          </a:xfrm>
+          <a:prstGeom prst="rect">
+            <a:avLst/>
+          </a:prstGeom>
+          <a:noFill/>
+        </p:spPr>
+        <p:txBody>
+          <a:bodyPr wrap="square" rtlCol="0">
+            <a:spAutoFit/>
+          </a:bodyPr>
+          <a:lstStyle/>
+          <a:p>
+            <a:pPr algn="r"/>
+            <a:r>
+              <a:rPr lang="en-US" sz="800" dirty="0" smtClean="0">
+                <a:solidFill>
+                  <a:srgbClr val="222A35"/>
+                </a:solidFill>
+                <a:latin typeface="Open Sans" panose="020B0606030504020204" pitchFamily="34" charset="0"/>
+                <a:ea typeface="Open Sans" panose="020B0606030504020204" pitchFamily="34" charset="0"/>
+                <a:cs typeface="Open Sans" panose="020B0606030504020204" pitchFamily="34" charset="0"/>
+              </a:rPr>
+              <a:t>Sleep-wake transition</a:t>
+            </a:r>
             <a:endParaRPr lang="en-US" sz="800" dirty="0">
               <a:solidFill>
-                <a:srgbClr val="E8EBF0"/>
+                <a:srgbClr val="222A35"/>
               </a:solidFill>
               <a:latin typeface="Open Sans" panose="020B0606030504020204" pitchFamily="34" charset="0"/>
               <a:ea typeface="Open Sans" panose="020B0606030504020204" pitchFamily="34" charset="0"/>
@@ -3324,16 +3741,1170 @@
           </a:p>
         </p:txBody>
       </p:sp>
+      <p:sp>
+        <p:nvSpPr>
+          <p:cNvPr id="53" name="ZoneTexte 52"/>
+          <p:cNvSpPr txBox="1"/>
+          <p:nvPr/>
+        </p:nvSpPr>
+        <p:spPr>
+          <a:xfrm>
+            <a:off x="4196618" y="963043"/>
+            <a:ext cx="2041081" cy="553998"/>
+          </a:xfrm>
+          <a:prstGeom prst="rect">
+            <a:avLst/>
+          </a:prstGeom>
+          <a:noFill/>
+          <a:ln>
+            <a:noFill/>
+          </a:ln>
+        </p:spPr>
+        <p:txBody>
+          <a:bodyPr wrap="square" rtlCol="0">
+            <a:spAutoFit/>
+          </a:bodyPr>
+          <a:lstStyle/>
+          <a:p>
+            <a:pPr algn="ctr"/>
+            <a:r>
+              <a:rPr lang="en-US" sz="1000" dirty="0" smtClean="0">
+                <a:latin typeface="Open Sans Semibold" panose="020B0706030804020204" pitchFamily="34" charset="0"/>
+                <a:ea typeface="Open Sans Semibold" panose="020B0706030804020204" pitchFamily="34" charset="0"/>
+                <a:cs typeface="Open Sans Semibold" panose="020B0706030804020204" pitchFamily="34" charset="0"/>
+              </a:rPr>
+              <a:t>AGE, GENDER, PERSONALITY, INTEREST IN DREAMS, COGNITIVE ABILITIES</a:t>
+            </a:r>
+            <a:endParaRPr lang="en-US" sz="1000" dirty="0">
+              <a:latin typeface="Open Sans Semibold" panose="020B0706030804020204" pitchFamily="34" charset="0"/>
+              <a:ea typeface="Open Sans Semibold" panose="020B0706030804020204" pitchFamily="34" charset="0"/>
+              <a:cs typeface="Open Sans Semibold" panose="020B0706030804020204" pitchFamily="34" charset="0"/>
+            </a:endParaRPr>
+          </a:p>
+        </p:txBody>
+      </p:sp>
+      <p:cxnSp>
+        <p:nvCxnSpPr>
+          <p:cNvPr id="56" name="Connecteur droit avec flèche 55"/>
+          <p:cNvCxnSpPr>
+            <a:endCxn id="85" idx="0"/>
+          </p:cNvCxnSpPr>
+          <p:nvPr/>
+        </p:nvCxnSpPr>
+        <p:spPr>
+          <a:xfrm flipH="1">
+            <a:off x="4214955" y="1484313"/>
+            <a:ext cx="286611" cy="344563"/>
+          </a:xfrm>
+          <a:prstGeom prst="straightConnector1">
+            <a:avLst/>
+          </a:prstGeom>
+          <a:ln w="12700">
+            <a:solidFill>
+              <a:schemeClr val="tx1"/>
+            </a:solidFill>
+            <a:prstDash val="solid"/>
+            <a:tailEnd type="triangle"/>
+          </a:ln>
+        </p:spPr>
+        <p:style>
+          <a:lnRef idx="1">
+            <a:schemeClr val="dk1"/>
+          </a:lnRef>
+          <a:fillRef idx="0">
+            <a:schemeClr val="dk1"/>
+          </a:fillRef>
+          <a:effectRef idx="0">
+            <a:schemeClr val="dk1"/>
+          </a:effectRef>
+          <a:fontRef idx="minor">
+            <a:schemeClr val="tx1"/>
+          </a:fontRef>
+        </p:style>
+      </p:cxnSp>
+      <p:cxnSp>
+        <p:nvCxnSpPr>
+          <p:cNvPr id="77" name="Connecteur droit avec flèche 76"/>
+          <p:cNvCxnSpPr/>
+          <p:nvPr/>
+        </p:nvCxnSpPr>
+        <p:spPr>
+          <a:xfrm flipV="1">
+            <a:off x="4211561" y="3402162"/>
+            <a:ext cx="0" cy="432000"/>
+          </a:xfrm>
+          <a:prstGeom prst="straightConnector1">
+            <a:avLst/>
+          </a:prstGeom>
+          <a:ln w="12700">
+            <a:solidFill>
+              <a:schemeClr val="tx1"/>
+            </a:solidFill>
+            <a:prstDash val="solid"/>
+            <a:tailEnd type="triangle"/>
+          </a:ln>
+        </p:spPr>
+        <p:style>
+          <a:lnRef idx="1">
+            <a:schemeClr val="dk1"/>
+          </a:lnRef>
+          <a:fillRef idx="0">
+            <a:schemeClr val="dk1"/>
+          </a:fillRef>
+          <a:effectRef idx="0">
+            <a:schemeClr val="dk1"/>
+          </a:effectRef>
+          <a:fontRef idx="minor">
+            <a:schemeClr val="tx1"/>
+          </a:fontRef>
+        </p:style>
+      </p:cxnSp>
+      <p:sp>
+        <p:nvSpPr>
+          <p:cNvPr id="78" name="ZoneTexte 77"/>
+          <p:cNvSpPr txBox="1"/>
+          <p:nvPr/>
+        </p:nvSpPr>
+        <p:spPr>
+          <a:xfrm>
+            <a:off x="3464428" y="3901376"/>
+            <a:ext cx="747134" cy="415498"/>
+          </a:xfrm>
+          <a:prstGeom prst="rect">
+            <a:avLst/>
+          </a:prstGeom>
+          <a:noFill/>
+        </p:spPr>
+        <p:txBody>
+          <a:bodyPr wrap="square" rtlCol="0">
+            <a:spAutoFit/>
+          </a:bodyPr>
+          <a:lstStyle/>
+          <a:p>
+            <a:pPr algn="ctr"/>
+            <a:r>
+              <a:rPr lang="en-US" sz="1050" dirty="0" smtClean="0">
+                <a:solidFill>
+                  <a:srgbClr val="FF0000"/>
+                </a:solidFill>
+                <a:latin typeface="Open Sans Semibold" panose="020B0706030804020204" pitchFamily="34" charset="0"/>
+                <a:ea typeface="Open Sans Semibold" panose="020B0706030804020204" pitchFamily="34" charset="0"/>
+                <a:cs typeface="Open Sans Semibold" panose="020B0706030804020204" pitchFamily="34" charset="0"/>
+              </a:rPr>
+              <a:t>Sleep inertia</a:t>
+            </a:r>
+            <a:endParaRPr lang="en-US" sz="1050" dirty="0">
+              <a:solidFill>
+                <a:srgbClr val="FF0000"/>
+              </a:solidFill>
+              <a:latin typeface="Open Sans Semibold" panose="020B0706030804020204" pitchFamily="34" charset="0"/>
+              <a:ea typeface="Open Sans Semibold" panose="020B0706030804020204" pitchFamily="34" charset="0"/>
+              <a:cs typeface="Open Sans Semibold" panose="020B0706030804020204" pitchFamily="34" charset="0"/>
+            </a:endParaRPr>
+          </a:p>
+        </p:txBody>
+      </p:sp>
+      <p:sp>
+        <p:nvSpPr>
+          <p:cNvPr id="79" name="ZoneTexte 78"/>
+          <p:cNvSpPr txBox="1"/>
+          <p:nvPr/>
+        </p:nvSpPr>
+        <p:spPr>
+          <a:xfrm>
+            <a:off x="4211561" y="3901376"/>
+            <a:ext cx="747134" cy="415498"/>
+          </a:xfrm>
+          <a:prstGeom prst="rect">
+            <a:avLst/>
+          </a:prstGeom>
+          <a:noFill/>
+        </p:spPr>
+        <p:txBody>
+          <a:bodyPr wrap="square" rtlCol="0">
+            <a:spAutoFit/>
+          </a:bodyPr>
+          <a:lstStyle/>
+          <a:p>
+            <a:pPr algn="ctr"/>
+            <a:r>
+              <a:rPr lang="en-US" sz="1050" dirty="0" smtClean="0">
+                <a:solidFill>
+                  <a:srgbClr val="FF0000"/>
+                </a:solidFill>
+                <a:latin typeface="Open Sans Semibold" panose="020B0706030804020204" pitchFamily="34" charset="0"/>
+                <a:ea typeface="Open Sans Semibold" panose="020B0706030804020204" pitchFamily="34" charset="0"/>
+                <a:cs typeface="Open Sans Semibold" panose="020B0706030804020204" pitchFamily="34" charset="0"/>
+              </a:rPr>
+              <a:t>Sleep</a:t>
+            </a:r>
+          </a:p>
+          <a:p>
+            <a:pPr algn="ctr"/>
+            <a:r>
+              <a:rPr lang="en-US" sz="1050" dirty="0" smtClean="0">
+                <a:solidFill>
+                  <a:srgbClr val="FF0000"/>
+                </a:solidFill>
+                <a:latin typeface="Open Sans Semibold" panose="020B0706030804020204" pitchFamily="34" charset="0"/>
+                <a:ea typeface="Open Sans Semibold" panose="020B0706030804020204" pitchFamily="34" charset="0"/>
+                <a:cs typeface="Open Sans Semibold" panose="020B0706030804020204" pitchFamily="34" charset="0"/>
+              </a:rPr>
+              <a:t>depth</a:t>
+            </a:r>
+            <a:endParaRPr lang="en-US" sz="1050" dirty="0">
+              <a:solidFill>
+                <a:srgbClr val="FF0000"/>
+              </a:solidFill>
+              <a:latin typeface="Open Sans Semibold" panose="020B0706030804020204" pitchFamily="34" charset="0"/>
+              <a:ea typeface="Open Sans Semibold" panose="020B0706030804020204" pitchFamily="34" charset="0"/>
+              <a:cs typeface="Open Sans Semibold" panose="020B0706030804020204" pitchFamily="34" charset="0"/>
+            </a:endParaRPr>
+          </a:p>
+        </p:txBody>
+      </p:sp>
+      <p:cxnSp>
+        <p:nvCxnSpPr>
+          <p:cNvPr id="84" name="Connecteur droit avec flèche 83"/>
+          <p:cNvCxnSpPr/>
+          <p:nvPr/>
+        </p:nvCxnSpPr>
+        <p:spPr>
+          <a:xfrm>
+            <a:off x="4212357" y="2242462"/>
+            <a:ext cx="0" cy="432000"/>
+          </a:xfrm>
+          <a:prstGeom prst="straightConnector1">
+            <a:avLst/>
+          </a:prstGeom>
+          <a:ln w="12700">
+            <a:solidFill>
+              <a:schemeClr val="tx1"/>
+            </a:solidFill>
+            <a:prstDash val="solid"/>
+            <a:tailEnd type="triangle"/>
+          </a:ln>
+        </p:spPr>
+        <p:style>
+          <a:lnRef idx="1">
+            <a:schemeClr val="dk1"/>
+          </a:lnRef>
+          <a:fillRef idx="0">
+            <a:schemeClr val="dk1"/>
+          </a:fillRef>
+          <a:effectRef idx="0">
+            <a:schemeClr val="dk1"/>
+          </a:effectRef>
+          <a:fontRef idx="minor">
+            <a:schemeClr val="tx1"/>
+          </a:fontRef>
+        </p:style>
+      </p:cxnSp>
+      <p:sp>
+        <p:nvSpPr>
+          <p:cNvPr id="85" name="ZoneTexte 84"/>
+          <p:cNvSpPr txBox="1"/>
+          <p:nvPr/>
+        </p:nvSpPr>
+        <p:spPr>
+          <a:xfrm>
+            <a:off x="3622543" y="1828876"/>
+            <a:ext cx="1184824" cy="415498"/>
+          </a:xfrm>
+          <a:prstGeom prst="rect">
+            <a:avLst/>
+          </a:prstGeom>
+          <a:noFill/>
+        </p:spPr>
+        <p:txBody>
+          <a:bodyPr wrap="square" rtlCol="0">
+            <a:spAutoFit/>
+          </a:bodyPr>
+          <a:lstStyle/>
+          <a:p>
+            <a:pPr algn="ctr"/>
+            <a:r>
+              <a:rPr lang="en-US" sz="1050" dirty="0" smtClean="0">
+                <a:solidFill>
+                  <a:srgbClr val="00B050"/>
+                </a:solidFill>
+                <a:latin typeface="Open Sans Semibold" panose="020B0706030804020204" pitchFamily="34" charset="0"/>
+                <a:ea typeface="Open Sans Semibold" panose="020B0706030804020204" pitchFamily="34" charset="0"/>
+                <a:cs typeface="Open Sans Semibold" panose="020B0706030804020204" pitchFamily="34" charset="0"/>
+              </a:rPr>
+              <a:t>Salience of dream content</a:t>
+            </a:r>
+            <a:endParaRPr lang="en-US" sz="1050" dirty="0">
+              <a:solidFill>
+                <a:srgbClr val="00B050"/>
+              </a:solidFill>
+              <a:latin typeface="Open Sans Semibold" panose="020B0706030804020204" pitchFamily="34" charset="0"/>
+              <a:ea typeface="Open Sans Semibold" panose="020B0706030804020204" pitchFamily="34" charset="0"/>
+              <a:cs typeface="Open Sans Semibold" panose="020B0706030804020204" pitchFamily="34" charset="0"/>
+            </a:endParaRPr>
+          </a:p>
+        </p:txBody>
+      </p:sp>
+      <p:cxnSp>
+        <p:nvCxnSpPr>
+          <p:cNvPr id="108" name="Connecteur droit avec flèche 107"/>
+          <p:cNvCxnSpPr/>
+          <p:nvPr/>
+        </p:nvCxnSpPr>
+        <p:spPr>
+          <a:xfrm rot="16200000" flipV="1">
+            <a:off x="4212225" y="3983125"/>
+            <a:ext cx="0" cy="252000"/>
+          </a:xfrm>
+          <a:prstGeom prst="straightConnector1">
+            <a:avLst/>
+          </a:prstGeom>
+          <a:ln w="6350">
+            <a:solidFill>
+              <a:schemeClr val="tx1"/>
+            </a:solidFill>
+            <a:prstDash val="solid"/>
+            <a:headEnd type="none" w="med" len="med"/>
+            <a:tailEnd type="triangle" w="med" len="med"/>
+          </a:ln>
+        </p:spPr>
+        <p:style>
+          <a:lnRef idx="1">
+            <a:schemeClr val="dk1"/>
+          </a:lnRef>
+          <a:fillRef idx="0">
+            <a:schemeClr val="dk1"/>
+          </a:fillRef>
+          <a:effectRef idx="0">
+            <a:schemeClr val="dk1"/>
+          </a:effectRef>
+          <a:fontRef idx="minor">
+            <a:schemeClr val="tx1"/>
+          </a:fontRef>
+        </p:style>
+      </p:cxnSp>
+      <p:pic>
+        <p:nvPicPr>
+          <p:cNvPr id="115" name="Image 114"/>
+          <p:cNvPicPr>
+            <a:picLocks noChangeAspect="1"/>
+          </p:cNvPicPr>
+          <p:nvPr/>
+        </p:nvPicPr>
+        <p:blipFill>
+          <a:blip r:embed="rId2" cstate="print">
+            <a:extLst>
+              <a:ext uri="{28A0092B-C50C-407E-A947-70E740481C1C}">
+                <a14:useLocalDpi xmlns:a14="http://schemas.microsoft.com/office/drawing/2010/main" val="0"/>
+              </a:ext>
+            </a:extLst>
+          </a:blip>
+          <a:stretch>
+            <a:fillRect/>
+          </a:stretch>
+        </p:blipFill>
+        <p:spPr>
+          <a:xfrm>
+            <a:off x="4928474" y="1589775"/>
+            <a:ext cx="612000" cy="612000"/>
+          </a:xfrm>
+          <a:prstGeom prst="rect">
+            <a:avLst/>
+          </a:prstGeom>
+        </p:spPr>
+      </p:pic>
+      <p:pic>
+        <p:nvPicPr>
+          <p:cNvPr id="116" name="Image 115"/>
+          <p:cNvPicPr>
+            <a:picLocks noChangeAspect="1"/>
+          </p:cNvPicPr>
+          <p:nvPr/>
+        </p:nvPicPr>
+        <p:blipFill>
+          <a:blip r:embed="rId3" cstate="print">
+            <a:extLst>
+              <a:ext uri="{28A0092B-C50C-407E-A947-70E740481C1C}">
+                <a14:useLocalDpi xmlns:a14="http://schemas.microsoft.com/office/drawing/2010/main" val="0"/>
+              </a:ext>
+            </a:extLst>
+          </a:blip>
+          <a:stretch>
+            <a:fillRect/>
+          </a:stretch>
+        </p:blipFill>
+        <p:spPr>
+          <a:xfrm>
+            <a:off x="4916216" y="3907900"/>
+            <a:ext cx="612000" cy="612000"/>
+          </a:xfrm>
+          <a:prstGeom prst="rect">
+            <a:avLst/>
+          </a:prstGeom>
+        </p:spPr>
+      </p:pic>
+      <p:sp>
+        <p:nvSpPr>
+          <p:cNvPr id="120" name="ZoneTexte 119"/>
+          <p:cNvSpPr txBox="1"/>
+          <p:nvPr/>
+        </p:nvSpPr>
+        <p:spPr>
+          <a:xfrm>
+            <a:off x="3423112" y="4714794"/>
+            <a:ext cx="1562949" cy="415498"/>
+          </a:xfrm>
+          <a:prstGeom prst="rect">
+            <a:avLst/>
+          </a:prstGeom>
+          <a:noFill/>
+          <a:ln>
+            <a:noFill/>
+          </a:ln>
+        </p:spPr>
+        <p:txBody>
+          <a:bodyPr wrap="square" rtlCol="0">
+            <a:spAutoFit/>
+          </a:bodyPr>
+          <a:lstStyle/>
+          <a:p>
+            <a:pPr algn="ctr"/>
+            <a:r>
+              <a:rPr lang="en-US" sz="1000" dirty="0" smtClean="0">
+                <a:latin typeface="Open Sans Semibold" panose="020B0706030804020204" pitchFamily="34" charset="0"/>
+                <a:ea typeface="Open Sans Semibold" panose="020B0706030804020204" pitchFamily="34" charset="0"/>
+                <a:cs typeface="Open Sans Semibold" panose="020B0706030804020204" pitchFamily="34" charset="0"/>
+              </a:rPr>
+              <a:t>DEFAULT NETWORK</a:t>
+            </a:r>
+          </a:p>
+          <a:p>
+            <a:pPr algn="ctr"/>
+            <a:r>
+              <a:rPr lang="en-US" sz="1000" dirty="0" smtClean="0">
+                <a:latin typeface="Open Sans Semibold" panose="020B0706030804020204" pitchFamily="34" charset="0"/>
+                <a:ea typeface="Open Sans Semibold" panose="020B0706030804020204" pitchFamily="34" charset="0"/>
+                <a:cs typeface="Open Sans Semibold" panose="020B0706030804020204" pitchFamily="34" charset="0"/>
+              </a:rPr>
+              <a:t>FUNCTIONING</a:t>
+            </a:r>
+            <a:endParaRPr lang="en-US" sz="1000" dirty="0">
+              <a:latin typeface="Open Sans Semibold" panose="020B0706030804020204" pitchFamily="34" charset="0"/>
+              <a:ea typeface="Open Sans Semibold" panose="020B0706030804020204" pitchFamily="34" charset="0"/>
+              <a:cs typeface="Open Sans Semibold" panose="020B0706030804020204" pitchFamily="34" charset="0"/>
+            </a:endParaRPr>
+          </a:p>
+        </p:txBody>
+      </p:sp>
+      <p:cxnSp>
+        <p:nvCxnSpPr>
+          <p:cNvPr id="124" name="Connecteur droit avec flèche 123"/>
+          <p:cNvCxnSpPr/>
+          <p:nvPr/>
+        </p:nvCxnSpPr>
+        <p:spPr>
+          <a:xfrm flipV="1">
+            <a:off x="3837995" y="4363569"/>
+            <a:ext cx="0" cy="288000"/>
+          </a:xfrm>
+          <a:prstGeom prst="straightConnector1">
+            <a:avLst/>
+          </a:prstGeom>
+          <a:ln w="12700">
+            <a:solidFill>
+              <a:schemeClr val="tx1"/>
+            </a:solidFill>
+            <a:prstDash val="solid"/>
+            <a:tailEnd type="triangle"/>
+          </a:ln>
+        </p:spPr>
+        <p:style>
+          <a:lnRef idx="1">
+            <a:schemeClr val="dk1"/>
+          </a:lnRef>
+          <a:fillRef idx="0">
+            <a:schemeClr val="dk1"/>
+          </a:fillRef>
+          <a:effectRef idx="0">
+            <a:schemeClr val="dk1"/>
+          </a:effectRef>
+          <a:fontRef idx="minor">
+            <a:schemeClr val="tx1"/>
+          </a:fontRef>
+        </p:style>
+      </p:cxnSp>
+      <p:cxnSp>
+        <p:nvCxnSpPr>
+          <p:cNvPr id="127" name="Connecteur droit avec flèche 126"/>
+          <p:cNvCxnSpPr/>
+          <p:nvPr/>
+        </p:nvCxnSpPr>
+        <p:spPr>
+          <a:xfrm>
+            <a:off x="4933203" y="4915064"/>
+            <a:ext cx="900000" cy="0"/>
+          </a:xfrm>
+          <a:prstGeom prst="straightConnector1">
+            <a:avLst/>
+          </a:prstGeom>
+          <a:ln w="12700">
+            <a:solidFill>
+              <a:schemeClr val="tx1"/>
+            </a:solidFill>
+            <a:tailEnd type="triangle"/>
+          </a:ln>
+        </p:spPr>
+        <p:style>
+          <a:lnRef idx="1">
+            <a:schemeClr val="dk1"/>
+          </a:lnRef>
+          <a:fillRef idx="0">
+            <a:schemeClr val="dk1"/>
+          </a:fillRef>
+          <a:effectRef idx="0">
+            <a:schemeClr val="dk1"/>
+          </a:effectRef>
+          <a:fontRef idx="minor">
+            <a:schemeClr val="tx1"/>
+          </a:fontRef>
+        </p:style>
+      </p:cxnSp>
+      <p:grpSp>
+        <p:nvGrpSpPr>
+          <p:cNvPr id="135" name="Groupe 134"/>
+          <p:cNvGrpSpPr/>
+          <p:nvPr/>
+        </p:nvGrpSpPr>
+        <p:grpSpPr>
+          <a:xfrm>
+            <a:off x="7733692" y="3911075"/>
+            <a:ext cx="2298929" cy="845315"/>
+            <a:chOff x="8060487" y="4139202"/>
+            <a:chExt cx="2298929" cy="845315"/>
+          </a:xfrm>
+        </p:grpSpPr>
+        <p:grpSp>
+          <p:nvGrpSpPr>
+            <p:cNvPr id="132" name="Groupe 131"/>
+            <p:cNvGrpSpPr/>
+            <p:nvPr/>
+          </p:nvGrpSpPr>
+          <p:grpSpPr>
+            <a:xfrm>
+              <a:off x="8060487" y="4139202"/>
+              <a:ext cx="2298929" cy="845315"/>
+              <a:chOff x="7950777" y="4056747"/>
+              <a:chExt cx="2298929" cy="845315"/>
+            </a:xfrm>
+          </p:grpSpPr>
+          <p:grpSp>
+            <p:nvGrpSpPr>
+              <p:cNvPr id="45" name="Groupe 44"/>
+              <p:cNvGrpSpPr/>
+              <p:nvPr/>
+            </p:nvGrpSpPr>
+            <p:grpSpPr>
+              <a:xfrm>
+                <a:off x="7950777" y="4056747"/>
+                <a:ext cx="2257754" cy="845315"/>
+                <a:chOff x="8224417" y="3776041"/>
+                <a:chExt cx="2227776" cy="845315"/>
+              </a:xfrm>
+            </p:grpSpPr>
+            <p:sp>
+              <p:nvSpPr>
+                <p:cNvPr id="42" name="Rectangle 41"/>
+                <p:cNvSpPr/>
+                <p:nvPr/>
+              </p:nvSpPr>
+              <p:spPr>
+                <a:xfrm>
+                  <a:off x="8224417" y="3776041"/>
+                  <a:ext cx="2227776" cy="845315"/>
+                </a:xfrm>
+                <a:prstGeom prst="rect">
+                  <a:avLst/>
+                </a:prstGeom>
+                <a:noFill/>
+                <a:ln w="19050">
+                  <a:solidFill>
+                    <a:schemeClr val="bg2"/>
+                  </a:solidFill>
+                  <a:prstDash val="sysDash"/>
+                </a:ln>
+              </p:spPr>
+              <p:style>
+                <a:lnRef idx="2">
+                  <a:schemeClr val="accent1">
+                    <a:shade val="50000"/>
+                  </a:schemeClr>
+                </a:lnRef>
+                <a:fillRef idx="1">
+                  <a:schemeClr val="accent1"/>
+                </a:fillRef>
+                <a:effectRef idx="0">
+                  <a:schemeClr val="accent1"/>
+                </a:effectRef>
+                <a:fontRef idx="minor">
+                  <a:schemeClr val="lt1"/>
+                </a:fontRef>
+              </p:style>
+              <p:txBody>
+                <a:bodyPr rtlCol="0" anchor="ctr"/>
+                <a:lstStyle/>
+                <a:p>
+                  <a:pPr algn="ctr"/>
+                  <a:endParaRPr lang="en-US"/>
+                </a:p>
+              </p:txBody>
+            </p:sp>
+            <p:pic>
+              <p:nvPicPr>
+                <p:cNvPr id="43" name="Image 42"/>
+                <p:cNvPicPr>
+                  <a:picLocks noChangeAspect="1"/>
+                </p:cNvPicPr>
+                <p:nvPr/>
+              </p:nvPicPr>
+              <p:blipFill>
+                <a:blip r:embed="rId4" cstate="print">
+                  <a:extLst>
+                    <a:ext uri="{28A0092B-C50C-407E-A947-70E740481C1C}">
+                      <a14:useLocalDpi xmlns:a14="http://schemas.microsoft.com/office/drawing/2010/main" val="0"/>
+                    </a:ext>
+                  </a:extLst>
+                </a:blip>
+                <a:stretch>
+                  <a:fillRect/>
+                </a:stretch>
+              </p:blipFill>
+              <p:spPr>
+                <a:xfrm>
+                  <a:off x="8265045" y="3994844"/>
+                  <a:ext cx="216000" cy="216000"/>
+                </a:xfrm>
+                <a:prstGeom prst="rect">
+                  <a:avLst/>
+                </a:prstGeom>
+              </p:spPr>
+            </p:pic>
+            <p:pic>
+              <p:nvPicPr>
+                <p:cNvPr id="44" name="Image 43"/>
+                <p:cNvPicPr>
+                  <a:picLocks noChangeAspect="1"/>
+                </p:cNvPicPr>
+                <p:nvPr/>
+              </p:nvPicPr>
+              <p:blipFill>
+                <a:blip r:embed="rId5" cstate="print">
+                  <a:extLst>
+                    <a:ext uri="{28A0092B-C50C-407E-A947-70E740481C1C}">
+                      <a14:useLocalDpi xmlns:a14="http://schemas.microsoft.com/office/drawing/2010/main" val="0"/>
+                    </a:ext>
+                  </a:extLst>
+                </a:blip>
+                <a:stretch>
+                  <a:fillRect/>
+                </a:stretch>
+              </p:blipFill>
+              <p:spPr>
+                <a:xfrm>
+                  <a:off x="8265045" y="4338081"/>
+                  <a:ext cx="216000" cy="216000"/>
+                </a:xfrm>
+                <a:prstGeom prst="rect">
+                  <a:avLst/>
+                </a:prstGeom>
+              </p:spPr>
+            </p:pic>
+          </p:grpSp>
+          <p:sp>
+            <p:nvSpPr>
+              <p:cNvPr id="46" name="ZoneTexte 45"/>
+              <p:cNvSpPr txBox="1"/>
+              <p:nvPr/>
+            </p:nvSpPr>
+            <p:spPr>
+              <a:xfrm>
+                <a:off x="8163648" y="4268134"/>
+                <a:ext cx="2072058" cy="246221"/>
+              </a:xfrm>
+              <a:prstGeom prst="rect">
+                <a:avLst/>
+              </a:prstGeom>
+              <a:noFill/>
+            </p:spPr>
+            <p:txBody>
+              <a:bodyPr wrap="square" rtlCol="0">
+                <a:spAutoFit/>
+              </a:bodyPr>
+              <a:lstStyle/>
+              <a:p>
+                <a:r>
+                  <a:rPr lang="en-US" sz="1000" dirty="0" smtClean="0">
+                    <a:latin typeface="Open Sans" panose="020B0606030504020204" pitchFamily="34" charset="0"/>
+                    <a:ea typeface="Open Sans" panose="020B0606030504020204" pitchFamily="34" charset="0"/>
+                    <a:cs typeface="Open Sans" panose="020B0606030504020204" pitchFamily="34" charset="0"/>
+                  </a:rPr>
+                  <a:t>Factors </a:t>
+                </a:r>
+                <a:r>
+                  <a:rPr lang="en-US" sz="1000" b="1" dirty="0" smtClean="0">
+                    <a:solidFill>
+                      <a:srgbClr val="00B050"/>
+                    </a:solidFill>
+                    <a:latin typeface="Open Sans" panose="020B0606030504020204" pitchFamily="34" charset="0"/>
+                    <a:ea typeface="Open Sans" panose="020B0606030504020204" pitchFamily="34" charset="0"/>
+                    <a:cs typeface="Open Sans" panose="020B0606030504020204" pitchFamily="34" charset="0"/>
+                  </a:rPr>
+                  <a:t>promoting</a:t>
+                </a:r>
+                <a:r>
+                  <a:rPr lang="en-US" sz="1000" dirty="0" smtClean="0">
+                    <a:solidFill>
+                      <a:srgbClr val="00B050"/>
+                    </a:solidFill>
+                    <a:latin typeface="Open Sans" panose="020B0606030504020204" pitchFamily="34" charset="0"/>
+                    <a:ea typeface="Open Sans" panose="020B0606030504020204" pitchFamily="34" charset="0"/>
+                    <a:cs typeface="Open Sans" panose="020B0606030504020204" pitchFamily="34" charset="0"/>
+                  </a:rPr>
+                  <a:t> </a:t>
+                </a:r>
+                <a:r>
+                  <a:rPr lang="en-US" sz="1000" dirty="0" smtClean="0">
+                    <a:latin typeface="Open Sans" panose="020B0606030504020204" pitchFamily="34" charset="0"/>
+                    <a:ea typeface="Open Sans" panose="020B0606030504020204" pitchFamily="34" charset="0"/>
+                    <a:cs typeface="Open Sans" panose="020B0606030504020204" pitchFamily="34" charset="0"/>
+                  </a:rPr>
+                  <a:t>dream recall</a:t>
+                </a:r>
+                <a:endParaRPr lang="en-US" sz="1000" dirty="0">
+                  <a:latin typeface="Open Sans" panose="020B0606030504020204" pitchFamily="34" charset="0"/>
+                  <a:ea typeface="Open Sans" panose="020B0606030504020204" pitchFamily="34" charset="0"/>
+                  <a:cs typeface="Open Sans" panose="020B0606030504020204" pitchFamily="34" charset="0"/>
+                </a:endParaRPr>
+              </a:p>
+            </p:txBody>
+          </p:sp>
+          <p:sp>
+            <p:nvSpPr>
+              <p:cNvPr id="47" name="ZoneTexte 46"/>
+              <p:cNvSpPr txBox="1"/>
+              <p:nvPr/>
+            </p:nvSpPr>
+            <p:spPr>
+              <a:xfrm>
+                <a:off x="8163648" y="4611371"/>
+                <a:ext cx="2086058" cy="246221"/>
+              </a:xfrm>
+              <a:prstGeom prst="rect">
+                <a:avLst/>
+              </a:prstGeom>
+              <a:noFill/>
+            </p:spPr>
+            <p:txBody>
+              <a:bodyPr wrap="square" rtlCol="0">
+                <a:spAutoFit/>
+              </a:bodyPr>
+              <a:lstStyle/>
+              <a:p>
+                <a:r>
+                  <a:rPr lang="en-US" sz="1000" dirty="0" smtClean="0">
+                    <a:latin typeface="Open Sans" panose="020B0606030504020204" pitchFamily="34" charset="0"/>
+                    <a:ea typeface="Open Sans" panose="020B0606030504020204" pitchFamily="34" charset="0"/>
+                    <a:cs typeface="Open Sans" panose="020B0606030504020204" pitchFamily="34" charset="0"/>
+                  </a:rPr>
+                  <a:t>Factors </a:t>
+                </a:r>
+                <a:r>
+                  <a:rPr lang="en-US" sz="1000" b="1" dirty="0" smtClean="0">
+                    <a:solidFill>
+                      <a:srgbClr val="FF0000"/>
+                    </a:solidFill>
+                    <a:latin typeface="Open Sans" panose="020B0606030504020204" pitchFamily="34" charset="0"/>
+                    <a:ea typeface="Open Sans" panose="020B0606030504020204" pitchFamily="34" charset="0"/>
+                    <a:cs typeface="Open Sans" panose="020B0606030504020204" pitchFamily="34" charset="0"/>
+                  </a:rPr>
+                  <a:t>preventing</a:t>
+                </a:r>
+                <a:r>
+                  <a:rPr lang="en-US" sz="1000" b="1" dirty="0" smtClean="0">
+                    <a:solidFill>
+                      <a:srgbClr val="00B050"/>
+                    </a:solidFill>
+                    <a:latin typeface="Open Sans" panose="020B0606030504020204" pitchFamily="34" charset="0"/>
+                    <a:ea typeface="Open Sans" panose="020B0606030504020204" pitchFamily="34" charset="0"/>
+                    <a:cs typeface="Open Sans" panose="020B0606030504020204" pitchFamily="34" charset="0"/>
+                  </a:rPr>
+                  <a:t> </a:t>
+                </a:r>
+                <a:r>
+                  <a:rPr lang="en-US" sz="1000" dirty="0" smtClean="0">
+                    <a:latin typeface="Open Sans" panose="020B0606030504020204" pitchFamily="34" charset="0"/>
+                    <a:ea typeface="Open Sans" panose="020B0606030504020204" pitchFamily="34" charset="0"/>
+                    <a:cs typeface="Open Sans" panose="020B0606030504020204" pitchFamily="34" charset="0"/>
+                  </a:rPr>
+                  <a:t>dream recall</a:t>
+                </a:r>
+                <a:endParaRPr lang="en-US" sz="1000" dirty="0">
+                  <a:latin typeface="Open Sans" panose="020B0606030504020204" pitchFamily="34" charset="0"/>
+                  <a:ea typeface="Open Sans" panose="020B0606030504020204" pitchFamily="34" charset="0"/>
+                  <a:cs typeface="Open Sans" panose="020B0606030504020204" pitchFamily="34" charset="0"/>
+                </a:endParaRPr>
+              </a:p>
+            </p:txBody>
+          </p:sp>
+        </p:grpSp>
+        <p:sp>
+          <p:nvSpPr>
+            <p:cNvPr id="134" name="ZoneTexte 133"/>
+            <p:cNvSpPr txBox="1"/>
+            <p:nvPr/>
+          </p:nvSpPr>
+          <p:spPr>
+            <a:xfrm>
+              <a:off x="8060487" y="4139202"/>
+              <a:ext cx="2257754" cy="246221"/>
+            </a:xfrm>
+            <a:prstGeom prst="rect">
+              <a:avLst/>
+            </a:prstGeom>
+            <a:noFill/>
+          </p:spPr>
+          <p:txBody>
+            <a:bodyPr wrap="square" rtlCol="0">
+              <a:spAutoFit/>
+            </a:bodyPr>
+            <a:lstStyle/>
+            <a:p>
+              <a:pPr algn="ctr"/>
+              <a:r>
+                <a:rPr lang="en-US" sz="1000" dirty="0" smtClean="0">
+                  <a:latin typeface="Open Sans Light" panose="020B0306030504020204" pitchFamily="34" charset="0"/>
+                  <a:ea typeface="Open Sans Light" panose="020B0306030504020204" pitchFamily="34" charset="0"/>
+                  <a:cs typeface="Open Sans Light" panose="020B0306030504020204" pitchFamily="34" charset="0"/>
+                </a:rPr>
+                <a:t>LEGEND</a:t>
+              </a:r>
+              <a:endParaRPr lang="en-US" sz="1000" dirty="0">
+                <a:latin typeface="Open Sans Light" panose="020B0306030504020204" pitchFamily="34" charset="0"/>
+                <a:ea typeface="Open Sans Light" panose="020B0306030504020204" pitchFamily="34" charset="0"/>
+                <a:cs typeface="Open Sans Light" panose="020B0306030504020204" pitchFamily="34" charset="0"/>
+              </a:endParaRPr>
+            </a:p>
+          </p:txBody>
+        </p:sp>
+      </p:grpSp>
+      <p:cxnSp>
+        <p:nvCxnSpPr>
+          <p:cNvPr id="141" name="Connecteur en angle 140"/>
+          <p:cNvCxnSpPr/>
+          <p:nvPr/>
+        </p:nvCxnSpPr>
+        <p:spPr>
+          <a:xfrm rot="10800000" flipV="1">
+            <a:off x="2355156" y="1245484"/>
+            <a:ext cx="1836000" cy="3672000"/>
+          </a:xfrm>
+          <a:prstGeom prst="bentConnector3">
+            <a:avLst>
+              <a:gd name="adj1" fmla="val 99997"/>
+            </a:avLst>
+          </a:prstGeom>
+          <a:ln w="12700">
+            <a:solidFill>
+              <a:schemeClr val="tx1"/>
+            </a:solidFill>
+            <a:prstDash val="solid"/>
+            <a:headEnd type="triangle" w="med" len="med"/>
+            <a:tailEnd type="none" w="med" len="med"/>
+          </a:ln>
+        </p:spPr>
+        <p:style>
+          <a:lnRef idx="1">
+            <a:schemeClr val="accent1"/>
+          </a:lnRef>
+          <a:fillRef idx="0">
+            <a:schemeClr val="accent1"/>
+          </a:fillRef>
+          <a:effectRef idx="0">
+            <a:schemeClr val="accent1"/>
+          </a:effectRef>
+          <a:fontRef idx="minor">
+            <a:schemeClr val="tx1"/>
+          </a:fontRef>
+        </p:style>
+      </p:cxnSp>
+      <p:cxnSp>
+        <p:nvCxnSpPr>
+          <p:cNvPr id="159" name="Connecteur droit avec flèche 158"/>
+          <p:cNvCxnSpPr>
+            <a:endCxn id="39" idx="0"/>
+          </p:cNvCxnSpPr>
+          <p:nvPr/>
+        </p:nvCxnSpPr>
+        <p:spPr>
+          <a:xfrm>
+            <a:off x="5897350" y="1484313"/>
+            <a:ext cx="362629" cy="335227"/>
+          </a:xfrm>
+          <a:prstGeom prst="straightConnector1">
+            <a:avLst/>
+          </a:prstGeom>
+          <a:ln w="12700">
+            <a:solidFill>
+              <a:schemeClr val="tx1"/>
+            </a:solidFill>
+            <a:prstDash val="solid"/>
+            <a:tailEnd type="triangle"/>
+          </a:ln>
+        </p:spPr>
+        <p:style>
+          <a:lnRef idx="1">
+            <a:schemeClr val="dk1"/>
+          </a:lnRef>
+          <a:fillRef idx="0">
+            <a:schemeClr val="dk1"/>
+          </a:fillRef>
+          <a:effectRef idx="0">
+            <a:schemeClr val="dk1"/>
+          </a:effectRef>
+          <a:fontRef idx="minor">
+            <a:schemeClr val="tx1"/>
+          </a:fontRef>
+        </p:style>
+      </p:cxnSp>
+      <p:cxnSp>
+        <p:nvCxnSpPr>
+          <p:cNvPr id="167" name="Connecteur droit avec flèche 166"/>
+          <p:cNvCxnSpPr/>
+          <p:nvPr/>
+        </p:nvCxnSpPr>
+        <p:spPr>
+          <a:xfrm>
+            <a:off x="2351754" y="4910958"/>
+            <a:ext cx="1116000" cy="0"/>
+          </a:xfrm>
+          <a:prstGeom prst="straightConnector1">
+            <a:avLst/>
+          </a:prstGeom>
+          <a:ln w="12700">
+            <a:solidFill>
+              <a:schemeClr val="tx1"/>
+            </a:solidFill>
+            <a:prstDash val="solid"/>
+            <a:tailEnd type="triangle"/>
+          </a:ln>
+        </p:spPr>
+        <p:style>
+          <a:lnRef idx="1">
+            <a:schemeClr val="dk1"/>
+          </a:lnRef>
+          <a:fillRef idx="0">
+            <a:schemeClr val="dk1"/>
+          </a:fillRef>
+          <a:effectRef idx="0">
+            <a:schemeClr val="dk1"/>
+          </a:effectRef>
+          <a:fontRef idx="minor">
+            <a:schemeClr val="tx1"/>
+          </a:fontRef>
+        </p:style>
+      </p:cxnSp>
+      <p:sp>
+        <p:nvSpPr>
+          <p:cNvPr id="49" name="Rectangle 48"/>
+          <p:cNvSpPr/>
+          <p:nvPr/>
+        </p:nvSpPr>
+        <p:spPr>
+          <a:xfrm>
+            <a:off x="6583584" y="2421713"/>
+            <a:ext cx="1368000" cy="1224000"/>
+          </a:xfrm>
+          <a:prstGeom prst="rect">
+            <a:avLst/>
+          </a:prstGeom>
+          <a:solidFill>
+            <a:schemeClr val="bg1">
+              <a:lumMod val="95000"/>
+            </a:schemeClr>
+          </a:solidFill>
+          <a:ln>
+            <a:noFill/>
+          </a:ln>
+          <a:effectLst>
+            <a:outerShdw blurRad="25400" dist="38100" dir="2700000" algn="tl" rotWithShape="0">
+              <a:schemeClr val="bg2">
+                <a:lumMod val="90000"/>
+                <a:alpha val="40000"/>
+              </a:schemeClr>
+            </a:outerShdw>
+          </a:effectLst>
+        </p:spPr>
+        <p:style>
+          <a:lnRef idx="2">
+            <a:schemeClr val="accent1">
+              <a:shade val="50000"/>
+            </a:schemeClr>
+          </a:lnRef>
+          <a:fillRef idx="1">
+            <a:schemeClr val="accent1"/>
+          </a:fillRef>
+          <a:effectRef idx="0">
+            <a:schemeClr val="accent1"/>
+          </a:effectRef>
+          <a:fontRef idx="minor">
+            <a:schemeClr val="lt1"/>
+          </a:fontRef>
+        </p:style>
+        <p:txBody>
+          <a:bodyPr rtlCol="0" anchor="ctr"/>
+          <a:lstStyle/>
+          <a:p>
+            <a:pPr algn="ctr"/>
+            <a:r>
+              <a:rPr lang="en-US" sz="1600" dirty="0" smtClean="0">
+                <a:solidFill>
+                  <a:schemeClr val="tx1"/>
+                </a:solidFill>
+                <a:latin typeface="Open Sans Semibold" panose="020B0706030804020204" pitchFamily="34" charset="0"/>
+                <a:ea typeface="Open Sans Semibold" panose="020B0706030804020204" pitchFamily="34" charset="0"/>
+                <a:cs typeface="Open Sans Semibold" panose="020B0706030804020204" pitchFamily="34" charset="0"/>
+              </a:rPr>
+              <a:t>Long-term</a:t>
+            </a:r>
+          </a:p>
+          <a:p>
+            <a:pPr algn="ctr"/>
+            <a:r>
+              <a:rPr lang="en-US" sz="1600" dirty="0" smtClean="0">
+                <a:solidFill>
+                  <a:schemeClr val="tx1"/>
+                </a:solidFill>
+                <a:latin typeface="Open Sans Light" panose="020B0306030504020204" pitchFamily="34" charset="0"/>
+                <a:ea typeface="Open Sans Light" panose="020B0306030504020204" pitchFamily="34" charset="0"/>
+                <a:cs typeface="Open Sans Light" panose="020B0306030504020204" pitchFamily="34" charset="0"/>
+              </a:rPr>
+              <a:t>Memory</a:t>
+            </a:r>
+            <a:endParaRPr lang="en-US" sz="1600" dirty="0">
+              <a:solidFill>
+                <a:schemeClr val="tx1"/>
+              </a:solidFill>
+              <a:latin typeface="Open Sans Light" panose="020B0306030504020204" pitchFamily="34" charset="0"/>
+              <a:ea typeface="Open Sans Light" panose="020B0306030504020204" pitchFamily="34" charset="0"/>
+              <a:cs typeface="Open Sans Light" panose="020B0306030504020204" pitchFamily="34" charset="0"/>
+            </a:endParaRPr>
+          </a:p>
+        </p:txBody>
+      </p:sp>
+      <p:sp>
+        <p:nvSpPr>
+          <p:cNvPr id="50" name="Flèche droite 49"/>
+          <p:cNvSpPr/>
+          <p:nvPr/>
+        </p:nvSpPr>
+        <p:spPr>
+          <a:xfrm>
+            <a:off x="8095210" y="2925281"/>
+            <a:ext cx="360000" cy="216000"/>
+          </a:xfrm>
+          <a:prstGeom prst="rightArrow">
+            <a:avLst>
+              <a:gd name="adj1" fmla="val 50000"/>
+              <a:gd name="adj2" fmla="val 66282"/>
+            </a:avLst>
+          </a:prstGeom>
+          <a:solidFill>
+            <a:schemeClr val="bg2">
+              <a:lumMod val="10000"/>
+            </a:schemeClr>
+          </a:solidFill>
+          <a:ln>
+            <a:noFill/>
+          </a:ln>
+        </p:spPr>
+        <p:style>
+          <a:lnRef idx="2">
+            <a:schemeClr val="accent1">
+              <a:shade val="50000"/>
+            </a:schemeClr>
+          </a:lnRef>
+          <a:fillRef idx="1">
+            <a:schemeClr val="accent1"/>
+          </a:fillRef>
+          <a:effectRef idx="0">
+            <a:schemeClr val="accent1"/>
+          </a:effectRef>
+          <a:fontRef idx="minor">
+            <a:schemeClr val="lt1"/>
+          </a:fontRef>
+        </p:style>
+        <p:txBody>
+          <a:bodyPr rtlCol="0" anchor="ctr"/>
+          <a:lstStyle/>
+          <a:p>
+            <a:pPr algn="ctr"/>
+            <a:endParaRPr lang="en-US"/>
+          </a:p>
+        </p:txBody>
+      </p:sp>
+      <p:cxnSp>
+        <p:nvCxnSpPr>
+          <p:cNvPr id="51" name="Connecteur droit avec flèche 50"/>
+          <p:cNvCxnSpPr/>
+          <p:nvPr/>
+        </p:nvCxnSpPr>
+        <p:spPr>
+          <a:xfrm flipV="1">
+            <a:off x="4572000" y="4375900"/>
+            <a:ext cx="0" cy="288000"/>
+          </a:xfrm>
+          <a:prstGeom prst="straightConnector1">
+            <a:avLst/>
+          </a:prstGeom>
+          <a:ln w="12700">
+            <a:solidFill>
+              <a:schemeClr val="tx1"/>
+            </a:solidFill>
+            <a:prstDash val="solid"/>
+            <a:tailEnd type="triangle"/>
+          </a:ln>
+        </p:spPr>
+        <p:style>
+          <a:lnRef idx="1">
+            <a:schemeClr val="dk1"/>
+          </a:lnRef>
+          <a:fillRef idx="0">
+            <a:schemeClr val="dk1"/>
+          </a:fillRef>
+          <a:effectRef idx="0">
+            <a:schemeClr val="dk1"/>
+          </a:effectRef>
+          <a:fontRef idx="minor">
+            <a:schemeClr val="tx1"/>
+          </a:fontRef>
+        </p:style>
+      </p:cxnSp>
     </p:spTree>
     <p:extLst>
       <p:ext uri="{BB962C8B-B14F-4D97-AF65-F5344CB8AC3E}">
-        <p14:creationId xmlns:p14="http://schemas.microsoft.com/office/powerpoint/2010/main" val="1785080441"/>
+        <p14:creationId xmlns:p14="http://schemas.microsoft.com/office/powerpoint/2010/main" val="49196741"/>
       </p:ext>
     </p:extLst>
   </p:cSld>
   <p:clrMapOvr>
     <a:masterClrMapping/>
   </p:clrMapOvr>
+  <p:timing>
+    <p:tnLst>
+      <p:par>
+        <p:cTn id="1" dur="indefinite" restart="never" nodeType="tmRoot"/>
+      </p:par>
+    </p:tnLst>
+  </p:timing>
 </p:sld>
 </file>
 
@@ -3354,6 +4925,49 @@
           <a:chExt cx="0" cy="0"/>
         </a:xfrm>
       </p:grpSpPr>
+      <p:cxnSp>
+        <p:nvCxnSpPr>
+          <p:cNvPr id="3" name="Connecteur droit avec flèche 2"/>
+          <p:cNvCxnSpPr>
+            <a:stCxn id="85" idx="3"/>
+            <a:endCxn id="39" idx="1"/>
+          </p:cNvCxnSpPr>
+          <p:nvPr/>
+        </p:nvCxnSpPr>
+        <p:spPr>
+          <a:xfrm flipV="1">
+            <a:off x="4986833" y="2027289"/>
+            <a:ext cx="1224849" cy="0"/>
+          </a:xfrm>
+          <a:prstGeom prst="straightConnector1">
+            <a:avLst/>
+          </a:prstGeom>
+          <a:ln w="9525">
+            <a:solidFill>
+              <a:schemeClr val="bg2">
+                <a:lumMod val="90000"/>
+              </a:schemeClr>
+            </a:solidFill>
+            <a:prstDash val="sysDot"/>
+            <a:headEnd type="triangle" w="med" len="med"/>
+            <a:tailEnd type="triangle" w="med" len="med"/>
+          </a:ln>
+        </p:spPr>
+        <p:style>
+          <a:lnRef idx="1">
+            <a:schemeClr val="accent1"/>
+          </a:lnRef>
+          <a:fillRef idx="0">
+            <a:schemeClr val="accent1"/>
+          </a:fillRef>
+          <a:effectRef idx="0">
+            <a:schemeClr val="accent1"/>
+          </a:effectRef>
+          <a:fontRef idx="minor">
+            <a:schemeClr val="tx1"/>
+          </a:fontRef>
+        </p:style>
+      </p:cxnSp>
       <p:sp>
         <p:nvSpPr>
           <p:cNvPr id="4" name="Rectangle 3"/>
@@ -3362,20 +4976,28 @@
         </p:nvSpPr>
         <p:spPr>
           <a:xfrm>
-            <a:off x="4436668" y="3353029"/>
-            <a:ext cx="1440000" cy="872357"/>
+            <a:off x="2488399" y="2241281"/>
+            <a:ext cx="1368000" cy="1584000"/>
           </a:xfrm>
           <a:prstGeom prst="rect">
             <a:avLst/>
           </a:prstGeom>
           <a:solidFill>
-            <a:srgbClr val="222A29"/>
+            <a:schemeClr val="tx2">
+              <a:lumMod val="50000"/>
+            </a:schemeClr>
           </a:solidFill>
-          <a:ln w="12700">
-            <a:solidFill>
-              <a:schemeClr val="tx1"/>
-            </a:solidFill>
+          <a:ln>
+            <a:noFill/>
           </a:ln>
+          <a:effectLst>
+            <a:outerShdw blurRad="25400" dist="38100" dir="2700000" algn="tl" rotWithShape="0">
+              <a:schemeClr val="bg2">
+                <a:lumMod val="90000"/>
+                <a:alpha val="40000"/>
+              </a:schemeClr>
+            </a:outerShdw>
+          </a:effectLst>
         </p:spPr>
         <p:style>
           <a:lnRef idx="2">
@@ -3394,61 +5016,62 @@
           </a:fontRef>
         </p:style>
         <p:txBody>
-          <a:bodyPr rot="0" spcFirstLastPara="0" vertOverflow="overflow" horzOverflow="overflow" vert="horz" wrap="square" lIns="91439" tIns="45720" rIns="91439" bIns="45720" numCol="1" spcCol="0" rtlCol="0" fromWordArt="0" anchor="ctr" anchorCtr="0" forceAA="0" compatLnSpc="1">
-            <a:prstTxWarp prst="textNoShape">
-              <a:avLst/>
-            </a:prstTxWarp>
-            <a:noAutofit/>
-          </a:bodyPr>
+          <a:bodyPr rtlCol="0" anchor="ctr"/>
           <a:lstStyle/>
           <a:p>
-            <a:pPr algn="ctr">
-              <a:lnSpc>
-                <a:spcPct val="150000"/>
-              </a:lnSpc>
-            </a:pPr>
-            <a:r>
-              <a:rPr lang="en-US" sz="1151" dirty="0">
-                <a:solidFill>
-                  <a:schemeClr val="bg1"/>
-                </a:solidFill>
-                <a:latin typeface="Helvetica Neue" panose="02000503000000020004" pitchFamily="50"/>
+            <a:pPr algn="ctr"/>
+            <a:r>
+              <a:rPr lang="en-US" sz="1600" dirty="0">
+                <a:latin typeface="Open Sans Light" panose="020B0306030504020204" pitchFamily="34" charset="0"/>
+                <a:ea typeface="Open Sans Light" panose="020B0306030504020204" pitchFamily="34" charset="0"/>
+                <a:cs typeface="Open Sans Light" panose="020B0306030504020204" pitchFamily="34" charset="0"/>
               </a:rPr>
-              <a:t>INTRA-SLEEP AWAKENINGS</a:t>
-            </a:r>
-            <a:endParaRPr lang="en-US" sz="1151" baseline="30000" dirty="0">
-              <a:solidFill>
-                <a:schemeClr val="bg1"/>
-              </a:solidFill>
-              <a:latin typeface="Helvetica Neue" panose="02000503000000020004" pitchFamily="50"/>
-            </a:endParaRPr>
-          </a:p>
-        </p:txBody>
-      </p:sp>
-      <p:sp>
-        <p:nvSpPr>
-          <p:cNvPr id="7" name="Rectangle 6"/>
+              <a:t>Dream</a:t>
+            </a:r>
+          </a:p>
+          <a:p>
+            <a:pPr algn="ctr"/>
+            <a:r>
+              <a:rPr lang="en-US" sz="1600" dirty="0">
+                <a:latin typeface="Open Sans Semibold" panose="020B0706030804020204" pitchFamily="34" charset="0"/>
+                <a:ea typeface="Open Sans Semibold" panose="020B0706030804020204" pitchFamily="34" charset="0"/>
+                <a:cs typeface="Open Sans Semibold" panose="020B0706030804020204" pitchFamily="34" charset="0"/>
+              </a:rPr>
+              <a:t>Experience</a:t>
+            </a:r>
+          </a:p>
+        </p:txBody>
+      </p:sp>
+      <p:sp>
+        <p:nvSpPr>
+          <p:cNvPr id="5" name="Rectangle 4"/>
           <p:cNvSpPr/>
           <p:nvPr/>
         </p:nvSpPr>
         <p:spPr>
           <a:xfrm>
-            <a:off x="6404698" y="2721088"/>
-            <a:ext cx="1502981" cy="872357"/>
+            <a:off x="4932443" y="2333566"/>
+            <a:ext cx="1368000" cy="1404000"/>
           </a:xfrm>
           <a:prstGeom prst="rect">
             <a:avLst/>
           </a:prstGeom>
           <a:solidFill>
-            <a:srgbClr val="E8ECEB"/>
+            <a:schemeClr val="bg1">
+              <a:lumMod val="95000"/>
+            </a:schemeClr>
           </a:solidFill>
-          <a:ln w="19050">
-            <a:solidFill>
+          <a:ln>
+            <a:noFill/>
+          </a:ln>
+          <a:effectLst>
+            <a:outerShdw blurRad="25400" dist="38100" dir="2700000" algn="tl" rotWithShape="0">
               <a:schemeClr val="bg2">
-                <a:lumMod val="25000"/>
+                <a:lumMod val="90000"/>
+                <a:alpha val="40000"/>
               </a:schemeClr>
-            </a:solidFill>
-          </a:ln>
+            </a:outerShdw>
+          </a:effectLst>
         </p:spPr>
         <p:style>
           <a:lnRef idx="2">
@@ -3467,33 +5090,42 @@
           </a:fontRef>
         </p:style>
         <p:txBody>
-          <a:bodyPr rot="0" spcFirstLastPara="0" vertOverflow="overflow" horzOverflow="overflow" vert="horz" wrap="square" lIns="91439" tIns="45720" rIns="91439" bIns="45720" numCol="1" spcCol="0" rtlCol="0" fromWordArt="0" anchor="ctr" anchorCtr="0" forceAA="0" compatLnSpc="1">
-            <a:prstTxWarp prst="textNoShape">
-              <a:avLst/>
-            </a:prstTxWarp>
-            <a:noAutofit/>
-          </a:bodyPr>
+          <a:bodyPr rtlCol="0" anchor="ctr"/>
           <a:lstStyle/>
           <a:p>
-            <a:pPr algn="ctr">
-              <a:lnSpc>
-                <a:spcPct val="150000"/>
-              </a:lnSpc>
-            </a:pPr>
-            <a:r>
-              <a:rPr lang="en-US" sz="1151" dirty="0">
+            <a:pPr algn="ctr"/>
+            <a:r>
+              <a:rPr lang="en-US" sz="1600" dirty="0" smtClean="0">
                 <a:solidFill>
                   <a:schemeClr val="tx1"/>
                 </a:solidFill>
-                <a:latin typeface="Helvetica Neue" panose="02000503000000020004" pitchFamily="50"/>
+                <a:latin typeface="Open Sans Semibold" panose="020B0706030804020204" pitchFamily="34" charset="0"/>
+                <a:ea typeface="Open Sans Semibold" panose="020B0706030804020204" pitchFamily="34" charset="0"/>
+                <a:cs typeface="Open Sans Semibold" panose="020B0706030804020204" pitchFamily="34" charset="0"/>
               </a:rPr>
-              <a:t>ENCODING OF DREAM CONTENT INTO MEMORY</a:t>
-            </a:r>
-            <a:endParaRPr lang="en-US" sz="1151" baseline="30000" dirty="0">
+              <a:t>Short-term</a:t>
+            </a:r>
+          </a:p>
+          <a:p>
+            <a:pPr algn="ctr"/>
+            <a:r>
+              <a:rPr lang="en-US" sz="1600" dirty="0" smtClean="0">
+                <a:solidFill>
+                  <a:schemeClr val="tx1"/>
+                </a:solidFill>
+                <a:latin typeface="Open Sans Light" panose="020B0306030504020204" pitchFamily="34" charset="0"/>
+                <a:ea typeface="Open Sans Light" panose="020B0306030504020204" pitchFamily="34" charset="0"/>
+                <a:cs typeface="Open Sans Light" panose="020B0306030504020204" pitchFamily="34" charset="0"/>
+              </a:rPr>
+              <a:t>Memory</a:t>
+            </a:r>
+            <a:endParaRPr lang="en-US" sz="1600" dirty="0">
               <a:solidFill>
                 <a:schemeClr val="tx1"/>
               </a:solidFill>
-              <a:latin typeface="Helvetica Neue" panose="02000503000000020004" pitchFamily="50"/>
+              <a:latin typeface="Open Sans Light" panose="020B0306030504020204" pitchFamily="34" charset="0"/>
+              <a:ea typeface="Open Sans Light" panose="020B0306030504020204" pitchFamily="34" charset="0"/>
+              <a:cs typeface="Open Sans Light" panose="020B0306030504020204" pitchFamily="34" charset="0"/>
             </a:endParaRPr>
           </a:p>
         </p:txBody>
@@ -3506,8 +5138,8 @@
         </p:nvSpPr>
         <p:spPr>
           <a:xfrm>
-            <a:off x="6266152" y="3908758"/>
-            <a:ext cx="763201" cy="477310"/>
+            <a:off x="3373901" y="3609839"/>
+            <a:ext cx="482498" cy="215444"/>
           </a:xfrm>
           <a:prstGeom prst="rect">
             <a:avLst/>
@@ -3520,162 +5152,45 @@
           </a:bodyPr>
           <a:lstStyle/>
           <a:p>
-            <a:pPr algn="ctr"/>
-            <a:r>
-              <a:rPr lang="en-US" sz="1251" dirty="0">
-                <a:latin typeface="Helvetica Neue" panose="02000503000000020004" pitchFamily="50"/>
+            <a:pPr algn="r"/>
+            <a:r>
+              <a:rPr lang="en-US" sz="800" dirty="0">
+                <a:solidFill>
+                  <a:srgbClr val="EDEFF3"/>
+                </a:solidFill>
+                <a:latin typeface="Open Sans" panose="020B0606030504020204" pitchFamily="34" charset="0"/>
+                <a:ea typeface="Open Sans" panose="020B0606030504020204" pitchFamily="34" charset="0"/>
+                <a:cs typeface="Open Sans" panose="020B0606030504020204" pitchFamily="34" charset="0"/>
               </a:rPr>
-              <a:t>Sleep </a:t>
-            </a:r>
-          </a:p>
-          <a:p>
-            <a:pPr algn="ctr"/>
-            <a:r>
-              <a:rPr lang="en-US" sz="1251" dirty="0">
-                <a:latin typeface="Helvetica Neue" panose="02000503000000020004" pitchFamily="50"/>
-              </a:rPr>
-              <a:t>inertia</a:t>
-            </a:r>
-            <a:endParaRPr lang="en-US" sz="1251" baseline="30000" dirty="0">
-              <a:latin typeface="Helvetica Neue" panose="02000503000000020004" pitchFamily="50"/>
-            </a:endParaRPr>
-          </a:p>
-        </p:txBody>
-      </p:sp>
-      <p:sp>
-        <p:nvSpPr>
-          <p:cNvPr id="9" name="ZoneTexte 8"/>
-          <p:cNvSpPr txBox="1"/>
-          <p:nvPr/>
-        </p:nvSpPr>
-        <p:spPr>
-          <a:xfrm>
-            <a:off x="6290523" y="4666701"/>
-            <a:ext cx="1735696" cy="284822"/>
-          </a:xfrm>
-          <a:prstGeom prst="rect">
-            <a:avLst/>
-          </a:prstGeom>
-          <a:noFill/>
-        </p:spPr>
-        <p:txBody>
-          <a:bodyPr wrap="square" rtlCol="0">
-            <a:spAutoFit/>
-          </a:bodyPr>
-          <a:lstStyle/>
-          <a:p>
-            <a:pPr algn="ctr"/>
-            <a:r>
-              <a:rPr lang="en-US" sz="1251" dirty="0">
-                <a:latin typeface="Helvetica Neue" panose="02000503000000020004" pitchFamily="50"/>
-              </a:rPr>
-              <a:t>Physiological context</a:t>
-            </a:r>
-            <a:endParaRPr lang="en-US" sz="1251" baseline="30000" dirty="0">
-              <a:latin typeface="Helvetica Neue" panose="02000503000000020004" pitchFamily="50"/>
-            </a:endParaRPr>
-          </a:p>
-        </p:txBody>
-      </p:sp>
-      <p:cxnSp>
-        <p:nvCxnSpPr>
-          <p:cNvPr id="19" name="Connecteur droit avec flèche 18"/>
-          <p:cNvCxnSpPr/>
-          <p:nvPr/>
-        </p:nvCxnSpPr>
-        <p:spPr>
-          <a:xfrm flipV="1">
-            <a:off x="6640797" y="4412897"/>
-            <a:ext cx="0" cy="216000"/>
-          </a:xfrm>
-          <a:prstGeom prst="straightConnector1">
-            <a:avLst/>
-          </a:prstGeom>
-          <a:ln w="12700">
-            <a:solidFill>
-              <a:schemeClr val="tx1">
-                <a:lumMod val="85000"/>
-                <a:lumOff val="15000"/>
-              </a:schemeClr>
-            </a:solidFill>
-            <a:tailEnd type="triangle"/>
-          </a:ln>
-        </p:spPr>
-        <p:style>
-          <a:lnRef idx="3">
-            <a:schemeClr val="dk1"/>
-          </a:lnRef>
-          <a:fillRef idx="0">
-            <a:schemeClr val="dk1"/>
-          </a:fillRef>
-          <a:effectRef idx="2">
-            <a:schemeClr val="dk1"/>
-          </a:effectRef>
-          <a:fontRef idx="minor">
-            <a:schemeClr val="tx1"/>
-          </a:fontRef>
-        </p:style>
-      </p:cxnSp>
-      <p:cxnSp>
-        <p:nvCxnSpPr>
-          <p:cNvPr id="20" name="Connecteur droit avec flèche 19"/>
-          <p:cNvCxnSpPr/>
-          <p:nvPr/>
-        </p:nvCxnSpPr>
-        <p:spPr>
-          <a:xfrm flipV="1">
-            <a:off x="6647408" y="3667014"/>
-            <a:ext cx="0" cy="216000"/>
-          </a:xfrm>
-          <a:prstGeom prst="straightConnector1">
-            <a:avLst/>
-          </a:prstGeom>
-          <a:ln w="12700">
-            <a:solidFill>
-              <a:schemeClr val="tx1">
-                <a:lumMod val="85000"/>
-                <a:lumOff val="15000"/>
-              </a:schemeClr>
-            </a:solidFill>
-            <a:tailEnd type="triangle"/>
-          </a:ln>
-        </p:spPr>
-        <p:style>
-          <a:lnRef idx="3">
-            <a:schemeClr val="dk1"/>
-          </a:lnRef>
-          <a:fillRef idx="0">
-            <a:schemeClr val="dk1"/>
-          </a:fillRef>
-          <a:effectRef idx="2">
-            <a:schemeClr val="dk1"/>
-          </a:effectRef>
-          <a:fontRef idx="minor">
-            <a:schemeClr val="tx1"/>
-          </a:fontRef>
-        </p:style>
-      </p:cxnSp>
-      <p:sp>
-        <p:nvSpPr>
-          <p:cNvPr id="26" name="Rectangle 25"/>
+              <a:t>Sleep</a:t>
+            </a:r>
+          </a:p>
+        </p:txBody>
+      </p:sp>
+      <p:sp>
+        <p:nvSpPr>
+          <p:cNvPr id="10" name="Flèche droite 9"/>
           <p:cNvSpPr/>
           <p:nvPr/>
         </p:nvSpPr>
         <p:spPr>
           <a:xfrm>
-            <a:off x="4436668" y="2083207"/>
-            <a:ext cx="1440000" cy="872357"/>
-          </a:xfrm>
-          <a:prstGeom prst="rect">
-            <a:avLst/>
+            <a:off x="4034421" y="2927667"/>
+            <a:ext cx="720000" cy="216000"/>
+          </a:xfrm>
+          <a:prstGeom prst="rightArrow">
+            <a:avLst>
+              <a:gd name="adj1" fmla="val 50000"/>
+              <a:gd name="adj2" fmla="val 66282"/>
+            </a:avLst>
           </a:prstGeom>
           <a:solidFill>
-            <a:srgbClr val="222A29"/>
+            <a:schemeClr val="bg2">
+              <a:lumMod val="10000"/>
+            </a:schemeClr>
           </a:solidFill>
-          <a:ln w="12700">
-            <a:solidFill>
-              <a:schemeClr val="tx1"/>
-            </a:solidFill>
+          <a:ln>
+            <a:noFill/>
           </a:ln>
         </p:spPr>
         <p:style>
@@ -3695,6 +5210,3681 @@
           </a:fontRef>
         </p:style>
         <p:txBody>
+          <a:bodyPr rtlCol="0" anchor="ctr"/>
+          <a:lstStyle/>
+          <a:p>
+            <a:pPr algn="ctr"/>
+            <a:endParaRPr lang="en-US" dirty="0"/>
+          </a:p>
+        </p:txBody>
+      </p:sp>
+      <p:sp>
+        <p:nvSpPr>
+          <p:cNvPr id="15" name="Flèche droite 14"/>
+          <p:cNvSpPr/>
+          <p:nvPr/>
+        </p:nvSpPr>
+        <p:spPr>
+          <a:xfrm>
+            <a:off x="6478465" y="2925713"/>
+            <a:ext cx="720000" cy="216000"/>
+          </a:xfrm>
+          <a:prstGeom prst="rightArrow">
+            <a:avLst>
+              <a:gd name="adj1" fmla="val 50000"/>
+              <a:gd name="adj2" fmla="val 66282"/>
+            </a:avLst>
+          </a:prstGeom>
+          <a:solidFill>
+            <a:schemeClr val="bg2">
+              <a:lumMod val="10000"/>
+            </a:schemeClr>
+          </a:solidFill>
+          <a:ln>
+            <a:noFill/>
+          </a:ln>
+        </p:spPr>
+        <p:style>
+          <a:lnRef idx="2">
+            <a:schemeClr val="accent1">
+              <a:shade val="50000"/>
+            </a:schemeClr>
+          </a:lnRef>
+          <a:fillRef idx="1">
+            <a:schemeClr val="accent1"/>
+          </a:fillRef>
+          <a:effectRef idx="0">
+            <a:schemeClr val="accent1"/>
+          </a:effectRef>
+          <a:fontRef idx="minor">
+            <a:schemeClr val="lt1"/>
+          </a:fontRef>
+        </p:style>
+        <p:txBody>
+          <a:bodyPr rtlCol="0" anchor="ctr"/>
+          <a:lstStyle/>
+          <a:p>
+            <a:pPr algn="ctr"/>
+            <a:endParaRPr lang="en-US"/>
+          </a:p>
+        </p:txBody>
+      </p:sp>
+      <p:cxnSp>
+        <p:nvCxnSpPr>
+          <p:cNvPr id="26" name="Connecteur droit avec flèche 25"/>
+          <p:cNvCxnSpPr/>
+          <p:nvPr/>
+        </p:nvCxnSpPr>
+        <p:spPr>
+          <a:xfrm flipV="1">
+            <a:off x="6840479" y="3387414"/>
+            <a:ext cx="0" cy="432000"/>
+          </a:xfrm>
+          <a:prstGeom prst="straightConnector1">
+            <a:avLst/>
+          </a:prstGeom>
+          <a:ln w="12700">
+            <a:solidFill>
+              <a:schemeClr val="tx1"/>
+            </a:solidFill>
+            <a:prstDash val="solid"/>
+            <a:tailEnd type="triangle"/>
+          </a:ln>
+        </p:spPr>
+        <p:style>
+          <a:lnRef idx="1">
+            <a:schemeClr val="dk1"/>
+          </a:lnRef>
+          <a:fillRef idx="0">
+            <a:schemeClr val="dk1"/>
+          </a:fillRef>
+          <a:effectRef idx="0">
+            <a:schemeClr val="dk1"/>
+          </a:effectRef>
+          <a:fontRef idx="minor">
+            <a:schemeClr val="tx1"/>
+          </a:fontRef>
+        </p:style>
+      </p:cxnSp>
+      <p:sp>
+        <p:nvSpPr>
+          <p:cNvPr id="27" name="ZoneTexte 26"/>
+          <p:cNvSpPr txBox="1"/>
+          <p:nvPr/>
+        </p:nvSpPr>
+        <p:spPr>
+          <a:xfrm>
+            <a:off x="6220840" y="3901376"/>
+            <a:ext cx="1229616" cy="415498"/>
+          </a:xfrm>
+          <a:prstGeom prst="rect">
+            <a:avLst/>
+          </a:prstGeom>
+          <a:noFill/>
+        </p:spPr>
+        <p:txBody>
+          <a:bodyPr wrap="square" rtlCol="0">
+            <a:spAutoFit/>
+          </a:bodyPr>
+          <a:lstStyle/>
+          <a:p>
+            <a:pPr algn="ctr"/>
+            <a:r>
+              <a:rPr lang="en-US" sz="1050" dirty="0" smtClean="0">
+                <a:solidFill>
+                  <a:srgbClr val="00B050"/>
+                </a:solidFill>
+                <a:latin typeface="Open Sans Semibold" panose="020B0706030804020204" pitchFamily="34" charset="0"/>
+                <a:ea typeface="Open Sans Semibold" panose="020B0706030804020204" pitchFamily="34" charset="0"/>
+                <a:cs typeface="Open Sans Semibold" panose="020B0706030804020204" pitchFamily="34" charset="0"/>
+              </a:rPr>
+              <a:t>Duration of awakenings</a:t>
+            </a:r>
+            <a:endParaRPr lang="en-US" sz="1050" dirty="0">
+              <a:solidFill>
+                <a:srgbClr val="00B050"/>
+              </a:solidFill>
+              <a:latin typeface="Open Sans Semibold" panose="020B0706030804020204" pitchFamily="34" charset="0"/>
+              <a:ea typeface="Open Sans Semibold" panose="020B0706030804020204" pitchFamily="34" charset="0"/>
+              <a:cs typeface="Open Sans Semibold" panose="020B0706030804020204" pitchFamily="34" charset="0"/>
+            </a:endParaRPr>
+          </a:p>
+        </p:txBody>
+      </p:sp>
+      <p:sp>
+        <p:nvSpPr>
+          <p:cNvPr id="30" name="Rectangle 29"/>
+          <p:cNvSpPr/>
+          <p:nvPr/>
+        </p:nvSpPr>
+        <p:spPr>
+          <a:xfrm>
+            <a:off x="9456501" y="2511281"/>
+            <a:ext cx="1368000" cy="1044000"/>
+          </a:xfrm>
+          <a:prstGeom prst="rect">
+            <a:avLst/>
+          </a:prstGeom>
+          <a:solidFill>
+            <a:srgbClr val="9CABC0"/>
+          </a:solidFill>
+          <a:ln>
+            <a:noFill/>
+          </a:ln>
+          <a:effectLst>
+            <a:outerShdw blurRad="25400" dist="38100" dir="2700000" algn="tl" rotWithShape="0">
+              <a:schemeClr val="bg2">
+                <a:lumMod val="90000"/>
+                <a:alpha val="40000"/>
+              </a:schemeClr>
+            </a:outerShdw>
+          </a:effectLst>
+        </p:spPr>
+        <p:style>
+          <a:lnRef idx="2">
+            <a:schemeClr val="accent1">
+              <a:shade val="50000"/>
+            </a:schemeClr>
+          </a:lnRef>
+          <a:fillRef idx="1">
+            <a:schemeClr val="accent1"/>
+          </a:fillRef>
+          <a:effectRef idx="0">
+            <a:schemeClr val="accent1"/>
+          </a:effectRef>
+          <a:fontRef idx="minor">
+            <a:schemeClr val="lt1"/>
+          </a:fontRef>
+        </p:style>
+        <p:txBody>
+          <a:bodyPr rtlCol="0" anchor="ctr"/>
+          <a:lstStyle/>
+          <a:p>
+            <a:pPr algn="ctr"/>
+            <a:r>
+              <a:rPr lang="en-US" sz="1600" dirty="0">
+                <a:solidFill>
+                  <a:schemeClr val="tx1"/>
+                </a:solidFill>
+                <a:latin typeface="Open Sans Light" panose="020B0306030504020204" pitchFamily="34" charset="0"/>
+                <a:ea typeface="Open Sans Light" panose="020B0306030504020204" pitchFamily="34" charset="0"/>
+                <a:cs typeface="Open Sans Light" panose="020B0306030504020204" pitchFamily="34" charset="0"/>
+              </a:rPr>
+              <a:t>Dream </a:t>
+            </a:r>
+            <a:r>
+              <a:rPr lang="en-US" sz="1600" dirty="0">
+                <a:solidFill>
+                  <a:schemeClr val="tx1"/>
+                </a:solidFill>
+                <a:latin typeface="Open Sans Semibold" panose="020B0706030804020204" pitchFamily="34" charset="0"/>
+                <a:ea typeface="Open Sans Semibold" panose="020B0706030804020204" pitchFamily="34" charset="0"/>
+                <a:cs typeface="Open Sans Semibold" panose="020B0706030804020204" pitchFamily="34" charset="0"/>
+              </a:rPr>
+              <a:t>Recall</a:t>
+            </a:r>
+          </a:p>
+        </p:txBody>
+      </p:sp>
+      <p:sp>
+        <p:nvSpPr>
+          <p:cNvPr id="32" name="ZoneTexte 31"/>
+          <p:cNvSpPr txBox="1"/>
+          <p:nvPr/>
+        </p:nvSpPr>
+        <p:spPr>
+          <a:xfrm>
+            <a:off x="10140501" y="3339837"/>
+            <a:ext cx="684000" cy="215444"/>
+          </a:xfrm>
+          <a:prstGeom prst="rect">
+            <a:avLst/>
+          </a:prstGeom>
+          <a:noFill/>
+        </p:spPr>
+        <p:txBody>
+          <a:bodyPr wrap="square" rtlCol="0">
+            <a:spAutoFit/>
+          </a:bodyPr>
+          <a:lstStyle/>
+          <a:p>
+            <a:pPr algn="r"/>
+            <a:r>
+              <a:rPr lang="en-US" sz="800" dirty="0">
+                <a:solidFill>
+                  <a:srgbClr val="222A35"/>
+                </a:solidFill>
+                <a:latin typeface="Open Sans" panose="020B0606030504020204" pitchFamily="34" charset="0"/>
+                <a:ea typeface="Open Sans" panose="020B0606030504020204" pitchFamily="34" charset="0"/>
+                <a:cs typeface="Open Sans" panose="020B0606030504020204" pitchFamily="34" charset="0"/>
+              </a:rPr>
+              <a:t>Wake</a:t>
+            </a:r>
+          </a:p>
+        </p:txBody>
+      </p:sp>
+      <p:cxnSp>
+        <p:nvCxnSpPr>
+          <p:cNvPr id="38" name="Connecteur droit avec flèche 37"/>
+          <p:cNvCxnSpPr/>
+          <p:nvPr/>
+        </p:nvCxnSpPr>
+        <p:spPr>
+          <a:xfrm>
+            <a:off x="6838465" y="2241550"/>
+            <a:ext cx="0" cy="432000"/>
+          </a:xfrm>
+          <a:prstGeom prst="straightConnector1">
+            <a:avLst/>
+          </a:prstGeom>
+          <a:ln w="12700">
+            <a:solidFill>
+              <a:schemeClr val="tx1"/>
+            </a:solidFill>
+            <a:prstDash val="solid"/>
+            <a:tailEnd type="triangle"/>
+          </a:ln>
+        </p:spPr>
+        <p:style>
+          <a:lnRef idx="1">
+            <a:schemeClr val="dk1"/>
+          </a:lnRef>
+          <a:fillRef idx="0">
+            <a:schemeClr val="dk1"/>
+          </a:fillRef>
+          <a:effectRef idx="0">
+            <a:schemeClr val="dk1"/>
+          </a:effectRef>
+          <a:fontRef idx="minor">
+            <a:schemeClr val="tx1"/>
+          </a:fontRef>
+        </p:style>
+      </p:cxnSp>
+      <p:sp>
+        <p:nvSpPr>
+          <p:cNvPr id="39" name="ZoneTexte 38"/>
+          <p:cNvSpPr txBox="1"/>
+          <p:nvPr/>
+        </p:nvSpPr>
+        <p:spPr>
+          <a:xfrm>
+            <a:off x="6211682" y="1819540"/>
+            <a:ext cx="1258823" cy="415498"/>
+          </a:xfrm>
+          <a:prstGeom prst="rect">
+            <a:avLst/>
+          </a:prstGeom>
+          <a:noFill/>
+        </p:spPr>
+        <p:txBody>
+          <a:bodyPr wrap="square" rtlCol="0">
+            <a:spAutoFit/>
+          </a:bodyPr>
+          <a:lstStyle/>
+          <a:p>
+            <a:pPr algn="ctr"/>
+            <a:r>
+              <a:rPr lang="en-US" sz="1050" dirty="0" smtClean="0">
+                <a:solidFill>
+                  <a:srgbClr val="FF0000"/>
+                </a:solidFill>
+                <a:latin typeface="Open Sans Semibold" panose="020B0706030804020204" pitchFamily="34" charset="0"/>
+                <a:ea typeface="Open Sans Semibold" panose="020B0706030804020204" pitchFamily="34" charset="0"/>
+                <a:cs typeface="Open Sans Semibold" panose="020B0706030804020204" pitchFamily="34" charset="0"/>
+              </a:rPr>
+              <a:t>Encoding</a:t>
+            </a:r>
+          </a:p>
+          <a:p>
+            <a:pPr algn="ctr"/>
+            <a:r>
+              <a:rPr lang="en-US" sz="1050" dirty="0" smtClean="0">
+                <a:solidFill>
+                  <a:srgbClr val="FF0000"/>
+                </a:solidFill>
+                <a:latin typeface="Open Sans Semibold" panose="020B0706030804020204" pitchFamily="34" charset="0"/>
+                <a:ea typeface="Open Sans Semibold" panose="020B0706030804020204" pitchFamily="34" charset="0"/>
+                <a:cs typeface="Open Sans Semibold" panose="020B0706030804020204" pitchFamily="34" charset="0"/>
+              </a:rPr>
+              <a:t>interferences</a:t>
+            </a:r>
+            <a:endParaRPr lang="en-US" sz="1050" dirty="0">
+              <a:solidFill>
+                <a:srgbClr val="FF0000"/>
+              </a:solidFill>
+              <a:latin typeface="Open Sans Semibold" panose="020B0706030804020204" pitchFamily="34" charset="0"/>
+              <a:ea typeface="Open Sans Semibold" panose="020B0706030804020204" pitchFamily="34" charset="0"/>
+              <a:cs typeface="Open Sans Semibold" panose="020B0706030804020204" pitchFamily="34" charset="0"/>
+            </a:endParaRPr>
+          </a:p>
+        </p:txBody>
+      </p:sp>
+      <p:cxnSp>
+        <p:nvCxnSpPr>
+          <p:cNvPr id="40" name="Connecteur droit avec flèche 39"/>
+          <p:cNvCxnSpPr/>
+          <p:nvPr/>
+        </p:nvCxnSpPr>
+        <p:spPr>
+          <a:xfrm flipV="1">
+            <a:off x="6840479" y="4365989"/>
+            <a:ext cx="0" cy="288000"/>
+          </a:xfrm>
+          <a:prstGeom prst="straightConnector1">
+            <a:avLst/>
+          </a:prstGeom>
+          <a:ln w="12700">
+            <a:solidFill>
+              <a:schemeClr val="tx1"/>
+            </a:solidFill>
+            <a:prstDash val="solid"/>
+            <a:tailEnd type="triangle"/>
+          </a:ln>
+        </p:spPr>
+        <p:style>
+          <a:lnRef idx="1">
+            <a:schemeClr val="dk1"/>
+          </a:lnRef>
+          <a:fillRef idx="0">
+            <a:schemeClr val="dk1"/>
+          </a:fillRef>
+          <a:effectRef idx="0">
+            <a:schemeClr val="dk1"/>
+          </a:effectRef>
+          <a:fontRef idx="minor">
+            <a:schemeClr val="tx1"/>
+          </a:fontRef>
+        </p:style>
+      </p:cxnSp>
+      <p:sp>
+        <p:nvSpPr>
+          <p:cNvPr id="41" name="ZoneTexte 40"/>
+          <p:cNvSpPr txBox="1"/>
+          <p:nvPr/>
+        </p:nvSpPr>
+        <p:spPr>
+          <a:xfrm>
+            <a:off x="6294731" y="4703104"/>
+            <a:ext cx="1086286" cy="415498"/>
+          </a:xfrm>
+          <a:prstGeom prst="rect">
+            <a:avLst/>
+          </a:prstGeom>
+          <a:noFill/>
+        </p:spPr>
+        <p:txBody>
+          <a:bodyPr wrap="square" rtlCol="0">
+            <a:spAutoFit/>
+          </a:bodyPr>
+          <a:lstStyle/>
+          <a:p>
+            <a:pPr algn="ctr"/>
+            <a:r>
+              <a:rPr lang="en-US" sz="1050" dirty="0" smtClean="0">
+                <a:solidFill>
+                  <a:srgbClr val="00B050"/>
+                </a:solidFill>
+                <a:latin typeface="Open Sans Semibold" panose="020B0706030804020204" pitchFamily="34" charset="0"/>
+                <a:ea typeface="Open Sans Semibold" panose="020B0706030804020204" pitchFamily="34" charset="0"/>
+                <a:cs typeface="Open Sans Semibold" panose="020B0706030804020204" pitchFamily="34" charset="0"/>
+              </a:rPr>
+              <a:t>Brain </a:t>
+            </a:r>
+          </a:p>
+          <a:p>
+            <a:pPr algn="ctr"/>
+            <a:r>
+              <a:rPr lang="en-US" sz="1050" dirty="0" smtClean="0">
+                <a:solidFill>
+                  <a:srgbClr val="00B050"/>
+                </a:solidFill>
+                <a:latin typeface="Open Sans Semibold" panose="020B0706030804020204" pitchFamily="34" charset="0"/>
+                <a:ea typeface="Open Sans Semibold" panose="020B0706030804020204" pitchFamily="34" charset="0"/>
+                <a:cs typeface="Open Sans Semibold" panose="020B0706030804020204" pitchFamily="34" charset="0"/>
+              </a:rPr>
+              <a:t>reactivity</a:t>
+            </a:r>
+            <a:endParaRPr lang="en-US" sz="1050" dirty="0">
+              <a:solidFill>
+                <a:srgbClr val="00B050"/>
+              </a:solidFill>
+              <a:latin typeface="Open Sans Semibold" panose="020B0706030804020204" pitchFamily="34" charset="0"/>
+              <a:ea typeface="Open Sans Semibold" panose="020B0706030804020204" pitchFamily="34" charset="0"/>
+              <a:cs typeface="Open Sans Semibold" panose="020B0706030804020204" pitchFamily="34" charset="0"/>
+            </a:endParaRPr>
+          </a:p>
+        </p:txBody>
+      </p:sp>
+      <p:sp>
+        <p:nvSpPr>
+          <p:cNvPr id="48" name="ZoneTexte 47"/>
+          <p:cNvSpPr txBox="1"/>
+          <p:nvPr/>
+        </p:nvSpPr>
+        <p:spPr>
+          <a:xfrm>
+            <a:off x="4911650" y="3557885"/>
+            <a:ext cx="1388793" cy="215444"/>
+          </a:xfrm>
+          <a:prstGeom prst="rect">
+            <a:avLst/>
+          </a:prstGeom>
+          <a:noFill/>
+        </p:spPr>
+        <p:txBody>
+          <a:bodyPr wrap="square" rtlCol="0">
+            <a:spAutoFit/>
+          </a:bodyPr>
+          <a:lstStyle/>
+          <a:p>
+            <a:pPr algn="r"/>
+            <a:r>
+              <a:rPr lang="en-US" sz="800" dirty="0" smtClean="0">
+                <a:solidFill>
+                  <a:srgbClr val="222A35"/>
+                </a:solidFill>
+                <a:latin typeface="Open Sans" panose="020B0606030504020204" pitchFamily="34" charset="0"/>
+                <a:ea typeface="Open Sans" panose="020B0606030504020204" pitchFamily="34" charset="0"/>
+                <a:cs typeface="Open Sans" panose="020B0606030504020204" pitchFamily="34" charset="0"/>
+              </a:rPr>
+              <a:t>Sleep-wake transition</a:t>
+            </a:r>
+            <a:endParaRPr lang="en-US" sz="800" dirty="0">
+              <a:solidFill>
+                <a:srgbClr val="222A35"/>
+              </a:solidFill>
+              <a:latin typeface="Open Sans" panose="020B0606030504020204" pitchFamily="34" charset="0"/>
+              <a:ea typeface="Open Sans" panose="020B0606030504020204" pitchFamily="34" charset="0"/>
+              <a:cs typeface="Open Sans" panose="020B0606030504020204" pitchFamily="34" charset="0"/>
+            </a:endParaRPr>
+          </a:p>
+        </p:txBody>
+      </p:sp>
+      <p:sp>
+        <p:nvSpPr>
+          <p:cNvPr id="53" name="ZoneTexte 52"/>
+          <p:cNvSpPr txBox="1"/>
+          <p:nvPr/>
+        </p:nvSpPr>
+        <p:spPr>
+          <a:xfrm>
+            <a:off x="4521083" y="963043"/>
+            <a:ext cx="2041081" cy="553998"/>
+          </a:xfrm>
+          <a:prstGeom prst="rect">
+            <a:avLst/>
+          </a:prstGeom>
+          <a:noFill/>
+          <a:ln>
+            <a:noFill/>
+          </a:ln>
+        </p:spPr>
+        <p:txBody>
+          <a:bodyPr wrap="square" rtlCol="0">
+            <a:spAutoFit/>
+          </a:bodyPr>
+          <a:lstStyle/>
+          <a:p>
+            <a:pPr algn="ctr"/>
+            <a:r>
+              <a:rPr lang="en-US" sz="1000" dirty="0" smtClean="0">
+                <a:latin typeface="Open Sans Semibold" panose="020B0706030804020204" pitchFamily="34" charset="0"/>
+                <a:ea typeface="Open Sans Semibold" panose="020B0706030804020204" pitchFamily="34" charset="0"/>
+                <a:cs typeface="Open Sans Semibold" panose="020B0706030804020204" pitchFamily="34" charset="0"/>
+              </a:rPr>
+              <a:t>AGE, GENDER, PERSONALITY, INTEREST IN DREAMS, COGNITIVE ABILITIES</a:t>
+            </a:r>
+            <a:endParaRPr lang="en-US" sz="1000" dirty="0">
+              <a:latin typeface="Open Sans Semibold" panose="020B0706030804020204" pitchFamily="34" charset="0"/>
+              <a:ea typeface="Open Sans Semibold" panose="020B0706030804020204" pitchFamily="34" charset="0"/>
+              <a:cs typeface="Open Sans Semibold" panose="020B0706030804020204" pitchFamily="34" charset="0"/>
+            </a:endParaRPr>
+          </a:p>
+        </p:txBody>
+      </p:sp>
+      <p:cxnSp>
+        <p:nvCxnSpPr>
+          <p:cNvPr id="56" name="Connecteur droit avec flèche 55"/>
+          <p:cNvCxnSpPr>
+            <a:endCxn id="85" idx="0"/>
+          </p:cNvCxnSpPr>
+          <p:nvPr/>
+        </p:nvCxnSpPr>
+        <p:spPr>
+          <a:xfrm flipH="1">
+            <a:off x="4394421" y="1484313"/>
+            <a:ext cx="286611" cy="344563"/>
+          </a:xfrm>
+          <a:prstGeom prst="straightConnector1">
+            <a:avLst/>
+          </a:prstGeom>
+          <a:ln w="12700">
+            <a:solidFill>
+              <a:schemeClr val="tx1"/>
+            </a:solidFill>
+            <a:prstDash val="solid"/>
+            <a:tailEnd type="triangle"/>
+          </a:ln>
+        </p:spPr>
+        <p:style>
+          <a:lnRef idx="1">
+            <a:schemeClr val="dk1"/>
+          </a:lnRef>
+          <a:fillRef idx="0">
+            <a:schemeClr val="dk1"/>
+          </a:fillRef>
+          <a:effectRef idx="0">
+            <a:schemeClr val="dk1"/>
+          </a:effectRef>
+          <a:fontRef idx="minor">
+            <a:schemeClr val="tx1"/>
+          </a:fontRef>
+        </p:style>
+      </p:cxnSp>
+      <p:cxnSp>
+        <p:nvCxnSpPr>
+          <p:cNvPr id="77" name="Connecteur droit avec flèche 76"/>
+          <p:cNvCxnSpPr/>
+          <p:nvPr/>
+        </p:nvCxnSpPr>
+        <p:spPr>
+          <a:xfrm flipV="1">
+            <a:off x="4391027" y="3387414"/>
+            <a:ext cx="0" cy="432000"/>
+          </a:xfrm>
+          <a:prstGeom prst="straightConnector1">
+            <a:avLst/>
+          </a:prstGeom>
+          <a:ln w="12700">
+            <a:solidFill>
+              <a:schemeClr val="tx1"/>
+            </a:solidFill>
+            <a:prstDash val="solid"/>
+            <a:tailEnd type="triangle"/>
+          </a:ln>
+        </p:spPr>
+        <p:style>
+          <a:lnRef idx="1">
+            <a:schemeClr val="dk1"/>
+          </a:lnRef>
+          <a:fillRef idx="0">
+            <a:schemeClr val="dk1"/>
+          </a:fillRef>
+          <a:effectRef idx="0">
+            <a:schemeClr val="dk1"/>
+          </a:effectRef>
+          <a:fontRef idx="minor">
+            <a:schemeClr val="tx1"/>
+          </a:fontRef>
+        </p:style>
+      </p:cxnSp>
+      <p:sp>
+        <p:nvSpPr>
+          <p:cNvPr id="78" name="ZoneTexte 77"/>
+          <p:cNvSpPr txBox="1"/>
+          <p:nvPr/>
+        </p:nvSpPr>
+        <p:spPr>
+          <a:xfrm>
+            <a:off x="3643894" y="3901376"/>
+            <a:ext cx="747134" cy="415498"/>
+          </a:xfrm>
+          <a:prstGeom prst="rect">
+            <a:avLst/>
+          </a:prstGeom>
+          <a:noFill/>
+        </p:spPr>
+        <p:txBody>
+          <a:bodyPr wrap="square" rtlCol="0">
+            <a:spAutoFit/>
+          </a:bodyPr>
+          <a:lstStyle/>
+          <a:p>
+            <a:pPr algn="ctr"/>
+            <a:r>
+              <a:rPr lang="en-US" sz="1050" dirty="0" smtClean="0">
+                <a:solidFill>
+                  <a:srgbClr val="FF0000"/>
+                </a:solidFill>
+                <a:latin typeface="Open Sans Semibold" panose="020B0706030804020204" pitchFamily="34" charset="0"/>
+                <a:ea typeface="Open Sans Semibold" panose="020B0706030804020204" pitchFamily="34" charset="0"/>
+                <a:cs typeface="Open Sans Semibold" panose="020B0706030804020204" pitchFamily="34" charset="0"/>
+              </a:rPr>
+              <a:t>Sleep inertia</a:t>
+            </a:r>
+            <a:endParaRPr lang="en-US" sz="1050" dirty="0">
+              <a:solidFill>
+                <a:srgbClr val="FF0000"/>
+              </a:solidFill>
+              <a:latin typeface="Open Sans Semibold" panose="020B0706030804020204" pitchFamily="34" charset="0"/>
+              <a:ea typeface="Open Sans Semibold" panose="020B0706030804020204" pitchFamily="34" charset="0"/>
+              <a:cs typeface="Open Sans Semibold" panose="020B0706030804020204" pitchFamily="34" charset="0"/>
+            </a:endParaRPr>
+          </a:p>
+        </p:txBody>
+      </p:sp>
+      <p:sp>
+        <p:nvSpPr>
+          <p:cNvPr id="79" name="ZoneTexte 78"/>
+          <p:cNvSpPr txBox="1"/>
+          <p:nvPr/>
+        </p:nvSpPr>
+        <p:spPr>
+          <a:xfrm>
+            <a:off x="4391027" y="3901376"/>
+            <a:ext cx="747134" cy="415498"/>
+          </a:xfrm>
+          <a:prstGeom prst="rect">
+            <a:avLst/>
+          </a:prstGeom>
+          <a:noFill/>
+        </p:spPr>
+        <p:txBody>
+          <a:bodyPr wrap="square" rtlCol="0">
+            <a:spAutoFit/>
+          </a:bodyPr>
+          <a:lstStyle/>
+          <a:p>
+            <a:pPr algn="ctr"/>
+            <a:r>
+              <a:rPr lang="en-US" sz="1050" dirty="0" smtClean="0">
+                <a:solidFill>
+                  <a:srgbClr val="FF0000"/>
+                </a:solidFill>
+                <a:latin typeface="Open Sans Semibold" panose="020B0706030804020204" pitchFamily="34" charset="0"/>
+                <a:ea typeface="Open Sans Semibold" panose="020B0706030804020204" pitchFamily="34" charset="0"/>
+                <a:cs typeface="Open Sans Semibold" panose="020B0706030804020204" pitchFamily="34" charset="0"/>
+              </a:rPr>
+              <a:t>Sleep</a:t>
+            </a:r>
+          </a:p>
+          <a:p>
+            <a:pPr algn="ctr"/>
+            <a:r>
+              <a:rPr lang="en-US" sz="1050" dirty="0" smtClean="0">
+                <a:solidFill>
+                  <a:srgbClr val="FF0000"/>
+                </a:solidFill>
+                <a:latin typeface="Open Sans Semibold" panose="020B0706030804020204" pitchFamily="34" charset="0"/>
+                <a:ea typeface="Open Sans Semibold" panose="020B0706030804020204" pitchFamily="34" charset="0"/>
+                <a:cs typeface="Open Sans Semibold" panose="020B0706030804020204" pitchFamily="34" charset="0"/>
+              </a:rPr>
+              <a:t>depth</a:t>
+            </a:r>
+            <a:endParaRPr lang="en-US" sz="1050" dirty="0">
+              <a:solidFill>
+                <a:srgbClr val="FF0000"/>
+              </a:solidFill>
+              <a:latin typeface="Open Sans Semibold" panose="020B0706030804020204" pitchFamily="34" charset="0"/>
+              <a:ea typeface="Open Sans Semibold" panose="020B0706030804020204" pitchFamily="34" charset="0"/>
+              <a:cs typeface="Open Sans Semibold" panose="020B0706030804020204" pitchFamily="34" charset="0"/>
+            </a:endParaRPr>
+          </a:p>
+        </p:txBody>
+      </p:sp>
+      <p:cxnSp>
+        <p:nvCxnSpPr>
+          <p:cNvPr id="84" name="Connecteur droit avec flèche 83"/>
+          <p:cNvCxnSpPr/>
+          <p:nvPr/>
+        </p:nvCxnSpPr>
+        <p:spPr>
+          <a:xfrm>
+            <a:off x="4391823" y="2242462"/>
+            <a:ext cx="0" cy="432000"/>
+          </a:xfrm>
+          <a:prstGeom prst="straightConnector1">
+            <a:avLst/>
+          </a:prstGeom>
+          <a:ln w="12700">
+            <a:solidFill>
+              <a:schemeClr val="tx1"/>
+            </a:solidFill>
+            <a:prstDash val="solid"/>
+            <a:tailEnd type="triangle"/>
+          </a:ln>
+        </p:spPr>
+        <p:style>
+          <a:lnRef idx="1">
+            <a:schemeClr val="dk1"/>
+          </a:lnRef>
+          <a:fillRef idx="0">
+            <a:schemeClr val="dk1"/>
+          </a:fillRef>
+          <a:effectRef idx="0">
+            <a:schemeClr val="dk1"/>
+          </a:effectRef>
+          <a:fontRef idx="minor">
+            <a:schemeClr val="tx1"/>
+          </a:fontRef>
+        </p:style>
+      </p:cxnSp>
+      <p:sp>
+        <p:nvSpPr>
+          <p:cNvPr id="85" name="ZoneTexte 84"/>
+          <p:cNvSpPr txBox="1"/>
+          <p:nvPr/>
+        </p:nvSpPr>
+        <p:spPr>
+          <a:xfrm>
+            <a:off x="3802009" y="1828876"/>
+            <a:ext cx="1184824" cy="415498"/>
+          </a:xfrm>
+          <a:prstGeom prst="rect">
+            <a:avLst/>
+          </a:prstGeom>
+          <a:noFill/>
+        </p:spPr>
+        <p:txBody>
+          <a:bodyPr wrap="square" rtlCol="0">
+            <a:spAutoFit/>
+          </a:bodyPr>
+          <a:lstStyle/>
+          <a:p>
+            <a:pPr algn="ctr"/>
+            <a:r>
+              <a:rPr lang="en-US" sz="1050" dirty="0" smtClean="0">
+                <a:solidFill>
+                  <a:srgbClr val="00B050"/>
+                </a:solidFill>
+                <a:latin typeface="Open Sans Semibold" panose="020B0706030804020204" pitchFamily="34" charset="0"/>
+                <a:ea typeface="Open Sans Semibold" panose="020B0706030804020204" pitchFamily="34" charset="0"/>
+                <a:cs typeface="Open Sans Semibold" panose="020B0706030804020204" pitchFamily="34" charset="0"/>
+              </a:rPr>
+              <a:t>Salience of dream content</a:t>
+            </a:r>
+            <a:endParaRPr lang="en-US" sz="1050" dirty="0">
+              <a:solidFill>
+                <a:srgbClr val="00B050"/>
+              </a:solidFill>
+              <a:latin typeface="Open Sans Semibold" panose="020B0706030804020204" pitchFamily="34" charset="0"/>
+              <a:ea typeface="Open Sans Semibold" panose="020B0706030804020204" pitchFamily="34" charset="0"/>
+              <a:cs typeface="Open Sans Semibold" panose="020B0706030804020204" pitchFamily="34" charset="0"/>
+            </a:endParaRPr>
+          </a:p>
+        </p:txBody>
+      </p:sp>
+      <p:cxnSp>
+        <p:nvCxnSpPr>
+          <p:cNvPr id="108" name="Connecteur droit avec flèche 107"/>
+          <p:cNvCxnSpPr/>
+          <p:nvPr/>
+        </p:nvCxnSpPr>
+        <p:spPr>
+          <a:xfrm rot="16200000" flipV="1">
+            <a:off x="4384053" y="3965125"/>
+            <a:ext cx="0" cy="288000"/>
+          </a:xfrm>
+          <a:prstGeom prst="straightConnector1">
+            <a:avLst/>
+          </a:prstGeom>
+          <a:ln w="6350">
+            <a:solidFill>
+              <a:schemeClr val="tx1"/>
+            </a:solidFill>
+            <a:prstDash val="solid"/>
+            <a:headEnd type="none" w="med" len="med"/>
+            <a:tailEnd type="triangle" w="med" len="med"/>
+          </a:ln>
+        </p:spPr>
+        <p:style>
+          <a:lnRef idx="1">
+            <a:schemeClr val="dk1"/>
+          </a:lnRef>
+          <a:fillRef idx="0">
+            <a:schemeClr val="dk1"/>
+          </a:fillRef>
+          <a:effectRef idx="0">
+            <a:schemeClr val="dk1"/>
+          </a:effectRef>
+          <a:fontRef idx="minor">
+            <a:schemeClr val="tx1"/>
+          </a:fontRef>
+        </p:style>
+      </p:cxnSp>
+      <p:pic>
+        <p:nvPicPr>
+          <p:cNvPr id="115" name="Image 114"/>
+          <p:cNvPicPr>
+            <a:picLocks noChangeAspect="1"/>
+          </p:cNvPicPr>
+          <p:nvPr/>
+        </p:nvPicPr>
+        <p:blipFill>
+          <a:blip r:embed="rId2" cstate="print">
+            <a:extLst>
+              <a:ext uri="{28A0092B-C50C-407E-A947-70E740481C1C}">
+                <a14:useLocalDpi xmlns:a14="http://schemas.microsoft.com/office/drawing/2010/main" val="0"/>
+              </a:ext>
+            </a:extLst>
+          </a:blip>
+          <a:stretch>
+            <a:fillRect/>
+          </a:stretch>
+        </p:blipFill>
+        <p:spPr>
+          <a:xfrm>
+            <a:off x="5304557" y="1589775"/>
+            <a:ext cx="612000" cy="612000"/>
+          </a:xfrm>
+          <a:prstGeom prst="rect">
+            <a:avLst/>
+          </a:prstGeom>
+        </p:spPr>
+      </p:pic>
+      <p:pic>
+        <p:nvPicPr>
+          <p:cNvPr id="116" name="Image 115"/>
+          <p:cNvPicPr>
+            <a:picLocks noChangeAspect="1"/>
+          </p:cNvPicPr>
+          <p:nvPr/>
+        </p:nvPicPr>
+        <p:blipFill>
+          <a:blip r:embed="rId3" cstate="print">
+            <a:extLst>
+              <a:ext uri="{28A0092B-C50C-407E-A947-70E740481C1C}">
+                <a14:useLocalDpi xmlns:a14="http://schemas.microsoft.com/office/drawing/2010/main" val="0"/>
+              </a:ext>
+            </a:extLst>
+          </a:blip>
+          <a:stretch>
+            <a:fillRect/>
+          </a:stretch>
+        </p:blipFill>
+        <p:spPr>
+          <a:xfrm>
+            <a:off x="5307049" y="3907900"/>
+            <a:ext cx="612000" cy="612000"/>
+          </a:xfrm>
+          <a:prstGeom prst="rect">
+            <a:avLst/>
+          </a:prstGeom>
+        </p:spPr>
+      </p:pic>
+      <p:sp>
+        <p:nvSpPr>
+          <p:cNvPr id="120" name="ZoneTexte 119"/>
+          <p:cNvSpPr txBox="1"/>
+          <p:nvPr/>
+        </p:nvSpPr>
+        <p:spPr>
+          <a:xfrm>
+            <a:off x="3602578" y="4704746"/>
+            <a:ext cx="1562949" cy="415498"/>
+          </a:xfrm>
+          <a:prstGeom prst="rect">
+            <a:avLst/>
+          </a:prstGeom>
+          <a:noFill/>
+          <a:ln>
+            <a:noFill/>
+          </a:ln>
+        </p:spPr>
+        <p:txBody>
+          <a:bodyPr wrap="square" rtlCol="0">
+            <a:spAutoFit/>
+          </a:bodyPr>
+          <a:lstStyle/>
+          <a:p>
+            <a:pPr algn="ctr"/>
+            <a:r>
+              <a:rPr lang="en-US" sz="1000" dirty="0" smtClean="0">
+                <a:latin typeface="Open Sans Semibold" panose="020B0706030804020204" pitchFamily="34" charset="0"/>
+                <a:ea typeface="Open Sans Semibold" panose="020B0706030804020204" pitchFamily="34" charset="0"/>
+                <a:cs typeface="Open Sans Semibold" panose="020B0706030804020204" pitchFamily="34" charset="0"/>
+              </a:rPr>
+              <a:t>DEFAULT NETWORK</a:t>
+            </a:r>
+          </a:p>
+          <a:p>
+            <a:pPr algn="ctr"/>
+            <a:r>
+              <a:rPr lang="en-US" sz="1000" dirty="0" smtClean="0">
+                <a:latin typeface="Open Sans Semibold" panose="020B0706030804020204" pitchFamily="34" charset="0"/>
+                <a:ea typeface="Open Sans Semibold" panose="020B0706030804020204" pitchFamily="34" charset="0"/>
+                <a:cs typeface="Open Sans Semibold" panose="020B0706030804020204" pitchFamily="34" charset="0"/>
+              </a:rPr>
+              <a:t>FUNCTIONING</a:t>
+            </a:r>
+            <a:endParaRPr lang="en-US" sz="1000" dirty="0">
+              <a:latin typeface="Open Sans Semibold" panose="020B0706030804020204" pitchFamily="34" charset="0"/>
+              <a:ea typeface="Open Sans Semibold" panose="020B0706030804020204" pitchFamily="34" charset="0"/>
+              <a:cs typeface="Open Sans Semibold" panose="020B0706030804020204" pitchFamily="34" charset="0"/>
+            </a:endParaRPr>
+          </a:p>
+        </p:txBody>
+      </p:sp>
+      <p:cxnSp>
+        <p:nvCxnSpPr>
+          <p:cNvPr id="124" name="Connecteur droit avec flèche 123"/>
+          <p:cNvCxnSpPr/>
+          <p:nvPr/>
+        </p:nvCxnSpPr>
+        <p:spPr>
+          <a:xfrm flipV="1">
+            <a:off x="4017461" y="4363569"/>
+            <a:ext cx="0" cy="288000"/>
+          </a:xfrm>
+          <a:prstGeom prst="straightConnector1">
+            <a:avLst/>
+          </a:prstGeom>
+          <a:ln w="12700">
+            <a:solidFill>
+              <a:schemeClr val="tx1"/>
+            </a:solidFill>
+            <a:prstDash val="solid"/>
+            <a:tailEnd type="triangle"/>
+          </a:ln>
+        </p:spPr>
+        <p:style>
+          <a:lnRef idx="1">
+            <a:schemeClr val="dk1"/>
+          </a:lnRef>
+          <a:fillRef idx="0">
+            <a:schemeClr val="dk1"/>
+          </a:fillRef>
+          <a:effectRef idx="0">
+            <a:schemeClr val="dk1"/>
+          </a:effectRef>
+          <a:fontRef idx="minor">
+            <a:schemeClr val="tx1"/>
+          </a:fontRef>
+        </p:style>
+      </p:cxnSp>
+      <p:cxnSp>
+        <p:nvCxnSpPr>
+          <p:cNvPr id="127" name="Connecteur droit avec flèche 126"/>
+          <p:cNvCxnSpPr/>
+          <p:nvPr/>
+        </p:nvCxnSpPr>
+        <p:spPr>
+          <a:xfrm>
+            <a:off x="5155396" y="4915064"/>
+            <a:ext cx="1152000" cy="0"/>
+          </a:xfrm>
+          <a:prstGeom prst="straightConnector1">
+            <a:avLst/>
+          </a:prstGeom>
+          <a:ln w="12700">
+            <a:solidFill>
+              <a:schemeClr val="tx1"/>
+            </a:solidFill>
+            <a:tailEnd type="triangle"/>
+          </a:ln>
+        </p:spPr>
+        <p:style>
+          <a:lnRef idx="1">
+            <a:schemeClr val="dk1"/>
+          </a:lnRef>
+          <a:fillRef idx="0">
+            <a:schemeClr val="dk1"/>
+          </a:fillRef>
+          <a:effectRef idx="0">
+            <a:schemeClr val="dk1"/>
+          </a:effectRef>
+          <a:fontRef idx="minor">
+            <a:schemeClr val="tx1"/>
+          </a:fontRef>
+        </p:style>
+      </p:cxnSp>
+      <p:grpSp>
+        <p:nvGrpSpPr>
+          <p:cNvPr id="135" name="Groupe 134"/>
+          <p:cNvGrpSpPr/>
+          <p:nvPr/>
+        </p:nvGrpSpPr>
+        <p:grpSpPr>
+          <a:xfrm>
+            <a:off x="8032797" y="3911075"/>
+            <a:ext cx="2298929" cy="845315"/>
+            <a:chOff x="8060487" y="4139202"/>
+            <a:chExt cx="2298929" cy="845315"/>
+          </a:xfrm>
+        </p:grpSpPr>
+        <p:grpSp>
+          <p:nvGrpSpPr>
+            <p:cNvPr id="132" name="Groupe 131"/>
+            <p:cNvGrpSpPr/>
+            <p:nvPr/>
+          </p:nvGrpSpPr>
+          <p:grpSpPr>
+            <a:xfrm>
+              <a:off x="8060487" y="4139202"/>
+              <a:ext cx="2298929" cy="845315"/>
+              <a:chOff x="7950777" y="4056747"/>
+              <a:chExt cx="2298929" cy="845315"/>
+            </a:xfrm>
+          </p:grpSpPr>
+          <p:grpSp>
+            <p:nvGrpSpPr>
+              <p:cNvPr id="45" name="Groupe 44"/>
+              <p:cNvGrpSpPr/>
+              <p:nvPr/>
+            </p:nvGrpSpPr>
+            <p:grpSpPr>
+              <a:xfrm>
+                <a:off x="7950777" y="4056747"/>
+                <a:ext cx="2257754" cy="845315"/>
+                <a:chOff x="8224417" y="3776041"/>
+                <a:chExt cx="2227776" cy="845315"/>
+              </a:xfrm>
+            </p:grpSpPr>
+            <p:sp>
+              <p:nvSpPr>
+                <p:cNvPr id="42" name="Rectangle 41"/>
+                <p:cNvSpPr/>
+                <p:nvPr/>
+              </p:nvSpPr>
+              <p:spPr>
+                <a:xfrm>
+                  <a:off x="8224417" y="3776041"/>
+                  <a:ext cx="2227776" cy="845315"/>
+                </a:xfrm>
+                <a:prstGeom prst="rect">
+                  <a:avLst/>
+                </a:prstGeom>
+                <a:noFill/>
+                <a:ln w="19050">
+                  <a:solidFill>
+                    <a:schemeClr val="bg2"/>
+                  </a:solidFill>
+                  <a:prstDash val="sysDash"/>
+                </a:ln>
+              </p:spPr>
+              <p:style>
+                <a:lnRef idx="2">
+                  <a:schemeClr val="accent1">
+                    <a:shade val="50000"/>
+                  </a:schemeClr>
+                </a:lnRef>
+                <a:fillRef idx="1">
+                  <a:schemeClr val="accent1"/>
+                </a:fillRef>
+                <a:effectRef idx="0">
+                  <a:schemeClr val="accent1"/>
+                </a:effectRef>
+                <a:fontRef idx="minor">
+                  <a:schemeClr val="lt1"/>
+                </a:fontRef>
+              </p:style>
+              <p:txBody>
+                <a:bodyPr rtlCol="0" anchor="ctr"/>
+                <a:lstStyle/>
+                <a:p>
+                  <a:pPr algn="ctr"/>
+                  <a:endParaRPr lang="en-US"/>
+                </a:p>
+              </p:txBody>
+            </p:sp>
+            <p:pic>
+              <p:nvPicPr>
+                <p:cNvPr id="43" name="Image 42"/>
+                <p:cNvPicPr>
+                  <a:picLocks noChangeAspect="1"/>
+                </p:cNvPicPr>
+                <p:nvPr/>
+              </p:nvPicPr>
+              <p:blipFill>
+                <a:blip r:embed="rId4" cstate="print">
+                  <a:extLst>
+                    <a:ext uri="{28A0092B-C50C-407E-A947-70E740481C1C}">
+                      <a14:useLocalDpi xmlns:a14="http://schemas.microsoft.com/office/drawing/2010/main" val="0"/>
+                    </a:ext>
+                  </a:extLst>
+                </a:blip>
+                <a:stretch>
+                  <a:fillRect/>
+                </a:stretch>
+              </p:blipFill>
+              <p:spPr>
+                <a:xfrm>
+                  <a:off x="8265045" y="3994844"/>
+                  <a:ext cx="216000" cy="216000"/>
+                </a:xfrm>
+                <a:prstGeom prst="rect">
+                  <a:avLst/>
+                </a:prstGeom>
+              </p:spPr>
+            </p:pic>
+            <p:pic>
+              <p:nvPicPr>
+                <p:cNvPr id="44" name="Image 43"/>
+                <p:cNvPicPr>
+                  <a:picLocks noChangeAspect="1"/>
+                </p:cNvPicPr>
+                <p:nvPr/>
+              </p:nvPicPr>
+              <p:blipFill>
+                <a:blip r:embed="rId5" cstate="print">
+                  <a:extLst>
+                    <a:ext uri="{28A0092B-C50C-407E-A947-70E740481C1C}">
+                      <a14:useLocalDpi xmlns:a14="http://schemas.microsoft.com/office/drawing/2010/main" val="0"/>
+                    </a:ext>
+                  </a:extLst>
+                </a:blip>
+                <a:stretch>
+                  <a:fillRect/>
+                </a:stretch>
+              </p:blipFill>
+              <p:spPr>
+                <a:xfrm>
+                  <a:off x="8265045" y="4338081"/>
+                  <a:ext cx="216000" cy="216000"/>
+                </a:xfrm>
+                <a:prstGeom prst="rect">
+                  <a:avLst/>
+                </a:prstGeom>
+              </p:spPr>
+            </p:pic>
+          </p:grpSp>
+          <p:sp>
+            <p:nvSpPr>
+              <p:cNvPr id="46" name="ZoneTexte 45"/>
+              <p:cNvSpPr txBox="1"/>
+              <p:nvPr/>
+            </p:nvSpPr>
+            <p:spPr>
+              <a:xfrm>
+                <a:off x="8163648" y="4268134"/>
+                <a:ext cx="2072058" cy="246221"/>
+              </a:xfrm>
+              <a:prstGeom prst="rect">
+                <a:avLst/>
+              </a:prstGeom>
+              <a:noFill/>
+            </p:spPr>
+            <p:txBody>
+              <a:bodyPr wrap="square" rtlCol="0">
+                <a:spAutoFit/>
+              </a:bodyPr>
+              <a:lstStyle/>
+              <a:p>
+                <a:r>
+                  <a:rPr lang="en-US" sz="1000" dirty="0" smtClean="0">
+                    <a:latin typeface="Open Sans" panose="020B0606030504020204" pitchFamily="34" charset="0"/>
+                    <a:ea typeface="Open Sans" panose="020B0606030504020204" pitchFamily="34" charset="0"/>
+                    <a:cs typeface="Open Sans" panose="020B0606030504020204" pitchFamily="34" charset="0"/>
+                  </a:rPr>
+                  <a:t>Factors </a:t>
+                </a:r>
+                <a:r>
+                  <a:rPr lang="en-US" sz="1000" b="1" dirty="0" smtClean="0">
+                    <a:solidFill>
+                      <a:srgbClr val="00B050"/>
+                    </a:solidFill>
+                    <a:latin typeface="Open Sans" panose="020B0606030504020204" pitchFamily="34" charset="0"/>
+                    <a:ea typeface="Open Sans" panose="020B0606030504020204" pitchFamily="34" charset="0"/>
+                    <a:cs typeface="Open Sans" panose="020B0606030504020204" pitchFamily="34" charset="0"/>
+                  </a:rPr>
+                  <a:t>promoting</a:t>
+                </a:r>
+                <a:r>
+                  <a:rPr lang="en-US" sz="1000" dirty="0" smtClean="0">
+                    <a:solidFill>
+                      <a:srgbClr val="00B050"/>
+                    </a:solidFill>
+                    <a:latin typeface="Open Sans" panose="020B0606030504020204" pitchFamily="34" charset="0"/>
+                    <a:ea typeface="Open Sans" panose="020B0606030504020204" pitchFamily="34" charset="0"/>
+                    <a:cs typeface="Open Sans" panose="020B0606030504020204" pitchFamily="34" charset="0"/>
+                  </a:rPr>
+                  <a:t> </a:t>
+                </a:r>
+                <a:r>
+                  <a:rPr lang="en-US" sz="1000" dirty="0" smtClean="0">
+                    <a:latin typeface="Open Sans" panose="020B0606030504020204" pitchFamily="34" charset="0"/>
+                    <a:ea typeface="Open Sans" panose="020B0606030504020204" pitchFamily="34" charset="0"/>
+                    <a:cs typeface="Open Sans" panose="020B0606030504020204" pitchFamily="34" charset="0"/>
+                  </a:rPr>
+                  <a:t>dream recall</a:t>
+                </a:r>
+                <a:endParaRPr lang="en-US" sz="1000" dirty="0">
+                  <a:latin typeface="Open Sans" panose="020B0606030504020204" pitchFamily="34" charset="0"/>
+                  <a:ea typeface="Open Sans" panose="020B0606030504020204" pitchFamily="34" charset="0"/>
+                  <a:cs typeface="Open Sans" panose="020B0606030504020204" pitchFamily="34" charset="0"/>
+                </a:endParaRPr>
+              </a:p>
+            </p:txBody>
+          </p:sp>
+          <p:sp>
+            <p:nvSpPr>
+              <p:cNvPr id="47" name="ZoneTexte 46"/>
+              <p:cNvSpPr txBox="1"/>
+              <p:nvPr/>
+            </p:nvSpPr>
+            <p:spPr>
+              <a:xfrm>
+                <a:off x="8163648" y="4611371"/>
+                <a:ext cx="2086058" cy="246221"/>
+              </a:xfrm>
+              <a:prstGeom prst="rect">
+                <a:avLst/>
+              </a:prstGeom>
+              <a:noFill/>
+            </p:spPr>
+            <p:txBody>
+              <a:bodyPr wrap="square" rtlCol="0">
+                <a:spAutoFit/>
+              </a:bodyPr>
+              <a:lstStyle/>
+              <a:p>
+                <a:r>
+                  <a:rPr lang="en-US" sz="1000" dirty="0" smtClean="0">
+                    <a:latin typeface="Open Sans" panose="020B0606030504020204" pitchFamily="34" charset="0"/>
+                    <a:ea typeface="Open Sans" panose="020B0606030504020204" pitchFamily="34" charset="0"/>
+                    <a:cs typeface="Open Sans" panose="020B0606030504020204" pitchFamily="34" charset="0"/>
+                  </a:rPr>
+                  <a:t>Factors </a:t>
+                </a:r>
+                <a:r>
+                  <a:rPr lang="en-US" sz="1000" b="1" dirty="0" smtClean="0">
+                    <a:solidFill>
+                      <a:srgbClr val="FF0000"/>
+                    </a:solidFill>
+                    <a:latin typeface="Open Sans" panose="020B0606030504020204" pitchFamily="34" charset="0"/>
+                    <a:ea typeface="Open Sans" panose="020B0606030504020204" pitchFamily="34" charset="0"/>
+                    <a:cs typeface="Open Sans" panose="020B0606030504020204" pitchFamily="34" charset="0"/>
+                  </a:rPr>
+                  <a:t>preventing</a:t>
+                </a:r>
+                <a:r>
+                  <a:rPr lang="en-US" sz="1000" b="1" dirty="0" smtClean="0">
+                    <a:solidFill>
+                      <a:srgbClr val="00B050"/>
+                    </a:solidFill>
+                    <a:latin typeface="Open Sans" panose="020B0606030504020204" pitchFamily="34" charset="0"/>
+                    <a:ea typeface="Open Sans" panose="020B0606030504020204" pitchFamily="34" charset="0"/>
+                    <a:cs typeface="Open Sans" panose="020B0606030504020204" pitchFamily="34" charset="0"/>
+                  </a:rPr>
+                  <a:t> </a:t>
+                </a:r>
+                <a:r>
+                  <a:rPr lang="en-US" sz="1000" dirty="0" smtClean="0">
+                    <a:latin typeface="Open Sans" panose="020B0606030504020204" pitchFamily="34" charset="0"/>
+                    <a:ea typeface="Open Sans" panose="020B0606030504020204" pitchFamily="34" charset="0"/>
+                    <a:cs typeface="Open Sans" panose="020B0606030504020204" pitchFamily="34" charset="0"/>
+                  </a:rPr>
+                  <a:t>dream recall</a:t>
+                </a:r>
+                <a:endParaRPr lang="en-US" sz="1000" dirty="0">
+                  <a:latin typeface="Open Sans" panose="020B0606030504020204" pitchFamily="34" charset="0"/>
+                  <a:ea typeface="Open Sans" panose="020B0606030504020204" pitchFamily="34" charset="0"/>
+                  <a:cs typeface="Open Sans" panose="020B0606030504020204" pitchFamily="34" charset="0"/>
+                </a:endParaRPr>
+              </a:p>
+            </p:txBody>
+          </p:sp>
+        </p:grpSp>
+        <p:sp>
+          <p:nvSpPr>
+            <p:cNvPr id="134" name="ZoneTexte 133"/>
+            <p:cNvSpPr txBox="1"/>
+            <p:nvPr/>
+          </p:nvSpPr>
+          <p:spPr>
+            <a:xfrm>
+              <a:off x="8060487" y="4139202"/>
+              <a:ext cx="2257754" cy="246221"/>
+            </a:xfrm>
+            <a:prstGeom prst="rect">
+              <a:avLst/>
+            </a:prstGeom>
+            <a:noFill/>
+          </p:spPr>
+          <p:txBody>
+            <a:bodyPr wrap="square" rtlCol="0">
+              <a:spAutoFit/>
+            </a:bodyPr>
+            <a:lstStyle/>
+            <a:p>
+              <a:pPr algn="ctr"/>
+              <a:r>
+                <a:rPr lang="en-US" sz="1000" dirty="0" smtClean="0">
+                  <a:latin typeface="Open Sans Light" panose="020B0306030504020204" pitchFamily="34" charset="0"/>
+                  <a:ea typeface="Open Sans Light" panose="020B0306030504020204" pitchFamily="34" charset="0"/>
+                  <a:cs typeface="Open Sans Light" panose="020B0306030504020204" pitchFamily="34" charset="0"/>
+                </a:rPr>
+                <a:t>LEGEND</a:t>
+              </a:r>
+              <a:endParaRPr lang="en-US" sz="1000" dirty="0">
+                <a:latin typeface="Open Sans Light" panose="020B0306030504020204" pitchFamily="34" charset="0"/>
+                <a:ea typeface="Open Sans Light" panose="020B0306030504020204" pitchFamily="34" charset="0"/>
+                <a:cs typeface="Open Sans Light" panose="020B0306030504020204" pitchFamily="34" charset="0"/>
+              </a:endParaRPr>
+            </a:p>
+          </p:txBody>
+        </p:sp>
+      </p:grpSp>
+      <p:cxnSp>
+        <p:nvCxnSpPr>
+          <p:cNvPr id="141" name="Connecteur en angle 140"/>
+          <p:cNvCxnSpPr/>
+          <p:nvPr/>
+        </p:nvCxnSpPr>
+        <p:spPr>
+          <a:xfrm rot="10800000" flipV="1">
+            <a:off x="2334370" y="1245484"/>
+            <a:ext cx="2196000" cy="3672000"/>
+          </a:xfrm>
+          <a:prstGeom prst="bentConnector3">
+            <a:avLst>
+              <a:gd name="adj1" fmla="val 99997"/>
+            </a:avLst>
+          </a:prstGeom>
+          <a:ln w="12700">
+            <a:solidFill>
+              <a:schemeClr val="tx1"/>
+            </a:solidFill>
+            <a:prstDash val="solid"/>
+            <a:headEnd type="triangle" w="med" len="med"/>
+            <a:tailEnd type="none" w="med" len="med"/>
+          </a:ln>
+        </p:spPr>
+        <p:style>
+          <a:lnRef idx="1">
+            <a:schemeClr val="accent1"/>
+          </a:lnRef>
+          <a:fillRef idx="0">
+            <a:schemeClr val="accent1"/>
+          </a:fillRef>
+          <a:effectRef idx="0">
+            <a:schemeClr val="accent1"/>
+          </a:effectRef>
+          <a:fontRef idx="minor">
+            <a:schemeClr val="tx1"/>
+          </a:fontRef>
+        </p:style>
+      </p:cxnSp>
+      <p:cxnSp>
+        <p:nvCxnSpPr>
+          <p:cNvPr id="159" name="Connecteur droit avec flèche 158"/>
+          <p:cNvCxnSpPr>
+            <a:endCxn id="39" idx="0"/>
+          </p:cNvCxnSpPr>
+          <p:nvPr/>
+        </p:nvCxnSpPr>
+        <p:spPr>
+          <a:xfrm>
+            <a:off x="6478465" y="1484313"/>
+            <a:ext cx="362629" cy="335227"/>
+          </a:xfrm>
+          <a:prstGeom prst="straightConnector1">
+            <a:avLst/>
+          </a:prstGeom>
+          <a:ln w="12700">
+            <a:solidFill>
+              <a:schemeClr val="tx1"/>
+            </a:solidFill>
+            <a:prstDash val="solid"/>
+            <a:tailEnd type="triangle"/>
+          </a:ln>
+        </p:spPr>
+        <p:style>
+          <a:lnRef idx="1">
+            <a:schemeClr val="dk1"/>
+          </a:lnRef>
+          <a:fillRef idx="0">
+            <a:schemeClr val="dk1"/>
+          </a:fillRef>
+          <a:effectRef idx="0">
+            <a:schemeClr val="dk1"/>
+          </a:effectRef>
+          <a:fontRef idx="minor">
+            <a:schemeClr val="tx1"/>
+          </a:fontRef>
+        </p:style>
+      </p:cxnSp>
+      <p:cxnSp>
+        <p:nvCxnSpPr>
+          <p:cNvPr id="164" name="Connecteur droit avec flèche 163"/>
+          <p:cNvCxnSpPr/>
+          <p:nvPr/>
+        </p:nvCxnSpPr>
+        <p:spPr>
+          <a:xfrm flipV="1">
+            <a:off x="4754421" y="4375900"/>
+            <a:ext cx="0" cy="288000"/>
+          </a:xfrm>
+          <a:prstGeom prst="straightConnector1">
+            <a:avLst/>
+          </a:prstGeom>
+          <a:ln w="12700">
+            <a:solidFill>
+              <a:schemeClr val="tx1"/>
+            </a:solidFill>
+            <a:prstDash val="solid"/>
+            <a:tailEnd type="triangle"/>
+          </a:ln>
+        </p:spPr>
+        <p:style>
+          <a:lnRef idx="1">
+            <a:schemeClr val="dk1"/>
+          </a:lnRef>
+          <a:fillRef idx="0">
+            <a:schemeClr val="dk1"/>
+          </a:fillRef>
+          <a:effectRef idx="0">
+            <a:schemeClr val="dk1"/>
+          </a:effectRef>
+          <a:fontRef idx="minor">
+            <a:schemeClr val="tx1"/>
+          </a:fontRef>
+        </p:style>
+      </p:cxnSp>
+      <p:sp>
+        <p:nvSpPr>
+          <p:cNvPr id="165" name="Rectangle 164"/>
+          <p:cNvSpPr/>
+          <p:nvPr/>
+        </p:nvSpPr>
+        <p:spPr>
+          <a:xfrm>
+            <a:off x="4017461" y="3819414"/>
+            <a:ext cx="736960" cy="81962"/>
+          </a:xfrm>
+          <a:prstGeom prst="rect">
+            <a:avLst/>
+          </a:prstGeom>
+          <a:noFill/>
+          <a:ln w="12700">
+            <a:solidFill>
+              <a:schemeClr val="tx1"/>
+            </a:solidFill>
+          </a:ln>
+        </p:spPr>
+        <p:style>
+          <a:lnRef idx="2">
+            <a:schemeClr val="accent1">
+              <a:shade val="50000"/>
+            </a:schemeClr>
+          </a:lnRef>
+          <a:fillRef idx="1">
+            <a:schemeClr val="accent1"/>
+          </a:fillRef>
+          <a:effectRef idx="0">
+            <a:schemeClr val="accent1"/>
+          </a:effectRef>
+          <a:fontRef idx="minor">
+            <a:schemeClr val="lt1"/>
+          </a:fontRef>
+        </p:style>
+        <p:txBody>
+          <a:bodyPr rtlCol="0" anchor="ctr"/>
+          <a:lstStyle/>
+          <a:p>
+            <a:pPr algn="ctr"/>
+            <a:endParaRPr lang="en-US"/>
+          </a:p>
+        </p:txBody>
+      </p:sp>
+      <p:sp>
+        <p:nvSpPr>
+          <p:cNvPr id="166" name="Rectangle 165"/>
+          <p:cNvSpPr/>
+          <p:nvPr/>
+        </p:nvSpPr>
+        <p:spPr>
+          <a:xfrm>
+            <a:off x="3946871" y="3856918"/>
+            <a:ext cx="903608" cy="72931"/>
+          </a:xfrm>
+          <a:prstGeom prst="rect">
+            <a:avLst/>
+          </a:prstGeom>
+          <a:solidFill>
+            <a:schemeClr val="bg1"/>
+          </a:solidFill>
+          <a:ln>
+            <a:noFill/>
+          </a:ln>
+        </p:spPr>
+        <p:style>
+          <a:lnRef idx="2">
+            <a:schemeClr val="accent1">
+              <a:shade val="50000"/>
+            </a:schemeClr>
+          </a:lnRef>
+          <a:fillRef idx="1">
+            <a:schemeClr val="accent1"/>
+          </a:fillRef>
+          <a:effectRef idx="0">
+            <a:schemeClr val="accent1"/>
+          </a:effectRef>
+          <a:fontRef idx="minor">
+            <a:schemeClr val="lt1"/>
+          </a:fontRef>
+        </p:style>
+        <p:txBody>
+          <a:bodyPr rtlCol="0" anchor="ctr"/>
+          <a:lstStyle/>
+          <a:p>
+            <a:pPr algn="ctr"/>
+            <a:endParaRPr lang="en-US"/>
+          </a:p>
+        </p:txBody>
+      </p:sp>
+      <p:cxnSp>
+        <p:nvCxnSpPr>
+          <p:cNvPr id="167" name="Connecteur droit avec flèche 166"/>
+          <p:cNvCxnSpPr/>
+          <p:nvPr/>
+        </p:nvCxnSpPr>
+        <p:spPr>
+          <a:xfrm>
+            <a:off x="2334369" y="4914295"/>
+            <a:ext cx="1260000" cy="0"/>
+          </a:xfrm>
+          <a:prstGeom prst="straightConnector1">
+            <a:avLst/>
+          </a:prstGeom>
+          <a:ln w="12700">
+            <a:solidFill>
+              <a:schemeClr val="tx1"/>
+            </a:solidFill>
+            <a:prstDash val="solid"/>
+            <a:tailEnd type="triangle"/>
+          </a:ln>
+        </p:spPr>
+        <p:style>
+          <a:lnRef idx="1">
+            <a:schemeClr val="dk1"/>
+          </a:lnRef>
+          <a:fillRef idx="0">
+            <a:schemeClr val="dk1"/>
+          </a:fillRef>
+          <a:effectRef idx="0">
+            <a:schemeClr val="dk1"/>
+          </a:effectRef>
+          <a:fontRef idx="minor">
+            <a:schemeClr val="tx1"/>
+          </a:fontRef>
+        </p:style>
+      </p:cxnSp>
+      <p:sp>
+        <p:nvSpPr>
+          <p:cNvPr id="49" name="Rectangle 48"/>
+          <p:cNvSpPr/>
+          <p:nvPr/>
+        </p:nvSpPr>
+        <p:spPr>
+          <a:xfrm>
+            <a:off x="7376487" y="2421713"/>
+            <a:ext cx="1368000" cy="1224000"/>
+          </a:xfrm>
+          <a:prstGeom prst="rect">
+            <a:avLst/>
+          </a:prstGeom>
+          <a:solidFill>
+            <a:schemeClr val="bg1">
+              <a:lumMod val="95000"/>
+            </a:schemeClr>
+          </a:solidFill>
+          <a:ln>
+            <a:noFill/>
+          </a:ln>
+          <a:effectLst>
+            <a:outerShdw blurRad="25400" dist="38100" dir="2700000" algn="tl" rotWithShape="0">
+              <a:schemeClr val="bg2">
+                <a:lumMod val="90000"/>
+                <a:alpha val="40000"/>
+              </a:schemeClr>
+            </a:outerShdw>
+          </a:effectLst>
+        </p:spPr>
+        <p:style>
+          <a:lnRef idx="2">
+            <a:schemeClr val="accent1">
+              <a:shade val="50000"/>
+            </a:schemeClr>
+          </a:lnRef>
+          <a:fillRef idx="1">
+            <a:schemeClr val="accent1"/>
+          </a:fillRef>
+          <a:effectRef idx="0">
+            <a:schemeClr val="accent1"/>
+          </a:effectRef>
+          <a:fontRef idx="minor">
+            <a:schemeClr val="lt1"/>
+          </a:fontRef>
+        </p:style>
+        <p:txBody>
+          <a:bodyPr rtlCol="0" anchor="ctr"/>
+          <a:lstStyle/>
+          <a:p>
+            <a:pPr algn="ctr"/>
+            <a:r>
+              <a:rPr lang="en-US" sz="1600" dirty="0" smtClean="0">
+                <a:solidFill>
+                  <a:schemeClr val="tx1"/>
+                </a:solidFill>
+                <a:latin typeface="Open Sans Semibold" panose="020B0706030804020204" pitchFamily="34" charset="0"/>
+                <a:ea typeface="Open Sans Semibold" panose="020B0706030804020204" pitchFamily="34" charset="0"/>
+                <a:cs typeface="Open Sans Semibold" panose="020B0706030804020204" pitchFamily="34" charset="0"/>
+              </a:rPr>
+              <a:t>Long-term</a:t>
+            </a:r>
+          </a:p>
+          <a:p>
+            <a:pPr algn="ctr"/>
+            <a:r>
+              <a:rPr lang="en-US" sz="1600" dirty="0" smtClean="0">
+                <a:solidFill>
+                  <a:schemeClr val="tx1"/>
+                </a:solidFill>
+                <a:latin typeface="Open Sans Light" panose="020B0306030504020204" pitchFamily="34" charset="0"/>
+                <a:ea typeface="Open Sans Light" panose="020B0306030504020204" pitchFamily="34" charset="0"/>
+                <a:cs typeface="Open Sans Light" panose="020B0306030504020204" pitchFamily="34" charset="0"/>
+              </a:rPr>
+              <a:t>Memory</a:t>
+            </a:r>
+            <a:endParaRPr lang="en-US" sz="1600" dirty="0">
+              <a:solidFill>
+                <a:schemeClr val="tx1"/>
+              </a:solidFill>
+              <a:latin typeface="Open Sans Light" panose="020B0306030504020204" pitchFamily="34" charset="0"/>
+              <a:ea typeface="Open Sans Light" panose="020B0306030504020204" pitchFamily="34" charset="0"/>
+              <a:cs typeface="Open Sans Light" panose="020B0306030504020204" pitchFamily="34" charset="0"/>
+            </a:endParaRPr>
+          </a:p>
+        </p:txBody>
+      </p:sp>
+      <p:sp>
+        <p:nvSpPr>
+          <p:cNvPr id="50" name="Flèche droite 49"/>
+          <p:cNvSpPr/>
+          <p:nvPr/>
+        </p:nvSpPr>
+        <p:spPr>
+          <a:xfrm>
+            <a:off x="8920494" y="2925281"/>
+            <a:ext cx="360000" cy="216000"/>
+          </a:xfrm>
+          <a:prstGeom prst="rightArrow">
+            <a:avLst>
+              <a:gd name="adj1" fmla="val 50000"/>
+              <a:gd name="adj2" fmla="val 66282"/>
+            </a:avLst>
+          </a:prstGeom>
+          <a:solidFill>
+            <a:schemeClr val="bg2">
+              <a:lumMod val="10000"/>
+            </a:schemeClr>
+          </a:solidFill>
+          <a:ln>
+            <a:noFill/>
+          </a:ln>
+        </p:spPr>
+        <p:style>
+          <a:lnRef idx="2">
+            <a:schemeClr val="accent1">
+              <a:shade val="50000"/>
+            </a:schemeClr>
+          </a:lnRef>
+          <a:fillRef idx="1">
+            <a:schemeClr val="accent1"/>
+          </a:fillRef>
+          <a:effectRef idx="0">
+            <a:schemeClr val="accent1"/>
+          </a:effectRef>
+          <a:fontRef idx="minor">
+            <a:schemeClr val="lt1"/>
+          </a:fontRef>
+        </p:style>
+        <p:txBody>
+          <a:bodyPr rtlCol="0" anchor="ctr"/>
+          <a:lstStyle/>
+          <a:p>
+            <a:pPr algn="ctr"/>
+            <a:endParaRPr lang="en-US"/>
+          </a:p>
+        </p:txBody>
+      </p:sp>
+    </p:spTree>
+    <p:extLst>
+      <p:ext uri="{BB962C8B-B14F-4D97-AF65-F5344CB8AC3E}">
+        <p14:creationId xmlns:p14="http://schemas.microsoft.com/office/powerpoint/2010/main" val="888680567"/>
+      </p:ext>
+    </p:extLst>
+  </p:cSld>
+  <p:clrMapOvr>
+    <a:masterClrMapping/>
+  </p:clrMapOvr>
+  <p:timing>
+    <p:tnLst>
+      <p:par>
+        <p:cTn id="1" dur="indefinite" restart="never" nodeType="tmRoot"/>
+      </p:par>
+    </p:tnLst>
+  </p:timing>
+</p:sld>
+</file>
+
+<file path=ppt/slides/slide3.xml><?xml version="1.0" encoding="utf-8"?>
+<p:sld xmlns:a="http://schemas.openxmlformats.org/drawingml/2006/main" xmlns:r="http://schemas.openxmlformats.org/officeDocument/2006/relationships" xmlns:p="http://schemas.openxmlformats.org/presentationml/2006/main">
+  <p:cSld>
+    <p:spTree>
+      <p:nvGrpSpPr>
+        <p:cNvPr id="1" name=""/>
+        <p:cNvGrpSpPr/>
+        <p:nvPr/>
+      </p:nvGrpSpPr>
+      <p:grpSpPr>
+        <a:xfrm>
+          <a:off x="0" y="0"/>
+          <a:ext cx="0" cy="0"/>
+          <a:chOff x="0" y="0"/>
+          <a:chExt cx="0" cy="0"/>
+        </a:xfrm>
+      </p:grpSpPr>
+      <p:sp>
+        <p:nvSpPr>
+          <p:cNvPr id="4" name="Rectangle 3"/>
+          <p:cNvSpPr/>
+          <p:nvPr/>
+        </p:nvSpPr>
+        <p:spPr>
+          <a:xfrm>
+            <a:off x="2488399" y="2241281"/>
+            <a:ext cx="1368000" cy="1584000"/>
+          </a:xfrm>
+          <a:prstGeom prst="rect">
+            <a:avLst/>
+          </a:prstGeom>
+          <a:solidFill>
+            <a:schemeClr val="tx2">
+              <a:lumMod val="50000"/>
+            </a:schemeClr>
+          </a:solidFill>
+          <a:ln>
+            <a:noFill/>
+          </a:ln>
+          <a:effectLst>
+            <a:outerShdw blurRad="25400" dist="38100" dir="2700000" algn="tl" rotWithShape="0">
+              <a:schemeClr val="bg2">
+                <a:lumMod val="90000"/>
+                <a:alpha val="40000"/>
+              </a:schemeClr>
+            </a:outerShdw>
+          </a:effectLst>
+        </p:spPr>
+        <p:style>
+          <a:lnRef idx="2">
+            <a:schemeClr val="accent1">
+              <a:shade val="50000"/>
+            </a:schemeClr>
+          </a:lnRef>
+          <a:fillRef idx="1">
+            <a:schemeClr val="accent1"/>
+          </a:fillRef>
+          <a:effectRef idx="0">
+            <a:schemeClr val="accent1"/>
+          </a:effectRef>
+          <a:fontRef idx="minor">
+            <a:schemeClr val="lt1"/>
+          </a:fontRef>
+        </p:style>
+        <p:txBody>
+          <a:bodyPr rtlCol="0" anchor="ctr"/>
+          <a:lstStyle/>
+          <a:p>
+            <a:pPr algn="ctr"/>
+            <a:r>
+              <a:rPr lang="en-US" sz="1600" dirty="0">
+                <a:latin typeface="Open Sans Light" panose="020B0306030504020204" pitchFamily="34" charset="0"/>
+                <a:ea typeface="Open Sans Light" panose="020B0306030504020204" pitchFamily="34" charset="0"/>
+                <a:cs typeface="Open Sans Light" panose="020B0306030504020204" pitchFamily="34" charset="0"/>
+              </a:rPr>
+              <a:t>Dream</a:t>
+            </a:r>
+          </a:p>
+          <a:p>
+            <a:pPr algn="ctr"/>
+            <a:r>
+              <a:rPr lang="en-US" sz="1600" dirty="0">
+                <a:latin typeface="Open Sans Semibold" panose="020B0706030804020204" pitchFamily="34" charset="0"/>
+                <a:ea typeface="Open Sans Semibold" panose="020B0706030804020204" pitchFamily="34" charset="0"/>
+                <a:cs typeface="Open Sans Semibold" panose="020B0706030804020204" pitchFamily="34" charset="0"/>
+              </a:rPr>
+              <a:t>Experience</a:t>
+            </a:r>
+          </a:p>
+        </p:txBody>
+      </p:sp>
+      <p:sp>
+        <p:nvSpPr>
+          <p:cNvPr id="5" name="Rectangle 4"/>
+          <p:cNvSpPr/>
+          <p:nvPr/>
+        </p:nvSpPr>
+        <p:spPr>
+          <a:xfrm>
+            <a:off x="4932443" y="2333566"/>
+            <a:ext cx="1368000" cy="1404000"/>
+          </a:xfrm>
+          <a:prstGeom prst="rect">
+            <a:avLst/>
+          </a:prstGeom>
+          <a:solidFill>
+            <a:schemeClr val="bg1">
+              <a:lumMod val="95000"/>
+            </a:schemeClr>
+          </a:solidFill>
+          <a:ln>
+            <a:noFill/>
+          </a:ln>
+          <a:effectLst>
+            <a:outerShdw blurRad="25400" dist="38100" dir="2700000" algn="tl" rotWithShape="0">
+              <a:schemeClr val="bg2">
+                <a:lumMod val="90000"/>
+                <a:alpha val="40000"/>
+              </a:schemeClr>
+            </a:outerShdw>
+          </a:effectLst>
+        </p:spPr>
+        <p:style>
+          <a:lnRef idx="2">
+            <a:schemeClr val="accent1">
+              <a:shade val="50000"/>
+            </a:schemeClr>
+          </a:lnRef>
+          <a:fillRef idx="1">
+            <a:schemeClr val="accent1"/>
+          </a:fillRef>
+          <a:effectRef idx="0">
+            <a:schemeClr val="accent1"/>
+          </a:effectRef>
+          <a:fontRef idx="minor">
+            <a:schemeClr val="lt1"/>
+          </a:fontRef>
+        </p:style>
+        <p:txBody>
+          <a:bodyPr rtlCol="0" anchor="ctr"/>
+          <a:lstStyle/>
+          <a:p>
+            <a:pPr algn="ctr"/>
+            <a:r>
+              <a:rPr lang="en-US" sz="1600" dirty="0" smtClean="0">
+                <a:solidFill>
+                  <a:schemeClr val="tx1"/>
+                </a:solidFill>
+                <a:latin typeface="Open Sans Semibold" panose="020B0706030804020204" pitchFamily="34" charset="0"/>
+                <a:ea typeface="Open Sans Semibold" panose="020B0706030804020204" pitchFamily="34" charset="0"/>
+                <a:cs typeface="Open Sans Semibold" panose="020B0706030804020204" pitchFamily="34" charset="0"/>
+              </a:rPr>
+              <a:t>Short-term</a:t>
+            </a:r>
+          </a:p>
+          <a:p>
+            <a:pPr algn="ctr"/>
+            <a:r>
+              <a:rPr lang="en-US" sz="1600" dirty="0" smtClean="0">
+                <a:solidFill>
+                  <a:schemeClr val="tx1"/>
+                </a:solidFill>
+                <a:latin typeface="Open Sans Light" panose="020B0306030504020204" pitchFamily="34" charset="0"/>
+                <a:ea typeface="Open Sans Light" panose="020B0306030504020204" pitchFamily="34" charset="0"/>
+                <a:cs typeface="Open Sans Light" panose="020B0306030504020204" pitchFamily="34" charset="0"/>
+              </a:rPr>
+              <a:t>Memory</a:t>
+            </a:r>
+            <a:endParaRPr lang="en-US" sz="1600" dirty="0">
+              <a:solidFill>
+                <a:schemeClr val="tx1"/>
+              </a:solidFill>
+              <a:latin typeface="Open Sans Light" panose="020B0306030504020204" pitchFamily="34" charset="0"/>
+              <a:ea typeface="Open Sans Light" panose="020B0306030504020204" pitchFamily="34" charset="0"/>
+              <a:cs typeface="Open Sans Light" panose="020B0306030504020204" pitchFamily="34" charset="0"/>
+            </a:endParaRPr>
+          </a:p>
+        </p:txBody>
+      </p:sp>
+      <p:sp>
+        <p:nvSpPr>
+          <p:cNvPr id="8" name="ZoneTexte 7"/>
+          <p:cNvSpPr txBox="1"/>
+          <p:nvPr/>
+        </p:nvSpPr>
+        <p:spPr>
+          <a:xfrm>
+            <a:off x="3373901" y="3609839"/>
+            <a:ext cx="482498" cy="215444"/>
+          </a:xfrm>
+          <a:prstGeom prst="rect">
+            <a:avLst/>
+          </a:prstGeom>
+          <a:noFill/>
+        </p:spPr>
+        <p:txBody>
+          <a:bodyPr wrap="square" rtlCol="0">
+            <a:spAutoFit/>
+          </a:bodyPr>
+          <a:lstStyle/>
+          <a:p>
+            <a:pPr algn="r"/>
+            <a:r>
+              <a:rPr lang="en-US" sz="800" dirty="0">
+                <a:solidFill>
+                  <a:srgbClr val="EDEFF3"/>
+                </a:solidFill>
+                <a:latin typeface="Open Sans" panose="020B0606030504020204" pitchFamily="34" charset="0"/>
+                <a:ea typeface="Open Sans" panose="020B0606030504020204" pitchFamily="34" charset="0"/>
+                <a:cs typeface="Open Sans" panose="020B0606030504020204" pitchFamily="34" charset="0"/>
+              </a:rPr>
+              <a:t>Sleep</a:t>
+            </a:r>
+          </a:p>
+        </p:txBody>
+      </p:sp>
+      <p:sp>
+        <p:nvSpPr>
+          <p:cNvPr id="10" name="Flèche droite 9"/>
+          <p:cNvSpPr/>
+          <p:nvPr/>
+        </p:nvSpPr>
+        <p:spPr>
+          <a:xfrm>
+            <a:off x="4034421" y="2927667"/>
+            <a:ext cx="720000" cy="216000"/>
+          </a:xfrm>
+          <a:prstGeom prst="rightArrow">
+            <a:avLst>
+              <a:gd name="adj1" fmla="val 50000"/>
+              <a:gd name="adj2" fmla="val 66282"/>
+            </a:avLst>
+          </a:prstGeom>
+          <a:solidFill>
+            <a:schemeClr val="bg2">
+              <a:lumMod val="10000"/>
+            </a:schemeClr>
+          </a:solidFill>
+          <a:ln>
+            <a:noFill/>
+          </a:ln>
+        </p:spPr>
+        <p:style>
+          <a:lnRef idx="2">
+            <a:schemeClr val="accent1">
+              <a:shade val="50000"/>
+            </a:schemeClr>
+          </a:lnRef>
+          <a:fillRef idx="1">
+            <a:schemeClr val="accent1"/>
+          </a:fillRef>
+          <a:effectRef idx="0">
+            <a:schemeClr val="accent1"/>
+          </a:effectRef>
+          <a:fontRef idx="minor">
+            <a:schemeClr val="lt1"/>
+          </a:fontRef>
+        </p:style>
+        <p:txBody>
+          <a:bodyPr rtlCol="0" anchor="ctr"/>
+          <a:lstStyle/>
+          <a:p>
+            <a:pPr algn="ctr"/>
+            <a:endParaRPr lang="en-US" dirty="0"/>
+          </a:p>
+        </p:txBody>
+      </p:sp>
+      <p:sp>
+        <p:nvSpPr>
+          <p:cNvPr id="15" name="Flèche droite 14"/>
+          <p:cNvSpPr/>
+          <p:nvPr/>
+        </p:nvSpPr>
+        <p:spPr>
+          <a:xfrm>
+            <a:off x="6478465" y="2925713"/>
+            <a:ext cx="720000" cy="216000"/>
+          </a:xfrm>
+          <a:prstGeom prst="rightArrow">
+            <a:avLst>
+              <a:gd name="adj1" fmla="val 50000"/>
+              <a:gd name="adj2" fmla="val 66282"/>
+            </a:avLst>
+          </a:prstGeom>
+          <a:solidFill>
+            <a:schemeClr val="bg2">
+              <a:lumMod val="10000"/>
+            </a:schemeClr>
+          </a:solidFill>
+          <a:ln>
+            <a:noFill/>
+          </a:ln>
+        </p:spPr>
+        <p:style>
+          <a:lnRef idx="2">
+            <a:schemeClr val="accent1">
+              <a:shade val="50000"/>
+            </a:schemeClr>
+          </a:lnRef>
+          <a:fillRef idx="1">
+            <a:schemeClr val="accent1"/>
+          </a:fillRef>
+          <a:effectRef idx="0">
+            <a:schemeClr val="accent1"/>
+          </a:effectRef>
+          <a:fontRef idx="minor">
+            <a:schemeClr val="lt1"/>
+          </a:fontRef>
+        </p:style>
+        <p:txBody>
+          <a:bodyPr rtlCol="0" anchor="ctr"/>
+          <a:lstStyle/>
+          <a:p>
+            <a:pPr algn="ctr"/>
+            <a:endParaRPr lang="en-US"/>
+          </a:p>
+        </p:txBody>
+      </p:sp>
+      <p:cxnSp>
+        <p:nvCxnSpPr>
+          <p:cNvPr id="26" name="Connecteur droit avec flèche 25"/>
+          <p:cNvCxnSpPr/>
+          <p:nvPr/>
+        </p:nvCxnSpPr>
+        <p:spPr>
+          <a:xfrm flipV="1">
+            <a:off x="6840479" y="3387414"/>
+            <a:ext cx="0" cy="432000"/>
+          </a:xfrm>
+          <a:prstGeom prst="straightConnector1">
+            <a:avLst/>
+          </a:prstGeom>
+          <a:ln w="12700">
+            <a:solidFill>
+              <a:schemeClr val="tx1"/>
+            </a:solidFill>
+            <a:prstDash val="solid"/>
+            <a:tailEnd type="triangle"/>
+          </a:ln>
+        </p:spPr>
+        <p:style>
+          <a:lnRef idx="1">
+            <a:schemeClr val="dk1"/>
+          </a:lnRef>
+          <a:fillRef idx="0">
+            <a:schemeClr val="dk1"/>
+          </a:fillRef>
+          <a:effectRef idx="0">
+            <a:schemeClr val="dk1"/>
+          </a:effectRef>
+          <a:fontRef idx="minor">
+            <a:schemeClr val="tx1"/>
+          </a:fontRef>
+        </p:style>
+      </p:cxnSp>
+      <p:sp>
+        <p:nvSpPr>
+          <p:cNvPr id="27" name="ZoneTexte 26"/>
+          <p:cNvSpPr txBox="1"/>
+          <p:nvPr/>
+        </p:nvSpPr>
+        <p:spPr>
+          <a:xfrm>
+            <a:off x="6220840" y="3901376"/>
+            <a:ext cx="1229616" cy="415498"/>
+          </a:xfrm>
+          <a:prstGeom prst="rect">
+            <a:avLst/>
+          </a:prstGeom>
+          <a:noFill/>
+        </p:spPr>
+        <p:txBody>
+          <a:bodyPr wrap="square" rtlCol="0">
+            <a:spAutoFit/>
+          </a:bodyPr>
+          <a:lstStyle/>
+          <a:p>
+            <a:pPr algn="ctr"/>
+            <a:r>
+              <a:rPr lang="en-US" sz="1050" dirty="0" smtClean="0">
+                <a:solidFill>
+                  <a:srgbClr val="00B050"/>
+                </a:solidFill>
+                <a:latin typeface="Open Sans Semibold" panose="020B0706030804020204" pitchFamily="34" charset="0"/>
+                <a:ea typeface="Open Sans Semibold" panose="020B0706030804020204" pitchFamily="34" charset="0"/>
+                <a:cs typeface="Open Sans Semibold" panose="020B0706030804020204" pitchFamily="34" charset="0"/>
+              </a:rPr>
+              <a:t>Duration of awakenings</a:t>
+            </a:r>
+            <a:endParaRPr lang="en-US" sz="1050" dirty="0">
+              <a:solidFill>
+                <a:srgbClr val="00B050"/>
+              </a:solidFill>
+              <a:latin typeface="Open Sans Semibold" panose="020B0706030804020204" pitchFamily="34" charset="0"/>
+              <a:ea typeface="Open Sans Semibold" panose="020B0706030804020204" pitchFamily="34" charset="0"/>
+              <a:cs typeface="Open Sans Semibold" panose="020B0706030804020204" pitchFamily="34" charset="0"/>
+            </a:endParaRPr>
+          </a:p>
+        </p:txBody>
+      </p:sp>
+      <p:sp>
+        <p:nvSpPr>
+          <p:cNvPr id="30" name="Rectangle 29"/>
+          <p:cNvSpPr/>
+          <p:nvPr/>
+        </p:nvSpPr>
+        <p:spPr>
+          <a:xfrm>
+            <a:off x="7376487" y="2421281"/>
+            <a:ext cx="1368000" cy="1224000"/>
+          </a:xfrm>
+          <a:prstGeom prst="rect">
+            <a:avLst/>
+          </a:prstGeom>
+          <a:solidFill>
+            <a:srgbClr val="9CABC0"/>
+          </a:solidFill>
+          <a:ln>
+            <a:noFill/>
+          </a:ln>
+          <a:effectLst>
+            <a:outerShdw blurRad="25400" dist="38100" dir="2700000" algn="tl" rotWithShape="0">
+              <a:schemeClr val="bg2">
+                <a:lumMod val="90000"/>
+                <a:alpha val="40000"/>
+              </a:schemeClr>
+            </a:outerShdw>
+          </a:effectLst>
+        </p:spPr>
+        <p:style>
+          <a:lnRef idx="2">
+            <a:schemeClr val="accent1">
+              <a:shade val="50000"/>
+            </a:schemeClr>
+          </a:lnRef>
+          <a:fillRef idx="1">
+            <a:schemeClr val="accent1"/>
+          </a:fillRef>
+          <a:effectRef idx="0">
+            <a:schemeClr val="accent1"/>
+          </a:effectRef>
+          <a:fontRef idx="minor">
+            <a:schemeClr val="lt1"/>
+          </a:fontRef>
+        </p:style>
+        <p:txBody>
+          <a:bodyPr rtlCol="0" anchor="ctr"/>
+          <a:lstStyle/>
+          <a:p>
+            <a:pPr algn="ctr"/>
+            <a:r>
+              <a:rPr lang="en-US" sz="1600" dirty="0">
+                <a:solidFill>
+                  <a:schemeClr val="tx1"/>
+                </a:solidFill>
+                <a:latin typeface="Open Sans Light" panose="020B0306030504020204" pitchFamily="34" charset="0"/>
+                <a:ea typeface="Open Sans Light" panose="020B0306030504020204" pitchFamily="34" charset="0"/>
+                <a:cs typeface="Open Sans Light" panose="020B0306030504020204" pitchFamily="34" charset="0"/>
+              </a:rPr>
+              <a:t>Dream </a:t>
+            </a:r>
+            <a:r>
+              <a:rPr lang="en-US" sz="1600" dirty="0">
+                <a:solidFill>
+                  <a:schemeClr val="tx1"/>
+                </a:solidFill>
+                <a:latin typeface="Open Sans Semibold" panose="020B0706030804020204" pitchFamily="34" charset="0"/>
+                <a:ea typeface="Open Sans Semibold" panose="020B0706030804020204" pitchFamily="34" charset="0"/>
+                <a:cs typeface="Open Sans Semibold" panose="020B0706030804020204" pitchFamily="34" charset="0"/>
+              </a:rPr>
+              <a:t>Recall</a:t>
+            </a:r>
+          </a:p>
+        </p:txBody>
+      </p:sp>
+      <p:sp>
+        <p:nvSpPr>
+          <p:cNvPr id="32" name="ZoneTexte 31"/>
+          <p:cNvSpPr txBox="1"/>
+          <p:nvPr/>
+        </p:nvSpPr>
+        <p:spPr>
+          <a:xfrm>
+            <a:off x="8060487" y="3429837"/>
+            <a:ext cx="684000" cy="215444"/>
+          </a:xfrm>
+          <a:prstGeom prst="rect">
+            <a:avLst/>
+          </a:prstGeom>
+          <a:noFill/>
+        </p:spPr>
+        <p:txBody>
+          <a:bodyPr wrap="square" rtlCol="0">
+            <a:spAutoFit/>
+          </a:bodyPr>
+          <a:lstStyle/>
+          <a:p>
+            <a:pPr algn="r"/>
+            <a:r>
+              <a:rPr lang="en-US" sz="800" dirty="0">
+                <a:solidFill>
+                  <a:srgbClr val="222A35"/>
+                </a:solidFill>
+                <a:latin typeface="Open Sans" panose="020B0606030504020204" pitchFamily="34" charset="0"/>
+                <a:ea typeface="Open Sans" panose="020B0606030504020204" pitchFamily="34" charset="0"/>
+                <a:cs typeface="Open Sans" panose="020B0606030504020204" pitchFamily="34" charset="0"/>
+              </a:rPr>
+              <a:t>Wake</a:t>
+            </a:r>
+          </a:p>
+        </p:txBody>
+      </p:sp>
+      <p:cxnSp>
+        <p:nvCxnSpPr>
+          <p:cNvPr id="38" name="Connecteur droit avec flèche 37"/>
+          <p:cNvCxnSpPr/>
+          <p:nvPr/>
+        </p:nvCxnSpPr>
+        <p:spPr>
+          <a:xfrm>
+            <a:off x="6838465" y="2241550"/>
+            <a:ext cx="0" cy="432000"/>
+          </a:xfrm>
+          <a:prstGeom prst="straightConnector1">
+            <a:avLst/>
+          </a:prstGeom>
+          <a:ln w="12700">
+            <a:solidFill>
+              <a:schemeClr val="tx1"/>
+            </a:solidFill>
+            <a:prstDash val="solid"/>
+            <a:tailEnd type="triangle"/>
+          </a:ln>
+        </p:spPr>
+        <p:style>
+          <a:lnRef idx="1">
+            <a:schemeClr val="dk1"/>
+          </a:lnRef>
+          <a:fillRef idx="0">
+            <a:schemeClr val="dk1"/>
+          </a:fillRef>
+          <a:effectRef idx="0">
+            <a:schemeClr val="dk1"/>
+          </a:effectRef>
+          <a:fontRef idx="minor">
+            <a:schemeClr val="tx1"/>
+          </a:fontRef>
+        </p:style>
+      </p:cxnSp>
+      <p:sp>
+        <p:nvSpPr>
+          <p:cNvPr id="39" name="ZoneTexte 38"/>
+          <p:cNvSpPr txBox="1"/>
+          <p:nvPr/>
+        </p:nvSpPr>
+        <p:spPr>
+          <a:xfrm>
+            <a:off x="6211682" y="1819540"/>
+            <a:ext cx="1258823" cy="415498"/>
+          </a:xfrm>
+          <a:prstGeom prst="rect">
+            <a:avLst/>
+          </a:prstGeom>
+          <a:noFill/>
+        </p:spPr>
+        <p:txBody>
+          <a:bodyPr wrap="square" rtlCol="0">
+            <a:spAutoFit/>
+          </a:bodyPr>
+          <a:lstStyle/>
+          <a:p>
+            <a:pPr algn="ctr"/>
+            <a:r>
+              <a:rPr lang="en-US" sz="1050" dirty="0" smtClean="0">
+                <a:solidFill>
+                  <a:srgbClr val="FF0000"/>
+                </a:solidFill>
+                <a:latin typeface="Open Sans Semibold" panose="020B0706030804020204" pitchFamily="34" charset="0"/>
+                <a:ea typeface="Open Sans Semibold" panose="020B0706030804020204" pitchFamily="34" charset="0"/>
+                <a:cs typeface="Open Sans Semibold" panose="020B0706030804020204" pitchFamily="34" charset="0"/>
+              </a:rPr>
+              <a:t>Encoding</a:t>
+            </a:r>
+          </a:p>
+          <a:p>
+            <a:pPr algn="ctr"/>
+            <a:r>
+              <a:rPr lang="en-US" sz="1050" dirty="0" smtClean="0">
+                <a:solidFill>
+                  <a:srgbClr val="FF0000"/>
+                </a:solidFill>
+                <a:latin typeface="Open Sans Semibold" panose="020B0706030804020204" pitchFamily="34" charset="0"/>
+                <a:ea typeface="Open Sans Semibold" panose="020B0706030804020204" pitchFamily="34" charset="0"/>
+                <a:cs typeface="Open Sans Semibold" panose="020B0706030804020204" pitchFamily="34" charset="0"/>
+              </a:rPr>
+              <a:t>interferences</a:t>
+            </a:r>
+            <a:endParaRPr lang="en-US" sz="1050" dirty="0">
+              <a:solidFill>
+                <a:srgbClr val="FF0000"/>
+              </a:solidFill>
+              <a:latin typeface="Open Sans Semibold" panose="020B0706030804020204" pitchFamily="34" charset="0"/>
+              <a:ea typeface="Open Sans Semibold" panose="020B0706030804020204" pitchFamily="34" charset="0"/>
+              <a:cs typeface="Open Sans Semibold" panose="020B0706030804020204" pitchFamily="34" charset="0"/>
+            </a:endParaRPr>
+          </a:p>
+        </p:txBody>
+      </p:sp>
+      <p:cxnSp>
+        <p:nvCxnSpPr>
+          <p:cNvPr id="40" name="Connecteur droit avec flèche 39"/>
+          <p:cNvCxnSpPr/>
+          <p:nvPr/>
+        </p:nvCxnSpPr>
+        <p:spPr>
+          <a:xfrm flipV="1">
+            <a:off x="6840479" y="4365989"/>
+            <a:ext cx="0" cy="288000"/>
+          </a:xfrm>
+          <a:prstGeom prst="straightConnector1">
+            <a:avLst/>
+          </a:prstGeom>
+          <a:ln w="12700">
+            <a:solidFill>
+              <a:schemeClr val="tx1"/>
+            </a:solidFill>
+            <a:prstDash val="solid"/>
+            <a:tailEnd type="triangle"/>
+          </a:ln>
+        </p:spPr>
+        <p:style>
+          <a:lnRef idx="1">
+            <a:schemeClr val="dk1"/>
+          </a:lnRef>
+          <a:fillRef idx="0">
+            <a:schemeClr val="dk1"/>
+          </a:fillRef>
+          <a:effectRef idx="0">
+            <a:schemeClr val="dk1"/>
+          </a:effectRef>
+          <a:fontRef idx="minor">
+            <a:schemeClr val="tx1"/>
+          </a:fontRef>
+        </p:style>
+      </p:cxnSp>
+      <p:sp>
+        <p:nvSpPr>
+          <p:cNvPr id="41" name="ZoneTexte 40"/>
+          <p:cNvSpPr txBox="1"/>
+          <p:nvPr/>
+        </p:nvSpPr>
+        <p:spPr>
+          <a:xfrm>
+            <a:off x="6294731" y="4703104"/>
+            <a:ext cx="1086286" cy="415498"/>
+          </a:xfrm>
+          <a:prstGeom prst="rect">
+            <a:avLst/>
+          </a:prstGeom>
+          <a:noFill/>
+        </p:spPr>
+        <p:txBody>
+          <a:bodyPr wrap="square" rtlCol="0">
+            <a:spAutoFit/>
+          </a:bodyPr>
+          <a:lstStyle/>
+          <a:p>
+            <a:pPr algn="ctr"/>
+            <a:r>
+              <a:rPr lang="en-US" sz="1050" dirty="0" smtClean="0">
+                <a:solidFill>
+                  <a:srgbClr val="00B050"/>
+                </a:solidFill>
+                <a:latin typeface="Open Sans Semibold" panose="020B0706030804020204" pitchFamily="34" charset="0"/>
+                <a:ea typeface="Open Sans Semibold" panose="020B0706030804020204" pitchFamily="34" charset="0"/>
+                <a:cs typeface="Open Sans Semibold" panose="020B0706030804020204" pitchFamily="34" charset="0"/>
+              </a:rPr>
+              <a:t>Brain </a:t>
+            </a:r>
+          </a:p>
+          <a:p>
+            <a:pPr algn="ctr"/>
+            <a:r>
+              <a:rPr lang="en-US" sz="1050" dirty="0" smtClean="0">
+                <a:solidFill>
+                  <a:srgbClr val="00B050"/>
+                </a:solidFill>
+                <a:latin typeface="Open Sans Semibold" panose="020B0706030804020204" pitchFamily="34" charset="0"/>
+                <a:ea typeface="Open Sans Semibold" panose="020B0706030804020204" pitchFamily="34" charset="0"/>
+                <a:cs typeface="Open Sans Semibold" panose="020B0706030804020204" pitchFamily="34" charset="0"/>
+              </a:rPr>
+              <a:t>reactivity</a:t>
+            </a:r>
+            <a:endParaRPr lang="en-US" sz="1050" dirty="0">
+              <a:solidFill>
+                <a:srgbClr val="00B050"/>
+              </a:solidFill>
+              <a:latin typeface="Open Sans Semibold" panose="020B0706030804020204" pitchFamily="34" charset="0"/>
+              <a:ea typeface="Open Sans Semibold" panose="020B0706030804020204" pitchFamily="34" charset="0"/>
+              <a:cs typeface="Open Sans Semibold" panose="020B0706030804020204" pitchFamily="34" charset="0"/>
+            </a:endParaRPr>
+          </a:p>
+        </p:txBody>
+      </p:sp>
+      <p:sp>
+        <p:nvSpPr>
+          <p:cNvPr id="48" name="ZoneTexte 47"/>
+          <p:cNvSpPr txBox="1"/>
+          <p:nvPr/>
+        </p:nvSpPr>
+        <p:spPr>
+          <a:xfrm>
+            <a:off x="4911650" y="3557885"/>
+            <a:ext cx="1388793" cy="215444"/>
+          </a:xfrm>
+          <a:prstGeom prst="rect">
+            <a:avLst/>
+          </a:prstGeom>
+          <a:noFill/>
+        </p:spPr>
+        <p:txBody>
+          <a:bodyPr wrap="square" rtlCol="0">
+            <a:spAutoFit/>
+          </a:bodyPr>
+          <a:lstStyle/>
+          <a:p>
+            <a:pPr algn="r"/>
+            <a:r>
+              <a:rPr lang="en-US" sz="800" dirty="0" smtClean="0">
+                <a:solidFill>
+                  <a:srgbClr val="222A35"/>
+                </a:solidFill>
+                <a:latin typeface="Open Sans" panose="020B0606030504020204" pitchFamily="34" charset="0"/>
+                <a:ea typeface="Open Sans" panose="020B0606030504020204" pitchFamily="34" charset="0"/>
+                <a:cs typeface="Open Sans" panose="020B0606030504020204" pitchFamily="34" charset="0"/>
+              </a:rPr>
+              <a:t>Sleep-wake transition</a:t>
+            </a:r>
+            <a:endParaRPr lang="en-US" sz="800" dirty="0">
+              <a:solidFill>
+                <a:srgbClr val="222A35"/>
+              </a:solidFill>
+              <a:latin typeface="Open Sans" panose="020B0606030504020204" pitchFamily="34" charset="0"/>
+              <a:ea typeface="Open Sans" panose="020B0606030504020204" pitchFamily="34" charset="0"/>
+              <a:cs typeface="Open Sans" panose="020B0606030504020204" pitchFamily="34" charset="0"/>
+            </a:endParaRPr>
+          </a:p>
+        </p:txBody>
+      </p:sp>
+      <p:sp>
+        <p:nvSpPr>
+          <p:cNvPr id="53" name="ZoneTexte 52"/>
+          <p:cNvSpPr txBox="1"/>
+          <p:nvPr/>
+        </p:nvSpPr>
+        <p:spPr>
+          <a:xfrm>
+            <a:off x="4521083" y="963043"/>
+            <a:ext cx="2041081" cy="553998"/>
+          </a:xfrm>
+          <a:prstGeom prst="rect">
+            <a:avLst/>
+          </a:prstGeom>
+          <a:noFill/>
+          <a:ln>
+            <a:noFill/>
+          </a:ln>
+        </p:spPr>
+        <p:txBody>
+          <a:bodyPr wrap="square" rtlCol="0">
+            <a:spAutoFit/>
+          </a:bodyPr>
+          <a:lstStyle/>
+          <a:p>
+            <a:pPr algn="ctr"/>
+            <a:r>
+              <a:rPr lang="en-US" sz="1000" dirty="0" smtClean="0">
+                <a:latin typeface="Open Sans Semibold" panose="020B0706030804020204" pitchFamily="34" charset="0"/>
+                <a:ea typeface="Open Sans Semibold" panose="020B0706030804020204" pitchFamily="34" charset="0"/>
+                <a:cs typeface="Open Sans Semibold" panose="020B0706030804020204" pitchFamily="34" charset="0"/>
+              </a:rPr>
+              <a:t>AGE, GENDER, PERSONALITY, INTEREST IN DREAMS, COGNITIVE ABILITIES</a:t>
+            </a:r>
+            <a:endParaRPr lang="en-US" sz="1000" dirty="0">
+              <a:latin typeface="Open Sans Semibold" panose="020B0706030804020204" pitchFamily="34" charset="0"/>
+              <a:ea typeface="Open Sans Semibold" panose="020B0706030804020204" pitchFamily="34" charset="0"/>
+              <a:cs typeface="Open Sans Semibold" panose="020B0706030804020204" pitchFamily="34" charset="0"/>
+            </a:endParaRPr>
+          </a:p>
+        </p:txBody>
+      </p:sp>
+      <p:cxnSp>
+        <p:nvCxnSpPr>
+          <p:cNvPr id="56" name="Connecteur droit avec flèche 55"/>
+          <p:cNvCxnSpPr>
+            <a:endCxn id="85" idx="0"/>
+          </p:cNvCxnSpPr>
+          <p:nvPr/>
+        </p:nvCxnSpPr>
+        <p:spPr>
+          <a:xfrm flipH="1">
+            <a:off x="4394421" y="1484313"/>
+            <a:ext cx="286611" cy="344563"/>
+          </a:xfrm>
+          <a:prstGeom prst="straightConnector1">
+            <a:avLst/>
+          </a:prstGeom>
+          <a:ln w="12700">
+            <a:solidFill>
+              <a:schemeClr val="tx1"/>
+            </a:solidFill>
+            <a:prstDash val="solid"/>
+            <a:tailEnd type="triangle"/>
+          </a:ln>
+        </p:spPr>
+        <p:style>
+          <a:lnRef idx="1">
+            <a:schemeClr val="dk1"/>
+          </a:lnRef>
+          <a:fillRef idx="0">
+            <a:schemeClr val="dk1"/>
+          </a:fillRef>
+          <a:effectRef idx="0">
+            <a:schemeClr val="dk1"/>
+          </a:effectRef>
+          <a:fontRef idx="minor">
+            <a:schemeClr val="tx1"/>
+          </a:fontRef>
+        </p:style>
+      </p:cxnSp>
+      <p:cxnSp>
+        <p:nvCxnSpPr>
+          <p:cNvPr id="77" name="Connecteur droit avec flèche 76"/>
+          <p:cNvCxnSpPr/>
+          <p:nvPr/>
+        </p:nvCxnSpPr>
+        <p:spPr>
+          <a:xfrm flipV="1">
+            <a:off x="4391027" y="3387414"/>
+            <a:ext cx="0" cy="432000"/>
+          </a:xfrm>
+          <a:prstGeom prst="straightConnector1">
+            <a:avLst/>
+          </a:prstGeom>
+          <a:ln w="12700">
+            <a:solidFill>
+              <a:schemeClr val="tx1"/>
+            </a:solidFill>
+            <a:prstDash val="solid"/>
+            <a:tailEnd type="triangle"/>
+          </a:ln>
+        </p:spPr>
+        <p:style>
+          <a:lnRef idx="1">
+            <a:schemeClr val="dk1"/>
+          </a:lnRef>
+          <a:fillRef idx="0">
+            <a:schemeClr val="dk1"/>
+          </a:fillRef>
+          <a:effectRef idx="0">
+            <a:schemeClr val="dk1"/>
+          </a:effectRef>
+          <a:fontRef idx="minor">
+            <a:schemeClr val="tx1"/>
+          </a:fontRef>
+        </p:style>
+      </p:cxnSp>
+      <p:sp>
+        <p:nvSpPr>
+          <p:cNvPr id="78" name="ZoneTexte 77"/>
+          <p:cNvSpPr txBox="1"/>
+          <p:nvPr/>
+        </p:nvSpPr>
+        <p:spPr>
+          <a:xfrm>
+            <a:off x="3643894" y="3901376"/>
+            <a:ext cx="747134" cy="415498"/>
+          </a:xfrm>
+          <a:prstGeom prst="rect">
+            <a:avLst/>
+          </a:prstGeom>
+          <a:noFill/>
+        </p:spPr>
+        <p:txBody>
+          <a:bodyPr wrap="square" rtlCol="0">
+            <a:spAutoFit/>
+          </a:bodyPr>
+          <a:lstStyle/>
+          <a:p>
+            <a:pPr algn="ctr"/>
+            <a:r>
+              <a:rPr lang="en-US" sz="1050" dirty="0" smtClean="0">
+                <a:solidFill>
+                  <a:srgbClr val="FF0000"/>
+                </a:solidFill>
+                <a:latin typeface="Open Sans Semibold" panose="020B0706030804020204" pitchFamily="34" charset="0"/>
+                <a:ea typeface="Open Sans Semibold" panose="020B0706030804020204" pitchFamily="34" charset="0"/>
+                <a:cs typeface="Open Sans Semibold" panose="020B0706030804020204" pitchFamily="34" charset="0"/>
+              </a:rPr>
+              <a:t>Sleep inertia</a:t>
+            </a:r>
+            <a:endParaRPr lang="en-US" sz="1050" dirty="0">
+              <a:solidFill>
+                <a:srgbClr val="FF0000"/>
+              </a:solidFill>
+              <a:latin typeface="Open Sans Semibold" panose="020B0706030804020204" pitchFamily="34" charset="0"/>
+              <a:ea typeface="Open Sans Semibold" panose="020B0706030804020204" pitchFamily="34" charset="0"/>
+              <a:cs typeface="Open Sans Semibold" panose="020B0706030804020204" pitchFamily="34" charset="0"/>
+            </a:endParaRPr>
+          </a:p>
+        </p:txBody>
+      </p:sp>
+      <p:sp>
+        <p:nvSpPr>
+          <p:cNvPr id="79" name="ZoneTexte 78"/>
+          <p:cNvSpPr txBox="1"/>
+          <p:nvPr/>
+        </p:nvSpPr>
+        <p:spPr>
+          <a:xfrm>
+            <a:off x="4391027" y="3901376"/>
+            <a:ext cx="747134" cy="415498"/>
+          </a:xfrm>
+          <a:prstGeom prst="rect">
+            <a:avLst/>
+          </a:prstGeom>
+          <a:noFill/>
+        </p:spPr>
+        <p:txBody>
+          <a:bodyPr wrap="square" rtlCol="0">
+            <a:spAutoFit/>
+          </a:bodyPr>
+          <a:lstStyle/>
+          <a:p>
+            <a:pPr algn="ctr"/>
+            <a:r>
+              <a:rPr lang="en-US" sz="1050" dirty="0" smtClean="0">
+                <a:solidFill>
+                  <a:srgbClr val="FF0000"/>
+                </a:solidFill>
+                <a:latin typeface="Open Sans Semibold" panose="020B0706030804020204" pitchFamily="34" charset="0"/>
+                <a:ea typeface="Open Sans Semibold" panose="020B0706030804020204" pitchFamily="34" charset="0"/>
+                <a:cs typeface="Open Sans Semibold" panose="020B0706030804020204" pitchFamily="34" charset="0"/>
+              </a:rPr>
+              <a:t>Sleep</a:t>
+            </a:r>
+          </a:p>
+          <a:p>
+            <a:pPr algn="ctr"/>
+            <a:r>
+              <a:rPr lang="en-US" sz="1050" dirty="0" smtClean="0">
+                <a:solidFill>
+                  <a:srgbClr val="FF0000"/>
+                </a:solidFill>
+                <a:latin typeface="Open Sans Semibold" panose="020B0706030804020204" pitchFamily="34" charset="0"/>
+                <a:ea typeface="Open Sans Semibold" panose="020B0706030804020204" pitchFamily="34" charset="0"/>
+                <a:cs typeface="Open Sans Semibold" panose="020B0706030804020204" pitchFamily="34" charset="0"/>
+              </a:rPr>
+              <a:t>depth</a:t>
+            </a:r>
+            <a:endParaRPr lang="en-US" sz="1050" dirty="0">
+              <a:solidFill>
+                <a:srgbClr val="FF0000"/>
+              </a:solidFill>
+              <a:latin typeface="Open Sans Semibold" panose="020B0706030804020204" pitchFamily="34" charset="0"/>
+              <a:ea typeface="Open Sans Semibold" panose="020B0706030804020204" pitchFamily="34" charset="0"/>
+              <a:cs typeface="Open Sans Semibold" panose="020B0706030804020204" pitchFamily="34" charset="0"/>
+            </a:endParaRPr>
+          </a:p>
+        </p:txBody>
+      </p:sp>
+      <p:cxnSp>
+        <p:nvCxnSpPr>
+          <p:cNvPr id="84" name="Connecteur droit avec flèche 83"/>
+          <p:cNvCxnSpPr/>
+          <p:nvPr/>
+        </p:nvCxnSpPr>
+        <p:spPr>
+          <a:xfrm>
+            <a:off x="4391823" y="2242462"/>
+            <a:ext cx="0" cy="432000"/>
+          </a:xfrm>
+          <a:prstGeom prst="straightConnector1">
+            <a:avLst/>
+          </a:prstGeom>
+          <a:ln w="12700">
+            <a:solidFill>
+              <a:schemeClr val="tx1"/>
+            </a:solidFill>
+            <a:prstDash val="solid"/>
+            <a:tailEnd type="triangle"/>
+          </a:ln>
+        </p:spPr>
+        <p:style>
+          <a:lnRef idx="1">
+            <a:schemeClr val="dk1"/>
+          </a:lnRef>
+          <a:fillRef idx="0">
+            <a:schemeClr val="dk1"/>
+          </a:fillRef>
+          <a:effectRef idx="0">
+            <a:schemeClr val="dk1"/>
+          </a:effectRef>
+          <a:fontRef idx="minor">
+            <a:schemeClr val="tx1"/>
+          </a:fontRef>
+        </p:style>
+      </p:cxnSp>
+      <p:sp>
+        <p:nvSpPr>
+          <p:cNvPr id="85" name="ZoneTexte 84"/>
+          <p:cNvSpPr txBox="1"/>
+          <p:nvPr/>
+        </p:nvSpPr>
+        <p:spPr>
+          <a:xfrm>
+            <a:off x="3802009" y="1828876"/>
+            <a:ext cx="1184824" cy="415498"/>
+          </a:xfrm>
+          <a:prstGeom prst="rect">
+            <a:avLst/>
+          </a:prstGeom>
+          <a:noFill/>
+        </p:spPr>
+        <p:txBody>
+          <a:bodyPr wrap="square" rtlCol="0">
+            <a:spAutoFit/>
+          </a:bodyPr>
+          <a:lstStyle/>
+          <a:p>
+            <a:pPr algn="ctr"/>
+            <a:r>
+              <a:rPr lang="en-US" sz="1050" dirty="0" smtClean="0">
+                <a:solidFill>
+                  <a:srgbClr val="00B050"/>
+                </a:solidFill>
+                <a:latin typeface="Open Sans Semibold" panose="020B0706030804020204" pitchFamily="34" charset="0"/>
+                <a:ea typeface="Open Sans Semibold" panose="020B0706030804020204" pitchFamily="34" charset="0"/>
+                <a:cs typeface="Open Sans Semibold" panose="020B0706030804020204" pitchFamily="34" charset="0"/>
+              </a:rPr>
+              <a:t>Salience of dream content</a:t>
+            </a:r>
+            <a:endParaRPr lang="en-US" sz="1050" dirty="0">
+              <a:solidFill>
+                <a:srgbClr val="00B050"/>
+              </a:solidFill>
+              <a:latin typeface="Open Sans Semibold" panose="020B0706030804020204" pitchFamily="34" charset="0"/>
+              <a:ea typeface="Open Sans Semibold" panose="020B0706030804020204" pitchFamily="34" charset="0"/>
+              <a:cs typeface="Open Sans Semibold" panose="020B0706030804020204" pitchFamily="34" charset="0"/>
+            </a:endParaRPr>
+          </a:p>
+        </p:txBody>
+      </p:sp>
+      <p:cxnSp>
+        <p:nvCxnSpPr>
+          <p:cNvPr id="108" name="Connecteur droit avec flèche 107"/>
+          <p:cNvCxnSpPr/>
+          <p:nvPr/>
+        </p:nvCxnSpPr>
+        <p:spPr>
+          <a:xfrm rot="16200000" flipV="1">
+            <a:off x="4384053" y="3965125"/>
+            <a:ext cx="0" cy="288000"/>
+          </a:xfrm>
+          <a:prstGeom prst="straightConnector1">
+            <a:avLst/>
+          </a:prstGeom>
+          <a:ln w="6350">
+            <a:solidFill>
+              <a:schemeClr val="tx1"/>
+            </a:solidFill>
+            <a:prstDash val="solid"/>
+            <a:headEnd type="none" w="med" len="med"/>
+            <a:tailEnd type="triangle" w="med" len="med"/>
+          </a:ln>
+        </p:spPr>
+        <p:style>
+          <a:lnRef idx="1">
+            <a:schemeClr val="dk1"/>
+          </a:lnRef>
+          <a:fillRef idx="0">
+            <a:schemeClr val="dk1"/>
+          </a:fillRef>
+          <a:effectRef idx="0">
+            <a:schemeClr val="dk1"/>
+          </a:effectRef>
+          <a:fontRef idx="minor">
+            <a:schemeClr val="tx1"/>
+          </a:fontRef>
+        </p:style>
+      </p:cxnSp>
+      <p:pic>
+        <p:nvPicPr>
+          <p:cNvPr id="115" name="Image 114"/>
+          <p:cNvPicPr>
+            <a:picLocks noChangeAspect="1"/>
+          </p:cNvPicPr>
+          <p:nvPr/>
+        </p:nvPicPr>
+        <p:blipFill>
+          <a:blip r:embed="rId2" cstate="print">
+            <a:extLst>
+              <a:ext uri="{28A0092B-C50C-407E-A947-70E740481C1C}">
+                <a14:useLocalDpi xmlns:a14="http://schemas.microsoft.com/office/drawing/2010/main" val="0"/>
+              </a:ext>
+            </a:extLst>
+          </a:blip>
+          <a:stretch>
+            <a:fillRect/>
+          </a:stretch>
+        </p:blipFill>
+        <p:spPr>
+          <a:xfrm>
+            <a:off x="5304557" y="1589775"/>
+            <a:ext cx="612000" cy="612000"/>
+          </a:xfrm>
+          <a:prstGeom prst="rect">
+            <a:avLst/>
+          </a:prstGeom>
+        </p:spPr>
+      </p:pic>
+      <p:pic>
+        <p:nvPicPr>
+          <p:cNvPr id="116" name="Image 115"/>
+          <p:cNvPicPr>
+            <a:picLocks noChangeAspect="1"/>
+          </p:cNvPicPr>
+          <p:nvPr/>
+        </p:nvPicPr>
+        <p:blipFill>
+          <a:blip r:embed="rId3" cstate="print">
+            <a:extLst>
+              <a:ext uri="{28A0092B-C50C-407E-A947-70E740481C1C}">
+                <a14:useLocalDpi xmlns:a14="http://schemas.microsoft.com/office/drawing/2010/main" val="0"/>
+              </a:ext>
+            </a:extLst>
+          </a:blip>
+          <a:stretch>
+            <a:fillRect/>
+          </a:stretch>
+        </p:blipFill>
+        <p:spPr>
+          <a:xfrm>
+            <a:off x="5307049" y="3907900"/>
+            <a:ext cx="612000" cy="612000"/>
+          </a:xfrm>
+          <a:prstGeom prst="rect">
+            <a:avLst/>
+          </a:prstGeom>
+        </p:spPr>
+      </p:pic>
+      <p:sp>
+        <p:nvSpPr>
+          <p:cNvPr id="120" name="ZoneTexte 119"/>
+          <p:cNvSpPr txBox="1"/>
+          <p:nvPr/>
+        </p:nvSpPr>
+        <p:spPr>
+          <a:xfrm>
+            <a:off x="3602578" y="4704746"/>
+            <a:ext cx="1562949" cy="415498"/>
+          </a:xfrm>
+          <a:prstGeom prst="rect">
+            <a:avLst/>
+          </a:prstGeom>
+          <a:noFill/>
+          <a:ln>
+            <a:noFill/>
+          </a:ln>
+        </p:spPr>
+        <p:txBody>
+          <a:bodyPr wrap="square" rtlCol="0">
+            <a:spAutoFit/>
+          </a:bodyPr>
+          <a:lstStyle/>
+          <a:p>
+            <a:pPr algn="ctr"/>
+            <a:r>
+              <a:rPr lang="en-US" sz="1000" dirty="0" smtClean="0">
+                <a:latin typeface="Open Sans Semibold" panose="020B0706030804020204" pitchFamily="34" charset="0"/>
+                <a:ea typeface="Open Sans Semibold" panose="020B0706030804020204" pitchFamily="34" charset="0"/>
+                <a:cs typeface="Open Sans Semibold" panose="020B0706030804020204" pitchFamily="34" charset="0"/>
+              </a:rPr>
+              <a:t>DEFAULT NETWORK</a:t>
+            </a:r>
+          </a:p>
+          <a:p>
+            <a:pPr algn="ctr"/>
+            <a:r>
+              <a:rPr lang="en-US" sz="1000" dirty="0" smtClean="0">
+                <a:latin typeface="Open Sans Semibold" panose="020B0706030804020204" pitchFamily="34" charset="0"/>
+                <a:ea typeface="Open Sans Semibold" panose="020B0706030804020204" pitchFamily="34" charset="0"/>
+                <a:cs typeface="Open Sans Semibold" panose="020B0706030804020204" pitchFamily="34" charset="0"/>
+              </a:rPr>
+              <a:t>FUNCTIONING</a:t>
+            </a:r>
+            <a:endParaRPr lang="en-US" sz="1000" dirty="0">
+              <a:latin typeface="Open Sans Semibold" panose="020B0706030804020204" pitchFamily="34" charset="0"/>
+              <a:ea typeface="Open Sans Semibold" panose="020B0706030804020204" pitchFamily="34" charset="0"/>
+              <a:cs typeface="Open Sans Semibold" panose="020B0706030804020204" pitchFamily="34" charset="0"/>
+            </a:endParaRPr>
+          </a:p>
+        </p:txBody>
+      </p:sp>
+      <p:cxnSp>
+        <p:nvCxnSpPr>
+          <p:cNvPr id="124" name="Connecteur droit avec flèche 123"/>
+          <p:cNvCxnSpPr/>
+          <p:nvPr/>
+        </p:nvCxnSpPr>
+        <p:spPr>
+          <a:xfrm flipV="1">
+            <a:off x="4017461" y="4363569"/>
+            <a:ext cx="0" cy="288000"/>
+          </a:xfrm>
+          <a:prstGeom prst="straightConnector1">
+            <a:avLst/>
+          </a:prstGeom>
+          <a:ln w="12700">
+            <a:solidFill>
+              <a:schemeClr val="tx1"/>
+            </a:solidFill>
+            <a:prstDash val="solid"/>
+            <a:tailEnd type="triangle"/>
+          </a:ln>
+        </p:spPr>
+        <p:style>
+          <a:lnRef idx="1">
+            <a:schemeClr val="dk1"/>
+          </a:lnRef>
+          <a:fillRef idx="0">
+            <a:schemeClr val="dk1"/>
+          </a:fillRef>
+          <a:effectRef idx="0">
+            <a:schemeClr val="dk1"/>
+          </a:effectRef>
+          <a:fontRef idx="minor">
+            <a:schemeClr val="tx1"/>
+          </a:fontRef>
+        </p:style>
+      </p:cxnSp>
+      <p:cxnSp>
+        <p:nvCxnSpPr>
+          <p:cNvPr id="127" name="Connecteur droit avec flèche 126"/>
+          <p:cNvCxnSpPr/>
+          <p:nvPr/>
+        </p:nvCxnSpPr>
+        <p:spPr>
+          <a:xfrm>
+            <a:off x="5155396" y="4915064"/>
+            <a:ext cx="1152000" cy="0"/>
+          </a:xfrm>
+          <a:prstGeom prst="straightConnector1">
+            <a:avLst/>
+          </a:prstGeom>
+          <a:ln w="12700">
+            <a:solidFill>
+              <a:schemeClr val="tx1"/>
+            </a:solidFill>
+            <a:tailEnd type="triangle"/>
+          </a:ln>
+        </p:spPr>
+        <p:style>
+          <a:lnRef idx="1">
+            <a:schemeClr val="dk1"/>
+          </a:lnRef>
+          <a:fillRef idx="0">
+            <a:schemeClr val="dk1"/>
+          </a:fillRef>
+          <a:effectRef idx="0">
+            <a:schemeClr val="dk1"/>
+          </a:effectRef>
+          <a:fontRef idx="minor">
+            <a:schemeClr val="tx1"/>
+          </a:fontRef>
+        </p:style>
+      </p:cxnSp>
+      <p:grpSp>
+        <p:nvGrpSpPr>
+          <p:cNvPr id="135" name="Groupe 134"/>
+          <p:cNvGrpSpPr/>
+          <p:nvPr/>
+        </p:nvGrpSpPr>
+        <p:grpSpPr>
+          <a:xfrm>
+            <a:off x="7683410" y="4203771"/>
+            <a:ext cx="1411301" cy="914831"/>
+            <a:chOff x="8060487" y="4139202"/>
+            <a:chExt cx="1411301" cy="914831"/>
+          </a:xfrm>
+        </p:grpSpPr>
+        <p:grpSp>
+          <p:nvGrpSpPr>
+            <p:cNvPr id="132" name="Groupe 131"/>
+            <p:cNvGrpSpPr/>
+            <p:nvPr/>
+          </p:nvGrpSpPr>
+          <p:grpSpPr>
+            <a:xfrm>
+              <a:off x="8060487" y="4139202"/>
+              <a:ext cx="1411301" cy="914831"/>
+              <a:chOff x="7950777" y="4056747"/>
+              <a:chExt cx="1411301" cy="914831"/>
+            </a:xfrm>
+          </p:grpSpPr>
+          <p:grpSp>
+            <p:nvGrpSpPr>
+              <p:cNvPr id="45" name="Groupe 44"/>
+              <p:cNvGrpSpPr/>
+              <p:nvPr/>
+            </p:nvGrpSpPr>
+            <p:grpSpPr>
+              <a:xfrm>
+                <a:off x="7950777" y="4056747"/>
+                <a:ext cx="1411301" cy="914831"/>
+                <a:chOff x="8224417" y="3776041"/>
+                <a:chExt cx="1392562" cy="914831"/>
+              </a:xfrm>
+            </p:grpSpPr>
+            <p:sp>
+              <p:nvSpPr>
+                <p:cNvPr id="42" name="Rectangle 41"/>
+                <p:cNvSpPr/>
+                <p:nvPr/>
+              </p:nvSpPr>
+              <p:spPr>
+                <a:xfrm>
+                  <a:off x="8224417" y="3776041"/>
+                  <a:ext cx="1392562" cy="914831"/>
+                </a:xfrm>
+                <a:prstGeom prst="rect">
+                  <a:avLst/>
+                </a:prstGeom>
+                <a:noFill/>
+                <a:ln w="19050">
+                  <a:solidFill>
+                    <a:schemeClr val="bg2"/>
+                  </a:solidFill>
+                  <a:prstDash val="sysDash"/>
+                </a:ln>
+              </p:spPr>
+              <p:style>
+                <a:lnRef idx="2">
+                  <a:schemeClr val="accent1">
+                    <a:shade val="50000"/>
+                  </a:schemeClr>
+                </a:lnRef>
+                <a:fillRef idx="1">
+                  <a:schemeClr val="accent1"/>
+                </a:fillRef>
+                <a:effectRef idx="0">
+                  <a:schemeClr val="accent1"/>
+                </a:effectRef>
+                <a:fontRef idx="minor">
+                  <a:schemeClr val="lt1"/>
+                </a:fontRef>
+              </p:style>
+              <p:txBody>
+                <a:bodyPr rtlCol="0" anchor="ctr"/>
+                <a:lstStyle/>
+                <a:p>
+                  <a:pPr algn="ctr"/>
+                  <a:endParaRPr lang="en-US"/>
+                </a:p>
+              </p:txBody>
+            </p:sp>
+            <p:pic>
+              <p:nvPicPr>
+                <p:cNvPr id="43" name="Image 42"/>
+                <p:cNvPicPr>
+                  <a:picLocks noChangeAspect="1"/>
+                </p:cNvPicPr>
+                <p:nvPr/>
+              </p:nvPicPr>
+              <p:blipFill>
+                <a:blip r:embed="rId4" cstate="print">
+                  <a:extLst>
+                    <a:ext uri="{28A0092B-C50C-407E-A947-70E740481C1C}">
+                      <a14:useLocalDpi xmlns:a14="http://schemas.microsoft.com/office/drawing/2010/main" val="0"/>
+                    </a:ext>
+                  </a:extLst>
+                </a:blip>
+                <a:stretch>
+                  <a:fillRect/>
+                </a:stretch>
+              </p:blipFill>
+              <p:spPr>
+                <a:xfrm>
+                  <a:off x="8265045" y="3994844"/>
+                  <a:ext cx="216000" cy="216000"/>
+                </a:xfrm>
+                <a:prstGeom prst="rect">
+                  <a:avLst/>
+                </a:prstGeom>
+              </p:spPr>
+            </p:pic>
+            <p:pic>
+              <p:nvPicPr>
+                <p:cNvPr id="44" name="Image 43"/>
+                <p:cNvPicPr>
+                  <a:picLocks noChangeAspect="1"/>
+                </p:cNvPicPr>
+                <p:nvPr/>
+              </p:nvPicPr>
+              <p:blipFill>
+                <a:blip r:embed="rId5" cstate="print">
+                  <a:extLst>
+                    <a:ext uri="{28A0092B-C50C-407E-A947-70E740481C1C}">
+                      <a14:useLocalDpi xmlns:a14="http://schemas.microsoft.com/office/drawing/2010/main" val="0"/>
+                    </a:ext>
+                  </a:extLst>
+                </a:blip>
+                <a:stretch>
+                  <a:fillRect/>
+                </a:stretch>
+              </p:blipFill>
+              <p:spPr>
+                <a:xfrm>
+                  <a:off x="8265045" y="4358676"/>
+                  <a:ext cx="216000" cy="216000"/>
+                </a:xfrm>
+                <a:prstGeom prst="rect">
+                  <a:avLst/>
+                </a:prstGeom>
+              </p:spPr>
+            </p:pic>
+          </p:grpSp>
+          <p:sp>
+            <p:nvSpPr>
+              <p:cNvPr id="46" name="ZoneTexte 45"/>
+              <p:cNvSpPr txBox="1"/>
+              <p:nvPr/>
+            </p:nvSpPr>
+            <p:spPr>
+              <a:xfrm>
+                <a:off x="8163648" y="4232914"/>
+                <a:ext cx="1198430" cy="369332"/>
+              </a:xfrm>
+              <a:prstGeom prst="rect">
+                <a:avLst/>
+              </a:prstGeom>
+              <a:noFill/>
+            </p:spPr>
+            <p:txBody>
+              <a:bodyPr wrap="square" rtlCol="0">
+                <a:spAutoFit/>
+              </a:bodyPr>
+              <a:lstStyle/>
+              <a:p>
+                <a:r>
+                  <a:rPr lang="en-US" sz="900" dirty="0" smtClean="0">
+                    <a:latin typeface="Open Sans" panose="020B0606030504020204" pitchFamily="34" charset="0"/>
+                    <a:ea typeface="Open Sans" panose="020B0606030504020204" pitchFamily="34" charset="0"/>
+                    <a:cs typeface="Open Sans" panose="020B0606030504020204" pitchFamily="34" charset="0"/>
+                  </a:rPr>
+                  <a:t>Factors </a:t>
+                </a:r>
+                <a:r>
+                  <a:rPr lang="en-US" sz="900" b="1" dirty="0" smtClean="0">
+                    <a:solidFill>
+                      <a:srgbClr val="00B050"/>
+                    </a:solidFill>
+                    <a:latin typeface="Open Sans" panose="020B0606030504020204" pitchFamily="34" charset="0"/>
+                    <a:ea typeface="Open Sans" panose="020B0606030504020204" pitchFamily="34" charset="0"/>
+                    <a:cs typeface="Open Sans" panose="020B0606030504020204" pitchFamily="34" charset="0"/>
+                  </a:rPr>
+                  <a:t>promoting</a:t>
+                </a:r>
+                <a:r>
+                  <a:rPr lang="en-US" sz="900" dirty="0" smtClean="0">
+                    <a:solidFill>
+                      <a:srgbClr val="00B050"/>
+                    </a:solidFill>
+                    <a:latin typeface="Open Sans" panose="020B0606030504020204" pitchFamily="34" charset="0"/>
+                    <a:ea typeface="Open Sans" panose="020B0606030504020204" pitchFamily="34" charset="0"/>
+                    <a:cs typeface="Open Sans" panose="020B0606030504020204" pitchFamily="34" charset="0"/>
+                  </a:rPr>
+                  <a:t> </a:t>
+                </a:r>
+                <a:r>
+                  <a:rPr lang="en-US" sz="900" dirty="0" smtClean="0">
+                    <a:latin typeface="Open Sans" panose="020B0606030504020204" pitchFamily="34" charset="0"/>
+                    <a:ea typeface="Open Sans" panose="020B0606030504020204" pitchFamily="34" charset="0"/>
+                    <a:cs typeface="Open Sans" panose="020B0606030504020204" pitchFamily="34" charset="0"/>
+                  </a:rPr>
+                  <a:t>dream recall</a:t>
+                </a:r>
+                <a:endParaRPr lang="en-US" sz="900" dirty="0">
+                  <a:latin typeface="Open Sans" panose="020B0606030504020204" pitchFamily="34" charset="0"/>
+                  <a:ea typeface="Open Sans" panose="020B0606030504020204" pitchFamily="34" charset="0"/>
+                  <a:cs typeface="Open Sans" panose="020B0606030504020204" pitchFamily="34" charset="0"/>
+                </a:endParaRPr>
+              </a:p>
+            </p:txBody>
+          </p:sp>
+          <p:sp>
+            <p:nvSpPr>
+              <p:cNvPr id="47" name="ZoneTexte 46"/>
+              <p:cNvSpPr txBox="1"/>
+              <p:nvPr/>
+            </p:nvSpPr>
+            <p:spPr>
+              <a:xfrm>
+                <a:off x="8163648" y="4602246"/>
+                <a:ext cx="1198430" cy="369332"/>
+              </a:xfrm>
+              <a:prstGeom prst="rect">
+                <a:avLst/>
+              </a:prstGeom>
+              <a:noFill/>
+            </p:spPr>
+            <p:txBody>
+              <a:bodyPr wrap="square" rtlCol="0">
+                <a:spAutoFit/>
+              </a:bodyPr>
+              <a:lstStyle/>
+              <a:p>
+                <a:r>
+                  <a:rPr lang="en-US" sz="900" dirty="0" smtClean="0">
+                    <a:latin typeface="Open Sans" panose="020B0606030504020204" pitchFamily="34" charset="0"/>
+                    <a:ea typeface="Open Sans" panose="020B0606030504020204" pitchFamily="34" charset="0"/>
+                    <a:cs typeface="Open Sans" panose="020B0606030504020204" pitchFamily="34" charset="0"/>
+                  </a:rPr>
+                  <a:t>Factors </a:t>
+                </a:r>
+                <a:r>
+                  <a:rPr lang="en-US" sz="900" b="1" dirty="0" smtClean="0">
+                    <a:solidFill>
+                      <a:srgbClr val="FF0000"/>
+                    </a:solidFill>
+                    <a:latin typeface="Open Sans" panose="020B0606030504020204" pitchFamily="34" charset="0"/>
+                    <a:ea typeface="Open Sans" panose="020B0606030504020204" pitchFamily="34" charset="0"/>
+                    <a:cs typeface="Open Sans" panose="020B0606030504020204" pitchFamily="34" charset="0"/>
+                  </a:rPr>
+                  <a:t>preventing</a:t>
+                </a:r>
+                <a:r>
+                  <a:rPr lang="en-US" sz="900" b="1" dirty="0" smtClean="0">
+                    <a:solidFill>
+                      <a:srgbClr val="00B050"/>
+                    </a:solidFill>
+                    <a:latin typeface="Open Sans" panose="020B0606030504020204" pitchFamily="34" charset="0"/>
+                    <a:ea typeface="Open Sans" panose="020B0606030504020204" pitchFamily="34" charset="0"/>
+                    <a:cs typeface="Open Sans" panose="020B0606030504020204" pitchFamily="34" charset="0"/>
+                  </a:rPr>
+                  <a:t> </a:t>
+                </a:r>
+                <a:r>
+                  <a:rPr lang="en-US" sz="900" dirty="0" smtClean="0">
+                    <a:latin typeface="Open Sans" panose="020B0606030504020204" pitchFamily="34" charset="0"/>
+                    <a:ea typeface="Open Sans" panose="020B0606030504020204" pitchFamily="34" charset="0"/>
+                    <a:cs typeface="Open Sans" panose="020B0606030504020204" pitchFamily="34" charset="0"/>
+                  </a:rPr>
+                  <a:t>dream recall</a:t>
+                </a:r>
+                <a:endParaRPr lang="en-US" sz="900" dirty="0">
+                  <a:latin typeface="Open Sans" panose="020B0606030504020204" pitchFamily="34" charset="0"/>
+                  <a:ea typeface="Open Sans" panose="020B0606030504020204" pitchFamily="34" charset="0"/>
+                  <a:cs typeface="Open Sans" panose="020B0606030504020204" pitchFamily="34" charset="0"/>
+                </a:endParaRPr>
+              </a:p>
+            </p:txBody>
+          </p:sp>
+        </p:grpSp>
+        <p:sp>
+          <p:nvSpPr>
+            <p:cNvPr id="134" name="ZoneTexte 133"/>
+            <p:cNvSpPr txBox="1"/>
+            <p:nvPr/>
+          </p:nvSpPr>
+          <p:spPr>
+            <a:xfrm>
+              <a:off x="8060487" y="4139202"/>
+              <a:ext cx="1411301" cy="230832"/>
+            </a:xfrm>
+            <a:prstGeom prst="rect">
+              <a:avLst/>
+            </a:prstGeom>
+            <a:noFill/>
+          </p:spPr>
+          <p:txBody>
+            <a:bodyPr wrap="square" rtlCol="0">
+              <a:spAutoFit/>
+            </a:bodyPr>
+            <a:lstStyle/>
+            <a:p>
+              <a:pPr algn="ctr"/>
+              <a:r>
+                <a:rPr lang="en-US" sz="900" dirty="0" smtClean="0">
+                  <a:latin typeface="Open Sans Light" panose="020B0306030504020204" pitchFamily="34" charset="0"/>
+                  <a:ea typeface="Open Sans Light" panose="020B0306030504020204" pitchFamily="34" charset="0"/>
+                  <a:cs typeface="Open Sans Light" panose="020B0306030504020204" pitchFamily="34" charset="0"/>
+                </a:rPr>
+                <a:t>LEGEND</a:t>
+              </a:r>
+              <a:endParaRPr lang="en-US" sz="900" dirty="0">
+                <a:latin typeface="Open Sans Light" panose="020B0306030504020204" pitchFamily="34" charset="0"/>
+                <a:ea typeface="Open Sans Light" panose="020B0306030504020204" pitchFamily="34" charset="0"/>
+                <a:cs typeface="Open Sans Light" panose="020B0306030504020204" pitchFamily="34" charset="0"/>
+              </a:endParaRPr>
+            </a:p>
+          </p:txBody>
+        </p:sp>
+      </p:grpSp>
+      <p:cxnSp>
+        <p:nvCxnSpPr>
+          <p:cNvPr id="141" name="Connecteur en angle 140"/>
+          <p:cNvCxnSpPr/>
+          <p:nvPr/>
+        </p:nvCxnSpPr>
+        <p:spPr>
+          <a:xfrm rot="10800000" flipV="1">
+            <a:off x="2334370" y="1245484"/>
+            <a:ext cx="2196000" cy="3672000"/>
+          </a:xfrm>
+          <a:prstGeom prst="bentConnector3">
+            <a:avLst>
+              <a:gd name="adj1" fmla="val 99997"/>
+            </a:avLst>
+          </a:prstGeom>
+          <a:ln w="12700">
+            <a:solidFill>
+              <a:schemeClr val="tx1"/>
+            </a:solidFill>
+            <a:prstDash val="solid"/>
+            <a:headEnd type="triangle" w="med" len="med"/>
+            <a:tailEnd type="none" w="med" len="med"/>
+          </a:ln>
+        </p:spPr>
+        <p:style>
+          <a:lnRef idx="1">
+            <a:schemeClr val="accent1"/>
+          </a:lnRef>
+          <a:fillRef idx="0">
+            <a:schemeClr val="accent1"/>
+          </a:fillRef>
+          <a:effectRef idx="0">
+            <a:schemeClr val="accent1"/>
+          </a:effectRef>
+          <a:fontRef idx="minor">
+            <a:schemeClr val="tx1"/>
+          </a:fontRef>
+        </p:style>
+      </p:cxnSp>
+      <p:cxnSp>
+        <p:nvCxnSpPr>
+          <p:cNvPr id="159" name="Connecteur droit avec flèche 158"/>
+          <p:cNvCxnSpPr>
+            <a:endCxn id="39" idx="0"/>
+          </p:cNvCxnSpPr>
+          <p:nvPr/>
+        </p:nvCxnSpPr>
+        <p:spPr>
+          <a:xfrm>
+            <a:off x="6478465" y="1484313"/>
+            <a:ext cx="362629" cy="335227"/>
+          </a:xfrm>
+          <a:prstGeom prst="straightConnector1">
+            <a:avLst/>
+          </a:prstGeom>
+          <a:ln w="12700">
+            <a:solidFill>
+              <a:schemeClr val="tx1"/>
+            </a:solidFill>
+            <a:prstDash val="solid"/>
+            <a:tailEnd type="triangle"/>
+          </a:ln>
+        </p:spPr>
+        <p:style>
+          <a:lnRef idx="1">
+            <a:schemeClr val="dk1"/>
+          </a:lnRef>
+          <a:fillRef idx="0">
+            <a:schemeClr val="dk1"/>
+          </a:fillRef>
+          <a:effectRef idx="0">
+            <a:schemeClr val="dk1"/>
+          </a:effectRef>
+          <a:fontRef idx="minor">
+            <a:schemeClr val="tx1"/>
+          </a:fontRef>
+        </p:style>
+      </p:cxnSp>
+      <p:cxnSp>
+        <p:nvCxnSpPr>
+          <p:cNvPr id="164" name="Connecteur droit avec flèche 163"/>
+          <p:cNvCxnSpPr/>
+          <p:nvPr/>
+        </p:nvCxnSpPr>
+        <p:spPr>
+          <a:xfrm flipV="1">
+            <a:off x="4754421" y="4375900"/>
+            <a:ext cx="0" cy="288000"/>
+          </a:xfrm>
+          <a:prstGeom prst="straightConnector1">
+            <a:avLst/>
+          </a:prstGeom>
+          <a:ln w="12700">
+            <a:solidFill>
+              <a:schemeClr val="tx1"/>
+            </a:solidFill>
+            <a:prstDash val="solid"/>
+            <a:tailEnd type="triangle"/>
+          </a:ln>
+        </p:spPr>
+        <p:style>
+          <a:lnRef idx="1">
+            <a:schemeClr val="dk1"/>
+          </a:lnRef>
+          <a:fillRef idx="0">
+            <a:schemeClr val="dk1"/>
+          </a:fillRef>
+          <a:effectRef idx="0">
+            <a:schemeClr val="dk1"/>
+          </a:effectRef>
+          <a:fontRef idx="minor">
+            <a:schemeClr val="tx1"/>
+          </a:fontRef>
+        </p:style>
+      </p:cxnSp>
+      <p:sp>
+        <p:nvSpPr>
+          <p:cNvPr id="165" name="Rectangle 164"/>
+          <p:cNvSpPr/>
+          <p:nvPr/>
+        </p:nvSpPr>
+        <p:spPr>
+          <a:xfrm>
+            <a:off x="4017461" y="3819414"/>
+            <a:ext cx="736960" cy="81962"/>
+          </a:xfrm>
+          <a:prstGeom prst="rect">
+            <a:avLst/>
+          </a:prstGeom>
+          <a:noFill/>
+          <a:ln w="12700">
+            <a:solidFill>
+              <a:schemeClr val="tx1"/>
+            </a:solidFill>
+          </a:ln>
+        </p:spPr>
+        <p:style>
+          <a:lnRef idx="2">
+            <a:schemeClr val="accent1">
+              <a:shade val="50000"/>
+            </a:schemeClr>
+          </a:lnRef>
+          <a:fillRef idx="1">
+            <a:schemeClr val="accent1"/>
+          </a:fillRef>
+          <a:effectRef idx="0">
+            <a:schemeClr val="accent1"/>
+          </a:effectRef>
+          <a:fontRef idx="minor">
+            <a:schemeClr val="lt1"/>
+          </a:fontRef>
+        </p:style>
+        <p:txBody>
+          <a:bodyPr rtlCol="0" anchor="ctr"/>
+          <a:lstStyle/>
+          <a:p>
+            <a:pPr algn="ctr"/>
+            <a:endParaRPr lang="en-US"/>
+          </a:p>
+        </p:txBody>
+      </p:sp>
+      <p:sp>
+        <p:nvSpPr>
+          <p:cNvPr id="166" name="Rectangle 165"/>
+          <p:cNvSpPr/>
+          <p:nvPr/>
+        </p:nvSpPr>
+        <p:spPr>
+          <a:xfrm>
+            <a:off x="3946871" y="3856918"/>
+            <a:ext cx="903608" cy="72931"/>
+          </a:xfrm>
+          <a:prstGeom prst="rect">
+            <a:avLst/>
+          </a:prstGeom>
+          <a:solidFill>
+            <a:schemeClr val="bg1"/>
+          </a:solidFill>
+          <a:ln>
+            <a:noFill/>
+          </a:ln>
+        </p:spPr>
+        <p:style>
+          <a:lnRef idx="2">
+            <a:schemeClr val="accent1">
+              <a:shade val="50000"/>
+            </a:schemeClr>
+          </a:lnRef>
+          <a:fillRef idx="1">
+            <a:schemeClr val="accent1"/>
+          </a:fillRef>
+          <a:effectRef idx="0">
+            <a:schemeClr val="accent1"/>
+          </a:effectRef>
+          <a:fontRef idx="minor">
+            <a:schemeClr val="lt1"/>
+          </a:fontRef>
+        </p:style>
+        <p:txBody>
+          <a:bodyPr rtlCol="0" anchor="ctr"/>
+          <a:lstStyle/>
+          <a:p>
+            <a:pPr algn="ctr"/>
+            <a:endParaRPr lang="en-US"/>
+          </a:p>
+        </p:txBody>
+      </p:sp>
+      <p:cxnSp>
+        <p:nvCxnSpPr>
+          <p:cNvPr id="167" name="Connecteur droit avec flèche 166"/>
+          <p:cNvCxnSpPr/>
+          <p:nvPr/>
+        </p:nvCxnSpPr>
+        <p:spPr>
+          <a:xfrm>
+            <a:off x="2334369" y="4914295"/>
+            <a:ext cx="1260000" cy="0"/>
+          </a:xfrm>
+          <a:prstGeom prst="straightConnector1">
+            <a:avLst/>
+          </a:prstGeom>
+          <a:ln w="12700">
+            <a:solidFill>
+              <a:schemeClr val="tx1"/>
+            </a:solidFill>
+            <a:prstDash val="solid"/>
+            <a:tailEnd type="triangle"/>
+          </a:ln>
+        </p:spPr>
+        <p:style>
+          <a:lnRef idx="1">
+            <a:schemeClr val="dk1"/>
+          </a:lnRef>
+          <a:fillRef idx="0">
+            <a:schemeClr val="dk1"/>
+          </a:fillRef>
+          <a:effectRef idx="0">
+            <a:schemeClr val="dk1"/>
+          </a:effectRef>
+          <a:fontRef idx="minor">
+            <a:schemeClr val="tx1"/>
+          </a:fontRef>
+        </p:style>
+      </p:cxnSp>
+    </p:spTree>
+    <p:extLst>
+      <p:ext uri="{BB962C8B-B14F-4D97-AF65-F5344CB8AC3E}">
+        <p14:creationId xmlns:p14="http://schemas.microsoft.com/office/powerpoint/2010/main" val="1785080441"/>
+      </p:ext>
+    </p:extLst>
+  </p:cSld>
+  <p:clrMapOvr>
+    <a:masterClrMapping/>
+  </p:clrMapOvr>
+  <p:timing>
+    <p:tnLst>
+      <p:par>
+        <p:cTn id="1" dur="indefinite" restart="never" nodeType="tmRoot"/>
+      </p:par>
+    </p:tnLst>
+  </p:timing>
+</p:sld>
+</file>
+
+<file path=ppt/slides/slide4.xml><?xml version="1.0" encoding="utf-8"?>
+<p:sld xmlns:a="http://schemas.openxmlformats.org/drawingml/2006/main" xmlns:r="http://schemas.openxmlformats.org/officeDocument/2006/relationships" xmlns:p="http://schemas.openxmlformats.org/presentationml/2006/main">
+  <p:cSld>
+    <p:spTree>
+      <p:nvGrpSpPr>
+        <p:cNvPr id="1" name=""/>
+        <p:cNvGrpSpPr/>
+        <p:nvPr/>
+      </p:nvGrpSpPr>
+      <p:grpSpPr>
+        <a:xfrm>
+          <a:off x="0" y="0"/>
+          <a:ext cx="0" cy="0"/>
+          <a:chOff x="0" y="0"/>
+          <a:chExt cx="0" cy="0"/>
+        </a:xfrm>
+      </p:grpSpPr>
+      <p:sp>
+        <p:nvSpPr>
+          <p:cNvPr id="4" name="Rectangle 3"/>
+          <p:cNvSpPr/>
+          <p:nvPr/>
+        </p:nvSpPr>
+        <p:spPr>
+          <a:xfrm>
+            <a:off x="4436668" y="3353029"/>
+            <a:ext cx="1440000" cy="872357"/>
+          </a:xfrm>
+          <a:prstGeom prst="rect">
+            <a:avLst/>
+          </a:prstGeom>
+          <a:solidFill>
+            <a:srgbClr val="222A29"/>
+          </a:solidFill>
+          <a:ln w="12700">
+            <a:solidFill>
+              <a:schemeClr val="tx1"/>
+            </a:solidFill>
+          </a:ln>
+        </p:spPr>
+        <p:style>
+          <a:lnRef idx="2">
+            <a:schemeClr val="accent1">
+              <a:shade val="50000"/>
+            </a:schemeClr>
+          </a:lnRef>
+          <a:fillRef idx="1">
+            <a:schemeClr val="accent1"/>
+          </a:fillRef>
+          <a:effectRef idx="0">
+            <a:schemeClr val="accent1"/>
+          </a:effectRef>
+          <a:fontRef idx="minor">
+            <a:schemeClr val="lt1"/>
+          </a:fontRef>
+        </p:style>
+        <p:txBody>
           <a:bodyPr rot="0" spcFirstLastPara="0" vertOverflow="overflow" horzOverflow="overflow" vert="horz" wrap="square" lIns="91439" tIns="45720" rIns="91439" bIns="45720" numCol="1" spcCol="0" rtlCol="0" fromWordArt="0" anchor="ctr" anchorCtr="0" forceAA="0" compatLnSpc="1">
             <a:prstTxWarp prst="textNoShape">
               <a:avLst/>
@@ -3715,25 +8905,7 @@
                 </a:solidFill>
                 <a:latin typeface="Helvetica Neue" panose="02000503000000020004" pitchFamily="50"/>
               </a:rPr>
-              <a:t>SALIENCE </a:t>
-            </a:r>
-            <a:r>
-              <a:rPr lang="en-US" sz="1151" dirty="0">
-                <a:solidFill>
-                  <a:schemeClr val="bg1"/>
-                </a:solidFill>
-                <a:latin typeface="Helvetica Neue" panose="02000503000000020004" pitchFamily="50"/>
-              </a:rPr>
-              <a:t> </a:t>
-            </a:r>
-            <a:r>
-              <a:rPr lang="en-US" sz="1151" dirty="0">
-                <a:solidFill>
-                  <a:schemeClr val="bg1"/>
-                </a:solidFill>
-                <a:latin typeface="Helvetica Neue" panose="02000503000000020004" pitchFamily="50"/>
-              </a:rPr>
-              <a:t>        OF DREAM CONTENT</a:t>
+              <a:t>INTRA-SLEEP AWAKENINGS</a:t>
             </a:r>
             <a:endParaRPr lang="en-US" sz="1151" baseline="30000" dirty="0">
               <a:solidFill>
@@ -3744,15 +8916,167 @@
           </a:p>
         </p:txBody>
       </p:sp>
+      <p:sp>
+        <p:nvSpPr>
+          <p:cNvPr id="7" name="Rectangle 6"/>
+          <p:cNvSpPr/>
+          <p:nvPr/>
+        </p:nvSpPr>
+        <p:spPr>
+          <a:xfrm>
+            <a:off x="6404698" y="2721088"/>
+            <a:ext cx="1502981" cy="872357"/>
+          </a:xfrm>
+          <a:prstGeom prst="rect">
+            <a:avLst/>
+          </a:prstGeom>
+          <a:solidFill>
+            <a:srgbClr val="E8ECEB"/>
+          </a:solidFill>
+          <a:ln w="19050">
+            <a:solidFill>
+              <a:schemeClr val="bg2">
+                <a:lumMod val="25000"/>
+              </a:schemeClr>
+            </a:solidFill>
+          </a:ln>
+        </p:spPr>
+        <p:style>
+          <a:lnRef idx="2">
+            <a:schemeClr val="accent1">
+              <a:shade val="50000"/>
+            </a:schemeClr>
+          </a:lnRef>
+          <a:fillRef idx="1">
+            <a:schemeClr val="accent1"/>
+          </a:fillRef>
+          <a:effectRef idx="0">
+            <a:schemeClr val="accent1"/>
+          </a:effectRef>
+          <a:fontRef idx="minor">
+            <a:schemeClr val="lt1"/>
+          </a:fontRef>
+        </p:style>
+        <p:txBody>
+          <a:bodyPr rot="0" spcFirstLastPara="0" vertOverflow="overflow" horzOverflow="overflow" vert="horz" wrap="square" lIns="91439" tIns="45720" rIns="91439" bIns="45720" numCol="1" spcCol="0" rtlCol="0" fromWordArt="0" anchor="ctr" anchorCtr="0" forceAA="0" compatLnSpc="1">
+            <a:prstTxWarp prst="textNoShape">
+              <a:avLst/>
+            </a:prstTxWarp>
+            <a:noAutofit/>
+          </a:bodyPr>
+          <a:lstStyle/>
+          <a:p>
+            <a:pPr algn="ctr">
+              <a:lnSpc>
+                <a:spcPct val="150000"/>
+              </a:lnSpc>
+            </a:pPr>
+            <a:r>
+              <a:rPr lang="en-US" sz="1151" dirty="0">
+                <a:solidFill>
+                  <a:schemeClr val="tx1"/>
+                </a:solidFill>
+                <a:latin typeface="Helvetica Neue" panose="02000503000000020004" pitchFamily="50"/>
+              </a:rPr>
+              <a:t>ENCODING OF DREAM CONTENT INTO MEMORY</a:t>
+            </a:r>
+            <a:endParaRPr lang="en-US" sz="1151" baseline="30000" dirty="0">
+              <a:solidFill>
+                <a:schemeClr val="tx1"/>
+              </a:solidFill>
+              <a:latin typeface="Helvetica Neue" panose="02000503000000020004" pitchFamily="50"/>
+            </a:endParaRPr>
+          </a:p>
+        </p:txBody>
+      </p:sp>
+      <p:sp>
+        <p:nvSpPr>
+          <p:cNvPr id="8" name="ZoneTexte 7"/>
+          <p:cNvSpPr txBox="1"/>
+          <p:nvPr/>
+        </p:nvSpPr>
+        <p:spPr>
+          <a:xfrm>
+            <a:off x="6266152" y="3908758"/>
+            <a:ext cx="763201" cy="477310"/>
+          </a:xfrm>
+          <a:prstGeom prst="rect">
+            <a:avLst/>
+          </a:prstGeom>
+          <a:noFill/>
+        </p:spPr>
+        <p:txBody>
+          <a:bodyPr wrap="square" rtlCol="0">
+            <a:spAutoFit/>
+          </a:bodyPr>
+          <a:lstStyle/>
+          <a:p>
+            <a:pPr algn="ctr"/>
+            <a:r>
+              <a:rPr lang="en-US" sz="1251" dirty="0">
+                <a:latin typeface="Helvetica Neue" panose="02000503000000020004" pitchFamily="50"/>
+              </a:rPr>
+              <a:t>Sleep </a:t>
+            </a:r>
+          </a:p>
+          <a:p>
+            <a:pPr algn="ctr"/>
+            <a:r>
+              <a:rPr lang="en-US" sz="1251" dirty="0">
+                <a:latin typeface="Helvetica Neue" panose="02000503000000020004" pitchFamily="50"/>
+              </a:rPr>
+              <a:t>inertia</a:t>
+            </a:r>
+            <a:endParaRPr lang="en-US" sz="1251" baseline="30000" dirty="0">
+              <a:latin typeface="Helvetica Neue" panose="02000503000000020004" pitchFamily="50"/>
+            </a:endParaRPr>
+          </a:p>
+        </p:txBody>
+      </p:sp>
+      <p:sp>
+        <p:nvSpPr>
+          <p:cNvPr id="9" name="ZoneTexte 8"/>
+          <p:cNvSpPr txBox="1"/>
+          <p:nvPr/>
+        </p:nvSpPr>
+        <p:spPr>
+          <a:xfrm>
+            <a:off x="6290523" y="4666701"/>
+            <a:ext cx="1735696" cy="284822"/>
+          </a:xfrm>
+          <a:prstGeom prst="rect">
+            <a:avLst/>
+          </a:prstGeom>
+          <a:noFill/>
+        </p:spPr>
+        <p:txBody>
+          <a:bodyPr wrap="square" rtlCol="0">
+            <a:spAutoFit/>
+          </a:bodyPr>
+          <a:lstStyle/>
+          <a:p>
+            <a:pPr algn="ctr"/>
+            <a:r>
+              <a:rPr lang="en-US" sz="1251" dirty="0">
+                <a:latin typeface="Helvetica Neue" panose="02000503000000020004" pitchFamily="50"/>
+              </a:rPr>
+              <a:t>Physiological context</a:t>
+            </a:r>
+            <a:endParaRPr lang="en-US" sz="1251" baseline="30000" dirty="0">
+              <a:latin typeface="Helvetica Neue" panose="02000503000000020004" pitchFamily="50"/>
+            </a:endParaRPr>
+          </a:p>
+        </p:txBody>
+      </p:sp>
       <p:cxnSp>
         <p:nvCxnSpPr>
-          <p:cNvPr id="42" name="Connecteur droit avec flèche 41"/>
+          <p:cNvPr id="19" name="Connecteur droit avec flèche 18"/>
           <p:cNvCxnSpPr/>
           <p:nvPr/>
         </p:nvCxnSpPr>
         <p:spPr>
-          <a:xfrm>
-            <a:off x="7157228" y="2409641"/>
+          <a:xfrm flipV="1">
+            <a:off x="6640797" y="4412897"/>
             <a:ext cx="0" cy="216000"/>
           </a:xfrm>
           <a:prstGeom prst="straightConnector1">
@@ -3783,6 +9107,155 @@
           </a:fontRef>
         </p:style>
       </p:cxnSp>
+      <p:cxnSp>
+        <p:nvCxnSpPr>
+          <p:cNvPr id="20" name="Connecteur droit avec flèche 19"/>
+          <p:cNvCxnSpPr/>
+          <p:nvPr/>
+        </p:nvCxnSpPr>
+        <p:spPr>
+          <a:xfrm flipV="1">
+            <a:off x="6647408" y="3667014"/>
+            <a:ext cx="0" cy="216000"/>
+          </a:xfrm>
+          <a:prstGeom prst="straightConnector1">
+            <a:avLst/>
+          </a:prstGeom>
+          <a:ln w="12700">
+            <a:solidFill>
+              <a:schemeClr val="tx1">
+                <a:lumMod val="85000"/>
+                <a:lumOff val="15000"/>
+              </a:schemeClr>
+            </a:solidFill>
+            <a:tailEnd type="triangle"/>
+          </a:ln>
+        </p:spPr>
+        <p:style>
+          <a:lnRef idx="3">
+            <a:schemeClr val="dk1"/>
+          </a:lnRef>
+          <a:fillRef idx="0">
+            <a:schemeClr val="dk1"/>
+          </a:fillRef>
+          <a:effectRef idx="2">
+            <a:schemeClr val="dk1"/>
+          </a:effectRef>
+          <a:fontRef idx="minor">
+            <a:schemeClr val="tx1"/>
+          </a:fontRef>
+        </p:style>
+      </p:cxnSp>
+      <p:sp>
+        <p:nvSpPr>
+          <p:cNvPr id="26" name="Rectangle 25"/>
+          <p:cNvSpPr/>
+          <p:nvPr/>
+        </p:nvSpPr>
+        <p:spPr>
+          <a:xfrm>
+            <a:off x="4436668" y="2083207"/>
+            <a:ext cx="1440000" cy="872357"/>
+          </a:xfrm>
+          <a:prstGeom prst="rect">
+            <a:avLst/>
+          </a:prstGeom>
+          <a:solidFill>
+            <a:srgbClr val="222A29"/>
+          </a:solidFill>
+          <a:ln w="12700">
+            <a:solidFill>
+              <a:schemeClr val="tx1"/>
+            </a:solidFill>
+          </a:ln>
+        </p:spPr>
+        <p:style>
+          <a:lnRef idx="2">
+            <a:schemeClr val="accent1">
+              <a:shade val="50000"/>
+            </a:schemeClr>
+          </a:lnRef>
+          <a:fillRef idx="1">
+            <a:schemeClr val="accent1"/>
+          </a:fillRef>
+          <a:effectRef idx="0">
+            <a:schemeClr val="accent1"/>
+          </a:effectRef>
+          <a:fontRef idx="minor">
+            <a:schemeClr val="lt1"/>
+          </a:fontRef>
+        </p:style>
+        <p:txBody>
+          <a:bodyPr rot="0" spcFirstLastPara="0" vertOverflow="overflow" horzOverflow="overflow" vert="horz" wrap="square" lIns="91439" tIns="45720" rIns="91439" bIns="45720" numCol="1" spcCol="0" rtlCol="0" fromWordArt="0" anchor="ctr" anchorCtr="0" forceAA="0" compatLnSpc="1">
+            <a:prstTxWarp prst="textNoShape">
+              <a:avLst/>
+            </a:prstTxWarp>
+            <a:noAutofit/>
+          </a:bodyPr>
+          <a:lstStyle/>
+          <a:p>
+            <a:pPr algn="ctr">
+              <a:lnSpc>
+                <a:spcPct val="150000"/>
+              </a:lnSpc>
+            </a:pPr>
+            <a:r>
+              <a:rPr lang="en-US" sz="1151" dirty="0">
+                <a:solidFill>
+                  <a:schemeClr val="bg1"/>
+                </a:solidFill>
+                <a:latin typeface="Helvetica Neue" panose="02000503000000020004" pitchFamily="50"/>
+              </a:rPr>
+              <a:t>SALIENCE          OF DREAM CONTENT</a:t>
+            </a:r>
+            <a:endParaRPr lang="en-US" sz="1151" baseline="30000" dirty="0">
+              <a:solidFill>
+                <a:schemeClr val="bg1"/>
+              </a:solidFill>
+              <a:latin typeface="Helvetica Neue" panose="02000503000000020004" pitchFamily="50"/>
+            </a:endParaRPr>
+          </a:p>
+        </p:txBody>
+      </p:sp>
+      <p:cxnSp>
+        <p:nvCxnSpPr>
+          <p:cNvPr id="42" name="Connecteur droit avec flèche 41"/>
+          <p:cNvCxnSpPr/>
+          <p:nvPr/>
+        </p:nvCxnSpPr>
+        <p:spPr>
+          <a:xfrm>
+            <a:off x="7157228" y="2409641"/>
+            <a:ext cx="0" cy="216000"/>
+          </a:xfrm>
+          <a:prstGeom prst="straightConnector1">
+            <a:avLst/>
+          </a:prstGeom>
+          <a:ln w="12700">
+            <a:solidFill>
+              <a:schemeClr val="tx1">
+                <a:lumMod val="85000"/>
+                <a:lumOff val="15000"/>
+              </a:schemeClr>
+            </a:solidFill>
+            <a:tailEnd type="triangle"/>
+          </a:ln>
+        </p:spPr>
+        <p:style>
+          <a:lnRef idx="3">
+            <a:schemeClr val="dk1"/>
+          </a:lnRef>
+          <a:fillRef idx="0">
+            <a:schemeClr val="dk1"/>
+          </a:fillRef>
+          <a:effectRef idx="2">
+            <a:schemeClr val="dk1"/>
+          </a:effectRef>
+          <a:fontRef idx="minor">
+            <a:schemeClr val="tx1"/>
+          </a:fontRef>
+        </p:style>
+      </p:cxnSp>
       <p:sp>
         <p:nvSpPr>
           <p:cNvPr id="43" name="ZoneTexte 42"/>
@@ -3812,9 +9285,6 @@
               </a:rPr>
               <a:t>Interference</a:t>
             </a:r>
-            <a:endParaRPr lang="en-US" sz="1251" dirty="0">
-              <a:latin typeface="Helvetica Neue" panose="02000503000000020004" pitchFamily="50"/>
-            </a:endParaRPr>
           </a:p>
         </p:txBody>
       </p:sp>
@@ -3927,12 +9397,6 @@
                 </a:rPr>
                 <a:t>DREAM RECALL</a:t>
               </a:r>
-              <a:endParaRPr lang="en-US" sz="1200" b="1" dirty="0">
-                <a:solidFill>
-                  <a:schemeClr val="tx1"/>
-                </a:solidFill>
-                <a:latin typeface="Helvetica Neue" panose="02000503000000020004" pitchFamily="50"/>
-              </a:endParaRPr>
             </a:p>
           </p:txBody>
         </p:sp>
@@ -4916,10 +10380,6 @@
                 </a:rPr>
                 <a:t>SLEEP</a:t>
               </a:r>
-              <a:endParaRPr lang="en-US" sz="1100" dirty="0">
-                <a:latin typeface="Roboto Medium" panose="02000000000000000000" pitchFamily="2" charset="0"/>
-                <a:ea typeface="Roboto Medium" panose="02000000000000000000" pitchFamily="2" charset="0"/>
-              </a:endParaRPr>
             </a:p>
           </p:txBody>
         </p:sp>
@@ -5017,10 +10477,6 @@
                 </a:rPr>
                 <a:t>AWAKENING</a:t>
               </a:r>
-              <a:endParaRPr lang="en-US" sz="1100" dirty="0">
-                <a:latin typeface="Roboto Medium" panose="02000000000000000000" pitchFamily="2" charset="0"/>
-                <a:ea typeface="Roboto Medium" panose="02000000000000000000" pitchFamily="2" charset="0"/>
-              </a:endParaRPr>
             </a:p>
           </p:txBody>
         </p:sp>
@@ -5082,10 +10538,17 @@
   <p:clrMapOvr>
     <a:masterClrMapping/>
   </p:clrMapOvr>
+  <p:timing>
+    <p:tnLst>
+      <p:par>
+        <p:cTn id="1" dur="indefinite" restart="never" nodeType="tmRoot"/>
+      </p:par>
+    </p:tnLst>
+  </p:timing>
 </p:sld>
 </file>
 
-<file path=ppt/slides/slide3.xml><?xml version="1.0" encoding="utf-8"?>
+<file path=ppt/slides/slide5.xml><?xml version="1.0" encoding="utf-8"?>
 <p:sld xmlns:a="http://schemas.openxmlformats.org/drawingml/2006/main" xmlns:r="http://schemas.openxmlformats.org/officeDocument/2006/relationships" xmlns:p="http://schemas.openxmlformats.org/presentationml/2006/main">
   <p:cSld>
     <p:spTree>
@@ -5672,9 +11135,6 @@
               </a:rPr>
               <a:t>Interference</a:t>
             </a:r>
-            <a:endParaRPr lang="en-US" sz="1151" dirty="0">
-              <a:latin typeface="Helvetica Neue" panose="02000503000000020004" pitchFamily="50"/>
-            </a:endParaRPr>
           </a:p>
         </p:txBody>
       </p:sp>
@@ -5826,12 +11286,6 @@
                 </a:rPr>
                 <a:t>DREAM RECALL</a:t>
               </a:r>
-              <a:endParaRPr lang="en-US" sz="1200" b="1" dirty="0">
-                <a:solidFill>
-                  <a:schemeClr val="tx1"/>
-                </a:solidFill>
-                <a:latin typeface="Helvetica Neue" panose="02000503000000020004" pitchFamily="50"/>
-              </a:endParaRPr>
             </a:p>
           </p:txBody>
         </p:sp>
@@ -6272,7 +11726,7 @@
 </p:sld>
 </file>
 
-<file path=ppt/slides/slide4.xml><?xml version="1.0" encoding="utf-8"?>
+<file path=ppt/slides/slide6.xml><?xml version="1.0" encoding="utf-8"?>
 <p:sld xmlns:a="http://schemas.openxmlformats.org/drawingml/2006/main" xmlns:r="http://schemas.openxmlformats.org/officeDocument/2006/relationships" xmlns:p="http://schemas.openxmlformats.org/presentationml/2006/main">
   <p:cSld>
     <p:spTree>
@@ -6348,16 +11802,7 @@
                 </a:solidFill>
                 <a:latin typeface="Helvetica Neue" panose="02000503000000020004" pitchFamily="50"/>
               </a:rPr>
-              <a:t>Larger brain </a:t>
-            </a:r>
-            <a:r>
-              <a:rPr lang="en-US" sz="1151" dirty="0">
-                <a:solidFill>
-                  <a:schemeClr val="tx1"/>
-                </a:solidFill>
-                <a:latin typeface="Helvetica Neue" panose="02000503000000020004" pitchFamily="50"/>
-              </a:rPr>
-              <a:t>responses to external stimuli</a:t>
+              <a:t>Larger brain responses to external stimuli</a:t>
             </a:r>
             <a:r>
               <a:rPr lang="en-US" sz="1151" baseline="30000" dirty="0">
@@ -6368,12 +11813,6 @@
               </a:rPr>
               <a:t>1</a:t>
             </a:r>
-            <a:endParaRPr lang="en-US" sz="1151" baseline="30000" dirty="0">
-              <a:solidFill>
-                <a:schemeClr val="tx1"/>
-              </a:solidFill>
-              <a:latin typeface="Helvetica Neue" panose="02000503000000020004" pitchFamily="50"/>
-            </a:endParaRPr>
           </a:p>
         </p:txBody>
       </p:sp>
@@ -6436,16 +11875,7 @@
                 </a:solidFill>
                 <a:latin typeface="Helvetica Neue" panose="02000503000000020004" pitchFamily="50"/>
               </a:rPr>
-              <a:t>Longer awakenings </a:t>
-            </a:r>
-            <a:r>
-              <a:rPr lang="en-US" sz="1151" dirty="0">
-                <a:solidFill>
-                  <a:schemeClr val="bg1"/>
-                </a:solidFill>
-                <a:latin typeface="Helvetica Neue" panose="02000503000000020004" pitchFamily="50"/>
-              </a:rPr>
-              <a:t>during sleep</a:t>
+              <a:t>Longer awakenings during sleep</a:t>
             </a:r>
             <a:r>
               <a:rPr lang="en-US" sz="1151" baseline="30000" dirty="0">
@@ -6456,12 +11886,6 @@
               </a:rPr>
               <a:t>1,2</a:t>
             </a:r>
-            <a:endParaRPr lang="en-US" sz="1151" baseline="30000" dirty="0">
-              <a:solidFill>
-                <a:schemeClr val="bg1"/>
-              </a:solidFill>
-              <a:latin typeface="Helvetica Neue" panose="02000503000000020004" pitchFamily="50"/>
-            </a:endParaRPr>
           </a:p>
         </p:txBody>
       </p:sp>
@@ -6535,12 +11959,6 @@
               </a:rPr>
               <a:t>6</a:t>
             </a:r>
-            <a:endParaRPr lang="en-US" sz="1151" baseline="30000" dirty="0">
-              <a:solidFill>
-                <a:schemeClr val="bg1"/>
-              </a:solidFill>
-              <a:latin typeface="Helvetica Neue" panose="02000503000000020004" pitchFamily="50"/>
-            </a:endParaRPr>
           </a:p>
         </p:txBody>
       </p:sp>
@@ -6571,13 +11989,7 @@
               <a:rPr lang="en-US" sz="1200" dirty="0">
                 <a:latin typeface="Helvetica" pitchFamily="2" charset="0"/>
               </a:rPr>
-              <a:t>Less </a:t>
-            </a:r>
-            <a:r>
-              <a:rPr lang="en-US" sz="1200" dirty="0">
-                <a:latin typeface="Helvetica" pitchFamily="2" charset="0"/>
-              </a:rPr>
-              <a:t>interference</a:t>
+              <a:t>Less interference</a:t>
             </a:r>
             <a:r>
               <a:rPr lang="en-US" sz="1200" baseline="30000" dirty="0">
@@ -6615,13 +12027,7 @@
               <a:rPr lang="en-US" sz="1200" dirty="0">
                 <a:latin typeface="Helvetica" pitchFamily="2" charset="0"/>
               </a:rPr>
-              <a:t>Higher interest in </a:t>
-            </a:r>
-            <a:r>
-              <a:rPr lang="en-US" sz="1200" dirty="0">
-                <a:latin typeface="Helvetica" pitchFamily="2" charset="0"/>
-              </a:rPr>
-              <a:t>dreams</a:t>
+              <a:t>Higher interest in dreams</a:t>
             </a:r>
             <a:r>
               <a:rPr lang="en-US" sz="1200" baseline="30000" dirty="0">
@@ -6879,16 +12285,7 @@
                 </a:solidFill>
                 <a:latin typeface="Helvetica" pitchFamily="2" charset="0"/>
               </a:rPr>
-              <a:t>1</a:t>
-            </a:r>
-            <a:r>
-              <a:rPr lang="en-US" sz="1100" i="1" dirty="0">
-                <a:solidFill>
-                  <a:schemeClr val="bg1"/>
-                </a:solidFill>
-                <a:latin typeface="Helvetica" pitchFamily="2" charset="0"/>
-              </a:rPr>
-              <a:t>: Eichenlaub et al. 2014a</a:t>
+              <a:t>1: Eichenlaub et al. 2014a</a:t>
             </a:r>
           </a:p>
           <a:p>
@@ -6904,16 +12301,7 @@
                 </a:solidFill>
                 <a:latin typeface="Helvetica" pitchFamily="2" charset="0"/>
               </a:rPr>
-              <a:t>2: </a:t>
-            </a:r>
-            <a:r>
-              <a:rPr lang="en-US" sz="1100" b="1" i="1" dirty="0">
-                <a:solidFill>
-                  <a:schemeClr val="bg1"/>
-                </a:solidFill>
-                <a:latin typeface="Helvetica" pitchFamily="2" charset="0"/>
-              </a:rPr>
-              <a:t>Study I </a:t>
+              <a:t>2: Study I </a:t>
             </a:r>
             <a:r>
               <a:rPr lang="en-US" sz="1100" i="1" dirty="0">
@@ -6976,16 +12364,7 @@
                 </a:solidFill>
                 <a:latin typeface="Helvetica" pitchFamily="2" charset="0"/>
               </a:rPr>
-              <a:t>5</a:t>
-            </a:r>
-            <a:r>
-              <a:rPr lang="en-US" sz="1100" b="1" i="1" dirty="0">
-                <a:solidFill>
-                  <a:schemeClr val="bg1"/>
-                </a:solidFill>
-                <a:latin typeface="Helvetica" pitchFamily="2" charset="0"/>
-              </a:rPr>
-              <a:t>: Study II.2 </a:t>
+              <a:t>5: Study II.2 </a:t>
             </a:r>
             <a:r>
               <a:rPr lang="en-US" sz="1100" i="1" dirty="0">
@@ -7016,8 +12395,15 @@
                 </a:solidFill>
                 <a:latin typeface="Helvetica" pitchFamily="2" charset="0"/>
               </a:rPr>
-              <a:t>6</a:t>
-            </a:r>
+              <a:t>6: Koulack et Goodenough 1976</a:t>
+            </a:r>
+          </a:p>
+          <a:p>
+            <a:pPr>
+              <a:lnSpc>
+                <a:spcPct val="110000"/>
+              </a:lnSpc>
+            </a:pPr>
             <a:r>
               <a:rPr lang="en-US" sz="1100" i="1" dirty="0">
                 <a:solidFill>
@@ -7025,50 +12411,7 @@
                 </a:solidFill>
                 <a:latin typeface="Helvetica" pitchFamily="2" charset="0"/>
               </a:rPr>
-              <a:t>: </a:t>
-            </a:r>
-            <a:r>
-              <a:rPr lang="en-US" sz="1100" i="1" dirty="0">
-                <a:solidFill>
-                  <a:schemeClr val="bg1"/>
-                </a:solidFill>
-                <a:latin typeface="Helvetica" pitchFamily="2" charset="0"/>
-              </a:rPr>
-              <a:t>Koulack et Goodenough </a:t>
-            </a:r>
-            <a:r>
-              <a:rPr lang="en-US" sz="1100" i="1" dirty="0">
-                <a:solidFill>
-                  <a:schemeClr val="bg1"/>
-                </a:solidFill>
-                <a:latin typeface="Helvetica" pitchFamily="2" charset="0"/>
-              </a:rPr>
-              <a:t>1976</a:t>
-            </a:r>
-          </a:p>
-          <a:p>
-            <a:pPr>
-              <a:lnSpc>
-                <a:spcPct val="110000"/>
-              </a:lnSpc>
-            </a:pPr>
-            <a:r>
-              <a:rPr lang="en-US" sz="1100" i="1" dirty="0">
-                <a:solidFill>
-                  <a:schemeClr val="bg1"/>
-                </a:solidFill>
-                <a:latin typeface="Helvetica" pitchFamily="2" charset="0"/>
-              </a:rPr>
-              <a:t>7: </a:t>
-            </a:r>
-            <a:r>
-              <a:rPr lang="en-US" sz="1100" i="1" dirty="0">
-                <a:solidFill>
-                  <a:schemeClr val="bg1"/>
-                </a:solidFill>
-                <a:latin typeface="Helvetica" pitchFamily="2" charset="0"/>
-              </a:rPr>
-              <a:t>Cohen et Wolfe 1973</a:t>
+              <a:t>7: Cohen et Wolfe 1973</a:t>
             </a:r>
           </a:p>
           <a:p>
@@ -7097,8 +12440,15 @@
                 </a:solidFill>
                 <a:latin typeface="Helvetica" pitchFamily="2" charset="0"/>
               </a:rPr>
-              <a:t>8: </a:t>
-            </a:r>
+              <a:t>8: Schredl et al. 2003</a:t>
+            </a:r>
+          </a:p>
+          <a:p>
+            <a:pPr>
+              <a:lnSpc>
+                <a:spcPct val="110000"/>
+              </a:lnSpc>
+            </a:pPr>
             <a:r>
               <a:rPr lang="en-US" sz="1100" i="1" dirty="0">
                 <a:solidFill>
@@ -7106,50 +12456,7 @@
                 </a:solidFill>
                 <a:latin typeface="Helvetica" pitchFamily="2" charset="0"/>
               </a:rPr>
-              <a:t>Schredl et al. 2003</a:t>
-            </a:r>
-          </a:p>
-          <a:p>
-            <a:pPr>
-              <a:lnSpc>
-                <a:spcPct val="110000"/>
-              </a:lnSpc>
-            </a:pPr>
-            <a:r>
-              <a:rPr lang="en-US" sz="1100" i="1" dirty="0">
-                <a:solidFill>
-                  <a:schemeClr val="bg1"/>
-                </a:solidFill>
-                <a:latin typeface="Helvetica" pitchFamily="2" charset="0"/>
-              </a:rPr>
-              <a:t>9</a:t>
-            </a:r>
-            <a:r>
-              <a:rPr lang="en-US" sz="1100" i="1" dirty="0">
-                <a:solidFill>
-                  <a:schemeClr val="bg1"/>
-                </a:solidFill>
-                <a:latin typeface="Helvetica" pitchFamily="2" charset="0"/>
-              </a:rPr>
-              <a:t>: </a:t>
-            </a:r>
-            <a:r>
-              <a:rPr lang="en-US" sz="1100" i="1" dirty="0">
-                <a:solidFill>
-                  <a:schemeClr val="bg1"/>
-                </a:solidFill>
-                <a:latin typeface="Helvetica" pitchFamily="2" charset="0"/>
-              </a:rPr>
-              <a:t>Schonbar </a:t>
-            </a:r>
-            <a:r>
-              <a:rPr lang="en-US" sz="1100" i="1" dirty="0">
-                <a:solidFill>
-                  <a:schemeClr val="bg1"/>
-                </a:solidFill>
-                <a:latin typeface="Helvetica" pitchFamily="2" charset="0"/>
-              </a:rPr>
-              <a:t>1965</a:t>
+              <a:t>9: Schonbar 1965</a:t>
             </a:r>
           </a:p>
           <a:p>
@@ -7183,12 +12490,6 @@
               </a:rPr>
               <a:t>11: Schredl 1995</a:t>
             </a:r>
-            <a:endParaRPr lang="en-US" sz="1100" i="1" dirty="0">
-              <a:solidFill>
-                <a:schemeClr val="bg1"/>
-              </a:solidFill>
-              <a:latin typeface="Helvetica" pitchFamily="2" charset="0"/>
-            </a:endParaRPr>
           </a:p>
           <a:p>
             <a:pPr>
@@ -7203,25 +12504,7 @@
                 </a:solidFill>
                 <a:latin typeface="Helvetica" pitchFamily="2" charset="0"/>
               </a:rPr>
-              <a:t>12: </a:t>
-            </a:r>
-            <a:r>
-              <a:rPr lang="en-US" sz="1100" b="1" i="1" dirty="0">
-                <a:solidFill>
-                  <a:schemeClr val="bg1"/>
-                </a:solidFill>
-                <a:latin typeface="Helvetica" pitchFamily="2" charset="0"/>
-              </a:rPr>
-              <a:t>Study </a:t>
-            </a:r>
-            <a:r>
-              <a:rPr lang="en-US" sz="1100" b="1" i="1" dirty="0">
-                <a:solidFill>
-                  <a:schemeClr val="bg1"/>
-                </a:solidFill>
-                <a:latin typeface="Helvetica" pitchFamily="2" charset="0"/>
-              </a:rPr>
-              <a:t>II.3 </a:t>
+              <a:t>12: Study II.3 </a:t>
             </a:r>
             <a:r>
               <a:rPr lang="en-US" sz="1100" i="1" dirty="0">
@@ -7248,12 +12531,6 @@
               </a:rPr>
               <a:t>13: Eichenlaub et al. 2014b</a:t>
             </a:r>
-            <a:endParaRPr lang="en-US" sz="1100" i="1" dirty="0">
-              <a:solidFill>
-                <a:schemeClr val="bg1"/>
-              </a:solidFill>
-              <a:latin typeface="Helvetica" pitchFamily="2" charset="0"/>
-            </a:endParaRPr>
           </a:p>
         </p:txBody>
       </p:sp>
@@ -7323,13 +12600,7 @@
               <a:rPr lang="en-US" sz="1200" dirty="0">
                 <a:latin typeface="Helvetica" pitchFamily="2" charset="0"/>
               </a:rPr>
-              <a:t>“Inner-acceptant” </a:t>
-            </a:r>
-            <a:r>
-              <a:rPr lang="en-US" sz="1200" dirty="0">
-                <a:latin typeface="Helvetica" pitchFamily="2" charset="0"/>
-              </a:rPr>
-              <a:t>life-style</a:t>
+              <a:t>“Inner-acceptant” life-style</a:t>
             </a:r>
             <a:r>
               <a:rPr lang="en-US" sz="1200" baseline="30000" dirty="0">
@@ -7410,12 +12681,6 @@
               </a:rPr>
               <a:t>6,10</a:t>
             </a:r>
-            <a:endParaRPr lang="en-US" sz="1151" baseline="30000" dirty="0">
-              <a:solidFill>
-                <a:schemeClr val="bg1"/>
-              </a:solidFill>
-              <a:latin typeface="Helvetica Neue" panose="02000503000000020004" pitchFamily="50"/>
-            </a:endParaRPr>
           </a:p>
         </p:txBody>
       </p:sp>
@@ -7499,9 +12764,6 @@
               </a:rPr>
               <a:t> </a:t>
             </a:r>
-            <a:endParaRPr lang="en-US" sz="1200" dirty="0">
-              <a:latin typeface="Helvetica" pitchFamily="2" charset="0"/>
-            </a:endParaRPr>
           </a:p>
         </p:txBody>
       </p:sp>
@@ -7763,9 +13025,6 @@
               </a:rPr>
               <a:t> </a:t>
             </a:r>
-            <a:endParaRPr lang="en-US" sz="1200" dirty="0">
-              <a:latin typeface="Helvetica" pitchFamily="2" charset="0"/>
-            </a:endParaRPr>
           </a:p>
         </p:txBody>
       </p:sp>
@@ -7843,9 +13102,6 @@
               </a:rPr>
               <a:t>4</a:t>
             </a:r>
-            <a:endParaRPr lang="en-US" sz="1200" baseline="30000" dirty="0">
-              <a:latin typeface="Helvetica" pitchFamily="2" charset="0"/>
-            </a:endParaRPr>
           </a:p>
         </p:txBody>
       </p:sp>
@@ -7923,9 +13179,6 @@
               </a:rPr>
               <a:t>3</a:t>
             </a:r>
-            <a:endParaRPr lang="en-US" sz="1200" baseline="30000" dirty="0">
-              <a:latin typeface="Helvetica" pitchFamily="2" charset="0"/>
-            </a:endParaRPr>
           </a:p>
         </p:txBody>
       </p:sp>
@@ -7997,12 +13250,6 @@
               </a:rPr>
               <a:t>DREAM</a:t>
             </a:r>
-            <a:endParaRPr lang="en-US" sz="1200" b="1" dirty="0">
-              <a:solidFill>
-                <a:schemeClr val="tx1"/>
-              </a:solidFill>
-              <a:latin typeface="Helvetica Neue" panose="02000503000000020004" pitchFamily="50"/>
-            </a:endParaRPr>
           </a:p>
           <a:p>
             <a:pPr algn="ctr"/>
@@ -8130,12 +13377,6 @@
                 </a:rPr>
                 <a:t>RECALLERS</a:t>
               </a:r>
-              <a:endParaRPr lang="en-US" sz="1200" b="1" dirty="0">
-                <a:solidFill>
-                  <a:srgbClr val="C82829"/>
-                </a:solidFill>
-                <a:latin typeface="Helvetica Neue" panose="02000503000000020004" pitchFamily="50"/>
-              </a:endParaRPr>
             </a:p>
           </p:txBody>
         </p:sp>
